--- a/design/画面デザイン構想.pptx
+++ b/design/画面デザイン構想.pptx
@@ -104,7 +104,39 @@
       </a:defRPr>
     </a:lvl9pPr>
   </p:defaultTextStyle>
+  <p:extLst>
+    <p:ext uri="{EFAFB233-063F-42B5-8137-9DF3F51BA10A}">
+      <p15:sldGuideLst xmlns:p15="http://schemas.microsoft.com/office/powerpoint/2012/main"/>
+    </p:ext>
+  </p:extLst>
 </p:presentation>
+</file>
+
+<file path=ppt/authors.xml><?xml version="1.0" encoding="utf-8"?>
+<p188:authorLst xmlns:a="http://schemas.openxmlformats.org/drawingml/2006/main" xmlns:r="http://schemas.openxmlformats.org/officeDocument/2006/relationships" xmlns:p188="http://schemas.microsoft.com/office/powerpoint/2018/8/main">
+  <p188:author id="{0F0A357F-92BE-A6E6-1182-9F822AD05C42}" name="中野　絹太" initials="中野　絹太" userId="S::a5717058@aoyama.jp::b50cb0c6-1fbd-47df-954e-9c81e36d22e0" providerId="AD"/>
+</p188:authorLst>
+</file>
+
+<file path=ppt/comments/modernComment_100_F3FCC67C.xml><?xml version="1.0" encoding="utf-8"?>
+<p188:cmLst xmlns:a="http://schemas.openxmlformats.org/drawingml/2006/main" xmlns:r="http://schemas.openxmlformats.org/officeDocument/2006/relationships" xmlns:p188="http://schemas.microsoft.com/office/powerpoint/2018/8/main">
+  <p188:cm id="{79F78E8D-C9EA-EA41-A016-7DB9AB5E4506}" authorId="{0F0A357F-92BE-A6E6-1182-9F822AD05C42}" created="2022-06-30T23:54:19.445">
+    <pc:sldMkLst xmlns:pc="http://schemas.microsoft.com/office/powerpoint/2013/main/command">
+      <pc:docMk/>
+      <pc:sldMk cId="4093429372" sldId="256"/>
+    </pc:sldMkLst>
+    <p188:txBody>
+      <a:bodyPr/>
+      <a:lstStyle/>
+      <a:p>
+        <a:r>
+          <a:rPr lang="ja-JP" altLang="en-US"/>
+          <a:t>貯蓄シミュレーション画面</a:t>
+        </a:r>
+      </a:p>
+    </p188:txBody>
+  </p188:cm>
+</p188:cmLst>
 </file>
 
 <file path=ppt/slideLayouts/slideLayout1.xml><?xml version="1.0" encoding="utf-8"?>
@@ -254,7 +286,7 @@
           <a:p>
             <a:fld id="{4978F8BA-5C8D-964E-9BEE-EAEFE2CC1A01}" type="datetimeFigureOut">
               <a:rPr kumimoji="1" lang="ja-JP" altLang="en-US" smtClean="0"/>
-              <a:t>2022/6/28</a:t>
+              <a:t>2022/7/1</a:t>
             </a:fld>
             <a:endParaRPr kumimoji="1" lang="ja-JP" altLang="en-US"/>
           </a:p>
@@ -484,7 +516,7 @@
           <a:p>
             <a:fld id="{4978F8BA-5C8D-964E-9BEE-EAEFE2CC1A01}" type="datetimeFigureOut">
               <a:rPr kumimoji="1" lang="ja-JP" altLang="en-US" smtClean="0"/>
-              <a:t>2022/6/28</a:t>
+              <a:t>2022/7/1</a:t>
             </a:fld>
             <a:endParaRPr kumimoji="1" lang="ja-JP" altLang="en-US"/>
           </a:p>
@@ -724,7 +756,7 @@
           <a:p>
             <a:fld id="{4978F8BA-5C8D-964E-9BEE-EAEFE2CC1A01}" type="datetimeFigureOut">
               <a:rPr kumimoji="1" lang="ja-JP" altLang="en-US" smtClean="0"/>
-              <a:t>2022/6/28</a:t>
+              <a:t>2022/7/1</a:t>
             </a:fld>
             <a:endParaRPr kumimoji="1" lang="ja-JP" altLang="en-US"/>
           </a:p>
@@ -954,7 +986,7 @@
           <a:p>
             <a:fld id="{4978F8BA-5C8D-964E-9BEE-EAEFE2CC1A01}" type="datetimeFigureOut">
               <a:rPr kumimoji="1" lang="ja-JP" altLang="en-US" smtClean="0"/>
-              <a:t>2022/6/28</a:t>
+              <a:t>2022/7/1</a:t>
             </a:fld>
             <a:endParaRPr kumimoji="1" lang="ja-JP" altLang="en-US"/>
           </a:p>
@@ -1229,7 +1261,7 @@
           <a:p>
             <a:fld id="{4978F8BA-5C8D-964E-9BEE-EAEFE2CC1A01}" type="datetimeFigureOut">
               <a:rPr kumimoji="1" lang="ja-JP" altLang="en-US" smtClean="0"/>
-              <a:t>2022/6/28</a:t>
+              <a:t>2022/7/1</a:t>
             </a:fld>
             <a:endParaRPr kumimoji="1" lang="ja-JP" altLang="en-US"/>
           </a:p>
@@ -1558,7 +1590,7 @@
           <a:p>
             <a:fld id="{4978F8BA-5C8D-964E-9BEE-EAEFE2CC1A01}" type="datetimeFigureOut">
               <a:rPr kumimoji="1" lang="ja-JP" altLang="en-US" smtClean="0"/>
-              <a:t>2022/6/28</a:t>
+              <a:t>2022/7/1</a:t>
             </a:fld>
             <a:endParaRPr kumimoji="1" lang="ja-JP" altLang="en-US"/>
           </a:p>
@@ -2034,7 +2066,7 @@
           <a:p>
             <a:fld id="{4978F8BA-5C8D-964E-9BEE-EAEFE2CC1A01}" type="datetimeFigureOut">
               <a:rPr kumimoji="1" lang="ja-JP" altLang="en-US" smtClean="0"/>
-              <a:t>2022/6/28</a:t>
+              <a:t>2022/7/1</a:t>
             </a:fld>
             <a:endParaRPr kumimoji="1" lang="ja-JP" altLang="en-US"/>
           </a:p>
@@ -2175,7 +2207,7 @@
           <a:p>
             <a:fld id="{4978F8BA-5C8D-964E-9BEE-EAEFE2CC1A01}" type="datetimeFigureOut">
               <a:rPr kumimoji="1" lang="ja-JP" altLang="en-US" smtClean="0"/>
-              <a:t>2022/6/28</a:t>
+              <a:t>2022/7/1</a:t>
             </a:fld>
             <a:endParaRPr kumimoji="1" lang="ja-JP" altLang="en-US"/>
           </a:p>
@@ -2288,7 +2320,7 @@
           <a:p>
             <a:fld id="{4978F8BA-5C8D-964E-9BEE-EAEFE2CC1A01}" type="datetimeFigureOut">
               <a:rPr kumimoji="1" lang="ja-JP" altLang="en-US" smtClean="0"/>
-              <a:t>2022/6/28</a:t>
+              <a:t>2022/7/1</a:t>
             </a:fld>
             <a:endParaRPr kumimoji="1" lang="ja-JP" altLang="en-US"/>
           </a:p>
@@ -2631,7 +2663,7 @@
           <a:p>
             <a:fld id="{4978F8BA-5C8D-964E-9BEE-EAEFE2CC1A01}" type="datetimeFigureOut">
               <a:rPr kumimoji="1" lang="ja-JP" altLang="en-US" smtClean="0"/>
-              <a:t>2022/6/28</a:t>
+              <a:t>2022/7/1</a:t>
             </a:fld>
             <a:endParaRPr kumimoji="1" lang="ja-JP" altLang="en-US"/>
           </a:p>
@@ -2919,7 +2951,7 @@
           <a:p>
             <a:fld id="{4978F8BA-5C8D-964E-9BEE-EAEFE2CC1A01}" type="datetimeFigureOut">
               <a:rPr kumimoji="1" lang="ja-JP" altLang="en-US" smtClean="0"/>
-              <a:t>2022/6/28</a:t>
+              <a:t>2022/7/1</a:t>
             </a:fld>
             <a:endParaRPr kumimoji="1" lang="ja-JP" altLang="en-US"/>
           </a:p>
@@ -3192,7 +3224,7 @@
           <a:p>
             <a:fld id="{4978F8BA-5C8D-964E-9BEE-EAEFE2CC1A01}" type="datetimeFigureOut">
               <a:rPr kumimoji="1" lang="ja-JP" altLang="en-US" smtClean="0"/>
-              <a:t>2022/6/28</a:t>
+              <a:t>2022/7/1</a:t>
             </a:fld>
             <a:endParaRPr kumimoji="1" lang="ja-JP" altLang="en-US"/>
           </a:p>
@@ -3598,7 +3630,7 @@
     <p:bg>
       <p:bgPr>
         <a:blipFill dpi="0" rotWithShape="1">
-          <a:blip r:embed="rId2">
+          <a:blip r:embed="rId3">
             <a:lum/>
           </a:blip>
           <a:srcRect/>
@@ -3623,6 +3655,1050 @@
           <a:chExt cx="0" cy="0"/>
         </a:xfrm>
       </p:grpSpPr>
+      <p:grpSp>
+        <p:nvGrpSpPr>
+          <p:cNvPr id="16" name="グループ化 15">
+            <a:extLst>
+              <a:ext uri="{FF2B5EF4-FFF2-40B4-BE49-F238E27FC236}">
+                <a16:creationId xmlns:a16="http://schemas.microsoft.com/office/drawing/2014/main" id="{3A42DFC2-00D8-DD67-E6E9-6624F5C0E4D5}"/>
+              </a:ext>
+            </a:extLst>
+          </p:cNvPr>
+          <p:cNvGrpSpPr/>
+          <p:nvPr/>
+        </p:nvGrpSpPr>
+        <p:grpSpPr>
+          <a:xfrm>
+            <a:off x="775096" y="1674669"/>
+            <a:ext cx="10641807" cy="2700337"/>
+            <a:chOff x="673893" y="1300163"/>
+            <a:chExt cx="10641807" cy="2700337"/>
+          </a:xfrm>
+        </p:grpSpPr>
+        <p:sp>
+          <p:nvSpPr>
+            <p:cNvPr id="2" name="正方形/長方形 1">
+              <a:extLst>
+                <a:ext uri="{FF2B5EF4-FFF2-40B4-BE49-F238E27FC236}">
+                  <a16:creationId xmlns:a16="http://schemas.microsoft.com/office/drawing/2014/main" id="{D096E812-BD88-7CD8-9CBC-0EB5B3286BA6}"/>
+                </a:ext>
+              </a:extLst>
+            </p:cNvPr>
+            <p:cNvSpPr/>
+            <p:nvPr/>
+          </p:nvSpPr>
+          <p:spPr>
+            <a:xfrm>
+              <a:off x="673893" y="1300163"/>
+              <a:ext cx="10641807" cy="2700337"/>
+            </a:xfrm>
+            <a:prstGeom prst="rect">
+              <a:avLst/>
+            </a:prstGeom>
+            <a:solidFill>
+              <a:srgbClr val="A5DEFF">
+                <a:alpha val="25098"/>
+              </a:srgbClr>
+            </a:solidFill>
+            <a:ln>
+              <a:noFill/>
+            </a:ln>
+          </p:spPr>
+          <p:style>
+            <a:lnRef idx="2">
+              <a:schemeClr val="accent1">
+                <a:shade val="50000"/>
+              </a:schemeClr>
+            </a:lnRef>
+            <a:fillRef idx="1">
+              <a:schemeClr val="accent1"/>
+            </a:fillRef>
+            <a:effectRef idx="0">
+              <a:schemeClr val="accent1"/>
+            </a:effectRef>
+            <a:fontRef idx="minor">
+              <a:schemeClr val="lt1"/>
+            </a:fontRef>
+          </p:style>
+          <p:txBody>
+            <a:bodyPr rtlCol="0" anchor="ctr"/>
+            <a:lstStyle/>
+            <a:p>
+              <a:pPr algn="ctr"/>
+              <a:endParaRPr kumimoji="1" lang="ja-JP" altLang="en-US"/>
+            </a:p>
+          </p:txBody>
+        </p:sp>
+        <p:sp>
+          <p:nvSpPr>
+            <p:cNvPr id="3" name="正方形/長方形 2">
+              <a:extLst>
+                <a:ext uri="{FF2B5EF4-FFF2-40B4-BE49-F238E27FC236}">
+                  <a16:creationId xmlns:a16="http://schemas.microsoft.com/office/drawing/2014/main" id="{B631A8C6-2E9B-BD78-A4EB-279503CBCC5F}"/>
+                </a:ext>
+              </a:extLst>
+            </p:cNvPr>
+            <p:cNvSpPr/>
+            <p:nvPr/>
+          </p:nvSpPr>
+          <p:spPr>
+            <a:xfrm>
+              <a:off x="1157288" y="3414712"/>
+              <a:ext cx="357187" cy="585788"/>
+            </a:xfrm>
+            <a:prstGeom prst="rect">
+              <a:avLst/>
+            </a:prstGeom>
+            <a:solidFill>
+              <a:srgbClr val="58BAC4"/>
+            </a:solidFill>
+            <a:ln>
+              <a:noFill/>
+            </a:ln>
+          </p:spPr>
+          <p:style>
+            <a:lnRef idx="2">
+              <a:schemeClr val="accent1">
+                <a:shade val="50000"/>
+              </a:schemeClr>
+            </a:lnRef>
+            <a:fillRef idx="1">
+              <a:schemeClr val="accent1"/>
+            </a:fillRef>
+            <a:effectRef idx="0">
+              <a:schemeClr val="accent1"/>
+            </a:effectRef>
+            <a:fontRef idx="minor">
+              <a:schemeClr val="lt1"/>
+            </a:fontRef>
+          </p:style>
+          <p:txBody>
+            <a:bodyPr rtlCol="0" anchor="ctr"/>
+            <a:lstStyle/>
+            <a:p>
+              <a:pPr algn="ctr"/>
+              <a:endParaRPr kumimoji="1" lang="ja-JP" altLang="en-US"/>
+            </a:p>
+          </p:txBody>
+        </p:sp>
+        <p:sp>
+          <p:nvSpPr>
+            <p:cNvPr id="4" name="正方形/長方形 3">
+              <a:extLst>
+                <a:ext uri="{FF2B5EF4-FFF2-40B4-BE49-F238E27FC236}">
+                  <a16:creationId xmlns:a16="http://schemas.microsoft.com/office/drawing/2014/main" id="{816949B3-17D7-E2DA-FE20-3BF8F794DCB7}"/>
+                </a:ext>
+              </a:extLst>
+            </p:cNvPr>
+            <p:cNvSpPr/>
+            <p:nvPr/>
+          </p:nvSpPr>
+          <p:spPr>
+            <a:xfrm>
+              <a:off x="1997870" y="3043237"/>
+              <a:ext cx="357187" cy="957263"/>
+            </a:xfrm>
+            <a:prstGeom prst="rect">
+              <a:avLst/>
+            </a:prstGeom>
+            <a:solidFill>
+              <a:srgbClr val="58BAC4"/>
+            </a:solidFill>
+            <a:ln>
+              <a:noFill/>
+            </a:ln>
+          </p:spPr>
+          <p:style>
+            <a:lnRef idx="2">
+              <a:schemeClr val="accent1">
+                <a:shade val="50000"/>
+              </a:schemeClr>
+            </a:lnRef>
+            <a:fillRef idx="1">
+              <a:schemeClr val="accent1"/>
+            </a:fillRef>
+            <a:effectRef idx="0">
+              <a:schemeClr val="accent1"/>
+            </a:effectRef>
+            <a:fontRef idx="minor">
+              <a:schemeClr val="lt1"/>
+            </a:fontRef>
+          </p:style>
+          <p:txBody>
+            <a:bodyPr rtlCol="0" anchor="ctr"/>
+            <a:lstStyle/>
+            <a:p>
+              <a:pPr algn="ctr"/>
+              <a:endParaRPr kumimoji="1" lang="ja-JP" altLang="en-US"/>
+            </a:p>
+          </p:txBody>
+        </p:sp>
+        <p:sp>
+          <p:nvSpPr>
+            <p:cNvPr id="5" name="正方形/長方形 4">
+              <a:extLst>
+                <a:ext uri="{FF2B5EF4-FFF2-40B4-BE49-F238E27FC236}">
+                  <a16:creationId xmlns:a16="http://schemas.microsoft.com/office/drawing/2014/main" id="{E459F6EA-E943-ACAC-5ABF-5C26F107E176}"/>
+                </a:ext>
+              </a:extLst>
+            </p:cNvPr>
+            <p:cNvSpPr/>
+            <p:nvPr/>
+          </p:nvSpPr>
+          <p:spPr>
+            <a:xfrm>
+              <a:off x="2838452" y="2657475"/>
+              <a:ext cx="357187" cy="1343024"/>
+            </a:xfrm>
+            <a:prstGeom prst="rect">
+              <a:avLst/>
+            </a:prstGeom>
+            <a:solidFill>
+              <a:srgbClr val="58BAC4"/>
+            </a:solidFill>
+            <a:ln>
+              <a:noFill/>
+            </a:ln>
+          </p:spPr>
+          <p:style>
+            <a:lnRef idx="2">
+              <a:schemeClr val="accent1">
+                <a:shade val="50000"/>
+              </a:schemeClr>
+            </a:lnRef>
+            <a:fillRef idx="1">
+              <a:schemeClr val="accent1"/>
+            </a:fillRef>
+            <a:effectRef idx="0">
+              <a:schemeClr val="accent1"/>
+            </a:effectRef>
+            <a:fontRef idx="minor">
+              <a:schemeClr val="lt1"/>
+            </a:fontRef>
+          </p:style>
+          <p:txBody>
+            <a:bodyPr rtlCol="0" anchor="ctr"/>
+            <a:lstStyle/>
+            <a:p>
+              <a:pPr algn="ctr"/>
+              <a:endParaRPr kumimoji="1" lang="ja-JP" altLang="en-US"/>
+            </a:p>
+          </p:txBody>
+        </p:sp>
+        <p:sp>
+          <p:nvSpPr>
+            <p:cNvPr id="6" name="正方形/長方形 5">
+              <a:extLst>
+                <a:ext uri="{FF2B5EF4-FFF2-40B4-BE49-F238E27FC236}">
+                  <a16:creationId xmlns:a16="http://schemas.microsoft.com/office/drawing/2014/main" id="{08CE92D7-E594-6988-195A-786FD60BC58E}"/>
+                </a:ext>
+              </a:extLst>
+            </p:cNvPr>
+            <p:cNvSpPr/>
+            <p:nvPr/>
+          </p:nvSpPr>
+          <p:spPr>
+            <a:xfrm>
+              <a:off x="3679034" y="2900362"/>
+              <a:ext cx="357187" cy="1100137"/>
+            </a:xfrm>
+            <a:prstGeom prst="rect">
+              <a:avLst/>
+            </a:prstGeom>
+            <a:solidFill>
+              <a:srgbClr val="58BAC4"/>
+            </a:solidFill>
+            <a:ln>
+              <a:noFill/>
+            </a:ln>
+          </p:spPr>
+          <p:style>
+            <a:lnRef idx="2">
+              <a:schemeClr val="accent1">
+                <a:shade val="50000"/>
+              </a:schemeClr>
+            </a:lnRef>
+            <a:fillRef idx="1">
+              <a:schemeClr val="accent1"/>
+            </a:fillRef>
+            <a:effectRef idx="0">
+              <a:schemeClr val="accent1"/>
+            </a:effectRef>
+            <a:fontRef idx="minor">
+              <a:schemeClr val="lt1"/>
+            </a:fontRef>
+          </p:style>
+          <p:txBody>
+            <a:bodyPr rtlCol="0" anchor="ctr"/>
+            <a:lstStyle/>
+            <a:p>
+              <a:pPr algn="ctr"/>
+              <a:endParaRPr kumimoji="1" lang="ja-JP" altLang="en-US"/>
+            </a:p>
+          </p:txBody>
+        </p:sp>
+        <p:sp>
+          <p:nvSpPr>
+            <p:cNvPr id="7" name="正方形/長方形 6">
+              <a:extLst>
+                <a:ext uri="{FF2B5EF4-FFF2-40B4-BE49-F238E27FC236}">
+                  <a16:creationId xmlns:a16="http://schemas.microsoft.com/office/drawing/2014/main" id="{2540A460-4A99-47A9-DEEA-165F028BBC2C}"/>
+                </a:ext>
+              </a:extLst>
+            </p:cNvPr>
+            <p:cNvSpPr/>
+            <p:nvPr/>
+          </p:nvSpPr>
+          <p:spPr>
+            <a:xfrm>
+              <a:off x="4519616" y="2771775"/>
+              <a:ext cx="357187" cy="1228723"/>
+            </a:xfrm>
+            <a:prstGeom prst="rect">
+              <a:avLst/>
+            </a:prstGeom>
+            <a:solidFill>
+              <a:srgbClr val="58BAC4"/>
+            </a:solidFill>
+            <a:ln>
+              <a:noFill/>
+            </a:ln>
+          </p:spPr>
+          <p:style>
+            <a:lnRef idx="2">
+              <a:schemeClr val="accent1">
+                <a:shade val="50000"/>
+              </a:schemeClr>
+            </a:lnRef>
+            <a:fillRef idx="1">
+              <a:schemeClr val="accent1"/>
+            </a:fillRef>
+            <a:effectRef idx="0">
+              <a:schemeClr val="accent1"/>
+            </a:effectRef>
+            <a:fontRef idx="minor">
+              <a:schemeClr val="lt1"/>
+            </a:fontRef>
+          </p:style>
+          <p:txBody>
+            <a:bodyPr rtlCol="0" anchor="ctr"/>
+            <a:lstStyle/>
+            <a:p>
+              <a:pPr algn="ctr"/>
+              <a:endParaRPr kumimoji="1" lang="ja-JP" altLang="en-US"/>
+            </a:p>
+          </p:txBody>
+        </p:sp>
+        <p:sp>
+          <p:nvSpPr>
+            <p:cNvPr id="8" name="正方形/長方形 7">
+              <a:extLst>
+                <a:ext uri="{FF2B5EF4-FFF2-40B4-BE49-F238E27FC236}">
+                  <a16:creationId xmlns:a16="http://schemas.microsoft.com/office/drawing/2014/main" id="{909A5CF4-F0E1-B7FA-29BE-A302ED3FA846}"/>
+                </a:ext>
+              </a:extLst>
+            </p:cNvPr>
+            <p:cNvSpPr/>
+            <p:nvPr/>
+          </p:nvSpPr>
+          <p:spPr>
+            <a:xfrm>
+              <a:off x="5360198" y="2071688"/>
+              <a:ext cx="357187" cy="1928810"/>
+            </a:xfrm>
+            <a:prstGeom prst="rect">
+              <a:avLst/>
+            </a:prstGeom>
+            <a:solidFill>
+              <a:srgbClr val="58BAC4"/>
+            </a:solidFill>
+            <a:ln>
+              <a:noFill/>
+            </a:ln>
+          </p:spPr>
+          <p:style>
+            <a:lnRef idx="2">
+              <a:schemeClr val="accent1">
+                <a:shade val="50000"/>
+              </a:schemeClr>
+            </a:lnRef>
+            <a:fillRef idx="1">
+              <a:schemeClr val="accent1"/>
+            </a:fillRef>
+            <a:effectRef idx="0">
+              <a:schemeClr val="accent1"/>
+            </a:effectRef>
+            <a:fontRef idx="minor">
+              <a:schemeClr val="lt1"/>
+            </a:fontRef>
+          </p:style>
+          <p:txBody>
+            <a:bodyPr rtlCol="0" anchor="ctr"/>
+            <a:lstStyle/>
+            <a:p>
+              <a:pPr algn="ctr"/>
+              <a:endParaRPr kumimoji="1" lang="ja-JP" altLang="en-US"/>
+            </a:p>
+          </p:txBody>
+        </p:sp>
+        <p:sp>
+          <p:nvSpPr>
+            <p:cNvPr id="9" name="正方形/長方形 8">
+              <a:extLst>
+                <a:ext uri="{FF2B5EF4-FFF2-40B4-BE49-F238E27FC236}">
+                  <a16:creationId xmlns:a16="http://schemas.microsoft.com/office/drawing/2014/main" id="{762BEE2F-7381-E6E4-A26D-D5F67BDFC59C}"/>
+                </a:ext>
+              </a:extLst>
+            </p:cNvPr>
+            <p:cNvSpPr/>
+            <p:nvPr/>
+          </p:nvSpPr>
+          <p:spPr>
+            <a:xfrm>
+              <a:off x="6200780" y="1957387"/>
+              <a:ext cx="357187" cy="2043111"/>
+            </a:xfrm>
+            <a:prstGeom prst="rect">
+              <a:avLst/>
+            </a:prstGeom>
+            <a:solidFill>
+              <a:srgbClr val="58BAC4"/>
+            </a:solidFill>
+            <a:ln>
+              <a:noFill/>
+            </a:ln>
+          </p:spPr>
+          <p:style>
+            <a:lnRef idx="2">
+              <a:schemeClr val="accent1">
+                <a:shade val="50000"/>
+              </a:schemeClr>
+            </a:lnRef>
+            <a:fillRef idx="1">
+              <a:schemeClr val="accent1"/>
+            </a:fillRef>
+            <a:effectRef idx="0">
+              <a:schemeClr val="accent1"/>
+            </a:effectRef>
+            <a:fontRef idx="minor">
+              <a:schemeClr val="lt1"/>
+            </a:fontRef>
+          </p:style>
+          <p:txBody>
+            <a:bodyPr rtlCol="0" anchor="ctr"/>
+            <a:lstStyle/>
+            <a:p>
+              <a:pPr algn="ctr"/>
+              <a:endParaRPr kumimoji="1" lang="ja-JP" altLang="en-US"/>
+            </a:p>
+          </p:txBody>
+        </p:sp>
+        <p:sp>
+          <p:nvSpPr>
+            <p:cNvPr id="10" name="正方形/長方形 9">
+              <a:extLst>
+                <a:ext uri="{FF2B5EF4-FFF2-40B4-BE49-F238E27FC236}">
+                  <a16:creationId xmlns:a16="http://schemas.microsoft.com/office/drawing/2014/main" id="{573EFF16-0CD9-6843-243D-E056394B1834}"/>
+                </a:ext>
+              </a:extLst>
+            </p:cNvPr>
+            <p:cNvSpPr/>
+            <p:nvPr/>
+          </p:nvSpPr>
+          <p:spPr>
+            <a:xfrm>
+              <a:off x="7041366" y="1957386"/>
+              <a:ext cx="357187" cy="2043111"/>
+            </a:xfrm>
+            <a:prstGeom prst="rect">
+              <a:avLst/>
+            </a:prstGeom>
+            <a:solidFill>
+              <a:srgbClr val="58BAC4"/>
+            </a:solidFill>
+            <a:ln>
+              <a:noFill/>
+            </a:ln>
+          </p:spPr>
+          <p:style>
+            <a:lnRef idx="2">
+              <a:schemeClr val="accent1">
+                <a:shade val="50000"/>
+              </a:schemeClr>
+            </a:lnRef>
+            <a:fillRef idx="1">
+              <a:schemeClr val="accent1"/>
+            </a:fillRef>
+            <a:effectRef idx="0">
+              <a:schemeClr val="accent1"/>
+            </a:effectRef>
+            <a:fontRef idx="minor">
+              <a:schemeClr val="lt1"/>
+            </a:fontRef>
+          </p:style>
+          <p:txBody>
+            <a:bodyPr rtlCol="0" anchor="ctr"/>
+            <a:lstStyle/>
+            <a:p>
+              <a:pPr algn="ctr"/>
+              <a:endParaRPr kumimoji="1" lang="ja-JP" altLang="en-US"/>
+            </a:p>
+          </p:txBody>
+        </p:sp>
+        <p:sp>
+          <p:nvSpPr>
+            <p:cNvPr id="11" name="正方形/長方形 10">
+              <a:extLst>
+                <a:ext uri="{FF2B5EF4-FFF2-40B4-BE49-F238E27FC236}">
+                  <a16:creationId xmlns:a16="http://schemas.microsoft.com/office/drawing/2014/main" id="{E2BFB440-C55A-1F36-8C5D-6CEF454A3D21}"/>
+                </a:ext>
+              </a:extLst>
+            </p:cNvPr>
+            <p:cNvSpPr/>
+            <p:nvPr/>
+          </p:nvSpPr>
+          <p:spPr>
+            <a:xfrm>
+              <a:off x="7881944" y="1828800"/>
+              <a:ext cx="357187" cy="2171697"/>
+            </a:xfrm>
+            <a:prstGeom prst="rect">
+              <a:avLst/>
+            </a:prstGeom>
+            <a:solidFill>
+              <a:srgbClr val="58BAC4"/>
+            </a:solidFill>
+            <a:ln>
+              <a:noFill/>
+            </a:ln>
+          </p:spPr>
+          <p:style>
+            <a:lnRef idx="2">
+              <a:schemeClr val="accent1">
+                <a:shade val="50000"/>
+              </a:schemeClr>
+            </a:lnRef>
+            <a:fillRef idx="1">
+              <a:schemeClr val="accent1"/>
+            </a:fillRef>
+            <a:effectRef idx="0">
+              <a:schemeClr val="accent1"/>
+            </a:effectRef>
+            <a:fontRef idx="minor">
+              <a:schemeClr val="lt1"/>
+            </a:fontRef>
+          </p:style>
+          <p:txBody>
+            <a:bodyPr rtlCol="0" anchor="ctr"/>
+            <a:lstStyle/>
+            <a:p>
+              <a:pPr algn="ctr"/>
+              <a:endParaRPr kumimoji="1" lang="ja-JP" altLang="en-US"/>
+            </a:p>
+          </p:txBody>
+        </p:sp>
+        <p:sp>
+          <p:nvSpPr>
+            <p:cNvPr id="12" name="正方形/長方形 11">
+              <a:extLst>
+                <a:ext uri="{FF2B5EF4-FFF2-40B4-BE49-F238E27FC236}">
+                  <a16:creationId xmlns:a16="http://schemas.microsoft.com/office/drawing/2014/main" id="{855E5352-E8CA-9A96-1B91-30F689FF5D56}"/>
+                </a:ext>
+              </a:extLst>
+            </p:cNvPr>
+            <p:cNvSpPr/>
+            <p:nvPr/>
+          </p:nvSpPr>
+          <p:spPr>
+            <a:xfrm>
+              <a:off x="8722522" y="1714501"/>
+              <a:ext cx="357187" cy="2285996"/>
+            </a:xfrm>
+            <a:prstGeom prst="rect">
+              <a:avLst/>
+            </a:prstGeom>
+            <a:solidFill>
+              <a:srgbClr val="58BAC4"/>
+            </a:solidFill>
+            <a:ln>
+              <a:noFill/>
+            </a:ln>
+          </p:spPr>
+          <p:style>
+            <a:lnRef idx="2">
+              <a:schemeClr val="accent1">
+                <a:shade val="50000"/>
+              </a:schemeClr>
+            </a:lnRef>
+            <a:fillRef idx="1">
+              <a:schemeClr val="accent1"/>
+            </a:fillRef>
+            <a:effectRef idx="0">
+              <a:schemeClr val="accent1"/>
+            </a:effectRef>
+            <a:fontRef idx="minor">
+              <a:schemeClr val="lt1"/>
+            </a:fontRef>
+          </p:style>
+          <p:txBody>
+            <a:bodyPr rtlCol="0" anchor="ctr"/>
+            <a:lstStyle/>
+            <a:p>
+              <a:pPr algn="ctr"/>
+              <a:endParaRPr kumimoji="1" lang="ja-JP" altLang="en-US"/>
+            </a:p>
+          </p:txBody>
+        </p:sp>
+        <p:sp>
+          <p:nvSpPr>
+            <p:cNvPr id="13" name="正方形/長方形 12">
+              <a:extLst>
+                <a:ext uri="{FF2B5EF4-FFF2-40B4-BE49-F238E27FC236}">
+                  <a16:creationId xmlns:a16="http://schemas.microsoft.com/office/drawing/2014/main" id="{9894B880-D606-A4DA-8E73-C316C82D7CA5}"/>
+                </a:ext>
+              </a:extLst>
+            </p:cNvPr>
+            <p:cNvSpPr/>
+            <p:nvPr/>
+          </p:nvSpPr>
+          <p:spPr>
+            <a:xfrm>
+              <a:off x="9563100" y="1606694"/>
+              <a:ext cx="357187" cy="2393801"/>
+            </a:xfrm>
+            <a:prstGeom prst="rect">
+              <a:avLst/>
+            </a:prstGeom>
+            <a:solidFill>
+              <a:srgbClr val="58BAC4"/>
+            </a:solidFill>
+            <a:ln>
+              <a:noFill/>
+            </a:ln>
+          </p:spPr>
+          <p:style>
+            <a:lnRef idx="2">
+              <a:schemeClr val="accent1">
+                <a:shade val="50000"/>
+              </a:schemeClr>
+            </a:lnRef>
+            <a:fillRef idx="1">
+              <a:schemeClr val="accent1"/>
+            </a:fillRef>
+            <a:effectRef idx="0">
+              <a:schemeClr val="accent1"/>
+            </a:effectRef>
+            <a:fontRef idx="minor">
+              <a:schemeClr val="lt1"/>
+            </a:fontRef>
+          </p:style>
+          <p:txBody>
+            <a:bodyPr rtlCol="0" anchor="ctr"/>
+            <a:lstStyle/>
+            <a:p>
+              <a:pPr algn="ctr"/>
+              <a:endParaRPr kumimoji="1" lang="ja-JP" altLang="en-US"/>
+            </a:p>
+          </p:txBody>
+        </p:sp>
+        <p:sp>
+          <p:nvSpPr>
+            <p:cNvPr id="14" name="正方形/長方形 13">
+              <a:extLst>
+                <a:ext uri="{FF2B5EF4-FFF2-40B4-BE49-F238E27FC236}">
+                  <a16:creationId xmlns:a16="http://schemas.microsoft.com/office/drawing/2014/main" id="{D0312F4F-C5E2-2252-A053-D4004DB34275}"/>
+                </a:ext>
+              </a:extLst>
+            </p:cNvPr>
+            <p:cNvSpPr/>
+            <p:nvPr/>
+          </p:nvSpPr>
+          <p:spPr>
+            <a:xfrm>
+              <a:off x="10403678" y="1426586"/>
+              <a:ext cx="357187" cy="2573910"/>
+            </a:xfrm>
+            <a:prstGeom prst="rect">
+              <a:avLst/>
+            </a:prstGeom>
+            <a:solidFill>
+              <a:srgbClr val="58BAC4"/>
+            </a:solidFill>
+            <a:ln>
+              <a:noFill/>
+            </a:ln>
+          </p:spPr>
+          <p:style>
+            <a:lnRef idx="2">
+              <a:schemeClr val="accent1">
+                <a:shade val="50000"/>
+              </a:schemeClr>
+            </a:lnRef>
+            <a:fillRef idx="1">
+              <a:schemeClr val="accent1"/>
+            </a:fillRef>
+            <a:effectRef idx="0">
+              <a:schemeClr val="accent1"/>
+            </a:effectRef>
+            <a:fontRef idx="minor">
+              <a:schemeClr val="lt1"/>
+            </a:fontRef>
+          </p:style>
+          <p:txBody>
+            <a:bodyPr rtlCol="0" anchor="ctr"/>
+            <a:lstStyle/>
+            <a:p>
+              <a:pPr algn="ctr"/>
+              <a:endParaRPr kumimoji="1" lang="ja-JP" altLang="en-US"/>
+            </a:p>
+          </p:txBody>
+        </p:sp>
+      </p:grpSp>
+      <p:sp>
+        <p:nvSpPr>
+          <p:cNvPr id="18" name="テキスト ボックス 17">
+            <a:extLst>
+              <a:ext uri="{FF2B5EF4-FFF2-40B4-BE49-F238E27FC236}">
+                <a16:creationId xmlns:a16="http://schemas.microsoft.com/office/drawing/2014/main" id="{18355FE4-CDA3-CD5F-6096-BA01B6C6DA41}"/>
+              </a:ext>
+            </a:extLst>
+          </p:cNvPr>
+          <p:cNvSpPr txBox="1"/>
+          <p:nvPr/>
+        </p:nvSpPr>
+        <p:spPr>
+          <a:xfrm flipH="1">
+            <a:off x="782130" y="1205345"/>
+            <a:ext cx="1674129" cy="369332"/>
+          </a:xfrm>
+          <a:prstGeom prst="rect">
+            <a:avLst/>
+          </a:prstGeom>
+          <a:noFill/>
+        </p:spPr>
+        <p:txBody>
+          <a:bodyPr wrap="square" rtlCol="0">
+            <a:spAutoFit/>
+          </a:bodyPr>
+          <a:lstStyle/>
+          <a:p>
+            <a:r>
+              <a:rPr kumimoji="1" lang="ja-JP" altLang="en-US">
+                <a:latin typeface="Hiragino Kaku Gothic Pro W3" panose="020B0300000000000000" pitchFamily="34" charset="-128"/>
+                <a:ea typeface="Hiragino Kaku Gothic Pro W3" panose="020B0300000000000000" pitchFamily="34" charset="-128"/>
+              </a:rPr>
+              <a:t>貯蓄額の推移</a:t>
+            </a:r>
+          </a:p>
+        </p:txBody>
+      </p:sp>
+      <p:sp>
+        <p:nvSpPr>
+          <p:cNvPr id="19" name="テキスト ボックス 18">
+            <a:extLst>
+              <a:ext uri="{FF2B5EF4-FFF2-40B4-BE49-F238E27FC236}">
+                <a16:creationId xmlns:a16="http://schemas.microsoft.com/office/drawing/2014/main" id="{E715311F-F3AD-064F-9D6A-7F48D36A19DF}"/>
+              </a:ext>
+            </a:extLst>
+          </p:cNvPr>
+          <p:cNvSpPr txBox="1"/>
+          <p:nvPr/>
+        </p:nvSpPr>
+        <p:spPr>
+          <a:xfrm flipH="1">
+            <a:off x="3163867" y="6203345"/>
+            <a:ext cx="5864261" cy="369332"/>
+          </a:xfrm>
+          <a:prstGeom prst="rect">
+            <a:avLst/>
+          </a:prstGeom>
+          <a:noFill/>
+        </p:spPr>
+        <p:txBody>
+          <a:bodyPr wrap="square" rtlCol="0">
+            <a:spAutoFit/>
+          </a:bodyPr>
+          <a:lstStyle/>
+          <a:p>
+            <a:r>
+              <a:rPr lang="en-US" altLang="ja-JP" u="sng" dirty="0">
+                <a:solidFill>
+                  <a:schemeClr val="accent1"/>
+                </a:solidFill>
+                <a:latin typeface="Hiragino Kaku Gothic Pro W3" panose="020B0300000000000000" pitchFamily="34" charset="-128"/>
+                <a:ea typeface="Hiragino Kaku Gothic Pro W3" panose="020B0300000000000000" pitchFamily="34" charset="-128"/>
+              </a:rPr>
+              <a:t>[</a:t>
+            </a:r>
+            <a:r>
+              <a:rPr lang="ja-JP" altLang="en-US" u="sng">
+                <a:solidFill>
+                  <a:schemeClr val="accent1"/>
+                </a:solidFill>
+                <a:latin typeface="Hiragino Kaku Gothic Pro W3" panose="020B0300000000000000" pitchFamily="34" charset="-128"/>
+                <a:ea typeface="Hiragino Kaku Gothic Pro W3" panose="020B0300000000000000" pitchFamily="34" charset="-128"/>
+              </a:rPr>
+              <a:t>ダウンロード</a:t>
+            </a:r>
+            <a:r>
+              <a:rPr lang="en-US" altLang="ja-JP" u="sng" dirty="0">
+                <a:solidFill>
+                  <a:schemeClr val="accent1"/>
+                </a:solidFill>
+                <a:latin typeface="Hiragino Kaku Gothic Pro W3" panose="020B0300000000000000" pitchFamily="34" charset="-128"/>
+                <a:ea typeface="Hiragino Kaku Gothic Pro W3" panose="020B0300000000000000" pitchFamily="34" charset="-128"/>
+              </a:rPr>
+              <a:t>]</a:t>
+            </a:r>
+            <a:r>
+              <a:rPr lang="ja-JP" altLang="en-US" u="sng">
+                <a:solidFill>
+                  <a:schemeClr val="accent1"/>
+                </a:solidFill>
+                <a:latin typeface="Hiragino Kaku Gothic Pro W3" panose="020B0300000000000000" pitchFamily="34" charset="-128"/>
+                <a:ea typeface="Hiragino Kaku Gothic Pro W3" panose="020B0300000000000000" pitchFamily="34" charset="-128"/>
+              </a:rPr>
+              <a:t>年別の想定貯蓄額（</a:t>
+            </a:r>
+            <a:r>
+              <a:rPr lang="en-US" altLang="ja-JP" u="sng" dirty="0">
+                <a:solidFill>
+                  <a:schemeClr val="accent1"/>
+                </a:solidFill>
+                <a:latin typeface="Hiragino Kaku Gothic Pro W3" panose="020B0300000000000000" pitchFamily="34" charset="-128"/>
+                <a:ea typeface="Hiragino Kaku Gothic Pro W3" panose="020B0300000000000000" pitchFamily="34" charset="-128"/>
+              </a:rPr>
+              <a:t>csv</a:t>
+            </a:r>
+            <a:r>
+              <a:rPr lang="ja-JP" altLang="en-US" u="sng">
+                <a:solidFill>
+                  <a:schemeClr val="accent1"/>
+                </a:solidFill>
+                <a:latin typeface="Hiragino Kaku Gothic Pro W3" panose="020B0300000000000000" pitchFamily="34" charset="-128"/>
+                <a:ea typeface="Hiragino Kaku Gothic Pro W3" panose="020B0300000000000000" pitchFamily="34" charset="-128"/>
+              </a:rPr>
+              <a:t>ファイル形式）</a:t>
+            </a:r>
+            <a:endParaRPr lang="en-US" altLang="ja-JP" u="sng" dirty="0">
+              <a:solidFill>
+                <a:schemeClr val="accent1"/>
+              </a:solidFill>
+              <a:latin typeface="Hiragino Kaku Gothic Pro W3" panose="020B0300000000000000" pitchFamily="34" charset="-128"/>
+              <a:ea typeface="Hiragino Kaku Gothic Pro W3" panose="020B0300000000000000" pitchFamily="34" charset="-128"/>
+            </a:endParaRPr>
+          </a:p>
+        </p:txBody>
+      </p:sp>
+      <p:sp>
+        <p:nvSpPr>
+          <p:cNvPr id="20" name="テキスト ボックス 19">
+            <a:extLst>
+              <a:ext uri="{FF2B5EF4-FFF2-40B4-BE49-F238E27FC236}">
+                <a16:creationId xmlns:a16="http://schemas.microsoft.com/office/drawing/2014/main" id="{23CA0FEF-0F35-39AA-8028-8D70A2E1F35C}"/>
+              </a:ext>
+            </a:extLst>
+          </p:cNvPr>
+          <p:cNvSpPr txBox="1"/>
+          <p:nvPr/>
+        </p:nvSpPr>
+        <p:spPr>
+          <a:xfrm flipH="1">
+            <a:off x="1790374" y="4583166"/>
+            <a:ext cx="8611249" cy="1200329"/>
+          </a:xfrm>
+          <a:prstGeom prst="rect">
+            <a:avLst/>
+          </a:prstGeom>
+          <a:noFill/>
+        </p:spPr>
+        <p:txBody>
+          <a:bodyPr wrap="square" rtlCol="0">
+            <a:spAutoFit/>
+          </a:bodyPr>
+          <a:lstStyle/>
+          <a:p>
+            <a:pPr marL="285750" indent="-285750">
+              <a:buFont typeface="Wingdings" pitchFamily="2" charset="2"/>
+              <a:buChar char="Ø"/>
+            </a:pPr>
+            <a:r>
+              <a:rPr kumimoji="1" lang="ja-JP" altLang="en-US">
+                <a:latin typeface="Hiragino Kaku Gothic Pro W3" panose="020B0300000000000000" pitchFamily="34" charset="-128"/>
+                <a:ea typeface="Hiragino Kaku Gothic Pro W3" panose="020B0300000000000000" pitchFamily="34" charset="-128"/>
+              </a:rPr>
+              <a:t>貯蓄が初めて</a:t>
+            </a:r>
+            <a:r>
+              <a:rPr kumimoji="1" lang="en-US" altLang="ja-JP" dirty="0">
+                <a:latin typeface="Hiragino Kaku Gothic Pro W3" panose="020B0300000000000000" pitchFamily="34" charset="-128"/>
+                <a:ea typeface="Hiragino Kaku Gothic Pro W3" panose="020B0300000000000000" pitchFamily="34" charset="-128"/>
+              </a:rPr>
+              <a:t> 300 </a:t>
+            </a:r>
+            <a:r>
+              <a:rPr kumimoji="1" lang="ja-JP" altLang="en-US">
+                <a:latin typeface="Hiragino Kaku Gothic Pro W3" panose="020B0300000000000000" pitchFamily="34" charset="-128"/>
+                <a:ea typeface="Hiragino Kaku Gothic Pro W3" panose="020B0300000000000000" pitchFamily="34" charset="-128"/>
+              </a:rPr>
+              <a:t>万円を超えるのは</a:t>
+            </a:r>
+            <a:r>
+              <a:rPr kumimoji="1" lang="en-US" altLang="ja-JP" dirty="0">
+                <a:latin typeface="Hiragino Kaku Gothic Pro W3" panose="020B0300000000000000" pitchFamily="34" charset="-128"/>
+                <a:ea typeface="Hiragino Kaku Gothic Pro W3" panose="020B0300000000000000" pitchFamily="34" charset="-128"/>
+              </a:rPr>
+              <a:t> ~ </a:t>
+            </a:r>
+            <a:r>
+              <a:rPr kumimoji="1" lang="ja-JP" altLang="en-US">
+                <a:latin typeface="Hiragino Kaku Gothic Pro W3" panose="020B0300000000000000" pitchFamily="34" charset="-128"/>
+                <a:ea typeface="Hiragino Kaku Gothic Pro W3" panose="020B0300000000000000" pitchFamily="34" charset="-128"/>
+              </a:rPr>
+              <a:t>年後です。</a:t>
+            </a:r>
+            <a:endParaRPr kumimoji="1" lang="en-US" altLang="ja-JP" dirty="0">
+              <a:latin typeface="Hiragino Kaku Gothic Pro W3" panose="020B0300000000000000" pitchFamily="34" charset="-128"/>
+              <a:ea typeface="Hiragino Kaku Gothic Pro W3" panose="020B0300000000000000" pitchFamily="34" charset="-128"/>
+            </a:endParaRPr>
+          </a:p>
+          <a:p>
+            <a:pPr marL="285750" indent="-285750">
+              <a:buFont typeface="Wingdings" pitchFamily="2" charset="2"/>
+              <a:buChar char="Ø"/>
+            </a:pPr>
+            <a:r>
+              <a:rPr lang="ja-JP" altLang="en-US">
+                <a:latin typeface="Hiragino Kaku Gothic Pro W3" panose="020B0300000000000000" pitchFamily="34" charset="-128"/>
+                <a:ea typeface="Hiragino Kaku Gothic Pro W3" panose="020B0300000000000000" pitchFamily="34" charset="-128"/>
+              </a:rPr>
+              <a:t>貯蓄が初めて</a:t>
+            </a:r>
+            <a:r>
+              <a:rPr lang="en-US" altLang="ja-JP" dirty="0">
+                <a:latin typeface="Hiragino Kaku Gothic Pro W3" panose="020B0300000000000000" pitchFamily="34" charset="-128"/>
+                <a:ea typeface="Hiragino Kaku Gothic Pro W3" panose="020B0300000000000000" pitchFamily="34" charset="-128"/>
+              </a:rPr>
+              <a:t> 500 </a:t>
+            </a:r>
+            <a:r>
+              <a:rPr lang="ja-JP" altLang="en-US">
+                <a:latin typeface="Hiragino Kaku Gothic Pro W3" panose="020B0300000000000000" pitchFamily="34" charset="-128"/>
+                <a:ea typeface="Hiragino Kaku Gothic Pro W3" panose="020B0300000000000000" pitchFamily="34" charset="-128"/>
+              </a:rPr>
+              <a:t>万円を超えるのは</a:t>
+            </a:r>
+            <a:r>
+              <a:rPr lang="en-US" altLang="ja-JP" dirty="0">
+                <a:latin typeface="Hiragino Kaku Gothic Pro W3" panose="020B0300000000000000" pitchFamily="34" charset="-128"/>
+                <a:ea typeface="Hiragino Kaku Gothic Pro W3" panose="020B0300000000000000" pitchFamily="34" charset="-128"/>
+              </a:rPr>
+              <a:t> ~ </a:t>
+            </a:r>
+            <a:r>
+              <a:rPr lang="ja-JP" altLang="en-US">
+                <a:latin typeface="Hiragino Kaku Gothic Pro W3" panose="020B0300000000000000" pitchFamily="34" charset="-128"/>
+                <a:ea typeface="Hiragino Kaku Gothic Pro W3" panose="020B0300000000000000" pitchFamily="34" charset="-128"/>
+              </a:rPr>
+              <a:t>年後です。</a:t>
+            </a:r>
+            <a:endParaRPr lang="en-US" altLang="ja-JP" dirty="0">
+              <a:latin typeface="Hiragino Kaku Gothic Pro W3" panose="020B0300000000000000" pitchFamily="34" charset="-128"/>
+              <a:ea typeface="Hiragino Kaku Gothic Pro W3" panose="020B0300000000000000" pitchFamily="34" charset="-128"/>
+            </a:endParaRPr>
+          </a:p>
+          <a:p>
+            <a:pPr marL="285750" indent="-285750">
+              <a:buFont typeface="Wingdings" pitchFamily="2" charset="2"/>
+              <a:buChar char="Ø"/>
+            </a:pPr>
+            <a:r>
+              <a:rPr lang="ja-JP" altLang="en-US">
+                <a:latin typeface="Hiragino Kaku Gothic Pro W3" panose="020B0300000000000000" pitchFamily="34" charset="-128"/>
+                <a:ea typeface="Hiragino Kaku Gothic Pro W3" panose="020B0300000000000000" pitchFamily="34" charset="-128"/>
+              </a:rPr>
+              <a:t>貯蓄が初めて</a:t>
+            </a:r>
+            <a:r>
+              <a:rPr lang="en-US" altLang="ja-JP" dirty="0">
+                <a:latin typeface="Hiragino Kaku Gothic Pro W3" panose="020B0300000000000000" pitchFamily="34" charset="-128"/>
+                <a:ea typeface="Hiragino Kaku Gothic Pro W3" panose="020B0300000000000000" pitchFamily="34" charset="-128"/>
+              </a:rPr>
+              <a:t> 700 </a:t>
+            </a:r>
+            <a:r>
+              <a:rPr lang="ja-JP" altLang="en-US">
+                <a:latin typeface="Hiragino Kaku Gothic Pro W3" panose="020B0300000000000000" pitchFamily="34" charset="-128"/>
+                <a:ea typeface="Hiragino Kaku Gothic Pro W3" panose="020B0300000000000000" pitchFamily="34" charset="-128"/>
+              </a:rPr>
+              <a:t>万円を超えるのは</a:t>
+            </a:r>
+            <a:r>
+              <a:rPr lang="en-US" altLang="ja-JP" dirty="0">
+                <a:latin typeface="Hiragino Kaku Gothic Pro W3" panose="020B0300000000000000" pitchFamily="34" charset="-128"/>
+                <a:ea typeface="Hiragino Kaku Gothic Pro W3" panose="020B0300000000000000" pitchFamily="34" charset="-128"/>
+              </a:rPr>
+              <a:t> ~ </a:t>
+            </a:r>
+            <a:r>
+              <a:rPr lang="ja-JP" altLang="en-US">
+                <a:latin typeface="Hiragino Kaku Gothic Pro W3" panose="020B0300000000000000" pitchFamily="34" charset="-128"/>
+                <a:ea typeface="Hiragino Kaku Gothic Pro W3" panose="020B0300000000000000" pitchFamily="34" charset="-128"/>
+              </a:rPr>
+              <a:t>年後です。</a:t>
+            </a:r>
+            <a:endParaRPr lang="en-US" altLang="ja-JP" dirty="0">
+              <a:latin typeface="Hiragino Kaku Gothic Pro W3" panose="020B0300000000000000" pitchFamily="34" charset="-128"/>
+              <a:ea typeface="Hiragino Kaku Gothic Pro W3" panose="020B0300000000000000" pitchFamily="34" charset="-128"/>
+            </a:endParaRPr>
+          </a:p>
+          <a:p>
+            <a:pPr marL="285750" indent="-285750">
+              <a:buFont typeface="Wingdings" pitchFamily="2" charset="2"/>
+              <a:buChar char="Ø"/>
+            </a:pPr>
+            <a:r>
+              <a:rPr lang="ja-JP" altLang="en-US">
+                <a:latin typeface="Hiragino Kaku Gothic Pro W3" panose="020B0300000000000000" pitchFamily="34" charset="-128"/>
+                <a:ea typeface="Hiragino Kaku Gothic Pro W3" panose="020B0300000000000000" pitchFamily="34" charset="-128"/>
+              </a:rPr>
+              <a:t>貯蓄が初めて</a:t>
+            </a:r>
+            <a:r>
+              <a:rPr lang="en-US" altLang="ja-JP" dirty="0">
+                <a:latin typeface="Hiragino Kaku Gothic Pro W3" panose="020B0300000000000000" pitchFamily="34" charset="-128"/>
+                <a:ea typeface="Hiragino Kaku Gothic Pro W3" panose="020B0300000000000000" pitchFamily="34" charset="-128"/>
+              </a:rPr>
+              <a:t> 1000 </a:t>
+            </a:r>
+            <a:r>
+              <a:rPr lang="ja-JP" altLang="en-US">
+                <a:latin typeface="Hiragino Kaku Gothic Pro W3" panose="020B0300000000000000" pitchFamily="34" charset="-128"/>
+                <a:ea typeface="Hiragino Kaku Gothic Pro W3" panose="020B0300000000000000" pitchFamily="34" charset="-128"/>
+              </a:rPr>
+              <a:t>万円を超えるのは</a:t>
+            </a:r>
+            <a:r>
+              <a:rPr lang="en-US" altLang="ja-JP" dirty="0">
+                <a:latin typeface="Hiragino Kaku Gothic Pro W3" panose="020B0300000000000000" pitchFamily="34" charset="-128"/>
+                <a:ea typeface="Hiragino Kaku Gothic Pro W3" panose="020B0300000000000000" pitchFamily="34" charset="-128"/>
+              </a:rPr>
+              <a:t> ~ </a:t>
+            </a:r>
+            <a:r>
+              <a:rPr lang="ja-JP" altLang="en-US">
+                <a:latin typeface="Hiragino Kaku Gothic Pro W3" panose="020B0300000000000000" pitchFamily="34" charset="-128"/>
+                <a:ea typeface="Hiragino Kaku Gothic Pro W3" panose="020B0300000000000000" pitchFamily="34" charset="-128"/>
+              </a:rPr>
+              <a:t>年後です。</a:t>
+            </a:r>
+            <a:endParaRPr lang="en-US" altLang="ja-JP" dirty="0">
+              <a:latin typeface="Hiragino Kaku Gothic Pro W3" panose="020B0300000000000000" pitchFamily="34" charset="-128"/>
+              <a:ea typeface="Hiragino Kaku Gothic Pro W3" panose="020B0300000000000000" pitchFamily="34" charset="-128"/>
+            </a:endParaRPr>
+          </a:p>
+        </p:txBody>
+      </p:sp>
     </p:spTree>
     <p:extLst>
       <p:ext uri="{BB962C8B-B14F-4D97-AF65-F5344CB8AC3E}">
@@ -3633,6 +4709,11 @@
   <p:clrMapOvr>
     <a:masterClrMapping/>
   </p:clrMapOvr>
+  <p:extLst>
+    <p:ext uri="{6950BFC3-D8DA-4A85-94F7-54DA5524770B}">
+      <p188:commentRel xmlns:p188="http://schemas.microsoft.com/office/powerpoint/2018/8/main" r:id="rId2"/>
+    </p:ext>
+  </p:extLst>
 </p:sld>
 </file>
 

--- a/design/画面デザイン構想.pptx
+++ b/design/画面デザイン構想.pptx
@@ -4,8 +4,16 @@
   <p:sldMasterIdLst>
     <p:sldMasterId id="2147483648" r:id="rId1"/>
   </p:sldMasterIdLst>
+  <p:notesMasterIdLst>
+    <p:notesMasterId r:id="rId8"/>
+  </p:notesMasterIdLst>
   <p:sldIdLst>
-    <p:sldId id="256" r:id="rId2"/>
+    <p:sldId id="257" r:id="rId2"/>
+    <p:sldId id="258" r:id="rId3"/>
+    <p:sldId id="259" r:id="rId4"/>
+    <p:sldId id="260" r:id="rId5"/>
+    <p:sldId id="261" r:id="rId6"/>
+    <p:sldId id="256" r:id="rId7"/>
   </p:sldIdLst>
   <p:sldSz cx="12192000" cy="6858000"/>
   <p:notesSz cx="6858000" cy="9144000"/>
@@ -139,6 +147,909 @@
 </p188:cmLst>
 </file>
 
+<file path=ppt/notesMasters/notesMaster1.xml><?xml version="1.0" encoding="utf-8"?>
+<p:notesMaster xmlns:a="http://schemas.openxmlformats.org/drawingml/2006/main" xmlns:r="http://schemas.openxmlformats.org/officeDocument/2006/relationships" xmlns:p="http://schemas.openxmlformats.org/presentationml/2006/main">
+  <p:cSld>
+    <p:bg>
+      <p:bgRef idx="1001">
+        <a:schemeClr val="bg1"/>
+      </p:bgRef>
+    </p:bg>
+    <p:spTree>
+      <p:nvGrpSpPr>
+        <p:cNvPr id="1" name=""/>
+        <p:cNvGrpSpPr/>
+        <p:nvPr/>
+      </p:nvGrpSpPr>
+      <p:grpSpPr>
+        <a:xfrm>
+          <a:off x="0" y="0"/>
+          <a:ext cx="0" cy="0"/>
+          <a:chOff x="0" y="0"/>
+          <a:chExt cx="0" cy="0"/>
+        </a:xfrm>
+      </p:grpSpPr>
+      <p:sp>
+        <p:nvSpPr>
+          <p:cNvPr id="2" name="ヘッダー プレースホルダー 1"/>
+          <p:cNvSpPr>
+            <a:spLocks noGrp="1"/>
+          </p:cNvSpPr>
+          <p:nvPr>
+            <p:ph type="hdr" sz="quarter"/>
+          </p:nvPr>
+        </p:nvSpPr>
+        <p:spPr>
+          <a:xfrm>
+            <a:off x="0" y="0"/>
+            <a:ext cx="2971800" cy="458788"/>
+          </a:xfrm>
+          <a:prstGeom prst="rect">
+            <a:avLst/>
+          </a:prstGeom>
+        </p:spPr>
+        <p:txBody>
+          <a:bodyPr vert="horz" lIns="91440" tIns="45720" rIns="91440" bIns="45720" rtlCol="0"/>
+          <a:lstStyle>
+            <a:lvl1pPr algn="l">
+              <a:defRPr sz="1200"/>
+            </a:lvl1pPr>
+          </a:lstStyle>
+          <a:p>
+            <a:endParaRPr kumimoji="1" lang="ja-JP" altLang="en-US"/>
+          </a:p>
+        </p:txBody>
+      </p:sp>
+      <p:sp>
+        <p:nvSpPr>
+          <p:cNvPr id="3" name="日付プレースホルダー 2"/>
+          <p:cNvSpPr>
+            <a:spLocks noGrp="1"/>
+          </p:cNvSpPr>
+          <p:nvPr>
+            <p:ph type="dt" idx="1"/>
+          </p:nvPr>
+        </p:nvSpPr>
+        <p:spPr>
+          <a:xfrm>
+            <a:off x="3884613" y="0"/>
+            <a:ext cx="2971800" cy="458788"/>
+          </a:xfrm>
+          <a:prstGeom prst="rect">
+            <a:avLst/>
+          </a:prstGeom>
+        </p:spPr>
+        <p:txBody>
+          <a:bodyPr vert="horz" lIns="91440" tIns="45720" rIns="91440" bIns="45720" rtlCol="0"/>
+          <a:lstStyle>
+            <a:lvl1pPr algn="r">
+              <a:defRPr sz="1200"/>
+            </a:lvl1pPr>
+          </a:lstStyle>
+          <a:p>
+            <a:fld id="{F0B2D6F8-1EBE-4342-95F8-DEA5F9C1E451}" type="datetimeFigureOut">
+              <a:rPr kumimoji="1" lang="ja-JP" altLang="en-US" smtClean="0"/>
+              <a:t>2022/7/8</a:t>
+            </a:fld>
+            <a:endParaRPr kumimoji="1" lang="ja-JP" altLang="en-US"/>
+          </a:p>
+        </p:txBody>
+      </p:sp>
+      <p:sp>
+        <p:nvSpPr>
+          <p:cNvPr id="4" name="スライド イメージ プレースホルダー 3"/>
+          <p:cNvSpPr>
+            <a:spLocks noGrp="1" noRot="1" noChangeAspect="1"/>
+          </p:cNvSpPr>
+          <p:nvPr>
+            <p:ph type="sldImg" idx="2"/>
+          </p:nvPr>
+        </p:nvSpPr>
+        <p:spPr>
+          <a:xfrm>
+            <a:off x="685800" y="1143000"/>
+            <a:ext cx="5486400" cy="3086100"/>
+          </a:xfrm>
+          <a:prstGeom prst="rect">
+            <a:avLst/>
+          </a:prstGeom>
+          <a:noFill/>
+          <a:ln w="12700">
+            <a:solidFill>
+              <a:prstClr val="black"/>
+            </a:solidFill>
+          </a:ln>
+        </p:spPr>
+        <p:txBody>
+          <a:bodyPr vert="horz" lIns="91440" tIns="45720" rIns="91440" bIns="45720" rtlCol="0" anchor="ctr"/>
+          <a:lstStyle/>
+          <a:p>
+            <a:endParaRPr lang="ja-JP" altLang="en-US"/>
+          </a:p>
+        </p:txBody>
+      </p:sp>
+      <p:sp>
+        <p:nvSpPr>
+          <p:cNvPr id="5" name="ノート プレースホルダー 4"/>
+          <p:cNvSpPr>
+            <a:spLocks noGrp="1"/>
+          </p:cNvSpPr>
+          <p:nvPr>
+            <p:ph type="body" sz="quarter" idx="3"/>
+          </p:nvPr>
+        </p:nvSpPr>
+        <p:spPr>
+          <a:xfrm>
+            <a:off x="685800" y="4400550"/>
+            <a:ext cx="5486400" cy="3600450"/>
+          </a:xfrm>
+          <a:prstGeom prst="rect">
+            <a:avLst/>
+          </a:prstGeom>
+        </p:spPr>
+        <p:txBody>
+          <a:bodyPr vert="horz" lIns="91440" tIns="45720" rIns="91440" bIns="45720" rtlCol="0"/>
+          <a:lstStyle/>
+          <a:p>
+            <a:pPr lvl="0"/>
+            <a:r>
+              <a:rPr kumimoji="1" lang="ja-JP" altLang="en-US"/>
+              <a:t>マスター テキストの書式設定</a:t>
+            </a:r>
+          </a:p>
+          <a:p>
+            <a:pPr lvl="1"/>
+            <a:r>
+              <a:rPr kumimoji="1" lang="ja-JP" altLang="en-US"/>
+              <a:t>第 </a:t>
+            </a:r>
+            <a:r>
+              <a:rPr kumimoji="1" lang="en-US" altLang="ja-JP"/>
+              <a:t>2 </a:t>
+            </a:r>
+            <a:r>
+              <a:rPr kumimoji="1" lang="ja-JP" altLang="en-US"/>
+              <a:t>レベル</a:t>
+            </a:r>
+          </a:p>
+          <a:p>
+            <a:pPr lvl="2"/>
+            <a:r>
+              <a:rPr kumimoji="1" lang="ja-JP" altLang="en-US"/>
+              <a:t>第 </a:t>
+            </a:r>
+            <a:r>
+              <a:rPr kumimoji="1" lang="en-US" altLang="ja-JP"/>
+              <a:t>3 </a:t>
+            </a:r>
+            <a:r>
+              <a:rPr kumimoji="1" lang="ja-JP" altLang="en-US"/>
+              <a:t>レベル</a:t>
+            </a:r>
+          </a:p>
+          <a:p>
+            <a:pPr lvl="3"/>
+            <a:r>
+              <a:rPr kumimoji="1" lang="ja-JP" altLang="en-US"/>
+              <a:t>第 </a:t>
+            </a:r>
+            <a:r>
+              <a:rPr kumimoji="1" lang="en-US" altLang="ja-JP"/>
+              <a:t>4 </a:t>
+            </a:r>
+            <a:r>
+              <a:rPr kumimoji="1" lang="ja-JP" altLang="en-US"/>
+              <a:t>レベル</a:t>
+            </a:r>
+          </a:p>
+          <a:p>
+            <a:pPr lvl="4"/>
+            <a:r>
+              <a:rPr kumimoji="1" lang="ja-JP" altLang="en-US"/>
+              <a:t>第 </a:t>
+            </a:r>
+            <a:r>
+              <a:rPr kumimoji="1" lang="en-US" altLang="ja-JP"/>
+              <a:t>5 </a:t>
+            </a:r>
+            <a:r>
+              <a:rPr kumimoji="1" lang="ja-JP" altLang="en-US"/>
+              <a:t>レベル</a:t>
+            </a:r>
+          </a:p>
+        </p:txBody>
+      </p:sp>
+      <p:sp>
+        <p:nvSpPr>
+          <p:cNvPr id="6" name="フッター プレースホルダー 5"/>
+          <p:cNvSpPr>
+            <a:spLocks noGrp="1"/>
+          </p:cNvSpPr>
+          <p:nvPr>
+            <p:ph type="ftr" sz="quarter" idx="4"/>
+          </p:nvPr>
+        </p:nvSpPr>
+        <p:spPr>
+          <a:xfrm>
+            <a:off x="0" y="8685213"/>
+            <a:ext cx="2971800" cy="458787"/>
+          </a:xfrm>
+          <a:prstGeom prst="rect">
+            <a:avLst/>
+          </a:prstGeom>
+        </p:spPr>
+        <p:txBody>
+          <a:bodyPr vert="horz" lIns="91440" tIns="45720" rIns="91440" bIns="45720" rtlCol="0" anchor="b"/>
+          <a:lstStyle>
+            <a:lvl1pPr algn="l">
+              <a:defRPr sz="1200"/>
+            </a:lvl1pPr>
+          </a:lstStyle>
+          <a:p>
+            <a:endParaRPr kumimoji="1" lang="ja-JP" altLang="en-US"/>
+          </a:p>
+        </p:txBody>
+      </p:sp>
+      <p:sp>
+        <p:nvSpPr>
+          <p:cNvPr id="7" name="スライド番号プレースホルダー 6"/>
+          <p:cNvSpPr>
+            <a:spLocks noGrp="1"/>
+          </p:cNvSpPr>
+          <p:nvPr>
+            <p:ph type="sldNum" sz="quarter" idx="5"/>
+          </p:nvPr>
+        </p:nvSpPr>
+        <p:spPr>
+          <a:xfrm>
+            <a:off x="3884613" y="8685213"/>
+            <a:ext cx="2971800" cy="458787"/>
+          </a:xfrm>
+          <a:prstGeom prst="rect">
+            <a:avLst/>
+          </a:prstGeom>
+        </p:spPr>
+        <p:txBody>
+          <a:bodyPr vert="horz" lIns="91440" tIns="45720" rIns="91440" bIns="45720" rtlCol="0" anchor="b"/>
+          <a:lstStyle>
+            <a:lvl1pPr algn="r">
+              <a:defRPr sz="1200"/>
+            </a:lvl1pPr>
+          </a:lstStyle>
+          <a:p>
+            <a:fld id="{06B3398D-435E-F64E-B5EE-8DAAEC172DC3}" type="slidenum">
+              <a:rPr kumimoji="1" lang="ja-JP" altLang="en-US" smtClean="0"/>
+              <a:t>‹#›</a:t>
+            </a:fld>
+            <a:endParaRPr kumimoji="1" lang="ja-JP" altLang="en-US"/>
+          </a:p>
+        </p:txBody>
+      </p:sp>
+    </p:spTree>
+    <p:extLst>
+      <p:ext uri="{BB962C8B-B14F-4D97-AF65-F5344CB8AC3E}">
+        <p14:creationId xmlns:p14="http://schemas.microsoft.com/office/powerpoint/2010/main" val="1790457033"/>
+      </p:ext>
+    </p:extLst>
+  </p:cSld>
+  <p:clrMap bg1="lt1" tx1="dk1" bg2="lt2" tx2="dk2" accent1="accent1" accent2="accent2" accent3="accent3" accent4="accent4" accent5="accent5" accent6="accent6" hlink="hlink" folHlink="folHlink"/>
+  <p:notesStyle>
+    <a:lvl1pPr marL="0" algn="l" defTabSz="914400" rtl="0" eaLnBrk="1" latinLnBrk="0" hangingPunct="1">
+      <a:defRPr kumimoji="1" sz="1200" kern="1200">
+        <a:solidFill>
+          <a:schemeClr val="tx1"/>
+        </a:solidFill>
+        <a:latin typeface="+mn-lt"/>
+        <a:ea typeface="+mn-ea"/>
+        <a:cs typeface="+mn-cs"/>
+      </a:defRPr>
+    </a:lvl1pPr>
+    <a:lvl2pPr marL="457200" algn="l" defTabSz="914400" rtl="0" eaLnBrk="1" latinLnBrk="0" hangingPunct="1">
+      <a:defRPr kumimoji="1" sz="1200" kern="1200">
+        <a:solidFill>
+          <a:schemeClr val="tx1"/>
+        </a:solidFill>
+        <a:latin typeface="+mn-lt"/>
+        <a:ea typeface="+mn-ea"/>
+        <a:cs typeface="+mn-cs"/>
+      </a:defRPr>
+    </a:lvl2pPr>
+    <a:lvl3pPr marL="914400" algn="l" defTabSz="914400" rtl="0" eaLnBrk="1" latinLnBrk="0" hangingPunct="1">
+      <a:defRPr kumimoji="1" sz="1200" kern="1200">
+        <a:solidFill>
+          <a:schemeClr val="tx1"/>
+        </a:solidFill>
+        <a:latin typeface="+mn-lt"/>
+        <a:ea typeface="+mn-ea"/>
+        <a:cs typeface="+mn-cs"/>
+      </a:defRPr>
+    </a:lvl3pPr>
+    <a:lvl4pPr marL="1371600" algn="l" defTabSz="914400" rtl="0" eaLnBrk="1" latinLnBrk="0" hangingPunct="1">
+      <a:defRPr kumimoji="1" sz="1200" kern="1200">
+        <a:solidFill>
+          <a:schemeClr val="tx1"/>
+        </a:solidFill>
+        <a:latin typeface="+mn-lt"/>
+        <a:ea typeface="+mn-ea"/>
+        <a:cs typeface="+mn-cs"/>
+      </a:defRPr>
+    </a:lvl4pPr>
+    <a:lvl5pPr marL="1828800" algn="l" defTabSz="914400" rtl="0" eaLnBrk="1" latinLnBrk="0" hangingPunct="1">
+      <a:defRPr kumimoji="1" sz="1200" kern="1200">
+        <a:solidFill>
+          <a:schemeClr val="tx1"/>
+        </a:solidFill>
+        <a:latin typeface="+mn-lt"/>
+        <a:ea typeface="+mn-ea"/>
+        <a:cs typeface="+mn-cs"/>
+      </a:defRPr>
+    </a:lvl5pPr>
+    <a:lvl6pPr marL="2286000" algn="l" defTabSz="914400" rtl="0" eaLnBrk="1" latinLnBrk="0" hangingPunct="1">
+      <a:defRPr kumimoji="1" sz="1200" kern="1200">
+        <a:solidFill>
+          <a:schemeClr val="tx1"/>
+        </a:solidFill>
+        <a:latin typeface="+mn-lt"/>
+        <a:ea typeface="+mn-ea"/>
+        <a:cs typeface="+mn-cs"/>
+      </a:defRPr>
+    </a:lvl6pPr>
+    <a:lvl7pPr marL="2743200" algn="l" defTabSz="914400" rtl="0" eaLnBrk="1" latinLnBrk="0" hangingPunct="1">
+      <a:defRPr kumimoji="1" sz="1200" kern="1200">
+        <a:solidFill>
+          <a:schemeClr val="tx1"/>
+        </a:solidFill>
+        <a:latin typeface="+mn-lt"/>
+        <a:ea typeface="+mn-ea"/>
+        <a:cs typeface="+mn-cs"/>
+      </a:defRPr>
+    </a:lvl7pPr>
+    <a:lvl8pPr marL="3200400" algn="l" defTabSz="914400" rtl="0" eaLnBrk="1" latinLnBrk="0" hangingPunct="1">
+      <a:defRPr kumimoji="1" sz="1200" kern="1200">
+        <a:solidFill>
+          <a:schemeClr val="tx1"/>
+        </a:solidFill>
+        <a:latin typeface="+mn-lt"/>
+        <a:ea typeface="+mn-ea"/>
+        <a:cs typeface="+mn-cs"/>
+      </a:defRPr>
+    </a:lvl8pPr>
+    <a:lvl9pPr marL="3657600" algn="l" defTabSz="914400" rtl="0" eaLnBrk="1" latinLnBrk="0" hangingPunct="1">
+      <a:defRPr kumimoji="1" sz="1200" kern="1200">
+        <a:solidFill>
+          <a:schemeClr val="tx1"/>
+        </a:solidFill>
+        <a:latin typeface="+mn-lt"/>
+        <a:ea typeface="+mn-ea"/>
+        <a:cs typeface="+mn-cs"/>
+      </a:defRPr>
+    </a:lvl9pPr>
+  </p:notesStyle>
+</p:notesMaster>
+</file>
+
+<file path=ppt/notesSlides/notesSlide1.xml><?xml version="1.0" encoding="utf-8"?>
+<p:notes xmlns:a="http://schemas.openxmlformats.org/drawingml/2006/main" xmlns:r="http://schemas.openxmlformats.org/officeDocument/2006/relationships" xmlns:p="http://schemas.openxmlformats.org/presentationml/2006/main">
+  <p:cSld>
+    <p:spTree>
+      <p:nvGrpSpPr>
+        <p:cNvPr id="1" name=""/>
+        <p:cNvGrpSpPr/>
+        <p:nvPr/>
+      </p:nvGrpSpPr>
+      <p:grpSpPr>
+        <a:xfrm>
+          <a:off x="0" y="0"/>
+          <a:ext cx="0" cy="0"/>
+          <a:chOff x="0" y="0"/>
+          <a:chExt cx="0" cy="0"/>
+        </a:xfrm>
+      </p:grpSpPr>
+      <p:sp>
+        <p:nvSpPr>
+          <p:cNvPr id="2" name="スライド イメージ プレースホルダー 1"/>
+          <p:cNvSpPr>
+            <a:spLocks noGrp="1" noRot="1" noChangeAspect="1"/>
+          </p:cNvSpPr>
+          <p:nvPr>
+            <p:ph type="sldImg"/>
+          </p:nvPr>
+        </p:nvSpPr>
+        <p:spPr/>
+      </p:sp>
+      <p:sp>
+        <p:nvSpPr>
+          <p:cNvPr id="3" name="ノート プレースホルダー 2"/>
+          <p:cNvSpPr>
+            <a:spLocks noGrp="1"/>
+          </p:cNvSpPr>
+          <p:nvPr>
+            <p:ph type="body" idx="1"/>
+          </p:nvPr>
+        </p:nvSpPr>
+        <p:spPr/>
+        <p:txBody>
+          <a:bodyPr/>
+          <a:lstStyle/>
+          <a:p>
+            <a:r>
+              <a:rPr kumimoji="1" lang="ja-JP" altLang="en-US"/>
+              <a:t>リンク関係</a:t>
+            </a:r>
+          </a:p>
+        </p:txBody>
+      </p:sp>
+      <p:sp>
+        <p:nvSpPr>
+          <p:cNvPr id="4" name="スライド番号プレースホルダー 3"/>
+          <p:cNvSpPr>
+            <a:spLocks noGrp="1"/>
+          </p:cNvSpPr>
+          <p:nvPr>
+            <p:ph type="sldNum" sz="quarter" idx="5"/>
+          </p:nvPr>
+        </p:nvSpPr>
+        <p:spPr/>
+        <p:txBody>
+          <a:bodyPr/>
+          <a:lstStyle/>
+          <a:p>
+            <a:fld id="{06B3398D-435E-F64E-B5EE-8DAAEC172DC3}" type="slidenum">
+              <a:rPr kumimoji="1" lang="ja-JP" altLang="en-US" smtClean="0"/>
+              <a:t>1</a:t>
+            </a:fld>
+            <a:endParaRPr kumimoji="1" lang="ja-JP" altLang="en-US"/>
+          </a:p>
+        </p:txBody>
+      </p:sp>
+    </p:spTree>
+    <p:extLst>
+      <p:ext uri="{BB962C8B-B14F-4D97-AF65-F5344CB8AC3E}">
+        <p14:creationId xmlns:p14="http://schemas.microsoft.com/office/powerpoint/2010/main" val="496869356"/>
+      </p:ext>
+    </p:extLst>
+  </p:cSld>
+  <p:clrMapOvr>
+    <a:masterClrMapping/>
+  </p:clrMapOvr>
+</p:notes>
+</file>
+
+<file path=ppt/notesSlides/notesSlide2.xml><?xml version="1.0" encoding="utf-8"?>
+<p:notes xmlns:a="http://schemas.openxmlformats.org/drawingml/2006/main" xmlns:r="http://schemas.openxmlformats.org/officeDocument/2006/relationships" xmlns:p="http://schemas.openxmlformats.org/presentationml/2006/main">
+  <p:cSld>
+    <p:spTree>
+      <p:nvGrpSpPr>
+        <p:cNvPr id="1" name=""/>
+        <p:cNvGrpSpPr/>
+        <p:nvPr/>
+      </p:nvGrpSpPr>
+      <p:grpSpPr>
+        <a:xfrm>
+          <a:off x="0" y="0"/>
+          <a:ext cx="0" cy="0"/>
+          <a:chOff x="0" y="0"/>
+          <a:chExt cx="0" cy="0"/>
+        </a:xfrm>
+      </p:grpSpPr>
+      <p:sp>
+        <p:nvSpPr>
+          <p:cNvPr id="2" name="スライド イメージ プレースホルダー 1"/>
+          <p:cNvSpPr>
+            <a:spLocks noGrp="1" noRot="1" noChangeAspect="1"/>
+          </p:cNvSpPr>
+          <p:nvPr>
+            <p:ph type="sldImg"/>
+          </p:nvPr>
+        </p:nvSpPr>
+        <p:spPr/>
+      </p:sp>
+      <p:sp>
+        <p:nvSpPr>
+          <p:cNvPr id="3" name="ノート プレースホルダー 2"/>
+          <p:cNvSpPr>
+            <a:spLocks noGrp="1"/>
+          </p:cNvSpPr>
+          <p:nvPr>
+            <p:ph type="body" idx="1"/>
+          </p:nvPr>
+        </p:nvSpPr>
+        <p:spPr/>
+        <p:txBody>
+          <a:bodyPr/>
+          <a:lstStyle/>
+          <a:p>
+            <a:r>
+              <a:rPr kumimoji="1" lang="ja-JP" altLang="en-US"/>
+              <a:t>リンク関係（ログイン周辺）</a:t>
+            </a:r>
+          </a:p>
+        </p:txBody>
+      </p:sp>
+      <p:sp>
+        <p:nvSpPr>
+          <p:cNvPr id="4" name="スライド番号プレースホルダー 3"/>
+          <p:cNvSpPr>
+            <a:spLocks noGrp="1"/>
+          </p:cNvSpPr>
+          <p:nvPr>
+            <p:ph type="sldNum" sz="quarter" idx="5"/>
+          </p:nvPr>
+        </p:nvSpPr>
+        <p:spPr/>
+        <p:txBody>
+          <a:bodyPr/>
+          <a:lstStyle/>
+          <a:p>
+            <a:fld id="{06B3398D-435E-F64E-B5EE-8DAAEC172DC3}" type="slidenum">
+              <a:rPr kumimoji="1" lang="ja-JP" altLang="en-US" smtClean="0"/>
+              <a:t>2</a:t>
+            </a:fld>
+            <a:endParaRPr kumimoji="1" lang="ja-JP" altLang="en-US"/>
+          </a:p>
+        </p:txBody>
+      </p:sp>
+    </p:spTree>
+    <p:extLst>
+      <p:ext uri="{BB962C8B-B14F-4D97-AF65-F5344CB8AC3E}">
+        <p14:creationId xmlns:p14="http://schemas.microsoft.com/office/powerpoint/2010/main" val="4069803273"/>
+      </p:ext>
+    </p:extLst>
+  </p:cSld>
+  <p:clrMapOvr>
+    <a:masterClrMapping/>
+  </p:clrMapOvr>
+</p:notes>
+</file>
+
+<file path=ppt/notesSlides/notesSlide3.xml><?xml version="1.0" encoding="utf-8"?>
+<p:notes xmlns:a="http://schemas.openxmlformats.org/drawingml/2006/main" xmlns:r="http://schemas.openxmlformats.org/officeDocument/2006/relationships" xmlns:p="http://schemas.openxmlformats.org/presentationml/2006/main">
+  <p:cSld>
+    <p:spTree>
+      <p:nvGrpSpPr>
+        <p:cNvPr id="1" name=""/>
+        <p:cNvGrpSpPr/>
+        <p:nvPr/>
+      </p:nvGrpSpPr>
+      <p:grpSpPr>
+        <a:xfrm>
+          <a:off x="0" y="0"/>
+          <a:ext cx="0" cy="0"/>
+          <a:chOff x="0" y="0"/>
+          <a:chExt cx="0" cy="0"/>
+        </a:xfrm>
+      </p:grpSpPr>
+      <p:sp>
+        <p:nvSpPr>
+          <p:cNvPr id="2" name="スライド イメージ プレースホルダー 1"/>
+          <p:cNvSpPr>
+            <a:spLocks noGrp="1" noRot="1" noChangeAspect="1"/>
+          </p:cNvSpPr>
+          <p:nvPr>
+            <p:ph type="sldImg"/>
+          </p:nvPr>
+        </p:nvSpPr>
+        <p:spPr/>
+      </p:sp>
+      <p:sp>
+        <p:nvSpPr>
+          <p:cNvPr id="3" name="ノート プレースホルダー 2"/>
+          <p:cNvSpPr>
+            <a:spLocks noGrp="1"/>
+          </p:cNvSpPr>
+          <p:nvPr>
+            <p:ph type="body" idx="1"/>
+          </p:nvPr>
+        </p:nvSpPr>
+        <p:spPr/>
+        <p:txBody>
+          <a:bodyPr/>
+          <a:lstStyle/>
+          <a:p>
+            <a:r>
+              <a:rPr kumimoji="1" lang="ja-JP" altLang="en-US"/>
+              <a:t>現状のリンク関係（ログイン周辺）</a:t>
+            </a:r>
+          </a:p>
+        </p:txBody>
+      </p:sp>
+      <p:sp>
+        <p:nvSpPr>
+          <p:cNvPr id="4" name="スライド番号プレースホルダー 3"/>
+          <p:cNvSpPr>
+            <a:spLocks noGrp="1"/>
+          </p:cNvSpPr>
+          <p:nvPr>
+            <p:ph type="sldNum" sz="quarter" idx="5"/>
+          </p:nvPr>
+        </p:nvSpPr>
+        <p:spPr/>
+        <p:txBody>
+          <a:bodyPr/>
+          <a:lstStyle/>
+          <a:p>
+            <a:fld id="{06B3398D-435E-F64E-B5EE-8DAAEC172DC3}" type="slidenum">
+              <a:rPr kumimoji="1" lang="ja-JP" altLang="en-US" smtClean="0"/>
+              <a:t>3</a:t>
+            </a:fld>
+            <a:endParaRPr kumimoji="1" lang="ja-JP" altLang="en-US"/>
+          </a:p>
+        </p:txBody>
+      </p:sp>
+    </p:spTree>
+    <p:extLst>
+      <p:ext uri="{BB962C8B-B14F-4D97-AF65-F5344CB8AC3E}">
+        <p14:creationId xmlns:p14="http://schemas.microsoft.com/office/powerpoint/2010/main" val="2084822684"/>
+      </p:ext>
+    </p:extLst>
+  </p:cSld>
+  <p:clrMapOvr>
+    <a:masterClrMapping/>
+  </p:clrMapOvr>
+</p:notes>
+</file>
+
+<file path=ppt/notesSlides/notesSlide4.xml><?xml version="1.0" encoding="utf-8"?>
+<p:notes xmlns:a="http://schemas.openxmlformats.org/drawingml/2006/main" xmlns:r="http://schemas.openxmlformats.org/officeDocument/2006/relationships" xmlns:p="http://schemas.openxmlformats.org/presentationml/2006/main">
+  <p:cSld>
+    <p:spTree>
+      <p:nvGrpSpPr>
+        <p:cNvPr id="1" name=""/>
+        <p:cNvGrpSpPr/>
+        <p:nvPr/>
+      </p:nvGrpSpPr>
+      <p:grpSpPr>
+        <a:xfrm>
+          <a:off x="0" y="0"/>
+          <a:ext cx="0" cy="0"/>
+          <a:chOff x="0" y="0"/>
+          <a:chExt cx="0" cy="0"/>
+        </a:xfrm>
+      </p:grpSpPr>
+      <p:sp>
+        <p:nvSpPr>
+          <p:cNvPr id="2" name="スライド イメージ プレースホルダー 1"/>
+          <p:cNvSpPr>
+            <a:spLocks noGrp="1" noRot="1" noChangeAspect="1"/>
+          </p:cNvSpPr>
+          <p:nvPr>
+            <p:ph type="sldImg"/>
+          </p:nvPr>
+        </p:nvSpPr>
+        <p:spPr/>
+      </p:sp>
+      <p:sp>
+        <p:nvSpPr>
+          <p:cNvPr id="3" name="ノート プレースホルダー 2"/>
+          <p:cNvSpPr>
+            <a:spLocks noGrp="1"/>
+          </p:cNvSpPr>
+          <p:nvPr>
+            <p:ph type="body" idx="1"/>
+          </p:nvPr>
+        </p:nvSpPr>
+        <p:spPr/>
+        <p:txBody>
+          <a:bodyPr/>
+          <a:lstStyle/>
+          <a:p>
+            <a:r>
+              <a:rPr kumimoji="1" lang="ja-JP" altLang="en-US"/>
+              <a:t>リンク関係（ログイン以降）</a:t>
+            </a:r>
+          </a:p>
+        </p:txBody>
+      </p:sp>
+      <p:sp>
+        <p:nvSpPr>
+          <p:cNvPr id="4" name="スライド番号プレースホルダー 3"/>
+          <p:cNvSpPr>
+            <a:spLocks noGrp="1"/>
+          </p:cNvSpPr>
+          <p:nvPr>
+            <p:ph type="sldNum" sz="quarter" idx="5"/>
+          </p:nvPr>
+        </p:nvSpPr>
+        <p:spPr/>
+        <p:txBody>
+          <a:bodyPr/>
+          <a:lstStyle/>
+          <a:p>
+            <a:fld id="{06B3398D-435E-F64E-B5EE-8DAAEC172DC3}" type="slidenum">
+              <a:rPr kumimoji="1" lang="ja-JP" altLang="en-US" smtClean="0"/>
+              <a:t>4</a:t>
+            </a:fld>
+            <a:endParaRPr kumimoji="1" lang="ja-JP" altLang="en-US"/>
+          </a:p>
+        </p:txBody>
+      </p:sp>
+    </p:spTree>
+    <p:extLst>
+      <p:ext uri="{BB962C8B-B14F-4D97-AF65-F5344CB8AC3E}">
+        <p14:creationId xmlns:p14="http://schemas.microsoft.com/office/powerpoint/2010/main" val="2965379893"/>
+      </p:ext>
+    </p:extLst>
+  </p:cSld>
+  <p:clrMapOvr>
+    <a:masterClrMapping/>
+  </p:clrMapOvr>
+</p:notes>
+</file>
+
+<file path=ppt/notesSlides/notesSlide5.xml><?xml version="1.0" encoding="utf-8"?>
+<p:notes xmlns:a="http://schemas.openxmlformats.org/drawingml/2006/main" xmlns:r="http://schemas.openxmlformats.org/officeDocument/2006/relationships" xmlns:p="http://schemas.openxmlformats.org/presentationml/2006/main">
+  <p:cSld>
+    <p:spTree>
+      <p:nvGrpSpPr>
+        <p:cNvPr id="1" name=""/>
+        <p:cNvGrpSpPr/>
+        <p:nvPr/>
+      </p:nvGrpSpPr>
+      <p:grpSpPr>
+        <a:xfrm>
+          <a:off x="0" y="0"/>
+          <a:ext cx="0" cy="0"/>
+          <a:chOff x="0" y="0"/>
+          <a:chExt cx="0" cy="0"/>
+        </a:xfrm>
+      </p:grpSpPr>
+      <p:sp>
+        <p:nvSpPr>
+          <p:cNvPr id="2" name="スライド イメージ プレースホルダー 1"/>
+          <p:cNvSpPr>
+            <a:spLocks noGrp="1" noRot="1" noChangeAspect="1"/>
+          </p:cNvSpPr>
+          <p:nvPr>
+            <p:ph type="sldImg"/>
+          </p:nvPr>
+        </p:nvSpPr>
+        <p:spPr/>
+      </p:sp>
+      <p:sp>
+        <p:nvSpPr>
+          <p:cNvPr id="3" name="ノート プレースホルダー 2"/>
+          <p:cNvSpPr>
+            <a:spLocks noGrp="1"/>
+          </p:cNvSpPr>
+          <p:nvPr>
+            <p:ph type="body" idx="1"/>
+          </p:nvPr>
+        </p:nvSpPr>
+        <p:spPr/>
+        <p:txBody>
+          <a:bodyPr/>
+          <a:lstStyle/>
+          <a:p>
+            <a:r>
+              <a:rPr kumimoji="1" lang="ja-JP" altLang="en-US"/>
+              <a:t>リンク関係（ログイン以降）</a:t>
+            </a:r>
+          </a:p>
+        </p:txBody>
+      </p:sp>
+      <p:sp>
+        <p:nvSpPr>
+          <p:cNvPr id="4" name="スライド番号プレースホルダー 3"/>
+          <p:cNvSpPr>
+            <a:spLocks noGrp="1"/>
+          </p:cNvSpPr>
+          <p:nvPr>
+            <p:ph type="sldNum" sz="quarter" idx="5"/>
+          </p:nvPr>
+        </p:nvSpPr>
+        <p:spPr/>
+        <p:txBody>
+          <a:bodyPr/>
+          <a:lstStyle/>
+          <a:p>
+            <a:fld id="{06B3398D-435E-F64E-B5EE-8DAAEC172DC3}" type="slidenum">
+              <a:rPr kumimoji="1" lang="ja-JP" altLang="en-US" smtClean="0"/>
+              <a:t>5</a:t>
+            </a:fld>
+            <a:endParaRPr kumimoji="1" lang="ja-JP" altLang="en-US"/>
+          </a:p>
+        </p:txBody>
+      </p:sp>
+    </p:spTree>
+    <p:extLst>
+      <p:ext uri="{BB962C8B-B14F-4D97-AF65-F5344CB8AC3E}">
+        <p14:creationId xmlns:p14="http://schemas.microsoft.com/office/powerpoint/2010/main" val="2599165358"/>
+      </p:ext>
+    </p:extLst>
+  </p:cSld>
+  <p:clrMapOvr>
+    <a:masterClrMapping/>
+  </p:clrMapOvr>
+</p:notes>
+</file>
+
+<file path=ppt/notesSlides/notesSlide6.xml><?xml version="1.0" encoding="utf-8"?>
+<p:notes xmlns:a="http://schemas.openxmlformats.org/drawingml/2006/main" xmlns:r="http://schemas.openxmlformats.org/officeDocument/2006/relationships" xmlns:p="http://schemas.openxmlformats.org/presentationml/2006/main">
+  <p:cSld>
+    <p:spTree>
+      <p:nvGrpSpPr>
+        <p:cNvPr id="1" name=""/>
+        <p:cNvGrpSpPr/>
+        <p:nvPr/>
+      </p:nvGrpSpPr>
+      <p:grpSpPr>
+        <a:xfrm>
+          <a:off x="0" y="0"/>
+          <a:ext cx="0" cy="0"/>
+          <a:chOff x="0" y="0"/>
+          <a:chExt cx="0" cy="0"/>
+        </a:xfrm>
+      </p:grpSpPr>
+      <p:sp>
+        <p:nvSpPr>
+          <p:cNvPr id="2" name="スライド イメージ プレースホルダー 1"/>
+          <p:cNvSpPr>
+            <a:spLocks noGrp="1" noRot="1" noChangeAspect="1"/>
+          </p:cNvSpPr>
+          <p:nvPr>
+            <p:ph type="sldImg"/>
+          </p:nvPr>
+        </p:nvSpPr>
+        <p:spPr/>
+      </p:sp>
+      <p:sp>
+        <p:nvSpPr>
+          <p:cNvPr id="3" name="ノート プレースホルダー 2"/>
+          <p:cNvSpPr>
+            <a:spLocks noGrp="1"/>
+          </p:cNvSpPr>
+          <p:nvPr>
+            <p:ph type="body" idx="1"/>
+          </p:nvPr>
+        </p:nvSpPr>
+        <p:spPr/>
+        <p:txBody>
+          <a:bodyPr/>
+          <a:lstStyle/>
+          <a:p>
+            <a:r>
+              <a:rPr kumimoji="1" lang="ja-JP" altLang="en-US"/>
+              <a:t>貯蓄シミュレーション画面</a:t>
+            </a:r>
+          </a:p>
+        </p:txBody>
+      </p:sp>
+      <p:sp>
+        <p:nvSpPr>
+          <p:cNvPr id="4" name="スライド番号プレースホルダー 3"/>
+          <p:cNvSpPr>
+            <a:spLocks noGrp="1"/>
+          </p:cNvSpPr>
+          <p:nvPr>
+            <p:ph type="sldNum" sz="quarter" idx="5"/>
+          </p:nvPr>
+        </p:nvSpPr>
+        <p:spPr/>
+        <p:txBody>
+          <a:bodyPr/>
+          <a:lstStyle/>
+          <a:p>
+            <a:fld id="{06B3398D-435E-F64E-B5EE-8DAAEC172DC3}" type="slidenum">
+              <a:rPr kumimoji="1" lang="ja-JP" altLang="en-US" smtClean="0"/>
+              <a:t>6</a:t>
+            </a:fld>
+            <a:endParaRPr kumimoji="1" lang="ja-JP" altLang="en-US"/>
+          </a:p>
+        </p:txBody>
+      </p:sp>
+    </p:spTree>
+    <p:extLst>
+      <p:ext uri="{BB962C8B-B14F-4D97-AF65-F5344CB8AC3E}">
+        <p14:creationId xmlns:p14="http://schemas.microsoft.com/office/powerpoint/2010/main" val="3010983436"/>
+      </p:ext>
+    </p:extLst>
+  </p:cSld>
+  <p:clrMapOvr>
+    <a:masterClrMapping/>
+  </p:clrMapOvr>
+</p:notes>
+</file>
+
 <file path=ppt/slideLayouts/slideLayout1.xml><?xml version="1.0" encoding="utf-8"?>
 <p:sldLayout xmlns:a="http://schemas.openxmlformats.org/drawingml/2006/main" xmlns:r="http://schemas.openxmlformats.org/officeDocument/2006/relationships" xmlns:p="http://schemas.openxmlformats.org/presentationml/2006/main" type="title" preserve="1">
   <p:cSld name="タイトル スライド">
@@ -286,7 +1197,7 @@
           <a:p>
             <a:fld id="{4978F8BA-5C8D-964E-9BEE-EAEFE2CC1A01}" type="datetimeFigureOut">
               <a:rPr kumimoji="1" lang="ja-JP" altLang="en-US" smtClean="0"/>
-              <a:t>2022/7/1</a:t>
+              <a:t>2022/7/8</a:t>
             </a:fld>
             <a:endParaRPr kumimoji="1" lang="ja-JP" altLang="en-US"/>
           </a:p>
@@ -516,7 +1427,7 @@
           <a:p>
             <a:fld id="{4978F8BA-5C8D-964E-9BEE-EAEFE2CC1A01}" type="datetimeFigureOut">
               <a:rPr kumimoji="1" lang="ja-JP" altLang="en-US" smtClean="0"/>
-              <a:t>2022/7/1</a:t>
+              <a:t>2022/7/8</a:t>
             </a:fld>
             <a:endParaRPr kumimoji="1" lang="ja-JP" altLang="en-US"/>
           </a:p>
@@ -756,7 +1667,7 @@
           <a:p>
             <a:fld id="{4978F8BA-5C8D-964E-9BEE-EAEFE2CC1A01}" type="datetimeFigureOut">
               <a:rPr kumimoji="1" lang="ja-JP" altLang="en-US" smtClean="0"/>
-              <a:t>2022/7/1</a:t>
+              <a:t>2022/7/8</a:t>
             </a:fld>
             <a:endParaRPr kumimoji="1" lang="ja-JP" altLang="en-US"/>
           </a:p>
@@ -986,7 +1897,7 @@
           <a:p>
             <a:fld id="{4978F8BA-5C8D-964E-9BEE-EAEFE2CC1A01}" type="datetimeFigureOut">
               <a:rPr kumimoji="1" lang="ja-JP" altLang="en-US" smtClean="0"/>
-              <a:t>2022/7/1</a:t>
+              <a:t>2022/7/8</a:t>
             </a:fld>
             <a:endParaRPr kumimoji="1" lang="ja-JP" altLang="en-US"/>
           </a:p>
@@ -1261,7 +2172,7 @@
           <a:p>
             <a:fld id="{4978F8BA-5C8D-964E-9BEE-EAEFE2CC1A01}" type="datetimeFigureOut">
               <a:rPr kumimoji="1" lang="ja-JP" altLang="en-US" smtClean="0"/>
-              <a:t>2022/7/1</a:t>
+              <a:t>2022/7/8</a:t>
             </a:fld>
             <a:endParaRPr kumimoji="1" lang="ja-JP" altLang="en-US"/>
           </a:p>
@@ -1590,7 +2501,7 @@
           <a:p>
             <a:fld id="{4978F8BA-5C8D-964E-9BEE-EAEFE2CC1A01}" type="datetimeFigureOut">
               <a:rPr kumimoji="1" lang="ja-JP" altLang="en-US" smtClean="0"/>
-              <a:t>2022/7/1</a:t>
+              <a:t>2022/7/8</a:t>
             </a:fld>
             <a:endParaRPr kumimoji="1" lang="ja-JP" altLang="en-US"/>
           </a:p>
@@ -2066,7 +2977,7 @@
           <a:p>
             <a:fld id="{4978F8BA-5C8D-964E-9BEE-EAEFE2CC1A01}" type="datetimeFigureOut">
               <a:rPr kumimoji="1" lang="ja-JP" altLang="en-US" smtClean="0"/>
-              <a:t>2022/7/1</a:t>
+              <a:t>2022/7/8</a:t>
             </a:fld>
             <a:endParaRPr kumimoji="1" lang="ja-JP" altLang="en-US"/>
           </a:p>
@@ -2207,7 +3118,7 @@
           <a:p>
             <a:fld id="{4978F8BA-5C8D-964E-9BEE-EAEFE2CC1A01}" type="datetimeFigureOut">
               <a:rPr kumimoji="1" lang="ja-JP" altLang="en-US" smtClean="0"/>
-              <a:t>2022/7/1</a:t>
+              <a:t>2022/7/8</a:t>
             </a:fld>
             <a:endParaRPr kumimoji="1" lang="ja-JP" altLang="en-US"/>
           </a:p>
@@ -2320,7 +3231,7 @@
           <a:p>
             <a:fld id="{4978F8BA-5C8D-964E-9BEE-EAEFE2CC1A01}" type="datetimeFigureOut">
               <a:rPr kumimoji="1" lang="ja-JP" altLang="en-US" smtClean="0"/>
-              <a:t>2022/7/1</a:t>
+              <a:t>2022/7/8</a:t>
             </a:fld>
             <a:endParaRPr kumimoji="1" lang="ja-JP" altLang="en-US"/>
           </a:p>
@@ -2663,7 +3574,7 @@
           <a:p>
             <a:fld id="{4978F8BA-5C8D-964E-9BEE-EAEFE2CC1A01}" type="datetimeFigureOut">
               <a:rPr kumimoji="1" lang="ja-JP" altLang="en-US" smtClean="0"/>
-              <a:t>2022/7/1</a:t>
+              <a:t>2022/7/8</a:t>
             </a:fld>
             <a:endParaRPr kumimoji="1" lang="ja-JP" altLang="en-US"/>
           </a:p>
@@ -2951,7 +3862,7 @@
           <a:p>
             <a:fld id="{4978F8BA-5C8D-964E-9BEE-EAEFE2CC1A01}" type="datetimeFigureOut">
               <a:rPr kumimoji="1" lang="ja-JP" altLang="en-US" smtClean="0"/>
-              <a:t>2022/7/1</a:t>
+              <a:t>2022/7/8</a:t>
             </a:fld>
             <a:endParaRPr kumimoji="1" lang="ja-JP" altLang="en-US"/>
           </a:p>
@@ -3224,7 +4135,7 @@
           <a:p>
             <a:fld id="{4978F8BA-5C8D-964E-9BEE-EAEFE2CC1A01}" type="datetimeFigureOut">
               <a:rPr kumimoji="1" lang="ja-JP" altLang="en-US" smtClean="0"/>
-              <a:t>2022/7/1</a:t>
+              <a:t>2022/7/8</a:t>
             </a:fld>
             <a:endParaRPr kumimoji="1" lang="ja-JP" altLang="en-US"/>
           </a:p>
@@ -3627,10 +4538,6658 @@
 <file path=ppt/slides/slide1.xml><?xml version="1.0" encoding="utf-8"?>
 <p:sld xmlns:a="http://schemas.openxmlformats.org/drawingml/2006/main" xmlns:r="http://schemas.openxmlformats.org/officeDocument/2006/relationships" xmlns:p="http://schemas.openxmlformats.org/presentationml/2006/main">
   <p:cSld>
+    <p:spTree>
+      <p:nvGrpSpPr>
+        <p:cNvPr id="1" name=""/>
+        <p:cNvGrpSpPr/>
+        <p:nvPr/>
+      </p:nvGrpSpPr>
+      <p:grpSpPr>
+        <a:xfrm>
+          <a:off x="0" y="0"/>
+          <a:ext cx="0" cy="0"/>
+          <a:chOff x="0" y="0"/>
+          <a:chExt cx="0" cy="0"/>
+        </a:xfrm>
+      </p:grpSpPr>
+      <p:sp>
+        <p:nvSpPr>
+          <p:cNvPr id="2" name="正方形/長方形 1">
+            <a:extLst>
+              <a:ext uri="{FF2B5EF4-FFF2-40B4-BE49-F238E27FC236}">
+                <a16:creationId xmlns:a16="http://schemas.microsoft.com/office/drawing/2014/main" id="{BA95704E-606A-F382-909B-244F597BC66B}"/>
+              </a:ext>
+            </a:extLst>
+          </p:cNvPr>
+          <p:cNvSpPr/>
+          <p:nvPr/>
+        </p:nvSpPr>
+        <p:spPr>
+          <a:xfrm>
+            <a:off x="5171475" y="2350547"/>
+            <a:ext cx="1443038" cy="914400"/>
+          </a:xfrm>
+          <a:prstGeom prst="rect">
+            <a:avLst/>
+          </a:prstGeom>
+          <a:noFill/>
+          <a:ln>
+            <a:solidFill>
+              <a:schemeClr val="tx1"/>
+            </a:solidFill>
+          </a:ln>
+        </p:spPr>
+        <p:style>
+          <a:lnRef idx="2">
+            <a:schemeClr val="accent1">
+              <a:shade val="50000"/>
+            </a:schemeClr>
+          </a:lnRef>
+          <a:fillRef idx="1">
+            <a:schemeClr val="accent1"/>
+          </a:fillRef>
+          <a:effectRef idx="0">
+            <a:schemeClr val="accent1"/>
+          </a:effectRef>
+          <a:fontRef idx="minor">
+            <a:schemeClr val="lt1"/>
+          </a:fontRef>
+        </p:style>
+        <p:txBody>
+          <a:bodyPr rtlCol="0" anchor="ctr"/>
+          <a:lstStyle/>
+          <a:p>
+            <a:pPr algn="ctr"/>
+            <a:r>
+              <a:rPr lang="ja-JP" altLang="en-US" sz="1200">
+                <a:solidFill>
+                  <a:schemeClr val="tx1"/>
+                </a:solidFill>
+                <a:latin typeface="Hiragino Kaku Gothic Pro W3" panose="020B0300000000000000" pitchFamily="34" charset="-128"/>
+                <a:ea typeface="Hiragino Kaku Gothic Pro W3" panose="020B0300000000000000" pitchFamily="34" charset="-128"/>
+              </a:rPr>
+              <a:t>ログインフォーム</a:t>
+            </a:r>
+            <a:endParaRPr kumimoji="1" lang="ja-JP" altLang="en-US" sz="1200">
+              <a:solidFill>
+                <a:schemeClr val="tx1"/>
+              </a:solidFill>
+              <a:latin typeface="Hiragino Kaku Gothic Pro W3" panose="020B0300000000000000" pitchFamily="34" charset="-128"/>
+              <a:ea typeface="Hiragino Kaku Gothic Pro W3" panose="020B0300000000000000" pitchFamily="34" charset="-128"/>
+            </a:endParaRPr>
+          </a:p>
+        </p:txBody>
+      </p:sp>
+      <p:sp>
+        <p:nvSpPr>
+          <p:cNvPr id="4" name="正方形/長方形 3">
+            <a:extLst>
+              <a:ext uri="{FF2B5EF4-FFF2-40B4-BE49-F238E27FC236}">
+                <a16:creationId xmlns:a16="http://schemas.microsoft.com/office/drawing/2014/main" id="{D264471A-75C0-8631-8A2A-C87D674156BB}"/>
+              </a:ext>
+            </a:extLst>
+          </p:cNvPr>
+          <p:cNvSpPr/>
+          <p:nvPr/>
+        </p:nvSpPr>
+        <p:spPr>
+          <a:xfrm>
+            <a:off x="5172664" y="1016208"/>
+            <a:ext cx="1443038" cy="914400"/>
+          </a:xfrm>
+          <a:prstGeom prst="rect">
+            <a:avLst/>
+          </a:prstGeom>
+          <a:noFill/>
+          <a:ln>
+            <a:solidFill>
+              <a:schemeClr val="tx1"/>
+            </a:solidFill>
+          </a:ln>
+        </p:spPr>
+        <p:style>
+          <a:lnRef idx="2">
+            <a:schemeClr val="accent1">
+              <a:shade val="50000"/>
+            </a:schemeClr>
+          </a:lnRef>
+          <a:fillRef idx="1">
+            <a:schemeClr val="accent1"/>
+          </a:fillRef>
+          <a:effectRef idx="0">
+            <a:schemeClr val="accent1"/>
+          </a:effectRef>
+          <a:fontRef idx="minor">
+            <a:schemeClr val="lt1"/>
+          </a:fontRef>
+        </p:style>
+        <p:txBody>
+          <a:bodyPr rtlCol="0" anchor="ctr"/>
+          <a:lstStyle/>
+          <a:p>
+            <a:pPr algn="ctr"/>
+            <a:r>
+              <a:rPr kumimoji="1" lang="ja-JP" altLang="en-US" sz="1200">
+                <a:solidFill>
+                  <a:schemeClr val="tx1"/>
+                </a:solidFill>
+                <a:latin typeface="Hiragino Kaku Gothic Pro W3" panose="020B0300000000000000" pitchFamily="34" charset="-128"/>
+                <a:ea typeface="Hiragino Kaku Gothic Pro W3" panose="020B0300000000000000" pitchFamily="34" charset="-128"/>
+              </a:rPr>
+              <a:t>サインアップ</a:t>
+            </a:r>
+          </a:p>
+        </p:txBody>
+      </p:sp>
+      <p:sp>
+        <p:nvSpPr>
+          <p:cNvPr id="5" name="正方形/長方形 4">
+            <a:extLst>
+              <a:ext uri="{FF2B5EF4-FFF2-40B4-BE49-F238E27FC236}">
+                <a16:creationId xmlns:a16="http://schemas.microsoft.com/office/drawing/2014/main" id="{0158B6AE-1260-8EBD-F10D-AFA0324607C5}"/>
+              </a:ext>
+            </a:extLst>
+          </p:cNvPr>
+          <p:cNvSpPr/>
+          <p:nvPr/>
+        </p:nvSpPr>
+        <p:spPr>
+          <a:xfrm>
+            <a:off x="4451145" y="-875345"/>
+            <a:ext cx="1443038" cy="914400"/>
+          </a:xfrm>
+          <a:prstGeom prst="rect">
+            <a:avLst/>
+          </a:prstGeom>
+          <a:noFill/>
+          <a:ln>
+            <a:solidFill>
+              <a:schemeClr val="tx1"/>
+            </a:solidFill>
+          </a:ln>
+        </p:spPr>
+        <p:style>
+          <a:lnRef idx="2">
+            <a:schemeClr val="accent1">
+              <a:shade val="50000"/>
+            </a:schemeClr>
+          </a:lnRef>
+          <a:fillRef idx="1">
+            <a:schemeClr val="accent1"/>
+          </a:fillRef>
+          <a:effectRef idx="0">
+            <a:schemeClr val="accent1"/>
+          </a:effectRef>
+          <a:fontRef idx="minor">
+            <a:schemeClr val="lt1"/>
+          </a:fontRef>
+        </p:style>
+        <p:txBody>
+          <a:bodyPr rtlCol="0" anchor="ctr"/>
+          <a:lstStyle/>
+          <a:p>
+            <a:pPr algn="ctr"/>
+            <a:r>
+              <a:rPr kumimoji="1" lang="ja-JP" altLang="en-US" sz="1200">
+                <a:solidFill>
+                  <a:schemeClr val="tx1"/>
+                </a:solidFill>
+                <a:latin typeface="Hiragino Kaku Gothic Pro W3" panose="020B0300000000000000" pitchFamily="34" charset="-128"/>
+                <a:ea typeface="Hiragino Kaku Gothic Pro W3" panose="020B0300000000000000" pitchFamily="34" charset="-128"/>
+              </a:rPr>
+              <a:t>仮登録完了</a:t>
+            </a:r>
+          </a:p>
+        </p:txBody>
+      </p:sp>
+      <p:pic>
+        <p:nvPicPr>
+          <p:cNvPr id="7" name="グラフィックス 6" descr="封筒 枠線">
+            <a:extLst>
+              <a:ext uri="{FF2B5EF4-FFF2-40B4-BE49-F238E27FC236}">
+                <a16:creationId xmlns:a16="http://schemas.microsoft.com/office/drawing/2014/main" id="{B565B5E9-5B1E-1D5B-647E-9CEBCAB2A112}"/>
+              </a:ext>
+            </a:extLst>
+          </p:cNvPr>
+          <p:cNvPicPr>
+            <a:picLocks noChangeAspect="1"/>
+          </p:cNvPicPr>
+          <p:nvPr/>
+        </p:nvPicPr>
+        <p:blipFill>
+          <a:blip r:embed="rId3">
+            <a:extLst>
+              <a:ext uri="{96DAC541-7B7A-43D3-8B79-37D633B846F1}">
+                <asvg:svgBlip xmlns:asvg="http://schemas.microsoft.com/office/drawing/2016/SVG/main" r:embed="rId4"/>
+              </a:ext>
+            </a:extLst>
+          </a:blip>
+          <a:stretch>
+            <a:fillRect/>
+          </a:stretch>
+        </p:blipFill>
+        <p:spPr>
+          <a:xfrm>
+            <a:off x="7110411" y="-52385"/>
+            <a:ext cx="914400" cy="914400"/>
+          </a:xfrm>
+          <a:prstGeom prst="rect">
+            <a:avLst/>
+          </a:prstGeom>
+        </p:spPr>
+      </p:pic>
+      <p:sp>
+        <p:nvSpPr>
+          <p:cNvPr id="8" name="正方形/長方形 7">
+            <a:extLst>
+              <a:ext uri="{FF2B5EF4-FFF2-40B4-BE49-F238E27FC236}">
+                <a16:creationId xmlns:a16="http://schemas.microsoft.com/office/drawing/2014/main" id="{EDEB993D-7F28-F0C4-93C2-E31C7E2F9009}"/>
+              </a:ext>
+            </a:extLst>
+          </p:cNvPr>
+          <p:cNvSpPr/>
+          <p:nvPr/>
+        </p:nvSpPr>
+        <p:spPr>
+          <a:xfrm>
+            <a:off x="8317703" y="862015"/>
+            <a:ext cx="1443038" cy="914400"/>
+          </a:xfrm>
+          <a:prstGeom prst="rect">
+            <a:avLst/>
+          </a:prstGeom>
+          <a:noFill/>
+          <a:ln>
+            <a:solidFill>
+              <a:schemeClr val="tx1"/>
+            </a:solidFill>
+          </a:ln>
+        </p:spPr>
+        <p:style>
+          <a:lnRef idx="2">
+            <a:schemeClr val="accent1">
+              <a:shade val="50000"/>
+            </a:schemeClr>
+          </a:lnRef>
+          <a:fillRef idx="1">
+            <a:schemeClr val="accent1"/>
+          </a:fillRef>
+          <a:effectRef idx="0">
+            <a:schemeClr val="accent1"/>
+          </a:effectRef>
+          <a:fontRef idx="minor">
+            <a:schemeClr val="lt1"/>
+          </a:fontRef>
+        </p:style>
+        <p:txBody>
+          <a:bodyPr rtlCol="0" anchor="ctr"/>
+          <a:lstStyle/>
+          <a:p>
+            <a:pPr algn="ctr"/>
+            <a:r>
+              <a:rPr kumimoji="1" lang="ja-JP" altLang="en-US" sz="1200">
+                <a:solidFill>
+                  <a:schemeClr val="tx1"/>
+                </a:solidFill>
+                <a:latin typeface="Hiragino Kaku Gothic Pro W3" panose="020B0300000000000000" pitchFamily="34" charset="-128"/>
+                <a:ea typeface="Hiragino Kaku Gothic Pro W3" panose="020B0300000000000000" pitchFamily="34" charset="-128"/>
+              </a:rPr>
+              <a:t>本登録</a:t>
+            </a:r>
+          </a:p>
+        </p:txBody>
+      </p:sp>
+      <p:sp>
+        <p:nvSpPr>
+          <p:cNvPr id="9" name="正方形/長方形 8">
+            <a:extLst>
+              <a:ext uri="{FF2B5EF4-FFF2-40B4-BE49-F238E27FC236}">
+                <a16:creationId xmlns:a16="http://schemas.microsoft.com/office/drawing/2014/main" id="{44463B47-911D-3D4A-C2E1-7B8B03F0C9E6}"/>
+              </a:ext>
+            </a:extLst>
+          </p:cNvPr>
+          <p:cNvSpPr/>
+          <p:nvPr/>
+        </p:nvSpPr>
+        <p:spPr>
+          <a:xfrm>
+            <a:off x="5171475" y="5384592"/>
+            <a:ext cx="1443038" cy="914400"/>
+          </a:xfrm>
+          <a:prstGeom prst="rect">
+            <a:avLst/>
+          </a:prstGeom>
+          <a:noFill/>
+          <a:ln>
+            <a:solidFill>
+              <a:schemeClr val="tx1"/>
+            </a:solidFill>
+          </a:ln>
+        </p:spPr>
+        <p:style>
+          <a:lnRef idx="2">
+            <a:schemeClr val="accent1">
+              <a:shade val="50000"/>
+            </a:schemeClr>
+          </a:lnRef>
+          <a:fillRef idx="1">
+            <a:schemeClr val="accent1"/>
+          </a:fillRef>
+          <a:effectRef idx="0">
+            <a:schemeClr val="accent1"/>
+          </a:effectRef>
+          <a:fontRef idx="minor">
+            <a:schemeClr val="lt1"/>
+          </a:fontRef>
+        </p:style>
+        <p:txBody>
+          <a:bodyPr rtlCol="0" anchor="ctr"/>
+          <a:lstStyle/>
+          <a:p>
+            <a:pPr algn="ctr"/>
+            <a:r>
+              <a:rPr kumimoji="1" lang="ja-JP" altLang="en-US" sz="1200">
+                <a:solidFill>
+                  <a:schemeClr val="tx1"/>
+                </a:solidFill>
+                <a:latin typeface="Hiragino Kaku Gothic Pro W3" panose="020B0300000000000000" pitchFamily="34" charset="-128"/>
+                <a:ea typeface="Hiragino Kaku Gothic Pro W3" panose="020B0300000000000000" pitchFamily="34" charset="-128"/>
+              </a:rPr>
+              <a:t>マイページ</a:t>
+            </a:r>
+          </a:p>
+        </p:txBody>
+      </p:sp>
+      <p:grpSp>
+        <p:nvGrpSpPr>
+          <p:cNvPr id="15" name="グループ化 14">
+            <a:extLst>
+              <a:ext uri="{FF2B5EF4-FFF2-40B4-BE49-F238E27FC236}">
+                <a16:creationId xmlns:a16="http://schemas.microsoft.com/office/drawing/2014/main" id="{BFD8C4CD-2DB9-5341-DC7E-DF09181D883B}"/>
+              </a:ext>
+            </a:extLst>
+          </p:cNvPr>
+          <p:cNvGrpSpPr/>
+          <p:nvPr/>
+        </p:nvGrpSpPr>
+        <p:grpSpPr>
+          <a:xfrm>
+            <a:off x="307295" y="3071813"/>
+            <a:ext cx="1441849" cy="1095373"/>
+            <a:chOff x="8582615" y="2105027"/>
+            <a:chExt cx="1441849" cy="1095373"/>
+          </a:xfrm>
+        </p:grpSpPr>
+        <p:pic>
+          <p:nvPicPr>
+            <p:cNvPr id="11" name="グラフィックス 10" descr="データベース 単色塗りつぶし">
+              <a:extLst>
+                <a:ext uri="{FF2B5EF4-FFF2-40B4-BE49-F238E27FC236}">
+                  <a16:creationId xmlns:a16="http://schemas.microsoft.com/office/drawing/2014/main" id="{012DD1B0-A1D2-09F4-5ADB-BEC851555158}"/>
+                </a:ext>
+              </a:extLst>
+            </p:cNvPr>
+            <p:cNvPicPr>
+              <a:picLocks noChangeAspect="1"/>
+            </p:cNvPicPr>
+            <p:nvPr/>
+          </p:nvPicPr>
+          <p:blipFill>
+            <a:blip r:embed="rId5">
+              <a:extLst>
+                <a:ext uri="{96DAC541-7B7A-43D3-8B79-37D633B846F1}">
+                  <asvg:svgBlip xmlns:asvg="http://schemas.microsoft.com/office/drawing/2016/SVG/main" r:embed="rId6"/>
+                </a:ext>
+              </a:extLst>
+            </a:blip>
+            <a:stretch>
+              <a:fillRect/>
+            </a:stretch>
+          </p:blipFill>
+          <p:spPr>
+            <a:xfrm>
+              <a:off x="8846341" y="2286000"/>
+              <a:ext cx="914400" cy="914400"/>
+            </a:xfrm>
+            <a:prstGeom prst="rect">
+              <a:avLst/>
+            </a:prstGeom>
+          </p:spPr>
+        </p:pic>
+        <p:sp>
+          <p:nvSpPr>
+            <p:cNvPr id="13" name="テキスト ボックス 12">
+              <a:extLst>
+                <a:ext uri="{FF2B5EF4-FFF2-40B4-BE49-F238E27FC236}">
+                  <a16:creationId xmlns:a16="http://schemas.microsoft.com/office/drawing/2014/main" id="{24FB6034-EA19-062A-E3C6-BF8234FE1C50}"/>
+                </a:ext>
+              </a:extLst>
+            </p:cNvPr>
+            <p:cNvSpPr txBox="1"/>
+            <p:nvPr/>
+          </p:nvSpPr>
+          <p:spPr>
+            <a:xfrm>
+              <a:off x="8582615" y="2105027"/>
+              <a:ext cx="1441849" cy="276999"/>
+            </a:xfrm>
+            <a:prstGeom prst="rect">
+              <a:avLst/>
+            </a:prstGeom>
+            <a:noFill/>
+          </p:spPr>
+          <p:txBody>
+            <a:bodyPr wrap="square" rtlCol="0">
+              <a:spAutoFit/>
+            </a:bodyPr>
+            <a:lstStyle/>
+            <a:p>
+              <a:pPr algn="ctr"/>
+              <a:r>
+                <a:rPr kumimoji="1" lang="ja-JP" altLang="en-US" sz="1200">
+                  <a:latin typeface="Hiragino Kaku Gothic Pro W3" panose="020B0300000000000000" pitchFamily="34" charset="-128"/>
+                  <a:ea typeface="Hiragino Kaku Gothic Pro W3" panose="020B0300000000000000" pitchFamily="34" charset="-128"/>
+                </a:rPr>
+                <a:t>仮登録ユーザー</a:t>
+              </a:r>
+            </a:p>
+          </p:txBody>
+        </p:sp>
+      </p:grpSp>
+      <p:grpSp>
+        <p:nvGrpSpPr>
+          <p:cNvPr id="16" name="グループ化 15">
+            <a:extLst>
+              <a:ext uri="{FF2B5EF4-FFF2-40B4-BE49-F238E27FC236}">
+                <a16:creationId xmlns:a16="http://schemas.microsoft.com/office/drawing/2014/main" id="{D2246518-ACD5-92D5-8D19-9DECCAAE94FF}"/>
+              </a:ext>
+            </a:extLst>
+          </p:cNvPr>
+          <p:cNvGrpSpPr/>
+          <p:nvPr/>
+        </p:nvGrpSpPr>
+        <p:grpSpPr>
+          <a:xfrm>
+            <a:off x="5171475" y="3709986"/>
+            <a:ext cx="1441849" cy="1115653"/>
+            <a:chOff x="8582615" y="3965933"/>
+            <a:chExt cx="1441849" cy="1115653"/>
+          </a:xfrm>
+        </p:grpSpPr>
+        <p:pic>
+          <p:nvPicPr>
+            <p:cNvPr id="12" name="グラフィックス 11" descr="データベース 単色塗りつぶし">
+              <a:extLst>
+                <a:ext uri="{FF2B5EF4-FFF2-40B4-BE49-F238E27FC236}">
+                  <a16:creationId xmlns:a16="http://schemas.microsoft.com/office/drawing/2014/main" id="{42A68374-22A9-4499-F504-BAF3F9EF53E1}"/>
+                </a:ext>
+              </a:extLst>
+            </p:cNvPr>
+            <p:cNvPicPr>
+              <a:picLocks noChangeAspect="1"/>
+            </p:cNvPicPr>
+            <p:nvPr/>
+          </p:nvPicPr>
+          <p:blipFill>
+            <a:blip r:embed="rId5">
+              <a:extLst>
+                <a:ext uri="{96DAC541-7B7A-43D3-8B79-37D633B846F1}">
+                  <asvg:svgBlip xmlns:asvg="http://schemas.microsoft.com/office/drawing/2016/SVG/main" r:embed="rId6"/>
+                </a:ext>
+              </a:extLst>
+            </a:blip>
+            <a:stretch>
+              <a:fillRect/>
+            </a:stretch>
+          </p:blipFill>
+          <p:spPr>
+            <a:xfrm>
+              <a:off x="8846341" y="4167186"/>
+              <a:ext cx="914400" cy="914400"/>
+            </a:xfrm>
+            <a:prstGeom prst="rect">
+              <a:avLst/>
+            </a:prstGeom>
+          </p:spPr>
+        </p:pic>
+        <p:sp>
+          <p:nvSpPr>
+            <p:cNvPr id="14" name="テキスト ボックス 13">
+              <a:extLst>
+                <a:ext uri="{FF2B5EF4-FFF2-40B4-BE49-F238E27FC236}">
+                  <a16:creationId xmlns:a16="http://schemas.microsoft.com/office/drawing/2014/main" id="{84E812E8-E69B-FBE3-9CEB-785A8D9F52FC}"/>
+                </a:ext>
+              </a:extLst>
+            </p:cNvPr>
+            <p:cNvSpPr txBox="1"/>
+            <p:nvPr/>
+          </p:nvSpPr>
+          <p:spPr>
+            <a:xfrm>
+              <a:off x="8582615" y="3965933"/>
+              <a:ext cx="1441849" cy="276999"/>
+            </a:xfrm>
+            <a:prstGeom prst="rect">
+              <a:avLst/>
+            </a:prstGeom>
+            <a:noFill/>
+          </p:spPr>
+          <p:txBody>
+            <a:bodyPr wrap="square" rtlCol="0">
+              <a:spAutoFit/>
+            </a:bodyPr>
+            <a:lstStyle/>
+            <a:p>
+              <a:pPr algn="ctr"/>
+              <a:r>
+                <a:rPr lang="ja-JP" altLang="en-US" sz="1200">
+                  <a:latin typeface="Hiragino Kaku Gothic Pro W3" panose="020B0300000000000000" pitchFamily="34" charset="-128"/>
+                  <a:ea typeface="Hiragino Kaku Gothic Pro W3" panose="020B0300000000000000" pitchFamily="34" charset="-128"/>
+                </a:rPr>
+                <a:t>本</a:t>
+              </a:r>
+              <a:r>
+                <a:rPr kumimoji="1" lang="ja-JP" altLang="en-US" sz="1200">
+                  <a:latin typeface="Hiragino Kaku Gothic Pro W3" panose="020B0300000000000000" pitchFamily="34" charset="-128"/>
+                  <a:ea typeface="Hiragino Kaku Gothic Pro W3" panose="020B0300000000000000" pitchFamily="34" charset="-128"/>
+                </a:rPr>
+                <a:t>登録ユーザー</a:t>
+              </a:r>
+            </a:p>
+          </p:txBody>
+        </p:sp>
+      </p:grpSp>
+    </p:spTree>
+    <p:extLst>
+      <p:ext uri="{BB962C8B-B14F-4D97-AF65-F5344CB8AC3E}">
+        <p14:creationId xmlns:p14="http://schemas.microsoft.com/office/powerpoint/2010/main" val="285431373"/>
+      </p:ext>
+    </p:extLst>
+  </p:cSld>
+  <p:clrMapOvr>
+    <a:masterClrMapping/>
+  </p:clrMapOvr>
+</p:sld>
+</file>
+
+<file path=ppt/slides/slide2.xml><?xml version="1.0" encoding="utf-8"?>
+<p:sld xmlns:a="http://schemas.openxmlformats.org/drawingml/2006/main" xmlns:r="http://schemas.openxmlformats.org/officeDocument/2006/relationships" xmlns:p="http://schemas.openxmlformats.org/presentationml/2006/main">
+  <p:cSld>
+    <p:spTree>
+      <p:nvGrpSpPr>
+        <p:cNvPr id="1" name=""/>
+        <p:cNvGrpSpPr/>
+        <p:nvPr/>
+      </p:nvGrpSpPr>
+      <p:grpSpPr>
+        <a:xfrm>
+          <a:off x="0" y="0"/>
+          <a:ext cx="0" cy="0"/>
+          <a:chOff x="0" y="0"/>
+          <a:chExt cx="0" cy="0"/>
+        </a:xfrm>
+      </p:grpSpPr>
+      <p:grpSp>
+        <p:nvGrpSpPr>
+          <p:cNvPr id="112" name="グループ化 111">
+            <a:extLst>
+              <a:ext uri="{FF2B5EF4-FFF2-40B4-BE49-F238E27FC236}">
+                <a16:creationId xmlns:a16="http://schemas.microsoft.com/office/drawing/2014/main" id="{7FE7E8A1-2E12-DF7D-21A1-E14A261F79E1}"/>
+              </a:ext>
+            </a:extLst>
+          </p:cNvPr>
+          <p:cNvGrpSpPr/>
+          <p:nvPr/>
+        </p:nvGrpSpPr>
+        <p:grpSpPr>
+          <a:xfrm>
+            <a:off x="631909" y="1134283"/>
+            <a:ext cx="9899903" cy="4925086"/>
+            <a:chOff x="631909" y="1134283"/>
+            <a:chExt cx="9899903" cy="4925086"/>
+          </a:xfrm>
+        </p:grpSpPr>
+        <p:grpSp>
+          <p:nvGrpSpPr>
+            <p:cNvPr id="89" name="グループ化 88">
+              <a:extLst>
+                <a:ext uri="{FF2B5EF4-FFF2-40B4-BE49-F238E27FC236}">
+                  <a16:creationId xmlns:a16="http://schemas.microsoft.com/office/drawing/2014/main" id="{34612EBD-C09A-8B22-FBB0-022901A25F3F}"/>
+                </a:ext>
+              </a:extLst>
+            </p:cNvPr>
+            <p:cNvGrpSpPr/>
+            <p:nvPr/>
+          </p:nvGrpSpPr>
+          <p:grpSpPr>
+            <a:xfrm>
+              <a:off x="631909" y="1134283"/>
+              <a:ext cx="9899903" cy="4925086"/>
+              <a:chOff x="631909" y="1134283"/>
+              <a:chExt cx="9899903" cy="4925086"/>
+            </a:xfrm>
+          </p:grpSpPr>
+          <p:grpSp>
+            <p:nvGrpSpPr>
+              <p:cNvPr id="88" name="グループ化 87">
+                <a:extLst>
+                  <a:ext uri="{FF2B5EF4-FFF2-40B4-BE49-F238E27FC236}">
+                    <a16:creationId xmlns:a16="http://schemas.microsoft.com/office/drawing/2014/main" id="{7A494D41-2065-D410-0AA0-61E29140AF72}"/>
+                  </a:ext>
+                </a:extLst>
+              </p:cNvPr>
+              <p:cNvGrpSpPr/>
+              <p:nvPr/>
+            </p:nvGrpSpPr>
+            <p:grpSpPr>
+              <a:xfrm>
+                <a:off x="1390212" y="1134283"/>
+                <a:ext cx="9141600" cy="4925086"/>
+                <a:chOff x="1390212" y="1134283"/>
+                <a:chExt cx="9141600" cy="4925086"/>
+              </a:xfrm>
+            </p:grpSpPr>
+            <p:grpSp>
+              <p:nvGrpSpPr>
+                <p:cNvPr id="73" name="グループ化 72">
+                  <a:extLst>
+                    <a:ext uri="{FF2B5EF4-FFF2-40B4-BE49-F238E27FC236}">
+                      <a16:creationId xmlns:a16="http://schemas.microsoft.com/office/drawing/2014/main" id="{52C3DFE2-06B0-6F76-37A4-D1D57C318846}"/>
+                    </a:ext>
+                  </a:extLst>
+                </p:cNvPr>
+                <p:cNvGrpSpPr/>
+                <p:nvPr/>
+              </p:nvGrpSpPr>
+              <p:grpSpPr>
+                <a:xfrm>
+                  <a:off x="1933051" y="1493520"/>
+                  <a:ext cx="8598761" cy="4223832"/>
+                  <a:chOff x="149971" y="2026920"/>
+                  <a:chExt cx="8598761" cy="4223832"/>
+                </a:xfrm>
+              </p:grpSpPr>
+              <p:sp>
+                <p:nvSpPr>
+                  <p:cNvPr id="2" name="正方形/長方形 1">
+                    <a:extLst>
+                      <a:ext uri="{FF2B5EF4-FFF2-40B4-BE49-F238E27FC236}">
+                        <a16:creationId xmlns:a16="http://schemas.microsoft.com/office/drawing/2014/main" id="{BA95704E-606A-F382-909B-244F597BC66B}"/>
+                      </a:ext>
+                    </a:extLst>
+                  </p:cNvPr>
+                  <p:cNvSpPr/>
+                  <p:nvPr/>
+                </p:nvSpPr>
+                <p:spPr>
+                  <a:xfrm>
+                    <a:off x="416595" y="2971800"/>
+                    <a:ext cx="1443038" cy="914400"/>
+                  </a:xfrm>
+                  <a:prstGeom prst="rect">
+                    <a:avLst/>
+                  </a:prstGeom>
+                  <a:noFill/>
+                  <a:ln>
+                    <a:solidFill>
+                      <a:schemeClr val="tx1"/>
+                    </a:solidFill>
+                  </a:ln>
+                </p:spPr>
+                <p:style>
+                  <a:lnRef idx="2">
+                    <a:schemeClr val="accent1">
+                      <a:shade val="50000"/>
+                    </a:schemeClr>
+                  </a:lnRef>
+                  <a:fillRef idx="1">
+                    <a:schemeClr val="accent1"/>
+                  </a:fillRef>
+                  <a:effectRef idx="0">
+                    <a:schemeClr val="accent1"/>
+                  </a:effectRef>
+                  <a:fontRef idx="minor">
+                    <a:schemeClr val="lt1"/>
+                  </a:fontRef>
+                </p:style>
+                <p:txBody>
+                  <a:bodyPr rtlCol="0" anchor="ctr"/>
+                  <a:lstStyle/>
+                  <a:p>
+                    <a:pPr algn="ctr"/>
+                    <a:r>
+                      <a:rPr lang="ja-JP" altLang="en-US" sz="1200">
+                        <a:solidFill>
+                          <a:schemeClr val="tx1"/>
+                        </a:solidFill>
+                        <a:latin typeface="Hiragino Kaku Gothic Pro W3" panose="020B0300000000000000" pitchFamily="34" charset="-128"/>
+                        <a:ea typeface="Hiragino Kaku Gothic Pro W3" panose="020B0300000000000000" pitchFamily="34" charset="-128"/>
+                      </a:rPr>
+                      <a:t>ログインフォーム</a:t>
+                    </a:r>
+                    <a:endParaRPr kumimoji="1" lang="ja-JP" altLang="en-US" sz="1200">
+                      <a:solidFill>
+                        <a:schemeClr val="tx1"/>
+                      </a:solidFill>
+                      <a:latin typeface="Hiragino Kaku Gothic Pro W3" panose="020B0300000000000000" pitchFamily="34" charset="-128"/>
+                      <a:ea typeface="Hiragino Kaku Gothic Pro W3" panose="020B0300000000000000" pitchFamily="34" charset="-128"/>
+                    </a:endParaRPr>
+                  </a:p>
+                </p:txBody>
+              </p:sp>
+              <p:sp>
+                <p:nvSpPr>
+                  <p:cNvPr id="4" name="正方形/長方形 3">
+                    <a:extLst>
+                      <a:ext uri="{FF2B5EF4-FFF2-40B4-BE49-F238E27FC236}">
+                        <a16:creationId xmlns:a16="http://schemas.microsoft.com/office/drawing/2014/main" id="{D264471A-75C0-8631-8A2A-C87D674156BB}"/>
+                      </a:ext>
+                    </a:extLst>
+                  </p:cNvPr>
+                  <p:cNvSpPr/>
+                  <p:nvPr/>
+                </p:nvSpPr>
+                <p:spPr>
+                  <a:xfrm>
+                    <a:off x="416595" y="4810968"/>
+                    <a:ext cx="1443038" cy="914400"/>
+                  </a:xfrm>
+                  <a:prstGeom prst="rect">
+                    <a:avLst/>
+                  </a:prstGeom>
+                  <a:noFill/>
+                  <a:ln>
+                    <a:solidFill>
+                      <a:schemeClr val="tx1"/>
+                    </a:solidFill>
+                  </a:ln>
+                </p:spPr>
+                <p:style>
+                  <a:lnRef idx="2">
+                    <a:schemeClr val="accent1">
+                      <a:shade val="50000"/>
+                    </a:schemeClr>
+                  </a:lnRef>
+                  <a:fillRef idx="1">
+                    <a:schemeClr val="accent1"/>
+                  </a:fillRef>
+                  <a:effectRef idx="0">
+                    <a:schemeClr val="accent1"/>
+                  </a:effectRef>
+                  <a:fontRef idx="minor">
+                    <a:schemeClr val="lt1"/>
+                  </a:fontRef>
+                </p:style>
+                <p:txBody>
+                  <a:bodyPr rtlCol="0" anchor="ctr"/>
+                  <a:lstStyle/>
+                  <a:p>
+                    <a:pPr algn="ctr"/>
+                    <a:r>
+                      <a:rPr kumimoji="1" lang="ja-JP" altLang="en-US" sz="1200">
+                        <a:solidFill>
+                          <a:schemeClr val="tx1"/>
+                        </a:solidFill>
+                        <a:latin typeface="Hiragino Kaku Gothic Pro W3" panose="020B0300000000000000" pitchFamily="34" charset="-128"/>
+                        <a:ea typeface="Hiragino Kaku Gothic Pro W3" panose="020B0300000000000000" pitchFamily="34" charset="-128"/>
+                      </a:rPr>
+                      <a:t>サインアップ</a:t>
+                    </a:r>
+                  </a:p>
+                </p:txBody>
+              </p:sp>
+              <p:sp>
+                <p:nvSpPr>
+                  <p:cNvPr id="5" name="正方形/長方形 4">
+                    <a:extLst>
+                      <a:ext uri="{FF2B5EF4-FFF2-40B4-BE49-F238E27FC236}">
+                        <a16:creationId xmlns:a16="http://schemas.microsoft.com/office/drawing/2014/main" id="{0158B6AE-1260-8EBD-F10D-AFA0324607C5}"/>
+                      </a:ext>
+                    </a:extLst>
+                  </p:cNvPr>
+                  <p:cNvSpPr/>
+                  <p:nvPr/>
+                </p:nvSpPr>
+                <p:spPr>
+                  <a:xfrm>
+                    <a:off x="2943450" y="4815840"/>
+                    <a:ext cx="1443038" cy="914400"/>
+                  </a:xfrm>
+                  <a:prstGeom prst="rect">
+                    <a:avLst/>
+                  </a:prstGeom>
+                  <a:noFill/>
+                  <a:ln>
+                    <a:solidFill>
+                      <a:schemeClr val="tx1"/>
+                    </a:solidFill>
+                  </a:ln>
+                </p:spPr>
+                <p:style>
+                  <a:lnRef idx="2">
+                    <a:schemeClr val="accent1">
+                      <a:shade val="50000"/>
+                    </a:schemeClr>
+                  </a:lnRef>
+                  <a:fillRef idx="1">
+                    <a:schemeClr val="accent1"/>
+                  </a:fillRef>
+                  <a:effectRef idx="0">
+                    <a:schemeClr val="accent1"/>
+                  </a:effectRef>
+                  <a:fontRef idx="minor">
+                    <a:schemeClr val="lt1"/>
+                  </a:fontRef>
+                </p:style>
+                <p:txBody>
+                  <a:bodyPr rtlCol="0" anchor="ctr"/>
+                  <a:lstStyle/>
+                  <a:p>
+                    <a:pPr algn="ctr"/>
+                    <a:r>
+                      <a:rPr kumimoji="1" lang="ja-JP" altLang="en-US" sz="1200">
+                        <a:solidFill>
+                          <a:schemeClr val="tx1"/>
+                        </a:solidFill>
+                        <a:latin typeface="Hiragino Kaku Gothic Pro W3" panose="020B0300000000000000" pitchFamily="34" charset="-128"/>
+                        <a:ea typeface="Hiragino Kaku Gothic Pro W3" panose="020B0300000000000000" pitchFamily="34" charset="-128"/>
+                      </a:rPr>
+                      <a:t>仮登録完了</a:t>
+                    </a:r>
+                  </a:p>
+                </p:txBody>
+              </p:sp>
+              <p:sp>
+                <p:nvSpPr>
+                  <p:cNvPr id="8" name="正方形/長方形 7">
+                    <a:extLst>
+                      <a:ext uri="{FF2B5EF4-FFF2-40B4-BE49-F238E27FC236}">
+                        <a16:creationId xmlns:a16="http://schemas.microsoft.com/office/drawing/2014/main" id="{EDEB993D-7F28-F0C4-93C2-E31C7E2F9009}"/>
+                      </a:ext>
+                    </a:extLst>
+                  </p:cNvPr>
+                  <p:cNvSpPr/>
+                  <p:nvPr/>
+                </p:nvSpPr>
+                <p:spPr>
+                  <a:xfrm>
+                    <a:off x="6753619" y="4837333"/>
+                    <a:ext cx="1443038" cy="914400"/>
+                  </a:xfrm>
+                  <a:prstGeom prst="rect">
+                    <a:avLst/>
+                  </a:prstGeom>
+                  <a:noFill/>
+                  <a:ln>
+                    <a:solidFill>
+                      <a:schemeClr val="tx1"/>
+                    </a:solidFill>
+                  </a:ln>
+                </p:spPr>
+                <p:style>
+                  <a:lnRef idx="2">
+                    <a:schemeClr val="accent1">
+                      <a:shade val="50000"/>
+                    </a:schemeClr>
+                  </a:lnRef>
+                  <a:fillRef idx="1">
+                    <a:schemeClr val="accent1"/>
+                  </a:fillRef>
+                  <a:effectRef idx="0">
+                    <a:schemeClr val="accent1"/>
+                  </a:effectRef>
+                  <a:fontRef idx="minor">
+                    <a:schemeClr val="lt1"/>
+                  </a:fontRef>
+                </p:style>
+                <p:txBody>
+                  <a:bodyPr rtlCol="0" anchor="ctr"/>
+                  <a:lstStyle/>
+                  <a:p>
+                    <a:pPr algn="ctr"/>
+                    <a:r>
+                      <a:rPr kumimoji="1" lang="ja-JP" altLang="en-US" sz="1200">
+                        <a:solidFill>
+                          <a:schemeClr val="tx1"/>
+                        </a:solidFill>
+                        <a:latin typeface="Hiragino Kaku Gothic Pro W3" panose="020B0300000000000000" pitchFamily="34" charset="-128"/>
+                        <a:ea typeface="Hiragino Kaku Gothic Pro W3" panose="020B0300000000000000" pitchFamily="34" charset="-128"/>
+                      </a:rPr>
+                      <a:t>本登録</a:t>
+                    </a:r>
+                  </a:p>
+                </p:txBody>
+              </p:sp>
+              <p:sp>
+                <p:nvSpPr>
+                  <p:cNvPr id="9" name="正方形/長方形 8">
+                    <a:extLst>
+                      <a:ext uri="{FF2B5EF4-FFF2-40B4-BE49-F238E27FC236}">
+                        <a16:creationId xmlns:a16="http://schemas.microsoft.com/office/drawing/2014/main" id="{44463B47-911D-3D4A-C2E1-7B8B03F0C9E6}"/>
+                      </a:ext>
+                    </a:extLst>
+                  </p:cNvPr>
+                  <p:cNvSpPr/>
+                  <p:nvPr/>
+                </p:nvSpPr>
+                <p:spPr>
+                  <a:xfrm>
+                    <a:off x="5470305" y="2979108"/>
+                    <a:ext cx="1443038" cy="914400"/>
+                  </a:xfrm>
+                  <a:prstGeom prst="rect">
+                    <a:avLst/>
+                  </a:prstGeom>
+                  <a:noFill/>
+                  <a:ln>
+                    <a:solidFill>
+                      <a:schemeClr val="tx1"/>
+                    </a:solidFill>
+                  </a:ln>
+                </p:spPr>
+                <p:style>
+                  <a:lnRef idx="2">
+                    <a:schemeClr val="accent1">
+                      <a:shade val="50000"/>
+                    </a:schemeClr>
+                  </a:lnRef>
+                  <a:fillRef idx="1">
+                    <a:schemeClr val="accent1"/>
+                  </a:fillRef>
+                  <a:effectRef idx="0">
+                    <a:schemeClr val="accent1"/>
+                  </a:effectRef>
+                  <a:fontRef idx="minor">
+                    <a:schemeClr val="lt1"/>
+                  </a:fontRef>
+                </p:style>
+                <p:txBody>
+                  <a:bodyPr rtlCol="0" anchor="ctr"/>
+                  <a:lstStyle/>
+                  <a:p>
+                    <a:pPr algn="ctr"/>
+                    <a:r>
+                      <a:rPr kumimoji="1" lang="ja-JP" altLang="en-US" sz="1200">
+                        <a:solidFill>
+                          <a:schemeClr val="tx1"/>
+                        </a:solidFill>
+                        <a:latin typeface="Hiragino Kaku Gothic Pro W3" panose="020B0300000000000000" pitchFamily="34" charset="-128"/>
+                        <a:ea typeface="Hiragino Kaku Gothic Pro W3" panose="020B0300000000000000" pitchFamily="34" charset="-128"/>
+                      </a:rPr>
+                      <a:t>マイページ</a:t>
+                    </a:r>
+                  </a:p>
+                </p:txBody>
+              </p:sp>
+              <p:cxnSp>
+                <p:nvCxnSpPr>
+                  <p:cNvPr id="6" name="直線矢印コネクタ 5">
+                    <a:extLst>
+                      <a:ext uri="{FF2B5EF4-FFF2-40B4-BE49-F238E27FC236}">
+                        <a16:creationId xmlns:a16="http://schemas.microsoft.com/office/drawing/2014/main" id="{65C065B7-43A3-E6E8-4749-BCA673248C01}"/>
+                      </a:ext>
+                    </a:extLst>
+                  </p:cNvPr>
+                  <p:cNvCxnSpPr>
+                    <a:cxnSpLocks/>
+                  </p:cNvCxnSpPr>
+                  <p:nvPr/>
+                </p:nvCxnSpPr>
+                <p:spPr>
+                  <a:xfrm>
+                    <a:off x="741874" y="3893508"/>
+                    <a:ext cx="0" cy="924768"/>
+                  </a:xfrm>
+                  <a:prstGeom prst="straightConnector1">
+                    <a:avLst/>
+                  </a:prstGeom>
+                  <a:ln w="19050">
+                    <a:tailEnd type="triangle"/>
+                  </a:ln>
+                </p:spPr>
+                <p:style>
+                  <a:lnRef idx="2">
+                    <a:schemeClr val="dk1"/>
+                  </a:lnRef>
+                  <a:fillRef idx="0">
+                    <a:schemeClr val="dk1"/>
+                  </a:fillRef>
+                  <a:effectRef idx="1">
+                    <a:schemeClr val="dk1"/>
+                  </a:effectRef>
+                  <a:fontRef idx="minor">
+                    <a:schemeClr val="tx1"/>
+                  </a:fontRef>
+                </p:style>
+              </p:cxnSp>
+              <p:cxnSp>
+                <p:nvCxnSpPr>
+                  <p:cNvPr id="17" name="直線矢印コネクタ 16">
+                    <a:extLst>
+                      <a:ext uri="{FF2B5EF4-FFF2-40B4-BE49-F238E27FC236}">
+                        <a16:creationId xmlns:a16="http://schemas.microsoft.com/office/drawing/2014/main" id="{4A575344-6D9F-E3A6-4798-AF311DBE47B6}"/>
+                      </a:ext>
+                    </a:extLst>
+                  </p:cNvPr>
+                  <p:cNvCxnSpPr>
+                    <a:cxnSpLocks/>
+                    <a:stCxn id="4" idx="3"/>
+                    <a:endCxn id="5" idx="1"/>
+                  </p:cNvCxnSpPr>
+                  <p:nvPr/>
+                </p:nvCxnSpPr>
+                <p:spPr>
+                  <a:xfrm>
+                    <a:off x="1859633" y="5268168"/>
+                    <a:ext cx="1083817" cy="4872"/>
+                  </a:xfrm>
+                  <a:prstGeom prst="straightConnector1">
+                    <a:avLst/>
+                  </a:prstGeom>
+                  <a:ln w="19050">
+                    <a:tailEnd type="triangle"/>
+                  </a:ln>
+                </p:spPr>
+                <p:style>
+                  <a:lnRef idx="2">
+                    <a:schemeClr val="dk1"/>
+                  </a:lnRef>
+                  <a:fillRef idx="0">
+                    <a:schemeClr val="dk1"/>
+                  </a:fillRef>
+                  <a:effectRef idx="1">
+                    <a:schemeClr val="dk1"/>
+                  </a:effectRef>
+                  <a:fontRef idx="minor">
+                    <a:schemeClr val="tx1"/>
+                  </a:fontRef>
+                </p:style>
+              </p:cxnSp>
+              <p:cxnSp>
+                <p:nvCxnSpPr>
+                  <p:cNvPr id="19" name="直線矢印コネクタ 18">
+                    <a:extLst>
+                      <a:ext uri="{FF2B5EF4-FFF2-40B4-BE49-F238E27FC236}">
+                        <a16:creationId xmlns:a16="http://schemas.microsoft.com/office/drawing/2014/main" id="{6923B890-01A8-1621-3046-B181BEB76215}"/>
+                      </a:ext>
+                    </a:extLst>
+                  </p:cNvPr>
+                  <p:cNvCxnSpPr>
+                    <a:cxnSpLocks/>
+                    <a:stCxn id="102" idx="3"/>
+                  </p:cNvCxnSpPr>
+                  <p:nvPr/>
+                </p:nvCxnSpPr>
+                <p:spPr>
+                  <a:xfrm flipV="1">
+                    <a:off x="6041692" y="5273040"/>
+                    <a:ext cx="702839" cy="2436"/>
+                  </a:xfrm>
+                  <a:prstGeom prst="straightConnector1">
+                    <a:avLst/>
+                  </a:prstGeom>
+                  <a:ln w="19050">
+                    <a:tailEnd type="triangle"/>
+                  </a:ln>
+                </p:spPr>
+                <p:style>
+                  <a:lnRef idx="2">
+                    <a:schemeClr val="dk1"/>
+                  </a:lnRef>
+                  <a:fillRef idx="0">
+                    <a:schemeClr val="dk1"/>
+                  </a:fillRef>
+                  <a:effectRef idx="1">
+                    <a:schemeClr val="dk1"/>
+                  </a:effectRef>
+                  <a:fontRef idx="minor">
+                    <a:schemeClr val="tx1"/>
+                  </a:fontRef>
+                </p:style>
+              </p:cxnSp>
+              <p:cxnSp>
+                <p:nvCxnSpPr>
+                  <p:cNvPr id="24" name="直線矢印コネクタ 23">
+                    <a:extLst>
+                      <a:ext uri="{FF2B5EF4-FFF2-40B4-BE49-F238E27FC236}">
+                        <a16:creationId xmlns:a16="http://schemas.microsoft.com/office/drawing/2014/main" id="{124BF45C-4E37-A415-379C-A07C0950E263}"/>
+                      </a:ext>
+                    </a:extLst>
+                  </p:cNvPr>
+                  <p:cNvCxnSpPr>
+                    <a:cxnSpLocks/>
+                  </p:cNvCxnSpPr>
+                  <p:nvPr/>
+                </p:nvCxnSpPr>
+                <p:spPr>
+                  <a:xfrm>
+                    <a:off x="1859633" y="3639924"/>
+                    <a:ext cx="3610672" cy="2436"/>
+                  </a:xfrm>
+                  <a:prstGeom prst="straightConnector1">
+                    <a:avLst/>
+                  </a:prstGeom>
+                  <a:ln w="19050">
+                    <a:tailEnd type="triangle"/>
+                  </a:ln>
+                </p:spPr>
+                <p:style>
+                  <a:lnRef idx="2">
+                    <a:schemeClr val="dk1"/>
+                  </a:lnRef>
+                  <a:fillRef idx="0">
+                    <a:schemeClr val="dk1"/>
+                  </a:fillRef>
+                  <a:effectRef idx="1">
+                    <a:schemeClr val="dk1"/>
+                  </a:effectRef>
+                  <a:fontRef idx="minor">
+                    <a:schemeClr val="tx1"/>
+                  </a:fontRef>
+                </p:style>
+              </p:cxnSp>
+              <p:cxnSp>
+                <p:nvCxnSpPr>
+                  <p:cNvPr id="35" name="直線矢印コネクタ 34">
+                    <a:extLst>
+                      <a:ext uri="{FF2B5EF4-FFF2-40B4-BE49-F238E27FC236}">
+                        <a16:creationId xmlns:a16="http://schemas.microsoft.com/office/drawing/2014/main" id="{922767F4-810D-53F8-B7EC-27AEEC71E576}"/>
+                      </a:ext>
+                    </a:extLst>
+                  </p:cNvPr>
+                  <p:cNvCxnSpPr/>
+                  <p:nvPr/>
+                </p:nvCxnSpPr>
+                <p:spPr>
+                  <a:xfrm flipH="1">
+                    <a:off x="1859633" y="3215640"/>
+                    <a:ext cx="3610672" cy="0"/>
+                  </a:xfrm>
+                  <a:prstGeom prst="straightConnector1">
+                    <a:avLst/>
+                  </a:prstGeom>
+                  <a:ln w="19050">
+                    <a:tailEnd type="triangle"/>
+                  </a:ln>
+                </p:spPr>
+                <p:style>
+                  <a:lnRef idx="2">
+                    <a:schemeClr val="dk1"/>
+                  </a:lnRef>
+                  <a:fillRef idx="0">
+                    <a:schemeClr val="dk1"/>
+                  </a:fillRef>
+                  <a:effectRef idx="1">
+                    <a:schemeClr val="dk1"/>
+                  </a:effectRef>
+                  <a:fontRef idx="minor">
+                    <a:schemeClr val="tx1"/>
+                  </a:fontRef>
+                </p:style>
+              </p:cxnSp>
+              <p:cxnSp>
+                <p:nvCxnSpPr>
+                  <p:cNvPr id="38" name="直線矢印コネクタ 37">
+                    <a:extLst>
+                      <a:ext uri="{FF2B5EF4-FFF2-40B4-BE49-F238E27FC236}">
+                        <a16:creationId xmlns:a16="http://schemas.microsoft.com/office/drawing/2014/main" id="{46140B2F-167C-5C0A-689F-FE2E2292FFE4}"/>
+                      </a:ext>
+                    </a:extLst>
+                  </p:cNvPr>
+                  <p:cNvCxnSpPr/>
+                  <p:nvPr/>
+                </p:nvCxnSpPr>
+                <p:spPr>
+                  <a:xfrm flipV="1">
+                    <a:off x="1463040" y="3886200"/>
+                    <a:ext cx="0" cy="917460"/>
+                  </a:xfrm>
+                  <a:prstGeom prst="straightConnector1">
+                    <a:avLst/>
+                  </a:prstGeom>
+                  <a:ln w="19050">
+                    <a:tailEnd type="triangle"/>
+                  </a:ln>
+                </p:spPr>
+                <p:style>
+                  <a:lnRef idx="2">
+                    <a:schemeClr val="dk1"/>
+                  </a:lnRef>
+                  <a:fillRef idx="0">
+                    <a:schemeClr val="dk1"/>
+                  </a:fillRef>
+                  <a:effectRef idx="1">
+                    <a:schemeClr val="dk1"/>
+                  </a:effectRef>
+                  <a:fontRef idx="minor">
+                    <a:schemeClr val="tx1"/>
+                  </a:fontRef>
+                </p:style>
+              </p:cxnSp>
+              <p:grpSp>
+                <p:nvGrpSpPr>
+                  <p:cNvPr id="56" name="グループ化 55">
+                    <a:extLst>
+                      <a:ext uri="{FF2B5EF4-FFF2-40B4-BE49-F238E27FC236}">
+                        <a16:creationId xmlns:a16="http://schemas.microsoft.com/office/drawing/2014/main" id="{34236BC7-C6D0-D9A5-4819-1FC70206FFE3}"/>
+                      </a:ext>
+                    </a:extLst>
+                  </p:cNvPr>
+                  <p:cNvGrpSpPr/>
+                  <p:nvPr/>
+                </p:nvGrpSpPr>
+                <p:grpSpPr>
+                  <a:xfrm rot="16200000">
+                    <a:off x="149971" y="3159000"/>
+                    <a:ext cx="540000" cy="540000"/>
+                    <a:chOff x="3664969" y="121920"/>
+                    <a:chExt cx="1080000" cy="1080000"/>
+                  </a:xfrm>
+                </p:grpSpPr>
+                <p:sp>
+                  <p:nvSpPr>
+                    <p:cNvPr id="54" name="円弧 53">
+                      <a:extLst>
+                        <a:ext uri="{FF2B5EF4-FFF2-40B4-BE49-F238E27FC236}">
+                          <a16:creationId xmlns:a16="http://schemas.microsoft.com/office/drawing/2014/main" id="{1026485E-4FED-8C12-5B79-A218969C2A12}"/>
+                        </a:ext>
+                      </a:extLst>
+                    </p:cNvPr>
+                    <p:cNvSpPr/>
+                    <p:nvPr/>
+                  </p:nvSpPr>
+                  <p:spPr>
+                    <a:xfrm>
+                      <a:off x="3664969" y="121920"/>
+                      <a:ext cx="1080000" cy="1080000"/>
+                    </a:xfrm>
+                    <a:prstGeom prst="arc">
+                      <a:avLst/>
+                    </a:prstGeom>
+                    <a:ln w="19050">
+                      <a:solidFill>
+                        <a:schemeClr val="tx1"/>
+                      </a:solidFill>
+                      <a:tailEnd type="triangle"/>
+                    </a:ln>
+                  </p:spPr>
+                  <p:style>
+                    <a:lnRef idx="1">
+                      <a:schemeClr val="accent1"/>
+                    </a:lnRef>
+                    <a:fillRef idx="0">
+                      <a:schemeClr val="accent1"/>
+                    </a:fillRef>
+                    <a:effectRef idx="0">
+                      <a:schemeClr val="accent1"/>
+                    </a:effectRef>
+                    <a:fontRef idx="minor">
+                      <a:schemeClr val="tx1"/>
+                    </a:fontRef>
+                  </p:style>
+                  <p:txBody>
+                    <a:bodyPr rtlCol="0" anchor="ctr"/>
+                    <a:lstStyle/>
+                    <a:p>
+                      <a:pPr algn="ctr"/>
+                      <a:endParaRPr kumimoji="1" lang="ja-JP" altLang="en-US"/>
+                    </a:p>
+                  </p:txBody>
+                </p:sp>
+                <p:sp>
+                  <p:nvSpPr>
+                    <p:cNvPr id="55" name="円弧 54">
+                      <a:extLst>
+                        <a:ext uri="{FF2B5EF4-FFF2-40B4-BE49-F238E27FC236}">
+                          <a16:creationId xmlns:a16="http://schemas.microsoft.com/office/drawing/2014/main" id="{FD4638BF-AC35-3A84-B243-417D45860E80}"/>
+                        </a:ext>
+                      </a:extLst>
+                    </p:cNvPr>
+                    <p:cNvSpPr/>
+                    <p:nvPr/>
+                  </p:nvSpPr>
+                  <p:spPr>
+                    <a:xfrm rot="16200000">
+                      <a:off x="3664969" y="121920"/>
+                      <a:ext cx="1080000" cy="1080000"/>
+                    </a:xfrm>
+                    <a:prstGeom prst="arc">
+                      <a:avLst/>
+                    </a:prstGeom>
+                    <a:ln w="25400">
+                      <a:solidFill>
+                        <a:schemeClr val="tx1"/>
+                      </a:solidFill>
+                    </a:ln>
+                  </p:spPr>
+                  <p:style>
+                    <a:lnRef idx="1">
+                      <a:schemeClr val="accent1"/>
+                    </a:lnRef>
+                    <a:fillRef idx="0">
+                      <a:schemeClr val="accent1"/>
+                    </a:fillRef>
+                    <a:effectRef idx="0">
+                      <a:schemeClr val="accent1"/>
+                    </a:effectRef>
+                    <a:fontRef idx="minor">
+                      <a:schemeClr val="tx1"/>
+                    </a:fontRef>
+                  </p:style>
+                  <p:txBody>
+                    <a:bodyPr rtlCol="0" anchor="ctr"/>
+                    <a:lstStyle/>
+                    <a:p>
+                      <a:pPr algn="ctr"/>
+                      <a:endParaRPr kumimoji="1" lang="ja-JP" altLang="en-US"/>
+                    </a:p>
+                  </p:txBody>
+                </p:sp>
+              </p:grpSp>
+              <p:grpSp>
+                <p:nvGrpSpPr>
+                  <p:cNvPr id="57" name="グループ化 56">
+                    <a:extLst>
+                      <a:ext uri="{FF2B5EF4-FFF2-40B4-BE49-F238E27FC236}">
+                        <a16:creationId xmlns:a16="http://schemas.microsoft.com/office/drawing/2014/main" id="{860874F1-2AB2-4466-570A-F38673D7B3E4}"/>
+                      </a:ext>
+                    </a:extLst>
+                  </p:cNvPr>
+                  <p:cNvGrpSpPr/>
+                  <p:nvPr/>
+                </p:nvGrpSpPr>
+                <p:grpSpPr>
+                  <a:xfrm rot="10800000">
+                    <a:off x="598113" y="5170752"/>
+                    <a:ext cx="1080000" cy="1080000"/>
+                    <a:chOff x="3664969" y="121920"/>
+                    <a:chExt cx="1080000" cy="1080000"/>
+                  </a:xfrm>
+                </p:grpSpPr>
+                <p:sp>
+                  <p:nvSpPr>
+                    <p:cNvPr id="58" name="円弧 57">
+                      <a:extLst>
+                        <a:ext uri="{FF2B5EF4-FFF2-40B4-BE49-F238E27FC236}">
+                          <a16:creationId xmlns:a16="http://schemas.microsoft.com/office/drawing/2014/main" id="{4B639179-76B7-FCCC-9121-16598581BF35}"/>
+                        </a:ext>
+                      </a:extLst>
+                    </p:cNvPr>
+                    <p:cNvSpPr/>
+                    <p:nvPr/>
+                  </p:nvSpPr>
+                  <p:spPr>
+                    <a:xfrm>
+                      <a:off x="3664969" y="121920"/>
+                      <a:ext cx="1080000" cy="1080000"/>
+                    </a:xfrm>
+                    <a:prstGeom prst="arc">
+                      <a:avLst/>
+                    </a:prstGeom>
+                    <a:ln w="19050">
+                      <a:solidFill>
+                        <a:schemeClr val="tx1"/>
+                      </a:solidFill>
+                      <a:tailEnd type="triangle"/>
+                    </a:ln>
+                  </p:spPr>
+                  <p:style>
+                    <a:lnRef idx="1">
+                      <a:schemeClr val="accent1"/>
+                    </a:lnRef>
+                    <a:fillRef idx="0">
+                      <a:schemeClr val="accent1"/>
+                    </a:fillRef>
+                    <a:effectRef idx="0">
+                      <a:schemeClr val="accent1"/>
+                    </a:effectRef>
+                    <a:fontRef idx="minor">
+                      <a:schemeClr val="tx1"/>
+                    </a:fontRef>
+                  </p:style>
+                  <p:txBody>
+                    <a:bodyPr rtlCol="0" anchor="ctr"/>
+                    <a:lstStyle/>
+                    <a:p>
+                      <a:pPr algn="ctr"/>
+                      <a:endParaRPr kumimoji="1" lang="ja-JP" altLang="en-US"/>
+                    </a:p>
+                  </p:txBody>
+                </p:sp>
+                <p:sp>
+                  <p:nvSpPr>
+                    <p:cNvPr id="59" name="円弧 58">
+                      <a:extLst>
+                        <a:ext uri="{FF2B5EF4-FFF2-40B4-BE49-F238E27FC236}">
+                          <a16:creationId xmlns:a16="http://schemas.microsoft.com/office/drawing/2014/main" id="{AE2816B7-496C-A6AE-76A1-6AABC8EF4881}"/>
+                        </a:ext>
+                      </a:extLst>
+                    </p:cNvPr>
+                    <p:cNvSpPr/>
+                    <p:nvPr/>
+                  </p:nvSpPr>
+                  <p:spPr>
+                    <a:xfrm rot="16200000">
+                      <a:off x="3664969" y="121920"/>
+                      <a:ext cx="1080000" cy="1080000"/>
+                    </a:xfrm>
+                    <a:prstGeom prst="arc">
+                      <a:avLst/>
+                    </a:prstGeom>
+                    <a:ln w="25400">
+                      <a:solidFill>
+                        <a:schemeClr val="tx1"/>
+                      </a:solidFill>
+                    </a:ln>
+                  </p:spPr>
+                  <p:style>
+                    <a:lnRef idx="1">
+                      <a:schemeClr val="accent1"/>
+                    </a:lnRef>
+                    <a:fillRef idx="0">
+                      <a:schemeClr val="accent1"/>
+                    </a:fillRef>
+                    <a:effectRef idx="0">
+                      <a:schemeClr val="accent1"/>
+                    </a:effectRef>
+                    <a:fontRef idx="minor">
+                      <a:schemeClr val="tx1"/>
+                    </a:fontRef>
+                  </p:style>
+                  <p:txBody>
+                    <a:bodyPr rtlCol="0" anchor="ctr"/>
+                    <a:lstStyle/>
+                    <a:p>
+                      <a:pPr algn="ctr"/>
+                      <a:endParaRPr kumimoji="1" lang="ja-JP" altLang="en-US"/>
+                    </a:p>
+                  </p:txBody>
+                </p:sp>
+              </p:grpSp>
+              <p:grpSp>
+                <p:nvGrpSpPr>
+                  <p:cNvPr id="72" name="グループ化 71">
+                    <a:extLst>
+                      <a:ext uri="{FF2B5EF4-FFF2-40B4-BE49-F238E27FC236}">
+                        <a16:creationId xmlns:a16="http://schemas.microsoft.com/office/drawing/2014/main" id="{328CB412-C2B5-D02C-2B0E-F8D573E45EFB}"/>
+                      </a:ext>
+                    </a:extLst>
+                  </p:cNvPr>
+                  <p:cNvGrpSpPr/>
+                  <p:nvPr/>
+                </p:nvGrpSpPr>
+                <p:grpSpPr>
+                  <a:xfrm>
+                    <a:off x="1138113" y="2026920"/>
+                    <a:ext cx="7610619" cy="3275187"/>
+                    <a:chOff x="1138113" y="2026920"/>
+                    <a:chExt cx="7610619" cy="3275187"/>
+                  </a:xfrm>
+                </p:grpSpPr>
+                <p:cxnSp>
+                  <p:nvCxnSpPr>
+                    <p:cNvPr id="61" name="直線コネクタ 60">
+                      <a:extLst>
+                        <a:ext uri="{FF2B5EF4-FFF2-40B4-BE49-F238E27FC236}">
+                          <a16:creationId xmlns:a16="http://schemas.microsoft.com/office/drawing/2014/main" id="{6F888AA1-61FA-F94C-4660-F0A8A7A2EC19}"/>
+                        </a:ext>
+                      </a:extLst>
+                    </p:cNvPr>
+                    <p:cNvCxnSpPr>
+                      <a:cxnSpLocks/>
+                    </p:cNvCxnSpPr>
+                    <p:nvPr/>
+                  </p:nvCxnSpPr>
+                  <p:spPr>
+                    <a:xfrm>
+                      <a:off x="8171742" y="5302107"/>
+                      <a:ext cx="576990" cy="0"/>
+                    </a:xfrm>
+                    <a:prstGeom prst="line">
+                      <a:avLst/>
+                    </a:prstGeom>
+                    <a:ln w="19050">
+                      <a:solidFill>
+                        <a:schemeClr val="tx1"/>
+                      </a:solidFill>
+                    </a:ln>
+                  </p:spPr>
+                  <p:style>
+                    <a:lnRef idx="1">
+                      <a:schemeClr val="accent1"/>
+                    </a:lnRef>
+                    <a:fillRef idx="0">
+                      <a:schemeClr val="accent1"/>
+                    </a:fillRef>
+                    <a:effectRef idx="0">
+                      <a:schemeClr val="accent1"/>
+                    </a:effectRef>
+                    <a:fontRef idx="minor">
+                      <a:schemeClr val="tx1"/>
+                    </a:fontRef>
+                  </p:style>
+                </p:cxnSp>
+                <p:cxnSp>
+                  <p:nvCxnSpPr>
+                    <p:cNvPr id="63" name="直線コネクタ 62">
+                      <a:extLst>
+                        <a:ext uri="{FF2B5EF4-FFF2-40B4-BE49-F238E27FC236}">
+                          <a16:creationId xmlns:a16="http://schemas.microsoft.com/office/drawing/2014/main" id="{F8856154-882B-09E4-DEE2-E7E7E528E8BA}"/>
+                        </a:ext>
+                      </a:extLst>
+                    </p:cNvPr>
+                    <p:cNvCxnSpPr>
+                      <a:cxnSpLocks/>
+                    </p:cNvCxnSpPr>
+                    <p:nvPr/>
+                  </p:nvCxnSpPr>
+                  <p:spPr>
+                    <a:xfrm flipV="1">
+                      <a:off x="8748732" y="2026920"/>
+                      <a:ext cx="0" cy="3275187"/>
+                    </a:xfrm>
+                    <a:prstGeom prst="line">
+                      <a:avLst/>
+                    </a:prstGeom>
+                    <a:ln w="19050">
+                      <a:solidFill>
+                        <a:schemeClr val="tx1"/>
+                      </a:solidFill>
+                    </a:ln>
+                  </p:spPr>
+                  <p:style>
+                    <a:lnRef idx="1">
+                      <a:schemeClr val="accent1"/>
+                    </a:lnRef>
+                    <a:fillRef idx="0">
+                      <a:schemeClr val="accent1"/>
+                    </a:fillRef>
+                    <a:effectRef idx="0">
+                      <a:schemeClr val="accent1"/>
+                    </a:effectRef>
+                    <a:fontRef idx="minor">
+                      <a:schemeClr val="tx1"/>
+                    </a:fontRef>
+                  </p:style>
+                </p:cxnSp>
+                <p:cxnSp>
+                  <p:nvCxnSpPr>
+                    <p:cNvPr id="65" name="直線コネクタ 64">
+                      <a:extLst>
+                        <a:ext uri="{FF2B5EF4-FFF2-40B4-BE49-F238E27FC236}">
+                          <a16:creationId xmlns:a16="http://schemas.microsoft.com/office/drawing/2014/main" id="{1B5379CC-F203-362C-06C4-21B1AF73FEC5}"/>
+                        </a:ext>
+                      </a:extLst>
+                    </p:cNvPr>
+                    <p:cNvCxnSpPr>
+                      <a:cxnSpLocks/>
+                    </p:cNvCxnSpPr>
+                    <p:nvPr/>
+                  </p:nvCxnSpPr>
+                  <p:spPr>
+                    <a:xfrm>
+                      <a:off x="1138113" y="2026920"/>
+                      <a:ext cx="7610619" cy="0"/>
+                    </a:xfrm>
+                    <a:prstGeom prst="line">
+                      <a:avLst/>
+                    </a:prstGeom>
+                    <a:ln w="19050">
+                      <a:solidFill>
+                        <a:schemeClr val="tx1"/>
+                      </a:solidFill>
+                    </a:ln>
+                  </p:spPr>
+                  <p:style>
+                    <a:lnRef idx="1">
+                      <a:schemeClr val="accent1"/>
+                    </a:lnRef>
+                    <a:fillRef idx="0">
+                      <a:schemeClr val="accent1"/>
+                    </a:fillRef>
+                    <a:effectRef idx="0">
+                      <a:schemeClr val="accent1"/>
+                    </a:effectRef>
+                    <a:fontRef idx="minor">
+                      <a:schemeClr val="tx1"/>
+                    </a:fontRef>
+                  </p:style>
+                </p:cxnSp>
+                <p:cxnSp>
+                  <p:nvCxnSpPr>
+                    <p:cNvPr id="69" name="直線矢印コネクタ 68">
+                      <a:extLst>
+                        <a:ext uri="{FF2B5EF4-FFF2-40B4-BE49-F238E27FC236}">
+                          <a16:creationId xmlns:a16="http://schemas.microsoft.com/office/drawing/2014/main" id="{547E242C-7514-D19F-D618-7D9D67F32126}"/>
+                        </a:ext>
+                      </a:extLst>
+                    </p:cNvPr>
+                    <p:cNvCxnSpPr>
+                      <a:cxnSpLocks/>
+                      <a:endCxn id="2" idx="0"/>
+                    </p:cNvCxnSpPr>
+                    <p:nvPr/>
+                  </p:nvCxnSpPr>
+                  <p:spPr>
+                    <a:xfrm>
+                      <a:off x="1138113" y="2026920"/>
+                      <a:ext cx="1" cy="944880"/>
+                    </a:xfrm>
+                    <a:prstGeom prst="straightConnector1">
+                      <a:avLst/>
+                    </a:prstGeom>
+                    <a:ln w="19050">
+                      <a:solidFill>
+                        <a:schemeClr val="tx1"/>
+                      </a:solidFill>
+                      <a:tailEnd type="triangle"/>
+                    </a:ln>
+                  </p:spPr>
+                  <p:style>
+                    <a:lnRef idx="1">
+                      <a:schemeClr val="accent1"/>
+                    </a:lnRef>
+                    <a:fillRef idx="0">
+                      <a:schemeClr val="accent1"/>
+                    </a:fillRef>
+                    <a:effectRef idx="0">
+                      <a:schemeClr val="accent1"/>
+                    </a:effectRef>
+                    <a:fontRef idx="minor">
+                      <a:schemeClr val="tx1"/>
+                    </a:fontRef>
+                  </p:style>
+                </p:cxnSp>
+              </p:grpSp>
+            </p:grpSp>
+            <p:sp>
+              <p:nvSpPr>
+                <p:cNvPr id="74" name="テキスト ボックス 73">
+                  <a:extLst>
+                    <a:ext uri="{FF2B5EF4-FFF2-40B4-BE49-F238E27FC236}">
+                      <a16:creationId xmlns:a16="http://schemas.microsoft.com/office/drawing/2014/main" id="{22A4A8C2-9E2F-A524-203E-810748761D27}"/>
+                    </a:ext>
+                  </a:extLst>
+                </p:cNvPr>
+                <p:cNvSpPr txBox="1"/>
+                <p:nvPr/>
+              </p:nvSpPr>
+              <p:spPr>
+                <a:xfrm>
+                  <a:off x="4763314" y="3191198"/>
+                  <a:ext cx="1369470" cy="276999"/>
+                </a:xfrm>
+                <a:prstGeom prst="rect">
+                  <a:avLst/>
+                </a:prstGeom>
+                <a:noFill/>
+              </p:spPr>
+              <p:txBody>
+                <a:bodyPr wrap="square" rtlCol="0">
+                  <a:spAutoFit/>
+                </a:bodyPr>
+                <a:lstStyle/>
+                <a:p>
+                  <a:pPr algn="ctr"/>
+                  <a:r>
+                    <a:rPr kumimoji="1" lang="ja-JP" altLang="en-US" sz="1200">
+                      <a:latin typeface="Hiragino Kaku Gothic Pro W3" panose="020B0300000000000000" pitchFamily="34" charset="-128"/>
+                      <a:ea typeface="Hiragino Kaku Gothic Pro W3" panose="020B0300000000000000" pitchFamily="34" charset="-128"/>
+                    </a:rPr>
+                    <a:t>ログイン成功</a:t>
+                  </a:r>
+                </a:p>
+              </p:txBody>
+            </p:sp>
+            <p:sp>
+              <p:nvSpPr>
+                <p:cNvPr id="75" name="テキスト ボックス 74">
+                  <a:extLst>
+                    <a:ext uri="{FF2B5EF4-FFF2-40B4-BE49-F238E27FC236}">
+                      <a16:creationId xmlns:a16="http://schemas.microsoft.com/office/drawing/2014/main" id="{885B27B5-CCD5-365C-9BBD-BB99E911A4F5}"/>
+                    </a:ext>
+                  </a:extLst>
+                </p:cNvPr>
+                <p:cNvSpPr txBox="1"/>
+                <p:nvPr/>
+              </p:nvSpPr>
+              <p:spPr>
+                <a:xfrm>
+                  <a:off x="4758242" y="2323003"/>
+                  <a:ext cx="1369470" cy="276999"/>
+                </a:xfrm>
+                <a:prstGeom prst="rect">
+                  <a:avLst/>
+                </a:prstGeom>
+                <a:noFill/>
+              </p:spPr>
+              <p:txBody>
+                <a:bodyPr wrap="square" rtlCol="0">
+                  <a:spAutoFit/>
+                </a:bodyPr>
+                <a:lstStyle/>
+                <a:p>
+                  <a:pPr algn="ctr"/>
+                  <a:r>
+                    <a:rPr kumimoji="1" lang="ja-JP" altLang="en-US" sz="1200">
+                      <a:latin typeface="Hiragino Kaku Gothic Pro W3" panose="020B0300000000000000" pitchFamily="34" charset="-128"/>
+                      <a:ea typeface="Hiragino Kaku Gothic Pro W3" panose="020B0300000000000000" pitchFamily="34" charset="-128"/>
+                    </a:rPr>
+                    <a:t>ログアウト</a:t>
+                  </a:r>
+                </a:p>
+              </p:txBody>
+            </p:sp>
+            <p:sp>
+              <p:nvSpPr>
+                <p:cNvPr id="76" name="テキスト ボックス 75">
+                  <a:extLst>
+                    <a:ext uri="{FF2B5EF4-FFF2-40B4-BE49-F238E27FC236}">
+                      <a16:creationId xmlns:a16="http://schemas.microsoft.com/office/drawing/2014/main" id="{BAB21BF2-CF67-E69C-1B84-A1E94B8EC707}"/>
+                    </a:ext>
+                  </a:extLst>
+                </p:cNvPr>
+                <p:cNvSpPr txBox="1"/>
+                <p:nvPr/>
+              </p:nvSpPr>
+              <p:spPr>
+                <a:xfrm>
+                  <a:off x="4726530" y="1134283"/>
+                  <a:ext cx="1369470" cy="276999"/>
+                </a:xfrm>
+                <a:prstGeom prst="rect">
+                  <a:avLst/>
+                </a:prstGeom>
+                <a:noFill/>
+              </p:spPr>
+              <p:txBody>
+                <a:bodyPr wrap="square" rtlCol="0">
+                  <a:spAutoFit/>
+                </a:bodyPr>
+                <a:lstStyle/>
+                <a:p>
+                  <a:pPr algn="ctr"/>
+                  <a:r>
+                    <a:rPr lang="ja-JP" altLang="en-US" sz="1200">
+                      <a:latin typeface="Hiragino Kaku Gothic Pro W3" panose="020B0300000000000000" pitchFamily="34" charset="-128"/>
+                      <a:ea typeface="Hiragino Kaku Gothic Pro W3" panose="020B0300000000000000" pitchFamily="34" charset="-128"/>
+                    </a:rPr>
+                    <a:t>本登録成功</a:t>
+                  </a:r>
+                  <a:endParaRPr kumimoji="1" lang="ja-JP" altLang="en-US" sz="1200">
+                    <a:latin typeface="Hiragino Kaku Gothic Pro W3" panose="020B0300000000000000" pitchFamily="34" charset="-128"/>
+                    <a:ea typeface="Hiragino Kaku Gothic Pro W3" panose="020B0300000000000000" pitchFamily="34" charset="-128"/>
+                  </a:endParaRPr>
+                </a:p>
+              </p:txBody>
+            </p:sp>
+            <p:grpSp>
+              <p:nvGrpSpPr>
+                <p:cNvPr id="80" name="グループ化 79">
+                  <a:extLst>
+                    <a:ext uri="{FF2B5EF4-FFF2-40B4-BE49-F238E27FC236}">
+                      <a16:creationId xmlns:a16="http://schemas.microsoft.com/office/drawing/2014/main" id="{878FA676-E3C3-4EC1-B443-9C565643833E}"/>
+                    </a:ext>
+                  </a:extLst>
+                </p:cNvPr>
+                <p:cNvGrpSpPr/>
+                <p:nvPr/>
+              </p:nvGrpSpPr>
+              <p:grpSpPr>
+                <a:xfrm>
+                  <a:off x="8715065" y="4686284"/>
+                  <a:ext cx="1083152" cy="1087008"/>
+                  <a:chOff x="8749450" y="4686284"/>
+                  <a:chExt cx="1083152" cy="1087008"/>
+                </a:xfrm>
+              </p:grpSpPr>
+              <p:sp>
+                <p:nvSpPr>
+                  <p:cNvPr id="78" name="円弧 77">
+                    <a:extLst>
+                      <a:ext uri="{FF2B5EF4-FFF2-40B4-BE49-F238E27FC236}">
+                        <a16:creationId xmlns:a16="http://schemas.microsoft.com/office/drawing/2014/main" id="{470AD749-AD4F-E47C-411A-D3BB2CBDEC77}"/>
+                      </a:ext>
+                    </a:extLst>
+                  </p:cNvPr>
+                  <p:cNvSpPr/>
+                  <p:nvPr/>
+                </p:nvSpPr>
+                <p:spPr>
+                  <a:xfrm rot="10800000">
+                    <a:off x="8752602" y="4686284"/>
+                    <a:ext cx="1080000" cy="1080000"/>
+                  </a:xfrm>
+                  <a:prstGeom prst="arc">
+                    <a:avLst/>
+                  </a:prstGeom>
+                  <a:ln w="19050">
+                    <a:solidFill>
+                      <a:schemeClr val="tx1"/>
+                    </a:solidFill>
+                    <a:tailEnd type="triangle"/>
+                  </a:ln>
+                </p:spPr>
+                <p:style>
+                  <a:lnRef idx="1">
+                    <a:schemeClr val="accent1"/>
+                  </a:lnRef>
+                  <a:fillRef idx="0">
+                    <a:schemeClr val="accent1"/>
+                  </a:fillRef>
+                  <a:effectRef idx="0">
+                    <a:schemeClr val="accent1"/>
+                  </a:effectRef>
+                  <a:fontRef idx="minor">
+                    <a:schemeClr val="tx1"/>
+                  </a:fontRef>
+                </p:style>
+                <p:txBody>
+                  <a:bodyPr rtlCol="0" anchor="ctr"/>
+                  <a:lstStyle/>
+                  <a:p>
+                    <a:pPr algn="ctr"/>
+                    <a:endParaRPr kumimoji="1" lang="ja-JP" altLang="en-US"/>
+                  </a:p>
+                </p:txBody>
+              </p:sp>
+              <p:sp>
+                <p:nvSpPr>
+                  <p:cNvPr id="79" name="円弧 78">
+                    <a:extLst>
+                      <a:ext uri="{FF2B5EF4-FFF2-40B4-BE49-F238E27FC236}">
+                        <a16:creationId xmlns:a16="http://schemas.microsoft.com/office/drawing/2014/main" id="{D6C26E17-E782-59BE-6BC5-5995BA439A56}"/>
+                      </a:ext>
+                    </a:extLst>
+                  </p:cNvPr>
+                  <p:cNvSpPr/>
+                  <p:nvPr/>
+                </p:nvSpPr>
+                <p:spPr>
+                  <a:xfrm rot="5400000">
+                    <a:off x="8749450" y="4693292"/>
+                    <a:ext cx="1080000" cy="1080000"/>
+                  </a:xfrm>
+                  <a:prstGeom prst="arc">
+                    <a:avLst/>
+                  </a:prstGeom>
+                  <a:ln w="25400">
+                    <a:solidFill>
+                      <a:schemeClr val="tx1"/>
+                    </a:solidFill>
+                  </a:ln>
+                </p:spPr>
+                <p:style>
+                  <a:lnRef idx="1">
+                    <a:schemeClr val="accent1"/>
+                  </a:lnRef>
+                  <a:fillRef idx="0">
+                    <a:schemeClr val="accent1"/>
+                  </a:fillRef>
+                  <a:effectRef idx="0">
+                    <a:schemeClr val="accent1"/>
+                  </a:effectRef>
+                  <a:fontRef idx="minor">
+                    <a:schemeClr val="tx1"/>
+                  </a:fontRef>
+                </p:style>
+                <p:txBody>
+                  <a:bodyPr rtlCol="0" anchor="ctr"/>
+                  <a:lstStyle/>
+                  <a:p>
+                    <a:pPr algn="ctr"/>
+                    <a:endParaRPr kumimoji="1" lang="ja-JP" altLang="en-US"/>
+                  </a:p>
+                </p:txBody>
+              </p:sp>
+            </p:grpSp>
+            <p:sp>
+              <p:nvSpPr>
+                <p:cNvPr id="81" name="テキスト ボックス 80">
+                  <a:extLst>
+                    <a:ext uri="{FF2B5EF4-FFF2-40B4-BE49-F238E27FC236}">
+                      <a16:creationId xmlns:a16="http://schemas.microsoft.com/office/drawing/2014/main" id="{6DECC605-CE6F-8E7B-BB29-6B8FC76300E7}"/>
+                    </a:ext>
+                  </a:extLst>
+                </p:cNvPr>
+                <p:cNvSpPr txBox="1"/>
+                <p:nvPr/>
+              </p:nvSpPr>
+              <p:spPr>
+                <a:xfrm>
+                  <a:off x="2850234" y="3680339"/>
+                  <a:ext cx="1369470" cy="276999"/>
+                </a:xfrm>
+                <a:prstGeom prst="rect">
+                  <a:avLst/>
+                </a:prstGeom>
+                <a:noFill/>
+              </p:spPr>
+              <p:txBody>
+                <a:bodyPr wrap="square" rtlCol="0">
+                  <a:spAutoFit/>
+                </a:bodyPr>
+                <a:lstStyle/>
+                <a:p>
+                  <a:pPr algn="ctr"/>
+                  <a:r>
+                    <a:rPr kumimoji="1" lang="ja-JP" altLang="en-US" sz="1200">
+                      <a:latin typeface="Hiragino Kaku Gothic Pro W3" panose="020B0300000000000000" pitchFamily="34" charset="-128"/>
+                      <a:ea typeface="Hiragino Kaku Gothic Pro W3" panose="020B0300000000000000" pitchFamily="34" charset="-128"/>
+                    </a:rPr>
+                    <a:t>戻る</a:t>
+                  </a:r>
+                </a:p>
+              </p:txBody>
+            </p:sp>
+            <p:sp>
+              <p:nvSpPr>
+                <p:cNvPr id="82" name="テキスト ボックス 81">
+                  <a:extLst>
+                    <a:ext uri="{FF2B5EF4-FFF2-40B4-BE49-F238E27FC236}">
+                      <a16:creationId xmlns:a16="http://schemas.microsoft.com/office/drawing/2014/main" id="{F6B3FA83-C6B7-F182-FD85-71757835F13F}"/>
+                    </a:ext>
+                  </a:extLst>
+                </p:cNvPr>
+                <p:cNvSpPr txBox="1"/>
+                <p:nvPr/>
+              </p:nvSpPr>
+              <p:spPr>
+                <a:xfrm>
+                  <a:off x="1390212" y="3712584"/>
+                  <a:ext cx="1369470" cy="276999"/>
+                </a:xfrm>
+                <a:prstGeom prst="rect">
+                  <a:avLst/>
+                </a:prstGeom>
+                <a:noFill/>
+              </p:spPr>
+              <p:txBody>
+                <a:bodyPr wrap="square" rtlCol="0">
+                  <a:spAutoFit/>
+                </a:bodyPr>
+                <a:lstStyle/>
+                <a:p>
+                  <a:pPr algn="ctr"/>
+                  <a:r>
+                    <a:rPr kumimoji="1" lang="ja-JP" altLang="en-US" sz="1200">
+                      <a:latin typeface="Hiragino Kaku Gothic Pro W3" panose="020B0300000000000000" pitchFamily="34" charset="-128"/>
+                      <a:ea typeface="Hiragino Kaku Gothic Pro W3" panose="020B0300000000000000" pitchFamily="34" charset="-128"/>
+                    </a:rPr>
+                    <a:t>未登録選択</a:t>
+                  </a:r>
+                </a:p>
+              </p:txBody>
+            </p:sp>
+            <p:sp>
+              <p:nvSpPr>
+                <p:cNvPr id="83" name="テキスト ボックス 82">
+                  <a:extLst>
+                    <a:ext uri="{FF2B5EF4-FFF2-40B4-BE49-F238E27FC236}">
+                      <a16:creationId xmlns:a16="http://schemas.microsoft.com/office/drawing/2014/main" id="{0B18BB3C-D952-ECA0-974D-B41C5A1F99C5}"/>
+                    </a:ext>
+                  </a:extLst>
+                </p:cNvPr>
+                <p:cNvSpPr txBox="1"/>
+                <p:nvPr/>
+              </p:nvSpPr>
+              <p:spPr>
+                <a:xfrm>
+                  <a:off x="2128715" y="5768850"/>
+                  <a:ext cx="1443038" cy="276999"/>
+                </a:xfrm>
+                <a:prstGeom prst="rect">
+                  <a:avLst/>
+                </a:prstGeom>
+                <a:noFill/>
+              </p:spPr>
+              <p:txBody>
+                <a:bodyPr wrap="square" rtlCol="0">
+                  <a:spAutoFit/>
+                </a:bodyPr>
+                <a:lstStyle/>
+                <a:p>
+                  <a:pPr algn="ctr"/>
+                  <a:r>
+                    <a:rPr lang="ja-JP" altLang="en-US" sz="1200">
+                      <a:latin typeface="Hiragino Kaku Gothic Pro W3" panose="020B0300000000000000" pitchFamily="34" charset="-128"/>
+                      <a:ea typeface="Hiragino Kaku Gothic Pro W3" panose="020B0300000000000000" pitchFamily="34" charset="-128"/>
+                    </a:rPr>
+                    <a:t>サインアップ失敗</a:t>
+                  </a:r>
+                  <a:endParaRPr kumimoji="1" lang="ja-JP" altLang="en-US" sz="1200">
+                    <a:latin typeface="Hiragino Kaku Gothic Pro W3" panose="020B0300000000000000" pitchFamily="34" charset="-128"/>
+                    <a:ea typeface="Hiragino Kaku Gothic Pro W3" panose="020B0300000000000000" pitchFamily="34" charset="-128"/>
+                  </a:endParaRPr>
+                </a:p>
+              </p:txBody>
+            </p:sp>
+            <p:sp>
+              <p:nvSpPr>
+                <p:cNvPr id="84" name="テキスト ボックス 83">
+                  <a:extLst>
+                    <a:ext uri="{FF2B5EF4-FFF2-40B4-BE49-F238E27FC236}">
+                      <a16:creationId xmlns:a16="http://schemas.microsoft.com/office/drawing/2014/main" id="{C9DA30AA-8317-570A-ED3E-A819F4B1B910}"/>
+                    </a:ext>
+                  </a:extLst>
+                </p:cNvPr>
+                <p:cNvSpPr txBox="1"/>
+                <p:nvPr/>
+              </p:nvSpPr>
+              <p:spPr>
+                <a:xfrm>
+                  <a:off x="3465011" y="4809346"/>
+                  <a:ext cx="1443038" cy="276999"/>
+                </a:xfrm>
+                <a:prstGeom prst="rect">
+                  <a:avLst/>
+                </a:prstGeom>
+                <a:noFill/>
+              </p:spPr>
+              <p:txBody>
+                <a:bodyPr wrap="square" rtlCol="0">
+                  <a:spAutoFit/>
+                </a:bodyPr>
+                <a:lstStyle/>
+                <a:p>
+                  <a:pPr algn="ctr"/>
+                  <a:r>
+                    <a:rPr kumimoji="1" lang="ja-JP" altLang="en-US" sz="1200">
+                      <a:latin typeface="Hiragino Kaku Gothic Pro W3" panose="020B0300000000000000" pitchFamily="34" charset="-128"/>
+                      <a:ea typeface="Hiragino Kaku Gothic Pro W3" panose="020B0300000000000000" pitchFamily="34" charset="-128"/>
+                    </a:rPr>
+                    <a:t>仮登録成功</a:t>
+                  </a:r>
+                </a:p>
+              </p:txBody>
+            </p:sp>
+            <p:sp>
+              <p:nvSpPr>
+                <p:cNvPr id="85" name="テキスト ボックス 84">
+                  <a:extLst>
+                    <a:ext uri="{FF2B5EF4-FFF2-40B4-BE49-F238E27FC236}">
+                      <a16:creationId xmlns:a16="http://schemas.microsoft.com/office/drawing/2014/main" id="{D72E19F1-C991-1601-222D-7F16E5489636}"/>
+                    </a:ext>
+                  </a:extLst>
+                </p:cNvPr>
+                <p:cNvSpPr txBox="1"/>
+                <p:nvPr/>
+              </p:nvSpPr>
+              <p:spPr>
+                <a:xfrm>
+                  <a:off x="7768084" y="4806875"/>
+                  <a:ext cx="808858" cy="276999"/>
+                </a:xfrm>
+                <a:prstGeom prst="rect">
+                  <a:avLst/>
+                </a:prstGeom>
+                <a:noFill/>
+              </p:spPr>
+              <p:txBody>
+                <a:bodyPr wrap="square" rtlCol="0">
+                  <a:spAutoFit/>
+                </a:bodyPr>
+                <a:lstStyle/>
+                <a:p>
+                  <a:pPr algn="ctr"/>
+                  <a:r>
+                    <a:rPr kumimoji="1" lang="en-US" altLang="ja-JP" sz="1200" dirty="0">
+                      <a:latin typeface="Hiragino Kaku Gothic Pro W3" panose="020B0300000000000000" pitchFamily="34" charset="-128"/>
+                      <a:ea typeface="Hiragino Kaku Gothic Pro W3" panose="020B0300000000000000" pitchFamily="34" charset="-128"/>
+                    </a:rPr>
+                    <a:t>URL</a:t>
+                  </a:r>
+                </a:p>
+              </p:txBody>
+            </p:sp>
+            <p:sp>
+              <p:nvSpPr>
+                <p:cNvPr id="86" name="テキスト ボックス 85">
+                  <a:extLst>
+                    <a:ext uri="{FF2B5EF4-FFF2-40B4-BE49-F238E27FC236}">
+                      <a16:creationId xmlns:a16="http://schemas.microsoft.com/office/drawing/2014/main" id="{9C79438A-B725-8326-6C75-7E824E4ED1CC}"/>
+                    </a:ext>
+                  </a:extLst>
+                </p:cNvPr>
+                <p:cNvSpPr txBox="1"/>
+                <p:nvPr/>
+              </p:nvSpPr>
+              <p:spPr>
+                <a:xfrm>
+                  <a:off x="8536699" y="5782370"/>
+                  <a:ext cx="1443038" cy="276999"/>
+                </a:xfrm>
+                <a:prstGeom prst="rect">
+                  <a:avLst/>
+                </a:prstGeom>
+                <a:noFill/>
+              </p:spPr>
+              <p:txBody>
+                <a:bodyPr wrap="square" rtlCol="0">
+                  <a:spAutoFit/>
+                </a:bodyPr>
+                <a:lstStyle/>
+                <a:p>
+                  <a:pPr algn="ctr"/>
+                  <a:r>
+                    <a:rPr kumimoji="1" lang="ja-JP" altLang="en-US" sz="1200">
+                      <a:latin typeface="Hiragino Kaku Gothic Pro W3" panose="020B0300000000000000" pitchFamily="34" charset="-128"/>
+                      <a:ea typeface="Hiragino Kaku Gothic Pro W3" panose="020B0300000000000000" pitchFamily="34" charset="-128"/>
+                    </a:rPr>
+                    <a:t>本登録失敗</a:t>
+                  </a:r>
+                </a:p>
+              </p:txBody>
+            </p:sp>
+          </p:grpSp>
+          <p:sp>
+            <p:nvSpPr>
+              <p:cNvPr id="87" name="テキスト ボックス 86">
+                <a:extLst>
+                  <a:ext uri="{FF2B5EF4-FFF2-40B4-BE49-F238E27FC236}">
+                    <a16:creationId xmlns:a16="http://schemas.microsoft.com/office/drawing/2014/main" id="{4475C36F-5847-13E0-AAF2-CEABD5EE349B}"/>
+                  </a:ext>
+                </a:extLst>
+              </p:cNvPr>
+              <p:cNvSpPr txBox="1"/>
+              <p:nvPr/>
+            </p:nvSpPr>
+            <p:spPr>
+              <a:xfrm>
+                <a:off x="631909" y="2764408"/>
+                <a:ext cx="1443038" cy="276999"/>
+              </a:xfrm>
+              <a:prstGeom prst="rect">
+                <a:avLst/>
+              </a:prstGeom>
+              <a:noFill/>
+            </p:spPr>
+            <p:txBody>
+              <a:bodyPr wrap="square" rtlCol="0">
+                <a:spAutoFit/>
+              </a:bodyPr>
+              <a:lstStyle/>
+              <a:p>
+                <a:pPr algn="ctr"/>
+                <a:r>
+                  <a:rPr lang="ja-JP" altLang="en-US" sz="1200">
+                    <a:latin typeface="Hiragino Kaku Gothic Pro W3" panose="020B0300000000000000" pitchFamily="34" charset="-128"/>
+                    <a:ea typeface="Hiragino Kaku Gothic Pro W3" panose="020B0300000000000000" pitchFamily="34" charset="-128"/>
+                  </a:rPr>
+                  <a:t>ログイン失敗</a:t>
+                </a:r>
+                <a:endParaRPr kumimoji="1" lang="ja-JP" altLang="en-US" sz="1200">
+                  <a:latin typeface="Hiragino Kaku Gothic Pro W3" panose="020B0300000000000000" pitchFamily="34" charset="-128"/>
+                  <a:ea typeface="Hiragino Kaku Gothic Pro W3" panose="020B0300000000000000" pitchFamily="34" charset="-128"/>
+                </a:endParaRPr>
+              </a:p>
+            </p:txBody>
+          </p:sp>
+        </p:grpSp>
+        <p:sp>
+          <p:nvSpPr>
+            <p:cNvPr id="91" name="円弧 90">
+              <a:extLst>
+                <a:ext uri="{FF2B5EF4-FFF2-40B4-BE49-F238E27FC236}">
+                  <a16:creationId xmlns:a16="http://schemas.microsoft.com/office/drawing/2014/main" id="{F2FB1B3F-7F0F-F299-0264-9945EE6BD6EE}"/>
+                </a:ext>
+              </a:extLst>
+            </p:cNvPr>
+            <p:cNvSpPr/>
+            <p:nvPr/>
+          </p:nvSpPr>
+          <p:spPr>
+            <a:xfrm rot="10800000">
+              <a:off x="4920954" y="4651968"/>
+              <a:ext cx="1080000" cy="1080000"/>
+            </a:xfrm>
+            <a:prstGeom prst="arc">
+              <a:avLst/>
+            </a:prstGeom>
+            <a:ln w="19050">
+              <a:solidFill>
+                <a:schemeClr val="tx1"/>
+              </a:solidFill>
+              <a:tailEnd type="triangle"/>
+            </a:ln>
+          </p:spPr>
+          <p:style>
+            <a:lnRef idx="1">
+              <a:schemeClr val="accent1"/>
+            </a:lnRef>
+            <a:fillRef idx="0">
+              <a:schemeClr val="accent1"/>
+            </a:fillRef>
+            <a:effectRef idx="0">
+              <a:schemeClr val="accent1"/>
+            </a:effectRef>
+            <a:fontRef idx="minor">
+              <a:schemeClr val="tx1"/>
+            </a:fontRef>
+          </p:style>
+          <p:txBody>
+            <a:bodyPr rtlCol="0" anchor="ctr"/>
+            <a:lstStyle/>
+            <a:p>
+              <a:pPr algn="ctr"/>
+              <a:endParaRPr kumimoji="1" lang="ja-JP" altLang="en-US"/>
+            </a:p>
+          </p:txBody>
+        </p:sp>
+        <p:sp>
+          <p:nvSpPr>
+            <p:cNvPr id="92" name="円弧 91">
+              <a:extLst>
+                <a:ext uri="{FF2B5EF4-FFF2-40B4-BE49-F238E27FC236}">
+                  <a16:creationId xmlns:a16="http://schemas.microsoft.com/office/drawing/2014/main" id="{BDAC3B9D-0C5B-E74A-A68A-8E557081CE95}"/>
+                </a:ext>
+              </a:extLst>
+            </p:cNvPr>
+            <p:cNvSpPr/>
+            <p:nvPr/>
+          </p:nvSpPr>
+          <p:spPr>
+            <a:xfrm rot="5400000">
+              <a:off x="4920954" y="4651968"/>
+              <a:ext cx="1080000" cy="1080000"/>
+            </a:xfrm>
+            <a:prstGeom prst="arc">
+              <a:avLst/>
+            </a:prstGeom>
+            <a:ln w="25400">
+              <a:solidFill>
+                <a:schemeClr val="tx1"/>
+              </a:solidFill>
+            </a:ln>
+          </p:spPr>
+          <p:style>
+            <a:lnRef idx="1">
+              <a:schemeClr val="accent1"/>
+            </a:lnRef>
+            <a:fillRef idx="0">
+              <a:schemeClr val="accent1"/>
+            </a:fillRef>
+            <a:effectRef idx="0">
+              <a:schemeClr val="accent1"/>
+            </a:effectRef>
+            <a:fontRef idx="minor">
+              <a:schemeClr val="tx1"/>
+            </a:fontRef>
+          </p:style>
+          <p:txBody>
+            <a:bodyPr rtlCol="0" anchor="ctr"/>
+            <a:lstStyle/>
+            <a:p>
+              <a:pPr algn="ctr"/>
+              <a:endParaRPr kumimoji="1" lang="ja-JP" altLang="en-US"/>
+            </a:p>
+          </p:txBody>
+        </p:sp>
+        <p:sp>
+          <p:nvSpPr>
+            <p:cNvPr id="93" name="テキスト ボックス 92">
+              <a:extLst>
+                <a:ext uri="{FF2B5EF4-FFF2-40B4-BE49-F238E27FC236}">
+                  <a16:creationId xmlns:a16="http://schemas.microsoft.com/office/drawing/2014/main" id="{95A2E37D-39D3-3DEA-72A9-53FDC8C432A3}"/>
+                </a:ext>
+              </a:extLst>
+            </p:cNvPr>
+            <p:cNvSpPr txBox="1"/>
+            <p:nvPr/>
+          </p:nvSpPr>
+          <p:spPr>
+            <a:xfrm>
+              <a:off x="4692763" y="5768850"/>
+              <a:ext cx="1443038" cy="276999"/>
+            </a:xfrm>
+            <a:prstGeom prst="rect">
+              <a:avLst/>
+            </a:prstGeom>
+            <a:noFill/>
+          </p:spPr>
+          <p:txBody>
+            <a:bodyPr wrap="square" rtlCol="0">
+              <a:spAutoFit/>
+            </a:bodyPr>
+            <a:lstStyle/>
+            <a:p>
+              <a:pPr algn="ctr"/>
+              <a:r>
+                <a:rPr lang="ja-JP" altLang="en-US" sz="1200">
+                  <a:latin typeface="Hiragino Kaku Gothic Pro W3" panose="020B0300000000000000" pitchFamily="34" charset="-128"/>
+                  <a:ea typeface="Hiragino Kaku Gothic Pro W3" panose="020B0300000000000000" pitchFamily="34" charset="-128"/>
+                </a:rPr>
+                <a:t>仮登録失敗</a:t>
+              </a:r>
+              <a:endParaRPr kumimoji="1" lang="ja-JP" altLang="en-US" sz="1200">
+                <a:latin typeface="Hiragino Kaku Gothic Pro W3" panose="020B0300000000000000" pitchFamily="34" charset="-128"/>
+                <a:ea typeface="Hiragino Kaku Gothic Pro W3" panose="020B0300000000000000" pitchFamily="34" charset="-128"/>
+              </a:endParaRPr>
+            </a:p>
+          </p:txBody>
+        </p:sp>
+        <p:pic>
+          <p:nvPicPr>
+            <p:cNvPr id="102" name="グラフィックス 101" descr="封筒 枠線">
+              <a:extLst>
+                <a:ext uri="{FF2B5EF4-FFF2-40B4-BE49-F238E27FC236}">
+                  <a16:creationId xmlns:a16="http://schemas.microsoft.com/office/drawing/2014/main" id="{7B5EC184-D3E4-F641-B2BA-9235797CEEC3}"/>
+                </a:ext>
+              </a:extLst>
+            </p:cNvPr>
+            <p:cNvPicPr>
+              <a:picLocks noChangeAspect="1"/>
+            </p:cNvPicPr>
+            <p:nvPr/>
+          </p:nvPicPr>
+          <p:blipFill>
+            <a:blip r:embed="rId3">
+              <a:extLst>
+                <a:ext uri="{96DAC541-7B7A-43D3-8B79-37D633B846F1}">
+                  <asvg:svgBlip xmlns:asvg="http://schemas.microsoft.com/office/drawing/2016/SVG/main" r:embed="rId4"/>
+                </a:ext>
+              </a:extLst>
+            </a:blip>
+            <a:stretch>
+              <a:fillRect/>
+            </a:stretch>
+          </p:blipFill>
+          <p:spPr>
+            <a:xfrm>
+              <a:off x="6910372" y="4284876"/>
+              <a:ext cx="914400" cy="914400"/>
+            </a:xfrm>
+            <a:prstGeom prst="rect">
+              <a:avLst/>
+            </a:prstGeom>
+          </p:spPr>
+        </p:pic>
+        <p:cxnSp>
+          <p:nvCxnSpPr>
+            <p:cNvPr id="106" name="直線矢印コネクタ 105">
+              <a:extLst>
+                <a:ext uri="{FF2B5EF4-FFF2-40B4-BE49-F238E27FC236}">
+                  <a16:creationId xmlns:a16="http://schemas.microsoft.com/office/drawing/2014/main" id="{CF214F06-81EE-F526-0516-09023FFB8B98}"/>
+                </a:ext>
+              </a:extLst>
+            </p:cNvPr>
+            <p:cNvCxnSpPr>
+              <a:cxnSpLocks/>
+              <a:stCxn id="5" idx="3"/>
+              <a:endCxn id="102" idx="1"/>
+            </p:cNvCxnSpPr>
+            <p:nvPr/>
+          </p:nvCxnSpPr>
+          <p:spPr>
+            <a:xfrm>
+              <a:off x="6169568" y="4739640"/>
+              <a:ext cx="740804" cy="2436"/>
+            </a:xfrm>
+            <a:prstGeom prst="straightConnector1">
+              <a:avLst/>
+            </a:prstGeom>
+            <a:ln w="19050">
+              <a:tailEnd type="triangle"/>
+            </a:ln>
+          </p:spPr>
+          <p:style>
+            <a:lnRef idx="2">
+              <a:schemeClr val="dk1"/>
+            </a:lnRef>
+            <a:fillRef idx="0">
+              <a:schemeClr val="dk1"/>
+            </a:fillRef>
+            <a:effectRef idx="1">
+              <a:schemeClr val="dk1"/>
+            </a:effectRef>
+            <a:fontRef idx="minor">
+              <a:schemeClr val="tx1"/>
+            </a:fontRef>
+          </p:style>
+        </p:cxnSp>
+        <p:sp>
+          <p:nvSpPr>
+            <p:cNvPr id="111" name="テキスト ボックス 110">
+              <a:extLst>
+                <a:ext uri="{FF2B5EF4-FFF2-40B4-BE49-F238E27FC236}">
+                  <a16:creationId xmlns:a16="http://schemas.microsoft.com/office/drawing/2014/main" id="{F0107EFF-3C60-47D2-C5DF-F7EA7FABC75D}"/>
+                </a:ext>
+              </a:extLst>
+            </p:cNvPr>
+            <p:cNvSpPr txBox="1"/>
+            <p:nvPr/>
+          </p:nvSpPr>
+          <p:spPr>
+            <a:xfrm>
+              <a:off x="6072147" y="4806874"/>
+              <a:ext cx="967294" cy="276999"/>
+            </a:xfrm>
+            <a:prstGeom prst="rect">
+              <a:avLst/>
+            </a:prstGeom>
+            <a:noFill/>
+          </p:spPr>
+          <p:txBody>
+            <a:bodyPr wrap="square" rtlCol="0">
+              <a:spAutoFit/>
+            </a:bodyPr>
+            <a:lstStyle/>
+            <a:p>
+              <a:pPr algn="ctr"/>
+              <a:r>
+                <a:rPr lang="ja-JP" altLang="en-US" sz="1200">
+                  <a:latin typeface="Hiragino Kaku Gothic Pro W3" panose="020B0300000000000000" pitchFamily="34" charset="-128"/>
+                  <a:ea typeface="Hiragino Kaku Gothic Pro W3" panose="020B0300000000000000" pitchFamily="34" charset="-128"/>
+                </a:rPr>
+                <a:t>メール送信</a:t>
+              </a:r>
+              <a:endParaRPr kumimoji="1" lang="en-US" altLang="ja-JP" sz="1200" dirty="0">
+                <a:latin typeface="Hiragino Kaku Gothic Pro W3" panose="020B0300000000000000" pitchFamily="34" charset="-128"/>
+                <a:ea typeface="Hiragino Kaku Gothic Pro W3" panose="020B0300000000000000" pitchFamily="34" charset="-128"/>
+              </a:endParaRPr>
+            </a:p>
+          </p:txBody>
+        </p:sp>
+      </p:grpSp>
+    </p:spTree>
+    <p:extLst>
+      <p:ext uri="{BB962C8B-B14F-4D97-AF65-F5344CB8AC3E}">
+        <p14:creationId xmlns:p14="http://schemas.microsoft.com/office/powerpoint/2010/main" val="432567638"/>
+      </p:ext>
+    </p:extLst>
+  </p:cSld>
+  <p:clrMapOvr>
+    <a:masterClrMapping/>
+  </p:clrMapOvr>
+</p:sld>
+</file>
+
+<file path=ppt/slides/slide3.xml><?xml version="1.0" encoding="utf-8"?>
+<p:sld xmlns:a="http://schemas.openxmlformats.org/drawingml/2006/main" xmlns:r="http://schemas.openxmlformats.org/officeDocument/2006/relationships" xmlns:p="http://schemas.openxmlformats.org/presentationml/2006/main">
+  <p:cSld>
+    <p:spTree>
+      <p:nvGrpSpPr>
+        <p:cNvPr id="1" name=""/>
+        <p:cNvGrpSpPr/>
+        <p:nvPr/>
+      </p:nvGrpSpPr>
+      <p:grpSpPr>
+        <a:xfrm>
+          <a:off x="0" y="0"/>
+          <a:ext cx="0" cy="0"/>
+          <a:chOff x="0" y="0"/>
+          <a:chExt cx="0" cy="0"/>
+        </a:xfrm>
+      </p:grpSpPr>
+      <p:grpSp>
+        <p:nvGrpSpPr>
+          <p:cNvPr id="89" name="グループ化 88">
+            <a:extLst>
+              <a:ext uri="{FF2B5EF4-FFF2-40B4-BE49-F238E27FC236}">
+                <a16:creationId xmlns:a16="http://schemas.microsoft.com/office/drawing/2014/main" id="{34612EBD-C09A-8B22-FBB0-022901A25F3F}"/>
+              </a:ext>
+            </a:extLst>
+          </p:cNvPr>
+          <p:cNvGrpSpPr/>
+          <p:nvPr/>
+        </p:nvGrpSpPr>
+        <p:grpSpPr>
+          <a:xfrm>
+            <a:off x="669599" y="2364187"/>
+            <a:ext cx="6390468" cy="3681662"/>
+            <a:chOff x="669599" y="2364187"/>
+            <a:chExt cx="6390468" cy="3681662"/>
+          </a:xfrm>
+        </p:grpSpPr>
+        <p:grpSp>
+          <p:nvGrpSpPr>
+            <p:cNvPr id="88" name="グループ化 87">
+              <a:extLst>
+                <a:ext uri="{FF2B5EF4-FFF2-40B4-BE49-F238E27FC236}">
+                  <a16:creationId xmlns:a16="http://schemas.microsoft.com/office/drawing/2014/main" id="{7A494D41-2065-D410-0AA0-61E29140AF72}"/>
+                </a:ext>
+              </a:extLst>
+            </p:cNvPr>
+            <p:cNvGrpSpPr/>
+            <p:nvPr/>
+          </p:nvGrpSpPr>
+          <p:grpSpPr>
+            <a:xfrm>
+              <a:off x="1390212" y="2364187"/>
+              <a:ext cx="5669855" cy="3681662"/>
+              <a:chOff x="1390212" y="2364187"/>
+              <a:chExt cx="5669855" cy="3681662"/>
+            </a:xfrm>
+          </p:grpSpPr>
+          <p:grpSp>
+            <p:nvGrpSpPr>
+              <p:cNvPr id="73" name="グループ化 72">
+                <a:extLst>
+                  <a:ext uri="{FF2B5EF4-FFF2-40B4-BE49-F238E27FC236}">
+                    <a16:creationId xmlns:a16="http://schemas.microsoft.com/office/drawing/2014/main" id="{52C3DFE2-06B0-6F76-37A4-D1D57C318846}"/>
+                  </a:ext>
+                </a:extLst>
+              </p:cNvPr>
+              <p:cNvGrpSpPr/>
+              <p:nvPr/>
+            </p:nvGrpSpPr>
+            <p:grpSpPr>
+              <a:xfrm>
+                <a:off x="1933051" y="2438400"/>
+                <a:ext cx="5127016" cy="3278952"/>
+                <a:chOff x="149971" y="2971800"/>
+                <a:chExt cx="5127016" cy="3278952"/>
+              </a:xfrm>
+            </p:grpSpPr>
+            <p:sp>
+              <p:nvSpPr>
+                <p:cNvPr id="2" name="正方形/長方形 1">
+                  <a:extLst>
+                    <a:ext uri="{FF2B5EF4-FFF2-40B4-BE49-F238E27FC236}">
+                      <a16:creationId xmlns:a16="http://schemas.microsoft.com/office/drawing/2014/main" id="{BA95704E-606A-F382-909B-244F597BC66B}"/>
+                    </a:ext>
+                  </a:extLst>
+                </p:cNvPr>
+                <p:cNvSpPr/>
+                <p:nvPr/>
+              </p:nvSpPr>
+              <p:spPr>
+                <a:xfrm>
+                  <a:off x="416595" y="2971800"/>
+                  <a:ext cx="1443038" cy="914400"/>
+                </a:xfrm>
+                <a:prstGeom prst="rect">
+                  <a:avLst/>
+                </a:prstGeom>
+                <a:noFill/>
+                <a:ln>
+                  <a:solidFill>
+                    <a:schemeClr val="tx1"/>
+                  </a:solidFill>
+                </a:ln>
+              </p:spPr>
+              <p:style>
+                <a:lnRef idx="2">
+                  <a:schemeClr val="accent1">
+                    <a:shade val="50000"/>
+                  </a:schemeClr>
+                </a:lnRef>
+                <a:fillRef idx="1">
+                  <a:schemeClr val="accent1"/>
+                </a:fillRef>
+                <a:effectRef idx="0">
+                  <a:schemeClr val="accent1"/>
+                </a:effectRef>
+                <a:fontRef idx="minor">
+                  <a:schemeClr val="lt1"/>
+                </a:fontRef>
+              </p:style>
+              <p:txBody>
+                <a:bodyPr rtlCol="0" anchor="ctr"/>
+                <a:lstStyle/>
+                <a:p>
+                  <a:pPr algn="ctr"/>
+                  <a:r>
+                    <a:rPr lang="ja-JP" altLang="en-US" sz="1200">
+                      <a:solidFill>
+                        <a:schemeClr val="tx1"/>
+                      </a:solidFill>
+                      <a:latin typeface="Hiragino Kaku Gothic Pro W3" panose="020B0300000000000000" pitchFamily="34" charset="-128"/>
+                      <a:ea typeface="Hiragino Kaku Gothic Pro W3" panose="020B0300000000000000" pitchFamily="34" charset="-128"/>
+                    </a:rPr>
+                    <a:t>ログインフォーム</a:t>
+                  </a:r>
+                  <a:endParaRPr kumimoji="1" lang="ja-JP" altLang="en-US" sz="1200">
+                    <a:solidFill>
+                      <a:schemeClr val="tx1"/>
+                    </a:solidFill>
+                    <a:latin typeface="Hiragino Kaku Gothic Pro W3" panose="020B0300000000000000" pitchFamily="34" charset="-128"/>
+                    <a:ea typeface="Hiragino Kaku Gothic Pro W3" panose="020B0300000000000000" pitchFamily="34" charset="-128"/>
+                  </a:endParaRPr>
+                </a:p>
+              </p:txBody>
+            </p:sp>
+            <p:sp>
+              <p:nvSpPr>
+                <p:cNvPr id="4" name="正方形/長方形 3">
+                  <a:extLst>
+                    <a:ext uri="{FF2B5EF4-FFF2-40B4-BE49-F238E27FC236}">
+                      <a16:creationId xmlns:a16="http://schemas.microsoft.com/office/drawing/2014/main" id="{D264471A-75C0-8631-8A2A-C87D674156BB}"/>
+                    </a:ext>
+                  </a:extLst>
+                </p:cNvPr>
+                <p:cNvSpPr/>
+                <p:nvPr/>
+              </p:nvSpPr>
+              <p:spPr>
+                <a:xfrm>
+                  <a:off x="416595" y="4810968"/>
+                  <a:ext cx="1443038" cy="914400"/>
+                </a:xfrm>
+                <a:prstGeom prst="rect">
+                  <a:avLst/>
+                </a:prstGeom>
+                <a:noFill/>
+                <a:ln>
+                  <a:solidFill>
+                    <a:schemeClr val="tx1"/>
+                  </a:solidFill>
+                </a:ln>
+              </p:spPr>
+              <p:style>
+                <a:lnRef idx="2">
+                  <a:schemeClr val="accent1">
+                    <a:shade val="50000"/>
+                  </a:schemeClr>
+                </a:lnRef>
+                <a:fillRef idx="1">
+                  <a:schemeClr val="accent1"/>
+                </a:fillRef>
+                <a:effectRef idx="0">
+                  <a:schemeClr val="accent1"/>
+                </a:effectRef>
+                <a:fontRef idx="minor">
+                  <a:schemeClr val="lt1"/>
+                </a:fontRef>
+              </p:style>
+              <p:txBody>
+                <a:bodyPr rtlCol="0" anchor="ctr"/>
+                <a:lstStyle/>
+                <a:p>
+                  <a:pPr algn="ctr"/>
+                  <a:r>
+                    <a:rPr kumimoji="1" lang="ja-JP" altLang="en-US" sz="1200">
+                      <a:solidFill>
+                        <a:schemeClr val="tx1"/>
+                      </a:solidFill>
+                      <a:latin typeface="Hiragino Kaku Gothic Pro W3" panose="020B0300000000000000" pitchFamily="34" charset="-128"/>
+                      <a:ea typeface="Hiragino Kaku Gothic Pro W3" panose="020B0300000000000000" pitchFamily="34" charset="-128"/>
+                    </a:rPr>
+                    <a:t>サインアップ</a:t>
+                  </a:r>
+                </a:p>
+              </p:txBody>
+            </p:sp>
+            <p:sp>
+              <p:nvSpPr>
+                <p:cNvPr id="9" name="正方形/長方形 8">
+                  <a:extLst>
+                    <a:ext uri="{FF2B5EF4-FFF2-40B4-BE49-F238E27FC236}">
+                      <a16:creationId xmlns:a16="http://schemas.microsoft.com/office/drawing/2014/main" id="{44463B47-911D-3D4A-C2E1-7B8B03F0C9E6}"/>
+                    </a:ext>
+                  </a:extLst>
+                </p:cNvPr>
+                <p:cNvSpPr/>
+                <p:nvPr/>
+              </p:nvSpPr>
+              <p:spPr>
+                <a:xfrm>
+                  <a:off x="3833949" y="2979108"/>
+                  <a:ext cx="1443038" cy="914400"/>
+                </a:xfrm>
+                <a:prstGeom prst="rect">
+                  <a:avLst/>
+                </a:prstGeom>
+                <a:noFill/>
+                <a:ln>
+                  <a:solidFill>
+                    <a:schemeClr val="tx1"/>
+                  </a:solidFill>
+                </a:ln>
+              </p:spPr>
+              <p:style>
+                <a:lnRef idx="2">
+                  <a:schemeClr val="accent1">
+                    <a:shade val="50000"/>
+                  </a:schemeClr>
+                </a:lnRef>
+                <a:fillRef idx="1">
+                  <a:schemeClr val="accent1"/>
+                </a:fillRef>
+                <a:effectRef idx="0">
+                  <a:schemeClr val="accent1"/>
+                </a:effectRef>
+                <a:fontRef idx="minor">
+                  <a:schemeClr val="lt1"/>
+                </a:fontRef>
+              </p:style>
+              <p:txBody>
+                <a:bodyPr rtlCol="0" anchor="ctr"/>
+                <a:lstStyle/>
+                <a:p>
+                  <a:pPr algn="ctr"/>
+                  <a:r>
+                    <a:rPr kumimoji="1" lang="ja-JP" altLang="en-US" sz="1200">
+                      <a:solidFill>
+                        <a:schemeClr val="tx1"/>
+                      </a:solidFill>
+                      <a:latin typeface="Hiragino Kaku Gothic Pro W3" panose="020B0300000000000000" pitchFamily="34" charset="-128"/>
+                      <a:ea typeface="Hiragino Kaku Gothic Pro W3" panose="020B0300000000000000" pitchFamily="34" charset="-128"/>
+                    </a:rPr>
+                    <a:t>マイページ</a:t>
+                  </a:r>
+                </a:p>
+              </p:txBody>
+            </p:sp>
+            <p:cxnSp>
+              <p:nvCxnSpPr>
+                <p:cNvPr id="6" name="直線矢印コネクタ 5">
+                  <a:extLst>
+                    <a:ext uri="{FF2B5EF4-FFF2-40B4-BE49-F238E27FC236}">
+                      <a16:creationId xmlns:a16="http://schemas.microsoft.com/office/drawing/2014/main" id="{65C065B7-43A3-E6E8-4749-BCA673248C01}"/>
+                    </a:ext>
+                  </a:extLst>
+                </p:cNvPr>
+                <p:cNvCxnSpPr>
+                  <a:cxnSpLocks/>
+                </p:cNvCxnSpPr>
+                <p:nvPr/>
+              </p:nvCxnSpPr>
+              <p:spPr>
+                <a:xfrm>
+                  <a:off x="741874" y="3893508"/>
+                  <a:ext cx="0" cy="924768"/>
+                </a:xfrm>
+                <a:prstGeom prst="straightConnector1">
+                  <a:avLst/>
+                </a:prstGeom>
+                <a:ln w="19050">
+                  <a:tailEnd type="triangle"/>
+                </a:ln>
+              </p:spPr>
+              <p:style>
+                <a:lnRef idx="2">
+                  <a:schemeClr val="dk1"/>
+                </a:lnRef>
+                <a:fillRef idx="0">
+                  <a:schemeClr val="dk1"/>
+                </a:fillRef>
+                <a:effectRef idx="1">
+                  <a:schemeClr val="dk1"/>
+                </a:effectRef>
+                <a:fontRef idx="minor">
+                  <a:schemeClr val="tx1"/>
+                </a:fontRef>
+              </p:style>
+            </p:cxnSp>
+            <p:cxnSp>
+              <p:nvCxnSpPr>
+                <p:cNvPr id="24" name="直線矢印コネクタ 23">
+                  <a:extLst>
+                    <a:ext uri="{FF2B5EF4-FFF2-40B4-BE49-F238E27FC236}">
+                      <a16:creationId xmlns:a16="http://schemas.microsoft.com/office/drawing/2014/main" id="{124BF45C-4E37-A415-379C-A07C0950E263}"/>
+                    </a:ext>
+                  </a:extLst>
+                </p:cNvPr>
+                <p:cNvCxnSpPr>
+                  <a:cxnSpLocks/>
+                </p:cNvCxnSpPr>
+                <p:nvPr/>
+              </p:nvCxnSpPr>
+              <p:spPr>
+                <a:xfrm>
+                  <a:off x="1859633" y="3639924"/>
+                  <a:ext cx="1974316" cy="0"/>
+                </a:xfrm>
+                <a:prstGeom prst="straightConnector1">
+                  <a:avLst/>
+                </a:prstGeom>
+                <a:ln w="19050">
+                  <a:tailEnd type="triangle"/>
+                </a:ln>
+              </p:spPr>
+              <p:style>
+                <a:lnRef idx="2">
+                  <a:schemeClr val="dk1"/>
+                </a:lnRef>
+                <a:fillRef idx="0">
+                  <a:schemeClr val="dk1"/>
+                </a:fillRef>
+                <a:effectRef idx="1">
+                  <a:schemeClr val="dk1"/>
+                </a:effectRef>
+                <a:fontRef idx="minor">
+                  <a:schemeClr val="tx1"/>
+                </a:fontRef>
+              </p:style>
+            </p:cxnSp>
+            <p:cxnSp>
+              <p:nvCxnSpPr>
+                <p:cNvPr id="35" name="直線矢印コネクタ 34">
+                  <a:extLst>
+                    <a:ext uri="{FF2B5EF4-FFF2-40B4-BE49-F238E27FC236}">
+                      <a16:creationId xmlns:a16="http://schemas.microsoft.com/office/drawing/2014/main" id="{922767F4-810D-53F8-B7EC-27AEEC71E576}"/>
+                    </a:ext>
+                  </a:extLst>
+                </p:cNvPr>
+                <p:cNvCxnSpPr>
+                  <a:cxnSpLocks/>
+                </p:cNvCxnSpPr>
+                <p:nvPr/>
+              </p:nvCxnSpPr>
+              <p:spPr>
+                <a:xfrm flipH="1">
+                  <a:off x="1859633" y="3215640"/>
+                  <a:ext cx="1974316" cy="0"/>
+                </a:xfrm>
+                <a:prstGeom prst="straightConnector1">
+                  <a:avLst/>
+                </a:prstGeom>
+                <a:ln w="19050">
+                  <a:tailEnd type="triangle"/>
+                </a:ln>
+              </p:spPr>
+              <p:style>
+                <a:lnRef idx="2">
+                  <a:schemeClr val="dk1"/>
+                </a:lnRef>
+                <a:fillRef idx="0">
+                  <a:schemeClr val="dk1"/>
+                </a:fillRef>
+                <a:effectRef idx="1">
+                  <a:schemeClr val="dk1"/>
+                </a:effectRef>
+                <a:fontRef idx="minor">
+                  <a:schemeClr val="tx1"/>
+                </a:fontRef>
+              </p:style>
+            </p:cxnSp>
+            <p:cxnSp>
+              <p:nvCxnSpPr>
+                <p:cNvPr id="38" name="直線矢印コネクタ 37">
+                  <a:extLst>
+                    <a:ext uri="{FF2B5EF4-FFF2-40B4-BE49-F238E27FC236}">
+                      <a16:creationId xmlns:a16="http://schemas.microsoft.com/office/drawing/2014/main" id="{46140B2F-167C-5C0A-689F-FE2E2292FFE4}"/>
+                    </a:ext>
+                  </a:extLst>
+                </p:cNvPr>
+                <p:cNvCxnSpPr/>
+                <p:nvPr/>
+              </p:nvCxnSpPr>
+              <p:spPr>
+                <a:xfrm flipV="1">
+                  <a:off x="1463040" y="3886200"/>
+                  <a:ext cx="0" cy="917460"/>
+                </a:xfrm>
+                <a:prstGeom prst="straightConnector1">
+                  <a:avLst/>
+                </a:prstGeom>
+                <a:ln w="19050">
+                  <a:tailEnd type="triangle"/>
+                </a:ln>
+              </p:spPr>
+              <p:style>
+                <a:lnRef idx="2">
+                  <a:schemeClr val="dk1"/>
+                </a:lnRef>
+                <a:fillRef idx="0">
+                  <a:schemeClr val="dk1"/>
+                </a:fillRef>
+                <a:effectRef idx="1">
+                  <a:schemeClr val="dk1"/>
+                </a:effectRef>
+                <a:fontRef idx="minor">
+                  <a:schemeClr val="tx1"/>
+                </a:fontRef>
+              </p:style>
+            </p:cxnSp>
+            <p:grpSp>
+              <p:nvGrpSpPr>
+                <p:cNvPr id="56" name="グループ化 55">
+                  <a:extLst>
+                    <a:ext uri="{FF2B5EF4-FFF2-40B4-BE49-F238E27FC236}">
+                      <a16:creationId xmlns:a16="http://schemas.microsoft.com/office/drawing/2014/main" id="{34236BC7-C6D0-D9A5-4819-1FC70206FFE3}"/>
+                    </a:ext>
+                  </a:extLst>
+                </p:cNvPr>
+                <p:cNvGrpSpPr/>
+                <p:nvPr/>
+              </p:nvGrpSpPr>
+              <p:grpSpPr>
+                <a:xfrm rot="16200000">
+                  <a:off x="149971" y="3159000"/>
+                  <a:ext cx="540000" cy="540000"/>
+                  <a:chOff x="3664969" y="121920"/>
+                  <a:chExt cx="1080000" cy="1080000"/>
+                </a:xfrm>
+              </p:grpSpPr>
+              <p:sp>
+                <p:nvSpPr>
+                  <p:cNvPr id="54" name="円弧 53">
+                    <a:extLst>
+                      <a:ext uri="{FF2B5EF4-FFF2-40B4-BE49-F238E27FC236}">
+                        <a16:creationId xmlns:a16="http://schemas.microsoft.com/office/drawing/2014/main" id="{1026485E-4FED-8C12-5B79-A218969C2A12}"/>
+                      </a:ext>
+                    </a:extLst>
+                  </p:cNvPr>
+                  <p:cNvSpPr/>
+                  <p:nvPr/>
+                </p:nvSpPr>
+                <p:spPr>
+                  <a:xfrm>
+                    <a:off x="3664969" y="121920"/>
+                    <a:ext cx="1080000" cy="1080000"/>
+                  </a:xfrm>
+                  <a:prstGeom prst="arc">
+                    <a:avLst/>
+                  </a:prstGeom>
+                  <a:ln w="19050">
+                    <a:solidFill>
+                      <a:schemeClr val="tx1"/>
+                    </a:solidFill>
+                    <a:tailEnd type="triangle"/>
+                  </a:ln>
+                </p:spPr>
+                <p:style>
+                  <a:lnRef idx="1">
+                    <a:schemeClr val="accent1"/>
+                  </a:lnRef>
+                  <a:fillRef idx="0">
+                    <a:schemeClr val="accent1"/>
+                  </a:fillRef>
+                  <a:effectRef idx="0">
+                    <a:schemeClr val="accent1"/>
+                  </a:effectRef>
+                  <a:fontRef idx="minor">
+                    <a:schemeClr val="tx1"/>
+                  </a:fontRef>
+                </p:style>
+                <p:txBody>
+                  <a:bodyPr rtlCol="0" anchor="ctr"/>
+                  <a:lstStyle/>
+                  <a:p>
+                    <a:pPr algn="ctr"/>
+                    <a:endParaRPr kumimoji="1" lang="ja-JP" altLang="en-US"/>
+                  </a:p>
+                </p:txBody>
+              </p:sp>
+              <p:sp>
+                <p:nvSpPr>
+                  <p:cNvPr id="55" name="円弧 54">
+                    <a:extLst>
+                      <a:ext uri="{FF2B5EF4-FFF2-40B4-BE49-F238E27FC236}">
+                        <a16:creationId xmlns:a16="http://schemas.microsoft.com/office/drawing/2014/main" id="{FD4638BF-AC35-3A84-B243-417D45860E80}"/>
+                      </a:ext>
+                    </a:extLst>
+                  </p:cNvPr>
+                  <p:cNvSpPr/>
+                  <p:nvPr/>
+                </p:nvSpPr>
+                <p:spPr>
+                  <a:xfrm rot="16200000">
+                    <a:off x="3664969" y="121920"/>
+                    <a:ext cx="1080000" cy="1080000"/>
+                  </a:xfrm>
+                  <a:prstGeom prst="arc">
+                    <a:avLst/>
+                  </a:prstGeom>
+                  <a:ln w="25400">
+                    <a:solidFill>
+                      <a:schemeClr val="tx1"/>
+                    </a:solidFill>
+                  </a:ln>
+                </p:spPr>
+                <p:style>
+                  <a:lnRef idx="1">
+                    <a:schemeClr val="accent1"/>
+                  </a:lnRef>
+                  <a:fillRef idx="0">
+                    <a:schemeClr val="accent1"/>
+                  </a:fillRef>
+                  <a:effectRef idx="0">
+                    <a:schemeClr val="accent1"/>
+                  </a:effectRef>
+                  <a:fontRef idx="minor">
+                    <a:schemeClr val="tx1"/>
+                  </a:fontRef>
+                </p:style>
+                <p:txBody>
+                  <a:bodyPr rtlCol="0" anchor="ctr"/>
+                  <a:lstStyle/>
+                  <a:p>
+                    <a:pPr algn="ctr"/>
+                    <a:endParaRPr kumimoji="1" lang="ja-JP" altLang="en-US"/>
+                  </a:p>
+                </p:txBody>
+              </p:sp>
+            </p:grpSp>
+            <p:grpSp>
+              <p:nvGrpSpPr>
+                <p:cNvPr id="57" name="グループ化 56">
+                  <a:extLst>
+                    <a:ext uri="{FF2B5EF4-FFF2-40B4-BE49-F238E27FC236}">
+                      <a16:creationId xmlns:a16="http://schemas.microsoft.com/office/drawing/2014/main" id="{860874F1-2AB2-4466-570A-F38673D7B3E4}"/>
+                    </a:ext>
+                  </a:extLst>
+                </p:cNvPr>
+                <p:cNvGrpSpPr/>
+                <p:nvPr/>
+              </p:nvGrpSpPr>
+              <p:grpSpPr>
+                <a:xfrm rot="10800000">
+                  <a:off x="598113" y="5170752"/>
+                  <a:ext cx="1080000" cy="1080000"/>
+                  <a:chOff x="3664969" y="121920"/>
+                  <a:chExt cx="1080000" cy="1080000"/>
+                </a:xfrm>
+              </p:grpSpPr>
+              <p:sp>
+                <p:nvSpPr>
+                  <p:cNvPr id="58" name="円弧 57">
+                    <a:extLst>
+                      <a:ext uri="{FF2B5EF4-FFF2-40B4-BE49-F238E27FC236}">
+                        <a16:creationId xmlns:a16="http://schemas.microsoft.com/office/drawing/2014/main" id="{4B639179-76B7-FCCC-9121-16598581BF35}"/>
+                      </a:ext>
+                    </a:extLst>
+                  </p:cNvPr>
+                  <p:cNvSpPr/>
+                  <p:nvPr/>
+                </p:nvSpPr>
+                <p:spPr>
+                  <a:xfrm>
+                    <a:off x="3664969" y="121920"/>
+                    <a:ext cx="1080000" cy="1080000"/>
+                  </a:xfrm>
+                  <a:prstGeom prst="arc">
+                    <a:avLst/>
+                  </a:prstGeom>
+                  <a:ln w="19050">
+                    <a:solidFill>
+                      <a:schemeClr val="tx1"/>
+                    </a:solidFill>
+                    <a:tailEnd type="triangle"/>
+                  </a:ln>
+                </p:spPr>
+                <p:style>
+                  <a:lnRef idx="1">
+                    <a:schemeClr val="accent1"/>
+                  </a:lnRef>
+                  <a:fillRef idx="0">
+                    <a:schemeClr val="accent1"/>
+                  </a:fillRef>
+                  <a:effectRef idx="0">
+                    <a:schemeClr val="accent1"/>
+                  </a:effectRef>
+                  <a:fontRef idx="minor">
+                    <a:schemeClr val="tx1"/>
+                  </a:fontRef>
+                </p:style>
+                <p:txBody>
+                  <a:bodyPr rtlCol="0" anchor="ctr"/>
+                  <a:lstStyle/>
+                  <a:p>
+                    <a:pPr algn="ctr"/>
+                    <a:endParaRPr kumimoji="1" lang="ja-JP" altLang="en-US"/>
+                  </a:p>
+                </p:txBody>
+              </p:sp>
+              <p:sp>
+                <p:nvSpPr>
+                  <p:cNvPr id="59" name="円弧 58">
+                    <a:extLst>
+                      <a:ext uri="{FF2B5EF4-FFF2-40B4-BE49-F238E27FC236}">
+                        <a16:creationId xmlns:a16="http://schemas.microsoft.com/office/drawing/2014/main" id="{AE2816B7-496C-A6AE-76A1-6AABC8EF4881}"/>
+                      </a:ext>
+                    </a:extLst>
+                  </p:cNvPr>
+                  <p:cNvSpPr/>
+                  <p:nvPr/>
+                </p:nvSpPr>
+                <p:spPr>
+                  <a:xfrm rot="16200000">
+                    <a:off x="3664969" y="121920"/>
+                    <a:ext cx="1080000" cy="1080000"/>
+                  </a:xfrm>
+                  <a:prstGeom prst="arc">
+                    <a:avLst/>
+                  </a:prstGeom>
+                  <a:ln w="25400">
+                    <a:solidFill>
+                      <a:schemeClr val="tx1"/>
+                    </a:solidFill>
+                  </a:ln>
+                </p:spPr>
+                <p:style>
+                  <a:lnRef idx="1">
+                    <a:schemeClr val="accent1"/>
+                  </a:lnRef>
+                  <a:fillRef idx="0">
+                    <a:schemeClr val="accent1"/>
+                  </a:fillRef>
+                  <a:effectRef idx="0">
+                    <a:schemeClr val="accent1"/>
+                  </a:effectRef>
+                  <a:fontRef idx="minor">
+                    <a:schemeClr val="tx1"/>
+                  </a:fontRef>
+                </p:style>
+                <p:txBody>
+                  <a:bodyPr rtlCol="0" anchor="ctr"/>
+                  <a:lstStyle/>
+                  <a:p>
+                    <a:pPr algn="ctr"/>
+                    <a:endParaRPr kumimoji="1" lang="ja-JP" altLang="en-US"/>
+                  </a:p>
+                </p:txBody>
+              </p:sp>
+            </p:grpSp>
+          </p:grpSp>
+          <p:sp>
+            <p:nvSpPr>
+              <p:cNvPr id="74" name="テキスト ボックス 73">
+                <a:extLst>
+                  <a:ext uri="{FF2B5EF4-FFF2-40B4-BE49-F238E27FC236}">
+                    <a16:creationId xmlns:a16="http://schemas.microsoft.com/office/drawing/2014/main" id="{22A4A8C2-9E2F-A524-203E-810748761D27}"/>
+                  </a:ext>
+                </a:extLst>
+              </p:cNvPr>
+              <p:cNvSpPr txBox="1"/>
+              <p:nvPr/>
+            </p:nvSpPr>
+            <p:spPr>
+              <a:xfrm>
+                <a:off x="3931208" y="3168895"/>
+                <a:ext cx="1369470" cy="276999"/>
+              </a:xfrm>
+              <a:prstGeom prst="rect">
+                <a:avLst/>
+              </a:prstGeom>
+              <a:noFill/>
+            </p:spPr>
+            <p:txBody>
+              <a:bodyPr wrap="square" rtlCol="0">
+                <a:spAutoFit/>
+              </a:bodyPr>
+              <a:lstStyle/>
+              <a:p>
+                <a:pPr algn="ctr"/>
+                <a:r>
+                  <a:rPr kumimoji="1" lang="ja-JP" altLang="en-US" sz="1200">
+                    <a:latin typeface="Hiragino Kaku Gothic Pro W3" panose="020B0300000000000000" pitchFamily="34" charset="-128"/>
+                    <a:ea typeface="Hiragino Kaku Gothic Pro W3" panose="020B0300000000000000" pitchFamily="34" charset="-128"/>
+                  </a:rPr>
+                  <a:t>ログイン成功</a:t>
+                </a:r>
+              </a:p>
+            </p:txBody>
+          </p:sp>
+          <p:sp>
+            <p:nvSpPr>
+              <p:cNvPr id="75" name="テキスト ボックス 74">
+                <a:extLst>
+                  <a:ext uri="{FF2B5EF4-FFF2-40B4-BE49-F238E27FC236}">
+                    <a16:creationId xmlns:a16="http://schemas.microsoft.com/office/drawing/2014/main" id="{885B27B5-CCD5-365C-9BBD-BB99E911A4F5}"/>
+                  </a:ext>
+                </a:extLst>
+              </p:cNvPr>
+              <p:cNvSpPr txBox="1"/>
+              <p:nvPr/>
+            </p:nvSpPr>
+            <p:spPr>
+              <a:xfrm>
+                <a:off x="3959064" y="2364187"/>
+                <a:ext cx="1369470" cy="276999"/>
+              </a:xfrm>
+              <a:prstGeom prst="rect">
+                <a:avLst/>
+              </a:prstGeom>
+              <a:noFill/>
+            </p:spPr>
+            <p:txBody>
+              <a:bodyPr wrap="square" rtlCol="0">
+                <a:spAutoFit/>
+              </a:bodyPr>
+              <a:lstStyle/>
+              <a:p>
+                <a:pPr algn="ctr"/>
+                <a:r>
+                  <a:rPr kumimoji="1" lang="ja-JP" altLang="en-US" sz="1200">
+                    <a:latin typeface="Hiragino Kaku Gothic Pro W3" panose="020B0300000000000000" pitchFamily="34" charset="-128"/>
+                    <a:ea typeface="Hiragino Kaku Gothic Pro W3" panose="020B0300000000000000" pitchFamily="34" charset="-128"/>
+                  </a:rPr>
+                  <a:t>ログアウト</a:t>
+                </a:r>
+              </a:p>
+            </p:txBody>
+          </p:sp>
+          <p:sp>
+            <p:nvSpPr>
+              <p:cNvPr id="81" name="テキスト ボックス 80">
+                <a:extLst>
+                  <a:ext uri="{FF2B5EF4-FFF2-40B4-BE49-F238E27FC236}">
+                    <a16:creationId xmlns:a16="http://schemas.microsoft.com/office/drawing/2014/main" id="{6DECC605-CE6F-8E7B-BB29-6B8FC76300E7}"/>
+                  </a:ext>
+                </a:extLst>
+              </p:cNvPr>
+              <p:cNvSpPr txBox="1"/>
+              <p:nvPr/>
+            </p:nvSpPr>
+            <p:spPr>
+              <a:xfrm>
+                <a:off x="3172905" y="3710362"/>
+                <a:ext cx="1443038" cy="276999"/>
+              </a:xfrm>
+              <a:prstGeom prst="rect">
+                <a:avLst/>
+              </a:prstGeom>
+              <a:noFill/>
+            </p:spPr>
+            <p:txBody>
+              <a:bodyPr wrap="square" rtlCol="0">
+                <a:spAutoFit/>
+              </a:bodyPr>
+              <a:lstStyle/>
+              <a:p>
+                <a:pPr algn="ctr"/>
+                <a:r>
+                  <a:rPr kumimoji="1" lang="ja-JP" altLang="en-US" sz="1200">
+                    <a:latin typeface="Hiragino Kaku Gothic Pro W3" panose="020B0300000000000000" pitchFamily="34" charset="-128"/>
+                    <a:ea typeface="Hiragino Kaku Gothic Pro W3" panose="020B0300000000000000" pitchFamily="34" charset="-128"/>
+                  </a:rPr>
+                  <a:t>サインアップ成功</a:t>
+                </a:r>
+              </a:p>
+            </p:txBody>
+          </p:sp>
+          <p:sp>
+            <p:nvSpPr>
+              <p:cNvPr id="82" name="テキスト ボックス 81">
+                <a:extLst>
+                  <a:ext uri="{FF2B5EF4-FFF2-40B4-BE49-F238E27FC236}">
+                    <a16:creationId xmlns:a16="http://schemas.microsoft.com/office/drawing/2014/main" id="{F6B3FA83-C6B7-F182-FD85-71757835F13F}"/>
+                  </a:ext>
+                </a:extLst>
+              </p:cNvPr>
+              <p:cNvSpPr txBox="1"/>
+              <p:nvPr/>
+            </p:nvSpPr>
+            <p:spPr>
+              <a:xfrm>
+                <a:off x="1390212" y="3712584"/>
+                <a:ext cx="1369470" cy="276999"/>
+              </a:xfrm>
+              <a:prstGeom prst="rect">
+                <a:avLst/>
+              </a:prstGeom>
+              <a:noFill/>
+            </p:spPr>
+            <p:txBody>
+              <a:bodyPr wrap="square" rtlCol="0">
+                <a:spAutoFit/>
+              </a:bodyPr>
+              <a:lstStyle/>
+              <a:p>
+                <a:pPr algn="ctr"/>
+                <a:r>
+                  <a:rPr kumimoji="1" lang="ja-JP" altLang="en-US" sz="1200">
+                    <a:latin typeface="Hiragino Kaku Gothic Pro W3" panose="020B0300000000000000" pitchFamily="34" charset="-128"/>
+                    <a:ea typeface="Hiragino Kaku Gothic Pro W3" panose="020B0300000000000000" pitchFamily="34" charset="-128"/>
+                  </a:rPr>
+                  <a:t>未登録選択</a:t>
+                </a:r>
+              </a:p>
+            </p:txBody>
+          </p:sp>
+          <p:sp>
+            <p:nvSpPr>
+              <p:cNvPr id="83" name="テキスト ボックス 82">
+                <a:extLst>
+                  <a:ext uri="{FF2B5EF4-FFF2-40B4-BE49-F238E27FC236}">
+                    <a16:creationId xmlns:a16="http://schemas.microsoft.com/office/drawing/2014/main" id="{0B18BB3C-D952-ECA0-974D-B41C5A1F99C5}"/>
+                  </a:ext>
+                </a:extLst>
+              </p:cNvPr>
+              <p:cNvSpPr txBox="1"/>
+              <p:nvPr/>
+            </p:nvSpPr>
+            <p:spPr>
+              <a:xfrm>
+                <a:off x="2128715" y="5768850"/>
+                <a:ext cx="1443038" cy="276999"/>
+              </a:xfrm>
+              <a:prstGeom prst="rect">
+                <a:avLst/>
+              </a:prstGeom>
+              <a:noFill/>
+            </p:spPr>
+            <p:txBody>
+              <a:bodyPr wrap="square" rtlCol="0">
+                <a:spAutoFit/>
+              </a:bodyPr>
+              <a:lstStyle/>
+              <a:p>
+                <a:pPr algn="ctr"/>
+                <a:r>
+                  <a:rPr lang="ja-JP" altLang="en-US" sz="1200">
+                    <a:latin typeface="Hiragino Kaku Gothic Pro W3" panose="020B0300000000000000" pitchFamily="34" charset="-128"/>
+                    <a:ea typeface="Hiragino Kaku Gothic Pro W3" panose="020B0300000000000000" pitchFamily="34" charset="-128"/>
+                  </a:rPr>
+                  <a:t>サインアップ失敗</a:t>
+                </a:r>
+                <a:endParaRPr kumimoji="1" lang="ja-JP" altLang="en-US" sz="1200">
+                  <a:latin typeface="Hiragino Kaku Gothic Pro W3" panose="020B0300000000000000" pitchFamily="34" charset="-128"/>
+                  <a:ea typeface="Hiragino Kaku Gothic Pro W3" panose="020B0300000000000000" pitchFamily="34" charset="-128"/>
+                </a:endParaRPr>
+              </a:p>
+            </p:txBody>
+          </p:sp>
+        </p:grpSp>
+        <p:sp>
+          <p:nvSpPr>
+            <p:cNvPr id="87" name="テキスト ボックス 86">
+              <a:extLst>
+                <a:ext uri="{FF2B5EF4-FFF2-40B4-BE49-F238E27FC236}">
+                  <a16:creationId xmlns:a16="http://schemas.microsoft.com/office/drawing/2014/main" id="{4475C36F-5847-13E0-AAF2-CEABD5EE349B}"/>
+                </a:ext>
+              </a:extLst>
+            </p:cNvPr>
+            <p:cNvSpPr txBox="1"/>
+            <p:nvPr/>
+          </p:nvSpPr>
+          <p:spPr>
+            <a:xfrm>
+              <a:off x="669599" y="2764408"/>
+              <a:ext cx="1202302" cy="276999"/>
+            </a:xfrm>
+            <a:prstGeom prst="rect">
+              <a:avLst/>
+            </a:prstGeom>
+            <a:noFill/>
+          </p:spPr>
+          <p:txBody>
+            <a:bodyPr wrap="square" rtlCol="0">
+              <a:spAutoFit/>
+            </a:bodyPr>
+            <a:lstStyle/>
+            <a:p>
+              <a:pPr algn="ctr"/>
+              <a:r>
+                <a:rPr lang="ja-JP" altLang="en-US" sz="1200">
+                  <a:latin typeface="Hiragino Kaku Gothic Pro W3" panose="020B0300000000000000" pitchFamily="34" charset="-128"/>
+                  <a:ea typeface="Hiragino Kaku Gothic Pro W3" panose="020B0300000000000000" pitchFamily="34" charset="-128"/>
+                </a:rPr>
+                <a:t>ログイン失敗</a:t>
+              </a:r>
+              <a:endParaRPr kumimoji="1" lang="ja-JP" altLang="en-US" sz="1200">
+                <a:latin typeface="Hiragino Kaku Gothic Pro W3" panose="020B0300000000000000" pitchFamily="34" charset="-128"/>
+                <a:ea typeface="Hiragino Kaku Gothic Pro W3" panose="020B0300000000000000" pitchFamily="34" charset="-128"/>
+              </a:endParaRPr>
+            </a:p>
+          </p:txBody>
+        </p:sp>
+      </p:grpSp>
+    </p:spTree>
+    <p:extLst>
+      <p:ext uri="{BB962C8B-B14F-4D97-AF65-F5344CB8AC3E}">
+        <p14:creationId xmlns:p14="http://schemas.microsoft.com/office/powerpoint/2010/main" val="1063526068"/>
+      </p:ext>
+    </p:extLst>
+  </p:cSld>
+  <p:clrMapOvr>
+    <a:masterClrMapping/>
+  </p:clrMapOvr>
+</p:sld>
+</file>
+
+<file path=ppt/slides/slide4.xml><?xml version="1.0" encoding="utf-8"?>
+<p:sld xmlns:a="http://schemas.openxmlformats.org/drawingml/2006/main" xmlns:r="http://schemas.openxmlformats.org/officeDocument/2006/relationships" xmlns:p="http://schemas.openxmlformats.org/presentationml/2006/main">
+  <p:cSld>
+    <p:spTree>
+      <p:nvGrpSpPr>
+        <p:cNvPr id="1" name=""/>
+        <p:cNvGrpSpPr/>
+        <p:nvPr/>
+      </p:nvGrpSpPr>
+      <p:grpSpPr>
+        <a:xfrm>
+          <a:off x="0" y="0"/>
+          <a:ext cx="0" cy="0"/>
+          <a:chOff x="0" y="0"/>
+          <a:chExt cx="0" cy="0"/>
+        </a:xfrm>
+      </p:grpSpPr>
+      <p:grpSp>
+        <p:nvGrpSpPr>
+          <p:cNvPr id="100" name="グループ化 99">
+            <a:extLst>
+              <a:ext uri="{FF2B5EF4-FFF2-40B4-BE49-F238E27FC236}">
+                <a16:creationId xmlns:a16="http://schemas.microsoft.com/office/drawing/2014/main" id="{C058CF37-FA94-0ED4-C1E7-01343577DE1B}"/>
+              </a:ext>
+            </a:extLst>
+          </p:cNvPr>
+          <p:cNvGrpSpPr/>
+          <p:nvPr/>
+        </p:nvGrpSpPr>
+        <p:grpSpPr>
+          <a:xfrm>
+            <a:off x="816960" y="0"/>
+            <a:ext cx="10304080" cy="6699702"/>
+            <a:chOff x="943960" y="0"/>
+            <a:chExt cx="10304080" cy="6699702"/>
+          </a:xfrm>
+        </p:grpSpPr>
+        <p:sp>
+          <p:nvSpPr>
+            <p:cNvPr id="98" name="正方形/長方形 97">
+              <a:extLst>
+                <a:ext uri="{FF2B5EF4-FFF2-40B4-BE49-F238E27FC236}">
+                  <a16:creationId xmlns:a16="http://schemas.microsoft.com/office/drawing/2014/main" id="{45E394C6-E57B-427D-0C5A-7EE92F713D74}"/>
+                </a:ext>
+              </a:extLst>
+            </p:cNvPr>
+            <p:cNvSpPr/>
+            <p:nvPr/>
+          </p:nvSpPr>
+          <p:spPr>
+            <a:xfrm>
+              <a:off x="3656153" y="4053205"/>
+              <a:ext cx="4713148" cy="2646497"/>
+            </a:xfrm>
+            <a:prstGeom prst="rect">
+              <a:avLst/>
+            </a:prstGeom>
+            <a:solidFill>
+              <a:schemeClr val="accent4">
+                <a:lumMod val="40000"/>
+                <a:lumOff val="60000"/>
+                <a:alpha val="49929"/>
+              </a:schemeClr>
+            </a:solidFill>
+            <a:ln>
+              <a:noFill/>
+            </a:ln>
+          </p:spPr>
+          <p:style>
+            <a:lnRef idx="2">
+              <a:schemeClr val="accent1">
+                <a:shade val="50000"/>
+              </a:schemeClr>
+            </a:lnRef>
+            <a:fillRef idx="1">
+              <a:schemeClr val="accent1"/>
+            </a:fillRef>
+            <a:effectRef idx="0">
+              <a:schemeClr val="accent1"/>
+            </a:effectRef>
+            <a:fontRef idx="minor">
+              <a:schemeClr val="lt1"/>
+            </a:fontRef>
+          </p:style>
+          <p:txBody>
+            <a:bodyPr rtlCol="0" anchor="ctr"/>
+            <a:lstStyle/>
+            <a:p>
+              <a:pPr algn="ctr"/>
+              <a:endParaRPr kumimoji="1" lang="ja-JP" altLang="en-US"/>
+            </a:p>
+          </p:txBody>
+        </p:sp>
+        <p:sp>
+          <p:nvSpPr>
+            <p:cNvPr id="6" name="正方形/長方形 5">
+              <a:extLst>
+                <a:ext uri="{FF2B5EF4-FFF2-40B4-BE49-F238E27FC236}">
+                  <a16:creationId xmlns:a16="http://schemas.microsoft.com/office/drawing/2014/main" id="{797437A2-E8AB-35FC-6C15-96E21C6FBBE8}"/>
+                </a:ext>
+              </a:extLst>
+            </p:cNvPr>
+            <p:cNvSpPr/>
+            <p:nvPr/>
+          </p:nvSpPr>
+          <p:spPr>
+            <a:xfrm>
+              <a:off x="3863827" y="4754006"/>
+              <a:ext cx="1443038" cy="914400"/>
+            </a:xfrm>
+            <a:prstGeom prst="rect">
+              <a:avLst/>
+            </a:prstGeom>
+            <a:solidFill>
+              <a:schemeClr val="bg1"/>
+            </a:solidFill>
+            <a:ln>
+              <a:solidFill>
+                <a:schemeClr val="tx1"/>
+              </a:solidFill>
+            </a:ln>
+          </p:spPr>
+          <p:style>
+            <a:lnRef idx="2">
+              <a:schemeClr val="accent1">
+                <a:shade val="50000"/>
+              </a:schemeClr>
+            </a:lnRef>
+            <a:fillRef idx="1">
+              <a:schemeClr val="accent1"/>
+            </a:fillRef>
+            <a:effectRef idx="0">
+              <a:schemeClr val="accent1"/>
+            </a:effectRef>
+            <a:fontRef idx="minor">
+              <a:schemeClr val="lt1"/>
+            </a:fontRef>
+          </p:style>
+          <p:txBody>
+            <a:bodyPr rtlCol="0" anchor="ctr"/>
+            <a:lstStyle/>
+            <a:p>
+              <a:pPr algn="ctr"/>
+              <a:r>
+                <a:rPr kumimoji="1" lang="ja-JP" altLang="en-US" sz="1200">
+                  <a:solidFill>
+                    <a:schemeClr val="tx1"/>
+                  </a:solidFill>
+                  <a:latin typeface="Hiragino Kaku Gothic Pro W3" panose="020B0300000000000000" pitchFamily="34" charset="-128"/>
+                  <a:ea typeface="Hiragino Kaku Gothic Pro W3" panose="020B0300000000000000" pitchFamily="34" charset="-128"/>
+                </a:rPr>
+                <a:t>追加の情報入力</a:t>
+              </a:r>
+            </a:p>
+          </p:txBody>
+        </p:sp>
+        <p:sp>
+          <p:nvSpPr>
+            <p:cNvPr id="7" name="正方形/長方形 6">
+              <a:extLst>
+                <a:ext uri="{FF2B5EF4-FFF2-40B4-BE49-F238E27FC236}">
+                  <a16:creationId xmlns:a16="http://schemas.microsoft.com/office/drawing/2014/main" id="{D1F4EC5D-D712-2383-07AC-678FD8DE2BFD}"/>
+                </a:ext>
+              </a:extLst>
+            </p:cNvPr>
+            <p:cNvSpPr/>
+            <p:nvPr/>
+          </p:nvSpPr>
+          <p:spPr>
+            <a:xfrm>
+              <a:off x="6748969" y="4754006"/>
+              <a:ext cx="1443038" cy="914400"/>
+            </a:xfrm>
+            <a:prstGeom prst="rect">
+              <a:avLst/>
+            </a:prstGeom>
+            <a:solidFill>
+              <a:schemeClr val="bg1"/>
+            </a:solidFill>
+            <a:ln>
+              <a:solidFill>
+                <a:schemeClr val="tx1"/>
+              </a:solidFill>
+            </a:ln>
+          </p:spPr>
+          <p:style>
+            <a:lnRef idx="2">
+              <a:schemeClr val="accent1">
+                <a:shade val="50000"/>
+              </a:schemeClr>
+            </a:lnRef>
+            <a:fillRef idx="1">
+              <a:schemeClr val="accent1"/>
+            </a:fillRef>
+            <a:effectRef idx="0">
+              <a:schemeClr val="accent1"/>
+            </a:effectRef>
+            <a:fontRef idx="minor">
+              <a:schemeClr val="lt1"/>
+            </a:fontRef>
+          </p:style>
+          <p:txBody>
+            <a:bodyPr rtlCol="0" anchor="ctr"/>
+            <a:lstStyle/>
+            <a:p>
+              <a:pPr algn="ctr"/>
+              <a:r>
+                <a:rPr lang="ja-JP" altLang="en-US" sz="1200">
+                  <a:solidFill>
+                    <a:schemeClr val="tx1"/>
+                  </a:solidFill>
+                  <a:latin typeface="Hiragino Kaku Gothic Pro W3" panose="020B0300000000000000" pitchFamily="34" charset="-128"/>
+                  <a:ea typeface="Hiragino Kaku Gothic Pro W3" panose="020B0300000000000000" pitchFamily="34" charset="-128"/>
+                </a:rPr>
+                <a:t>昇給プランニング</a:t>
+              </a:r>
+              <a:endParaRPr kumimoji="1" lang="ja-JP" altLang="en-US" sz="1200">
+                <a:solidFill>
+                  <a:schemeClr val="tx1"/>
+                </a:solidFill>
+                <a:latin typeface="Hiragino Kaku Gothic Pro W3" panose="020B0300000000000000" pitchFamily="34" charset="-128"/>
+                <a:ea typeface="Hiragino Kaku Gothic Pro W3" panose="020B0300000000000000" pitchFamily="34" charset="-128"/>
+              </a:endParaRPr>
+            </a:p>
+          </p:txBody>
+        </p:sp>
+        <p:grpSp>
+          <p:nvGrpSpPr>
+            <p:cNvPr id="72" name="グループ化 71">
+              <a:extLst>
+                <a:ext uri="{FF2B5EF4-FFF2-40B4-BE49-F238E27FC236}">
+                  <a16:creationId xmlns:a16="http://schemas.microsoft.com/office/drawing/2014/main" id="{61377CC1-82C5-D603-DEAB-060F48E61430}"/>
+                </a:ext>
+              </a:extLst>
+            </p:cNvPr>
+            <p:cNvGrpSpPr/>
+            <p:nvPr/>
+          </p:nvGrpSpPr>
+          <p:grpSpPr>
+            <a:xfrm>
+              <a:off x="943960" y="0"/>
+              <a:ext cx="10304080" cy="3952130"/>
+              <a:chOff x="943960" y="0"/>
+              <a:chExt cx="10304080" cy="3952130"/>
+            </a:xfrm>
+          </p:grpSpPr>
+          <p:grpSp>
+            <p:nvGrpSpPr>
+              <p:cNvPr id="69" name="グループ化 68">
+                <a:extLst>
+                  <a:ext uri="{FF2B5EF4-FFF2-40B4-BE49-F238E27FC236}">
+                    <a16:creationId xmlns:a16="http://schemas.microsoft.com/office/drawing/2014/main" id="{0F6ED9AB-4CA8-06AB-56FA-30E12C52E868}"/>
+                  </a:ext>
+                </a:extLst>
+              </p:cNvPr>
+              <p:cNvGrpSpPr/>
+              <p:nvPr/>
+            </p:nvGrpSpPr>
+            <p:grpSpPr>
+              <a:xfrm>
+                <a:off x="943960" y="0"/>
+                <a:ext cx="10304080" cy="3952130"/>
+                <a:chOff x="943960" y="0"/>
+                <a:chExt cx="10304080" cy="3952130"/>
+              </a:xfrm>
+            </p:grpSpPr>
+            <p:grpSp>
+              <p:nvGrpSpPr>
+                <p:cNvPr id="65" name="グループ化 64">
+                  <a:extLst>
+                    <a:ext uri="{FF2B5EF4-FFF2-40B4-BE49-F238E27FC236}">
+                      <a16:creationId xmlns:a16="http://schemas.microsoft.com/office/drawing/2014/main" id="{16BF74ED-B5B8-202C-F744-7D24E0561C7C}"/>
+                    </a:ext>
+                  </a:extLst>
+                </p:cNvPr>
+                <p:cNvGrpSpPr/>
+                <p:nvPr/>
+              </p:nvGrpSpPr>
+              <p:grpSpPr>
+                <a:xfrm>
+                  <a:off x="943960" y="0"/>
+                  <a:ext cx="10304080" cy="3952130"/>
+                  <a:chOff x="-59470" y="-45032"/>
+                  <a:chExt cx="10304080" cy="3952130"/>
+                </a:xfrm>
+              </p:grpSpPr>
+              <p:grpSp>
+                <p:nvGrpSpPr>
+                  <p:cNvPr id="62" name="グループ化 61">
+                    <a:extLst>
+                      <a:ext uri="{FF2B5EF4-FFF2-40B4-BE49-F238E27FC236}">
+                        <a16:creationId xmlns:a16="http://schemas.microsoft.com/office/drawing/2014/main" id="{3C3E8AB4-2FC1-CC6F-A1F2-052D413056D6}"/>
+                      </a:ext>
+                    </a:extLst>
+                  </p:cNvPr>
+                  <p:cNvGrpSpPr/>
+                  <p:nvPr/>
+                </p:nvGrpSpPr>
+                <p:grpSpPr>
+                  <a:xfrm>
+                    <a:off x="-59470" y="-45032"/>
+                    <a:ext cx="10304080" cy="3952130"/>
+                    <a:chOff x="-59470" y="-45032"/>
+                    <a:chExt cx="10304080" cy="3952130"/>
+                  </a:xfrm>
+                </p:grpSpPr>
+                <p:grpSp>
+                  <p:nvGrpSpPr>
+                    <p:cNvPr id="52" name="グループ化 51">
+                      <a:extLst>
+                        <a:ext uri="{FF2B5EF4-FFF2-40B4-BE49-F238E27FC236}">
+                          <a16:creationId xmlns:a16="http://schemas.microsoft.com/office/drawing/2014/main" id="{3767A5BB-FC48-C7E4-F1F0-84C093F24D5E}"/>
+                        </a:ext>
+                      </a:extLst>
+                    </p:cNvPr>
+                    <p:cNvGrpSpPr/>
+                    <p:nvPr/>
+                  </p:nvGrpSpPr>
+                  <p:grpSpPr>
+                    <a:xfrm>
+                      <a:off x="-59470" y="-45032"/>
+                      <a:ext cx="10304080" cy="3952130"/>
+                      <a:chOff x="1012510" y="-65930"/>
+                      <a:chExt cx="10304080" cy="3952130"/>
+                    </a:xfrm>
+                  </p:grpSpPr>
+                  <p:sp>
+                    <p:nvSpPr>
+                      <p:cNvPr id="8" name="正方形/長方形 7">
+                        <a:extLst>
+                          <a:ext uri="{FF2B5EF4-FFF2-40B4-BE49-F238E27FC236}">
+                            <a16:creationId xmlns:a16="http://schemas.microsoft.com/office/drawing/2014/main" id="{C4194158-3521-9BAD-371E-7C6A7C24E6EB}"/>
+                          </a:ext>
+                        </a:extLst>
+                      </p:cNvPr>
+                      <p:cNvSpPr/>
+                      <p:nvPr/>
+                    </p:nvSpPr>
+                    <p:spPr>
+                      <a:xfrm>
+                        <a:off x="1140624" y="87959"/>
+                        <a:ext cx="10175966" cy="2646497"/>
+                      </a:xfrm>
+                      <a:prstGeom prst="rect">
+                        <a:avLst/>
+                      </a:prstGeom>
+                      <a:solidFill>
+                        <a:schemeClr val="accent2">
+                          <a:lumMod val="40000"/>
+                          <a:lumOff val="60000"/>
+                          <a:alpha val="49929"/>
+                        </a:schemeClr>
+                      </a:solidFill>
+                      <a:ln>
+                        <a:noFill/>
+                      </a:ln>
+                    </p:spPr>
+                    <p:style>
+                      <a:lnRef idx="2">
+                        <a:schemeClr val="accent1">
+                          <a:shade val="50000"/>
+                        </a:schemeClr>
+                      </a:lnRef>
+                      <a:fillRef idx="1">
+                        <a:schemeClr val="accent1"/>
+                      </a:fillRef>
+                      <a:effectRef idx="0">
+                        <a:schemeClr val="accent1"/>
+                      </a:effectRef>
+                      <a:fontRef idx="minor">
+                        <a:schemeClr val="lt1"/>
+                      </a:fontRef>
+                    </p:style>
+                    <p:txBody>
+                      <a:bodyPr rtlCol="0" anchor="ctr"/>
+                      <a:lstStyle/>
+                      <a:p>
+                        <a:pPr algn="ctr"/>
+                        <a:endParaRPr kumimoji="1" lang="ja-JP" altLang="en-US"/>
+                      </a:p>
+                    </p:txBody>
+                  </p:sp>
+                  <p:sp>
+                    <p:nvSpPr>
+                      <p:cNvPr id="2" name="正方形/長方形 1">
+                        <a:extLst>
+                          <a:ext uri="{FF2B5EF4-FFF2-40B4-BE49-F238E27FC236}">
+                            <a16:creationId xmlns:a16="http://schemas.microsoft.com/office/drawing/2014/main" id="{463FD6E9-9A18-8657-B410-76A90565489C}"/>
+                          </a:ext>
+                        </a:extLst>
+                      </p:cNvPr>
+                      <p:cNvSpPr/>
+                      <p:nvPr/>
+                    </p:nvSpPr>
+                    <p:spPr>
+                      <a:xfrm>
+                        <a:off x="5374481" y="2971800"/>
+                        <a:ext cx="1443038" cy="914400"/>
+                      </a:xfrm>
+                      <a:prstGeom prst="rect">
+                        <a:avLst/>
+                      </a:prstGeom>
+                      <a:noFill/>
+                      <a:ln>
+                        <a:solidFill>
+                          <a:schemeClr val="tx1"/>
+                        </a:solidFill>
+                      </a:ln>
+                    </p:spPr>
+                    <p:style>
+                      <a:lnRef idx="2">
+                        <a:schemeClr val="accent1">
+                          <a:shade val="50000"/>
+                        </a:schemeClr>
+                      </a:lnRef>
+                      <a:fillRef idx="1">
+                        <a:schemeClr val="accent1"/>
+                      </a:fillRef>
+                      <a:effectRef idx="0">
+                        <a:schemeClr val="accent1"/>
+                      </a:effectRef>
+                      <a:fontRef idx="minor">
+                        <a:schemeClr val="lt1"/>
+                      </a:fontRef>
+                    </p:style>
+                    <p:txBody>
+                      <a:bodyPr rtlCol="0" anchor="ctr"/>
+                      <a:lstStyle/>
+                      <a:p>
+                        <a:pPr algn="ctr"/>
+                        <a:r>
+                          <a:rPr kumimoji="1" lang="ja-JP" altLang="en-US" sz="1200">
+                            <a:solidFill>
+                              <a:schemeClr val="tx1"/>
+                            </a:solidFill>
+                            <a:latin typeface="Hiragino Kaku Gothic Pro W3" panose="020B0300000000000000" pitchFamily="34" charset="-128"/>
+                            <a:ea typeface="Hiragino Kaku Gothic Pro W3" panose="020B0300000000000000" pitchFamily="34" charset="-128"/>
+                          </a:rPr>
+                          <a:t>マイページ</a:t>
+                        </a:r>
+                      </a:p>
+                    </p:txBody>
+                  </p:sp>
+                  <p:sp>
+                    <p:nvSpPr>
+                      <p:cNvPr id="3" name="正方形/長方形 2">
+                        <a:extLst>
+                          <a:ext uri="{FF2B5EF4-FFF2-40B4-BE49-F238E27FC236}">
+                            <a16:creationId xmlns:a16="http://schemas.microsoft.com/office/drawing/2014/main" id="{AB73FD7C-E656-8D49-0F26-13FEA3651B2C}"/>
+                          </a:ext>
+                        </a:extLst>
+                      </p:cNvPr>
+                      <p:cNvSpPr/>
+                      <p:nvPr/>
+                    </p:nvSpPr>
+                    <p:spPr>
+                      <a:xfrm>
+                        <a:off x="2702721" y="1107354"/>
+                        <a:ext cx="1443038" cy="914400"/>
+                      </a:xfrm>
+                      <a:prstGeom prst="rect">
+                        <a:avLst/>
+                      </a:prstGeom>
+                      <a:solidFill>
+                        <a:schemeClr val="bg1"/>
+                      </a:solidFill>
+                      <a:ln>
+                        <a:solidFill>
+                          <a:schemeClr val="tx1"/>
+                        </a:solidFill>
+                      </a:ln>
+                    </p:spPr>
+                    <p:style>
+                      <a:lnRef idx="2">
+                        <a:schemeClr val="accent1">
+                          <a:shade val="50000"/>
+                        </a:schemeClr>
+                      </a:lnRef>
+                      <a:fillRef idx="1">
+                        <a:schemeClr val="accent1"/>
+                      </a:fillRef>
+                      <a:effectRef idx="0">
+                        <a:schemeClr val="accent1"/>
+                      </a:effectRef>
+                      <a:fontRef idx="minor">
+                        <a:schemeClr val="lt1"/>
+                      </a:fontRef>
+                    </p:style>
+                    <p:txBody>
+                      <a:bodyPr rtlCol="0" anchor="ctr"/>
+                      <a:lstStyle/>
+                      <a:p>
+                        <a:pPr algn="ctr"/>
+                        <a:r>
+                          <a:rPr kumimoji="1" lang="ja-JP" altLang="en-US" sz="1200">
+                            <a:solidFill>
+                              <a:schemeClr val="tx1"/>
+                            </a:solidFill>
+                            <a:latin typeface="Hiragino Kaku Gothic Pro W3" panose="020B0300000000000000" pitchFamily="34" charset="-128"/>
+                            <a:ea typeface="Hiragino Kaku Gothic Pro W3" panose="020B0300000000000000" pitchFamily="34" charset="-128"/>
+                          </a:rPr>
+                          <a:t>貯蓄</a:t>
+                        </a:r>
+                        <a:endParaRPr kumimoji="1" lang="en-US" altLang="ja-JP" sz="1200" dirty="0">
+                          <a:solidFill>
+                            <a:schemeClr val="tx1"/>
+                          </a:solidFill>
+                          <a:latin typeface="Hiragino Kaku Gothic Pro W3" panose="020B0300000000000000" pitchFamily="34" charset="-128"/>
+                          <a:ea typeface="Hiragino Kaku Gothic Pro W3" panose="020B0300000000000000" pitchFamily="34" charset="-128"/>
+                        </a:endParaRPr>
+                      </a:p>
+                      <a:p>
+                        <a:pPr algn="ctr"/>
+                        <a:r>
+                          <a:rPr kumimoji="1" lang="ja-JP" altLang="en-US" sz="1200">
+                            <a:solidFill>
+                              <a:schemeClr val="tx1"/>
+                            </a:solidFill>
+                            <a:latin typeface="Hiragino Kaku Gothic Pro W3" panose="020B0300000000000000" pitchFamily="34" charset="-128"/>
+                            <a:ea typeface="Hiragino Kaku Gothic Pro W3" panose="020B0300000000000000" pitchFamily="34" charset="-128"/>
+                          </a:rPr>
+                          <a:t>シミュレーション</a:t>
+                        </a:r>
+                        <a:endParaRPr kumimoji="1" lang="en-US" altLang="ja-JP" sz="1200" dirty="0">
+                          <a:solidFill>
+                            <a:schemeClr val="tx1"/>
+                          </a:solidFill>
+                          <a:latin typeface="Hiragino Kaku Gothic Pro W3" panose="020B0300000000000000" pitchFamily="34" charset="-128"/>
+                          <a:ea typeface="Hiragino Kaku Gothic Pro W3" panose="020B0300000000000000" pitchFamily="34" charset="-128"/>
+                        </a:endParaRPr>
+                      </a:p>
+                      <a:p>
+                        <a:pPr algn="ctr"/>
+                        <a:r>
+                          <a:rPr lang="ja-JP" altLang="en-US" sz="1200">
+                            <a:solidFill>
+                              <a:schemeClr val="tx1"/>
+                            </a:solidFill>
+                            <a:latin typeface="Hiragino Kaku Gothic Pro W3" panose="020B0300000000000000" pitchFamily="34" charset="-128"/>
+                            <a:ea typeface="Hiragino Kaku Gothic Pro W3" panose="020B0300000000000000" pitchFamily="34" charset="-128"/>
+                          </a:rPr>
+                          <a:t>（簡易版）</a:t>
+                        </a:r>
+                        <a:endParaRPr kumimoji="1" lang="ja-JP" altLang="en-US" sz="1200">
+                          <a:solidFill>
+                            <a:schemeClr val="tx1"/>
+                          </a:solidFill>
+                          <a:latin typeface="Hiragino Kaku Gothic Pro W3" panose="020B0300000000000000" pitchFamily="34" charset="-128"/>
+                          <a:ea typeface="Hiragino Kaku Gothic Pro W3" panose="020B0300000000000000" pitchFamily="34" charset="-128"/>
+                        </a:endParaRPr>
+                      </a:p>
+                    </p:txBody>
+                  </p:sp>
+                  <p:sp>
+                    <p:nvSpPr>
+                      <p:cNvPr id="4" name="正方形/長方形 3">
+                        <a:extLst>
+                          <a:ext uri="{FF2B5EF4-FFF2-40B4-BE49-F238E27FC236}">
+                            <a16:creationId xmlns:a16="http://schemas.microsoft.com/office/drawing/2014/main" id="{D7BCC489-8398-1F20-01B4-88A33A6C69E5}"/>
+                          </a:ext>
+                        </a:extLst>
+                      </p:cNvPr>
+                      <p:cNvSpPr/>
+                      <p:nvPr/>
+                    </p:nvSpPr>
+                    <p:spPr>
+                      <a:xfrm>
+                        <a:off x="5374481" y="1105172"/>
+                        <a:ext cx="1443038" cy="914400"/>
+                      </a:xfrm>
+                      <a:prstGeom prst="rect">
+                        <a:avLst/>
+                      </a:prstGeom>
+                      <a:solidFill>
+                        <a:schemeClr val="bg1"/>
+                      </a:solidFill>
+                      <a:ln>
+                        <a:solidFill>
+                          <a:schemeClr val="tx1"/>
+                        </a:solidFill>
+                      </a:ln>
+                    </p:spPr>
+                    <p:style>
+                      <a:lnRef idx="2">
+                        <a:schemeClr val="accent1">
+                          <a:shade val="50000"/>
+                        </a:schemeClr>
+                      </a:lnRef>
+                      <a:fillRef idx="1">
+                        <a:schemeClr val="accent1"/>
+                      </a:fillRef>
+                      <a:effectRef idx="0">
+                        <a:schemeClr val="accent1"/>
+                      </a:effectRef>
+                      <a:fontRef idx="minor">
+                        <a:schemeClr val="lt1"/>
+                      </a:fontRef>
+                    </p:style>
+                    <p:txBody>
+                      <a:bodyPr rtlCol="0" anchor="ctr"/>
+                      <a:lstStyle/>
+                      <a:p>
+                        <a:pPr algn="ctr"/>
+                        <a:r>
+                          <a:rPr kumimoji="1" lang="ja-JP" altLang="en-US" sz="1200">
+                            <a:solidFill>
+                              <a:schemeClr val="tx1"/>
+                            </a:solidFill>
+                            <a:latin typeface="Hiragino Kaku Gothic Pro W3" panose="020B0300000000000000" pitchFamily="34" charset="-128"/>
+                            <a:ea typeface="Hiragino Kaku Gothic Pro W3" panose="020B0300000000000000" pitchFamily="34" charset="-128"/>
+                          </a:rPr>
+                          <a:t>追加の情報入力</a:t>
+                        </a:r>
+                      </a:p>
+                    </p:txBody>
+                  </p:sp>
+                  <p:sp>
+                    <p:nvSpPr>
+                      <p:cNvPr id="5" name="正方形/長方形 4">
+                        <a:extLst>
+                          <a:ext uri="{FF2B5EF4-FFF2-40B4-BE49-F238E27FC236}">
+                            <a16:creationId xmlns:a16="http://schemas.microsoft.com/office/drawing/2014/main" id="{2EEAC4C6-6030-B2DA-17E7-70B6F2EEB1B1}"/>
+                          </a:ext>
+                        </a:extLst>
+                      </p:cNvPr>
+                      <p:cNvSpPr/>
+                      <p:nvPr/>
+                    </p:nvSpPr>
+                    <p:spPr>
+                      <a:xfrm>
+                        <a:off x="8046241" y="1105172"/>
+                        <a:ext cx="1443038" cy="914400"/>
+                      </a:xfrm>
+                      <a:prstGeom prst="rect">
+                        <a:avLst/>
+                      </a:prstGeom>
+                      <a:solidFill>
+                        <a:schemeClr val="bg1"/>
+                      </a:solidFill>
+                      <a:ln>
+                        <a:solidFill>
+                          <a:schemeClr val="tx1"/>
+                        </a:solidFill>
+                      </a:ln>
+                    </p:spPr>
+                    <p:style>
+                      <a:lnRef idx="2">
+                        <a:schemeClr val="accent1">
+                          <a:shade val="50000"/>
+                        </a:schemeClr>
+                      </a:lnRef>
+                      <a:fillRef idx="1">
+                        <a:schemeClr val="accent1"/>
+                      </a:fillRef>
+                      <a:effectRef idx="0">
+                        <a:schemeClr val="accent1"/>
+                      </a:effectRef>
+                      <a:fontRef idx="minor">
+                        <a:schemeClr val="lt1"/>
+                      </a:fontRef>
+                    </p:style>
+                    <p:txBody>
+                      <a:bodyPr rtlCol="0" anchor="ctr"/>
+                      <a:lstStyle/>
+                      <a:p>
+                        <a:pPr algn="ctr"/>
+                        <a:r>
+                          <a:rPr kumimoji="1" lang="ja-JP" altLang="en-US" sz="1200">
+                            <a:solidFill>
+                              <a:schemeClr val="tx1"/>
+                            </a:solidFill>
+                            <a:latin typeface="Hiragino Kaku Gothic Pro W3" panose="020B0300000000000000" pitchFamily="34" charset="-128"/>
+                            <a:ea typeface="Hiragino Kaku Gothic Pro W3" panose="020B0300000000000000" pitchFamily="34" charset="-128"/>
+                          </a:rPr>
+                          <a:t>貯蓄</a:t>
+                        </a:r>
+                        <a:endParaRPr kumimoji="1" lang="en-US" altLang="ja-JP" sz="1200" dirty="0">
+                          <a:solidFill>
+                            <a:schemeClr val="tx1"/>
+                          </a:solidFill>
+                          <a:latin typeface="Hiragino Kaku Gothic Pro W3" panose="020B0300000000000000" pitchFamily="34" charset="-128"/>
+                          <a:ea typeface="Hiragino Kaku Gothic Pro W3" panose="020B0300000000000000" pitchFamily="34" charset="-128"/>
+                        </a:endParaRPr>
+                      </a:p>
+                      <a:p>
+                        <a:pPr algn="ctr"/>
+                        <a:r>
+                          <a:rPr kumimoji="1" lang="ja-JP" altLang="en-US" sz="1200">
+                            <a:solidFill>
+                              <a:schemeClr val="tx1"/>
+                            </a:solidFill>
+                            <a:latin typeface="Hiragino Kaku Gothic Pro W3" panose="020B0300000000000000" pitchFamily="34" charset="-128"/>
+                            <a:ea typeface="Hiragino Kaku Gothic Pro W3" panose="020B0300000000000000" pitchFamily="34" charset="-128"/>
+                          </a:rPr>
+                          <a:t>シミュレーション</a:t>
+                        </a:r>
+                        <a:endParaRPr kumimoji="1" lang="en-US" altLang="ja-JP" sz="1200" dirty="0">
+                          <a:solidFill>
+                            <a:schemeClr val="tx1"/>
+                          </a:solidFill>
+                          <a:latin typeface="Hiragino Kaku Gothic Pro W3" panose="020B0300000000000000" pitchFamily="34" charset="-128"/>
+                          <a:ea typeface="Hiragino Kaku Gothic Pro W3" panose="020B0300000000000000" pitchFamily="34" charset="-128"/>
+                        </a:endParaRPr>
+                      </a:p>
+                      <a:p>
+                        <a:pPr algn="ctr"/>
+                        <a:r>
+                          <a:rPr lang="ja-JP" altLang="en-US" sz="1200">
+                            <a:solidFill>
+                              <a:schemeClr val="tx1"/>
+                            </a:solidFill>
+                            <a:latin typeface="Hiragino Kaku Gothic Pro W3" panose="020B0300000000000000" pitchFamily="34" charset="-128"/>
+                            <a:ea typeface="Hiragino Kaku Gothic Pro W3" panose="020B0300000000000000" pitchFamily="34" charset="-128"/>
+                          </a:rPr>
+                          <a:t>（詳細版）</a:t>
+                        </a:r>
+                        <a:endParaRPr kumimoji="1" lang="ja-JP" altLang="en-US" sz="1200">
+                          <a:solidFill>
+                            <a:schemeClr val="tx1"/>
+                          </a:solidFill>
+                          <a:latin typeface="Hiragino Kaku Gothic Pro W3" panose="020B0300000000000000" pitchFamily="34" charset="-128"/>
+                          <a:ea typeface="Hiragino Kaku Gothic Pro W3" panose="020B0300000000000000" pitchFamily="34" charset="-128"/>
+                        </a:endParaRPr>
+                      </a:p>
+                    </p:txBody>
+                  </p:sp>
+                  <p:cxnSp>
+                    <p:nvCxnSpPr>
+                      <p:cNvPr id="10" name="直線矢印コネクタ 9">
+                        <a:extLst>
+                          <a:ext uri="{FF2B5EF4-FFF2-40B4-BE49-F238E27FC236}">
+                            <a16:creationId xmlns:a16="http://schemas.microsoft.com/office/drawing/2014/main" id="{2B7CBDF1-0200-78D3-7CA9-DFDEDF662BCC}"/>
+                          </a:ext>
+                        </a:extLst>
+                      </p:cNvPr>
+                      <p:cNvCxnSpPr>
+                        <a:cxnSpLocks/>
+                      </p:cNvCxnSpPr>
+                      <p:nvPr/>
+                    </p:nvCxnSpPr>
+                    <p:spPr>
+                      <a:xfrm flipH="1" flipV="1">
+                        <a:off x="3824286" y="2026117"/>
+                        <a:ext cx="2096731" cy="943502"/>
+                      </a:xfrm>
+                      <a:prstGeom prst="straightConnector1">
+                        <a:avLst/>
+                      </a:prstGeom>
+                      <a:ln>
+                        <a:tailEnd type="triangle"/>
+                      </a:ln>
+                    </p:spPr>
+                    <p:style>
+                      <a:lnRef idx="2">
+                        <a:schemeClr val="dk1"/>
+                      </a:lnRef>
+                      <a:fillRef idx="0">
+                        <a:schemeClr val="dk1"/>
+                      </a:fillRef>
+                      <a:effectRef idx="1">
+                        <a:schemeClr val="dk1"/>
+                      </a:effectRef>
+                      <a:fontRef idx="minor">
+                        <a:schemeClr val="tx1"/>
+                      </a:fontRef>
+                    </p:style>
+                  </p:cxnSp>
+                  <p:cxnSp>
+                    <p:nvCxnSpPr>
+                      <p:cNvPr id="14" name="直線矢印コネクタ 13">
+                        <a:extLst>
+                          <a:ext uri="{FF2B5EF4-FFF2-40B4-BE49-F238E27FC236}">
+                            <a16:creationId xmlns:a16="http://schemas.microsoft.com/office/drawing/2014/main" id="{2D29C464-D9A1-567D-1DB4-AC61DFA9A404}"/>
+                          </a:ext>
+                        </a:extLst>
+                      </p:cNvPr>
+                      <p:cNvCxnSpPr>
+                        <a:cxnSpLocks/>
+                      </p:cNvCxnSpPr>
+                      <p:nvPr/>
+                    </p:nvCxnSpPr>
+                    <p:spPr>
+                      <a:xfrm>
+                        <a:off x="3069431" y="2026117"/>
+                        <a:ext cx="2412208" cy="947864"/>
+                      </a:xfrm>
+                      <a:prstGeom prst="straightConnector1">
+                        <a:avLst/>
+                      </a:prstGeom>
+                      <a:ln>
+                        <a:tailEnd type="triangle"/>
+                      </a:ln>
+                    </p:spPr>
+                    <p:style>
+                      <a:lnRef idx="2">
+                        <a:schemeClr val="dk1"/>
+                      </a:lnRef>
+                      <a:fillRef idx="0">
+                        <a:schemeClr val="dk1"/>
+                      </a:fillRef>
+                      <a:effectRef idx="1">
+                        <a:schemeClr val="dk1"/>
+                      </a:effectRef>
+                      <a:fontRef idx="minor">
+                        <a:schemeClr val="tx1"/>
+                      </a:fontRef>
+                    </p:style>
+                  </p:cxnSp>
+                  <p:sp>
+                    <p:nvSpPr>
+                      <p:cNvPr id="15" name="テキスト ボックス 14">
+                        <a:extLst>
+                          <a:ext uri="{FF2B5EF4-FFF2-40B4-BE49-F238E27FC236}">
+                            <a16:creationId xmlns:a16="http://schemas.microsoft.com/office/drawing/2014/main" id="{82405BE4-0163-1050-ADCD-7B1FE8CFE357}"/>
+                          </a:ext>
+                        </a:extLst>
+                      </p:cNvPr>
+                      <p:cNvSpPr txBox="1"/>
+                      <p:nvPr/>
+                    </p:nvSpPr>
+                    <p:spPr>
+                      <a:xfrm>
+                        <a:off x="1012510" y="-65930"/>
+                        <a:ext cx="2476628" cy="307777"/>
+                      </a:xfrm>
+                      <a:prstGeom prst="rect">
+                        <a:avLst/>
+                      </a:prstGeom>
+                      <a:solidFill>
+                        <a:schemeClr val="accent2">
+                          <a:lumMod val="60000"/>
+                          <a:lumOff val="40000"/>
+                        </a:schemeClr>
+                      </a:solidFill>
+                    </p:spPr>
+                    <p:txBody>
+                      <a:bodyPr wrap="square" rtlCol="0">
+                        <a:spAutoFit/>
+                      </a:bodyPr>
+                      <a:lstStyle/>
+                      <a:p>
+                        <a:pPr algn="ctr"/>
+                        <a:r>
+                          <a:rPr kumimoji="1" lang="ja-JP" altLang="en-US" sz="1400">
+                            <a:latin typeface="Hiragino Kaku Gothic Pro W3" panose="020B0300000000000000" pitchFamily="34" charset="-128"/>
+                            <a:ea typeface="Hiragino Kaku Gothic Pro W3" panose="020B0300000000000000" pitchFamily="34" charset="-128"/>
+                          </a:rPr>
+                          <a:t>貯蓄シミュレーション</a:t>
+                        </a:r>
+                      </a:p>
+                    </p:txBody>
+                  </p:sp>
+                  <p:grpSp>
+                    <p:nvGrpSpPr>
+                      <p:cNvPr id="26" name="グループ化 25">
+                        <a:extLst>
+                          <a:ext uri="{FF2B5EF4-FFF2-40B4-BE49-F238E27FC236}">
+                            <a16:creationId xmlns:a16="http://schemas.microsoft.com/office/drawing/2014/main" id="{BB28D404-6782-4DFD-F34A-6F6F24AD5A8D}"/>
+                          </a:ext>
+                        </a:extLst>
+                      </p:cNvPr>
+                      <p:cNvGrpSpPr/>
+                      <p:nvPr/>
+                    </p:nvGrpSpPr>
+                    <p:grpSpPr>
+                      <a:xfrm>
+                        <a:off x="2432721" y="1292372"/>
+                        <a:ext cx="540000" cy="540000"/>
+                        <a:chOff x="2432721" y="1321790"/>
+                        <a:chExt cx="540000" cy="540000"/>
+                      </a:xfrm>
+                    </p:grpSpPr>
+                    <p:sp>
+                      <p:nvSpPr>
+                        <p:cNvPr id="24" name="円弧 23">
+                          <a:extLst>
+                            <a:ext uri="{FF2B5EF4-FFF2-40B4-BE49-F238E27FC236}">
+                              <a16:creationId xmlns:a16="http://schemas.microsoft.com/office/drawing/2014/main" id="{8F7D1D5C-1ED8-C502-7919-AB0D073A7172}"/>
+                            </a:ext>
+                          </a:extLst>
+                        </p:cNvPr>
+                        <p:cNvSpPr/>
+                        <p:nvPr/>
+                      </p:nvSpPr>
+                      <p:spPr>
+                        <a:xfrm rot="16200000">
+                          <a:off x="2432721" y="1321790"/>
+                          <a:ext cx="540000" cy="540000"/>
+                        </a:xfrm>
+                        <a:prstGeom prst="arc">
+                          <a:avLst/>
+                        </a:prstGeom>
+                        <a:ln w="19050">
+                          <a:solidFill>
+                            <a:schemeClr val="tx1"/>
+                          </a:solidFill>
+                          <a:tailEnd type="triangle"/>
+                        </a:ln>
+                      </p:spPr>
+                      <p:style>
+                        <a:lnRef idx="1">
+                          <a:schemeClr val="accent1"/>
+                        </a:lnRef>
+                        <a:fillRef idx="0">
+                          <a:schemeClr val="accent1"/>
+                        </a:fillRef>
+                        <a:effectRef idx="0">
+                          <a:schemeClr val="accent1"/>
+                        </a:effectRef>
+                        <a:fontRef idx="minor">
+                          <a:schemeClr val="tx1"/>
+                        </a:fontRef>
+                      </p:style>
+                      <p:txBody>
+                        <a:bodyPr rtlCol="0" anchor="ctr"/>
+                        <a:lstStyle/>
+                        <a:p>
+                          <a:pPr algn="ctr"/>
+                          <a:endParaRPr kumimoji="1" lang="ja-JP" altLang="en-US"/>
+                        </a:p>
+                      </p:txBody>
+                    </p:sp>
+                    <p:sp>
+                      <p:nvSpPr>
+                        <p:cNvPr id="25" name="円弧 24">
+                          <a:extLst>
+                            <a:ext uri="{FF2B5EF4-FFF2-40B4-BE49-F238E27FC236}">
+                              <a16:creationId xmlns:a16="http://schemas.microsoft.com/office/drawing/2014/main" id="{2D15E2F5-1D33-2F00-831A-303A884E33F5}"/>
+                            </a:ext>
+                          </a:extLst>
+                        </p:cNvPr>
+                        <p:cNvSpPr/>
+                        <p:nvPr/>
+                      </p:nvSpPr>
+                      <p:spPr>
+                        <a:xfrm rot="10800000">
+                          <a:off x="2432721" y="1321790"/>
+                          <a:ext cx="540000" cy="540000"/>
+                        </a:xfrm>
+                        <a:prstGeom prst="arc">
+                          <a:avLst/>
+                        </a:prstGeom>
+                        <a:ln w="25400">
+                          <a:solidFill>
+                            <a:schemeClr val="tx1"/>
+                          </a:solidFill>
+                        </a:ln>
+                      </p:spPr>
+                      <p:style>
+                        <a:lnRef idx="1">
+                          <a:schemeClr val="accent1"/>
+                        </a:lnRef>
+                        <a:fillRef idx="0">
+                          <a:schemeClr val="accent1"/>
+                        </a:fillRef>
+                        <a:effectRef idx="0">
+                          <a:schemeClr val="accent1"/>
+                        </a:effectRef>
+                        <a:fontRef idx="minor">
+                          <a:schemeClr val="tx1"/>
+                        </a:fontRef>
+                      </p:style>
+                      <p:txBody>
+                        <a:bodyPr rtlCol="0" anchor="ctr"/>
+                        <a:lstStyle/>
+                        <a:p>
+                          <a:pPr algn="ctr"/>
+                          <a:endParaRPr kumimoji="1" lang="ja-JP" altLang="en-US"/>
+                        </a:p>
+                      </p:txBody>
+                    </p:sp>
+                  </p:grpSp>
+                  <p:pic>
+                    <p:nvPicPr>
+                      <p:cNvPr id="28" name="グラフィックス 27" descr="クラウドからダウンロード 枠線">
+                        <a:extLst>
+                          <a:ext uri="{FF2B5EF4-FFF2-40B4-BE49-F238E27FC236}">
+                            <a16:creationId xmlns:a16="http://schemas.microsoft.com/office/drawing/2014/main" id="{8B8CD2D8-AD09-90B0-01F4-BF9E75814FDA}"/>
+                          </a:ext>
+                        </a:extLst>
+                      </p:cNvPr>
+                      <p:cNvPicPr>
+                        <a:picLocks noChangeAspect="1"/>
+                      </p:cNvPicPr>
+                      <p:nvPr/>
+                    </p:nvPicPr>
+                    <p:blipFill>
+                      <a:blip r:embed="rId3">
+                        <a:extLst>
+                          <a:ext uri="{96DAC541-7B7A-43D3-8B79-37D633B846F1}">
+                            <asvg:svgBlip xmlns:asvg="http://schemas.microsoft.com/office/drawing/2016/SVG/main" r:embed="rId4"/>
+                          </a:ext>
+                        </a:extLst>
+                      </a:blip>
+                      <a:stretch>
+                        <a:fillRect/>
+                      </a:stretch>
+                    </p:blipFill>
+                    <p:spPr>
+                      <a:xfrm>
+                        <a:off x="1971183" y="1363525"/>
+                        <a:ext cx="397692" cy="397692"/>
+                      </a:xfrm>
+                      <a:prstGeom prst="rect">
+                        <a:avLst/>
+                      </a:prstGeom>
+                    </p:spPr>
+                  </p:pic>
+                  <p:sp>
+                    <p:nvSpPr>
+                      <p:cNvPr id="29" name="テキスト ボックス 28">
+                        <a:extLst>
+                          <a:ext uri="{FF2B5EF4-FFF2-40B4-BE49-F238E27FC236}">
+                            <a16:creationId xmlns:a16="http://schemas.microsoft.com/office/drawing/2014/main" id="{A0306FB1-9F6E-EDC5-5C86-D22D913C3954}"/>
+                          </a:ext>
+                        </a:extLst>
+                      </p:cNvPr>
+                      <p:cNvSpPr txBox="1"/>
+                      <p:nvPr/>
+                    </p:nvSpPr>
+                    <p:spPr>
+                      <a:xfrm>
+                        <a:off x="1259683" y="1696231"/>
+                        <a:ext cx="1335881" cy="369332"/>
+                      </a:xfrm>
+                      <a:prstGeom prst="rect">
+                        <a:avLst/>
+                      </a:prstGeom>
+                      <a:noFill/>
+                    </p:spPr>
+                    <p:txBody>
+                      <a:bodyPr wrap="square" rtlCol="0">
+                        <a:spAutoFit/>
+                      </a:bodyPr>
+                      <a:lstStyle/>
+                      <a:p>
+                        <a:pPr algn="ctr"/>
+                        <a:r>
+                          <a:rPr lang="ja-JP" altLang="en-US" sz="900">
+                            <a:latin typeface="Hiragino Kaku Gothic Pro W3" panose="020B0300000000000000" pitchFamily="34" charset="-128"/>
+                            <a:ea typeface="Hiragino Kaku Gothic Pro W3" panose="020B0300000000000000" pitchFamily="34" charset="-128"/>
+                          </a:rPr>
+                          <a:t>ファイルダウンロード</a:t>
+                        </a:r>
+                        <a:endParaRPr lang="en-US" altLang="ja-JP" sz="900" dirty="0">
+                          <a:latin typeface="Hiragino Kaku Gothic Pro W3" panose="020B0300000000000000" pitchFamily="34" charset="-128"/>
+                          <a:ea typeface="Hiragino Kaku Gothic Pro W3" panose="020B0300000000000000" pitchFamily="34" charset="-128"/>
+                        </a:endParaRPr>
+                      </a:p>
+                      <a:p>
+                        <a:pPr algn="ctr"/>
+                        <a:r>
+                          <a:rPr kumimoji="1" lang="en-US" altLang="ja-JP" sz="900" dirty="0">
+                            <a:latin typeface="Hiragino Kaku Gothic Pro W3" panose="020B0300000000000000" pitchFamily="34" charset="-128"/>
+                            <a:ea typeface="Hiragino Kaku Gothic Pro W3" panose="020B0300000000000000" pitchFamily="34" charset="-128"/>
+                          </a:rPr>
+                          <a:t>(csv)</a:t>
+                        </a:r>
+                        <a:endParaRPr kumimoji="1" lang="ja-JP" altLang="en-US" sz="900">
+                          <a:latin typeface="Hiragino Kaku Gothic Pro W3" panose="020B0300000000000000" pitchFamily="34" charset="-128"/>
+                          <a:ea typeface="Hiragino Kaku Gothic Pro W3" panose="020B0300000000000000" pitchFamily="34" charset="-128"/>
+                        </a:endParaRPr>
+                      </a:p>
+                    </p:txBody>
+                  </p:sp>
+                  <p:cxnSp>
+                    <p:nvCxnSpPr>
+                      <p:cNvPr id="31" name="直線矢印コネクタ 30">
+                        <a:extLst>
+                          <a:ext uri="{FF2B5EF4-FFF2-40B4-BE49-F238E27FC236}">
+                            <a16:creationId xmlns:a16="http://schemas.microsoft.com/office/drawing/2014/main" id="{25D499FA-A652-DFED-272C-E93C7CD03151}"/>
+                          </a:ext>
+                        </a:extLst>
+                      </p:cNvPr>
+                      <p:cNvCxnSpPr/>
+                      <p:nvPr/>
+                    </p:nvCxnSpPr>
+                    <p:spPr>
+                      <a:xfrm>
+                        <a:off x="4145759" y="1363525"/>
+                        <a:ext cx="1228722" cy="0"/>
+                      </a:xfrm>
+                      <a:prstGeom prst="straightConnector1">
+                        <a:avLst/>
+                      </a:prstGeom>
+                      <a:ln>
+                        <a:tailEnd type="triangle"/>
+                      </a:ln>
+                    </p:spPr>
+                    <p:style>
+                      <a:lnRef idx="2">
+                        <a:schemeClr val="dk1"/>
+                      </a:lnRef>
+                      <a:fillRef idx="0">
+                        <a:schemeClr val="dk1"/>
+                      </a:fillRef>
+                      <a:effectRef idx="1">
+                        <a:schemeClr val="dk1"/>
+                      </a:effectRef>
+                      <a:fontRef idx="minor">
+                        <a:schemeClr val="tx1"/>
+                      </a:fontRef>
+                    </p:style>
+                  </p:cxnSp>
+                  <p:cxnSp>
+                    <p:nvCxnSpPr>
+                      <p:cNvPr id="33" name="直線矢印コネクタ 32">
+                        <a:extLst>
+                          <a:ext uri="{FF2B5EF4-FFF2-40B4-BE49-F238E27FC236}">
+                            <a16:creationId xmlns:a16="http://schemas.microsoft.com/office/drawing/2014/main" id="{3F051818-260A-96C0-5B70-20BEEBAE7C1A}"/>
+                          </a:ext>
+                        </a:extLst>
+                      </p:cNvPr>
+                      <p:cNvCxnSpPr/>
+                      <p:nvPr/>
+                    </p:nvCxnSpPr>
+                    <p:spPr>
+                      <a:xfrm>
+                        <a:off x="6817519" y="1347830"/>
+                        <a:ext cx="1228722" cy="0"/>
+                      </a:xfrm>
+                      <a:prstGeom prst="straightConnector1">
+                        <a:avLst/>
+                      </a:prstGeom>
+                      <a:ln>
+                        <a:tailEnd type="triangle"/>
+                      </a:ln>
+                    </p:spPr>
+                    <p:style>
+                      <a:lnRef idx="2">
+                        <a:schemeClr val="dk1"/>
+                      </a:lnRef>
+                      <a:fillRef idx="0">
+                        <a:schemeClr val="dk1"/>
+                      </a:fillRef>
+                      <a:effectRef idx="1">
+                        <a:schemeClr val="dk1"/>
+                      </a:effectRef>
+                      <a:fontRef idx="minor">
+                        <a:schemeClr val="tx1"/>
+                      </a:fontRef>
+                    </p:style>
+                  </p:cxnSp>
+                  <p:cxnSp>
+                    <p:nvCxnSpPr>
+                      <p:cNvPr id="35" name="直線矢印コネクタ 34">
+                        <a:extLst>
+                          <a:ext uri="{FF2B5EF4-FFF2-40B4-BE49-F238E27FC236}">
+                            <a16:creationId xmlns:a16="http://schemas.microsoft.com/office/drawing/2014/main" id="{1C44DE07-7102-99A5-FC6E-170C3D6ABE4D}"/>
+                          </a:ext>
+                        </a:extLst>
+                      </p:cNvPr>
+                      <p:cNvCxnSpPr/>
+                      <p:nvPr/>
+                    </p:nvCxnSpPr>
+                    <p:spPr>
+                      <a:xfrm flipH="1">
+                        <a:off x="4145759" y="1832372"/>
+                        <a:ext cx="1228722" cy="0"/>
+                      </a:xfrm>
+                      <a:prstGeom prst="straightConnector1">
+                        <a:avLst/>
+                      </a:prstGeom>
+                      <a:ln>
+                        <a:tailEnd type="triangle"/>
+                      </a:ln>
+                    </p:spPr>
+                    <p:style>
+                      <a:lnRef idx="2">
+                        <a:schemeClr val="dk1"/>
+                      </a:lnRef>
+                      <a:fillRef idx="0">
+                        <a:schemeClr val="dk1"/>
+                      </a:fillRef>
+                      <a:effectRef idx="1">
+                        <a:schemeClr val="dk1"/>
+                      </a:effectRef>
+                      <a:fontRef idx="minor">
+                        <a:schemeClr val="tx1"/>
+                      </a:fontRef>
+                    </p:style>
+                  </p:cxnSp>
+                  <p:cxnSp>
+                    <p:nvCxnSpPr>
+                      <p:cNvPr id="36" name="直線矢印コネクタ 35">
+                        <a:extLst>
+                          <a:ext uri="{FF2B5EF4-FFF2-40B4-BE49-F238E27FC236}">
+                            <a16:creationId xmlns:a16="http://schemas.microsoft.com/office/drawing/2014/main" id="{0BEE2D0C-8194-C6AD-EDF4-BA3693D6112F}"/>
+                          </a:ext>
+                        </a:extLst>
+                      </p:cNvPr>
+                      <p:cNvCxnSpPr/>
+                      <p:nvPr/>
+                    </p:nvCxnSpPr>
+                    <p:spPr>
+                      <a:xfrm flipH="1">
+                        <a:off x="6817519" y="1832372"/>
+                        <a:ext cx="1228722" cy="0"/>
+                      </a:xfrm>
+                      <a:prstGeom prst="straightConnector1">
+                        <a:avLst/>
+                      </a:prstGeom>
+                      <a:ln>
+                        <a:tailEnd type="triangle"/>
+                      </a:ln>
+                    </p:spPr>
+                    <p:style>
+                      <a:lnRef idx="2">
+                        <a:schemeClr val="dk1"/>
+                      </a:lnRef>
+                      <a:fillRef idx="0">
+                        <a:schemeClr val="dk1"/>
+                      </a:fillRef>
+                      <a:effectRef idx="1">
+                        <a:schemeClr val="dk1"/>
+                      </a:effectRef>
+                      <a:fontRef idx="minor">
+                        <a:schemeClr val="tx1"/>
+                      </a:fontRef>
+                    </p:style>
+                  </p:cxnSp>
+                  <p:cxnSp>
+                    <p:nvCxnSpPr>
+                      <p:cNvPr id="37" name="直線矢印コネクタ 36">
+                        <a:extLst>
+                          <a:ext uri="{FF2B5EF4-FFF2-40B4-BE49-F238E27FC236}">
+                            <a16:creationId xmlns:a16="http://schemas.microsoft.com/office/drawing/2014/main" id="{C74EA6BD-8481-511D-22EB-521670543633}"/>
+                          </a:ext>
+                        </a:extLst>
+                      </p:cNvPr>
+                      <p:cNvCxnSpPr>
+                        <a:cxnSpLocks/>
+                        <a:stCxn id="4" idx="2"/>
+                        <a:endCxn id="2" idx="0"/>
+                      </p:cNvCxnSpPr>
+                      <p:nvPr/>
+                    </p:nvCxnSpPr>
+                    <p:spPr>
+                      <a:xfrm>
+                        <a:off x="6096000" y="2019572"/>
+                        <a:ext cx="0" cy="952228"/>
+                      </a:xfrm>
+                      <a:prstGeom prst="straightConnector1">
+                        <a:avLst/>
+                      </a:prstGeom>
+                      <a:ln>
+                        <a:tailEnd type="triangle"/>
+                      </a:ln>
+                    </p:spPr>
+                    <p:style>
+                      <a:lnRef idx="2">
+                        <a:schemeClr val="dk1"/>
+                      </a:lnRef>
+                      <a:fillRef idx="0">
+                        <a:schemeClr val="dk1"/>
+                      </a:fillRef>
+                      <a:effectRef idx="1">
+                        <a:schemeClr val="dk1"/>
+                      </a:effectRef>
+                      <a:fontRef idx="minor">
+                        <a:schemeClr val="tx1"/>
+                      </a:fontRef>
+                    </p:style>
+                  </p:cxnSp>
+                  <p:grpSp>
+                    <p:nvGrpSpPr>
+                      <p:cNvPr id="40" name="グループ化 39">
+                        <a:extLst>
+                          <a:ext uri="{FF2B5EF4-FFF2-40B4-BE49-F238E27FC236}">
+                            <a16:creationId xmlns:a16="http://schemas.microsoft.com/office/drawing/2014/main" id="{0FEFD853-129B-5156-694A-D41197043A37}"/>
+                          </a:ext>
+                        </a:extLst>
+                      </p:cNvPr>
+                      <p:cNvGrpSpPr/>
+                      <p:nvPr/>
+                    </p:nvGrpSpPr>
+                    <p:grpSpPr>
+                      <a:xfrm rot="10800000">
+                        <a:off x="9226365" y="1292372"/>
+                        <a:ext cx="540000" cy="540000"/>
+                        <a:chOff x="2432721" y="1321790"/>
+                        <a:chExt cx="540000" cy="540000"/>
+                      </a:xfrm>
+                    </p:grpSpPr>
+                    <p:sp>
+                      <p:nvSpPr>
+                        <p:cNvPr id="41" name="円弧 40">
+                          <a:extLst>
+                            <a:ext uri="{FF2B5EF4-FFF2-40B4-BE49-F238E27FC236}">
+                              <a16:creationId xmlns:a16="http://schemas.microsoft.com/office/drawing/2014/main" id="{F3D03E67-8967-62B5-7B1E-8E4212795707}"/>
+                            </a:ext>
+                          </a:extLst>
+                        </p:cNvPr>
+                        <p:cNvSpPr/>
+                        <p:nvPr/>
+                      </p:nvSpPr>
+                      <p:spPr>
+                        <a:xfrm rot="16200000">
+                          <a:off x="2432721" y="1321790"/>
+                          <a:ext cx="540000" cy="540000"/>
+                        </a:xfrm>
+                        <a:prstGeom prst="arc">
+                          <a:avLst/>
+                        </a:prstGeom>
+                        <a:ln w="19050">
+                          <a:solidFill>
+                            <a:schemeClr val="tx1"/>
+                          </a:solidFill>
+                          <a:tailEnd type="triangle"/>
+                        </a:ln>
+                      </p:spPr>
+                      <p:style>
+                        <a:lnRef idx="1">
+                          <a:schemeClr val="accent1"/>
+                        </a:lnRef>
+                        <a:fillRef idx="0">
+                          <a:schemeClr val="accent1"/>
+                        </a:fillRef>
+                        <a:effectRef idx="0">
+                          <a:schemeClr val="accent1"/>
+                        </a:effectRef>
+                        <a:fontRef idx="minor">
+                          <a:schemeClr val="tx1"/>
+                        </a:fontRef>
+                      </p:style>
+                      <p:txBody>
+                        <a:bodyPr rtlCol="0" anchor="ctr"/>
+                        <a:lstStyle/>
+                        <a:p>
+                          <a:pPr algn="ctr"/>
+                          <a:endParaRPr kumimoji="1" lang="ja-JP" altLang="en-US"/>
+                        </a:p>
+                      </p:txBody>
+                    </p:sp>
+                    <p:sp>
+                      <p:nvSpPr>
+                        <p:cNvPr id="42" name="円弧 41">
+                          <a:extLst>
+                            <a:ext uri="{FF2B5EF4-FFF2-40B4-BE49-F238E27FC236}">
+                              <a16:creationId xmlns:a16="http://schemas.microsoft.com/office/drawing/2014/main" id="{00C6A1A4-D1DF-8C82-4CDA-95DA9BCE5B28}"/>
+                            </a:ext>
+                          </a:extLst>
+                        </p:cNvPr>
+                        <p:cNvSpPr/>
+                        <p:nvPr/>
+                      </p:nvSpPr>
+                      <p:spPr>
+                        <a:xfrm rot="10800000">
+                          <a:off x="2432721" y="1321790"/>
+                          <a:ext cx="540000" cy="540000"/>
+                        </a:xfrm>
+                        <a:prstGeom prst="arc">
+                          <a:avLst/>
+                        </a:prstGeom>
+                        <a:ln w="25400">
+                          <a:solidFill>
+                            <a:schemeClr val="tx1"/>
+                          </a:solidFill>
+                        </a:ln>
+                      </p:spPr>
+                      <p:style>
+                        <a:lnRef idx="1">
+                          <a:schemeClr val="accent1"/>
+                        </a:lnRef>
+                        <a:fillRef idx="0">
+                          <a:schemeClr val="accent1"/>
+                        </a:fillRef>
+                        <a:effectRef idx="0">
+                          <a:schemeClr val="accent1"/>
+                        </a:effectRef>
+                        <a:fontRef idx="minor">
+                          <a:schemeClr val="tx1"/>
+                        </a:fontRef>
+                      </p:style>
+                      <p:txBody>
+                        <a:bodyPr rtlCol="0" anchor="ctr"/>
+                        <a:lstStyle/>
+                        <a:p>
+                          <a:pPr algn="ctr"/>
+                          <a:endParaRPr kumimoji="1" lang="ja-JP" altLang="en-US"/>
+                        </a:p>
+                      </p:txBody>
+                    </p:sp>
+                  </p:grpSp>
+                  <p:pic>
+                    <p:nvPicPr>
+                      <p:cNvPr id="43" name="グラフィックス 42" descr="クラウドからダウンロード 枠線">
+                        <a:extLst>
+                          <a:ext uri="{FF2B5EF4-FFF2-40B4-BE49-F238E27FC236}">
+                            <a16:creationId xmlns:a16="http://schemas.microsoft.com/office/drawing/2014/main" id="{14BA180A-D9C7-C5C7-BAB5-9AFA9F2BA0CD}"/>
+                          </a:ext>
+                        </a:extLst>
+                      </p:cNvPr>
+                      <p:cNvPicPr>
+                        <a:picLocks noChangeAspect="1"/>
+                      </p:cNvPicPr>
+                      <p:nvPr/>
+                    </p:nvPicPr>
+                    <p:blipFill>
+                      <a:blip r:embed="rId3">
+                        <a:extLst>
+                          <a:ext uri="{96DAC541-7B7A-43D3-8B79-37D633B846F1}">
+                            <asvg:svgBlip xmlns:asvg="http://schemas.microsoft.com/office/drawing/2016/SVG/main" r:embed="rId4"/>
+                          </a:ext>
+                        </a:extLst>
+                      </a:blip>
+                      <a:stretch>
+                        <a:fillRect/>
+                      </a:stretch>
+                    </p:blipFill>
+                    <p:spPr>
+                      <a:xfrm>
+                        <a:off x="9804612" y="1363525"/>
+                        <a:ext cx="397692" cy="397692"/>
+                      </a:xfrm>
+                      <a:prstGeom prst="rect">
+                        <a:avLst/>
+                      </a:prstGeom>
+                    </p:spPr>
+                  </p:pic>
+                  <p:sp>
+                    <p:nvSpPr>
+                      <p:cNvPr id="44" name="テキスト ボックス 43">
+                        <a:extLst>
+                          <a:ext uri="{FF2B5EF4-FFF2-40B4-BE49-F238E27FC236}">
+                            <a16:creationId xmlns:a16="http://schemas.microsoft.com/office/drawing/2014/main" id="{0164BEB8-C1B6-1309-BA2A-EDBD45E05F3A}"/>
+                          </a:ext>
+                        </a:extLst>
+                      </p:cNvPr>
+                      <p:cNvSpPr txBox="1"/>
+                      <p:nvPr/>
+                    </p:nvSpPr>
+                    <p:spPr>
+                      <a:xfrm>
+                        <a:off x="9715495" y="1696231"/>
+                        <a:ext cx="1335881" cy="369332"/>
+                      </a:xfrm>
+                      <a:prstGeom prst="rect">
+                        <a:avLst/>
+                      </a:prstGeom>
+                      <a:noFill/>
+                    </p:spPr>
+                    <p:txBody>
+                      <a:bodyPr wrap="square" rtlCol="0">
+                        <a:spAutoFit/>
+                      </a:bodyPr>
+                      <a:lstStyle/>
+                      <a:p>
+                        <a:pPr algn="ctr"/>
+                        <a:r>
+                          <a:rPr lang="ja-JP" altLang="en-US" sz="900">
+                            <a:latin typeface="Hiragino Kaku Gothic Pro W3" panose="020B0300000000000000" pitchFamily="34" charset="-128"/>
+                            <a:ea typeface="Hiragino Kaku Gothic Pro W3" panose="020B0300000000000000" pitchFamily="34" charset="-128"/>
+                          </a:rPr>
+                          <a:t>ファイルダウンロード</a:t>
+                        </a:r>
+                        <a:endParaRPr lang="en-US" altLang="ja-JP" sz="900" dirty="0">
+                          <a:latin typeface="Hiragino Kaku Gothic Pro W3" panose="020B0300000000000000" pitchFamily="34" charset="-128"/>
+                          <a:ea typeface="Hiragino Kaku Gothic Pro W3" panose="020B0300000000000000" pitchFamily="34" charset="-128"/>
+                        </a:endParaRPr>
+                      </a:p>
+                      <a:p>
+                        <a:pPr algn="ctr"/>
+                        <a:r>
+                          <a:rPr kumimoji="1" lang="en-US" altLang="ja-JP" sz="900" dirty="0">
+                            <a:latin typeface="Hiragino Kaku Gothic Pro W3" panose="020B0300000000000000" pitchFamily="34" charset="-128"/>
+                            <a:ea typeface="Hiragino Kaku Gothic Pro W3" panose="020B0300000000000000" pitchFamily="34" charset="-128"/>
+                          </a:rPr>
+                          <a:t>(csv)</a:t>
+                        </a:r>
+                        <a:endParaRPr kumimoji="1" lang="ja-JP" altLang="en-US" sz="900">
+                          <a:latin typeface="Hiragino Kaku Gothic Pro W3" panose="020B0300000000000000" pitchFamily="34" charset="-128"/>
+                          <a:ea typeface="Hiragino Kaku Gothic Pro W3" panose="020B0300000000000000" pitchFamily="34" charset="-128"/>
+                        </a:endParaRPr>
+                      </a:p>
+                    </p:txBody>
+                  </p:sp>
+                  <p:cxnSp>
+                    <p:nvCxnSpPr>
+                      <p:cNvPr id="45" name="直線矢印コネクタ 44">
+                        <a:extLst>
+                          <a:ext uri="{FF2B5EF4-FFF2-40B4-BE49-F238E27FC236}">
+                            <a16:creationId xmlns:a16="http://schemas.microsoft.com/office/drawing/2014/main" id="{8AEA4CF8-7D14-3A21-93DD-9DE0E45C12BE}"/>
+                          </a:ext>
+                        </a:extLst>
+                      </p:cNvPr>
+                      <p:cNvCxnSpPr>
+                        <a:cxnSpLocks/>
+                        <a:stCxn id="5" idx="2"/>
+                      </p:cNvCxnSpPr>
+                      <p:nvPr/>
+                    </p:nvCxnSpPr>
+                    <p:spPr>
+                      <a:xfrm flipH="1">
+                        <a:off x="6450809" y="2019572"/>
+                        <a:ext cx="2316951" cy="950047"/>
+                      </a:xfrm>
+                      <a:prstGeom prst="straightConnector1">
+                        <a:avLst/>
+                      </a:prstGeom>
+                      <a:ln>
+                        <a:tailEnd type="triangle"/>
+                      </a:ln>
+                    </p:spPr>
+                    <p:style>
+                      <a:lnRef idx="2">
+                        <a:schemeClr val="dk1"/>
+                      </a:lnRef>
+                      <a:fillRef idx="0">
+                        <a:schemeClr val="dk1"/>
+                      </a:fillRef>
+                      <a:effectRef idx="1">
+                        <a:schemeClr val="dk1"/>
+                      </a:effectRef>
+                      <a:fontRef idx="minor">
+                        <a:schemeClr val="tx1"/>
+                      </a:fontRef>
+                    </p:style>
+                  </p:cxnSp>
+                </p:grpSp>
+                <p:sp>
+                  <p:nvSpPr>
+                    <p:cNvPr id="53" name="テキスト ボックス 52">
+                      <a:extLst>
+                        <a:ext uri="{FF2B5EF4-FFF2-40B4-BE49-F238E27FC236}">
+                          <a16:creationId xmlns:a16="http://schemas.microsoft.com/office/drawing/2014/main" id="{B8BA22D4-727F-2C79-E6C3-7349A1DBCED8}"/>
+                        </a:ext>
+                      </a:extLst>
+                    </p:cNvPr>
+                    <p:cNvSpPr txBox="1"/>
+                    <p:nvPr/>
+                  </p:nvSpPr>
+                  <p:spPr>
+                    <a:xfrm>
+                      <a:off x="3494067" y="2206070"/>
+                      <a:ext cx="1335881" cy="369332"/>
+                    </a:xfrm>
+                    <a:prstGeom prst="rect">
+                      <a:avLst/>
+                    </a:prstGeom>
+                    <a:noFill/>
+                  </p:spPr>
+                  <p:txBody>
+                    <a:bodyPr wrap="square" rtlCol="0">
+                      <a:spAutoFit/>
+                    </a:bodyPr>
+                    <a:lstStyle/>
+                    <a:p>
+                      <a:pPr algn="ctr"/>
+                      <a:r>
+                        <a:rPr kumimoji="1" lang="ja-JP" altLang="en-US" sz="900">
+                          <a:latin typeface="Hiragino Kaku Gothic Pro W3" panose="020B0300000000000000" pitchFamily="34" charset="-128"/>
+                          <a:ea typeface="Hiragino Kaku Gothic Pro W3" panose="020B0300000000000000" pitchFamily="34" charset="-128"/>
+                        </a:rPr>
+                        <a:t>貯蓄シミュレーション</a:t>
+                      </a:r>
+                      <a:endParaRPr kumimoji="1" lang="en-US" altLang="ja-JP" sz="900" dirty="0">
+                        <a:latin typeface="Hiragino Kaku Gothic Pro W3" panose="020B0300000000000000" pitchFamily="34" charset="-128"/>
+                        <a:ea typeface="Hiragino Kaku Gothic Pro W3" panose="020B0300000000000000" pitchFamily="34" charset="-128"/>
+                      </a:endParaRPr>
+                    </a:p>
+                    <a:p>
+                      <a:pPr algn="ctr"/>
+                      <a:r>
+                        <a:rPr lang="ja-JP" altLang="en-US" sz="900">
+                          <a:latin typeface="Hiragino Kaku Gothic Pro W3" panose="020B0300000000000000" pitchFamily="34" charset="-128"/>
+                          <a:ea typeface="Hiragino Kaku Gothic Pro W3" panose="020B0300000000000000" pitchFamily="34" charset="-128"/>
+                        </a:rPr>
+                        <a:t>選択</a:t>
+                      </a:r>
+                      <a:endParaRPr kumimoji="1" lang="ja-JP" altLang="en-US" sz="900">
+                        <a:latin typeface="Hiragino Kaku Gothic Pro W3" panose="020B0300000000000000" pitchFamily="34" charset="-128"/>
+                        <a:ea typeface="Hiragino Kaku Gothic Pro W3" panose="020B0300000000000000" pitchFamily="34" charset="-128"/>
+                      </a:endParaRPr>
+                    </a:p>
+                  </p:txBody>
+                </p:sp>
+                <p:sp>
+                  <p:nvSpPr>
+                    <p:cNvPr id="54" name="テキスト ボックス 53">
+                      <a:extLst>
+                        <a:ext uri="{FF2B5EF4-FFF2-40B4-BE49-F238E27FC236}">
+                          <a16:creationId xmlns:a16="http://schemas.microsoft.com/office/drawing/2014/main" id="{FC4E4E3A-3D5C-787A-7789-16363D984C67}"/>
+                        </a:ext>
+                      </a:extLst>
+                    </p:cNvPr>
+                    <p:cNvSpPr txBox="1"/>
+                    <p:nvPr/>
+                  </p:nvSpPr>
+                  <p:spPr>
+                    <a:xfrm>
+                      <a:off x="2482217" y="2459986"/>
+                      <a:ext cx="552330" cy="230832"/>
+                    </a:xfrm>
+                    <a:prstGeom prst="rect">
+                      <a:avLst/>
+                    </a:prstGeom>
+                    <a:noFill/>
+                  </p:spPr>
+                  <p:txBody>
+                    <a:bodyPr wrap="square" rtlCol="0">
+                      <a:spAutoFit/>
+                    </a:bodyPr>
+                    <a:lstStyle/>
+                    <a:p>
+                      <a:pPr algn="ctr"/>
+                      <a:r>
+                        <a:rPr kumimoji="1" lang="ja-JP" altLang="en-US" sz="900">
+                          <a:latin typeface="Hiragino Kaku Gothic Pro W3" panose="020B0300000000000000" pitchFamily="34" charset="-128"/>
+                          <a:ea typeface="Hiragino Kaku Gothic Pro W3" panose="020B0300000000000000" pitchFamily="34" charset="-128"/>
+                        </a:rPr>
+                        <a:t>戻る</a:t>
+                      </a:r>
+                    </a:p>
+                  </p:txBody>
+                </p:sp>
+                <p:sp>
+                  <p:nvSpPr>
+                    <p:cNvPr id="55" name="テキスト ボックス 54">
+                      <a:extLst>
+                        <a:ext uri="{FF2B5EF4-FFF2-40B4-BE49-F238E27FC236}">
+                          <a16:creationId xmlns:a16="http://schemas.microsoft.com/office/drawing/2014/main" id="{BF022B42-4034-B885-F48C-9C6F831786C3}"/>
+                        </a:ext>
+                      </a:extLst>
+                    </p:cNvPr>
+                    <p:cNvSpPr txBox="1"/>
+                    <p:nvPr/>
+                  </p:nvSpPr>
+                  <p:spPr>
+                    <a:xfrm>
+                      <a:off x="3436274" y="1855629"/>
+                      <a:ext cx="552330" cy="230832"/>
+                    </a:xfrm>
+                    <a:prstGeom prst="rect">
+                      <a:avLst/>
+                    </a:prstGeom>
+                    <a:noFill/>
+                  </p:spPr>
+                  <p:txBody>
+                    <a:bodyPr wrap="square" rtlCol="0">
+                      <a:spAutoFit/>
+                    </a:bodyPr>
+                    <a:lstStyle/>
+                    <a:p>
+                      <a:pPr algn="ctr"/>
+                      <a:r>
+                        <a:rPr kumimoji="1" lang="ja-JP" altLang="en-US" sz="900">
+                          <a:latin typeface="Hiragino Kaku Gothic Pro W3" panose="020B0300000000000000" pitchFamily="34" charset="-128"/>
+                          <a:ea typeface="Hiragino Kaku Gothic Pro W3" panose="020B0300000000000000" pitchFamily="34" charset="-128"/>
+                        </a:rPr>
+                        <a:t>戻る</a:t>
+                      </a:r>
+                    </a:p>
+                  </p:txBody>
+                </p:sp>
+                <p:sp>
+                  <p:nvSpPr>
+                    <p:cNvPr id="56" name="テキスト ボックス 55">
+                      <a:extLst>
+                        <a:ext uri="{FF2B5EF4-FFF2-40B4-BE49-F238E27FC236}">
+                          <a16:creationId xmlns:a16="http://schemas.microsoft.com/office/drawing/2014/main" id="{758F68D1-4AFA-E722-8D57-2A5A8E3660D1}"/>
+                        </a:ext>
+                      </a:extLst>
+                    </p:cNvPr>
+                    <p:cNvSpPr txBox="1"/>
+                    <p:nvPr/>
+                  </p:nvSpPr>
+                  <p:spPr>
+                    <a:xfrm>
+                      <a:off x="3261996" y="1144562"/>
+                      <a:ext cx="852288" cy="230832"/>
+                    </a:xfrm>
+                    <a:prstGeom prst="rect">
+                      <a:avLst/>
+                    </a:prstGeom>
+                    <a:noFill/>
+                  </p:spPr>
+                  <p:txBody>
+                    <a:bodyPr wrap="square" rtlCol="0">
+                      <a:spAutoFit/>
+                    </a:bodyPr>
+                    <a:lstStyle/>
+                    <a:p>
+                      <a:pPr algn="ctr"/>
+                      <a:r>
+                        <a:rPr kumimoji="1" lang="ja-JP" altLang="en-US" sz="900">
+                          <a:latin typeface="Hiragino Kaku Gothic Pro W3" panose="020B0300000000000000" pitchFamily="34" charset="-128"/>
+                          <a:ea typeface="Hiragino Kaku Gothic Pro W3" panose="020B0300000000000000" pitchFamily="34" charset="-128"/>
+                        </a:rPr>
+                        <a:t>詳細を選択</a:t>
+                      </a:r>
+                    </a:p>
+                  </p:txBody>
+                </p:sp>
+                <p:grpSp>
+                  <p:nvGrpSpPr>
+                    <p:cNvPr id="61" name="グループ化 60">
+                      <a:extLst>
+                        <a:ext uri="{FF2B5EF4-FFF2-40B4-BE49-F238E27FC236}">
+                          <a16:creationId xmlns:a16="http://schemas.microsoft.com/office/drawing/2014/main" id="{2BF0110F-677B-CD92-EFF2-6DBFE4BD0111}"/>
+                        </a:ext>
+                      </a:extLst>
+                    </p:cNvPr>
+                    <p:cNvGrpSpPr/>
+                    <p:nvPr/>
+                  </p:nvGrpSpPr>
+                  <p:grpSpPr>
+                    <a:xfrm>
+                      <a:off x="4484020" y="579786"/>
+                      <a:ext cx="1080000" cy="1080000"/>
+                      <a:chOff x="5386001" y="130396"/>
+                      <a:chExt cx="1080000" cy="1080000"/>
+                    </a:xfrm>
+                  </p:grpSpPr>
+                  <p:sp>
+                    <p:nvSpPr>
+                      <p:cNvPr id="58" name="円弧 57">
+                        <a:extLst>
+                          <a:ext uri="{FF2B5EF4-FFF2-40B4-BE49-F238E27FC236}">
+                            <a16:creationId xmlns:a16="http://schemas.microsoft.com/office/drawing/2014/main" id="{10D96483-8BA4-8971-BE69-D0F4581C2805}"/>
+                          </a:ext>
+                        </a:extLst>
+                      </p:cNvPr>
+                      <p:cNvSpPr/>
+                      <p:nvPr/>
+                    </p:nvSpPr>
+                    <p:spPr>
+                      <a:xfrm>
+                        <a:off x="5386001" y="130396"/>
+                        <a:ext cx="1080000" cy="1080000"/>
+                      </a:xfrm>
+                      <a:prstGeom prst="arc">
+                        <a:avLst/>
+                      </a:prstGeom>
+                      <a:ln w="22225">
+                        <a:solidFill>
+                          <a:schemeClr val="tx1"/>
+                        </a:solidFill>
+                        <a:tailEnd type="triangle"/>
+                      </a:ln>
+                    </p:spPr>
+                    <p:style>
+                      <a:lnRef idx="1">
+                        <a:schemeClr val="accent1"/>
+                      </a:lnRef>
+                      <a:fillRef idx="0">
+                        <a:schemeClr val="accent1"/>
+                      </a:fillRef>
+                      <a:effectRef idx="0">
+                        <a:schemeClr val="accent1"/>
+                      </a:effectRef>
+                      <a:fontRef idx="minor">
+                        <a:schemeClr val="tx1"/>
+                      </a:fontRef>
+                    </p:style>
+                    <p:txBody>
+                      <a:bodyPr rtlCol="0" anchor="ctr"/>
+                      <a:lstStyle/>
+                      <a:p>
+                        <a:pPr algn="ctr"/>
+                        <a:endParaRPr kumimoji="1" lang="ja-JP" altLang="en-US"/>
+                      </a:p>
+                    </p:txBody>
+                  </p:sp>
+                  <p:sp>
+                    <p:nvSpPr>
+                      <p:cNvPr id="59" name="円弧 58">
+                        <a:extLst>
+                          <a:ext uri="{FF2B5EF4-FFF2-40B4-BE49-F238E27FC236}">
+                            <a16:creationId xmlns:a16="http://schemas.microsoft.com/office/drawing/2014/main" id="{1CE566F1-C56F-4C9D-C5A5-D98685A1C1D5}"/>
+                          </a:ext>
+                        </a:extLst>
+                      </p:cNvPr>
+                      <p:cNvSpPr/>
+                      <p:nvPr/>
+                    </p:nvSpPr>
+                    <p:spPr>
+                      <a:xfrm rot="16200000">
+                        <a:off x="5386001" y="130396"/>
+                        <a:ext cx="1080000" cy="1080000"/>
+                      </a:xfrm>
+                      <a:prstGeom prst="arc">
+                        <a:avLst/>
+                      </a:prstGeom>
+                      <a:ln w="25400">
+                        <a:solidFill>
+                          <a:schemeClr val="tx1"/>
+                        </a:solidFill>
+                      </a:ln>
+                    </p:spPr>
+                    <p:style>
+                      <a:lnRef idx="1">
+                        <a:schemeClr val="accent1"/>
+                      </a:lnRef>
+                      <a:fillRef idx="0">
+                        <a:schemeClr val="accent1"/>
+                      </a:fillRef>
+                      <a:effectRef idx="0">
+                        <a:schemeClr val="accent1"/>
+                      </a:effectRef>
+                      <a:fontRef idx="minor">
+                        <a:schemeClr val="tx1"/>
+                      </a:fontRef>
+                    </p:style>
+                    <p:txBody>
+                      <a:bodyPr rtlCol="0" anchor="ctr"/>
+                      <a:lstStyle/>
+                      <a:p>
+                        <a:pPr algn="ctr"/>
+                        <a:endParaRPr kumimoji="1" lang="ja-JP" altLang="en-US"/>
+                      </a:p>
+                    </p:txBody>
+                  </p:sp>
+                </p:grpSp>
+              </p:grpSp>
+              <p:sp>
+                <p:nvSpPr>
+                  <p:cNvPr id="64" name="テキスト ボックス 63">
+                    <a:extLst>
+                      <a:ext uri="{FF2B5EF4-FFF2-40B4-BE49-F238E27FC236}">
+                        <a16:creationId xmlns:a16="http://schemas.microsoft.com/office/drawing/2014/main" id="{6C16230A-EFC6-CF6F-B8A9-41750606B399}"/>
+                      </a:ext>
+                    </a:extLst>
+                  </p:cNvPr>
+                  <p:cNvSpPr txBox="1"/>
+                  <p:nvPr/>
+                </p:nvSpPr>
+                <p:spPr>
+                  <a:xfrm>
+                    <a:off x="4597876" y="345682"/>
+                    <a:ext cx="852288" cy="230832"/>
+                  </a:xfrm>
+                  <a:prstGeom prst="rect">
+                    <a:avLst/>
+                  </a:prstGeom>
+                  <a:noFill/>
+                </p:spPr>
+                <p:txBody>
+                  <a:bodyPr wrap="square" rtlCol="0">
+                    <a:spAutoFit/>
+                  </a:bodyPr>
+                  <a:lstStyle/>
+                  <a:p>
+                    <a:pPr algn="ctr"/>
+                    <a:r>
+                      <a:rPr lang="ja-JP" altLang="en-US" sz="900">
+                        <a:latin typeface="Hiragino Kaku Gothic Pro W3" panose="020B0300000000000000" pitchFamily="34" charset="-128"/>
+                        <a:ea typeface="Hiragino Kaku Gothic Pro W3" panose="020B0300000000000000" pitchFamily="34" charset="-128"/>
+                      </a:rPr>
+                      <a:t>入力の不備</a:t>
+                    </a:r>
+                    <a:endParaRPr kumimoji="1" lang="ja-JP" altLang="en-US" sz="900">
+                      <a:latin typeface="Hiragino Kaku Gothic Pro W3" panose="020B0300000000000000" pitchFamily="34" charset="-128"/>
+                      <a:ea typeface="Hiragino Kaku Gothic Pro W3" panose="020B0300000000000000" pitchFamily="34" charset="-128"/>
+                    </a:endParaRPr>
+                  </a:p>
+                </p:txBody>
+              </p:sp>
+            </p:grpSp>
+            <p:sp>
+              <p:nvSpPr>
+                <p:cNvPr id="66" name="テキスト ボックス 65">
+                  <a:extLst>
+                    <a:ext uri="{FF2B5EF4-FFF2-40B4-BE49-F238E27FC236}">
+                      <a16:creationId xmlns:a16="http://schemas.microsoft.com/office/drawing/2014/main" id="{5E93DAD2-22D3-B387-28EB-C3FF85D95679}"/>
+                    </a:ext>
+                  </a:extLst>
+                </p:cNvPr>
+                <p:cNvSpPr txBox="1"/>
+                <p:nvPr/>
+              </p:nvSpPr>
+              <p:spPr>
+                <a:xfrm>
+                  <a:off x="6961485" y="1164818"/>
+                  <a:ext cx="852288" cy="230832"/>
+                </a:xfrm>
+                <a:prstGeom prst="rect">
+                  <a:avLst/>
+                </a:prstGeom>
+                <a:noFill/>
+              </p:spPr>
+              <p:txBody>
+                <a:bodyPr wrap="square" rtlCol="0">
+                  <a:spAutoFit/>
+                </a:bodyPr>
+                <a:lstStyle/>
+                <a:p>
+                  <a:pPr algn="ctr"/>
+                  <a:r>
+                    <a:rPr lang="ja-JP" altLang="en-US" sz="900">
+                      <a:latin typeface="Hiragino Kaku Gothic Pro W3" panose="020B0300000000000000" pitchFamily="34" charset="-128"/>
+                      <a:ea typeface="Hiragino Kaku Gothic Pro W3" panose="020B0300000000000000" pitchFamily="34" charset="-128"/>
+                    </a:rPr>
+                    <a:t>進むを選択</a:t>
+                  </a:r>
+                  <a:endParaRPr kumimoji="1" lang="en-US" altLang="ja-JP" sz="900" dirty="0">
+                    <a:latin typeface="Hiragino Kaku Gothic Pro W3" panose="020B0300000000000000" pitchFamily="34" charset="-128"/>
+                    <a:ea typeface="Hiragino Kaku Gothic Pro W3" panose="020B0300000000000000" pitchFamily="34" charset="-128"/>
+                  </a:endParaRPr>
+                </a:p>
+              </p:txBody>
+            </p:sp>
+            <p:sp>
+              <p:nvSpPr>
+                <p:cNvPr id="68" name="テキスト ボックス 67">
+                  <a:extLst>
+                    <a:ext uri="{FF2B5EF4-FFF2-40B4-BE49-F238E27FC236}">
+                      <a16:creationId xmlns:a16="http://schemas.microsoft.com/office/drawing/2014/main" id="{8F937440-C37B-AC88-6E7F-58067E737281}"/>
+                    </a:ext>
+                  </a:extLst>
+                </p:cNvPr>
+                <p:cNvSpPr txBox="1"/>
+                <p:nvPr/>
+              </p:nvSpPr>
+              <p:spPr>
+                <a:xfrm>
+                  <a:off x="7111473" y="1900661"/>
+                  <a:ext cx="552330" cy="230832"/>
+                </a:xfrm>
+                <a:prstGeom prst="rect">
+                  <a:avLst/>
+                </a:prstGeom>
+                <a:noFill/>
+              </p:spPr>
+              <p:txBody>
+                <a:bodyPr wrap="square" rtlCol="0">
+                  <a:spAutoFit/>
+                </a:bodyPr>
+                <a:lstStyle/>
+                <a:p>
+                  <a:pPr algn="ctr"/>
+                  <a:r>
+                    <a:rPr kumimoji="1" lang="ja-JP" altLang="en-US" sz="900">
+                      <a:latin typeface="Hiragino Kaku Gothic Pro W3" panose="020B0300000000000000" pitchFamily="34" charset="-128"/>
+                      <a:ea typeface="Hiragino Kaku Gothic Pro W3" panose="020B0300000000000000" pitchFamily="34" charset="-128"/>
+                    </a:rPr>
+                    <a:t>戻る</a:t>
+                  </a:r>
+                </a:p>
+              </p:txBody>
+            </p:sp>
+          </p:grpSp>
+          <p:sp>
+            <p:nvSpPr>
+              <p:cNvPr id="70" name="テキスト ボックス 69">
+                <a:extLst>
+                  <a:ext uri="{FF2B5EF4-FFF2-40B4-BE49-F238E27FC236}">
+                    <a16:creationId xmlns:a16="http://schemas.microsoft.com/office/drawing/2014/main" id="{C6114FC7-BD4E-9339-1F7C-BC29A70D9063}"/>
+                  </a:ext>
+                </a:extLst>
+              </p:cNvPr>
+              <p:cNvSpPr txBox="1"/>
+              <p:nvPr/>
+            </p:nvSpPr>
+            <p:spPr>
+              <a:xfrm>
+                <a:off x="5886956" y="2364064"/>
+                <a:ext cx="1037747" cy="369332"/>
+              </a:xfrm>
+              <a:prstGeom prst="rect">
+                <a:avLst/>
+              </a:prstGeom>
+              <a:noFill/>
+            </p:spPr>
+            <p:txBody>
+              <a:bodyPr wrap="square" rtlCol="0">
+                <a:spAutoFit/>
+              </a:bodyPr>
+              <a:lstStyle/>
+              <a:p>
+                <a:pPr algn="ctr"/>
+                <a:r>
+                  <a:rPr kumimoji="1" lang="ja-JP" altLang="en-US" sz="900">
+                    <a:latin typeface="Hiragino Kaku Gothic Pro W3" panose="020B0300000000000000" pitchFamily="34" charset="-128"/>
+                    <a:ea typeface="Hiragino Kaku Gothic Pro W3" panose="020B0300000000000000" pitchFamily="34" charset="-128"/>
+                  </a:rPr>
+                  <a:t>マイページへ</a:t>
+                </a:r>
+                <a:endParaRPr kumimoji="1" lang="en-US" altLang="ja-JP" sz="900" dirty="0">
+                  <a:latin typeface="Hiragino Kaku Gothic Pro W3" panose="020B0300000000000000" pitchFamily="34" charset="-128"/>
+                  <a:ea typeface="Hiragino Kaku Gothic Pro W3" panose="020B0300000000000000" pitchFamily="34" charset="-128"/>
+                </a:endParaRPr>
+              </a:p>
+              <a:p>
+                <a:pPr algn="ctr"/>
+                <a:r>
+                  <a:rPr kumimoji="1" lang="ja-JP" altLang="en-US" sz="900">
+                    <a:latin typeface="Hiragino Kaku Gothic Pro W3" panose="020B0300000000000000" pitchFamily="34" charset="-128"/>
+                    <a:ea typeface="Hiragino Kaku Gothic Pro W3" panose="020B0300000000000000" pitchFamily="34" charset="-128"/>
+                  </a:rPr>
+                  <a:t>戻る</a:t>
+                </a:r>
+              </a:p>
+            </p:txBody>
+          </p:sp>
+          <p:sp>
+            <p:nvSpPr>
+              <p:cNvPr id="71" name="テキスト ボックス 70">
+                <a:extLst>
+                  <a:ext uri="{FF2B5EF4-FFF2-40B4-BE49-F238E27FC236}">
+                    <a16:creationId xmlns:a16="http://schemas.microsoft.com/office/drawing/2014/main" id="{181A98BB-E187-26D8-5B42-815A22618F0F}"/>
+                  </a:ext>
+                </a:extLst>
+              </p:cNvPr>
+              <p:cNvSpPr txBox="1"/>
+              <p:nvPr/>
+            </p:nvSpPr>
+            <p:spPr>
+              <a:xfrm>
+                <a:off x="7741683" y="2375859"/>
+                <a:ext cx="1037747" cy="369332"/>
+              </a:xfrm>
+              <a:prstGeom prst="rect">
+                <a:avLst/>
+              </a:prstGeom>
+              <a:noFill/>
+            </p:spPr>
+            <p:txBody>
+              <a:bodyPr wrap="square" rtlCol="0">
+                <a:spAutoFit/>
+              </a:bodyPr>
+              <a:lstStyle/>
+              <a:p>
+                <a:pPr algn="ctr"/>
+                <a:r>
+                  <a:rPr kumimoji="1" lang="ja-JP" altLang="en-US" sz="900">
+                    <a:latin typeface="Hiragino Kaku Gothic Pro W3" panose="020B0300000000000000" pitchFamily="34" charset="-128"/>
+                    <a:ea typeface="Hiragino Kaku Gothic Pro W3" panose="020B0300000000000000" pitchFamily="34" charset="-128"/>
+                  </a:rPr>
+                  <a:t>マイページへ</a:t>
+                </a:r>
+                <a:endParaRPr kumimoji="1" lang="en-US" altLang="ja-JP" sz="900" dirty="0">
+                  <a:latin typeface="Hiragino Kaku Gothic Pro W3" panose="020B0300000000000000" pitchFamily="34" charset="-128"/>
+                  <a:ea typeface="Hiragino Kaku Gothic Pro W3" panose="020B0300000000000000" pitchFamily="34" charset="-128"/>
+                </a:endParaRPr>
+              </a:p>
+              <a:p>
+                <a:pPr algn="ctr"/>
+                <a:r>
+                  <a:rPr kumimoji="1" lang="ja-JP" altLang="en-US" sz="900">
+                    <a:latin typeface="Hiragino Kaku Gothic Pro W3" panose="020B0300000000000000" pitchFamily="34" charset="-128"/>
+                    <a:ea typeface="Hiragino Kaku Gothic Pro W3" panose="020B0300000000000000" pitchFamily="34" charset="-128"/>
+                  </a:rPr>
+                  <a:t>戻る</a:t>
+                </a:r>
+              </a:p>
+            </p:txBody>
+          </p:sp>
+        </p:grpSp>
+        <p:cxnSp>
+          <p:nvCxnSpPr>
+            <p:cNvPr id="74" name="直線矢印コネクタ 73">
+              <a:extLst>
+                <a:ext uri="{FF2B5EF4-FFF2-40B4-BE49-F238E27FC236}">
+                  <a16:creationId xmlns:a16="http://schemas.microsoft.com/office/drawing/2014/main" id="{DDDC3307-BBC6-0DD7-1DF2-194454BC372B}"/>
+                </a:ext>
+              </a:extLst>
+            </p:cNvPr>
+            <p:cNvCxnSpPr/>
+            <p:nvPr/>
+          </p:nvCxnSpPr>
+          <p:spPr>
+            <a:xfrm flipH="1">
+              <a:off x="4206985" y="3952130"/>
+              <a:ext cx="1394321" cy="801876"/>
+            </a:xfrm>
+            <a:prstGeom prst="straightConnector1">
+              <a:avLst/>
+            </a:prstGeom>
+            <a:ln>
+              <a:tailEnd type="triangle"/>
+            </a:ln>
+          </p:spPr>
+          <p:style>
+            <a:lnRef idx="2">
+              <a:schemeClr val="dk1"/>
+            </a:lnRef>
+            <a:fillRef idx="0">
+              <a:schemeClr val="dk1"/>
+            </a:fillRef>
+            <a:effectRef idx="1">
+              <a:schemeClr val="dk1"/>
+            </a:effectRef>
+            <a:fontRef idx="minor">
+              <a:schemeClr val="tx1"/>
+            </a:fontRef>
+          </p:style>
+        </p:cxnSp>
+        <p:cxnSp>
+          <p:nvCxnSpPr>
+            <p:cNvPr id="76" name="直線矢印コネクタ 75">
+              <a:extLst>
+                <a:ext uri="{FF2B5EF4-FFF2-40B4-BE49-F238E27FC236}">
+                  <a16:creationId xmlns:a16="http://schemas.microsoft.com/office/drawing/2014/main" id="{91FE2C16-1FFE-B401-F1B0-8F1DF59F07DE}"/>
+                </a:ext>
+              </a:extLst>
+            </p:cNvPr>
+            <p:cNvCxnSpPr>
+              <a:cxnSpLocks/>
+            </p:cNvCxnSpPr>
+            <p:nvPr/>
+          </p:nvCxnSpPr>
+          <p:spPr>
+            <a:xfrm flipV="1">
+              <a:off x="4992034" y="3952130"/>
+              <a:ext cx="894922" cy="801876"/>
+            </a:xfrm>
+            <a:prstGeom prst="straightConnector1">
+              <a:avLst/>
+            </a:prstGeom>
+            <a:ln>
+              <a:tailEnd type="triangle"/>
+            </a:ln>
+          </p:spPr>
+          <p:style>
+            <a:lnRef idx="2">
+              <a:schemeClr val="dk1"/>
+            </a:lnRef>
+            <a:fillRef idx="0">
+              <a:schemeClr val="dk1"/>
+            </a:fillRef>
+            <a:effectRef idx="1">
+              <a:schemeClr val="dk1"/>
+            </a:effectRef>
+            <a:fontRef idx="minor">
+              <a:schemeClr val="tx1"/>
+            </a:fontRef>
+          </p:style>
+        </p:cxnSp>
+        <p:sp>
+          <p:nvSpPr>
+            <p:cNvPr id="78" name="テキスト ボックス 77">
+              <a:extLst>
+                <a:ext uri="{FF2B5EF4-FFF2-40B4-BE49-F238E27FC236}">
+                  <a16:creationId xmlns:a16="http://schemas.microsoft.com/office/drawing/2014/main" id="{3C8139DB-5384-B0AC-C15E-949DC82323D9}"/>
+                </a:ext>
+              </a:extLst>
+            </p:cNvPr>
+            <p:cNvSpPr txBox="1"/>
+            <p:nvPr/>
+          </p:nvSpPr>
+          <p:spPr>
+            <a:xfrm>
+              <a:off x="3491113" y="4317393"/>
+              <a:ext cx="1335881" cy="369332"/>
+            </a:xfrm>
+            <a:prstGeom prst="rect">
+              <a:avLst/>
+            </a:prstGeom>
+            <a:noFill/>
+          </p:spPr>
+          <p:txBody>
+            <a:bodyPr wrap="square" rtlCol="0">
+              <a:spAutoFit/>
+            </a:bodyPr>
+            <a:lstStyle/>
+            <a:p>
+              <a:pPr algn="ctr"/>
+              <a:r>
+                <a:rPr kumimoji="1" lang="ja-JP" altLang="en-US" sz="900">
+                  <a:latin typeface="Hiragino Kaku Gothic Pro W3" panose="020B0300000000000000" pitchFamily="34" charset="-128"/>
+                  <a:ea typeface="Hiragino Kaku Gothic Pro W3" panose="020B0300000000000000" pitchFamily="34" charset="-128"/>
+                </a:rPr>
+                <a:t>昇給プランニング</a:t>
+              </a:r>
+              <a:endParaRPr kumimoji="1" lang="en-US" altLang="ja-JP" sz="900" dirty="0">
+                <a:latin typeface="Hiragino Kaku Gothic Pro W3" panose="020B0300000000000000" pitchFamily="34" charset="-128"/>
+                <a:ea typeface="Hiragino Kaku Gothic Pro W3" panose="020B0300000000000000" pitchFamily="34" charset="-128"/>
+              </a:endParaRPr>
+            </a:p>
+            <a:p>
+              <a:pPr algn="ctr"/>
+              <a:r>
+                <a:rPr lang="ja-JP" altLang="en-US" sz="900">
+                  <a:latin typeface="Hiragino Kaku Gothic Pro W3" panose="020B0300000000000000" pitchFamily="34" charset="-128"/>
+                  <a:ea typeface="Hiragino Kaku Gothic Pro W3" panose="020B0300000000000000" pitchFamily="34" charset="-128"/>
+                </a:rPr>
+                <a:t>選択</a:t>
+              </a:r>
+              <a:endParaRPr kumimoji="1" lang="ja-JP" altLang="en-US" sz="900">
+                <a:latin typeface="Hiragino Kaku Gothic Pro W3" panose="020B0300000000000000" pitchFamily="34" charset="-128"/>
+                <a:ea typeface="Hiragino Kaku Gothic Pro W3" panose="020B0300000000000000" pitchFamily="34" charset="-128"/>
+              </a:endParaRPr>
+            </a:p>
+          </p:txBody>
+        </p:sp>
+        <p:sp>
+          <p:nvSpPr>
+            <p:cNvPr id="79" name="テキスト ボックス 78">
+              <a:extLst>
+                <a:ext uri="{FF2B5EF4-FFF2-40B4-BE49-F238E27FC236}">
+                  <a16:creationId xmlns:a16="http://schemas.microsoft.com/office/drawing/2014/main" id="{A8567635-CA40-A347-5183-8645FAA502FF}"/>
+                </a:ext>
+              </a:extLst>
+            </p:cNvPr>
+            <p:cNvSpPr txBox="1"/>
+            <p:nvPr/>
+          </p:nvSpPr>
+          <p:spPr>
+            <a:xfrm>
+              <a:off x="5231306" y="4421016"/>
+              <a:ext cx="552330" cy="230832"/>
+            </a:xfrm>
+            <a:prstGeom prst="rect">
+              <a:avLst/>
+            </a:prstGeom>
+            <a:noFill/>
+          </p:spPr>
+          <p:txBody>
+            <a:bodyPr wrap="square" rtlCol="0">
+              <a:spAutoFit/>
+            </a:bodyPr>
+            <a:lstStyle/>
+            <a:p>
+              <a:pPr algn="ctr"/>
+              <a:r>
+                <a:rPr kumimoji="1" lang="ja-JP" altLang="en-US" sz="900">
+                  <a:latin typeface="Hiragino Kaku Gothic Pro W3" panose="020B0300000000000000" pitchFamily="34" charset="-128"/>
+                  <a:ea typeface="Hiragino Kaku Gothic Pro W3" panose="020B0300000000000000" pitchFamily="34" charset="-128"/>
+                </a:rPr>
+                <a:t>戻る</a:t>
+              </a:r>
+            </a:p>
+          </p:txBody>
+        </p:sp>
+        <p:grpSp>
+          <p:nvGrpSpPr>
+            <p:cNvPr id="88" name="グループ化 87">
+              <a:extLst>
+                <a:ext uri="{FF2B5EF4-FFF2-40B4-BE49-F238E27FC236}">
+                  <a16:creationId xmlns:a16="http://schemas.microsoft.com/office/drawing/2014/main" id="{516D4931-F593-B90A-A379-8E6FD29B602E}"/>
+                </a:ext>
+              </a:extLst>
+            </p:cNvPr>
+            <p:cNvGrpSpPr/>
+            <p:nvPr/>
+          </p:nvGrpSpPr>
+          <p:grpSpPr>
+            <a:xfrm>
+              <a:off x="4045346" y="5126225"/>
+              <a:ext cx="1080000" cy="1080000"/>
+              <a:chOff x="4037714" y="5144716"/>
+              <a:chExt cx="1080000" cy="1080000"/>
+            </a:xfrm>
+          </p:grpSpPr>
+          <p:sp>
+            <p:nvSpPr>
+              <p:cNvPr id="86" name="円弧 85">
+                <a:extLst>
+                  <a:ext uri="{FF2B5EF4-FFF2-40B4-BE49-F238E27FC236}">
+                    <a16:creationId xmlns:a16="http://schemas.microsoft.com/office/drawing/2014/main" id="{BE2446CA-AF7B-526F-ADD0-B15B5D7F2EEA}"/>
+                  </a:ext>
+                </a:extLst>
+              </p:cNvPr>
+              <p:cNvSpPr/>
+              <p:nvPr/>
+            </p:nvSpPr>
+            <p:spPr>
+              <a:xfrm rot="10800000">
+                <a:off x="4037714" y="5144716"/>
+                <a:ext cx="1080000" cy="1080000"/>
+              </a:xfrm>
+              <a:prstGeom prst="arc">
+                <a:avLst/>
+              </a:prstGeom>
+              <a:ln w="19050">
+                <a:solidFill>
+                  <a:schemeClr val="tx1"/>
+                </a:solidFill>
+                <a:tailEnd type="triangle"/>
+              </a:ln>
+            </p:spPr>
+            <p:style>
+              <a:lnRef idx="1">
+                <a:schemeClr val="accent1"/>
+              </a:lnRef>
+              <a:fillRef idx="0">
+                <a:schemeClr val="accent1"/>
+              </a:fillRef>
+              <a:effectRef idx="0">
+                <a:schemeClr val="accent1"/>
+              </a:effectRef>
+              <a:fontRef idx="minor">
+                <a:schemeClr val="tx1"/>
+              </a:fontRef>
+            </p:style>
+            <p:txBody>
+              <a:bodyPr rtlCol="0" anchor="ctr"/>
+              <a:lstStyle/>
+              <a:p>
+                <a:pPr algn="ctr"/>
+                <a:endParaRPr kumimoji="1" lang="ja-JP" altLang="en-US"/>
+              </a:p>
+            </p:txBody>
+          </p:sp>
+          <p:sp>
+            <p:nvSpPr>
+              <p:cNvPr id="87" name="円弧 86">
+                <a:extLst>
+                  <a:ext uri="{FF2B5EF4-FFF2-40B4-BE49-F238E27FC236}">
+                    <a16:creationId xmlns:a16="http://schemas.microsoft.com/office/drawing/2014/main" id="{50D85CEE-068A-CB1E-EE58-1250F2CE2D7A}"/>
+                  </a:ext>
+                </a:extLst>
+              </p:cNvPr>
+              <p:cNvSpPr/>
+              <p:nvPr/>
+            </p:nvSpPr>
+            <p:spPr>
+              <a:xfrm rot="5400000">
+                <a:off x="4037714" y="5144716"/>
+                <a:ext cx="1080000" cy="1080000"/>
+              </a:xfrm>
+              <a:prstGeom prst="arc">
+                <a:avLst/>
+              </a:prstGeom>
+              <a:ln w="25400">
+                <a:solidFill>
+                  <a:schemeClr val="tx1"/>
+                </a:solidFill>
+              </a:ln>
+            </p:spPr>
+            <p:style>
+              <a:lnRef idx="1">
+                <a:schemeClr val="accent1"/>
+              </a:lnRef>
+              <a:fillRef idx="0">
+                <a:schemeClr val="accent1"/>
+              </a:fillRef>
+              <a:effectRef idx="0">
+                <a:schemeClr val="accent1"/>
+              </a:effectRef>
+              <a:fontRef idx="minor">
+                <a:schemeClr val="tx1"/>
+              </a:fontRef>
+            </p:style>
+            <p:txBody>
+              <a:bodyPr rtlCol="0" anchor="ctr"/>
+              <a:lstStyle/>
+              <a:p>
+                <a:pPr algn="ctr"/>
+                <a:endParaRPr kumimoji="1" lang="ja-JP" altLang="en-US"/>
+              </a:p>
+            </p:txBody>
+          </p:sp>
+        </p:grpSp>
+        <p:sp>
+          <p:nvSpPr>
+            <p:cNvPr id="89" name="テキスト ボックス 88">
+              <a:extLst>
+                <a:ext uri="{FF2B5EF4-FFF2-40B4-BE49-F238E27FC236}">
+                  <a16:creationId xmlns:a16="http://schemas.microsoft.com/office/drawing/2014/main" id="{7946A531-7C2E-24AB-03A6-5F8166315989}"/>
+                </a:ext>
+              </a:extLst>
+            </p:cNvPr>
+            <p:cNvSpPr txBox="1"/>
+            <p:nvPr/>
+          </p:nvSpPr>
+          <p:spPr>
+            <a:xfrm>
+              <a:off x="4141740" y="6207205"/>
+              <a:ext cx="852288" cy="230832"/>
+            </a:xfrm>
+            <a:prstGeom prst="rect">
+              <a:avLst/>
+            </a:prstGeom>
+            <a:noFill/>
+          </p:spPr>
+          <p:txBody>
+            <a:bodyPr wrap="square" rtlCol="0">
+              <a:spAutoFit/>
+            </a:bodyPr>
+            <a:lstStyle/>
+            <a:p>
+              <a:pPr algn="ctr"/>
+              <a:r>
+                <a:rPr lang="ja-JP" altLang="en-US" sz="900">
+                  <a:latin typeface="Hiragino Kaku Gothic Pro W3" panose="020B0300000000000000" pitchFamily="34" charset="-128"/>
+                  <a:ea typeface="Hiragino Kaku Gothic Pro W3" panose="020B0300000000000000" pitchFamily="34" charset="-128"/>
+                </a:rPr>
+                <a:t>入力の不備</a:t>
+              </a:r>
+              <a:endParaRPr kumimoji="1" lang="ja-JP" altLang="en-US" sz="900">
+                <a:latin typeface="Hiragino Kaku Gothic Pro W3" panose="020B0300000000000000" pitchFamily="34" charset="-128"/>
+                <a:ea typeface="Hiragino Kaku Gothic Pro W3" panose="020B0300000000000000" pitchFamily="34" charset="-128"/>
+              </a:endParaRPr>
+            </a:p>
+          </p:txBody>
+        </p:sp>
+        <p:cxnSp>
+          <p:nvCxnSpPr>
+            <p:cNvPr id="90" name="直線矢印コネクタ 89">
+              <a:extLst>
+                <a:ext uri="{FF2B5EF4-FFF2-40B4-BE49-F238E27FC236}">
+                  <a16:creationId xmlns:a16="http://schemas.microsoft.com/office/drawing/2014/main" id="{8CA9ACED-7C83-6A7D-52DE-70E572506CDB}"/>
+                </a:ext>
+              </a:extLst>
+            </p:cNvPr>
+            <p:cNvCxnSpPr>
+              <a:cxnSpLocks/>
+              <a:stCxn id="7" idx="0"/>
+              <a:endCxn id="2" idx="2"/>
+            </p:cNvCxnSpPr>
+            <p:nvPr/>
+          </p:nvCxnSpPr>
+          <p:spPr>
+            <a:xfrm flipH="1" flipV="1">
+              <a:off x="6027450" y="3952130"/>
+              <a:ext cx="1443038" cy="801876"/>
+            </a:xfrm>
+            <a:prstGeom prst="straightConnector1">
+              <a:avLst/>
+            </a:prstGeom>
+            <a:ln>
+              <a:tailEnd type="triangle"/>
+            </a:ln>
+          </p:spPr>
+          <p:style>
+            <a:lnRef idx="2">
+              <a:schemeClr val="dk1"/>
+            </a:lnRef>
+            <a:fillRef idx="0">
+              <a:schemeClr val="dk1"/>
+            </a:fillRef>
+            <a:effectRef idx="1">
+              <a:schemeClr val="dk1"/>
+            </a:effectRef>
+            <a:fontRef idx="minor">
+              <a:schemeClr val="tx1"/>
+            </a:fontRef>
+          </p:style>
+        </p:cxnSp>
+        <p:sp>
+          <p:nvSpPr>
+            <p:cNvPr id="93" name="テキスト ボックス 92">
+              <a:extLst>
+                <a:ext uri="{FF2B5EF4-FFF2-40B4-BE49-F238E27FC236}">
+                  <a16:creationId xmlns:a16="http://schemas.microsoft.com/office/drawing/2014/main" id="{1B1FA74A-45DC-7AFE-D534-622C501E9802}"/>
+                </a:ext>
+              </a:extLst>
+            </p:cNvPr>
+            <p:cNvSpPr txBox="1"/>
+            <p:nvPr/>
+          </p:nvSpPr>
+          <p:spPr>
+            <a:xfrm>
+              <a:off x="6748969" y="4211420"/>
+              <a:ext cx="552330" cy="230832"/>
+            </a:xfrm>
+            <a:prstGeom prst="rect">
+              <a:avLst/>
+            </a:prstGeom>
+            <a:noFill/>
+          </p:spPr>
+          <p:txBody>
+            <a:bodyPr wrap="square" rtlCol="0">
+              <a:spAutoFit/>
+            </a:bodyPr>
+            <a:lstStyle/>
+            <a:p>
+              <a:pPr algn="ctr"/>
+              <a:r>
+                <a:rPr kumimoji="1" lang="ja-JP" altLang="en-US" sz="900">
+                  <a:latin typeface="Hiragino Kaku Gothic Pro W3" panose="020B0300000000000000" pitchFamily="34" charset="-128"/>
+                  <a:ea typeface="Hiragino Kaku Gothic Pro W3" panose="020B0300000000000000" pitchFamily="34" charset="-128"/>
+                </a:rPr>
+                <a:t>戻る</a:t>
+              </a:r>
+            </a:p>
+          </p:txBody>
+        </p:sp>
+        <p:cxnSp>
+          <p:nvCxnSpPr>
+            <p:cNvPr id="94" name="直線矢印コネクタ 93">
+              <a:extLst>
+                <a:ext uri="{FF2B5EF4-FFF2-40B4-BE49-F238E27FC236}">
+                  <a16:creationId xmlns:a16="http://schemas.microsoft.com/office/drawing/2014/main" id="{775957D9-62C4-BC32-DF7C-16EA0905BA0E}"/>
+                </a:ext>
+              </a:extLst>
+            </p:cNvPr>
+            <p:cNvCxnSpPr>
+              <a:cxnSpLocks/>
+              <a:stCxn id="6" idx="3"/>
+              <a:endCxn id="7" idx="1"/>
+            </p:cNvCxnSpPr>
+            <p:nvPr/>
+          </p:nvCxnSpPr>
+          <p:spPr>
+            <a:xfrm>
+              <a:off x="5306865" y="5211206"/>
+              <a:ext cx="1442104" cy="0"/>
+            </a:xfrm>
+            <a:prstGeom prst="straightConnector1">
+              <a:avLst/>
+            </a:prstGeom>
+            <a:ln>
+              <a:tailEnd type="triangle"/>
+            </a:ln>
+          </p:spPr>
+          <p:style>
+            <a:lnRef idx="2">
+              <a:schemeClr val="dk1"/>
+            </a:lnRef>
+            <a:fillRef idx="0">
+              <a:schemeClr val="dk1"/>
+            </a:fillRef>
+            <a:effectRef idx="1">
+              <a:schemeClr val="dk1"/>
+            </a:effectRef>
+            <a:fontRef idx="minor">
+              <a:schemeClr val="tx1"/>
+            </a:fontRef>
+          </p:style>
+        </p:cxnSp>
+        <p:sp>
+          <p:nvSpPr>
+            <p:cNvPr id="97" name="テキスト ボックス 96">
+              <a:extLst>
+                <a:ext uri="{FF2B5EF4-FFF2-40B4-BE49-F238E27FC236}">
+                  <a16:creationId xmlns:a16="http://schemas.microsoft.com/office/drawing/2014/main" id="{AB5F7EE2-73D4-CF09-22D8-B1DE7AAC78EF}"/>
+                </a:ext>
+              </a:extLst>
+            </p:cNvPr>
+            <p:cNvSpPr txBox="1"/>
+            <p:nvPr/>
+          </p:nvSpPr>
+          <p:spPr>
+            <a:xfrm>
+              <a:off x="5529971" y="5282985"/>
+              <a:ext cx="852288" cy="230832"/>
+            </a:xfrm>
+            <a:prstGeom prst="rect">
+              <a:avLst/>
+            </a:prstGeom>
+            <a:noFill/>
+          </p:spPr>
+          <p:txBody>
+            <a:bodyPr wrap="square" rtlCol="0">
+              <a:spAutoFit/>
+            </a:bodyPr>
+            <a:lstStyle/>
+            <a:p>
+              <a:pPr algn="ctr"/>
+              <a:r>
+                <a:rPr lang="ja-JP" altLang="en-US" sz="900">
+                  <a:latin typeface="Hiragino Kaku Gothic Pro W3" panose="020B0300000000000000" pitchFamily="34" charset="-128"/>
+                  <a:ea typeface="Hiragino Kaku Gothic Pro W3" panose="020B0300000000000000" pitchFamily="34" charset="-128"/>
+                </a:rPr>
+                <a:t>進むを選択</a:t>
+              </a:r>
+              <a:endParaRPr kumimoji="1" lang="ja-JP" altLang="en-US" sz="900">
+                <a:latin typeface="Hiragino Kaku Gothic Pro W3" panose="020B0300000000000000" pitchFamily="34" charset="-128"/>
+                <a:ea typeface="Hiragino Kaku Gothic Pro W3" panose="020B0300000000000000" pitchFamily="34" charset="-128"/>
+              </a:endParaRPr>
+            </a:p>
+          </p:txBody>
+        </p:sp>
+        <p:sp>
+          <p:nvSpPr>
+            <p:cNvPr id="99" name="テキスト ボックス 98">
+              <a:extLst>
+                <a:ext uri="{FF2B5EF4-FFF2-40B4-BE49-F238E27FC236}">
+                  <a16:creationId xmlns:a16="http://schemas.microsoft.com/office/drawing/2014/main" id="{6912CB71-4EC7-D435-93C9-BFBAC7A91C3A}"/>
+                </a:ext>
+              </a:extLst>
+            </p:cNvPr>
+            <p:cNvSpPr txBox="1"/>
+            <p:nvPr/>
+          </p:nvSpPr>
+          <p:spPr>
+            <a:xfrm>
+              <a:off x="3386198" y="3941940"/>
+              <a:ext cx="1605836" cy="307777"/>
+            </a:xfrm>
+            <a:prstGeom prst="rect">
+              <a:avLst/>
+            </a:prstGeom>
+            <a:solidFill>
+              <a:schemeClr val="accent4">
+                <a:lumMod val="40000"/>
+                <a:lumOff val="60000"/>
+              </a:schemeClr>
+            </a:solidFill>
+          </p:spPr>
+          <p:txBody>
+            <a:bodyPr wrap="square" rtlCol="0">
+              <a:spAutoFit/>
+            </a:bodyPr>
+            <a:lstStyle/>
+            <a:p>
+              <a:pPr algn="ctr"/>
+              <a:r>
+                <a:rPr lang="ja-JP" altLang="en-US" sz="1400">
+                  <a:latin typeface="Hiragino Kaku Gothic Pro W3" panose="020B0300000000000000" pitchFamily="34" charset="-128"/>
+                  <a:ea typeface="Hiragino Kaku Gothic Pro W3" panose="020B0300000000000000" pitchFamily="34" charset="-128"/>
+                </a:rPr>
+                <a:t>昇給プランニング</a:t>
+              </a:r>
+              <a:endParaRPr kumimoji="1" lang="ja-JP" altLang="en-US" sz="1400">
+                <a:latin typeface="Hiragino Kaku Gothic Pro W3" panose="020B0300000000000000" pitchFamily="34" charset="-128"/>
+                <a:ea typeface="Hiragino Kaku Gothic Pro W3" panose="020B0300000000000000" pitchFamily="34" charset="-128"/>
+              </a:endParaRPr>
+            </a:p>
+          </p:txBody>
+        </p:sp>
+      </p:grpSp>
+    </p:spTree>
+    <p:extLst>
+      <p:ext uri="{BB962C8B-B14F-4D97-AF65-F5344CB8AC3E}">
+        <p14:creationId xmlns:p14="http://schemas.microsoft.com/office/powerpoint/2010/main" val="2877768174"/>
+      </p:ext>
+    </p:extLst>
+  </p:cSld>
+  <p:clrMapOvr>
+    <a:masterClrMapping/>
+  </p:clrMapOvr>
+</p:sld>
+</file>
+
+<file path=ppt/slides/slide5.xml><?xml version="1.0" encoding="utf-8"?>
+<p:sld xmlns:a="http://schemas.openxmlformats.org/drawingml/2006/main" xmlns:r="http://schemas.openxmlformats.org/officeDocument/2006/relationships" xmlns:p="http://schemas.openxmlformats.org/presentationml/2006/main">
+  <p:cSld>
+    <p:spTree>
+      <p:nvGrpSpPr>
+        <p:cNvPr id="1" name=""/>
+        <p:cNvGrpSpPr/>
+        <p:nvPr/>
+      </p:nvGrpSpPr>
+      <p:grpSpPr>
+        <a:xfrm>
+          <a:off x="0" y="0"/>
+          <a:ext cx="0" cy="0"/>
+          <a:chOff x="0" y="0"/>
+          <a:chExt cx="0" cy="0"/>
+        </a:xfrm>
+      </p:grpSpPr>
+      <p:grpSp>
+        <p:nvGrpSpPr>
+          <p:cNvPr id="62" name="グループ化 61">
+            <a:extLst>
+              <a:ext uri="{FF2B5EF4-FFF2-40B4-BE49-F238E27FC236}">
+                <a16:creationId xmlns:a16="http://schemas.microsoft.com/office/drawing/2014/main" id="{3C3E8AB4-2FC1-CC6F-A1F2-052D413056D6}"/>
+              </a:ext>
+            </a:extLst>
+          </p:cNvPr>
+          <p:cNvGrpSpPr/>
+          <p:nvPr/>
+        </p:nvGrpSpPr>
+        <p:grpSpPr>
+          <a:xfrm>
+            <a:off x="3668156" y="1264487"/>
+            <a:ext cx="3165592" cy="3030543"/>
+            <a:chOff x="2791726" y="876555"/>
+            <a:chExt cx="3165592" cy="3030543"/>
+          </a:xfrm>
+        </p:grpSpPr>
+        <p:grpSp>
+          <p:nvGrpSpPr>
+            <p:cNvPr id="52" name="グループ化 51">
+              <a:extLst>
+                <a:ext uri="{FF2B5EF4-FFF2-40B4-BE49-F238E27FC236}">
+                  <a16:creationId xmlns:a16="http://schemas.microsoft.com/office/drawing/2014/main" id="{3767A5BB-FC48-C7E4-F1F0-84C093F24D5E}"/>
+                </a:ext>
+              </a:extLst>
+            </p:cNvPr>
+            <p:cNvGrpSpPr/>
+            <p:nvPr/>
+          </p:nvGrpSpPr>
+          <p:grpSpPr>
+            <a:xfrm>
+              <a:off x="2791726" y="876555"/>
+              <a:ext cx="2953813" cy="3030543"/>
+              <a:chOff x="3863706" y="855657"/>
+              <a:chExt cx="2953813" cy="3030543"/>
+            </a:xfrm>
+          </p:grpSpPr>
+          <p:sp>
+            <p:nvSpPr>
+              <p:cNvPr id="2" name="正方形/長方形 1">
+                <a:extLst>
+                  <a:ext uri="{FF2B5EF4-FFF2-40B4-BE49-F238E27FC236}">
+                    <a16:creationId xmlns:a16="http://schemas.microsoft.com/office/drawing/2014/main" id="{463FD6E9-9A18-8657-B410-76A90565489C}"/>
+                  </a:ext>
+                </a:extLst>
+              </p:cNvPr>
+              <p:cNvSpPr/>
+              <p:nvPr/>
+            </p:nvSpPr>
+            <p:spPr>
+              <a:xfrm>
+                <a:off x="5374481" y="2971800"/>
+                <a:ext cx="1443038" cy="914400"/>
+              </a:xfrm>
+              <a:prstGeom prst="rect">
+                <a:avLst/>
+              </a:prstGeom>
+              <a:noFill/>
+              <a:ln>
+                <a:solidFill>
+                  <a:schemeClr val="tx1"/>
+                </a:solidFill>
+              </a:ln>
+            </p:spPr>
+            <p:style>
+              <a:lnRef idx="2">
+                <a:schemeClr val="accent1">
+                  <a:shade val="50000"/>
+                </a:schemeClr>
+              </a:lnRef>
+              <a:fillRef idx="1">
+                <a:schemeClr val="accent1"/>
+              </a:fillRef>
+              <a:effectRef idx="0">
+                <a:schemeClr val="accent1"/>
+              </a:effectRef>
+              <a:fontRef idx="minor">
+                <a:schemeClr val="lt1"/>
+              </a:fontRef>
+            </p:style>
+            <p:txBody>
+              <a:bodyPr rtlCol="0" anchor="ctr"/>
+              <a:lstStyle/>
+              <a:p>
+                <a:pPr algn="ctr"/>
+                <a:r>
+                  <a:rPr kumimoji="1" lang="ja-JP" altLang="en-US" sz="1200">
+                    <a:solidFill>
+                      <a:schemeClr val="tx1"/>
+                    </a:solidFill>
+                    <a:latin typeface="Hiragino Kaku Gothic Pro W3" panose="020B0300000000000000" pitchFamily="34" charset="-128"/>
+                    <a:ea typeface="Hiragino Kaku Gothic Pro W3" panose="020B0300000000000000" pitchFamily="34" charset="-128"/>
+                  </a:rPr>
+                  <a:t>マイページ</a:t>
+                </a:r>
+              </a:p>
+            </p:txBody>
+          </p:sp>
+          <p:sp>
+            <p:nvSpPr>
+              <p:cNvPr id="3" name="正方形/長方形 2">
+                <a:extLst>
+                  <a:ext uri="{FF2B5EF4-FFF2-40B4-BE49-F238E27FC236}">
+                    <a16:creationId xmlns:a16="http://schemas.microsoft.com/office/drawing/2014/main" id="{AB73FD7C-E656-8D49-0F26-13FEA3651B2C}"/>
+                  </a:ext>
+                </a:extLst>
+              </p:cNvPr>
+              <p:cNvSpPr/>
+              <p:nvPr/>
+            </p:nvSpPr>
+            <p:spPr>
+              <a:xfrm>
+                <a:off x="5374481" y="855657"/>
+                <a:ext cx="1443038" cy="914400"/>
+              </a:xfrm>
+              <a:prstGeom prst="rect">
+                <a:avLst/>
+              </a:prstGeom>
+              <a:solidFill>
+                <a:schemeClr val="bg1"/>
+              </a:solidFill>
+              <a:ln>
+                <a:solidFill>
+                  <a:schemeClr val="tx1"/>
+                </a:solidFill>
+              </a:ln>
+            </p:spPr>
+            <p:style>
+              <a:lnRef idx="2">
+                <a:schemeClr val="accent1">
+                  <a:shade val="50000"/>
+                </a:schemeClr>
+              </a:lnRef>
+              <a:fillRef idx="1">
+                <a:schemeClr val="accent1"/>
+              </a:fillRef>
+              <a:effectRef idx="0">
+                <a:schemeClr val="accent1"/>
+              </a:effectRef>
+              <a:fontRef idx="minor">
+                <a:schemeClr val="lt1"/>
+              </a:fontRef>
+            </p:style>
+            <p:txBody>
+              <a:bodyPr rtlCol="0" anchor="ctr"/>
+              <a:lstStyle/>
+              <a:p>
+                <a:pPr algn="ctr"/>
+                <a:r>
+                  <a:rPr kumimoji="1" lang="ja-JP" altLang="en-US" sz="1200">
+                    <a:solidFill>
+                      <a:schemeClr val="tx1"/>
+                    </a:solidFill>
+                    <a:latin typeface="Hiragino Kaku Gothic Pro W3" panose="020B0300000000000000" pitchFamily="34" charset="-128"/>
+                    <a:ea typeface="Hiragino Kaku Gothic Pro W3" panose="020B0300000000000000" pitchFamily="34" charset="-128"/>
+                  </a:rPr>
+                  <a:t>貯蓄</a:t>
+                </a:r>
+                <a:endParaRPr kumimoji="1" lang="en-US" altLang="ja-JP" sz="1200" dirty="0">
+                  <a:solidFill>
+                    <a:schemeClr val="tx1"/>
+                  </a:solidFill>
+                  <a:latin typeface="Hiragino Kaku Gothic Pro W3" panose="020B0300000000000000" pitchFamily="34" charset="-128"/>
+                  <a:ea typeface="Hiragino Kaku Gothic Pro W3" panose="020B0300000000000000" pitchFamily="34" charset="-128"/>
+                </a:endParaRPr>
+              </a:p>
+              <a:p>
+                <a:pPr algn="ctr"/>
+                <a:r>
+                  <a:rPr kumimoji="1" lang="ja-JP" altLang="en-US" sz="1200">
+                    <a:solidFill>
+                      <a:schemeClr val="tx1"/>
+                    </a:solidFill>
+                    <a:latin typeface="Hiragino Kaku Gothic Pro W3" panose="020B0300000000000000" pitchFamily="34" charset="-128"/>
+                    <a:ea typeface="Hiragino Kaku Gothic Pro W3" panose="020B0300000000000000" pitchFamily="34" charset="-128"/>
+                  </a:rPr>
+                  <a:t>シミュレーション</a:t>
+                </a:r>
+                <a:endParaRPr kumimoji="1" lang="en-US" altLang="ja-JP" sz="1200" dirty="0">
+                  <a:solidFill>
+                    <a:schemeClr val="tx1"/>
+                  </a:solidFill>
+                  <a:latin typeface="Hiragino Kaku Gothic Pro W3" panose="020B0300000000000000" pitchFamily="34" charset="-128"/>
+                  <a:ea typeface="Hiragino Kaku Gothic Pro W3" panose="020B0300000000000000" pitchFamily="34" charset="-128"/>
+                </a:endParaRPr>
+              </a:p>
+              <a:p>
+                <a:pPr algn="ctr"/>
+                <a:r>
+                  <a:rPr lang="ja-JP" altLang="en-US" sz="1200">
+                    <a:solidFill>
+                      <a:schemeClr val="tx1"/>
+                    </a:solidFill>
+                    <a:latin typeface="Hiragino Kaku Gothic Pro W3" panose="020B0300000000000000" pitchFamily="34" charset="-128"/>
+                    <a:ea typeface="Hiragino Kaku Gothic Pro W3" panose="020B0300000000000000" pitchFamily="34" charset="-128"/>
+                  </a:rPr>
+                  <a:t>（簡易版）</a:t>
+                </a:r>
+                <a:endParaRPr kumimoji="1" lang="ja-JP" altLang="en-US" sz="1200">
+                  <a:solidFill>
+                    <a:schemeClr val="tx1"/>
+                  </a:solidFill>
+                  <a:latin typeface="Hiragino Kaku Gothic Pro W3" panose="020B0300000000000000" pitchFamily="34" charset="-128"/>
+                  <a:ea typeface="Hiragino Kaku Gothic Pro W3" panose="020B0300000000000000" pitchFamily="34" charset="-128"/>
+                </a:endParaRPr>
+              </a:p>
+            </p:txBody>
+          </p:sp>
+          <p:cxnSp>
+            <p:nvCxnSpPr>
+              <p:cNvPr id="10" name="直線矢印コネクタ 9">
+                <a:extLst>
+                  <a:ext uri="{FF2B5EF4-FFF2-40B4-BE49-F238E27FC236}">
+                    <a16:creationId xmlns:a16="http://schemas.microsoft.com/office/drawing/2014/main" id="{2B7CBDF1-0200-78D3-7CA9-DFDEDF662BCC}"/>
+                  </a:ext>
+                </a:extLst>
+              </p:cNvPr>
+              <p:cNvCxnSpPr>
+                <a:cxnSpLocks/>
+              </p:cNvCxnSpPr>
+              <p:nvPr/>
+            </p:nvCxnSpPr>
+            <p:spPr>
+              <a:xfrm flipV="1">
+                <a:off x="6520150" y="1754416"/>
+                <a:ext cx="0" cy="1217384"/>
+              </a:xfrm>
+              <a:prstGeom prst="straightConnector1">
+                <a:avLst/>
+              </a:prstGeom>
+              <a:ln>
+                <a:tailEnd type="triangle"/>
+              </a:ln>
+            </p:spPr>
+            <p:style>
+              <a:lnRef idx="2">
+                <a:schemeClr val="dk1"/>
+              </a:lnRef>
+              <a:fillRef idx="0">
+                <a:schemeClr val="dk1"/>
+              </a:fillRef>
+              <a:effectRef idx="1">
+                <a:schemeClr val="dk1"/>
+              </a:effectRef>
+              <a:fontRef idx="minor">
+                <a:schemeClr val="tx1"/>
+              </a:fontRef>
+            </p:style>
+          </p:cxnSp>
+          <p:cxnSp>
+            <p:nvCxnSpPr>
+              <p:cNvPr id="14" name="直線矢印コネクタ 13">
+                <a:extLst>
+                  <a:ext uri="{FF2B5EF4-FFF2-40B4-BE49-F238E27FC236}">
+                    <a16:creationId xmlns:a16="http://schemas.microsoft.com/office/drawing/2014/main" id="{2D29C464-D9A1-567D-1DB4-AC61DFA9A404}"/>
+                  </a:ext>
+                </a:extLst>
+              </p:cNvPr>
+              <p:cNvCxnSpPr>
+                <a:cxnSpLocks/>
+              </p:cNvCxnSpPr>
+              <p:nvPr/>
+            </p:nvCxnSpPr>
+            <p:spPr>
+              <a:xfrm>
+                <a:off x="5723546" y="1770057"/>
+                <a:ext cx="0" cy="1201743"/>
+              </a:xfrm>
+              <a:prstGeom prst="straightConnector1">
+                <a:avLst/>
+              </a:prstGeom>
+              <a:ln>
+                <a:tailEnd type="triangle"/>
+              </a:ln>
+            </p:spPr>
+            <p:style>
+              <a:lnRef idx="2">
+                <a:schemeClr val="dk1"/>
+              </a:lnRef>
+              <a:fillRef idx="0">
+                <a:schemeClr val="dk1"/>
+              </a:fillRef>
+              <a:effectRef idx="1">
+                <a:schemeClr val="dk1"/>
+              </a:effectRef>
+              <a:fontRef idx="minor">
+                <a:schemeClr val="tx1"/>
+              </a:fontRef>
+            </p:style>
+          </p:cxnSp>
+          <p:grpSp>
+            <p:nvGrpSpPr>
+              <p:cNvPr id="26" name="グループ化 25">
+                <a:extLst>
+                  <a:ext uri="{FF2B5EF4-FFF2-40B4-BE49-F238E27FC236}">
+                    <a16:creationId xmlns:a16="http://schemas.microsoft.com/office/drawing/2014/main" id="{BB28D404-6782-4DFD-F34A-6F6F24AD5A8D}"/>
+                  </a:ext>
+                </a:extLst>
+              </p:cNvPr>
+              <p:cNvGrpSpPr/>
+              <p:nvPr/>
+            </p:nvGrpSpPr>
+            <p:grpSpPr>
+              <a:xfrm>
+                <a:off x="5104481" y="1000272"/>
+                <a:ext cx="540000" cy="540000"/>
+                <a:chOff x="5104481" y="1029690"/>
+                <a:chExt cx="540000" cy="540000"/>
+              </a:xfrm>
+            </p:grpSpPr>
+            <p:sp>
+              <p:nvSpPr>
+                <p:cNvPr id="24" name="円弧 23">
+                  <a:extLst>
+                    <a:ext uri="{FF2B5EF4-FFF2-40B4-BE49-F238E27FC236}">
+                      <a16:creationId xmlns:a16="http://schemas.microsoft.com/office/drawing/2014/main" id="{8F7D1D5C-1ED8-C502-7919-AB0D073A7172}"/>
+                    </a:ext>
+                  </a:extLst>
+                </p:cNvPr>
+                <p:cNvSpPr/>
+                <p:nvPr/>
+              </p:nvSpPr>
+              <p:spPr>
+                <a:xfrm rot="16200000">
+                  <a:off x="5104481" y="1029690"/>
+                  <a:ext cx="540000" cy="540000"/>
+                </a:xfrm>
+                <a:prstGeom prst="arc">
+                  <a:avLst/>
+                </a:prstGeom>
+                <a:ln w="19050">
+                  <a:solidFill>
+                    <a:schemeClr val="tx1"/>
+                  </a:solidFill>
+                  <a:tailEnd type="triangle"/>
+                </a:ln>
+              </p:spPr>
+              <p:style>
+                <a:lnRef idx="1">
+                  <a:schemeClr val="accent1"/>
+                </a:lnRef>
+                <a:fillRef idx="0">
+                  <a:schemeClr val="accent1"/>
+                </a:fillRef>
+                <a:effectRef idx="0">
+                  <a:schemeClr val="accent1"/>
+                </a:effectRef>
+                <a:fontRef idx="minor">
+                  <a:schemeClr val="tx1"/>
+                </a:fontRef>
+              </p:style>
+              <p:txBody>
+                <a:bodyPr rtlCol="0" anchor="ctr"/>
+                <a:lstStyle/>
+                <a:p>
+                  <a:pPr algn="ctr"/>
+                  <a:endParaRPr kumimoji="1" lang="ja-JP" altLang="en-US"/>
+                </a:p>
+              </p:txBody>
+            </p:sp>
+            <p:sp>
+              <p:nvSpPr>
+                <p:cNvPr id="25" name="円弧 24">
+                  <a:extLst>
+                    <a:ext uri="{FF2B5EF4-FFF2-40B4-BE49-F238E27FC236}">
+                      <a16:creationId xmlns:a16="http://schemas.microsoft.com/office/drawing/2014/main" id="{2D15E2F5-1D33-2F00-831A-303A884E33F5}"/>
+                    </a:ext>
+                  </a:extLst>
+                </p:cNvPr>
+                <p:cNvSpPr/>
+                <p:nvPr/>
+              </p:nvSpPr>
+              <p:spPr>
+                <a:xfrm rot="10800000">
+                  <a:off x="5104481" y="1029690"/>
+                  <a:ext cx="540000" cy="540000"/>
+                </a:xfrm>
+                <a:prstGeom prst="arc">
+                  <a:avLst/>
+                </a:prstGeom>
+                <a:ln w="25400">
+                  <a:solidFill>
+                    <a:schemeClr val="tx1"/>
+                  </a:solidFill>
+                </a:ln>
+              </p:spPr>
+              <p:style>
+                <a:lnRef idx="1">
+                  <a:schemeClr val="accent1"/>
+                </a:lnRef>
+                <a:fillRef idx="0">
+                  <a:schemeClr val="accent1"/>
+                </a:fillRef>
+                <a:effectRef idx="0">
+                  <a:schemeClr val="accent1"/>
+                </a:effectRef>
+                <a:fontRef idx="minor">
+                  <a:schemeClr val="tx1"/>
+                </a:fontRef>
+              </p:style>
+              <p:txBody>
+                <a:bodyPr rtlCol="0" anchor="ctr"/>
+                <a:lstStyle/>
+                <a:p>
+                  <a:pPr algn="ctr"/>
+                  <a:endParaRPr kumimoji="1" lang="ja-JP" altLang="en-US"/>
+                </a:p>
+              </p:txBody>
+            </p:sp>
+          </p:grpSp>
+          <p:pic>
+            <p:nvPicPr>
+              <p:cNvPr id="28" name="グラフィックス 27" descr="クラウドからダウンロード 枠線">
+                <a:extLst>
+                  <a:ext uri="{FF2B5EF4-FFF2-40B4-BE49-F238E27FC236}">
+                    <a16:creationId xmlns:a16="http://schemas.microsoft.com/office/drawing/2014/main" id="{8B8CD2D8-AD09-90B0-01F4-BF9E75814FDA}"/>
+                  </a:ext>
+                </a:extLst>
+              </p:cNvPr>
+              <p:cNvPicPr>
+                <a:picLocks noChangeAspect="1"/>
+              </p:cNvPicPr>
+              <p:nvPr/>
+            </p:nvPicPr>
+            <p:blipFill>
+              <a:blip r:embed="rId3">
+                <a:extLst>
+                  <a:ext uri="{96DAC541-7B7A-43D3-8B79-37D633B846F1}">
+                    <asvg:svgBlip xmlns:asvg="http://schemas.microsoft.com/office/drawing/2016/SVG/main" r:embed="rId4"/>
+                  </a:ext>
+                </a:extLst>
+              </a:blip>
+              <a:stretch>
+                <a:fillRect/>
+              </a:stretch>
+            </p:blipFill>
+            <p:spPr>
+              <a:xfrm>
+                <a:off x="4642943" y="1057073"/>
+                <a:ext cx="397692" cy="397692"/>
+              </a:xfrm>
+              <a:prstGeom prst="rect">
+                <a:avLst/>
+              </a:prstGeom>
+            </p:spPr>
+          </p:pic>
+          <p:sp>
+            <p:nvSpPr>
+              <p:cNvPr id="29" name="テキスト ボックス 28">
+                <a:extLst>
+                  <a:ext uri="{FF2B5EF4-FFF2-40B4-BE49-F238E27FC236}">
+                    <a16:creationId xmlns:a16="http://schemas.microsoft.com/office/drawing/2014/main" id="{A0306FB1-9F6E-EDC5-5C86-D22D913C3954}"/>
+                  </a:ext>
+                </a:extLst>
+              </p:cNvPr>
+              <p:cNvSpPr txBox="1"/>
+              <p:nvPr/>
+            </p:nvSpPr>
+            <p:spPr>
+              <a:xfrm>
+                <a:off x="3863706" y="1400725"/>
+                <a:ext cx="1335881" cy="369332"/>
+              </a:xfrm>
+              <a:prstGeom prst="rect">
+                <a:avLst/>
+              </a:prstGeom>
+              <a:noFill/>
+            </p:spPr>
+            <p:txBody>
+              <a:bodyPr wrap="square" rtlCol="0">
+                <a:spAutoFit/>
+              </a:bodyPr>
+              <a:lstStyle/>
+              <a:p>
+                <a:pPr algn="ctr"/>
+                <a:r>
+                  <a:rPr lang="ja-JP" altLang="en-US" sz="900">
+                    <a:latin typeface="Hiragino Kaku Gothic Pro W3" panose="020B0300000000000000" pitchFamily="34" charset="-128"/>
+                    <a:ea typeface="Hiragino Kaku Gothic Pro W3" panose="020B0300000000000000" pitchFamily="34" charset="-128"/>
+                  </a:rPr>
+                  <a:t>ファイルダウンロード</a:t>
+                </a:r>
+                <a:endParaRPr lang="en-US" altLang="ja-JP" sz="900" dirty="0">
+                  <a:latin typeface="Hiragino Kaku Gothic Pro W3" panose="020B0300000000000000" pitchFamily="34" charset="-128"/>
+                  <a:ea typeface="Hiragino Kaku Gothic Pro W3" panose="020B0300000000000000" pitchFamily="34" charset="-128"/>
+                </a:endParaRPr>
+              </a:p>
+              <a:p>
+                <a:pPr algn="ctr"/>
+                <a:r>
+                  <a:rPr kumimoji="1" lang="en-US" altLang="ja-JP" sz="900" dirty="0">
+                    <a:latin typeface="Hiragino Kaku Gothic Pro W3" panose="020B0300000000000000" pitchFamily="34" charset="-128"/>
+                    <a:ea typeface="Hiragino Kaku Gothic Pro W3" panose="020B0300000000000000" pitchFamily="34" charset="-128"/>
+                  </a:rPr>
+                  <a:t>(csv)</a:t>
+                </a:r>
+                <a:endParaRPr kumimoji="1" lang="ja-JP" altLang="en-US" sz="900">
+                  <a:latin typeface="Hiragino Kaku Gothic Pro W3" panose="020B0300000000000000" pitchFamily="34" charset="-128"/>
+                  <a:ea typeface="Hiragino Kaku Gothic Pro W3" panose="020B0300000000000000" pitchFamily="34" charset="-128"/>
+                </a:endParaRPr>
+              </a:p>
+            </p:txBody>
+          </p:sp>
+        </p:grpSp>
+        <p:sp>
+          <p:nvSpPr>
+            <p:cNvPr id="53" name="テキスト ボックス 52">
+              <a:extLst>
+                <a:ext uri="{FF2B5EF4-FFF2-40B4-BE49-F238E27FC236}">
+                  <a16:creationId xmlns:a16="http://schemas.microsoft.com/office/drawing/2014/main" id="{B8BA22D4-727F-2C79-E6C3-7349A1DBCED8}"/>
+                </a:ext>
+              </a:extLst>
+            </p:cNvPr>
+            <p:cNvSpPr txBox="1"/>
+            <p:nvPr/>
+          </p:nvSpPr>
+          <p:spPr>
+            <a:xfrm>
+              <a:off x="3315685" y="2207160"/>
+              <a:ext cx="1335881" cy="369332"/>
+            </a:xfrm>
+            <a:prstGeom prst="rect">
+              <a:avLst/>
+            </a:prstGeom>
+            <a:noFill/>
+          </p:spPr>
+          <p:txBody>
+            <a:bodyPr wrap="square" rtlCol="0">
+              <a:spAutoFit/>
+            </a:bodyPr>
+            <a:lstStyle/>
+            <a:p>
+              <a:pPr algn="ctr"/>
+              <a:r>
+                <a:rPr kumimoji="1" lang="ja-JP" altLang="en-US" sz="900">
+                  <a:latin typeface="Hiragino Kaku Gothic Pro W3" panose="020B0300000000000000" pitchFamily="34" charset="-128"/>
+                  <a:ea typeface="Hiragino Kaku Gothic Pro W3" panose="020B0300000000000000" pitchFamily="34" charset="-128"/>
+                </a:rPr>
+                <a:t>貯蓄シミュレーション</a:t>
+              </a:r>
+              <a:endParaRPr kumimoji="1" lang="en-US" altLang="ja-JP" sz="900" dirty="0">
+                <a:latin typeface="Hiragino Kaku Gothic Pro W3" panose="020B0300000000000000" pitchFamily="34" charset="-128"/>
+                <a:ea typeface="Hiragino Kaku Gothic Pro W3" panose="020B0300000000000000" pitchFamily="34" charset="-128"/>
+              </a:endParaRPr>
+            </a:p>
+            <a:p>
+              <a:pPr algn="ctr"/>
+              <a:r>
+                <a:rPr lang="ja-JP" altLang="en-US" sz="900">
+                  <a:latin typeface="Hiragino Kaku Gothic Pro W3" panose="020B0300000000000000" pitchFamily="34" charset="-128"/>
+                  <a:ea typeface="Hiragino Kaku Gothic Pro W3" panose="020B0300000000000000" pitchFamily="34" charset="-128"/>
+                </a:rPr>
+                <a:t>選択</a:t>
+              </a:r>
+              <a:endParaRPr kumimoji="1" lang="ja-JP" altLang="en-US" sz="900">
+                <a:latin typeface="Hiragino Kaku Gothic Pro W3" panose="020B0300000000000000" pitchFamily="34" charset="-128"/>
+                <a:ea typeface="Hiragino Kaku Gothic Pro W3" panose="020B0300000000000000" pitchFamily="34" charset="-128"/>
+              </a:endParaRPr>
+            </a:p>
+          </p:txBody>
+        </p:sp>
+        <p:sp>
+          <p:nvSpPr>
+            <p:cNvPr id="54" name="テキスト ボックス 53">
+              <a:extLst>
+                <a:ext uri="{FF2B5EF4-FFF2-40B4-BE49-F238E27FC236}">
+                  <a16:creationId xmlns:a16="http://schemas.microsoft.com/office/drawing/2014/main" id="{FC4E4E3A-3D5C-787A-7789-16363D984C67}"/>
+                </a:ext>
+              </a:extLst>
+            </p:cNvPr>
+            <p:cNvSpPr txBox="1"/>
+            <p:nvPr/>
+          </p:nvSpPr>
+          <p:spPr>
+            <a:xfrm>
+              <a:off x="5404988" y="2276410"/>
+              <a:ext cx="552330" cy="230832"/>
+            </a:xfrm>
+            <a:prstGeom prst="rect">
+              <a:avLst/>
+            </a:prstGeom>
+            <a:noFill/>
+          </p:spPr>
+          <p:txBody>
+            <a:bodyPr wrap="square" rtlCol="0">
+              <a:spAutoFit/>
+            </a:bodyPr>
+            <a:lstStyle/>
+            <a:p>
+              <a:pPr algn="ctr"/>
+              <a:r>
+                <a:rPr kumimoji="1" lang="ja-JP" altLang="en-US" sz="900">
+                  <a:latin typeface="Hiragino Kaku Gothic Pro W3" panose="020B0300000000000000" pitchFamily="34" charset="-128"/>
+                  <a:ea typeface="Hiragino Kaku Gothic Pro W3" panose="020B0300000000000000" pitchFamily="34" charset="-128"/>
+                </a:rPr>
+                <a:t>戻る</a:t>
+              </a:r>
+            </a:p>
+          </p:txBody>
+        </p:sp>
+      </p:grpSp>
+    </p:spTree>
+    <p:extLst>
+      <p:ext uri="{BB962C8B-B14F-4D97-AF65-F5344CB8AC3E}">
+        <p14:creationId xmlns:p14="http://schemas.microsoft.com/office/powerpoint/2010/main" val="2031432968"/>
+      </p:ext>
+    </p:extLst>
+  </p:cSld>
+  <p:clrMapOvr>
+    <a:masterClrMapping/>
+  </p:clrMapOvr>
+</p:sld>
+</file>
+
+<file path=ppt/slides/slide6.xml><?xml version="1.0" encoding="utf-8"?>
+<p:sld xmlns:a="http://schemas.openxmlformats.org/drawingml/2006/main" xmlns:r="http://schemas.openxmlformats.org/officeDocument/2006/relationships" xmlns:p="http://schemas.openxmlformats.org/presentationml/2006/main">
+  <p:cSld>
     <p:bg>
       <p:bgPr>
         <a:blipFill dpi="0" rotWithShape="1">
-          <a:blip r:embed="rId3">
+          <a:blip r:embed="rId4">
             <a:lum/>
           </a:blip>
           <a:srcRect/>
@@ -4711,7 +12270,7 @@
   </p:clrMapOvr>
   <p:extLst>
     <p:ext uri="{6950BFC3-D8DA-4A85-94F7-54DA5524770B}">
-      <p188:commentRel xmlns:p188="http://schemas.microsoft.com/office/powerpoint/2018/8/main" r:id="rId2"/>
+      <p188:commentRel xmlns:p188="http://schemas.microsoft.com/office/powerpoint/2018/8/main" r:id="rId3"/>
     </p:ext>
   </p:extLst>
 </p:sld>
@@ -5010,4 +12569,299 @@
     </a:ext>
   </a:extLst>
 </a:theme>
+</file>
+
+<file path=ppt/theme/theme2.xml><?xml version="1.0" encoding="utf-8"?>
+<a:theme xmlns:a="http://schemas.openxmlformats.org/drawingml/2006/main" name="Office テーマ">
+  <a:themeElements>
+    <a:clrScheme name="Office">
+      <a:dk1>
+        <a:sysClr val="windowText" lastClr="000000"/>
+      </a:dk1>
+      <a:lt1>
+        <a:sysClr val="window" lastClr="FFFFFF"/>
+      </a:lt1>
+      <a:dk2>
+        <a:srgbClr val="44546A"/>
+      </a:dk2>
+      <a:lt2>
+        <a:srgbClr val="E7E6E6"/>
+      </a:lt2>
+      <a:accent1>
+        <a:srgbClr val="4472C4"/>
+      </a:accent1>
+      <a:accent2>
+        <a:srgbClr val="ED7D31"/>
+      </a:accent2>
+      <a:accent3>
+        <a:srgbClr val="A5A5A5"/>
+      </a:accent3>
+      <a:accent4>
+        <a:srgbClr val="FFC000"/>
+      </a:accent4>
+      <a:accent5>
+        <a:srgbClr val="5B9BD5"/>
+      </a:accent5>
+      <a:accent6>
+        <a:srgbClr val="70AD47"/>
+      </a:accent6>
+      <a:hlink>
+        <a:srgbClr val="0563C1"/>
+      </a:hlink>
+      <a:folHlink>
+        <a:srgbClr val="954F72"/>
+      </a:folHlink>
+    </a:clrScheme>
+    <a:fontScheme name="Office">
+      <a:majorFont>
+        <a:latin typeface="游ゴシック Light" panose="020F0302020204030204"/>
+        <a:ea typeface=""/>
+        <a:cs typeface=""/>
+        <a:font script="Jpan" typeface="游ゴシック Light"/>
+        <a:font script="Hang" typeface="맑은 고딕"/>
+        <a:font script="Hans" typeface="等线 Light"/>
+        <a:font script="Hant" typeface="新細明體"/>
+        <a:font script="Arab" typeface="Times New Roman"/>
+        <a:font script="Hebr" typeface="Times New Roman"/>
+        <a:font script="Thai" typeface="Angsana New"/>
+        <a:font script="Ethi" typeface="Nyala"/>
+        <a:font script="Beng" typeface="Vrinda"/>
+        <a:font script="Gujr" typeface="Shruti"/>
+        <a:font script="Khmr" typeface="MoolBoran"/>
+        <a:font script="Knda" typeface="Tunga"/>
+        <a:font script="Guru" typeface="Raavi"/>
+        <a:font script="Cans" typeface="Euphemia"/>
+        <a:font script="Cher" typeface="Plantagenet Cherokee"/>
+        <a:font script="Yiii" typeface="Microsoft Yi Baiti"/>
+        <a:font script="Tibt" typeface="Microsoft Himalaya"/>
+        <a:font script="Thaa" typeface="MV Boli"/>
+        <a:font script="Deva" typeface="Mangal"/>
+        <a:font script="Telu" typeface="Gautami"/>
+        <a:font script="Taml" typeface="Latha"/>
+        <a:font script="Syrc" typeface="Estrangelo Edessa"/>
+        <a:font script="Orya" typeface="Kalinga"/>
+        <a:font script="Mlym" typeface="Kartika"/>
+        <a:font script="Laoo" typeface="DokChampa"/>
+        <a:font script="Sinh" typeface="Iskoola Pota"/>
+        <a:font script="Mong" typeface="Mongolian Baiti"/>
+        <a:font script="Viet" typeface="Times New Roman"/>
+        <a:font script="Uigh" typeface="Microsoft Uighur"/>
+        <a:font script="Geor" typeface="Sylfaen"/>
+        <a:font script="Armn" typeface="Arial"/>
+        <a:font script="Bugi" typeface="Leelawadee UI"/>
+        <a:font script="Bopo" typeface="Microsoft JhengHei"/>
+        <a:font script="Java" typeface="Javanese Text"/>
+        <a:font script="Lisu" typeface="Segoe UI"/>
+        <a:font script="Mymr" typeface="Myanmar Text"/>
+        <a:font script="Nkoo" typeface="Ebrima"/>
+        <a:font script="Olck" typeface="Nirmala UI"/>
+        <a:font script="Osma" typeface="Ebrima"/>
+        <a:font script="Phag" typeface="Phagspa"/>
+        <a:font script="Syrn" typeface="Estrangelo Edessa"/>
+        <a:font script="Syrj" typeface="Estrangelo Edessa"/>
+        <a:font script="Syre" typeface="Estrangelo Edessa"/>
+        <a:font script="Sora" typeface="Nirmala UI"/>
+        <a:font script="Tale" typeface="Microsoft Tai Le"/>
+        <a:font script="Talu" typeface="Microsoft New Tai Lue"/>
+        <a:font script="Tfng" typeface="Ebrima"/>
+      </a:majorFont>
+      <a:minorFont>
+        <a:latin typeface="游ゴシック" panose="020F0502020204030204"/>
+        <a:ea typeface=""/>
+        <a:cs typeface=""/>
+        <a:font script="Jpan" typeface="游ゴシック"/>
+        <a:font script="Hang" typeface="맑은 고딕"/>
+        <a:font script="Hans" typeface="等线"/>
+        <a:font script="Hant" typeface="新細明體"/>
+        <a:font script="Arab" typeface="Arial"/>
+        <a:font script="Hebr" typeface="Arial"/>
+        <a:font script="Thai" typeface="Cordia New"/>
+        <a:font script="Ethi" typeface="Nyala"/>
+        <a:font script="Beng" typeface="Vrinda"/>
+        <a:font script="Gujr" typeface="Shruti"/>
+        <a:font script="Khmr" typeface="DaunPenh"/>
+        <a:font script="Knda" typeface="Tunga"/>
+        <a:font script="Guru" typeface="Raavi"/>
+        <a:font script="Cans" typeface="Euphemia"/>
+        <a:font script="Cher" typeface="Plantagenet Cherokee"/>
+        <a:font script="Yiii" typeface="Microsoft Yi Baiti"/>
+        <a:font script="Tibt" typeface="Microsoft Himalaya"/>
+        <a:font script="Thaa" typeface="MV Boli"/>
+        <a:font script="Deva" typeface="Mangal"/>
+        <a:font script="Telu" typeface="Gautami"/>
+        <a:font script="Taml" typeface="Latha"/>
+        <a:font script="Syrc" typeface="Estrangelo Edessa"/>
+        <a:font script="Orya" typeface="Kalinga"/>
+        <a:font script="Mlym" typeface="Kartika"/>
+        <a:font script="Laoo" typeface="DokChampa"/>
+        <a:font script="Sinh" typeface="Iskoola Pota"/>
+        <a:font script="Mong" typeface="Mongolian Baiti"/>
+        <a:font script="Viet" typeface="Arial"/>
+        <a:font script="Uigh" typeface="Microsoft Uighur"/>
+        <a:font script="Geor" typeface="Sylfaen"/>
+        <a:font script="Armn" typeface="Arial"/>
+        <a:font script="Bugi" typeface="Leelawadee UI"/>
+        <a:font script="Bopo" typeface="Microsoft JhengHei"/>
+        <a:font script="Java" typeface="Javanese Text"/>
+        <a:font script="Lisu" typeface="Segoe UI"/>
+        <a:font script="Mymr" typeface="Myanmar Text"/>
+        <a:font script="Nkoo" typeface="Ebrima"/>
+        <a:font script="Olck" typeface="Nirmala UI"/>
+        <a:font script="Osma" typeface="Ebrima"/>
+        <a:font script="Phag" typeface="Phagspa"/>
+        <a:font script="Syrn" typeface="Estrangelo Edessa"/>
+        <a:font script="Syrj" typeface="Estrangelo Edessa"/>
+        <a:font script="Syre" typeface="Estrangelo Edessa"/>
+        <a:font script="Sora" typeface="Nirmala UI"/>
+        <a:font script="Tale" typeface="Microsoft Tai Le"/>
+        <a:font script="Talu" typeface="Microsoft New Tai Lue"/>
+        <a:font script="Tfng" typeface="Ebrima"/>
+      </a:minorFont>
+    </a:fontScheme>
+    <a:fmtScheme name="Office">
+      <a:fillStyleLst>
+        <a:solidFill>
+          <a:schemeClr val="phClr"/>
+        </a:solidFill>
+        <a:gradFill rotWithShape="1">
+          <a:gsLst>
+            <a:gs pos="0">
+              <a:schemeClr val="phClr">
+                <a:lumMod val="110000"/>
+                <a:satMod val="105000"/>
+                <a:tint val="67000"/>
+              </a:schemeClr>
+            </a:gs>
+            <a:gs pos="50000">
+              <a:schemeClr val="phClr">
+                <a:lumMod val="105000"/>
+                <a:satMod val="103000"/>
+                <a:tint val="73000"/>
+              </a:schemeClr>
+            </a:gs>
+            <a:gs pos="100000">
+              <a:schemeClr val="phClr">
+                <a:lumMod val="105000"/>
+                <a:satMod val="109000"/>
+                <a:tint val="81000"/>
+              </a:schemeClr>
+            </a:gs>
+          </a:gsLst>
+          <a:lin ang="5400000" scaled="0"/>
+        </a:gradFill>
+        <a:gradFill rotWithShape="1">
+          <a:gsLst>
+            <a:gs pos="0">
+              <a:schemeClr val="phClr">
+                <a:satMod val="103000"/>
+                <a:lumMod val="102000"/>
+                <a:tint val="94000"/>
+              </a:schemeClr>
+            </a:gs>
+            <a:gs pos="50000">
+              <a:schemeClr val="phClr">
+                <a:satMod val="110000"/>
+                <a:lumMod val="100000"/>
+                <a:shade val="100000"/>
+              </a:schemeClr>
+            </a:gs>
+            <a:gs pos="100000">
+              <a:schemeClr val="phClr">
+                <a:lumMod val="99000"/>
+                <a:satMod val="120000"/>
+                <a:shade val="78000"/>
+              </a:schemeClr>
+            </a:gs>
+          </a:gsLst>
+          <a:lin ang="5400000" scaled="0"/>
+        </a:gradFill>
+      </a:fillStyleLst>
+      <a:lnStyleLst>
+        <a:ln w="6350" cap="flat" cmpd="sng" algn="ctr">
+          <a:solidFill>
+            <a:schemeClr val="phClr"/>
+          </a:solidFill>
+          <a:prstDash val="solid"/>
+          <a:miter lim="800000"/>
+        </a:ln>
+        <a:ln w="12700" cap="flat" cmpd="sng" algn="ctr">
+          <a:solidFill>
+            <a:schemeClr val="phClr"/>
+          </a:solidFill>
+          <a:prstDash val="solid"/>
+          <a:miter lim="800000"/>
+        </a:ln>
+        <a:ln w="19050" cap="flat" cmpd="sng" algn="ctr">
+          <a:solidFill>
+            <a:schemeClr val="phClr"/>
+          </a:solidFill>
+          <a:prstDash val="solid"/>
+          <a:miter lim="800000"/>
+        </a:ln>
+      </a:lnStyleLst>
+      <a:effectStyleLst>
+        <a:effectStyle>
+          <a:effectLst/>
+        </a:effectStyle>
+        <a:effectStyle>
+          <a:effectLst/>
+        </a:effectStyle>
+        <a:effectStyle>
+          <a:effectLst>
+            <a:outerShdw blurRad="57150" dist="19050" dir="5400000" algn="ctr" rotWithShape="0">
+              <a:srgbClr val="000000">
+                <a:alpha val="63000"/>
+              </a:srgbClr>
+            </a:outerShdw>
+          </a:effectLst>
+        </a:effectStyle>
+      </a:effectStyleLst>
+      <a:bgFillStyleLst>
+        <a:solidFill>
+          <a:schemeClr val="phClr"/>
+        </a:solidFill>
+        <a:solidFill>
+          <a:schemeClr val="phClr">
+            <a:tint val="95000"/>
+            <a:satMod val="170000"/>
+          </a:schemeClr>
+        </a:solidFill>
+        <a:gradFill rotWithShape="1">
+          <a:gsLst>
+            <a:gs pos="0">
+              <a:schemeClr val="phClr">
+                <a:tint val="93000"/>
+                <a:satMod val="150000"/>
+                <a:shade val="98000"/>
+                <a:lumMod val="102000"/>
+              </a:schemeClr>
+            </a:gs>
+            <a:gs pos="50000">
+              <a:schemeClr val="phClr">
+                <a:tint val="98000"/>
+                <a:satMod val="130000"/>
+                <a:shade val="90000"/>
+                <a:lumMod val="103000"/>
+              </a:schemeClr>
+            </a:gs>
+            <a:gs pos="100000">
+              <a:schemeClr val="phClr">
+                <a:shade val="63000"/>
+                <a:satMod val="120000"/>
+              </a:schemeClr>
+            </a:gs>
+          </a:gsLst>
+          <a:lin ang="5400000" scaled="0"/>
+        </a:gradFill>
+      </a:bgFillStyleLst>
+    </a:fmtScheme>
+  </a:themeElements>
+  <a:objectDefaults/>
+  <a:extraClrSchemeLst/>
+  <a:extLst>
+    <a:ext uri="{05A4C25C-085E-4340-85A3-A5531E510DB2}">
+      <thm15:themeFamily xmlns:thm15="http://schemas.microsoft.com/office/thememl/2012/main" name="Office Theme" id="{62F939B6-93AF-4DB8-9C6B-D6C7DFDC589F}" vid="{4A3C46E8-61CC-4603-A589-7422A47A8E4A}"/>
+    </a:ext>
+  </a:extLst>
+</a:theme>
 </file>
--- a/design/画面デザイン構想.pptx
+++ b/design/画面デザイン構想.pptx
@@ -5,7 +5,7 @@
     <p:sldMasterId id="2147483648" r:id="rId1"/>
   </p:sldMasterIdLst>
   <p:notesMasterIdLst>
-    <p:notesMasterId r:id="rId8"/>
+    <p:notesMasterId r:id="rId11"/>
   </p:notesMasterIdLst>
   <p:sldIdLst>
     <p:sldId id="257" r:id="rId2"/>
@@ -14,6 +14,9 @@
     <p:sldId id="260" r:id="rId5"/>
     <p:sldId id="261" r:id="rId6"/>
     <p:sldId id="256" r:id="rId7"/>
+    <p:sldId id="262" r:id="rId8"/>
+    <p:sldId id="263" r:id="rId9"/>
+    <p:sldId id="264" r:id="rId10"/>
   </p:sldIdLst>
   <p:sldSz cx="12192000" cy="6858000"/>
   <p:notesSz cx="6858000" cy="9144000"/>
@@ -229,7 +232,7 @@
           <a:p>
             <a:fld id="{F0B2D6F8-1EBE-4342-95F8-DEA5F9C1E451}" type="datetimeFigureOut">
               <a:rPr kumimoji="1" lang="ja-JP" altLang="en-US" smtClean="0"/>
-              <a:t>2022/7/8</a:t>
+              <a:t>2022/7/13</a:t>
             </a:fld>
             <a:endParaRPr kumimoji="1" lang="ja-JP" altLang="en-US"/>
           </a:p>
@@ -1050,6 +1053,267 @@
 </p:notes>
 </file>
 
+<file path=ppt/notesSlides/notesSlide7.xml><?xml version="1.0" encoding="utf-8"?>
+<p:notes xmlns:a="http://schemas.openxmlformats.org/drawingml/2006/main" xmlns:r="http://schemas.openxmlformats.org/officeDocument/2006/relationships" xmlns:p="http://schemas.openxmlformats.org/presentationml/2006/main">
+  <p:cSld>
+    <p:spTree>
+      <p:nvGrpSpPr>
+        <p:cNvPr id="1" name=""/>
+        <p:cNvGrpSpPr/>
+        <p:nvPr/>
+      </p:nvGrpSpPr>
+      <p:grpSpPr>
+        <a:xfrm>
+          <a:off x="0" y="0"/>
+          <a:ext cx="0" cy="0"/>
+          <a:chOff x="0" y="0"/>
+          <a:chExt cx="0" cy="0"/>
+        </a:xfrm>
+      </p:grpSpPr>
+      <p:sp>
+        <p:nvSpPr>
+          <p:cNvPr id="2" name="スライド イメージ プレースホルダー 1"/>
+          <p:cNvSpPr>
+            <a:spLocks noGrp="1" noRot="1" noChangeAspect="1"/>
+          </p:cNvSpPr>
+          <p:nvPr>
+            <p:ph type="sldImg"/>
+          </p:nvPr>
+        </p:nvSpPr>
+        <p:spPr/>
+      </p:sp>
+      <p:sp>
+        <p:nvSpPr>
+          <p:cNvPr id="3" name="ノート プレースホルダー 2"/>
+          <p:cNvSpPr>
+            <a:spLocks noGrp="1"/>
+          </p:cNvSpPr>
+          <p:nvPr>
+            <p:ph type="body" idx="1"/>
+          </p:nvPr>
+        </p:nvSpPr>
+        <p:spPr/>
+        <p:txBody>
+          <a:bodyPr/>
+          <a:lstStyle/>
+          <a:p>
+            <a:r>
+              <a:rPr kumimoji="1" lang="ja-JP" altLang="en-US"/>
+              <a:t>パートナー申請の流れ</a:t>
+            </a:r>
+          </a:p>
+        </p:txBody>
+      </p:sp>
+      <p:sp>
+        <p:nvSpPr>
+          <p:cNvPr id="4" name="スライド番号プレースホルダー 3"/>
+          <p:cNvSpPr>
+            <a:spLocks noGrp="1"/>
+          </p:cNvSpPr>
+          <p:nvPr>
+            <p:ph type="sldNum" sz="quarter" idx="5"/>
+          </p:nvPr>
+        </p:nvSpPr>
+        <p:spPr/>
+        <p:txBody>
+          <a:bodyPr/>
+          <a:lstStyle/>
+          <a:p>
+            <a:fld id="{06B3398D-435E-F64E-B5EE-8DAAEC172DC3}" type="slidenum">
+              <a:rPr kumimoji="1" lang="ja-JP" altLang="en-US" smtClean="0"/>
+              <a:t>7</a:t>
+            </a:fld>
+            <a:endParaRPr kumimoji="1" lang="ja-JP" altLang="en-US"/>
+          </a:p>
+        </p:txBody>
+      </p:sp>
+    </p:spTree>
+    <p:extLst>
+      <p:ext uri="{BB962C8B-B14F-4D97-AF65-F5344CB8AC3E}">
+        <p14:creationId xmlns:p14="http://schemas.microsoft.com/office/powerpoint/2010/main" val="3201664360"/>
+      </p:ext>
+    </p:extLst>
+  </p:cSld>
+  <p:clrMapOvr>
+    <a:masterClrMapping/>
+  </p:clrMapOvr>
+</p:notes>
+</file>
+
+<file path=ppt/notesSlides/notesSlide8.xml><?xml version="1.0" encoding="utf-8"?>
+<p:notes xmlns:a="http://schemas.openxmlformats.org/drawingml/2006/main" xmlns:r="http://schemas.openxmlformats.org/officeDocument/2006/relationships" xmlns:p="http://schemas.openxmlformats.org/presentationml/2006/main">
+  <p:cSld>
+    <p:spTree>
+      <p:nvGrpSpPr>
+        <p:cNvPr id="1" name=""/>
+        <p:cNvGrpSpPr/>
+        <p:nvPr/>
+      </p:nvGrpSpPr>
+      <p:grpSpPr>
+        <a:xfrm>
+          <a:off x="0" y="0"/>
+          <a:ext cx="0" cy="0"/>
+          <a:chOff x="0" y="0"/>
+          <a:chExt cx="0" cy="0"/>
+        </a:xfrm>
+      </p:grpSpPr>
+      <p:sp>
+        <p:nvSpPr>
+          <p:cNvPr id="2" name="スライド イメージ プレースホルダー 1"/>
+          <p:cNvSpPr>
+            <a:spLocks noGrp="1" noRot="1" noChangeAspect="1"/>
+          </p:cNvSpPr>
+          <p:nvPr>
+            <p:ph type="sldImg"/>
+          </p:nvPr>
+        </p:nvSpPr>
+        <p:spPr/>
+      </p:sp>
+      <p:sp>
+        <p:nvSpPr>
+          <p:cNvPr id="3" name="ノート プレースホルダー 2"/>
+          <p:cNvSpPr>
+            <a:spLocks noGrp="1"/>
+          </p:cNvSpPr>
+          <p:nvPr>
+            <p:ph type="body" idx="1"/>
+          </p:nvPr>
+        </p:nvSpPr>
+        <p:spPr/>
+        <p:txBody>
+          <a:bodyPr/>
+          <a:lstStyle/>
+          <a:p>
+            <a:r>
+              <a:rPr kumimoji="1" lang="ja-JP" altLang="en-US"/>
+              <a:t>パートナー登録の流れ</a:t>
+            </a:r>
+          </a:p>
+        </p:txBody>
+      </p:sp>
+      <p:sp>
+        <p:nvSpPr>
+          <p:cNvPr id="4" name="スライド番号プレースホルダー 3"/>
+          <p:cNvSpPr>
+            <a:spLocks noGrp="1"/>
+          </p:cNvSpPr>
+          <p:nvPr>
+            <p:ph type="sldNum" sz="quarter" idx="5"/>
+          </p:nvPr>
+        </p:nvSpPr>
+        <p:spPr/>
+        <p:txBody>
+          <a:bodyPr/>
+          <a:lstStyle/>
+          <a:p>
+            <a:fld id="{06B3398D-435E-F64E-B5EE-8DAAEC172DC3}" type="slidenum">
+              <a:rPr kumimoji="1" lang="ja-JP" altLang="en-US" smtClean="0"/>
+              <a:t>8</a:t>
+            </a:fld>
+            <a:endParaRPr kumimoji="1" lang="ja-JP" altLang="en-US"/>
+          </a:p>
+        </p:txBody>
+      </p:sp>
+    </p:spTree>
+    <p:extLst>
+      <p:ext uri="{BB962C8B-B14F-4D97-AF65-F5344CB8AC3E}">
+        <p14:creationId xmlns:p14="http://schemas.microsoft.com/office/powerpoint/2010/main" val="265617432"/>
+      </p:ext>
+    </p:extLst>
+  </p:cSld>
+  <p:clrMapOvr>
+    <a:masterClrMapping/>
+  </p:clrMapOvr>
+</p:notes>
+</file>
+
+<file path=ppt/notesSlides/notesSlide9.xml><?xml version="1.0" encoding="utf-8"?>
+<p:notes xmlns:a="http://schemas.openxmlformats.org/drawingml/2006/main" xmlns:r="http://schemas.openxmlformats.org/officeDocument/2006/relationships" xmlns:p="http://schemas.openxmlformats.org/presentationml/2006/main">
+  <p:cSld>
+    <p:spTree>
+      <p:nvGrpSpPr>
+        <p:cNvPr id="1" name=""/>
+        <p:cNvGrpSpPr/>
+        <p:nvPr/>
+      </p:nvGrpSpPr>
+      <p:grpSpPr>
+        <a:xfrm>
+          <a:off x="0" y="0"/>
+          <a:ext cx="0" cy="0"/>
+          <a:chOff x="0" y="0"/>
+          <a:chExt cx="0" cy="0"/>
+        </a:xfrm>
+      </p:grpSpPr>
+      <p:sp>
+        <p:nvSpPr>
+          <p:cNvPr id="2" name="スライド イメージ プレースホルダー 1"/>
+          <p:cNvSpPr>
+            <a:spLocks noGrp="1" noRot="1" noChangeAspect="1"/>
+          </p:cNvSpPr>
+          <p:nvPr>
+            <p:ph type="sldImg"/>
+          </p:nvPr>
+        </p:nvSpPr>
+        <p:spPr/>
+      </p:sp>
+      <p:sp>
+        <p:nvSpPr>
+          <p:cNvPr id="3" name="ノート プレースホルダー 2"/>
+          <p:cNvSpPr>
+            <a:spLocks noGrp="1"/>
+          </p:cNvSpPr>
+          <p:nvPr>
+            <p:ph type="body" idx="1"/>
+          </p:nvPr>
+        </p:nvSpPr>
+        <p:spPr/>
+        <p:txBody>
+          <a:bodyPr/>
+          <a:lstStyle/>
+          <a:p>
+            <a:r>
+              <a:rPr kumimoji="1" lang="ja-JP" altLang="en-US"/>
+              <a:t>パートナー解除の流れ</a:t>
+            </a:r>
+          </a:p>
+        </p:txBody>
+      </p:sp>
+      <p:sp>
+        <p:nvSpPr>
+          <p:cNvPr id="4" name="スライド番号プレースホルダー 3"/>
+          <p:cNvSpPr>
+            <a:spLocks noGrp="1"/>
+          </p:cNvSpPr>
+          <p:nvPr>
+            <p:ph type="sldNum" sz="quarter" idx="5"/>
+          </p:nvPr>
+        </p:nvSpPr>
+        <p:spPr/>
+        <p:txBody>
+          <a:bodyPr/>
+          <a:lstStyle/>
+          <a:p>
+            <a:fld id="{06B3398D-435E-F64E-B5EE-8DAAEC172DC3}" type="slidenum">
+              <a:rPr kumimoji="1" lang="ja-JP" altLang="en-US" smtClean="0"/>
+              <a:t>9</a:t>
+            </a:fld>
+            <a:endParaRPr kumimoji="1" lang="ja-JP" altLang="en-US"/>
+          </a:p>
+        </p:txBody>
+      </p:sp>
+    </p:spTree>
+    <p:extLst>
+      <p:ext uri="{BB962C8B-B14F-4D97-AF65-F5344CB8AC3E}">
+        <p14:creationId xmlns:p14="http://schemas.microsoft.com/office/powerpoint/2010/main" val="1293164519"/>
+      </p:ext>
+    </p:extLst>
+  </p:cSld>
+  <p:clrMapOvr>
+    <a:masterClrMapping/>
+  </p:clrMapOvr>
+</p:notes>
+</file>
+
 <file path=ppt/slideLayouts/slideLayout1.xml><?xml version="1.0" encoding="utf-8"?>
 <p:sldLayout xmlns:a="http://schemas.openxmlformats.org/drawingml/2006/main" xmlns:r="http://schemas.openxmlformats.org/officeDocument/2006/relationships" xmlns:p="http://schemas.openxmlformats.org/presentationml/2006/main" type="title" preserve="1">
   <p:cSld name="タイトル スライド">
@@ -1197,7 +1461,7 @@
           <a:p>
             <a:fld id="{4978F8BA-5C8D-964E-9BEE-EAEFE2CC1A01}" type="datetimeFigureOut">
               <a:rPr kumimoji="1" lang="ja-JP" altLang="en-US" smtClean="0"/>
-              <a:t>2022/7/8</a:t>
+              <a:t>2022/7/13</a:t>
             </a:fld>
             <a:endParaRPr kumimoji="1" lang="ja-JP" altLang="en-US"/>
           </a:p>
@@ -1427,7 +1691,7 @@
           <a:p>
             <a:fld id="{4978F8BA-5C8D-964E-9BEE-EAEFE2CC1A01}" type="datetimeFigureOut">
               <a:rPr kumimoji="1" lang="ja-JP" altLang="en-US" smtClean="0"/>
-              <a:t>2022/7/8</a:t>
+              <a:t>2022/7/13</a:t>
             </a:fld>
             <a:endParaRPr kumimoji="1" lang="ja-JP" altLang="en-US"/>
           </a:p>
@@ -1667,7 +1931,7 @@
           <a:p>
             <a:fld id="{4978F8BA-5C8D-964E-9BEE-EAEFE2CC1A01}" type="datetimeFigureOut">
               <a:rPr kumimoji="1" lang="ja-JP" altLang="en-US" smtClean="0"/>
-              <a:t>2022/7/8</a:t>
+              <a:t>2022/7/13</a:t>
             </a:fld>
             <a:endParaRPr kumimoji="1" lang="ja-JP" altLang="en-US"/>
           </a:p>
@@ -1897,7 +2161,7 @@
           <a:p>
             <a:fld id="{4978F8BA-5C8D-964E-9BEE-EAEFE2CC1A01}" type="datetimeFigureOut">
               <a:rPr kumimoji="1" lang="ja-JP" altLang="en-US" smtClean="0"/>
-              <a:t>2022/7/8</a:t>
+              <a:t>2022/7/13</a:t>
             </a:fld>
             <a:endParaRPr kumimoji="1" lang="ja-JP" altLang="en-US"/>
           </a:p>
@@ -2172,7 +2436,7 @@
           <a:p>
             <a:fld id="{4978F8BA-5C8D-964E-9BEE-EAEFE2CC1A01}" type="datetimeFigureOut">
               <a:rPr kumimoji="1" lang="ja-JP" altLang="en-US" smtClean="0"/>
-              <a:t>2022/7/8</a:t>
+              <a:t>2022/7/13</a:t>
             </a:fld>
             <a:endParaRPr kumimoji="1" lang="ja-JP" altLang="en-US"/>
           </a:p>
@@ -2501,7 +2765,7 @@
           <a:p>
             <a:fld id="{4978F8BA-5C8D-964E-9BEE-EAEFE2CC1A01}" type="datetimeFigureOut">
               <a:rPr kumimoji="1" lang="ja-JP" altLang="en-US" smtClean="0"/>
-              <a:t>2022/7/8</a:t>
+              <a:t>2022/7/13</a:t>
             </a:fld>
             <a:endParaRPr kumimoji="1" lang="ja-JP" altLang="en-US"/>
           </a:p>
@@ -2977,7 +3241,7 @@
           <a:p>
             <a:fld id="{4978F8BA-5C8D-964E-9BEE-EAEFE2CC1A01}" type="datetimeFigureOut">
               <a:rPr kumimoji="1" lang="ja-JP" altLang="en-US" smtClean="0"/>
-              <a:t>2022/7/8</a:t>
+              <a:t>2022/7/13</a:t>
             </a:fld>
             <a:endParaRPr kumimoji="1" lang="ja-JP" altLang="en-US"/>
           </a:p>
@@ -3118,7 +3382,7 @@
           <a:p>
             <a:fld id="{4978F8BA-5C8D-964E-9BEE-EAEFE2CC1A01}" type="datetimeFigureOut">
               <a:rPr kumimoji="1" lang="ja-JP" altLang="en-US" smtClean="0"/>
-              <a:t>2022/7/8</a:t>
+              <a:t>2022/7/13</a:t>
             </a:fld>
             <a:endParaRPr kumimoji="1" lang="ja-JP" altLang="en-US"/>
           </a:p>
@@ -3231,7 +3495,7 @@
           <a:p>
             <a:fld id="{4978F8BA-5C8D-964E-9BEE-EAEFE2CC1A01}" type="datetimeFigureOut">
               <a:rPr kumimoji="1" lang="ja-JP" altLang="en-US" smtClean="0"/>
-              <a:t>2022/7/8</a:t>
+              <a:t>2022/7/13</a:t>
             </a:fld>
             <a:endParaRPr kumimoji="1" lang="ja-JP" altLang="en-US"/>
           </a:p>
@@ -3574,7 +3838,7 @@
           <a:p>
             <a:fld id="{4978F8BA-5C8D-964E-9BEE-EAEFE2CC1A01}" type="datetimeFigureOut">
               <a:rPr kumimoji="1" lang="ja-JP" altLang="en-US" smtClean="0"/>
-              <a:t>2022/7/8</a:t>
+              <a:t>2022/7/13</a:t>
             </a:fld>
             <a:endParaRPr kumimoji="1" lang="ja-JP" altLang="en-US"/>
           </a:p>
@@ -3862,7 +4126,7 @@
           <a:p>
             <a:fld id="{4978F8BA-5C8D-964E-9BEE-EAEFE2CC1A01}" type="datetimeFigureOut">
               <a:rPr kumimoji="1" lang="ja-JP" altLang="en-US" smtClean="0"/>
-              <a:t>2022/7/8</a:t>
+              <a:t>2022/7/13</a:t>
             </a:fld>
             <a:endParaRPr kumimoji="1" lang="ja-JP" altLang="en-US"/>
           </a:p>
@@ -4135,7 +4399,7 @@
           <a:p>
             <a:fld id="{4978F8BA-5C8D-964E-9BEE-EAEFE2CC1A01}" type="datetimeFigureOut">
               <a:rPr kumimoji="1" lang="ja-JP" altLang="en-US" smtClean="0"/>
-              <a:t>2022/7/8</a:t>
+              <a:t>2022/7/13</a:t>
             </a:fld>
             <a:endParaRPr kumimoji="1" lang="ja-JP" altLang="en-US"/>
           </a:p>
@@ -12276,6 +12540,2736 @@
 </p:sld>
 </file>
 
+<file path=ppt/slides/slide7.xml><?xml version="1.0" encoding="utf-8"?>
+<p:sld xmlns:a="http://schemas.openxmlformats.org/drawingml/2006/main" xmlns:r="http://schemas.openxmlformats.org/officeDocument/2006/relationships" xmlns:p="http://schemas.openxmlformats.org/presentationml/2006/main">
+  <p:cSld>
+    <p:spTree>
+      <p:nvGrpSpPr>
+        <p:cNvPr id="1" name=""/>
+        <p:cNvGrpSpPr/>
+        <p:nvPr/>
+      </p:nvGrpSpPr>
+      <p:grpSpPr>
+        <a:xfrm>
+          <a:off x="0" y="0"/>
+          <a:ext cx="0" cy="0"/>
+          <a:chOff x="0" y="0"/>
+          <a:chExt cx="0" cy="0"/>
+        </a:xfrm>
+      </p:grpSpPr>
+      <p:grpSp>
+        <p:nvGrpSpPr>
+          <p:cNvPr id="32" name="グループ化 31">
+            <a:extLst>
+              <a:ext uri="{FF2B5EF4-FFF2-40B4-BE49-F238E27FC236}">
+                <a16:creationId xmlns:a16="http://schemas.microsoft.com/office/drawing/2014/main" id="{5BA6B768-57A1-63BD-4C47-83E732CAB8C3}"/>
+              </a:ext>
+            </a:extLst>
+          </p:cNvPr>
+          <p:cNvGrpSpPr/>
+          <p:nvPr/>
+        </p:nvGrpSpPr>
+        <p:grpSpPr>
+          <a:xfrm>
+            <a:off x="280987" y="1128669"/>
+            <a:ext cx="10163178" cy="3314782"/>
+            <a:chOff x="280987" y="1128669"/>
+            <a:chExt cx="10163178" cy="3314782"/>
+          </a:xfrm>
+        </p:grpSpPr>
+        <p:pic>
+          <p:nvPicPr>
+            <p:cNvPr id="3" name="グラフィックス 2" descr="男性 単色塗りつぶし">
+              <a:extLst>
+                <a:ext uri="{FF2B5EF4-FFF2-40B4-BE49-F238E27FC236}">
+                  <a16:creationId xmlns:a16="http://schemas.microsoft.com/office/drawing/2014/main" id="{76F48CA8-6117-4540-19B2-9A088205FDAE}"/>
+                </a:ext>
+              </a:extLst>
+            </p:cNvPr>
+            <p:cNvPicPr>
+              <a:picLocks noChangeAspect="1"/>
+            </p:cNvPicPr>
+            <p:nvPr/>
+          </p:nvPicPr>
+          <p:blipFill>
+            <a:blip r:embed="rId3">
+              <a:extLst>
+                <a:ext uri="{96DAC541-7B7A-43D3-8B79-37D633B846F1}">
+                  <asvg:svgBlip xmlns:asvg="http://schemas.microsoft.com/office/drawing/2016/SVG/main" r:embed="rId4"/>
+                </a:ext>
+              </a:extLst>
+            </a:blip>
+            <a:stretch>
+              <a:fillRect/>
+            </a:stretch>
+          </p:blipFill>
+          <p:spPr>
+            <a:xfrm>
+              <a:off x="280987" y="2343150"/>
+              <a:ext cx="914400" cy="914400"/>
+            </a:xfrm>
+            <a:prstGeom prst="rect">
+              <a:avLst/>
+            </a:prstGeom>
+          </p:spPr>
+        </p:pic>
+        <p:pic>
+          <p:nvPicPr>
+            <p:cNvPr id="5" name="グラフィックス 4" descr="男性 枠線">
+              <a:extLst>
+                <a:ext uri="{FF2B5EF4-FFF2-40B4-BE49-F238E27FC236}">
+                  <a16:creationId xmlns:a16="http://schemas.microsoft.com/office/drawing/2014/main" id="{FE3F6413-278B-E8F0-2D3D-231C894610EC}"/>
+                </a:ext>
+              </a:extLst>
+            </p:cNvPr>
+            <p:cNvPicPr>
+              <a:picLocks noChangeAspect="1"/>
+            </p:cNvPicPr>
+            <p:nvPr/>
+          </p:nvPicPr>
+          <p:blipFill>
+            <a:blip r:embed="rId5">
+              <a:extLst>
+                <a:ext uri="{96DAC541-7B7A-43D3-8B79-37D633B846F1}">
+                  <asvg:svgBlip xmlns:asvg="http://schemas.microsoft.com/office/drawing/2016/SVG/main" r:embed="rId6"/>
+                </a:ext>
+              </a:extLst>
+            </a:blip>
+            <a:stretch>
+              <a:fillRect/>
+            </a:stretch>
+          </p:blipFill>
+          <p:spPr>
+            <a:xfrm>
+              <a:off x="9529765" y="2343150"/>
+              <a:ext cx="914400" cy="914400"/>
+            </a:xfrm>
+            <a:prstGeom prst="rect">
+              <a:avLst/>
+            </a:prstGeom>
+          </p:spPr>
+        </p:pic>
+        <p:pic>
+          <p:nvPicPr>
+            <p:cNvPr id="7" name="グラフィックス 6" descr="ブラウザー ウィンドウ 単色塗りつぶし">
+              <a:extLst>
+                <a:ext uri="{FF2B5EF4-FFF2-40B4-BE49-F238E27FC236}">
+                  <a16:creationId xmlns:a16="http://schemas.microsoft.com/office/drawing/2014/main" id="{263FFBD6-59CC-6657-9C19-4FCECEAA216A}"/>
+                </a:ext>
+              </a:extLst>
+            </p:cNvPr>
+            <p:cNvPicPr>
+              <a:picLocks noChangeAspect="1"/>
+            </p:cNvPicPr>
+            <p:nvPr/>
+          </p:nvPicPr>
+          <p:blipFill>
+            <a:blip r:embed="rId7">
+              <a:extLst>
+                <a:ext uri="{96DAC541-7B7A-43D3-8B79-37D633B846F1}">
+                  <asvg:svgBlip xmlns:asvg="http://schemas.microsoft.com/office/drawing/2016/SVG/main" r:embed="rId8"/>
+                </a:ext>
+              </a:extLst>
+            </a:blip>
+            <a:stretch>
+              <a:fillRect/>
+            </a:stretch>
+          </p:blipFill>
+          <p:spPr>
+            <a:xfrm>
+              <a:off x="1195387" y="2343150"/>
+              <a:ext cx="914400" cy="914400"/>
+            </a:xfrm>
+            <a:prstGeom prst="rect">
+              <a:avLst/>
+            </a:prstGeom>
+          </p:spPr>
+        </p:pic>
+        <p:pic>
+          <p:nvPicPr>
+            <p:cNvPr id="9" name="グラフィックス 8" descr="ブラウザー ウィンドウ 枠線">
+              <a:extLst>
+                <a:ext uri="{FF2B5EF4-FFF2-40B4-BE49-F238E27FC236}">
+                  <a16:creationId xmlns:a16="http://schemas.microsoft.com/office/drawing/2014/main" id="{0728CD1A-1249-9A53-3102-1356BF1AB92E}"/>
+                </a:ext>
+              </a:extLst>
+            </p:cNvPr>
+            <p:cNvPicPr>
+              <a:picLocks noChangeAspect="1"/>
+            </p:cNvPicPr>
+            <p:nvPr/>
+          </p:nvPicPr>
+          <p:blipFill>
+            <a:blip r:embed="rId9">
+              <a:extLst>
+                <a:ext uri="{96DAC541-7B7A-43D3-8B79-37D633B846F1}">
+                  <asvg:svgBlip xmlns:asvg="http://schemas.microsoft.com/office/drawing/2016/SVG/main" r:embed="rId10"/>
+                </a:ext>
+              </a:extLst>
+            </a:blip>
+            <a:stretch>
+              <a:fillRect/>
+            </a:stretch>
+          </p:blipFill>
+          <p:spPr>
+            <a:xfrm>
+              <a:off x="8615365" y="2356877"/>
+              <a:ext cx="914400" cy="914400"/>
+            </a:xfrm>
+            <a:prstGeom prst="rect">
+              <a:avLst/>
+            </a:prstGeom>
+          </p:spPr>
+        </p:pic>
+        <p:pic>
+          <p:nvPicPr>
+            <p:cNvPr id="11" name="グラフィックス 10" descr="データベース 単色塗りつぶし">
+              <a:extLst>
+                <a:ext uri="{FF2B5EF4-FFF2-40B4-BE49-F238E27FC236}">
+                  <a16:creationId xmlns:a16="http://schemas.microsoft.com/office/drawing/2014/main" id="{55FBCE6C-6F18-68B2-B4F8-2E3E072361C5}"/>
+                </a:ext>
+              </a:extLst>
+            </p:cNvPr>
+            <p:cNvPicPr>
+              <a:picLocks noChangeAspect="1"/>
+            </p:cNvPicPr>
+            <p:nvPr/>
+          </p:nvPicPr>
+          <p:blipFill>
+            <a:blip r:embed="rId11">
+              <a:extLst>
+                <a:ext uri="{96DAC541-7B7A-43D3-8B79-37D633B846F1}">
+                  <asvg:svgBlip xmlns:asvg="http://schemas.microsoft.com/office/drawing/2016/SVG/main" r:embed="rId12"/>
+                </a:ext>
+              </a:extLst>
+            </a:blip>
+            <a:stretch>
+              <a:fillRect/>
+            </a:stretch>
+          </p:blipFill>
+          <p:spPr>
+            <a:xfrm>
+              <a:off x="4862513" y="2343150"/>
+              <a:ext cx="914400" cy="914400"/>
+            </a:xfrm>
+            <a:prstGeom prst="rect">
+              <a:avLst/>
+            </a:prstGeom>
+          </p:spPr>
+        </p:pic>
+        <p:cxnSp>
+          <p:nvCxnSpPr>
+            <p:cNvPr id="13" name="直線矢印コネクタ 12">
+              <a:extLst>
+                <a:ext uri="{FF2B5EF4-FFF2-40B4-BE49-F238E27FC236}">
+                  <a16:creationId xmlns:a16="http://schemas.microsoft.com/office/drawing/2014/main" id="{D82CE773-3438-AD09-0AD6-0E281CBA8208}"/>
+                </a:ext>
+              </a:extLst>
+            </p:cNvPr>
+            <p:cNvCxnSpPr>
+              <a:cxnSpLocks/>
+              <a:stCxn id="7" idx="3"/>
+              <a:endCxn id="11" idx="1"/>
+            </p:cNvCxnSpPr>
+            <p:nvPr/>
+          </p:nvCxnSpPr>
+          <p:spPr>
+            <a:xfrm>
+              <a:off x="2109787" y="2800350"/>
+              <a:ext cx="2752726" cy="0"/>
+            </a:xfrm>
+            <a:prstGeom prst="straightConnector1">
+              <a:avLst/>
+            </a:prstGeom>
+            <a:ln>
+              <a:tailEnd type="triangle"/>
+            </a:ln>
+          </p:spPr>
+          <p:style>
+            <a:lnRef idx="3">
+              <a:schemeClr val="dk1"/>
+            </a:lnRef>
+            <a:fillRef idx="0">
+              <a:schemeClr val="dk1"/>
+            </a:fillRef>
+            <a:effectRef idx="2">
+              <a:schemeClr val="dk1"/>
+            </a:effectRef>
+            <a:fontRef idx="minor">
+              <a:schemeClr val="tx1"/>
+            </a:fontRef>
+          </p:style>
+        </p:cxnSp>
+        <p:sp>
+          <p:nvSpPr>
+            <p:cNvPr id="15" name="テキスト ボックス 14">
+              <a:extLst>
+                <a:ext uri="{FF2B5EF4-FFF2-40B4-BE49-F238E27FC236}">
+                  <a16:creationId xmlns:a16="http://schemas.microsoft.com/office/drawing/2014/main" id="{7EAEA0F7-36FD-4FD5-9C82-A48F609B8453}"/>
+                </a:ext>
+              </a:extLst>
+            </p:cNvPr>
+            <p:cNvSpPr txBox="1"/>
+            <p:nvPr/>
+          </p:nvSpPr>
+          <p:spPr>
+            <a:xfrm>
+              <a:off x="2778918" y="2884957"/>
+              <a:ext cx="1414463" cy="253916"/>
+            </a:xfrm>
+            <a:prstGeom prst="rect">
+              <a:avLst/>
+            </a:prstGeom>
+            <a:noFill/>
+          </p:spPr>
+          <p:txBody>
+            <a:bodyPr wrap="square" rtlCol="0">
+              <a:spAutoFit/>
+            </a:bodyPr>
+            <a:lstStyle/>
+            <a:p>
+              <a:pPr algn="ctr"/>
+              <a:r>
+                <a:rPr lang="ja-JP" altLang="en-US" sz="1050">
+                  <a:latin typeface="Hiragino Kaku Gothic Pro W3" panose="020B0300000000000000" pitchFamily="34" charset="-128"/>
+                  <a:ea typeface="Hiragino Kaku Gothic Pro W3" panose="020B0300000000000000" pitchFamily="34" charset="-128"/>
+                </a:rPr>
+                <a:t>①申請先</a:t>
+              </a:r>
+              <a:r>
+                <a:rPr lang="en-US" altLang="ja-JP" sz="1050" dirty="0">
+                  <a:latin typeface="Hiragino Kaku Gothic Pro W3" panose="020B0300000000000000" pitchFamily="34" charset="-128"/>
+                  <a:ea typeface="Hiragino Kaku Gothic Pro W3" panose="020B0300000000000000" pitchFamily="34" charset="-128"/>
+                </a:rPr>
+                <a:t>ID</a:t>
+              </a:r>
+              <a:r>
+                <a:rPr lang="ja-JP" altLang="en-US" sz="1050">
+                  <a:latin typeface="Hiragino Kaku Gothic Pro W3" panose="020B0300000000000000" pitchFamily="34" charset="-128"/>
+                  <a:ea typeface="Hiragino Kaku Gothic Pro W3" panose="020B0300000000000000" pitchFamily="34" charset="-128"/>
+                </a:rPr>
+                <a:t>を入力</a:t>
+              </a:r>
+              <a:endParaRPr kumimoji="1" lang="ja-JP" altLang="en-US" sz="1050">
+                <a:latin typeface="Hiragino Kaku Gothic Pro W3" panose="020B0300000000000000" pitchFamily="34" charset="-128"/>
+                <a:ea typeface="Hiragino Kaku Gothic Pro W3" panose="020B0300000000000000" pitchFamily="34" charset="-128"/>
+              </a:endParaRPr>
+            </a:p>
+          </p:txBody>
+        </p:sp>
+        <p:grpSp>
+          <p:nvGrpSpPr>
+            <p:cNvPr id="19" name="グループ化 18">
+              <a:extLst>
+                <a:ext uri="{FF2B5EF4-FFF2-40B4-BE49-F238E27FC236}">
+                  <a16:creationId xmlns:a16="http://schemas.microsoft.com/office/drawing/2014/main" id="{7F30F8BA-A315-C943-836E-EF0BEA389F5E}"/>
+                </a:ext>
+              </a:extLst>
+            </p:cNvPr>
+            <p:cNvGrpSpPr/>
+            <p:nvPr/>
+          </p:nvGrpSpPr>
+          <p:grpSpPr>
+            <a:xfrm>
+              <a:off x="1881187" y="1128669"/>
+              <a:ext cx="3209926" cy="1443081"/>
+              <a:chOff x="2109787" y="1128669"/>
+              <a:chExt cx="3209926" cy="1443081"/>
+            </a:xfrm>
+          </p:grpSpPr>
+          <p:sp>
+            <p:nvSpPr>
+              <p:cNvPr id="16" name="円弧 15">
+                <a:extLst>
+                  <a:ext uri="{FF2B5EF4-FFF2-40B4-BE49-F238E27FC236}">
+                    <a16:creationId xmlns:a16="http://schemas.microsoft.com/office/drawing/2014/main" id="{1642912E-924F-6BDA-AA13-637C525E0452}"/>
+                  </a:ext>
+                </a:extLst>
+              </p:cNvPr>
+              <p:cNvSpPr/>
+              <p:nvPr/>
+            </p:nvSpPr>
+            <p:spPr>
+              <a:xfrm>
+                <a:off x="2109787" y="1628775"/>
+                <a:ext cx="3209926" cy="942975"/>
+              </a:xfrm>
+              <a:prstGeom prst="arc">
+                <a:avLst/>
+              </a:prstGeom>
+              <a:ln w="19050">
+                <a:solidFill>
+                  <a:srgbClr val="FF0000"/>
+                </a:solidFill>
+              </a:ln>
+            </p:spPr>
+            <p:style>
+              <a:lnRef idx="1">
+                <a:schemeClr val="accent1"/>
+              </a:lnRef>
+              <a:fillRef idx="0">
+                <a:schemeClr val="accent1"/>
+              </a:fillRef>
+              <a:effectRef idx="0">
+                <a:schemeClr val="accent1"/>
+              </a:effectRef>
+              <a:fontRef idx="minor">
+                <a:schemeClr val="tx1"/>
+              </a:fontRef>
+            </p:style>
+            <p:txBody>
+              <a:bodyPr rtlCol="0" anchor="ctr"/>
+              <a:lstStyle/>
+              <a:p>
+                <a:pPr algn="ctr"/>
+                <a:endParaRPr kumimoji="1" lang="ja-JP" altLang="en-US"/>
+              </a:p>
+            </p:txBody>
+          </p:sp>
+          <p:sp>
+            <p:nvSpPr>
+              <p:cNvPr id="17" name="円弧 16">
+                <a:extLst>
+                  <a:ext uri="{FF2B5EF4-FFF2-40B4-BE49-F238E27FC236}">
+                    <a16:creationId xmlns:a16="http://schemas.microsoft.com/office/drawing/2014/main" id="{CF70DA5B-7094-4EDB-81E3-C25638359FD2}"/>
+                  </a:ext>
+                </a:extLst>
+              </p:cNvPr>
+              <p:cNvSpPr/>
+              <p:nvPr/>
+            </p:nvSpPr>
+            <p:spPr>
+              <a:xfrm flipH="1">
+                <a:off x="2109787" y="1628773"/>
+                <a:ext cx="3209926" cy="942975"/>
+              </a:xfrm>
+              <a:prstGeom prst="arc">
+                <a:avLst/>
+              </a:prstGeom>
+              <a:ln w="19050">
+                <a:solidFill>
+                  <a:srgbClr val="FF0000"/>
+                </a:solidFill>
+                <a:tailEnd type="triangle"/>
+              </a:ln>
+            </p:spPr>
+            <p:style>
+              <a:lnRef idx="1">
+                <a:schemeClr val="accent1"/>
+              </a:lnRef>
+              <a:fillRef idx="0">
+                <a:schemeClr val="accent1"/>
+              </a:fillRef>
+              <a:effectRef idx="0">
+                <a:schemeClr val="accent1"/>
+              </a:effectRef>
+              <a:fontRef idx="minor">
+                <a:schemeClr val="tx1"/>
+              </a:fontRef>
+            </p:style>
+            <p:txBody>
+              <a:bodyPr rtlCol="0" anchor="ctr"/>
+              <a:lstStyle/>
+              <a:p>
+                <a:pPr algn="ctr"/>
+                <a:endParaRPr kumimoji="1" lang="ja-JP" altLang="en-US"/>
+              </a:p>
+            </p:txBody>
+          </p:sp>
+          <p:sp>
+            <p:nvSpPr>
+              <p:cNvPr id="18" name="テキスト ボックス 17">
+                <a:extLst>
+                  <a:ext uri="{FF2B5EF4-FFF2-40B4-BE49-F238E27FC236}">
+                    <a16:creationId xmlns:a16="http://schemas.microsoft.com/office/drawing/2014/main" id="{5B71645D-B6BB-570E-C9E6-E9CE6BB57361}"/>
+                  </a:ext>
+                </a:extLst>
+              </p:cNvPr>
+              <p:cNvSpPr txBox="1"/>
+              <p:nvPr/>
+            </p:nvSpPr>
+            <p:spPr>
+              <a:xfrm>
+                <a:off x="2811063" y="1128669"/>
+                <a:ext cx="1807371" cy="415498"/>
+              </a:xfrm>
+              <a:prstGeom prst="rect">
+                <a:avLst/>
+              </a:prstGeom>
+              <a:noFill/>
+            </p:spPr>
+            <p:txBody>
+              <a:bodyPr wrap="square" rtlCol="0">
+                <a:spAutoFit/>
+              </a:bodyPr>
+              <a:lstStyle/>
+              <a:p>
+                <a:pPr algn="ctr"/>
+                <a:r>
+                  <a:rPr lang="en-US" altLang="ja-JP" sz="1050" dirty="0">
+                    <a:latin typeface="Hiragino Kaku Gothic Pro W3" panose="020B0300000000000000" pitchFamily="34" charset="-128"/>
+                    <a:ea typeface="Hiragino Kaku Gothic Pro W3" panose="020B0300000000000000" pitchFamily="34" charset="-128"/>
+                  </a:rPr>
+                  <a:t>②</a:t>
+                </a:r>
+                <a:r>
+                  <a:rPr kumimoji="1" lang="ja-JP" altLang="en-US" sz="1050">
+                    <a:latin typeface="Hiragino Kaku Gothic Pro W3" panose="020B0300000000000000" pitchFamily="34" charset="-128"/>
+                    <a:ea typeface="Hiragino Kaku Gothic Pro W3" panose="020B0300000000000000" pitchFamily="34" charset="-128"/>
+                  </a:rPr>
+                  <a:t>マイページにて</a:t>
+                </a:r>
+                <a:endParaRPr kumimoji="1" lang="en-US" altLang="ja-JP" sz="1050" dirty="0">
+                  <a:latin typeface="Hiragino Kaku Gothic Pro W3" panose="020B0300000000000000" pitchFamily="34" charset="-128"/>
+                  <a:ea typeface="Hiragino Kaku Gothic Pro W3" panose="020B0300000000000000" pitchFamily="34" charset="-128"/>
+                </a:endParaRPr>
+              </a:p>
+              <a:p>
+                <a:pPr algn="ctr"/>
+                <a:r>
+                  <a:rPr lang="ja-JP" altLang="en-US" sz="1050">
+                    <a:latin typeface="Hiragino Kaku Gothic Pro W3" panose="020B0300000000000000" pitchFamily="34" charset="-128"/>
+                    <a:ea typeface="Hiragino Kaku Gothic Pro W3" panose="020B0300000000000000" pitchFamily="34" charset="-128"/>
+                  </a:rPr>
+                  <a:t>「送信に失敗しました」</a:t>
+                </a:r>
+                <a:endParaRPr kumimoji="1" lang="ja-JP" altLang="en-US" sz="1050">
+                  <a:latin typeface="Hiragino Kaku Gothic Pro W3" panose="020B0300000000000000" pitchFamily="34" charset="-128"/>
+                  <a:ea typeface="Hiragino Kaku Gothic Pro W3" panose="020B0300000000000000" pitchFamily="34" charset="-128"/>
+                </a:endParaRPr>
+              </a:p>
+            </p:txBody>
+          </p:sp>
+        </p:grpSp>
+        <p:grpSp>
+          <p:nvGrpSpPr>
+            <p:cNvPr id="20" name="グループ化 19">
+              <a:extLst>
+                <a:ext uri="{FF2B5EF4-FFF2-40B4-BE49-F238E27FC236}">
+                  <a16:creationId xmlns:a16="http://schemas.microsoft.com/office/drawing/2014/main" id="{4B446524-E125-1464-B117-04B9978D16A9}"/>
+                </a:ext>
+              </a:extLst>
+            </p:cNvPr>
+            <p:cNvGrpSpPr/>
+            <p:nvPr/>
+          </p:nvGrpSpPr>
+          <p:grpSpPr>
+            <a:xfrm rot="10800000">
+              <a:off x="1881187" y="2984967"/>
+              <a:ext cx="3209926" cy="1458484"/>
+              <a:chOff x="2109787" y="1113266"/>
+              <a:chExt cx="3209926" cy="1458484"/>
+            </a:xfrm>
+          </p:grpSpPr>
+          <p:sp>
+            <p:nvSpPr>
+              <p:cNvPr id="21" name="円弧 20">
+                <a:extLst>
+                  <a:ext uri="{FF2B5EF4-FFF2-40B4-BE49-F238E27FC236}">
+                    <a16:creationId xmlns:a16="http://schemas.microsoft.com/office/drawing/2014/main" id="{6998E529-45CE-6EEC-EA07-AB7DEF5E727D}"/>
+                  </a:ext>
+                </a:extLst>
+              </p:cNvPr>
+              <p:cNvSpPr/>
+              <p:nvPr/>
+            </p:nvSpPr>
+            <p:spPr>
+              <a:xfrm>
+                <a:off x="2109787" y="1628775"/>
+                <a:ext cx="3209926" cy="942975"/>
+              </a:xfrm>
+              <a:prstGeom prst="arc">
+                <a:avLst/>
+              </a:prstGeom>
+              <a:ln w="19050">
+                <a:solidFill>
+                  <a:srgbClr val="00B050"/>
+                </a:solidFill>
+                <a:tailEnd type="triangle"/>
+              </a:ln>
+            </p:spPr>
+            <p:style>
+              <a:lnRef idx="1">
+                <a:schemeClr val="accent1"/>
+              </a:lnRef>
+              <a:fillRef idx="0">
+                <a:schemeClr val="accent1"/>
+              </a:fillRef>
+              <a:effectRef idx="0">
+                <a:schemeClr val="accent1"/>
+              </a:effectRef>
+              <a:fontRef idx="minor">
+                <a:schemeClr val="tx1"/>
+              </a:fontRef>
+            </p:style>
+            <p:txBody>
+              <a:bodyPr rtlCol="0" anchor="ctr"/>
+              <a:lstStyle/>
+              <a:p>
+                <a:pPr algn="ctr"/>
+                <a:endParaRPr kumimoji="1" lang="ja-JP" altLang="en-US"/>
+              </a:p>
+            </p:txBody>
+          </p:sp>
+          <p:sp>
+            <p:nvSpPr>
+              <p:cNvPr id="22" name="円弧 21">
+                <a:extLst>
+                  <a:ext uri="{FF2B5EF4-FFF2-40B4-BE49-F238E27FC236}">
+                    <a16:creationId xmlns:a16="http://schemas.microsoft.com/office/drawing/2014/main" id="{9FDA5CD7-DD95-6172-FC14-91548430F537}"/>
+                  </a:ext>
+                </a:extLst>
+              </p:cNvPr>
+              <p:cNvSpPr/>
+              <p:nvPr/>
+            </p:nvSpPr>
+            <p:spPr>
+              <a:xfrm flipH="1">
+                <a:off x="2109787" y="1628773"/>
+                <a:ext cx="3209926" cy="942975"/>
+              </a:xfrm>
+              <a:prstGeom prst="arc">
+                <a:avLst/>
+              </a:prstGeom>
+              <a:ln w="19050">
+                <a:solidFill>
+                  <a:srgbClr val="00B050"/>
+                </a:solidFill>
+                <a:tailEnd type="none"/>
+              </a:ln>
+            </p:spPr>
+            <p:style>
+              <a:lnRef idx="1">
+                <a:schemeClr val="accent1"/>
+              </a:lnRef>
+              <a:fillRef idx="0">
+                <a:schemeClr val="accent1"/>
+              </a:fillRef>
+              <a:effectRef idx="0">
+                <a:schemeClr val="accent1"/>
+              </a:effectRef>
+              <a:fontRef idx="minor">
+                <a:schemeClr val="tx1"/>
+              </a:fontRef>
+            </p:style>
+            <p:txBody>
+              <a:bodyPr rtlCol="0" anchor="ctr"/>
+              <a:lstStyle/>
+              <a:p>
+                <a:pPr algn="ctr"/>
+                <a:endParaRPr kumimoji="1" lang="ja-JP" altLang="en-US"/>
+              </a:p>
+            </p:txBody>
+          </p:sp>
+          <p:sp>
+            <p:nvSpPr>
+              <p:cNvPr id="23" name="テキスト ボックス 22">
+                <a:extLst>
+                  <a:ext uri="{FF2B5EF4-FFF2-40B4-BE49-F238E27FC236}">
+                    <a16:creationId xmlns:a16="http://schemas.microsoft.com/office/drawing/2014/main" id="{153C444C-5DB5-FFEF-53E2-6B7C1AFFD0AE}"/>
+                  </a:ext>
+                </a:extLst>
+              </p:cNvPr>
+              <p:cNvSpPr txBox="1"/>
+              <p:nvPr/>
+            </p:nvSpPr>
+            <p:spPr>
+              <a:xfrm rot="10800000">
+                <a:off x="2811066" y="1113266"/>
+                <a:ext cx="1921669" cy="415498"/>
+              </a:xfrm>
+              <a:prstGeom prst="rect">
+                <a:avLst/>
+              </a:prstGeom>
+              <a:noFill/>
+            </p:spPr>
+            <p:txBody>
+              <a:bodyPr wrap="square" rtlCol="0">
+                <a:spAutoFit/>
+              </a:bodyPr>
+              <a:lstStyle/>
+              <a:p>
+                <a:pPr algn="ctr"/>
+                <a:r>
+                  <a:rPr kumimoji="1" lang="ja-JP" altLang="en-US" sz="1050">
+                    <a:latin typeface="Hiragino Kaku Gothic Pro W3" panose="020B0300000000000000" pitchFamily="34" charset="-128"/>
+                    <a:ea typeface="Hiragino Kaku Gothic Pro W3" panose="020B0300000000000000" pitchFamily="34" charset="-128"/>
+                  </a:rPr>
+                  <a:t>②マイページにて</a:t>
+                </a:r>
+                <a:endParaRPr kumimoji="1" lang="en-US" altLang="ja-JP" sz="1050" dirty="0">
+                  <a:latin typeface="Hiragino Kaku Gothic Pro W3" panose="020B0300000000000000" pitchFamily="34" charset="-128"/>
+                  <a:ea typeface="Hiragino Kaku Gothic Pro W3" panose="020B0300000000000000" pitchFamily="34" charset="-128"/>
+                </a:endParaRPr>
+              </a:p>
+              <a:p>
+                <a:pPr algn="ctr"/>
+                <a:r>
+                  <a:rPr lang="ja-JP" altLang="en-US" sz="1050">
+                    <a:latin typeface="Hiragino Kaku Gothic Pro W3" panose="020B0300000000000000" pitchFamily="34" charset="-128"/>
+                    <a:ea typeface="Hiragino Kaku Gothic Pro W3" panose="020B0300000000000000" pitchFamily="34" charset="-128"/>
+                  </a:rPr>
+                  <a:t>「送信に成功しました」</a:t>
+                </a:r>
+                <a:endParaRPr kumimoji="1" lang="ja-JP" altLang="en-US" sz="1050">
+                  <a:latin typeface="Hiragino Kaku Gothic Pro W3" panose="020B0300000000000000" pitchFamily="34" charset="-128"/>
+                  <a:ea typeface="Hiragino Kaku Gothic Pro W3" panose="020B0300000000000000" pitchFamily="34" charset="-128"/>
+                </a:endParaRPr>
+              </a:p>
+            </p:txBody>
+          </p:sp>
+        </p:grpSp>
+        <p:cxnSp>
+          <p:nvCxnSpPr>
+            <p:cNvPr id="27" name="直線矢印コネクタ 26">
+              <a:extLst>
+                <a:ext uri="{FF2B5EF4-FFF2-40B4-BE49-F238E27FC236}">
+                  <a16:creationId xmlns:a16="http://schemas.microsoft.com/office/drawing/2014/main" id="{8CE6A48D-AF64-5A76-B6FE-E9BA4C9CA7EA}"/>
+                </a:ext>
+              </a:extLst>
+            </p:cNvPr>
+            <p:cNvCxnSpPr>
+              <a:cxnSpLocks/>
+              <a:stCxn id="11" idx="3"/>
+              <a:endCxn id="9" idx="1"/>
+            </p:cNvCxnSpPr>
+            <p:nvPr/>
+          </p:nvCxnSpPr>
+          <p:spPr>
+            <a:xfrm>
+              <a:off x="5776913" y="2800350"/>
+              <a:ext cx="2838452" cy="13727"/>
+            </a:xfrm>
+            <a:prstGeom prst="straightConnector1">
+              <a:avLst/>
+            </a:prstGeom>
+            <a:ln>
+              <a:solidFill>
+                <a:srgbClr val="00B050"/>
+              </a:solidFill>
+              <a:tailEnd type="triangle"/>
+            </a:ln>
+          </p:spPr>
+          <p:style>
+            <a:lnRef idx="3">
+              <a:schemeClr val="accent6"/>
+            </a:lnRef>
+            <a:fillRef idx="0">
+              <a:schemeClr val="accent6"/>
+            </a:fillRef>
+            <a:effectRef idx="2">
+              <a:schemeClr val="accent6"/>
+            </a:effectRef>
+            <a:fontRef idx="minor">
+              <a:schemeClr val="tx1"/>
+            </a:fontRef>
+          </p:style>
+        </p:cxnSp>
+        <p:sp>
+          <p:nvSpPr>
+            <p:cNvPr id="31" name="テキスト ボックス 30">
+              <a:extLst>
+                <a:ext uri="{FF2B5EF4-FFF2-40B4-BE49-F238E27FC236}">
+                  <a16:creationId xmlns:a16="http://schemas.microsoft.com/office/drawing/2014/main" id="{04128369-8D69-5C13-0853-36B23BD7F488}"/>
+                </a:ext>
+              </a:extLst>
+            </p:cNvPr>
+            <p:cNvSpPr txBox="1"/>
+            <p:nvPr/>
+          </p:nvSpPr>
+          <p:spPr>
+            <a:xfrm>
+              <a:off x="6290073" y="2984967"/>
+              <a:ext cx="1812131" cy="415498"/>
+            </a:xfrm>
+            <a:prstGeom prst="rect">
+              <a:avLst/>
+            </a:prstGeom>
+            <a:noFill/>
+          </p:spPr>
+          <p:txBody>
+            <a:bodyPr wrap="square" rtlCol="0">
+              <a:spAutoFit/>
+            </a:bodyPr>
+            <a:lstStyle/>
+            <a:p>
+              <a:pPr algn="ctr"/>
+              <a:r>
+                <a:rPr lang="en-US" altLang="ja-JP" sz="1050" dirty="0">
+                  <a:latin typeface="Hiragino Kaku Gothic Pro W3" panose="020B0300000000000000" pitchFamily="34" charset="-128"/>
+                  <a:ea typeface="Hiragino Kaku Gothic Pro W3" panose="020B0300000000000000" pitchFamily="34" charset="-128"/>
+                </a:rPr>
+                <a:t>②</a:t>
+              </a:r>
+              <a:r>
+                <a:rPr lang="ja-JP" altLang="en-US" sz="1050">
+                  <a:latin typeface="Hiragino Kaku Gothic Pro W3" panose="020B0300000000000000" pitchFamily="34" charset="-128"/>
+                  <a:ea typeface="Hiragino Kaku Gothic Pro W3" panose="020B0300000000000000" pitchFamily="34" charset="-128"/>
+                </a:rPr>
+                <a:t>マイページにて</a:t>
+              </a:r>
+              <a:endParaRPr lang="en-US" altLang="ja-JP" sz="1050" dirty="0">
+                <a:latin typeface="Hiragino Kaku Gothic Pro W3" panose="020B0300000000000000" pitchFamily="34" charset="-128"/>
+                <a:ea typeface="Hiragino Kaku Gothic Pro W3" panose="020B0300000000000000" pitchFamily="34" charset="-128"/>
+              </a:endParaRPr>
+            </a:p>
+            <a:p>
+              <a:pPr algn="ctr"/>
+              <a:r>
+                <a:rPr lang="ja-JP" altLang="en-US" sz="1050">
+                  <a:latin typeface="Hiragino Kaku Gothic Pro W3" panose="020B0300000000000000" pitchFamily="34" charset="-128"/>
+                  <a:ea typeface="Hiragino Kaku Gothic Pro W3" panose="020B0300000000000000" pitchFamily="34" charset="-128"/>
+                </a:rPr>
+                <a:t>申請一覧に追加</a:t>
+              </a:r>
+              <a:endParaRPr lang="en-US" altLang="ja-JP" sz="1050" dirty="0">
+                <a:latin typeface="Hiragino Kaku Gothic Pro W3" panose="020B0300000000000000" pitchFamily="34" charset="-128"/>
+                <a:ea typeface="Hiragino Kaku Gothic Pro W3" panose="020B0300000000000000" pitchFamily="34" charset="-128"/>
+              </a:endParaRPr>
+            </a:p>
+          </p:txBody>
+        </p:sp>
+      </p:grpSp>
+    </p:spTree>
+    <p:extLst>
+      <p:ext uri="{BB962C8B-B14F-4D97-AF65-F5344CB8AC3E}">
+        <p14:creationId xmlns:p14="http://schemas.microsoft.com/office/powerpoint/2010/main" val="2008006996"/>
+      </p:ext>
+    </p:extLst>
+  </p:cSld>
+  <p:clrMapOvr>
+    <a:masterClrMapping/>
+  </p:clrMapOvr>
+</p:sld>
+</file>
+
+<file path=ppt/slides/slide8.xml><?xml version="1.0" encoding="utf-8"?>
+<p:sld xmlns:a="http://schemas.openxmlformats.org/drawingml/2006/main" xmlns:r="http://schemas.openxmlformats.org/officeDocument/2006/relationships" xmlns:p="http://schemas.openxmlformats.org/presentationml/2006/main">
+  <p:cSld>
+    <p:spTree>
+      <p:nvGrpSpPr>
+        <p:cNvPr id="1" name=""/>
+        <p:cNvGrpSpPr/>
+        <p:nvPr/>
+      </p:nvGrpSpPr>
+      <p:grpSpPr>
+        <a:xfrm>
+          <a:off x="0" y="0"/>
+          <a:ext cx="0" cy="0"/>
+          <a:chOff x="0" y="0"/>
+          <a:chExt cx="0" cy="0"/>
+        </a:xfrm>
+      </p:grpSpPr>
+      <p:grpSp>
+        <p:nvGrpSpPr>
+          <p:cNvPr id="38" name="グループ化 37">
+            <a:extLst>
+              <a:ext uri="{FF2B5EF4-FFF2-40B4-BE49-F238E27FC236}">
+                <a16:creationId xmlns:a16="http://schemas.microsoft.com/office/drawing/2014/main" id="{92334EB4-72D4-B0F9-7F22-8EDB2A12F9E5}"/>
+              </a:ext>
+            </a:extLst>
+          </p:cNvPr>
+          <p:cNvGrpSpPr/>
+          <p:nvPr/>
+        </p:nvGrpSpPr>
+        <p:grpSpPr>
+          <a:xfrm>
+            <a:off x="280987" y="1503449"/>
+            <a:ext cx="10163178" cy="5053297"/>
+            <a:chOff x="280987" y="1503449"/>
+            <a:chExt cx="10163178" cy="5053297"/>
+          </a:xfrm>
+        </p:grpSpPr>
+        <p:grpSp>
+          <p:nvGrpSpPr>
+            <p:cNvPr id="6" name="グループ化 5">
+              <a:extLst>
+                <a:ext uri="{FF2B5EF4-FFF2-40B4-BE49-F238E27FC236}">
+                  <a16:creationId xmlns:a16="http://schemas.microsoft.com/office/drawing/2014/main" id="{B8813433-F18A-9938-D312-171BBD9B727B}"/>
+                </a:ext>
+              </a:extLst>
+            </p:cNvPr>
+            <p:cNvGrpSpPr/>
+            <p:nvPr/>
+          </p:nvGrpSpPr>
+          <p:grpSpPr>
+            <a:xfrm>
+              <a:off x="280987" y="1503449"/>
+              <a:ext cx="10163178" cy="3334852"/>
+              <a:chOff x="280987" y="1503449"/>
+              <a:chExt cx="10163178" cy="3334852"/>
+            </a:xfrm>
+          </p:grpSpPr>
+          <p:pic>
+            <p:nvPicPr>
+              <p:cNvPr id="3" name="グラフィックス 2" descr="男性 単色塗りつぶし">
+                <a:extLst>
+                  <a:ext uri="{FF2B5EF4-FFF2-40B4-BE49-F238E27FC236}">
+                    <a16:creationId xmlns:a16="http://schemas.microsoft.com/office/drawing/2014/main" id="{76F48CA8-6117-4540-19B2-9A088205FDAE}"/>
+                  </a:ext>
+                </a:extLst>
+              </p:cNvPr>
+              <p:cNvPicPr>
+                <a:picLocks noChangeAspect="1"/>
+              </p:cNvPicPr>
+              <p:nvPr/>
+            </p:nvPicPr>
+            <p:blipFill>
+              <a:blip r:embed="rId3">
+                <a:extLst>
+                  <a:ext uri="{96DAC541-7B7A-43D3-8B79-37D633B846F1}">
+                    <asvg:svgBlip xmlns:asvg="http://schemas.microsoft.com/office/drawing/2016/SVG/main" r:embed="rId4"/>
+                  </a:ext>
+                </a:extLst>
+              </a:blip>
+              <a:stretch>
+                <a:fillRect/>
+              </a:stretch>
+            </p:blipFill>
+            <p:spPr>
+              <a:xfrm>
+                <a:off x="280987" y="2343150"/>
+                <a:ext cx="914400" cy="914400"/>
+              </a:xfrm>
+              <a:prstGeom prst="rect">
+                <a:avLst/>
+              </a:prstGeom>
+            </p:spPr>
+          </p:pic>
+          <p:pic>
+            <p:nvPicPr>
+              <p:cNvPr id="5" name="グラフィックス 4" descr="男性 枠線">
+                <a:extLst>
+                  <a:ext uri="{FF2B5EF4-FFF2-40B4-BE49-F238E27FC236}">
+                    <a16:creationId xmlns:a16="http://schemas.microsoft.com/office/drawing/2014/main" id="{FE3F6413-278B-E8F0-2D3D-231C894610EC}"/>
+                  </a:ext>
+                </a:extLst>
+              </p:cNvPr>
+              <p:cNvPicPr>
+                <a:picLocks noChangeAspect="1"/>
+              </p:cNvPicPr>
+              <p:nvPr/>
+            </p:nvPicPr>
+            <p:blipFill>
+              <a:blip r:embed="rId5">
+                <a:extLst>
+                  <a:ext uri="{96DAC541-7B7A-43D3-8B79-37D633B846F1}">
+                    <asvg:svgBlip xmlns:asvg="http://schemas.microsoft.com/office/drawing/2016/SVG/main" r:embed="rId6"/>
+                  </a:ext>
+                </a:extLst>
+              </a:blip>
+              <a:stretch>
+                <a:fillRect/>
+              </a:stretch>
+            </p:blipFill>
+            <p:spPr>
+              <a:xfrm>
+                <a:off x="9529765" y="2343150"/>
+                <a:ext cx="914400" cy="914400"/>
+              </a:xfrm>
+              <a:prstGeom prst="rect">
+                <a:avLst/>
+              </a:prstGeom>
+            </p:spPr>
+          </p:pic>
+          <p:pic>
+            <p:nvPicPr>
+              <p:cNvPr id="7" name="グラフィックス 6" descr="ブラウザー ウィンドウ 単色塗りつぶし">
+                <a:extLst>
+                  <a:ext uri="{FF2B5EF4-FFF2-40B4-BE49-F238E27FC236}">
+                    <a16:creationId xmlns:a16="http://schemas.microsoft.com/office/drawing/2014/main" id="{263FFBD6-59CC-6657-9C19-4FCECEAA216A}"/>
+                  </a:ext>
+                </a:extLst>
+              </p:cNvPr>
+              <p:cNvPicPr>
+                <a:picLocks noChangeAspect="1"/>
+              </p:cNvPicPr>
+              <p:nvPr/>
+            </p:nvPicPr>
+            <p:blipFill>
+              <a:blip r:embed="rId7">
+                <a:extLst>
+                  <a:ext uri="{96DAC541-7B7A-43D3-8B79-37D633B846F1}">
+                    <asvg:svgBlip xmlns:asvg="http://schemas.microsoft.com/office/drawing/2016/SVG/main" r:embed="rId8"/>
+                  </a:ext>
+                </a:extLst>
+              </a:blip>
+              <a:stretch>
+                <a:fillRect/>
+              </a:stretch>
+            </p:blipFill>
+            <p:spPr>
+              <a:xfrm>
+                <a:off x="1195387" y="2343150"/>
+                <a:ext cx="914400" cy="914400"/>
+              </a:xfrm>
+              <a:prstGeom prst="rect">
+                <a:avLst/>
+              </a:prstGeom>
+            </p:spPr>
+          </p:pic>
+          <p:pic>
+            <p:nvPicPr>
+              <p:cNvPr id="9" name="グラフィックス 8" descr="ブラウザー ウィンドウ 枠線">
+                <a:extLst>
+                  <a:ext uri="{FF2B5EF4-FFF2-40B4-BE49-F238E27FC236}">
+                    <a16:creationId xmlns:a16="http://schemas.microsoft.com/office/drawing/2014/main" id="{0728CD1A-1249-9A53-3102-1356BF1AB92E}"/>
+                  </a:ext>
+                </a:extLst>
+              </p:cNvPr>
+              <p:cNvPicPr>
+                <a:picLocks noChangeAspect="1"/>
+              </p:cNvPicPr>
+              <p:nvPr/>
+            </p:nvPicPr>
+            <p:blipFill>
+              <a:blip r:embed="rId9">
+                <a:extLst>
+                  <a:ext uri="{96DAC541-7B7A-43D3-8B79-37D633B846F1}">
+                    <asvg:svgBlip xmlns:asvg="http://schemas.microsoft.com/office/drawing/2016/SVG/main" r:embed="rId10"/>
+                  </a:ext>
+                </a:extLst>
+              </a:blip>
+              <a:stretch>
+                <a:fillRect/>
+              </a:stretch>
+            </p:blipFill>
+            <p:spPr>
+              <a:xfrm>
+                <a:off x="8615365" y="2356877"/>
+                <a:ext cx="914400" cy="914400"/>
+              </a:xfrm>
+              <a:prstGeom prst="rect">
+                <a:avLst/>
+              </a:prstGeom>
+            </p:spPr>
+          </p:pic>
+          <p:pic>
+            <p:nvPicPr>
+              <p:cNvPr id="11" name="グラフィックス 10" descr="データベース 単色塗りつぶし">
+                <a:extLst>
+                  <a:ext uri="{FF2B5EF4-FFF2-40B4-BE49-F238E27FC236}">
+                    <a16:creationId xmlns:a16="http://schemas.microsoft.com/office/drawing/2014/main" id="{55FBCE6C-6F18-68B2-B4F8-2E3E072361C5}"/>
+                  </a:ext>
+                </a:extLst>
+              </p:cNvPr>
+              <p:cNvPicPr>
+                <a:picLocks noChangeAspect="1"/>
+              </p:cNvPicPr>
+              <p:nvPr/>
+            </p:nvPicPr>
+            <p:blipFill>
+              <a:blip r:embed="rId11">
+                <a:extLst>
+                  <a:ext uri="{96DAC541-7B7A-43D3-8B79-37D633B846F1}">
+                    <asvg:svgBlip xmlns:asvg="http://schemas.microsoft.com/office/drawing/2016/SVG/main" r:embed="rId12"/>
+                  </a:ext>
+                </a:extLst>
+              </a:blip>
+              <a:stretch>
+                <a:fillRect/>
+              </a:stretch>
+            </p:blipFill>
+            <p:spPr>
+              <a:xfrm>
+                <a:off x="4862513" y="2343150"/>
+                <a:ext cx="914400" cy="914400"/>
+              </a:xfrm>
+              <a:prstGeom prst="rect">
+                <a:avLst/>
+              </a:prstGeom>
+            </p:spPr>
+          </p:pic>
+          <p:grpSp>
+            <p:nvGrpSpPr>
+              <p:cNvPr id="19" name="グループ化 18">
+                <a:extLst>
+                  <a:ext uri="{FF2B5EF4-FFF2-40B4-BE49-F238E27FC236}">
+                    <a16:creationId xmlns:a16="http://schemas.microsoft.com/office/drawing/2014/main" id="{7F30F8BA-A315-C943-836E-EF0BEA389F5E}"/>
+                  </a:ext>
+                </a:extLst>
+              </p:cNvPr>
+              <p:cNvGrpSpPr/>
+              <p:nvPr/>
+            </p:nvGrpSpPr>
+            <p:grpSpPr>
+              <a:xfrm>
+                <a:off x="5591176" y="1503449"/>
+                <a:ext cx="3209926" cy="1281498"/>
+                <a:chOff x="2109787" y="1290252"/>
+                <a:chExt cx="3209926" cy="1281498"/>
+              </a:xfrm>
+            </p:grpSpPr>
+            <p:sp>
+              <p:nvSpPr>
+                <p:cNvPr id="16" name="円弧 15">
+                  <a:extLst>
+                    <a:ext uri="{FF2B5EF4-FFF2-40B4-BE49-F238E27FC236}">
+                      <a16:creationId xmlns:a16="http://schemas.microsoft.com/office/drawing/2014/main" id="{1642912E-924F-6BDA-AA13-637C525E0452}"/>
+                    </a:ext>
+                  </a:extLst>
+                </p:cNvPr>
+                <p:cNvSpPr/>
+                <p:nvPr/>
+              </p:nvSpPr>
+              <p:spPr>
+                <a:xfrm>
+                  <a:off x="2109787" y="1628775"/>
+                  <a:ext cx="3209926" cy="942975"/>
+                </a:xfrm>
+                <a:prstGeom prst="arc">
+                  <a:avLst/>
+                </a:prstGeom>
+                <a:ln w="19050">
+                  <a:solidFill>
+                    <a:srgbClr val="FF0000"/>
+                  </a:solidFill>
+                </a:ln>
+              </p:spPr>
+              <p:style>
+                <a:lnRef idx="1">
+                  <a:schemeClr val="accent1"/>
+                </a:lnRef>
+                <a:fillRef idx="0">
+                  <a:schemeClr val="accent1"/>
+                </a:fillRef>
+                <a:effectRef idx="0">
+                  <a:schemeClr val="accent1"/>
+                </a:effectRef>
+                <a:fontRef idx="minor">
+                  <a:schemeClr val="tx1"/>
+                </a:fontRef>
+              </p:style>
+              <p:txBody>
+                <a:bodyPr rtlCol="0" anchor="ctr"/>
+                <a:lstStyle/>
+                <a:p>
+                  <a:pPr algn="ctr"/>
+                  <a:endParaRPr kumimoji="1" lang="ja-JP" altLang="en-US"/>
+                </a:p>
+              </p:txBody>
+            </p:sp>
+            <p:sp>
+              <p:nvSpPr>
+                <p:cNvPr id="17" name="円弧 16">
+                  <a:extLst>
+                    <a:ext uri="{FF2B5EF4-FFF2-40B4-BE49-F238E27FC236}">
+                      <a16:creationId xmlns:a16="http://schemas.microsoft.com/office/drawing/2014/main" id="{CF70DA5B-7094-4EDB-81E3-C25638359FD2}"/>
+                    </a:ext>
+                  </a:extLst>
+                </p:cNvPr>
+                <p:cNvSpPr/>
+                <p:nvPr/>
+              </p:nvSpPr>
+              <p:spPr>
+                <a:xfrm flipH="1">
+                  <a:off x="2109787" y="1628773"/>
+                  <a:ext cx="3209926" cy="942975"/>
+                </a:xfrm>
+                <a:prstGeom prst="arc">
+                  <a:avLst/>
+                </a:prstGeom>
+                <a:ln w="19050">
+                  <a:solidFill>
+                    <a:srgbClr val="FF0000"/>
+                  </a:solidFill>
+                  <a:tailEnd type="triangle"/>
+                </a:ln>
+              </p:spPr>
+              <p:style>
+                <a:lnRef idx="1">
+                  <a:schemeClr val="accent1"/>
+                </a:lnRef>
+                <a:fillRef idx="0">
+                  <a:schemeClr val="accent1"/>
+                </a:fillRef>
+                <a:effectRef idx="0">
+                  <a:schemeClr val="accent1"/>
+                </a:effectRef>
+                <a:fontRef idx="minor">
+                  <a:schemeClr val="tx1"/>
+                </a:fontRef>
+              </p:style>
+              <p:txBody>
+                <a:bodyPr rtlCol="0" anchor="ctr"/>
+                <a:lstStyle/>
+                <a:p>
+                  <a:pPr algn="ctr"/>
+                  <a:endParaRPr kumimoji="1" lang="ja-JP" altLang="en-US"/>
+                </a:p>
+              </p:txBody>
+            </p:sp>
+            <p:sp>
+              <p:nvSpPr>
+                <p:cNvPr id="18" name="テキスト ボックス 17">
+                  <a:extLst>
+                    <a:ext uri="{FF2B5EF4-FFF2-40B4-BE49-F238E27FC236}">
+                      <a16:creationId xmlns:a16="http://schemas.microsoft.com/office/drawing/2014/main" id="{5B71645D-B6BB-570E-C9E6-E9CE6BB57361}"/>
+                    </a:ext>
+                  </a:extLst>
+                </p:cNvPr>
+                <p:cNvSpPr txBox="1"/>
+                <p:nvPr/>
+              </p:nvSpPr>
+              <p:spPr>
+                <a:xfrm>
+                  <a:off x="3086255" y="1290252"/>
+                  <a:ext cx="1171259" cy="253916"/>
+                </a:xfrm>
+                <a:prstGeom prst="rect">
+                  <a:avLst/>
+                </a:prstGeom>
+                <a:noFill/>
+              </p:spPr>
+              <p:txBody>
+                <a:bodyPr wrap="square" rtlCol="0">
+                  <a:spAutoFit/>
+                </a:bodyPr>
+                <a:lstStyle/>
+                <a:p>
+                  <a:pPr algn="ctr"/>
+                  <a:r>
+                    <a:rPr lang="ja-JP" altLang="en-US" sz="1050">
+                      <a:latin typeface="Hiragino Kaku Gothic Pro W3" panose="020B0300000000000000" pitchFamily="34" charset="-128"/>
+                      <a:ea typeface="Hiragino Kaku Gothic Pro W3" panose="020B0300000000000000" pitchFamily="34" charset="-128"/>
+                    </a:rPr>
+                    <a:t> ①申請</a:t>
+                  </a:r>
+                  <a:r>
+                    <a:rPr kumimoji="1" lang="ja-JP" altLang="en-US" sz="1050">
+                      <a:latin typeface="Hiragino Kaku Gothic Pro W3" panose="020B0300000000000000" pitchFamily="34" charset="-128"/>
+                      <a:ea typeface="Hiragino Kaku Gothic Pro W3" panose="020B0300000000000000" pitchFamily="34" charset="-128"/>
+                    </a:rPr>
+                    <a:t>を拒否</a:t>
+                  </a:r>
+                </a:p>
+              </p:txBody>
+            </p:sp>
+          </p:grpSp>
+          <p:grpSp>
+            <p:nvGrpSpPr>
+              <p:cNvPr id="20" name="グループ化 19">
+                <a:extLst>
+                  <a:ext uri="{FF2B5EF4-FFF2-40B4-BE49-F238E27FC236}">
+                    <a16:creationId xmlns:a16="http://schemas.microsoft.com/office/drawing/2014/main" id="{4B446524-E125-1464-B117-04B9978D16A9}"/>
+                  </a:ext>
+                </a:extLst>
+              </p:cNvPr>
+              <p:cNvGrpSpPr/>
+              <p:nvPr/>
+            </p:nvGrpSpPr>
+            <p:grpSpPr>
+              <a:xfrm rot="10800000">
+                <a:off x="5591176" y="2884957"/>
+                <a:ext cx="3209926" cy="1296900"/>
+                <a:chOff x="2109787" y="1274850"/>
+                <a:chExt cx="3209926" cy="1296900"/>
+              </a:xfrm>
+            </p:grpSpPr>
+            <p:sp>
+              <p:nvSpPr>
+                <p:cNvPr id="21" name="円弧 20">
+                  <a:extLst>
+                    <a:ext uri="{FF2B5EF4-FFF2-40B4-BE49-F238E27FC236}">
+                      <a16:creationId xmlns:a16="http://schemas.microsoft.com/office/drawing/2014/main" id="{6998E529-45CE-6EEC-EA07-AB7DEF5E727D}"/>
+                    </a:ext>
+                  </a:extLst>
+                </p:cNvPr>
+                <p:cNvSpPr/>
+                <p:nvPr/>
+              </p:nvSpPr>
+              <p:spPr>
+                <a:xfrm>
+                  <a:off x="2109787" y="1628775"/>
+                  <a:ext cx="3209926" cy="942975"/>
+                </a:xfrm>
+                <a:prstGeom prst="arc">
+                  <a:avLst/>
+                </a:prstGeom>
+                <a:ln w="19050">
+                  <a:solidFill>
+                    <a:srgbClr val="00B050"/>
+                  </a:solidFill>
+                  <a:tailEnd type="triangle"/>
+                </a:ln>
+              </p:spPr>
+              <p:style>
+                <a:lnRef idx="1">
+                  <a:schemeClr val="accent1"/>
+                </a:lnRef>
+                <a:fillRef idx="0">
+                  <a:schemeClr val="accent1"/>
+                </a:fillRef>
+                <a:effectRef idx="0">
+                  <a:schemeClr val="accent1"/>
+                </a:effectRef>
+                <a:fontRef idx="minor">
+                  <a:schemeClr val="tx1"/>
+                </a:fontRef>
+              </p:style>
+              <p:txBody>
+                <a:bodyPr rtlCol="0" anchor="ctr"/>
+                <a:lstStyle/>
+                <a:p>
+                  <a:pPr algn="ctr"/>
+                  <a:endParaRPr kumimoji="1" lang="ja-JP" altLang="en-US"/>
+                </a:p>
+              </p:txBody>
+            </p:sp>
+            <p:sp>
+              <p:nvSpPr>
+                <p:cNvPr id="22" name="円弧 21">
+                  <a:extLst>
+                    <a:ext uri="{FF2B5EF4-FFF2-40B4-BE49-F238E27FC236}">
+                      <a16:creationId xmlns:a16="http://schemas.microsoft.com/office/drawing/2014/main" id="{9FDA5CD7-DD95-6172-FC14-91548430F537}"/>
+                    </a:ext>
+                  </a:extLst>
+                </p:cNvPr>
+                <p:cNvSpPr/>
+                <p:nvPr/>
+              </p:nvSpPr>
+              <p:spPr>
+                <a:xfrm flipH="1">
+                  <a:off x="2109787" y="1628773"/>
+                  <a:ext cx="3209926" cy="942975"/>
+                </a:xfrm>
+                <a:prstGeom prst="arc">
+                  <a:avLst/>
+                </a:prstGeom>
+                <a:ln w="19050">
+                  <a:solidFill>
+                    <a:srgbClr val="00B050"/>
+                  </a:solidFill>
+                  <a:tailEnd type="none"/>
+                </a:ln>
+              </p:spPr>
+              <p:style>
+                <a:lnRef idx="1">
+                  <a:schemeClr val="accent1"/>
+                </a:lnRef>
+                <a:fillRef idx="0">
+                  <a:schemeClr val="accent1"/>
+                </a:fillRef>
+                <a:effectRef idx="0">
+                  <a:schemeClr val="accent1"/>
+                </a:effectRef>
+                <a:fontRef idx="minor">
+                  <a:schemeClr val="tx1"/>
+                </a:fontRef>
+              </p:style>
+              <p:txBody>
+                <a:bodyPr rtlCol="0" anchor="ctr"/>
+                <a:lstStyle/>
+                <a:p>
+                  <a:pPr algn="ctr"/>
+                  <a:endParaRPr kumimoji="1" lang="ja-JP" altLang="en-US"/>
+                </a:p>
+              </p:txBody>
+            </p:sp>
+            <p:sp>
+              <p:nvSpPr>
+                <p:cNvPr id="23" name="テキスト ボックス 22">
+                  <a:extLst>
+                    <a:ext uri="{FF2B5EF4-FFF2-40B4-BE49-F238E27FC236}">
+                      <a16:creationId xmlns:a16="http://schemas.microsoft.com/office/drawing/2014/main" id="{153C444C-5DB5-FFEF-53E2-6B7C1AFFD0AE}"/>
+                    </a:ext>
+                  </a:extLst>
+                </p:cNvPr>
+                <p:cNvSpPr txBox="1"/>
+                <p:nvPr/>
+              </p:nvSpPr>
+              <p:spPr>
+                <a:xfrm rot="10800000">
+                  <a:off x="3258002" y="1274850"/>
+                  <a:ext cx="999229" cy="253916"/>
+                </a:xfrm>
+                <a:prstGeom prst="rect">
+                  <a:avLst/>
+                </a:prstGeom>
+                <a:noFill/>
+              </p:spPr>
+              <p:txBody>
+                <a:bodyPr wrap="square" rtlCol="0">
+                  <a:spAutoFit/>
+                </a:bodyPr>
+                <a:lstStyle/>
+                <a:p>
+                  <a:pPr algn="ctr"/>
+                  <a:r>
+                    <a:rPr lang="ja-JP" altLang="en-US" sz="1050">
+                      <a:latin typeface="Hiragino Kaku Gothic Pro W3" panose="020B0300000000000000" pitchFamily="34" charset="-128"/>
+                      <a:ea typeface="Hiragino Kaku Gothic Pro W3" panose="020B0300000000000000" pitchFamily="34" charset="-128"/>
+                    </a:rPr>
+                    <a:t>①申請</a:t>
+                  </a:r>
+                  <a:r>
+                    <a:rPr kumimoji="1" lang="ja-JP" altLang="en-US" sz="1050">
+                      <a:latin typeface="Hiragino Kaku Gothic Pro W3" panose="020B0300000000000000" pitchFamily="34" charset="-128"/>
+                      <a:ea typeface="Hiragino Kaku Gothic Pro W3" panose="020B0300000000000000" pitchFamily="34" charset="-128"/>
+                    </a:rPr>
+                    <a:t>を許可</a:t>
+                  </a:r>
+                </a:p>
+              </p:txBody>
+            </p:sp>
+          </p:grpSp>
+          <p:cxnSp>
+            <p:nvCxnSpPr>
+              <p:cNvPr id="29" name="直線矢印コネクタ 28">
+                <a:extLst>
+                  <a:ext uri="{FF2B5EF4-FFF2-40B4-BE49-F238E27FC236}">
+                    <a16:creationId xmlns:a16="http://schemas.microsoft.com/office/drawing/2014/main" id="{ECA43345-EA4E-7CC7-1F16-8A5A74FCCFE2}"/>
+                  </a:ext>
+                </a:extLst>
+              </p:cNvPr>
+              <p:cNvCxnSpPr>
+                <a:cxnSpLocks/>
+              </p:cNvCxnSpPr>
+              <p:nvPr/>
+            </p:nvCxnSpPr>
+            <p:spPr>
+              <a:xfrm>
+                <a:off x="5776912" y="2800350"/>
+                <a:ext cx="2752726" cy="0"/>
+              </a:xfrm>
+              <a:prstGeom prst="straightConnector1">
+                <a:avLst/>
+              </a:prstGeom>
+              <a:ln>
+                <a:solidFill>
+                  <a:srgbClr val="00B050"/>
+                </a:solidFill>
+                <a:headEnd type="none"/>
+                <a:tailEnd type="triangle"/>
+              </a:ln>
+            </p:spPr>
+            <p:style>
+              <a:lnRef idx="3">
+                <a:schemeClr val="dk1"/>
+              </a:lnRef>
+              <a:fillRef idx="0">
+                <a:schemeClr val="dk1"/>
+              </a:fillRef>
+              <a:effectRef idx="2">
+                <a:schemeClr val="dk1"/>
+              </a:effectRef>
+              <a:fontRef idx="minor">
+                <a:schemeClr val="tx1"/>
+              </a:fontRef>
+            </p:style>
+          </p:cxnSp>
+          <p:sp>
+            <p:nvSpPr>
+              <p:cNvPr id="30" name="テキスト ボックス 29">
+                <a:extLst>
+                  <a:ext uri="{FF2B5EF4-FFF2-40B4-BE49-F238E27FC236}">
+                    <a16:creationId xmlns:a16="http://schemas.microsoft.com/office/drawing/2014/main" id="{7E093D86-CD9E-1C16-697F-9621AD15FABD}"/>
+                  </a:ext>
+                </a:extLst>
+              </p:cNvPr>
+              <p:cNvSpPr txBox="1"/>
+              <p:nvPr/>
+            </p:nvSpPr>
+            <p:spPr>
+              <a:xfrm>
+                <a:off x="6446043" y="2884957"/>
+                <a:ext cx="1414463" cy="415498"/>
+              </a:xfrm>
+              <a:prstGeom prst="rect">
+                <a:avLst/>
+              </a:prstGeom>
+              <a:noFill/>
+            </p:spPr>
+            <p:txBody>
+              <a:bodyPr wrap="square" rtlCol="0">
+                <a:spAutoFit/>
+              </a:bodyPr>
+              <a:lstStyle/>
+              <a:p>
+                <a:pPr algn="ctr"/>
+                <a:r>
+                  <a:rPr kumimoji="1" lang="ja-JP" altLang="en-US" sz="1050">
+                    <a:latin typeface="Hiragino Kaku Gothic Pro W3" panose="020B0300000000000000" pitchFamily="34" charset="-128"/>
+                    <a:ea typeface="Hiragino Kaku Gothic Pro W3" panose="020B0300000000000000" pitchFamily="34" charset="-128"/>
+                  </a:rPr>
+                  <a:t>②マイページ上で</a:t>
+                </a:r>
+                <a:endParaRPr kumimoji="1" lang="en-US" altLang="ja-JP" sz="1050" dirty="0">
+                  <a:latin typeface="Hiragino Kaku Gothic Pro W3" panose="020B0300000000000000" pitchFamily="34" charset="-128"/>
+                  <a:ea typeface="Hiragino Kaku Gothic Pro W3" panose="020B0300000000000000" pitchFamily="34" charset="-128"/>
+                </a:endParaRPr>
+              </a:p>
+              <a:p>
+                <a:pPr algn="ctr"/>
+                <a:r>
+                  <a:rPr lang="ja-JP" altLang="en-US" sz="1050">
+                    <a:latin typeface="Hiragino Kaku Gothic Pro W3" panose="020B0300000000000000" pitchFamily="34" charset="-128"/>
+                    <a:ea typeface="Hiragino Kaku Gothic Pro W3" panose="020B0300000000000000" pitchFamily="34" charset="-128"/>
+                  </a:rPr>
+                  <a:t>パートナーを表示</a:t>
+                </a:r>
+                <a:endParaRPr kumimoji="1" lang="ja-JP" altLang="en-US" sz="1050">
+                  <a:latin typeface="Hiragino Kaku Gothic Pro W3" panose="020B0300000000000000" pitchFamily="34" charset="-128"/>
+                  <a:ea typeface="Hiragino Kaku Gothic Pro W3" panose="020B0300000000000000" pitchFamily="34" charset="-128"/>
+                </a:endParaRPr>
+              </a:p>
+            </p:txBody>
+          </p:sp>
+          <p:sp>
+            <p:nvSpPr>
+              <p:cNvPr id="2" name="テキスト ボックス 1">
+                <a:extLst>
+                  <a:ext uri="{FF2B5EF4-FFF2-40B4-BE49-F238E27FC236}">
+                    <a16:creationId xmlns:a16="http://schemas.microsoft.com/office/drawing/2014/main" id="{7AAEE06F-72D8-EAB3-E4FD-EE250BE26940}"/>
+                  </a:ext>
+                </a:extLst>
+              </p:cNvPr>
+              <p:cNvSpPr txBox="1"/>
+              <p:nvPr/>
+            </p:nvSpPr>
+            <p:spPr>
+              <a:xfrm>
+                <a:off x="5447763" y="4468969"/>
+                <a:ext cx="184731" cy="369332"/>
+              </a:xfrm>
+              <a:prstGeom prst="rect">
+                <a:avLst/>
+              </a:prstGeom>
+              <a:noFill/>
+            </p:spPr>
+            <p:txBody>
+              <a:bodyPr wrap="none" rtlCol="0">
+                <a:spAutoFit/>
+              </a:bodyPr>
+              <a:lstStyle/>
+              <a:p>
+                <a:endParaRPr kumimoji="1" lang="ja-JP" altLang="en-US"/>
+              </a:p>
+            </p:txBody>
+          </p:sp>
+          <p:grpSp>
+            <p:nvGrpSpPr>
+              <p:cNvPr id="24" name="グループ化 23">
+                <a:extLst>
+                  <a:ext uri="{FF2B5EF4-FFF2-40B4-BE49-F238E27FC236}">
+                    <a16:creationId xmlns:a16="http://schemas.microsoft.com/office/drawing/2014/main" id="{9CDA459F-ECBA-1B76-73F5-E078441C432A}"/>
+                  </a:ext>
+                </a:extLst>
+              </p:cNvPr>
+              <p:cNvGrpSpPr/>
+              <p:nvPr/>
+            </p:nvGrpSpPr>
+            <p:grpSpPr>
+              <a:xfrm rot="10800000">
+                <a:off x="1924050" y="2906616"/>
+                <a:ext cx="3209926" cy="1436823"/>
+                <a:chOff x="2109787" y="1180312"/>
+                <a:chExt cx="3209926" cy="1436823"/>
+              </a:xfrm>
+            </p:grpSpPr>
+            <p:sp>
+              <p:nvSpPr>
+                <p:cNvPr id="25" name="円弧 24">
+                  <a:extLst>
+                    <a:ext uri="{FF2B5EF4-FFF2-40B4-BE49-F238E27FC236}">
+                      <a16:creationId xmlns:a16="http://schemas.microsoft.com/office/drawing/2014/main" id="{E947C5D1-2398-F720-7BA1-B2A2A5353DB5}"/>
+                    </a:ext>
+                  </a:extLst>
+                </p:cNvPr>
+                <p:cNvSpPr/>
+                <p:nvPr/>
+              </p:nvSpPr>
+              <p:spPr>
+                <a:xfrm>
+                  <a:off x="2109787" y="1674160"/>
+                  <a:ext cx="3209926" cy="942975"/>
+                </a:xfrm>
+                <a:prstGeom prst="arc">
+                  <a:avLst/>
+                </a:prstGeom>
+                <a:ln w="19050">
+                  <a:solidFill>
+                    <a:srgbClr val="00B050"/>
+                  </a:solidFill>
+                  <a:tailEnd type="triangle"/>
+                </a:ln>
+              </p:spPr>
+              <p:style>
+                <a:lnRef idx="1">
+                  <a:schemeClr val="accent1"/>
+                </a:lnRef>
+                <a:fillRef idx="0">
+                  <a:schemeClr val="accent1"/>
+                </a:fillRef>
+                <a:effectRef idx="0">
+                  <a:schemeClr val="accent1"/>
+                </a:effectRef>
+                <a:fontRef idx="minor">
+                  <a:schemeClr val="tx1"/>
+                </a:fontRef>
+              </p:style>
+              <p:txBody>
+                <a:bodyPr rtlCol="0" anchor="ctr"/>
+                <a:lstStyle/>
+                <a:p>
+                  <a:pPr algn="ctr"/>
+                  <a:endParaRPr kumimoji="1" lang="ja-JP" altLang="en-US"/>
+                </a:p>
+              </p:txBody>
+            </p:sp>
+            <p:sp>
+              <p:nvSpPr>
+                <p:cNvPr id="26" name="円弧 25">
+                  <a:extLst>
+                    <a:ext uri="{FF2B5EF4-FFF2-40B4-BE49-F238E27FC236}">
+                      <a16:creationId xmlns:a16="http://schemas.microsoft.com/office/drawing/2014/main" id="{041F9C28-F39D-78B9-17D3-0B940088FAC8}"/>
+                    </a:ext>
+                  </a:extLst>
+                </p:cNvPr>
+                <p:cNvSpPr/>
+                <p:nvPr/>
+              </p:nvSpPr>
+              <p:spPr>
+                <a:xfrm flipH="1">
+                  <a:off x="2109787" y="1674158"/>
+                  <a:ext cx="3209926" cy="942975"/>
+                </a:xfrm>
+                <a:prstGeom prst="arc">
+                  <a:avLst/>
+                </a:prstGeom>
+                <a:ln w="19050">
+                  <a:solidFill>
+                    <a:srgbClr val="00B050"/>
+                  </a:solidFill>
+                  <a:tailEnd type="none"/>
+                </a:ln>
+              </p:spPr>
+              <p:style>
+                <a:lnRef idx="1">
+                  <a:schemeClr val="accent1"/>
+                </a:lnRef>
+                <a:fillRef idx="0">
+                  <a:schemeClr val="accent1"/>
+                </a:fillRef>
+                <a:effectRef idx="0">
+                  <a:schemeClr val="accent1"/>
+                </a:effectRef>
+                <a:fontRef idx="minor">
+                  <a:schemeClr val="tx1"/>
+                </a:fontRef>
+              </p:style>
+              <p:txBody>
+                <a:bodyPr rtlCol="0" anchor="ctr"/>
+                <a:lstStyle/>
+                <a:p>
+                  <a:pPr algn="ctr"/>
+                  <a:endParaRPr kumimoji="1" lang="ja-JP" altLang="en-US"/>
+                </a:p>
+              </p:txBody>
+            </p:sp>
+            <p:sp>
+              <p:nvSpPr>
+                <p:cNvPr id="27" name="テキスト ボックス 26">
+                  <a:extLst>
+                    <a:ext uri="{FF2B5EF4-FFF2-40B4-BE49-F238E27FC236}">
+                      <a16:creationId xmlns:a16="http://schemas.microsoft.com/office/drawing/2014/main" id="{98ED6C42-8127-4A70-D1C9-32B8E28185FC}"/>
+                    </a:ext>
+                  </a:extLst>
+                </p:cNvPr>
+                <p:cNvSpPr txBox="1"/>
+                <p:nvPr/>
+              </p:nvSpPr>
+              <p:spPr>
+                <a:xfrm rot="10800000">
+                  <a:off x="3088779" y="1180312"/>
+                  <a:ext cx="1383587" cy="415498"/>
+                </a:xfrm>
+                <a:prstGeom prst="rect">
+                  <a:avLst/>
+                </a:prstGeom>
+                <a:noFill/>
+              </p:spPr>
+              <p:txBody>
+                <a:bodyPr wrap="square" rtlCol="0">
+                  <a:spAutoFit/>
+                </a:bodyPr>
+                <a:lstStyle/>
+                <a:p>
+                  <a:pPr algn="ctr"/>
+                  <a:r>
+                    <a:rPr kumimoji="1" lang="ja-JP" altLang="en-US" sz="1050">
+                      <a:latin typeface="Hiragino Kaku Gothic Pro W3" panose="020B0300000000000000" pitchFamily="34" charset="-128"/>
+                      <a:ea typeface="Hiragino Kaku Gothic Pro W3" panose="020B0300000000000000" pitchFamily="34" charset="-128"/>
+                    </a:rPr>
+                    <a:t>②マイページ上でパートナーを表示</a:t>
+                  </a:r>
+                </a:p>
+              </p:txBody>
+            </p:sp>
+          </p:grpSp>
+          <p:grpSp>
+            <p:nvGrpSpPr>
+              <p:cNvPr id="28" name="グループ化 27">
+                <a:extLst>
+                  <a:ext uri="{FF2B5EF4-FFF2-40B4-BE49-F238E27FC236}">
+                    <a16:creationId xmlns:a16="http://schemas.microsoft.com/office/drawing/2014/main" id="{A8D0809A-7473-3016-6E1B-27CEC0BCAE12}"/>
+                  </a:ext>
+                </a:extLst>
+              </p:cNvPr>
+              <p:cNvGrpSpPr/>
+              <p:nvPr/>
+            </p:nvGrpSpPr>
+            <p:grpSpPr>
+              <a:xfrm>
+                <a:off x="1855705" y="1503449"/>
+                <a:ext cx="3209926" cy="1281496"/>
+                <a:chOff x="2109787" y="1290254"/>
+                <a:chExt cx="3209926" cy="1281496"/>
+              </a:xfrm>
+            </p:grpSpPr>
+            <p:sp>
+              <p:nvSpPr>
+                <p:cNvPr id="31" name="円弧 30">
+                  <a:extLst>
+                    <a:ext uri="{FF2B5EF4-FFF2-40B4-BE49-F238E27FC236}">
+                      <a16:creationId xmlns:a16="http://schemas.microsoft.com/office/drawing/2014/main" id="{E2C8D7D3-0842-5D94-2379-351ECCB52473}"/>
+                    </a:ext>
+                  </a:extLst>
+                </p:cNvPr>
+                <p:cNvSpPr/>
+                <p:nvPr/>
+              </p:nvSpPr>
+              <p:spPr>
+                <a:xfrm>
+                  <a:off x="2109787" y="1628775"/>
+                  <a:ext cx="3209926" cy="942975"/>
+                </a:xfrm>
+                <a:prstGeom prst="arc">
+                  <a:avLst/>
+                </a:prstGeom>
+                <a:ln w="19050">
+                  <a:solidFill>
+                    <a:srgbClr val="FF0000"/>
+                  </a:solidFill>
+                </a:ln>
+              </p:spPr>
+              <p:style>
+                <a:lnRef idx="1">
+                  <a:schemeClr val="accent1"/>
+                </a:lnRef>
+                <a:fillRef idx="0">
+                  <a:schemeClr val="accent1"/>
+                </a:fillRef>
+                <a:effectRef idx="0">
+                  <a:schemeClr val="accent1"/>
+                </a:effectRef>
+                <a:fontRef idx="minor">
+                  <a:schemeClr val="tx1"/>
+                </a:fontRef>
+              </p:style>
+              <p:txBody>
+                <a:bodyPr rtlCol="0" anchor="ctr"/>
+                <a:lstStyle/>
+                <a:p>
+                  <a:pPr algn="ctr"/>
+                  <a:endParaRPr kumimoji="1" lang="ja-JP" altLang="en-US"/>
+                </a:p>
+              </p:txBody>
+            </p:sp>
+            <p:sp>
+              <p:nvSpPr>
+                <p:cNvPr id="32" name="円弧 31">
+                  <a:extLst>
+                    <a:ext uri="{FF2B5EF4-FFF2-40B4-BE49-F238E27FC236}">
+                      <a16:creationId xmlns:a16="http://schemas.microsoft.com/office/drawing/2014/main" id="{DB9D750D-5B2D-F163-6D3D-8B933F0A7FB3}"/>
+                    </a:ext>
+                  </a:extLst>
+                </p:cNvPr>
+                <p:cNvSpPr/>
+                <p:nvPr/>
+              </p:nvSpPr>
+              <p:spPr>
+                <a:xfrm flipH="1">
+                  <a:off x="2109787" y="1628773"/>
+                  <a:ext cx="3209926" cy="942975"/>
+                </a:xfrm>
+                <a:prstGeom prst="arc">
+                  <a:avLst/>
+                </a:prstGeom>
+                <a:ln w="19050">
+                  <a:solidFill>
+                    <a:srgbClr val="FF0000"/>
+                  </a:solidFill>
+                  <a:tailEnd type="triangle"/>
+                </a:ln>
+              </p:spPr>
+              <p:style>
+                <a:lnRef idx="1">
+                  <a:schemeClr val="accent1"/>
+                </a:lnRef>
+                <a:fillRef idx="0">
+                  <a:schemeClr val="accent1"/>
+                </a:fillRef>
+                <a:effectRef idx="0">
+                  <a:schemeClr val="accent1"/>
+                </a:effectRef>
+                <a:fontRef idx="minor">
+                  <a:schemeClr val="tx1"/>
+                </a:fontRef>
+              </p:style>
+              <p:txBody>
+                <a:bodyPr rtlCol="0" anchor="ctr"/>
+                <a:lstStyle/>
+                <a:p>
+                  <a:pPr algn="ctr"/>
+                  <a:endParaRPr kumimoji="1" lang="ja-JP" altLang="en-US"/>
+                </a:p>
+              </p:txBody>
+            </p:sp>
+            <p:sp>
+              <p:nvSpPr>
+                <p:cNvPr id="33" name="テキスト ボックス 32">
+                  <a:extLst>
+                    <a:ext uri="{FF2B5EF4-FFF2-40B4-BE49-F238E27FC236}">
+                      <a16:creationId xmlns:a16="http://schemas.microsoft.com/office/drawing/2014/main" id="{2115C498-052A-179E-BD88-AA284EEE665D}"/>
+                    </a:ext>
+                  </a:extLst>
+                </p:cNvPr>
+                <p:cNvSpPr txBox="1"/>
+                <p:nvPr/>
+              </p:nvSpPr>
+              <p:spPr>
+                <a:xfrm>
+                  <a:off x="3020434" y="1290254"/>
+                  <a:ext cx="1388632" cy="253916"/>
+                </a:xfrm>
+                <a:prstGeom prst="rect">
+                  <a:avLst/>
+                </a:prstGeom>
+                <a:noFill/>
+              </p:spPr>
+              <p:txBody>
+                <a:bodyPr wrap="square" rtlCol="0">
+                  <a:spAutoFit/>
+                </a:bodyPr>
+                <a:lstStyle/>
+                <a:p>
+                  <a:pPr algn="ctr"/>
+                  <a:r>
+                    <a:rPr lang="ja-JP" altLang="en-US" sz="1050">
+                      <a:latin typeface="Hiragino Kaku Gothic Pro W3" panose="020B0300000000000000" pitchFamily="34" charset="-128"/>
+                      <a:ea typeface="Hiragino Kaku Gothic Pro W3" panose="020B0300000000000000" pitchFamily="34" charset="-128"/>
+                    </a:rPr>
+                    <a:t> ②申請を削除</a:t>
+                  </a:r>
+                  <a:endParaRPr kumimoji="1" lang="ja-JP" altLang="en-US" sz="1050">
+                    <a:latin typeface="Hiragino Kaku Gothic Pro W3" panose="020B0300000000000000" pitchFamily="34" charset="-128"/>
+                    <a:ea typeface="Hiragino Kaku Gothic Pro W3" panose="020B0300000000000000" pitchFamily="34" charset="-128"/>
+                  </a:endParaRPr>
+                </a:p>
+              </p:txBody>
+            </p:sp>
+          </p:grpSp>
+        </p:grpSp>
+        <p:pic>
+          <p:nvPicPr>
+            <p:cNvPr id="10" name="グラフィックス 9" descr="ユーザー 単色塗りつぶし">
+              <a:extLst>
+                <a:ext uri="{FF2B5EF4-FFF2-40B4-BE49-F238E27FC236}">
+                  <a16:creationId xmlns:a16="http://schemas.microsoft.com/office/drawing/2014/main" id="{43F4C56D-3128-0E0E-5B26-DDFB1C7C7366}"/>
+                </a:ext>
+              </a:extLst>
+            </p:cNvPr>
+            <p:cNvPicPr>
+              <a:picLocks noChangeAspect="1"/>
+            </p:cNvPicPr>
+            <p:nvPr/>
+          </p:nvPicPr>
+          <p:blipFill>
+            <a:blip r:embed="rId13">
+              <a:extLst>
+                <a:ext uri="{96DAC541-7B7A-43D3-8B79-37D633B846F1}">
+                  <asvg:svgBlip xmlns:asvg="http://schemas.microsoft.com/office/drawing/2016/SVG/main" r:embed="rId14"/>
+                </a:ext>
+              </a:extLst>
+            </a:blip>
+            <a:stretch>
+              <a:fillRect/>
+            </a:stretch>
+          </p:blipFill>
+          <p:spPr>
+            <a:xfrm>
+              <a:off x="4862513" y="5338630"/>
+              <a:ext cx="914400" cy="914400"/>
+            </a:xfrm>
+            <a:prstGeom prst="rect">
+              <a:avLst/>
+            </a:prstGeom>
+          </p:spPr>
+        </p:pic>
+        <p:sp>
+          <p:nvSpPr>
+            <p:cNvPr id="34" name="テキスト ボックス 33">
+              <a:extLst>
+                <a:ext uri="{FF2B5EF4-FFF2-40B4-BE49-F238E27FC236}">
+                  <a16:creationId xmlns:a16="http://schemas.microsoft.com/office/drawing/2014/main" id="{244802D1-7763-D0A4-757B-D4C1D2D6A298}"/>
+                </a:ext>
+              </a:extLst>
+            </p:cNvPr>
+            <p:cNvSpPr txBox="1"/>
+            <p:nvPr/>
+          </p:nvSpPr>
+          <p:spPr>
+            <a:xfrm>
+              <a:off x="4348589" y="6141248"/>
+              <a:ext cx="1942248" cy="415498"/>
+            </a:xfrm>
+            <a:prstGeom prst="rect">
+              <a:avLst/>
+            </a:prstGeom>
+            <a:noFill/>
+          </p:spPr>
+          <p:txBody>
+            <a:bodyPr wrap="square" rtlCol="0">
+              <a:spAutoFit/>
+            </a:bodyPr>
+            <a:lstStyle/>
+            <a:p>
+              <a:pPr algn="ctr"/>
+              <a:r>
+                <a:rPr kumimoji="1" lang="ja-JP" altLang="en-US" sz="1050">
+                  <a:latin typeface="Hiragino Kaku Gothic Pro W3" panose="020B0300000000000000" pitchFamily="34" charset="-128"/>
+                  <a:ea typeface="Hiragino Kaku Gothic Pro W3" panose="020B0300000000000000" pitchFamily="34" charset="-128"/>
+                </a:rPr>
+                <a:t>そのほかの</a:t>
+              </a:r>
+              <a:endParaRPr kumimoji="1" lang="en-US" altLang="ja-JP" sz="1050" dirty="0">
+                <a:latin typeface="Hiragino Kaku Gothic Pro W3" panose="020B0300000000000000" pitchFamily="34" charset="-128"/>
+                <a:ea typeface="Hiragino Kaku Gothic Pro W3" panose="020B0300000000000000" pitchFamily="34" charset="-128"/>
+              </a:endParaRPr>
+            </a:p>
+            <a:p>
+              <a:pPr algn="ctr"/>
+              <a:r>
+                <a:rPr kumimoji="1" lang="ja-JP" altLang="en-US" sz="1050">
+                  <a:latin typeface="Hiragino Kaku Gothic Pro W3" panose="020B0300000000000000" pitchFamily="34" charset="-128"/>
+                  <a:ea typeface="Hiragino Kaku Gothic Pro W3" panose="020B0300000000000000" pitchFamily="34" charset="-128"/>
+                </a:rPr>
+                <a:t>登録待機ユーザー</a:t>
+              </a:r>
+            </a:p>
+          </p:txBody>
+        </p:sp>
+        <p:cxnSp>
+          <p:nvCxnSpPr>
+            <p:cNvPr id="35" name="直線矢印コネクタ 34">
+              <a:extLst>
+                <a:ext uri="{FF2B5EF4-FFF2-40B4-BE49-F238E27FC236}">
+                  <a16:creationId xmlns:a16="http://schemas.microsoft.com/office/drawing/2014/main" id="{634DF91B-5A9E-EDDC-6286-788A45680819}"/>
+                </a:ext>
+              </a:extLst>
+            </p:cNvPr>
+            <p:cNvCxnSpPr>
+              <a:cxnSpLocks/>
+              <a:stCxn id="11" idx="2"/>
+              <a:endCxn id="10" idx="0"/>
+            </p:cNvCxnSpPr>
+            <p:nvPr/>
+          </p:nvCxnSpPr>
+          <p:spPr>
+            <a:xfrm>
+              <a:off x="5319713" y="3257550"/>
+              <a:ext cx="0" cy="2081080"/>
+            </a:xfrm>
+            <a:prstGeom prst="straightConnector1">
+              <a:avLst/>
+            </a:prstGeom>
+            <a:ln>
+              <a:solidFill>
+                <a:srgbClr val="00B050"/>
+              </a:solidFill>
+              <a:headEnd type="none"/>
+              <a:tailEnd type="triangle"/>
+            </a:ln>
+          </p:spPr>
+          <p:style>
+            <a:lnRef idx="3">
+              <a:schemeClr val="dk1"/>
+            </a:lnRef>
+            <a:fillRef idx="0">
+              <a:schemeClr val="dk1"/>
+            </a:fillRef>
+            <a:effectRef idx="2">
+              <a:schemeClr val="dk1"/>
+            </a:effectRef>
+            <a:fontRef idx="minor">
+              <a:schemeClr val="tx1"/>
+            </a:fontRef>
+          </p:style>
+        </p:cxnSp>
+        <p:sp>
+          <p:nvSpPr>
+            <p:cNvPr id="37" name="テキスト ボックス 36">
+              <a:extLst>
+                <a:ext uri="{FF2B5EF4-FFF2-40B4-BE49-F238E27FC236}">
+                  <a16:creationId xmlns:a16="http://schemas.microsoft.com/office/drawing/2014/main" id="{61821521-B510-B4E2-E4E3-48A3CE3AC5EC}"/>
+                </a:ext>
+              </a:extLst>
+            </p:cNvPr>
+            <p:cNvSpPr txBox="1"/>
+            <p:nvPr/>
+          </p:nvSpPr>
+          <p:spPr>
+            <a:xfrm>
+              <a:off x="5133976" y="4699203"/>
+              <a:ext cx="1388632" cy="253916"/>
+            </a:xfrm>
+            <a:prstGeom prst="rect">
+              <a:avLst/>
+            </a:prstGeom>
+            <a:noFill/>
+          </p:spPr>
+          <p:txBody>
+            <a:bodyPr wrap="square" rtlCol="0">
+              <a:spAutoFit/>
+            </a:bodyPr>
+            <a:lstStyle/>
+            <a:p>
+              <a:pPr algn="ctr"/>
+              <a:r>
+                <a:rPr lang="ja-JP" altLang="en-US" sz="1050">
+                  <a:latin typeface="Hiragino Kaku Gothic Pro W3" panose="020B0300000000000000" pitchFamily="34" charset="-128"/>
+                  <a:ea typeface="Hiragino Kaku Gothic Pro W3" panose="020B0300000000000000" pitchFamily="34" charset="-128"/>
+                </a:rPr>
+                <a:t> ②申請を削除</a:t>
+              </a:r>
+              <a:endParaRPr kumimoji="1" lang="ja-JP" altLang="en-US" sz="1050">
+                <a:latin typeface="Hiragino Kaku Gothic Pro W3" panose="020B0300000000000000" pitchFamily="34" charset="-128"/>
+                <a:ea typeface="Hiragino Kaku Gothic Pro W3" panose="020B0300000000000000" pitchFamily="34" charset="-128"/>
+              </a:endParaRPr>
+            </a:p>
+          </p:txBody>
+        </p:sp>
+      </p:grpSp>
+    </p:spTree>
+    <p:extLst>
+      <p:ext uri="{BB962C8B-B14F-4D97-AF65-F5344CB8AC3E}">
+        <p14:creationId xmlns:p14="http://schemas.microsoft.com/office/powerpoint/2010/main" val="1409178746"/>
+      </p:ext>
+    </p:extLst>
+  </p:cSld>
+  <p:clrMapOvr>
+    <a:masterClrMapping/>
+  </p:clrMapOvr>
+</p:sld>
+</file>
+
+<file path=ppt/slides/slide9.xml><?xml version="1.0" encoding="utf-8"?>
+<p:sld xmlns:a="http://schemas.openxmlformats.org/drawingml/2006/main" xmlns:r="http://schemas.openxmlformats.org/officeDocument/2006/relationships" xmlns:p="http://schemas.openxmlformats.org/presentationml/2006/main">
+  <p:cSld>
+    <p:spTree>
+      <p:nvGrpSpPr>
+        <p:cNvPr id="1" name=""/>
+        <p:cNvGrpSpPr/>
+        <p:nvPr/>
+      </p:nvGrpSpPr>
+      <p:grpSpPr>
+        <a:xfrm>
+          <a:off x="0" y="0"/>
+          <a:ext cx="0" cy="0"/>
+          <a:chOff x="0" y="0"/>
+          <a:chExt cx="0" cy="0"/>
+        </a:xfrm>
+      </p:grpSpPr>
+      <p:grpSp>
+        <p:nvGrpSpPr>
+          <p:cNvPr id="12" name="グループ化 11">
+            <a:extLst>
+              <a:ext uri="{FF2B5EF4-FFF2-40B4-BE49-F238E27FC236}">
+                <a16:creationId xmlns:a16="http://schemas.microsoft.com/office/drawing/2014/main" id="{8E57284D-42AB-F289-2C0B-C0DE053DEAD6}"/>
+              </a:ext>
+            </a:extLst>
+          </p:cNvPr>
+          <p:cNvGrpSpPr/>
+          <p:nvPr/>
+        </p:nvGrpSpPr>
+        <p:grpSpPr>
+          <a:xfrm>
+            <a:off x="280987" y="1160274"/>
+            <a:ext cx="10163178" cy="3678027"/>
+            <a:chOff x="280987" y="1160274"/>
+            <a:chExt cx="10163178" cy="3678027"/>
+          </a:xfrm>
+        </p:grpSpPr>
+        <p:pic>
+          <p:nvPicPr>
+            <p:cNvPr id="3" name="グラフィックス 2" descr="男性 単色塗りつぶし">
+              <a:extLst>
+                <a:ext uri="{FF2B5EF4-FFF2-40B4-BE49-F238E27FC236}">
+                  <a16:creationId xmlns:a16="http://schemas.microsoft.com/office/drawing/2014/main" id="{76F48CA8-6117-4540-19B2-9A088205FDAE}"/>
+                </a:ext>
+              </a:extLst>
+            </p:cNvPr>
+            <p:cNvPicPr>
+              <a:picLocks noChangeAspect="1"/>
+            </p:cNvPicPr>
+            <p:nvPr/>
+          </p:nvPicPr>
+          <p:blipFill>
+            <a:blip r:embed="rId3">
+              <a:extLst>
+                <a:ext uri="{96DAC541-7B7A-43D3-8B79-37D633B846F1}">
+                  <asvg:svgBlip xmlns:asvg="http://schemas.microsoft.com/office/drawing/2016/SVG/main" r:embed="rId4"/>
+                </a:ext>
+              </a:extLst>
+            </a:blip>
+            <a:stretch>
+              <a:fillRect/>
+            </a:stretch>
+          </p:blipFill>
+          <p:spPr>
+            <a:xfrm>
+              <a:off x="280987" y="2343150"/>
+              <a:ext cx="914400" cy="914400"/>
+            </a:xfrm>
+            <a:prstGeom prst="rect">
+              <a:avLst/>
+            </a:prstGeom>
+          </p:spPr>
+        </p:pic>
+        <p:pic>
+          <p:nvPicPr>
+            <p:cNvPr id="5" name="グラフィックス 4" descr="男性 枠線">
+              <a:extLst>
+                <a:ext uri="{FF2B5EF4-FFF2-40B4-BE49-F238E27FC236}">
+                  <a16:creationId xmlns:a16="http://schemas.microsoft.com/office/drawing/2014/main" id="{FE3F6413-278B-E8F0-2D3D-231C894610EC}"/>
+                </a:ext>
+              </a:extLst>
+            </p:cNvPr>
+            <p:cNvPicPr>
+              <a:picLocks noChangeAspect="1"/>
+            </p:cNvPicPr>
+            <p:nvPr/>
+          </p:nvPicPr>
+          <p:blipFill>
+            <a:blip r:embed="rId5">
+              <a:extLst>
+                <a:ext uri="{96DAC541-7B7A-43D3-8B79-37D633B846F1}">
+                  <asvg:svgBlip xmlns:asvg="http://schemas.microsoft.com/office/drawing/2016/SVG/main" r:embed="rId6"/>
+                </a:ext>
+              </a:extLst>
+            </a:blip>
+            <a:stretch>
+              <a:fillRect/>
+            </a:stretch>
+          </p:blipFill>
+          <p:spPr>
+            <a:xfrm>
+              <a:off x="9529765" y="2343150"/>
+              <a:ext cx="914400" cy="914400"/>
+            </a:xfrm>
+            <a:prstGeom prst="rect">
+              <a:avLst/>
+            </a:prstGeom>
+          </p:spPr>
+        </p:pic>
+        <p:pic>
+          <p:nvPicPr>
+            <p:cNvPr id="7" name="グラフィックス 6" descr="ブラウザー ウィンドウ 単色塗りつぶし">
+              <a:extLst>
+                <a:ext uri="{FF2B5EF4-FFF2-40B4-BE49-F238E27FC236}">
+                  <a16:creationId xmlns:a16="http://schemas.microsoft.com/office/drawing/2014/main" id="{263FFBD6-59CC-6657-9C19-4FCECEAA216A}"/>
+                </a:ext>
+              </a:extLst>
+            </p:cNvPr>
+            <p:cNvPicPr>
+              <a:picLocks noChangeAspect="1"/>
+            </p:cNvPicPr>
+            <p:nvPr/>
+          </p:nvPicPr>
+          <p:blipFill>
+            <a:blip r:embed="rId7">
+              <a:extLst>
+                <a:ext uri="{96DAC541-7B7A-43D3-8B79-37D633B846F1}">
+                  <asvg:svgBlip xmlns:asvg="http://schemas.microsoft.com/office/drawing/2016/SVG/main" r:embed="rId8"/>
+                </a:ext>
+              </a:extLst>
+            </a:blip>
+            <a:stretch>
+              <a:fillRect/>
+            </a:stretch>
+          </p:blipFill>
+          <p:spPr>
+            <a:xfrm>
+              <a:off x="1195387" y="2343150"/>
+              <a:ext cx="914400" cy="914400"/>
+            </a:xfrm>
+            <a:prstGeom prst="rect">
+              <a:avLst/>
+            </a:prstGeom>
+          </p:spPr>
+        </p:pic>
+        <p:pic>
+          <p:nvPicPr>
+            <p:cNvPr id="9" name="グラフィックス 8" descr="ブラウザー ウィンドウ 枠線">
+              <a:extLst>
+                <a:ext uri="{FF2B5EF4-FFF2-40B4-BE49-F238E27FC236}">
+                  <a16:creationId xmlns:a16="http://schemas.microsoft.com/office/drawing/2014/main" id="{0728CD1A-1249-9A53-3102-1356BF1AB92E}"/>
+                </a:ext>
+              </a:extLst>
+            </p:cNvPr>
+            <p:cNvPicPr>
+              <a:picLocks noChangeAspect="1"/>
+            </p:cNvPicPr>
+            <p:nvPr/>
+          </p:nvPicPr>
+          <p:blipFill>
+            <a:blip r:embed="rId9">
+              <a:extLst>
+                <a:ext uri="{96DAC541-7B7A-43D3-8B79-37D633B846F1}">
+                  <asvg:svgBlip xmlns:asvg="http://schemas.microsoft.com/office/drawing/2016/SVG/main" r:embed="rId10"/>
+                </a:ext>
+              </a:extLst>
+            </a:blip>
+            <a:stretch>
+              <a:fillRect/>
+            </a:stretch>
+          </p:blipFill>
+          <p:spPr>
+            <a:xfrm>
+              <a:off x="8615365" y="2356877"/>
+              <a:ext cx="914400" cy="914400"/>
+            </a:xfrm>
+            <a:prstGeom prst="rect">
+              <a:avLst/>
+            </a:prstGeom>
+          </p:spPr>
+        </p:pic>
+        <p:pic>
+          <p:nvPicPr>
+            <p:cNvPr id="11" name="グラフィックス 10" descr="データベース 単色塗りつぶし">
+              <a:extLst>
+                <a:ext uri="{FF2B5EF4-FFF2-40B4-BE49-F238E27FC236}">
+                  <a16:creationId xmlns:a16="http://schemas.microsoft.com/office/drawing/2014/main" id="{55FBCE6C-6F18-68B2-B4F8-2E3E072361C5}"/>
+                </a:ext>
+              </a:extLst>
+            </p:cNvPr>
+            <p:cNvPicPr>
+              <a:picLocks noChangeAspect="1"/>
+            </p:cNvPicPr>
+            <p:nvPr/>
+          </p:nvPicPr>
+          <p:blipFill>
+            <a:blip r:embed="rId11">
+              <a:extLst>
+                <a:ext uri="{96DAC541-7B7A-43D3-8B79-37D633B846F1}">
+                  <asvg:svgBlip xmlns:asvg="http://schemas.microsoft.com/office/drawing/2016/SVG/main" r:embed="rId12"/>
+                </a:ext>
+              </a:extLst>
+            </a:blip>
+            <a:stretch>
+              <a:fillRect/>
+            </a:stretch>
+          </p:blipFill>
+          <p:spPr>
+            <a:xfrm>
+              <a:off x="4862513" y="2343150"/>
+              <a:ext cx="914400" cy="914400"/>
+            </a:xfrm>
+            <a:prstGeom prst="rect">
+              <a:avLst/>
+            </a:prstGeom>
+          </p:spPr>
+        </p:pic>
+        <p:cxnSp>
+          <p:nvCxnSpPr>
+            <p:cNvPr id="29" name="直線矢印コネクタ 28">
+              <a:extLst>
+                <a:ext uri="{FF2B5EF4-FFF2-40B4-BE49-F238E27FC236}">
+                  <a16:creationId xmlns:a16="http://schemas.microsoft.com/office/drawing/2014/main" id="{ECA43345-EA4E-7CC7-1F16-8A5A74FCCFE2}"/>
+                </a:ext>
+              </a:extLst>
+            </p:cNvPr>
+            <p:cNvCxnSpPr>
+              <a:cxnSpLocks/>
+            </p:cNvCxnSpPr>
+            <p:nvPr/>
+          </p:nvCxnSpPr>
+          <p:spPr>
+            <a:xfrm>
+              <a:off x="5776912" y="2800350"/>
+              <a:ext cx="2752726" cy="0"/>
+            </a:xfrm>
+            <a:prstGeom prst="straightConnector1">
+              <a:avLst/>
+            </a:prstGeom>
+            <a:ln>
+              <a:headEnd type="none"/>
+              <a:tailEnd type="triangle"/>
+            </a:ln>
+          </p:spPr>
+          <p:style>
+            <a:lnRef idx="3">
+              <a:schemeClr val="dk1"/>
+            </a:lnRef>
+            <a:fillRef idx="0">
+              <a:schemeClr val="dk1"/>
+            </a:fillRef>
+            <a:effectRef idx="2">
+              <a:schemeClr val="dk1"/>
+            </a:effectRef>
+            <a:fontRef idx="minor">
+              <a:schemeClr val="tx1"/>
+            </a:fontRef>
+          </p:style>
+        </p:cxnSp>
+        <p:sp>
+          <p:nvSpPr>
+            <p:cNvPr id="30" name="テキスト ボックス 29">
+              <a:extLst>
+                <a:ext uri="{FF2B5EF4-FFF2-40B4-BE49-F238E27FC236}">
+                  <a16:creationId xmlns:a16="http://schemas.microsoft.com/office/drawing/2014/main" id="{7E093D86-CD9E-1C16-697F-9621AD15FABD}"/>
+                </a:ext>
+              </a:extLst>
+            </p:cNvPr>
+            <p:cNvSpPr txBox="1"/>
+            <p:nvPr/>
+          </p:nvSpPr>
+          <p:spPr>
+            <a:xfrm>
+              <a:off x="6232921" y="2884956"/>
+              <a:ext cx="1840707" cy="577081"/>
+            </a:xfrm>
+            <a:prstGeom prst="rect">
+              <a:avLst/>
+            </a:prstGeom>
+            <a:noFill/>
+          </p:spPr>
+          <p:txBody>
+            <a:bodyPr wrap="square" rtlCol="0">
+              <a:spAutoFit/>
+            </a:bodyPr>
+            <a:lstStyle/>
+            <a:p>
+              <a:pPr algn="ctr"/>
+              <a:r>
+                <a:rPr kumimoji="1" lang="ja-JP" altLang="en-US" sz="1050">
+                  <a:latin typeface="Hiragino Kaku Gothic Pro W3" panose="020B0300000000000000" pitchFamily="34" charset="-128"/>
+                  <a:ea typeface="Hiragino Kaku Gothic Pro W3" panose="020B0300000000000000" pitchFamily="34" charset="-128"/>
+                </a:rPr>
+                <a:t>②マイページ上で</a:t>
+              </a:r>
+              <a:endParaRPr kumimoji="1" lang="en-US" altLang="ja-JP" sz="1050" dirty="0">
+                <a:latin typeface="Hiragino Kaku Gothic Pro W3" panose="020B0300000000000000" pitchFamily="34" charset="-128"/>
+                <a:ea typeface="Hiragino Kaku Gothic Pro W3" panose="020B0300000000000000" pitchFamily="34" charset="-128"/>
+              </a:endParaRPr>
+            </a:p>
+            <a:p>
+              <a:pPr algn="ctr"/>
+              <a:r>
+                <a:rPr lang="ja-JP" altLang="en-US" sz="1050">
+                  <a:latin typeface="Hiragino Kaku Gothic Pro W3" panose="020B0300000000000000" pitchFamily="34" charset="-128"/>
+                  <a:ea typeface="Hiragino Kaku Gothic Pro W3" panose="020B0300000000000000" pitchFamily="34" charset="-128"/>
+                </a:rPr>
+                <a:t>パートナーが消える</a:t>
+              </a:r>
+              <a:endParaRPr lang="en-US" altLang="ja-JP" sz="1050" dirty="0">
+                <a:latin typeface="Hiragino Kaku Gothic Pro W3" panose="020B0300000000000000" pitchFamily="34" charset="-128"/>
+                <a:ea typeface="Hiragino Kaku Gothic Pro W3" panose="020B0300000000000000" pitchFamily="34" charset="-128"/>
+              </a:endParaRPr>
+            </a:p>
+            <a:p>
+              <a:pPr algn="ctr"/>
+              <a:r>
+                <a:rPr kumimoji="1" lang="ja-JP" altLang="en-US" sz="1050">
+                  <a:latin typeface="Hiragino Kaku Gothic Pro W3" panose="020B0300000000000000" pitchFamily="34" charset="-128"/>
+                  <a:ea typeface="Hiragino Kaku Gothic Pro W3" panose="020B0300000000000000" pitchFamily="34" charset="-128"/>
+                </a:rPr>
+                <a:t>（登録フォームを表示）</a:t>
+              </a:r>
+            </a:p>
+          </p:txBody>
+        </p:sp>
+        <p:sp>
+          <p:nvSpPr>
+            <p:cNvPr id="2" name="テキスト ボックス 1">
+              <a:extLst>
+                <a:ext uri="{FF2B5EF4-FFF2-40B4-BE49-F238E27FC236}">
+                  <a16:creationId xmlns:a16="http://schemas.microsoft.com/office/drawing/2014/main" id="{7AAEE06F-72D8-EAB3-E4FD-EE250BE26940}"/>
+                </a:ext>
+              </a:extLst>
+            </p:cNvPr>
+            <p:cNvSpPr txBox="1"/>
+            <p:nvPr/>
+          </p:nvSpPr>
+          <p:spPr>
+            <a:xfrm>
+              <a:off x="5447763" y="4468969"/>
+              <a:ext cx="184731" cy="369332"/>
+            </a:xfrm>
+            <a:prstGeom prst="rect">
+              <a:avLst/>
+            </a:prstGeom>
+            <a:noFill/>
+          </p:spPr>
+          <p:txBody>
+            <a:bodyPr wrap="none" rtlCol="0">
+              <a:spAutoFit/>
+            </a:bodyPr>
+            <a:lstStyle/>
+            <a:p>
+              <a:endParaRPr kumimoji="1" lang="ja-JP" altLang="en-US"/>
+            </a:p>
+          </p:txBody>
+        </p:sp>
+        <p:grpSp>
+          <p:nvGrpSpPr>
+            <p:cNvPr id="24" name="グループ化 23">
+              <a:extLst>
+                <a:ext uri="{FF2B5EF4-FFF2-40B4-BE49-F238E27FC236}">
+                  <a16:creationId xmlns:a16="http://schemas.microsoft.com/office/drawing/2014/main" id="{9CDA459F-ECBA-1B76-73F5-E078441C432A}"/>
+                </a:ext>
+              </a:extLst>
+            </p:cNvPr>
+            <p:cNvGrpSpPr/>
+            <p:nvPr/>
+          </p:nvGrpSpPr>
+          <p:grpSpPr>
+            <a:xfrm>
+              <a:off x="1934163" y="1839667"/>
+              <a:ext cx="3209926" cy="942977"/>
+              <a:chOff x="2109787" y="1674158"/>
+              <a:chExt cx="3209926" cy="942977"/>
+            </a:xfrm>
+          </p:grpSpPr>
+          <p:sp>
+            <p:nvSpPr>
+              <p:cNvPr id="25" name="円弧 24">
+                <a:extLst>
+                  <a:ext uri="{FF2B5EF4-FFF2-40B4-BE49-F238E27FC236}">
+                    <a16:creationId xmlns:a16="http://schemas.microsoft.com/office/drawing/2014/main" id="{E947C5D1-2398-F720-7BA1-B2A2A5353DB5}"/>
+                  </a:ext>
+                </a:extLst>
+              </p:cNvPr>
+              <p:cNvSpPr/>
+              <p:nvPr/>
+            </p:nvSpPr>
+            <p:spPr>
+              <a:xfrm>
+                <a:off x="2109787" y="1674160"/>
+                <a:ext cx="3209926" cy="942975"/>
+              </a:xfrm>
+              <a:prstGeom prst="arc">
+                <a:avLst/>
+              </a:prstGeom>
+              <a:ln>
+                <a:tailEnd type="none"/>
+              </a:ln>
+            </p:spPr>
+            <p:style>
+              <a:lnRef idx="3">
+                <a:schemeClr val="dk1"/>
+              </a:lnRef>
+              <a:fillRef idx="0">
+                <a:schemeClr val="dk1"/>
+              </a:fillRef>
+              <a:effectRef idx="2">
+                <a:schemeClr val="dk1"/>
+              </a:effectRef>
+              <a:fontRef idx="minor">
+                <a:schemeClr val="tx1"/>
+              </a:fontRef>
+            </p:style>
+            <p:txBody>
+              <a:bodyPr rtlCol="0" anchor="ctr"/>
+              <a:lstStyle/>
+              <a:p>
+                <a:pPr algn="ctr"/>
+                <a:endParaRPr kumimoji="1" lang="ja-JP" altLang="en-US"/>
+              </a:p>
+            </p:txBody>
+          </p:sp>
+          <p:sp>
+            <p:nvSpPr>
+              <p:cNvPr id="26" name="円弧 25">
+                <a:extLst>
+                  <a:ext uri="{FF2B5EF4-FFF2-40B4-BE49-F238E27FC236}">
+                    <a16:creationId xmlns:a16="http://schemas.microsoft.com/office/drawing/2014/main" id="{041F9C28-F39D-78B9-17D3-0B940088FAC8}"/>
+                  </a:ext>
+                </a:extLst>
+              </p:cNvPr>
+              <p:cNvSpPr/>
+              <p:nvPr/>
+            </p:nvSpPr>
+            <p:spPr>
+              <a:xfrm flipH="1">
+                <a:off x="2109787" y="1674158"/>
+                <a:ext cx="3209926" cy="942975"/>
+              </a:xfrm>
+              <a:prstGeom prst="arc">
+                <a:avLst/>
+              </a:prstGeom>
+              <a:ln>
+                <a:tailEnd type="triangle"/>
+              </a:ln>
+            </p:spPr>
+            <p:style>
+              <a:lnRef idx="3">
+                <a:schemeClr val="dk1"/>
+              </a:lnRef>
+              <a:fillRef idx="0">
+                <a:schemeClr val="dk1"/>
+              </a:fillRef>
+              <a:effectRef idx="2">
+                <a:schemeClr val="dk1"/>
+              </a:effectRef>
+              <a:fontRef idx="minor">
+                <a:schemeClr val="tx1"/>
+              </a:fontRef>
+            </p:style>
+            <p:txBody>
+              <a:bodyPr rtlCol="0" anchor="ctr"/>
+              <a:lstStyle/>
+              <a:p>
+                <a:pPr algn="ctr"/>
+                <a:endParaRPr kumimoji="1" lang="ja-JP" altLang="en-US"/>
+              </a:p>
+            </p:txBody>
+          </p:sp>
+        </p:grpSp>
+        <p:grpSp>
+          <p:nvGrpSpPr>
+            <p:cNvPr id="28" name="グループ化 27">
+              <a:extLst>
+                <a:ext uri="{FF2B5EF4-FFF2-40B4-BE49-F238E27FC236}">
+                  <a16:creationId xmlns:a16="http://schemas.microsoft.com/office/drawing/2014/main" id="{A8D0809A-7473-3016-6E1B-27CEC0BCAE12}"/>
+                </a:ext>
+              </a:extLst>
+            </p:cNvPr>
+            <p:cNvGrpSpPr/>
+            <p:nvPr/>
+          </p:nvGrpSpPr>
+          <p:grpSpPr>
+            <a:xfrm rot="10800000">
+              <a:off x="1934163" y="2884956"/>
+              <a:ext cx="3209926" cy="942977"/>
+              <a:chOff x="2109787" y="1628773"/>
+              <a:chExt cx="3209926" cy="942977"/>
+            </a:xfrm>
+          </p:grpSpPr>
+          <p:sp>
+            <p:nvSpPr>
+              <p:cNvPr id="31" name="円弧 30">
+                <a:extLst>
+                  <a:ext uri="{FF2B5EF4-FFF2-40B4-BE49-F238E27FC236}">
+                    <a16:creationId xmlns:a16="http://schemas.microsoft.com/office/drawing/2014/main" id="{E2C8D7D3-0842-5D94-2379-351ECCB52473}"/>
+                  </a:ext>
+                </a:extLst>
+              </p:cNvPr>
+              <p:cNvSpPr/>
+              <p:nvPr/>
+            </p:nvSpPr>
+            <p:spPr>
+              <a:xfrm>
+                <a:off x="2109787" y="1628775"/>
+                <a:ext cx="3209926" cy="942975"/>
+              </a:xfrm>
+              <a:prstGeom prst="arc">
+                <a:avLst/>
+              </a:prstGeom>
+              <a:ln/>
+            </p:spPr>
+            <p:style>
+              <a:lnRef idx="3">
+                <a:schemeClr val="dk1"/>
+              </a:lnRef>
+              <a:fillRef idx="0">
+                <a:schemeClr val="dk1"/>
+              </a:fillRef>
+              <a:effectRef idx="2">
+                <a:schemeClr val="dk1"/>
+              </a:effectRef>
+              <a:fontRef idx="minor">
+                <a:schemeClr val="tx1"/>
+              </a:fontRef>
+            </p:style>
+            <p:txBody>
+              <a:bodyPr rtlCol="0" anchor="ctr"/>
+              <a:lstStyle/>
+              <a:p>
+                <a:pPr algn="ctr"/>
+                <a:endParaRPr kumimoji="1" lang="ja-JP" altLang="en-US"/>
+              </a:p>
+            </p:txBody>
+          </p:sp>
+          <p:sp>
+            <p:nvSpPr>
+              <p:cNvPr id="32" name="円弧 31">
+                <a:extLst>
+                  <a:ext uri="{FF2B5EF4-FFF2-40B4-BE49-F238E27FC236}">
+                    <a16:creationId xmlns:a16="http://schemas.microsoft.com/office/drawing/2014/main" id="{DB9D750D-5B2D-F163-6D3D-8B933F0A7FB3}"/>
+                  </a:ext>
+                </a:extLst>
+              </p:cNvPr>
+              <p:cNvSpPr/>
+              <p:nvPr/>
+            </p:nvSpPr>
+            <p:spPr>
+              <a:xfrm flipH="1">
+                <a:off x="2109787" y="1628773"/>
+                <a:ext cx="3209926" cy="942975"/>
+              </a:xfrm>
+              <a:prstGeom prst="arc">
+                <a:avLst/>
+              </a:prstGeom>
+              <a:ln>
+                <a:tailEnd type="triangle"/>
+              </a:ln>
+            </p:spPr>
+            <p:style>
+              <a:lnRef idx="3">
+                <a:schemeClr val="dk1"/>
+              </a:lnRef>
+              <a:fillRef idx="0">
+                <a:schemeClr val="dk1"/>
+              </a:fillRef>
+              <a:effectRef idx="2">
+                <a:schemeClr val="dk1"/>
+              </a:effectRef>
+              <a:fontRef idx="minor">
+                <a:schemeClr val="tx1"/>
+              </a:fontRef>
+            </p:style>
+            <p:txBody>
+              <a:bodyPr rtlCol="0" anchor="ctr"/>
+              <a:lstStyle/>
+              <a:p>
+                <a:pPr algn="ctr"/>
+                <a:endParaRPr kumimoji="1" lang="ja-JP" altLang="en-US"/>
+              </a:p>
+            </p:txBody>
+          </p:sp>
+        </p:grpSp>
+        <p:sp>
+          <p:nvSpPr>
+            <p:cNvPr id="40" name="テキスト ボックス 39">
+              <a:extLst>
+                <a:ext uri="{FF2B5EF4-FFF2-40B4-BE49-F238E27FC236}">
+                  <a16:creationId xmlns:a16="http://schemas.microsoft.com/office/drawing/2014/main" id="{D05915A0-CEC2-5681-87CF-A0787A055504}"/>
+                </a:ext>
+              </a:extLst>
+            </p:cNvPr>
+            <p:cNvSpPr txBox="1"/>
+            <p:nvPr/>
+          </p:nvSpPr>
+          <p:spPr>
+            <a:xfrm>
+              <a:off x="2618771" y="1160274"/>
+              <a:ext cx="1840707" cy="577081"/>
+            </a:xfrm>
+            <a:prstGeom prst="rect">
+              <a:avLst/>
+            </a:prstGeom>
+            <a:noFill/>
+          </p:spPr>
+          <p:txBody>
+            <a:bodyPr wrap="square" rtlCol="0">
+              <a:spAutoFit/>
+            </a:bodyPr>
+            <a:lstStyle/>
+            <a:p>
+              <a:pPr algn="ctr"/>
+              <a:r>
+                <a:rPr kumimoji="1" lang="ja-JP" altLang="en-US" sz="1050">
+                  <a:latin typeface="Hiragino Kaku Gothic Pro W3" panose="020B0300000000000000" pitchFamily="34" charset="-128"/>
+                  <a:ea typeface="Hiragino Kaku Gothic Pro W3" panose="020B0300000000000000" pitchFamily="34" charset="-128"/>
+                </a:rPr>
+                <a:t>②マイページ上で</a:t>
+              </a:r>
+              <a:endParaRPr kumimoji="1" lang="en-US" altLang="ja-JP" sz="1050" dirty="0">
+                <a:latin typeface="Hiragino Kaku Gothic Pro W3" panose="020B0300000000000000" pitchFamily="34" charset="-128"/>
+                <a:ea typeface="Hiragino Kaku Gothic Pro W3" panose="020B0300000000000000" pitchFamily="34" charset="-128"/>
+              </a:endParaRPr>
+            </a:p>
+            <a:p>
+              <a:pPr algn="ctr"/>
+              <a:r>
+                <a:rPr lang="ja-JP" altLang="en-US" sz="1050">
+                  <a:latin typeface="Hiragino Kaku Gothic Pro W3" panose="020B0300000000000000" pitchFamily="34" charset="-128"/>
+                  <a:ea typeface="Hiragino Kaku Gothic Pro W3" panose="020B0300000000000000" pitchFamily="34" charset="-128"/>
+                </a:rPr>
+                <a:t>パートナーが消える</a:t>
+              </a:r>
+              <a:endParaRPr lang="en-US" altLang="ja-JP" sz="1050" dirty="0">
+                <a:latin typeface="Hiragino Kaku Gothic Pro W3" panose="020B0300000000000000" pitchFamily="34" charset="-128"/>
+                <a:ea typeface="Hiragino Kaku Gothic Pro W3" panose="020B0300000000000000" pitchFamily="34" charset="-128"/>
+              </a:endParaRPr>
+            </a:p>
+            <a:p>
+              <a:pPr algn="ctr"/>
+              <a:r>
+                <a:rPr kumimoji="1" lang="ja-JP" altLang="en-US" sz="1050">
+                  <a:latin typeface="Hiragino Kaku Gothic Pro W3" panose="020B0300000000000000" pitchFamily="34" charset="-128"/>
+                  <a:ea typeface="Hiragino Kaku Gothic Pro W3" panose="020B0300000000000000" pitchFamily="34" charset="-128"/>
+                </a:rPr>
+                <a:t>（登録フォームを表示）</a:t>
+              </a:r>
+            </a:p>
+          </p:txBody>
+        </p:sp>
+        <p:sp>
+          <p:nvSpPr>
+            <p:cNvPr id="41" name="テキスト ボックス 40">
+              <a:extLst>
+                <a:ext uri="{FF2B5EF4-FFF2-40B4-BE49-F238E27FC236}">
+                  <a16:creationId xmlns:a16="http://schemas.microsoft.com/office/drawing/2014/main" id="{A64A65F3-84C8-D34B-0581-C2E520D70F05}"/>
+                </a:ext>
+              </a:extLst>
+            </p:cNvPr>
+            <p:cNvSpPr txBox="1"/>
+            <p:nvPr/>
+          </p:nvSpPr>
+          <p:spPr>
+            <a:xfrm>
+              <a:off x="2873535" y="3930244"/>
+              <a:ext cx="1331178" cy="253916"/>
+            </a:xfrm>
+            <a:prstGeom prst="rect">
+              <a:avLst/>
+            </a:prstGeom>
+            <a:noFill/>
+          </p:spPr>
+          <p:txBody>
+            <a:bodyPr wrap="square" rtlCol="0">
+              <a:spAutoFit/>
+            </a:bodyPr>
+            <a:lstStyle/>
+            <a:p>
+              <a:pPr algn="ctr"/>
+              <a:r>
+                <a:rPr kumimoji="1" lang="ja-JP" altLang="en-US" sz="1050">
+                  <a:latin typeface="Hiragino Kaku Gothic Pro W3" panose="020B0300000000000000" pitchFamily="34" charset="-128"/>
+                  <a:ea typeface="Hiragino Kaku Gothic Pro W3" panose="020B0300000000000000" pitchFamily="34" charset="-128"/>
+                </a:rPr>
+                <a:t>①解除を選択</a:t>
+              </a:r>
+            </a:p>
+          </p:txBody>
+        </p:sp>
+      </p:grpSp>
+    </p:spTree>
+    <p:extLst>
+      <p:ext uri="{BB962C8B-B14F-4D97-AF65-F5344CB8AC3E}">
+        <p14:creationId xmlns:p14="http://schemas.microsoft.com/office/powerpoint/2010/main" val="1864876114"/>
+      </p:ext>
+    </p:extLst>
+  </p:cSld>
+  <p:clrMapOvr>
+    <a:masterClrMapping/>
+  </p:clrMapOvr>
+</p:sld>
+</file>
+
 <file path=ppt/theme/theme1.xml><?xml version="1.0" encoding="utf-8"?>
 <a:theme xmlns:a="http://schemas.openxmlformats.org/drawingml/2006/main" name="Office テーマ">
   <a:themeElements>

--- a/design/画面デザイン構想.pptx
+++ b/design/画面デザイン構想.pptx
@@ -5,7 +5,7 @@
     <p:sldMasterId id="2147483648" r:id="rId1"/>
   </p:sldMasterIdLst>
   <p:notesMasterIdLst>
-    <p:notesMasterId r:id="rId11"/>
+    <p:notesMasterId r:id="rId12"/>
   </p:notesMasterIdLst>
   <p:sldIdLst>
     <p:sldId id="257" r:id="rId2"/>
@@ -15,8 +15,9 @@
     <p:sldId id="261" r:id="rId6"/>
     <p:sldId id="256" r:id="rId7"/>
     <p:sldId id="262" r:id="rId8"/>
-    <p:sldId id="263" r:id="rId9"/>
-    <p:sldId id="264" r:id="rId10"/>
+    <p:sldId id="265" r:id="rId9"/>
+    <p:sldId id="263" r:id="rId10"/>
+    <p:sldId id="264" r:id="rId11"/>
   </p:sldIdLst>
   <p:sldSz cx="12192000" cy="6858000"/>
   <p:notesSz cx="6858000" cy="9144000"/>
@@ -232,7 +233,7 @@
           <a:p>
             <a:fld id="{F0B2D6F8-1EBE-4342-95F8-DEA5F9C1E451}" type="datetimeFigureOut">
               <a:rPr kumimoji="1" lang="ja-JP" altLang="en-US" smtClean="0"/>
-              <a:t>2022/7/13</a:t>
+              <a:t>2022/7/14</a:t>
             </a:fld>
             <a:endParaRPr kumimoji="1" lang="ja-JP" altLang="en-US"/>
           </a:p>
@@ -618,6 +619,93 @@
 </p:notes>
 </file>
 
+<file path=ppt/notesSlides/notesSlide10.xml><?xml version="1.0" encoding="utf-8"?>
+<p:notes xmlns:a="http://schemas.openxmlformats.org/drawingml/2006/main" xmlns:r="http://schemas.openxmlformats.org/officeDocument/2006/relationships" xmlns:p="http://schemas.openxmlformats.org/presentationml/2006/main">
+  <p:cSld>
+    <p:spTree>
+      <p:nvGrpSpPr>
+        <p:cNvPr id="1" name=""/>
+        <p:cNvGrpSpPr/>
+        <p:nvPr/>
+      </p:nvGrpSpPr>
+      <p:grpSpPr>
+        <a:xfrm>
+          <a:off x="0" y="0"/>
+          <a:ext cx="0" cy="0"/>
+          <a:chOff x="0" y="0"/>
+          <a:chExt cx="0" cy="0"/>
+        </a:xfrm>
+      </p:grpSpPr>
+      <p:sp>
+        <p:nvSpPr>
+          <p:cNvPr id="2" name="スライド イメージ プレースホルダー 1"/>
+          <p:cNvSpPr>
+            <a:spLocks noGrp="1" noRot="1" noChangeAspect="1"/>
+          </p:cNvSpPr>
+          <p:nvPr>
+            <p:ph type="sldImg"/>
+          </p:nvPr>
+        </p:nvSpPr>
+        <p:spPr/>
+      </p:sp>
+      <p:sp>
+        <p:nvSpPr>
+          <p:cNvPr id="3" name="ノート プレースホルダー 2"/>
+          <p:cNvSpPr>
+            <a:spLocks noGrp="1"/>
+          </p:cNvSpPr>
+          <p:nvPr>
+            <p:ph type="body" idx="1"/>
+          </p:nvPr>
+        </p:nvSpPr>
+        <p:spPr/>
+        <p:txBody>
+          <a:bodyPr/>
+          <a:lstStyle/>
+          <a:p>
+            <a:r>
+              <a:rPr kumimoji="1" lang="ja-JP" altLang="en-US"/>
+              <a:t>パートナー解除の流れ</a:t>
+            </a:r>
+          </a:p>
+        </p:txBody>
+      </p:sp>
+      <p:sp>
+        <p:nvSpPr>
+          <p:cNvPr id="4" name="スライド番号プレースホルダー 3"/>
+          <p:cNvSpPr>
+            <a:spLocks noGrp="1"/>
+          </p:cNvSpPr>
+          <p:nvPr>
+            <p:ph type="sldNum" sz="quarter" idx="5"/>
+          </p:nvPr>
+        </p:nvSpPr>
+        <p:spPr/>
+        <p:txBody>
+          <a:bodyPr/>
+          <a:lstStyle/>
+          <a:p>
+            <a:fld id="{06B3398D-435E-F64E-B5EE-8DAAEC172DC3}" type="slidenum">
+              <a:rPr kumimoji="1" lang="ja-JP" altLang="en-US" smtClean="0"/>
+              <a:t>10</a:t>
+            </a:fld>
+            <a:endParaRPr kumimoji="1" lang="ja-JP" altLang="en-US"/>
+          </a:p>
+        </p:txBody>
+      </p:sp>
+    </p:spTree>
+    <p:extLst>
+      <p:ext uri="{BB962C8B-B14F-4D97-AF65-F5344CB8AC3E}">
+        <p14:creationId xmlns:p14="http://schemas.microsoft.com/office/powerpoint/2010/main" val="1293164519"/>
+      </p:ext>
+    </p:extLst>
+  </p:cSld>
+  <p:clrMapOvr>
+    <a:masterClrMapping/>
+  </p:clrMapOvr>
+</p:notes>
+</file>
+
 <file path=ppt/notesSlides/notesSlide2.xml><?xml version="1.0" encoding="utf-8"?>
 <p:notes xmlns:a="http://schemas.openxmlformats.org/drawingml/2006/main" xmlns:r="http://schemas.openxmlformats.org/officeDocument/2006/relationships" xmlns:p="http://schemas.openxmlformats.org/presentationml/2006/main">
   <p:cSld>
@@ -1186,7 +1274,7 @@
           <a:p>
             <a:r>
               <a:rPr kumimoji="1" lang="ja-JP" altLang="en-US"/>
-              <a:t>パートナー登録の流れ</a:t>
+              <a:t>パートナー申請取り下げの流れ</a:t>
             </a:r>
           </a:p>
         </p:txBody>
@@ -1217,7 +1305,7 @@
     </p:spTree>
     <p:extLst>
       <p:ext uri="{BB962C8B-B14F-4D97-AF65-F5344CB8AC3E}">
-        <p14:creationId xmlns:p14="http://schemas.microsoft.com/office/powerpoint/2010/main" val="265617432"/>
+        <p14:creationId xmlns:p14="http://schemas.microsoft.com/office/powerpoint/2010/main" val="2248448961"/>
       </p:ext>
     </p:extLst>
   </p:cSld>
@@ -1273,7 +1361,7 @@
           <a:p>
             <a:r>
               <a:rPr kumimoji="1" lang="ja-JP" altLang="en-US"/>
-              <a:t>パートナー解除の流れ</a:t>
+              <a:t>パートナー登録の流れ</a:t>
             </a:r>
           </a:p>
         </p:txBody>
@@ -1304,7 +1392,7 @@
     </p:spTree>
     <p:extLst>
       <p:ext uri="{BB962C8B-B14F-4D97-AF65-F5344CB8AC3E}">
-        <p14:creationId xmlns:p14="http://schemas.microsoft.com/office/powerpoint/2010/main" val="1293164519"/>
+        <p14:creationId xmlns:p14="http://schemas.microsoft.com/office/powerpoint/2010/main" val="265617432"/>
       </p:ext>
     </p:extLst>
   </p:cSld>
@@ -1461,7 +1549,7 @@
           <a:p>
             <a:fld id="{4978F8BA-5C8D-964E-9BEE-EAEFE2CC1A01}" type="datetimeFigureOut">
               <a:rPr kumimoji="1" lang="ja-JP" altLang="en-US" smtClean="0"/>
-              <a:t>2022/7/13</a:t>
+              <a:t>2022/7/14</a:t>
             </a:fld>
             <a:endParaRPr kumimoji="1" lang="ja-JP" altLang="en-US"/>
           </a:p>
@@ -1691,7 +1779,7 @@
           <a:p>
             <a:fld id="{4978F8BA-5C8D-964E-9BEE-EAEFE2CC1A01}" type="datetimeFigureOut">
               <a:rPr kumimoji="1" lang="ja-JP" altLang="en-US" smtClean="0"/>
-              <a:t>2022/7/13</a:t>
+              <a:t>2022/7/14</a:t>
             </a:fld>
             <a:endParaRPr kumimoji="1" lang="ja-JP" altLang="en-US"/>
           </a:p>
@@ -1931,7 +2019,7 @@
           <a:p>
             <a:fld id="{4978F8BA-5C8D-964E-9BEE-EAEFE2CC1A01}" type="datetimeFigureOut">
               <a:rPr kumimoji="1" lang="ja-JP" altLang="en-US" smtClean="0"/>
-              <a:t>2022/7/13</a:t>
+              <a:t>2022/7/14</a:t>
             </a:fld>
             <a:endParaRPr kumimoji="1" lang="ja-JP" altLang="en-US"/>
           </a:p>
@@ -2161,7 +2249,7 @@
           <a:p>
             <a:fld id="{4978F8BA-5C8D-964E-9BEE-EAEFE2CC1A01}" type="datetimeFigureOut">
               <a:rPr kumimoji="1" lang="ja-JP" altLang="en-US" smtClean="0"/>
-              <a:t>2022/7/13</a:t>
+              <a:t>2022/7/14</a:t>
             </a:fld>
             <a:endParaRPr kumimoji="1" lang="ja-JP" altLang="en-US"/>
           </a:p>
@@ -2436,7 +2524,7 @@
           <a:p>
             <a:fld id="{4978F8BA-5C8D-964E-9BEE-EAEFE2CC1A01}" type="datetimeFigureOut">
               <a:rPr kumimoji="1" lang="ja-JP" altLang="en-US" smtClean="0"/>
-              <a:t>2022/7/13</a:t>
+              <a:t>2022/7/14</a:t>
             </a:fld>
             <a:endParaRPr kumimoji="1" lang="ja-JP" altLang="en-US"/>
           </a:p>
@@ -2765,7 +2853,7 @@
           <a:p>
             <a:fld id="{4978F8BA-5C8D-964E-9BEE-EAEFE2CC1A01}" type="datetimeFigureOut">
               <a:rPr kumimoji="1" lang="ja-JP" altLang="en-US" smtClean="0"/>
-              <a:t>2022/7/13</a:t>
+              <a:t>2022/7/14</a:t>
             </a:fld>
             <a:endParaRPr kumimoji="1" lang="ja-JP" altLang="en-US"/>
           </a:p>
@@ -3241,7 +3329,7 @@
           <a:p>
             <a:fld id="{4978F8BA-5C8D-964E-9BEE-EAEFE2CC1A01}" type="datetimeFigureOut">
               <a:rPr kumimoji="1" lang="ja-JP" altLang="en-US" smtClean="0"/>
-              <a:t>2022/7/13</a:t>
+              <a:t>2022/7/14</a:t>
             </a:fld>
             <a:endParaRPr kumimoji="1" lang="ja-JP" altLang="en-US"/>
           </a:p>
@@ -3382,7 +3470,7 @@
           <a:p>
             <a:fld id="{4978F8BA-5C8D-964E-9BEE-EAEFE2CC1A01}" type="datetimeFigureOut">
               <a:rPr kumimoji="1" lang="ja-JP" altLang="en-US" smtClean="0"/>
-              <a:t>2022/7/13</a:t>
+              <a:t>2022/7/14</a:t>
             </a:fld>
             <a:endParaRPr kumimoji="1" lang="ja-JP" altLang="en-US"/>
           </a:p>
@@ -3495,7 +3583,7 @@
           <a:p>
             <a:fld id="{4978F8BA-5C8D-964E-9BEE-EAEFE2CC1A01}" type="datetimeFigureOut">
               <a:rPr kumimoji="1" lang="ja-JP" altLang="en-US" smtClean="0"/>
-              <a:t>2022/7/13</a:t>
+              <a:t>2022/7/14</a:t>
             </a:fld>
             <a:endParaRPr kumimoji="1" lang="ja-JP" altLang="en-US"/>
           </a:p>
@@ -3838,7 +3926,7 @@
           <a:p>
             <a:fld id="{4978F8BA-5C8D-964E-9BEE-EAEFE2CC1A01}" type="datetimeFigureOut">
               <a:rPr kumimoji="1" lang="ja-JP" altLang="en-US" smtClean="0"/>
-              <a:t>2022/7/13</a:t>
+              <a:t>2022/7/14</a:t>
             </a:fld>
             <a:endParaRPr kumimoji="1" lang="ja-JP" altLang="en-US"/>
           </a:p>
@@ -4126,7 +4214,7 @@
           <a:p>
             <a:fld id="{4978F8BA-5C8D-964E-9BEE-EAEFE2CC1A01}" type="datetimeFigureOut">
               <a:rPr kumimoji="1" lang="ja-JP" altLang="en-US" smtClean="0"/>
-              <a:t>2022/7/13</a:t>
+              <a:t>2022/7/14</a:t>
             </a:fld>
             <a:endParaRPr kumimoji="1" lang="ja-JP" altLang="en-US"/>
           </a:p>
@@ -4399,7 +4487,7 @@
           <a:p>
             <a:fld id="{4978F8BA-5C8D-964E-9BEE-EAEFE2CC1A01}" type="datetimeFigureOut">
               <a:rPr kumimoji="1" lang="ja-JP" altLang="en-US" smtClean="0"/>
-              <a:t>2022/7/13</a:t>
+              <a:t>2022/7/14</a:t>
             </a:fld>
             <a:endParaRPr kumimoji="1" lang="ja-JP" altLang="en-US"/>
           </a:p>
@@ -5367,6 +5455,712 @@
     <p:extLst>
       <p:ext uri="{BB962C8B-B14F-4D97-AF65-F5344CB8AC3E}">
         <p14:creationId xmlns:p14="http://schemas.microsoft.com/office/powerpoint/2010/main" val="285431373"/>
+      </p:ext>
+    </p:extLst>
+  </p:cSld>
+  <p:clrMapOvr>
+    <a:masterClrMapping/>
+  </p:clrMapOvr>
+</p:sld>
+</file>
+
+<file path=ppt/slides/slide10.xml><?xml version="1.0" encoding="utf-8"?>
+<p:sld xmlns:a="http://schemas.openxmlformats.org/drawingml/2006/main" xmlns:r="http://schemas.openxmlformats.org/officeDocument/2006/relationships" xmlns:p="http://schemas.openxmlformats.org/presentationml/2006/main">
+  <p:cSld>
+    <p:spTree>
+      <p:nvGrpSpPr>
+        <p:cNvPr id="1" name=""/>
+        <p:cNvGrpSpPr/>
+        <p:nvPr/>
+      </p:nvGrpSpPr>
+      <p:grpSpPr>
+        <a:xfrm>
+          <a:off x="0" y="0"/>
+          <a:ext cx="0" cy="0"/>
+          <a:chOff x="0" y="0"/>
+          <a:chExt cx="0" cy="0"/>
+        </a:xfrm>
+      </p:grpSpPr>
+      <p:grpSp>
+        <p:nvGrpSpPr>
+          <p:cNvPr id="12" name="グループ化 11">
+            <a:extLst>
+              <a:ext uri="{FF2B5EF4-FFF2-40B4-BE49-F238E27FC236}">
+                <a16:creationId xmlns:a16="http://schemas.microsoft.com/office/drawing/2014/main" id="{8E57284D-42AB-F289-2C0B-C0DE053DEAD6}"/>
+              </a:ext>
+            </a:extLst>
+          </p:cNvPr>
+          <p:cNvGrpSpPr/>
+          <p:nvPr/>
+        </p:nvGrpSpPr>
+        <p:grpSpPr>
+          <a:xfrm>
+            <a:off x="280987" y="1160274"/>
+            <a:ext cx="10163178" cy="3678027"/>
+            <a:chOff x="280987" y="1160274"/>
+            <a:chExt cx="10163178" cy="3678027"/>
+          </a:xfrm>
+        </p:grpSpPr>
+        <p:pic>
+          <p:nvPicPr>
+            <p:cNvPr id="3" name="グラフィックス 2" descr="男性 単色塗りつぶし">
+              <a:extLst>
+                <a:ext uri="{FF2B5EF4-FFF2-40B4-BE49-F238E27FC236}">
+                  <a16:creationId xmlns:a16="http://schemas.microsoft.com/office/drawing/2014/main" id="{76F48CA8-6117-4540-19B2-9A088205FDAE}"/>
+                </a:ext>
+              </a:extLst>
+            </p:cNvPr>
+            <p:cNvPicPr>
+              <a:picLocks noChangeAspect="1"/>
+            </p:cNvPicPr>
+            <p:nvPr/>
+          </p:nvPicPr>
+          <p:blipFill>
+            <a:blip r:embed="rId3">
+              <a:extLst>
+                <a:ext uri="{96DAC541-7B7A-43D3-8B79-37D633B846F1}">
+                  <asvg:svgBlip xmlns:asvg="http://schemas.microsoft.com/office/drawing/2016/SVG/main" r:embed="rId4"/>
+                </a:ext>
+              </a:extLst>
+            </a:blip>
+            <a:stretch>
+              <a:fillRect/>
+            </a:stretch>
+          </p:blipFill>
+          <p:spPr>
+            <a:xfrm>
+              <a:off x="280987" y="2343150"/>
+              <a:ext cx="914400" cy="914400"/>
+            </a:xfrm>
+            <a:prstGeom prst="rect">
+              <a:avLst/>
+            </a:prstGeom>
+          </p:spPr>
+        </p:pic>
+        <p:pic>
+          <p:nvPicPr>
+            <p:cNvPr id="5" name="グラフィックス 4" descr="男性 枠線">
+              <a:extLst>
+                <a:ext uri="{FF2B5EF4-FFF2-40B4-BE49-F238E27FC236}">
+                  <a16:creationId xmlns:a16="http://schemas.microsoft.com/office/drawing/2014/main" id="{FE3F6413-278B-E8F0-2D3D-231C894610EC}"/>
+                </a:ext>
+              </a:extLst>
+            </p:cNvPr>
+            <p:cNvPicPr>
+              <a:picLocks noChangeAspect="1"/>
+            </p:cNvPicPr>
+            <p:nvPr/>
+          </p:nvPicPr>
+          <p:blipFill>
+            <a:blip r:embed="rId5">
+              <a:extLst>
+                <a:ext uri="{96DAC541-7B7A-43D3-8B79-37D633B846F1}">
+                  <asvg:svgBlip xmlns:asvg="http://schemas.microsoft.com/office/drawing/2016/SVG/main" r:embed="rId6"/>
+                </a:ext>
+              </a:extLst>
+            </a:blip>
+            <a:stretch>
+              <a:fillRect/>
+            </a:stretch>
+          </p:blipFill>
+          <p:spPr>
+            <a:xfrm>
+              <a:off x="9529765" y="2343150"/>
+              <a:ext cx="914400" cy="914400"/>
+            </a:xfrm>
+            <a:prstGeom prst="rect">
+              <a:avLst/>
+            </a:prstGeom>
+          </p:spPr>
+        </p:pic>
+        <p:pic>
+          <p:nvPicPr>
+            <p:cNvPr id="7" name="グラフィックス 6" descr="ブラウザー ウィンドウ 単色塗りつぶし">
+              <a:extLst>
+                <a:ext uri="{FF2B5EF4-FFF2-40B4-BE49-F238E27FC236}">
+                  <a16:creationId xmlns:a16="http://schemas.microsoft.com/office/drawing/2014/main" id="{263FFBD6-59CC-6657-9C19-4FCECEAA216A}"/>
+                </a:ext>
+              </a:extLst>
+            </p:cNvPr>
+            <p:cNvPicPr>
+              <a:picLocks noChangeAspect="1"/>
+            </p:cNvPicPr>
+            <p:nvPr/>
+          </p:nvPicPr>
+          <p:blipFill>
+            <a:blip r:embed="rId7">
+              <a:extLst>
+                <a:ext uri="{96DAC541-7B7A-43D3-8B79-37D633B846F1}">
+                  <asvg:svgBlip xmlns:asvg="http://schemas.microsoft.com/office/drawing/2016/SVG/main" r:embed="rId8"/>
+                </a:ext>
+              </a:extLst>
+            </a:blip>
+            <a:stretch>
+              <a:fillRect/>
+            </a:stretch>
+          </p:blipFill>
+          <p:spPr>
+            <a:xfrm>
+              <a:off x="1195387" y="2343150"/>
+              <a:ext cx="914400" cy="914400"/>
+            </a:xfrm>
+            <a:prstGeom prst="rect">
+              <a:avLst/>
+            </a:prstGeom>
+          </p:spPr>
+        </p:pic>
+        <p:pic>
+          <p:nvPicPr>
+            <p:cNvPr id="9" name="グラフィックス 8" descr="ブラウザー ウィンドウ 枠線">
+              <a:extLst>
+                <a:ext uri="{FF2B5EF4-FFF2-40B4-BE49-F238E27FC236}">
+                  <a16:creationId xmlns:a16="http://schemas.microsoft.com/office/drawing/2014/main" id="{0728CD1A-1249-9A53-3102-1356BF1AB92E}"/>
+                </a:ext>
+              </a:extLst>
+            </p:cNvPr>
+            <p:cNvPicPr>
+              <a:picLocks noChangeAspect="1"/>
+            </p:cNvPicPr>
+            <p:nvPr/>
+          </p:nvPicPr>
+          <p:blipFill>
+            <a:blip r:embed="rId9">
+              <a:extLst>
+                <a:ext uri="{96DAC541-7B7A-43D3-8B79-37D633B846F1}">
+                  <asvg:svgBlip xmlns:asvg="http://schemas.microsoft.com/office/drawing/2016/SVG/main" r:embed="rId10"/>
+                </a:ext>
+              </a:extLst>
+            </a:blip>
+            <a:stretch>
+              <a:fillRect/>
+            </a:stretch>
+          </p:blipFill>
+          <p:spPr>
+            <a:xfrm>
+              <a:off x="8615365" y="2356877"/>
+              <a:ext cx="914400" cy="914400"/>
+            </a:xfrm>
+            <a:prstGeom prst="rect">
+              <a:avLst/>
+            </a:prstGeom>
+          </p:spPr>
+        </p:pic>
+        <p:pic>
+          <p:nvPicPr>
+            <p:cNvPr id="11" name="グラフィックス 10" descr="データベース 単色塗りつぶし">
+              <a:extLst>
+                <a:ext uri="{FF2B5EF4-FFF2-40B4-BE49-F238E27FC236}">
+                  <a16:creationId xmlns:a16="http://schemas.microsoft.com/office/drawing/2014/main" id="{55FBCE6C-6F18-68B2-B4F8-2E3E072361C5}"/>
+                </a:ext>
+              </a:extLst>
+            </p:cNvPr>
+            <p:cNvPicPr>
+              <a:picLocks noChangeAspect="1"/>
+            </p:cNvPicPr>
+            <p:nvPr/>
+          </p:nvPicPr>
+          <p:blipFill>
+            <a:blip r:embed="rId11">
+              <a:extLst>
+                <a:ext uri="{96DAC541-7B7A-43D3-8B79-37D633B846F1}">
+                  <asvg:svgBlip xmlns:asvg="http://schemas.microsoft.com/office/drawing/2016/SVG/main" r:embed="rId12"/>
+                </a:ext>
+              </a:extLst>
+            </a:blip>
+            <a:stretch>
+              <a:fillRect/>
+            </a:stretch>
+          </p:blipFill>
+          <p:spPr>
+            <a:xfrm>
+              <a:off x="4862513" y="2343150"/>
+              <a:ext cx="914400" cy="914400"/>
+            </a:xfrm>
+            <a:prstGeom prst="rect">
+              <a:avLst/>
+            </a:prstGeom>
+          </p:spPr>
+        </p:pic>
+        <p:cxnSp>
+          <p:nvCxnSpPr>
+            <p:cNvPr id="29" name="直線矢印コネクタ 28">
+              <a:extLst>
+                <a:ext uri="{FF2B5EF4-FFF2-40B4-BE49-F238E27FC236}">
+                  <a16:creationId xmlns:a16="http://schemas.microsoft.com/office/drawing/2014/main" id="{ECA43345-EA4E-7CC7-1F16-8A5A74FCCFE2}"/>
+                </a:ext>
+              </a:extLst>
+            </p:cNvPr>
+            <p:cNvCxnSpPr>
+              <a:cxnSpLocks/>
+            </p:cNvCxnSpPr>
+            <p:nvPr/>
+          </p:nvCxnSpPr>
+          <p:spPr>
+            <a:xfrm>
+              <a:off x="5776912" y="2800350"/>
+              <a:ext cx="2752726" cy="0"/>
+            </a:xfrm>
+            <a:prstGeom prst="straightConnector1">
+              <a:avLst/>
+            </a:prstGeom>
+            <a:ln>
+              <a:headEnd type="none"/>
+              <a:tailEnd type="triangle"/>
+            </a:ln>
+          </p:spPr>
+          <p:style>
+            <a:lnRef idx="3">
+              <a:schemeClr val="dk1"/>
+            </a:lnRef>
+            <a:fillRef idx="0">
+              <a:schemeClr val="dk1"/>
+            </a:fillRef>
+            <a:effectRef idx="2">
+              <a:schemeClr val="dk1"/>
+            </a:effectRef>
+            <a:fontRef idx="minor">
+              <a:schemeClr val="tx1"/>
+            </a:fontRef>
+          </p:style>
+        </p:cxnSp>
+        <p:sp>
+          <p:nvSpPr>
+            <p:cNvPr id="30" name="テキスト ボックス 29">
+              <a:extLst>
+                <a:ext uri="{FF2B5EF4-FFF2-40B4-BE49-F238E27FC236}">
+                  <a16:creationId xmlns:a16="http://schemas.microsoft.com/office/drawing/2014/main" id="{7E093D86-CD9E-1C16-697F-9621AD15FABD}"/>
+                </a:ext>
+              </a:extLst>
+            </p:cNvPr>
+            <p:cNvSpPr txBox="1"/>
+            <p:nvPr/>
+          </p:nvSpPr>
+          <p:spPr>
+            <a:xfrm>
+              <a:off x="6232921" y="2884956"/>
+              <a:ext cx="1840707" cy="577081"/>
+            </a:xfrm>
+            <a:prstGeom prst="rect">
+              <a:avLst/>
+            </a:prstGeom>
+            <a:noFill/>
+          </p:spPr>
+          <p:txBody>
+            <a:bodyPr wrap="square" rtlCol="0">
+              <a:spAutoFit/>
+            </a:bodyPr>
+            <a:lstStyle/>
+            <a:p>
+              <a:pPr algn="ctr"/>
+              <a:r>
+                <a:rPr kumimoji="1" lang="ja-JP" altLang="en-US" sz="1050">
+                  <a:latin typeface="Hiragino Kaku Gothic Pro W3" panose="020B0300000000000000" pitchFamily="34" charset="-128"/>
+                  <a:ea typeface="Hiragino Kaku Gothic Pro W3" panose="020B0300000000000000" pitchFamily="34" charset="-128"/>
+                </a:rPr>
+                <a:t>②マイページ上で</a:t>
+              </a:r>
+              <a:endParaRPr kumimoji="1" lang="en-US" altLang="ja-JP" sz="1050" dirty="0">
+                <a:latin typeface="Hiragino Kaku Gothic Pro W3" panose="020B0300000000000000" pitchFamily="34" charset="-128"/>
+                <a:ea typeface="Hiragino Kaku Gothic Pro W3" panose="020B0300000000000000" pitchFamily="34" charset="-128"/>
+              </a:endParaRPr>
+            </a:p>
+            <a:p>
+              <a:pPr algn="ctr"/>
+              <a:r>
+                <a:rPr lang="ja-JP" altLang="en-US" sz="1050">
+                  <a:latin typeface="Hiragino Kaku Gothic Pro W3" panose="020B0300000000000000" pitchFamily="34" charset="-128"/>
+                  <a:ea typeface="Hiragino Kaku Gothic Pro W3" panose="020B0300000000000000" pitchFamily="34" charset="-128"/>
+                </a:rPr>
+                <a:t>パートナーが消える</a:t>
+              </a:r>
+              <a:endParaRPr lang="en-US" altLang="ja-JP" sz="1050" dirty="0">
+                <a:latin typeface="Hiragino Kaku Gothic Pro W3" panose="020B0300000000000000" pitchFamily="34" charset="-128"/>
+                <a:ea typeface="Hiragino Kaku Gothic Pro W3" panose="020B0300000000000000" pitchFamily="34" charset="-128"/>
+              </a:endParaRPr>
+            </a:p>
+            <a:p>
+              <a:pPr algn="ctr"/>
+              <a:r>
+                <a:rPr kumimoji="1" lang="ja-JP" altLang="en-US" sz="1050">
+                  <a:latin typeface="Hiragino Kaku Gothic Pro W3" panose="020B0300000000000000" pitchFamily="34" charset="-128"/>
+                  <a:ea typeface="Hiragino Kaku Gothic Pro W3" panose="020B0300000000000000" pitchFamily="34" charset="-128"/>
+                </a:rPr>
+                <a:t>（登録フォームを表示）</a:t>
+              </a:r>
+            </a:p>
+          </p:txBody>
+        </p:sp>
+        <p:sp>
+          <p:nvSpPr>
+            <p:cNvPr id="2" name="テキスト ボックス 1">
+              <a:extLst>
+                <a:ext uri="{FF2B5EF4-FFF2-40B4-BE49-F238E27FC236}">
+                  <a16:creationId xmlns:a16="http://schemas.microsoft.com/office/drawing/2014/main" id="{7AAEE06F-72D8-EAB3-E4FD-EE250BE26940}"/>
+                </a:ext>
+              </a:extLst>
+            </p:cNvPr>
+            <p:cNvSpPr txBox="1"/>
+            <p:nvPr/>
+          </p:nvSpPr>
+          <p:spPr>
+            <a:xfrm>
+              <a:off x="5447763" y="4468969"/>
+              <a:ext cx="184731" cy="369332"/>
+            </a:xfrm>
+            <a:prstGeom prst="rect">
+              <a:avLst/>
+            </a:prstGeom>
+            <a:noFill/>
+          </p:spPr>
+          <p:txBody>
+            <a:bodyPr wrap="none" rtlCol="0">
+              <a:spAutoFit/>
+            </a:bodyPr>
+            <a:lstStyle/>
+            <a:p>
+              <a:endParaRPr kumimoji="1" lang="ja-JP" altLang="en-US"/>
+            </a:p>
+          </p:txBody>
+        </p:sp>
+        <p:grpSp>
+          <p:nvGrpSpPr>
+            <p:cNvPr id="24" name="グループ化 23">
+              <a:extLst>
+                <a:ext uri="{FF2B5EF4-FFF2-40B4-BE49-F238E27FC236}">
+                  <a16:creationId xmlns:a16="http://schemas.microsoft.com/office/drawing/2014/main" id="{9CDA459F-ECBA-1B76-73F5-E078441C432A}"/>
+                </a:ext>
+              </a:extLst>
+            </p:cNvPr>
+            <p:cNvGrpSpPr/>
+            <p:nvPr/>
+          </p:nvGrpSpPr>
+          <p:grpSpPr>
+            <a:xfrm>
+              <a:off x="1934163" y="1839667"/>
+              <a:ext cx="3209926" cy="942977"/>
+              <a:chOff x="2109787" y="1674158"/>
+              <a:chExt cx="3209926" cy="942977"/>
+            </a:xfrm>
+          </p:grpSpPr>
+          <p:sp>
+            <p:nvSpPr>
+              <p:cNvPr id="25" name="円弧 24">
+                <a:extLst>
+                  <a:ext uri="{FF2B5EF4-FFF2-40B4-BE49-F238E27FC236}">
+                    <a16:creationId xmlns:a16="http://schemas.microsoft.com/office/drawing/2014/main" id="{E947C5D1-2398-F720-7BA1-B2A2A5353DB5}"/>
+                  </a:ext>
+                </a:extLst>
+              </p:cNvPr>
+              <p:cNvSpPr/>
+              <p:nvPr/>
+            </p:nvSpPr>
+            <p:spPr>
+              <a:xfrm>
+                <a:off x="2109787" y="1674160"/>
+                <a:ext cx="3209926" cy="942975"/>
+              </a:xfrm>
+              <a:prstGeom prst="arc">
+                <a:avLst/>
+              </a:prstGeom>
+              <a:ln>
+                <a:tailEnd type="none"/>
+              </a:ln>
+            </p:spPr>
+            <p:style>
+              <a:lnRef idx="3">
+                <a:schemeClr val="dk1"/>
+              </a:lnRef>
+              <a:fillRef idx="0">
+                <a:schemeClr val="dk1"/>
+              </a:fillRef>
+              <a:effectRef idx="2">
+                <a:schemeClr val="dk1"/>
+              </a:effectRef>
+              <a:fontRef idx="minor">
+                <a:schemeClr val="tx1"/>
+              </a:fontRef>
+            </p:style>
+            <p:txBody>
+              <a:bodyPr rtlCol="0" anchor="ctr"/>
+              <a:lstStyle/>
+              <a:p>
+                <a:pPr algn="ctr"/>
+                <a:endParaRPr kumimoji="1" lang="ja-JP" altLang="en-US"/>
+              </a:p>
+            </p:txBody>
+          </p:sp>
+          <p:sp>
+            <p:nvSpPr>
+              <p:cNvPr id="26" name="円弧 25">
+                <a:extLst>
+                  <a:ext uri="{FF2B5EF4-FFF2-40B4-BE49-F238E27FC236}">
+                    <a16:creationId xmlns:a16="http://schemas.microsoft.com/office/drawing/2014/main" id="{041F9C28-F39D-78B9-17D3-0B940088FAC8}"/>
+                  </a:ext>
+                </a:extLst>
+              </p:cNvPr>
+              <p:cNvSpPr/>
+              <p:nvPr/>
+            </p:nvSpPr>
+            <p:spPr>
+              <a:xfrm flipH="1">
+                <a:off x="2109787" y="1674158"/>
+                <a:ext cx="3209926" cy="942975"/>
+              </a:xfrm>
+              <a:prstGeom prst="arc">
+                <a:avLst/>
+              </a:prstGeom>
+              <a:ln>
+                <a:tailEnd type="triangle"/>
+              </a:ln>
+            </p:spPr>
+            <p:style>
+              <a:lnRef idx="3">
+                <a:schemeClr val="dk1"/>
+              </a:lnRef>
+              <a:fillRef idx="0">
+                <a:schemeClr val="dk1"/>
+              </a:fillRef>
+              <a:effectRef idx="2">
+                <a:schemeClr val="dk1"/>
+              </a:effectRef>
+              <a:fontRef idx="minor">
+                <a:schemeClr val="tx1"/>
+              </a:fontRef>
+            </p:style>
+            <p:txBody>
+              <a:bodyPr rtlCol="0" anchor="ctr"/>
+              <a:lstStyle/>
+              <a:p>
+                <a:pPr algn="ctr"/>
+                <a:endParaRPr kumimoji="1" lang="ja-JP" altLang="en-US"/>
+              </a:p>
+            </p:txBody>
+          </p:sp>
+        </p:grpSp>
+        <p:grpSp>
+          <p:nvGrpSpPr>
+            <p:cNvPr id="28" name="グループ化 27">
+              <a:extLst>
+                <a:ext uri="{FF2B5EF4-FFF2-40B4-BE49-F238E27FC236}">
+                  <a16:creationId xmlns:a16="http://schemas.microsoft.com/office/drawing/2014/main" id="{A8D0809A-7473-3016-6E1B-27CEC0BCAE12}"/>
+                </a:ext>
+              </a:extLst>
+            </p:cNvPr>
+            <p:cNvGrpSpPr/>
+            <p:nvPr/>
+          </p:nvGrpSpPr>
+          <p:grpSpPr>
+            <a:xfrm rot="10800000">
+              <a:off x="1934163" y="2884956"/>
+              <a:ext cx="3209926" cy="942977"/>
+              <a:chOff x="2109787" y="1628773"/>
+              <a:chExt cx="3209926" cy="942977"/>
+            </a:xfrm>
+          </p:grpSpPr>
+          <p:sp>
+            <p:nvSpPr>
+              <p:cNvPr id="31" name="円弧 30">
+                <a:extLst>
+                  <a:ext uri="{FF2B5EF4-FFF2-40B4-BE49-F238E27FC236}">
+                    <a16:creationId xmlns:a16="http://schemas.microsoft.com/office/drawing/2014/main" id="{E2C8D7D3-0842-5D94-2379-351ECCB52473}"/>
+                  </a:ext>
+                </a:extLst>
+              </p:cNvPr>
+              <p:cNvSpPr/>
+              <p:nvPr/>
+            </p:nvSpPr>
+            <p:spPr>
+              <a:xfrm>
+                <a:off x="2109787" y="1628775"/>
+                <a:ext cx="3209926" cy="942975"/>
+              </a:xfrm>
+              <a:prstGeom prst="arc">
+                <a:avLst/>
+              </a:prstGeom>
+              <a:ln/>
+            </p:spPr>
+            <p:style>
+              <a:lnRef idx="3">
+                <a:schemeClr val="dk1"/>
+              </a:lnRef>
+              <a:fillRef idx="0">
+                <a:schemeClr val="dk1"/>
+              </a:fillRef>
+              <a:effectRef idx="2">
+                <a:schemeClr val="dk1"/>
+              </a:effectRef>
+              <a:fontRef idx="minor">
+                <a:schemeClr val="tx1"/>
+              </a:fontRef>
+            </p:style>
+            <p:txBody>
+              <a:bodyPr rtlCol="0" anchor="ctr"/>
+              <a:lstStyle/>
+              <a:p>
+                <a:pPr algn="ctr"/>
+                <a:endParaRPr kumimoji="1" lang="ja-JP" altLang="en-US"/>
+              </a:p>
+            </p:txBody>
+          </p:sp>
+          <p:sp>
+            <p:nvSpPr>
+              <p:cNvPr id="32" name="円弧 31">
+                <a:extLst>
+                  <a:ext uri="{FF2B5EF4-FFF2-40B4-BE49-F238E27FC236}">
+                    <a16:creationId xmlns:a16="http://schemas.microsoft.com/office/drawing/2014/main" id="{DB9D750D-5B2D-F163-6D3D-8B933F0A7FB3}"/>
+                  </a:ext>
+                </a:extLst>
+              </p:cNvPr>
+              <p:cNvSpPr/>
+              <p:nvPr/>
+            </p:nvSpPr>
+            <p:spPr>
+              <a:xfrm flipH="1">
+                <a:off x="2109787" y="1628773"/>
+                <a:ext cx="3209926" cy="942975"/>
+              </a:xfrm>
+              <a:prstGeom prst="arc">
+                <a:avLst/>
+              </a:prstGeom>
+              <a:ln>
+                <a:tailEnd type="triangle"/>
+              </a:ln>
+            </p:spPr>
+            <p:style>
+              <a:lnRef idx="3">
+                <a:schemeClr val="dk1"/>
+              </a:lnRef>
+              <a:fillRef idx="0">
+                <a:schemeClr val="dk1"/>
+              </a:fillRef>
+              <a:effectRef idx="2">
+                <a:schemeClr val="dk1"/>
+              </a:effectRef>
+              <a:fontRef idx="minor">
+                <a:schemeClr val="tx1"/>
+              </a:fontRef>
+            </p:style>
+            <p:txBody>
+              <a:bodyPr rtlCol="0" anchor="ctr"/>
+              <a:lstStyle/>
+              <a:p>
+                <a:pPr algn="ctr"/>
+                <a:endParaRPr kumimoji="1" lang="ja-JP" altLang="en-US"/>
+              </a:p>
+            </p:txBody>
+          </p:sp>
+        </p:grpSp>
+        <p:sp>
+          <p:nvSpPr>
+            <p:cNvPr id="40" name="テキスト ボックス 39">
+              <a:extLst>
+                <a:ext uri="{FF2B5EF4-FFF2-40B4-BE49-F238E27FC236}">
+                  <a16:creationId xmlns:a16="http://schemas.microsoft.com/office/drawing/2014/main" id="{D05915A0-CEC2-5681-87CF-A0787A055504}"/>
+                </a:ext>
+              </a:extLst>
+            </p:cNvPr>
+            <p:cNvSpPr txBox="1"/>
+            <p:nvPr/>
+          </p:nvSpPr>
+          <p:spPr>
+            <a:xfrm>
+              <a:off x="2618771" y="1160274"/>
+              <a:ext cx="1840707" cy="577081"/>
+            </a:xfrm>
+            <a:prstGeom prst="rect">
+              <a:avLst/>
+            </a:prstGeom>
+            <a:noFill/>
+          </p:spPr>
+          <p:txBody>
+            <a:bodyPr wrap="square" rtlCol="0">
+              <a:spAutoFit/>
+            </a:bodyPr>
+            <a:lstStyle/>
+            <a:p>
+              <a:pPr algn="ctr"/>
+              <a:r>
+                <a:rPr kumimoji="1" lang="ja-JP" altLang="en-US" sz="1050">
+                  <a:latin typeface="Hiragino Kaku Gothic Pro W3" panose="020B0300000000000000" pitchFamily="34" charset="-128"/>
+                  <a:ea typeface="Hiragino Kaku Gothic Pro W3" panose="020B0300000000000000" pitchFamily="34" charset="-128"/>
+                </a:rPr>
+                <a:t>②マイページ上で</a:t>
+              </a:r>
+              <a:endParaRPr kumimoji="1" lang="en-US" altLang="ja-JP" sz="1050" dirty="0">
+                <a:latin typeface="Hiragino Kaku Gothic Pro W3" panose="020B0300000000000000" pitchFamily="34" charset="-128"/>
+                <a:ea typeface="Hiragino Kaku Gothic Pro W3" panose="020B0300000000000000" pitchFamily="34" charset="-128"/>
+              </a:endParaRPr>
+            </a:p>
+            <a:p>
+              <a:pPr algn="ctr"/>
+              <a:r>
+                <a:rPr lang="ja-JP" altLang="en-US" sz="1050">
+                  <a:latin typeface="Hiragino Kaku Gothic Pro W3" panose="020B0300000000000000" pitchFamily="34" charset="-128"/>
+                  <a:ea typeface="Hiragino Kaku Gothic Pro W3" panose="020B0300000000000000" pitchFamily="34" charset="-128"/>
+                </a:rPr>
+                <a:t>パートナーが消える</a:t>
+              </a:r>
+              <a:endParaRPr lang="en-US" altLang="ja-JP" sz="1050" dirty="0">
+                <a:latin typeface="Hiragino Kaku Gothic Pro W3" panose="020B0300000000000000" pitchFamily="34" charset="-128"/>
+                <a:ea typeface="Hiragino Kaku Gothic Pro W3" panose="020B0300000000000000" pitchFamily="34" charset="-128"/>
+              </a:endParaRPr>
+            </a:p>
+            <a:p>
+              <a:pPr algn="ctr"/>
+              <a:r>
+                <a:rPr kumimoji="1" lang="ja-JP" altLang="en-US" sz="1050">
+                  <a:latin typeface="Hiragino Kaku Gothic Pro W3" panose="020B0300000000000000" pitchFamily="34" charset="-128"/>
+                  <a:ea typeface="Hiragino Kaku Gothic Pro W3" panose="020B0300000000000000" pitchFamily="34" charset="-128"/>
+                </a:rPr>
+                <a:t>（登録フォームを表示）</a:t>
+              </a:r>
+            </a:p>
+          </p:txBody>
+        </p:sp>
+        <p:sp>
+          <p:nvSpPr>
+            <p:cNvPr id="41" name="テキスト ボックス 40">
+              <a:extLst>
+                <a:ext uri="{FF2B5EF4-FFF2-40B4-BE49-F238E27FC236}">
+                  <a16:creationId xmlns:a16="http://schemas.microsoft.com/office/drawing/2014/main" id="{A64A65F3-84C8-D34B-0581-C2E520D70F05}"/>
+                </a:ext>
+              </a:extLst>
+            </p:cNvPr>
+            <p:cNvSpPr txBox="1"/>
+            <p:nvPr/>
+          </p:nvSpPr>
+          <p:spPr>
+            <a:xfrm>
+              <a:off x="2873535" y="3930244"/>
+              <a:ext cx="1331178" cy="253916"/>
+            </a:xfrm>
+            <a:prstGeom prst="rect">
+              <a:avLst/>
+            </a:prstGeom>
+            <a:noFill/>
+          </p:spPr>
+          <p:txBody>
+            <a:bodyPr wrap="square" rtlCol="0">
+              <a:spAutoFit/>
+            </a:bodyPr>
+            <a:lstStyle/>
+            <a:p>
+              <a:pPr algn="ctr"/>
+              <a:r>
+                <a:rPr kumimoji="1" lang="ja-JP" altLang="en-US" sz="1050">
+                  <a:latin typeface="Hiragino Kaku Gothic Pro W3" panose="020B0300000000000000" pitchFamily="34" charset="-128"/>
+                  <a:ea typeface="Hiragino Kaku Gothic Pro W3" panose="020B0300000000000000" pitchFamily="34" charset="-128"/>
+                </a:rPr>
+                <a:t>①解除を選択</a:t>
+              </a:r>
+            </a:p>
+          </p:txBody>
+        </p:sp>
+      </p:grpSp>
+    </p:spTree>
+    <p:extLst>
+      <p:ext uri="{BB962C8B-B14F-4D97-AF65-F5344CB8AC3E}">
+        <p14:creationId xmlns:p14="http://schemas.microsoft.com/office/powerpoint/2010/main" val="1864876114"/>
       </p:ext>
     </p:extLst>
   </p:cSld>
@@ -12572,9 +13366,9 @@
         <p:grpSpPr>
           <a:xfrm>
             <a:off x="280987" y="1128669"/>
-            <a:ext cx="10163178" cy="3314782"/>
+            <a:ext cx="10163178" cy="3476365"/>
             <a:chOff x="280987" y="1128669"/>
-            <a:chExt cx="10163178" cy="3314782"/>
+            <a:chExt cx="10163178" cy="3476365"/>
           </a:xfrm>
         </p:grpSpPr>
         <p:pic>
@@ -13056,9 +13850,9 @@
           <p:grpSpPr>
             <a:xfrm rot="10800000">
               <a:off x="1881187" y="2984967"/>
-              <a:ext cx="3209926" cy="1458484"/>
-              <a:chOff x="2109787" y="1113266"/>
-              <a:chExt cx="3209926" cy="1458484"/>
+              <a:ext cx="3209926" cy="1620067"/>
+              <a:chOff x="2109787" y="951683"/>
+              <a:chExt cx="3209926" cy="1620067"/>
             </a:xfrm>
           </p:grpSpPr>
           <p:sp>
@@ -13175,8 +13969,8 @@
             </p:nvSpPr>
             <p:spPr>
               <a:xfrm rot="10800000">
-                <a:off x="2811066" y="1113266"/>
-                <a:ext cx="1921669" cy="415498"/>
+                <a:off x="2811066" y="951683"/>
+                <a:ext cx="1921669" cy="577081"/>
               </a:xfrm>
               <a:prstGeom prst="rect">
                 <a:avLst/>
@@ -13209,9 +14003,23 @@
                     <a:latin typeface="Hiragino Kaku Gothic Pro W3" panose="020B0300000000000000" pitchFamily="34" charset="-128"/>
                     <a:ea typeface="Hiragino Kaku Gothic Pro W3" panose="020B0300000000000000" pitchFamily="34" charset="-128"/>
                   </a:rPr>
-                  <a:t>「送信に成功しました」</a:t>
+                  <a:t>「送信に成功しました」・</a:t>
                 </a:r>
-                <a:endParaRPr kumimoji="1" lang="ja-JP" altLang="en-US" sz="1050">
+                <a:endParaRPr lang="en-US" altLang="ja-JP" sz="1050" dirty="0">
+                  <a:latin typeface="Hiragino Kaku Gothic Pro W3" panose="020B0300000000000000" pitchFamily="34" charset="-128"/>
+                  <a:ea typeface="Hiragino Kaku Gothic Pro W3" panose="020B0300000000000000" pitchFamily="34" charset="-128"/>
+                </a:endParaRPr>
+              </a:p>
+              <a:p>
+                <a:pPr algn="ctr"/>
+                <a:r>
+                  <a:rPr lang="ja-JP" altLang="en-US" sz="1050">
+                    <a:latin typeface="Hiragino Kaku Gothic Pro W3" panose="020B0300000000000000" pitchFamily="34" charset="-128"/>
+                    <a:ea typeface="Hiragino Kaku Gothic Pro W3" panose="020B0300000000000000" pitchFamily="34" charset="-128"/>
+                  </a:rPr>
+                  <a:t>申請中ユーザーを表示</a:t>
+                </a:r>
+                <a:endParaRPr lang="en-US" altLang="ja-JP" sz="1050" dirty="0">
                   <a:latin typeface="Hiragino Kaku Gothic Pro W3" panose="020B0300000000000000" pitchFamily="34" charset="-128"/>
                   <a:ea typeface="Hiragino Kaku Gothic Pro W3" panose="020B0300000000000000" pitchFamily="34" charset="-128"/>
                 </a:endParaRPr>
@@ -13344,6 +14152,794 @@
 </file>
 
 <file path=ppt/slides/slide8.xml><?xml version="1.0" encoding="utf-8"?>
+<p:sld xmlns:a="http://schemas.openxmlformats.org/drawingml/2006/main" xmlns:r="http://schemas.openxmlformats.org/officeDocument/2006/relationships" xmlns:p="http://schemas.openxmlformats.org/presentationml/2006/main">
+  <p:cSld>
+    <p:spTree>
+      <p:nvGrpSpPr>
+        <p:cNvPr id="1" name=""/>
+        <p:cNvGrpSpPr/>
+        <p:nvPr/>
+      </p:nvGrpSpPr>
+      <p:grpSpPr>
+        <a:xfrm>
+          <a:off x="0" y="0"/>
+          <a:ext cx="0" cy="0"/>
+          <a:chOff x="0" y="0"/>
+          <a:chExt cx="0" cy="0"/>
+        </a:xfrm>
+      </p:grpSpPr>
+      <p:grpSp>
+        <p:nvGrpSpPr>
+          <p:cNvPr id="27" name="グループ化 26">
+            <a:extLst>
+              <a:ext uri="{FF2B5EF4-FFF2-40B4-BE49-F238E27FC236}">
+                <a16:creationId xmlns:a16="http://schemas.microsoft.com/office/drawing/2014/main" id="{A643CAEE-A542-7830-E9FF-D591D19CC71A}"/>
+              </a:ext>
+            </a:extLst>
+          </p:cNvPr>
+          <p:cNvGrpSpPr/>
+          <p:nvPr/>
+        </p:nvGrpSpPr>
+        <p:grpSpPr>
+          <a:xfrm>
+            <a:off x="280987" y="1476968"/>
+            <a:ext cx="10163178" cy="3361333"/>
+            <a:chOff x="280987" y="1476968"/>
+            <a:chExt cx="10163178" cy="3361333"/>
+          </a:xfrm>
+        </p:grpSpPr>
+        <p:pic>
+          <p:nvPicPr>
+            <p:cNvPr id="3" name="グラフィックス 2" descr="男性 単色塗りつぶし">
+              <a:extLst>
+                <a:ext uri="{FF2B5EF4-FFF2-40B4-BE49-F238E27FC236}">
+                  <a16:creationId xmlns:a16="http://schemas.microsoft.com/office/drawing/2014/main" id="{76F48CA8-6117-4540-19B2-9A088205FDAE}"/>
+                </a:ext>
+              </a:extLst>
+            </p:cNvPr>
+            <p:cNvPicPr>
+              <a:picLocks noChangeAspect="1"/>
+            </p:cNvPicPr>
+            <p:nvPr/>
+          </p:nvPicPr>
+          <p:blipFill>
+            <a:blip r:embed="rId3">
+              <a:extLst>
+                <a:ext uri="{96DAC541-7B7A-43D3-8B79-37D633B846F1}">
+                  <asvg:svgBlip xmlns:asvg="http://schemas.microsoft.com/office/drawing/2016/SVG/main" r:embed="rId4"/>
+                </a:ext>
+              </a:extLst>
+            </a:blip>
+            <a:stretch>
+              <a:fillRect/>
+            </a:stretch>
+          </p:blipFill>
+          <p:spPr>
+            <a:xfrm>
+              <a:off x="280987" y="2343150"/>
+              <a:ext cx="914400" cy="914400"/>
+            </a:xfrm>
+            <a:prstGeom prst="rect">
+              <a:avLst/>
+            </a:prstGeom>
+          </p:spPr>
+        </p:pic>
+        <p:pic>
+          <p:nvPicPr>
+            <p:cNvPr id="5" name="グラフィックス 4" descr="男性 枠線">
+              <a:extLst>
+                <a:ext uri="{FF2B5EF4-FFF2-40B4-BE49-F238E27FC236}">
+                  <a16:creationId xmlns:a16="http://schemas.microsoft.com/office/drawing/2014/main" id="{FE3F6413-278B-E8F0-2D3D-231C894610EC}"/>
+                </a:ext>
+              </a:extLst>
+            </p:cNvPr>
+            <p:cNvPicPr>
+              <a:picLocks noChangeAspect="1"/>
+            </p:cNvPicPr>
+            <p:nvPr/>
+          </p:nvPicPr>
+          <p:blipFill>
+            <a:blip r:embed="rId5">
+              <a:extLst>
+                <a:ext uri="{96DAC541-7B7A-43D3-8B79-37D633B846F1}">
+                  <asvg:svgBlip xmlns:asvg="http://schemas.microsoft.com/office/drawing/2016/SVG/main" r:embed="rId6"/>
+                </a:ext>
+              </a:extLst>
+            </a:blip>
+            <a:stretch>
+              <a:fillRect/>
+            </a:stretch>
+          </p:blipFill>
+          <p:spPr>
+            <a:xfrm>
+              <a:off x="9529765" y="2343150"/>
+              <a:ext cx="914400" cy="914400"/>
+            </a:xfrm>
+            <a:prstGeom prst="rect">
+              <a:avLst/>
+            </a:prstGeom>
+          </p:spPr>
+        </p:pic>
+        <p:pic>
+          <p:nvPicPr>
+            <p:cNvPr id="7" name="グラフィックス 6" descr="ブラウザー ウィンドウ 単色塗りつぶし">
+              <a:extLst>
+                <a:ext uri="{FF2B5EF4-FFF2-40B4-BE49-F238E27FC236}">
+                  <a16:creationId xmlns:a16="http://schemas.microsoft.com/office/drawing/2014/main" id="{263FFBD6-59CC-6657-9C19-4FCECEAA216A}"/>
+                </a:ext>
+              </a:extLst>
+            </p:cNvPr>
+            <p:cNvPicPr>
+              <a:picLocks noChangeAspect="1"/>
+            </p:cNvPicPr>
+            <p:nvPr/>
+          </p:nvPicPr>
+          <p:blipFill>
+            <a:blip r:embed="rId7">
+              <a:extLst>
+                <a:ext uri="{96DAC541-7B7A-43D3-8B79-37D633B846F1}">
+                  <asvg:svgBlip xmlns:asvg="http://schemas.microsoft.com/office/drawing/2016/SVG/main" r:embed="rId8"/>
+                </a:ext>
+              </a:extLst>
+            </a:blip>
+            <a:stretch>
+              <a:fillRect/>
+            </a:stretch>
+          </p:blipFill>
+          <p:spPr>
+            <a:xfrm>
+              <a:off x="1195387" y="2343150"/>
+              <a:ext cx="914400" cy="914400"/>
+            </a:xfrm>
+            <a:prstGeom prst="rect">
+              <a:avLst/>
+            </a:prstGeom>
+          </p:spPr>
+        </p:pic>
+        <p:pic>
+          <p:nvPicPr>
+            <p:cNvPr id="9" name="グラフィックス 8" descr="ブラウザー ウィンドウ 枠線">
+              <a:extLst>
+                <a:ext uri="{FF2B5EF4-FFF2-40B4-BE49-F238E27FC236}">
+                  <a16:creationId xmlns:a16="http://schemas.microsoft.com/office/drawing/2014/main" id="{0728CD1A-1249-9A53-3102-1356BF1AB92E}"/>
+                </a:ext>
+              </a:extLst>
+            </p:cNvPr>
+            <p:cNvPicPr>
+              <a:picLocks noChangeAspect="1"/>
+            </p:cNvPicPr>
+            <p:nvPr/>
+          </p:nvPicPr>
+          <p:blipFill>
+            <a:blip r:embed="rId9">
+              <a:extLst>
+                <a:ext uri="{96DAC541-7B7A-43D3-8B79-37D633B846F1}">
+                  <asvg:svgBlip xmlns:asvg="http://schemas.microsoft.com/office/drawing/2016/SVG/main" r:embed="rId10"/>
+                </a:ext>
+              </a:extLst>
+            </a:blip>
+            <a:stretch>
+              <a:fillRect/>
+            </a:stretch>
+          </p:blipFill>
+          <p:spPr>
+            <a:xfrm>
+              <a:off x="8615365" y="2356877"/>
+              <a:ext cx="914400" cy="914400"/>
+            </a:xfrm>
+            <a:prstGeom prst="rect">
+              <a:avLst/>
+            </a:prstGeom>
+          </p:spPr>
+        </p:pic>
+        <p:pic>
+          <p:nvPicPr>
+            <p:cNvPr id="11" name="グラフィックス 10" descr="データベース 単色塗りつぶし">
+              <a:extLst>
+                <a:ext uri="{FF2B5EF4-FFF2-40B4-BE49-F238E27FC236}">
+                  <a16:creationId xmlns:a16="http://schemas.microsoft.com/office/drawing/2014/main" id="{55FBCE6C-6F18-68B2-B4F8-2E3E072361C5}"/>
+                </a:ext>
+              </a:extLst>
+            </p:cNvPr>
+            <p:cNvPicPr>
+              <a:picLocks noChangeAspect="1"/>
+            </p:cNvPicPr>
+            <p:nvPr/>
+          </p:nvPicPr>
+          <p:blipFill>
+            <a:blip r:embed="rId11">
+              <a:extLst>
+                <a:ext uri="{96DAC541-7B7A-43D3-8B79-37D633B846F1}">
+                  <asvg:svgBlip xmlns:asvg="http://schemas.microsoft.com/office/drawing/2016/SVG/main" r:embed="rId12"/>
+                </a:ext>
+              </a:extLst>
+            </a:blip>
+            <a:stretch>
+              <a:fillRect/>
+            </a:stretch>
+          </p:blipFill>
+          <p:spPr>
+            <a:xfrm>
+              <a:off x="4862513" y="2343150"/>
+              <a:ext cx="914400" cy="914400"/>
+            </a:xfrm>
+            <a:prstGeom prst="rect">
+              <a:avLst/>
+            </a:prstGeom>
+          </p:spPr>
+        </p:pic>
+        <p:cxnSp>
+          <p:nvCxnSpPr>
+            <p:cNvPr id="29" name="直線矢印コネクタ 28">
+              <a:extLst>
+                <a:ext uri="{FF2B5EF4-FFF2-40B4-BE49-F238E27FC236}">
+                  <a16:creationId xmlns:a16="http://schemas.microsoft.com/office/drawing/2014/main" id="{ECA43345-EA4E-7CC7-1F16-8A5A74FCCFE2}"/>
+                </a:ext>
+              </a:extLst>
+            </p:cNvPr>
+            <p:cNvCxnSpPr>
+              <a:cxnSpLocks/>
+            </p:cNvCxnSpPr>
+            <p:nvPr/>
+          </p:nvCxnSpPr>
+          <p:spPr>
+            <a:xfrm>
+              <a:off x="2109787" y="2782642"/>
+              <a:ext cx="2752726" cy="0"/>
+            </a:xfrm>
+            <a:prstGeom prst="straightConnector1">
+              <a:avLst/>
+            </a:prstGeom>
+            <a:ln>
+              <a:headEnd type="none"/>
+              <a:tailEnd type="triangle"/>
+            </a:ln>
+          </p:spPr>
+          <p:style>
+            <a:lnRef idx="3">
+              <a:schemeClr val="dk1"/>
+            </a:lnRef>
+            <a:fillRef idx="0">
+              <a:schemeClr val="dk1"/>
+            </a:fillRef>
+            <a:effectRef idx="2">
+              <a:schemeClr val="dk1"/>
+            </a:effectRef>
+            <a:fontRef idx="minor">
+              <a:schemeClr val="tx1"/>
+            </a:fontRef>
+          </p:style>
+        </p:cxnSp>
+        <p:sp>
+          <p:nvSpPr>
+            <p:cNvPr id="2" name="テキスト ボックス 1">
+              <a:extLst>
+                <a:ext uri="{FF2B5EF4-FFF2-40B4-BE49-F238E27FC236}">
+                  <a16:creationId xmlns:a16="http://schemas.microsoft.com/office/drawing/2014/main" id="{7AAEE06F-72D8-EAB3-E4FD-EE250BE26940}"/>
+                </a:ext>
+              </a:extLst>
+            </p:cNvPr>
+            <p:cNvSpPr txBox="1"/>
+            <p:nvPr/>
+          </p:nvSpPr>
+          <p:spPr>
+            <a:xfrm>
+              <a:off x="5447763" y="4468969"/>
+              <a:ext cx="184731" cy="369332"/>
+            </a:xfrm>
+            <a:prstGeom prst="rect">
+              <a:avLst/>
+            </a:prstGeom>
+            <a:noFill/>
+          </p:spPr>
+          <p:txBody>
+            <a:bodyPr wrap="none" rtlCol="0">
+              <a:spAutoFit/>
+            </a:bodyPr>
+            <a:lstStyle/>
+            <a:p>
+              <a:endParaRPr kumimoji="1" lang="ja-JP" altLang="en-US"/>
+            </a:p>
+          </p:txBody>
+        </p:sp>
+        <p:grpSp>
+          <p:nvGrpSpPr>
+            <p:cNvPr id="24" name="グループ化 23">
+              <a:extLst>
+                <a:ext uri="{FF2B5EF4-FFF2-40B4-BE49-F238E27FC236}">
+                  <a16:creationId xmlns:a16="http://schemas.microsoft.com/office/drawing/2014/main" id="{9CDA459F-ECBA-1B76-73F5-E078441C432A}"/>
+                </a:ext>
+              </a:extLst>
+            </p:cNvPr>
+            <p:cNvGrpSpPr/>
+            <p:nvPr/>
+          </p:nvGrpSpPr>
+          <p:grpSpPr>
+            <a:xfrm>
+              <a:off x="1934163" y="1839667"/>
+              <a:ext cx="3209926" cy="942977"/>
+              <a:chOff x="2109787" y="1674158"/>
+              <a:chExt cx="3209926" cy="942977"/>
+            </a:xfrm>
+          </p:grpSpPr>
+          <p:sp>
+            <p:nvSpPr>
+              <p:cNvPr id="25" name="円弧 24">
+                <a:extLst>
+                  <a:ext uri="{FF2B5EF4-FFF2-40B4-BE49-F238E27FC236}">
+                    <a16:creationId xmlns:a16="http://schemas.microsoft.com/office/drawing/2014/main" id="{E947C5D1-2398-F720-7BA1-B2A2A5353DB5}"/>
+                  </a:ext>
+                </a:extLst>
+              </p:cNvPr>
+              <p:cNvSpPr/>
+              <p:nvPr/>
+            </p:nvSpPr>
+            <p:spPr>
+              <a:xfrm>
+                <a:off x="2109787" y="1674160"/>
+                <a:ext cx="3209926" cy="942975"/>
+              </a:xfrm>
+              <a:prstGeom prst="arc">
+                <a:avLst/>
+              </a:prstGeom>
+              <a:ln>
+                <a:solidFill>
+                  <a:srgbClr val="FF0000"/>
+                </a:solidFill>
+                <a:tailEnd type="none"/>
+              </a:ln>
+            </p:spPr>
+            <p:style>
+              <a:lnRef idx="3">
+                <a:schemeClr val="accent6"/>
+              </a:lnRef>
+              <a:fillRef idx="0">
+                <a:schemeClr val="accent6"/>
+              </a:fillRef>
+              <a:effectRef idx="2">
+                <a:schemeClr val="accent6"/>
+              </a:effectRef>
+              <a:fontRef idx="minor">
+                <a:schemeClr val="tx1"/>
+              </a:fontRef>
+            </p:style>
+            <p:txBody>
+              <a:bodyPr rtlCol="0" anchor="ctr"/>
+              <a:lstStyle/>
+              <a:p>
+                <a:pPr algn="ctr"/>
+                <a:endParaRPr kumimoji="1" lang="ja-JP" altLang="en-US"/>
+              </a:p>
+            </p:txBody>
+          </p:sp>
+          <p:sp>
+            <p:nvSpPr>
+              <p:cNvPr id="26" name="円弧 25">
+                <a:extLst>
+                  <a:ext uri="{FF2B5EF4-FFF2-40B4-BE49-F238E27FC236}">
+                    <a16:creationId xmlns:a16="http://schemas.microsoft.com/office/drawing/2014/main" id="{041F9C28-F39D-78B9-17D3-0B940088FAC8}"/>
+                  </a:ext>
+                </a:extLst>
+              </p:cNvPr>
+              <p:cNvSpPr/>
+              <p:nvPr/>
+            </p:nvSpPr>
+            <p:spPr>
+              <a:xfrm flipH="1">
+                <a:off x="2109787" y="1674158"/>
+                <a:ext cx="3209926" cy="942975"/>
+              </a:xfrm>
+              <a:prstGeom prst="arc">
+                <a:avLst/>
+              </a:prstGeom>
+              <a:ln>
+                <a:solidFill>
+                  <a:srgbClr val="FF0000"/>
+                </a:solidFill>
+                <a:tailEnd type="triangle"/>
+              </a:ln>
+            </p:spPr>
+            <p:style>
+              <a:lnRef idx="3">
+                <a:schemeClr val="accent6"/>
+              </a:lnRef>
+              <a:fillRef idx="0">
+                <a:schemeClr val="accent6"/>
+              </a:fillRef>
+              <a:effectRef idx="2">
+                <a:schemeClr val="accent6"/>
+              </a:effectRef>
+              <a:fontRef idx="minor">
+                <a:schemeClr val="tx1"/>
+              </a:fontRef>
+            </p:style>
+            <p:txBody>
+              <a:bodyPr rtlCol="0" anchor="ctr"/>
+              <a:lstStyle/>
+              <a:p>
+                <a:pPr algn="ctr"/>
+                <a:endParaRPr kumimoji="1" lang="ja-JP" altLang="en-US"/>
+              </a:p>
+            </p:txBody>
+          </p:sp>
+        </p:grpSp>
+        <p:sp>
+          <p:nvSpPr>
+            <p:cNvPr id="4" name="テキスト ボックス 3">
+              <a:extLst>
+                <a:ext uri="{FF2B5EF4-FFF2-40B4-BE49-F238E27FC236}">
+                  <a16:creationId xmlns:a16="http://schemas.microsoft.com/office/drawing/2014/main" id="{DFB5C993-9F92-D943-3C65-165D217F5915}"/>
+                </a:ext>
+              </a:extLst>
+            </p:cNvPr>
+            <p:cNvSpPr txBox="1"/>
+            <p:nvPr/>
+          </p:nvSpPr>
+          <p:spPr>
+            <a:xfrm>
+              <a:off x="2400578" y="2883206"/>
+              <a:ext cx="2171143" cy="253916"/>
+            </a:xfrm>
+            <a:prstGeom prst="rect">
+              <a:avLst/>
+            </a:prstGeom>
+            <a:noFill/>
+          </p:spPr>
+          <p:txBody>
+            <a:bodyPr wrap="square" rtlCol="0">
+              <a:spAutoFit/>
+            </a:bodyPr>
+            <a:lstStyle/>
+            <a:p>
+              <a:pPr algn="ctr"/>
+              <a:r>
+                <a:rPr lang="ja-JP" altLang="en-US" sz="1050">
+                  <a:latin typeface="Hiragino Kaku Gothic Pro W3" panose="020B0300000000000000" pitchFamily="34" charset="-128"/>
+                  <a:ea typeface="Hiragino Kaku Gothic Pro W3" panose="020B0300000000000000" pitchFamily="34" charset="-128"/>
+                </a:rPr>
+                <a:t>①「申請の取り下げ」を選択</a:t>
+              </a:r>
+              <a:endParaRPr kumimoji="1" lang="ja-JP" altLang="en-US" sz="1050">
+                <a:latin typeface="Hiragino Kaku Gothic Pro W3" panose="020B0300000000000000" pitchFamily="34" charset="-128"/>
+                <a:ea typeface="Hiragino Kaku Gothic Pro W3" panose="020B0300000000000000" pitchFamily="34" charset="-128"/>
+              </a:endParaRPr>
+            </a:p>
+          </p:txBody>
+        </p:sp>
+        <p:sp>
+          <p:nvSpPr>
+            <p:cNvPr id="6" name="テキスト ボックス 5">
+              <a:extLst>
+                <a:ext uri="{FF2B5EF4-FFF2-40B4-BE49-F238E27FC236}">
+                  <a16:creationId xmlns:a16="http://schemas.microsoft.com/office/drawing/2014/main" id="{0A21FAF5-83DC-3641-77F2-7F5370E20A97}"/>
+                </a:ext>
+              </a:extLst>
+            </p:cNvPr>
+            <p:cNvSpPr txBox="1"/>
+            <p:nvPr/>
+          </p:nvSpPr>
+          <p:spPr>
+            <a:xfrm>
+              <a:off x="2618772" y="1476968"/>
+              <a:ext cx="1840707" cy="253916"/>
+            </a:xfrm>
+            <a:prstGeom prst="rect">
+              <a:avLst/>
+            </a:prstGeom>
+            <a:noFill/>
+          </p:spPr>
+          <p:txBody>
+            <a:bodyPr wrap="square" rtlCol="0">
+              <a:spAutoFit/>
+            </a:bodyPr>
+            <a:lstStyle/>
+            <a:p>
+              <a:pPr algn="ctr"/>
+              <a:r>
+                <a:rPr kumimoji="1" lang="ja-JP" altLang="en-US" sz="1050">
+                  <a:latin typeface="Hiragino Kaku Gothic Pro W3" panose="020B0300000000000000" pitchFamily="34" charset="-128"/>
+                  <a:ea typeface="Hiragino Kaku Gothic Pro W3" panose="020B0300000000000000" pitchFamily="34" charset="-128"/>
+                </a:rPr>
+                <a:t>②エラーテキストの表示</a:t>
+              </a:r>
+            </a:p>
+          </p:txBody>
+        </p:sp>
+        <p:cxnSp>
+          <p:nvCxnSpPr>
+            <p:cNvPr id="18" name="直線矢印コネクタ 17">
+              <a:extLst>
+                <a:ext uri="{FF2B5EF4-FFF2-40B4-BE49-F238E27FC236}">
+                  <a16:creationId xmlns:a16="http://schemas.microsoft.com/office/drawing/2014/main" id="{7FCFF439-8522-F54B-0328-083DD699D846}"/>
+                </a:ext>
+              </a:extLst>
+            </p:cNvPr>
+            <p:cNvCxnSpPr>
+              <a:cxnSpLocks/>
+            </p:cNvCxnSpPr>
+            <p:nvPr/>
+          </p:nvCxnSpPr>
+          <p:spPr>
+            <a:xfrm>
+              <a:off x="5776913" y="2782640"/>
+              <a:ext cx="2752726" cy="0"/>
+            </a:xfrm>
+            <a:prstGeom prst="straightConnector1">
+              <a:avLst/>
+            </a:prstGeom>
+            <a:ln>
+              <a:solidFill>
+                <a:srgbClr val="00B050"/>
+              </a:solidFill>
+              <a:headEnd type="none"/>
+              <a:tailEnd type="triangle"/>
+            </a:ln>
+          </p:spPr>
+          <p:style>
+            <a:lnRef idx="3">
+              <a:schemeClr val="accent6"/>
+            </a:lnRef>
+            <a:fillRef idx="0">
+              <a:schemeClr val="accent6"/>
+            </a:fillRef>
+            <a:effectRef idx="2">
+              <a:schemeClr val="accent6"/>
+            </a:effectRef>
+            <a:fontRef idx="minor">
+              <a:schemeClr val="tx1"/>
+            </a:fontRef>
+          </p:style>
+        </p:cxnSp>
+        <p:sp>
+          <p:nvSpPr>
+            <p:cNvPr id="19" name="テキスト ボックス 18">
+              <a:extLst>
+                <a:ext uri="{FF2B5EF4-FFF2-40B4-BE49-F238E27FC236}">
+                  <a16:creationId xmlns:a16="http://schemas.microsoft.com/office/drawing/2014/main" id="{80D5889B-26B5-BD9E-A360-01CB21622CD7}"/>
+                </a:ext>
+              </a:extLst>
+            </p:cNvPr>
+            <p:cNvSpPr txBox="1"/>
+            <p:nvPr/>
+          </p:nvSpPr>
+          <p:spPr>
+            <a:xfrm>
+              <a:off x="6232922" y="2883206"/>
+              <a:ext cx="1840707" cy="415498"/>
+            </a:xfrm>
+            <a:prstGeom prst="rect">
+              <a:avLst/>
+            </a:prstGeom>
+            <a:noFill/>
+          </p:spPr>
+          <p:txBody>
+            <a:bodyPr wrap="square" rtlCol="0">
+              <a:spAutoFit/>
+            </a:bodyPr>
+            <a:lstStyle/>
+            <a:p>
+              <a:pPr algn="ctr"/>
+              <a:r>
+                <a:rPr kumimoji="1" lang="ja-JP" altLang="en-US" sz="1050">
+                  <a:latin typeface="Hiragino Kaku Gothic Pro W3" panose="020B0300000000000000" pitchFamily="34" charset="-128"/>
+                  <a:ea typeface="Hiragino Kaku Gothic Pro W3" panose="020B0300000000000000" pitchFamily="34" charset="-128"/>
+                </a:rPr>
+                <a:t>②マイページ上で</a:t>
+              </a:r>
+              <a:endParaRPr kumimoji="1" lang="en-US" altLang="ja-JP" sz="1050" dirty="0">
+                <a:latin typeface="Hiragino Kaku Gothic Pro W3" panose="020B0300000000000000" pitchFamily="34" charset="-128"/>
+                <a:ea typeface="Hiragino Kaku Gothic Pro W3" panose="020B0300000000000000" pitchFamily="34" charset="-128"/>
+              </a:endParaRPr>
+            </a:p>
+            <a:p>
+              <a:pPr algn="ctr"/>
+              <a:r>
+                <a:rPr lang="ja-JP" altLang="en-US" sz="1050">
+                  <a:latin typeface="Hiragino Kaku Gothic Pro W3" panose="020B0300000000000000" pitchFamily="34" charset="-128"/>
+                  <a:ea typeface="Hiragino Kaku Gothic Pro W3" panose="020B0300000000000000" pitchFamily="34" charset="-128"/>
+                </a:rPr>
+                <a:t>申請一覧から消える</a:t>
+              </a:r>
+              <a:endParaRPr kumimoji="1" lang="ja-JP" altLang="en-US" sz="1050">
+                <a:latin typeface="Hiragino Kaku Gothic Pro W3" panose="020B0300000000000000" pitchFamily="34" charset="-128"/>
+                <a:ea typeface="Hiragino Kaku Gothic Pro W3" panose="020B0300000000000000" pitchFamily="34" charset="-128"/>
+              </a:endParaRPr>
+            </a:p>
+          </p:txBody>
+        </p:sp>
+        <p:grpSp>
+          <p:nvGrpSpPr>
+            <p:cNvPr id="20" name="グループ化 19">
+              <a:extLst>
+                <a:ext uri="{FF2B5EF4-FFF2-40B4-BE49-F238E27FC236}">
+                  <a16:creationId xmlns:a16="http://schemas.microsoft.com/office/drawing/2014/main" id="{D8E97B1B-BD8F-49A8-BBE1-D96810E4D8B7}"/>
+                </a:ext>
+              </a:extLst>
+            </p:cNvPr>
+            <p:cNvGrpSpPr/>
+            <p:nvPr/>
+          </p:nvGrpSpPr>
+          <p:grpSpPr>
+            <a:xfrm rot="10800000">
+              <a:off x="1881187" y="2827215"/>
+              <a:ext cx="3209926" cy="942977"/>
+              <a:chOff x="2109787" y="1674158"/>
+              <a:chExt cx="3209926" cy="942977"/>
+            </a:xfrm>
+          </p:grpSpPr>
+          <p:sp>
+            <p:nvSpPr>
+              <p:cNvPr id="21" name="円弧 20">
+                <a:extLst>
+                  <a:ext uri="{FF2B5EF4-FFF2-40B4-BE49-F238E27FC236}">
+                    <a16:creationId xmlns:a16="http://schemas.microsoft.com/office/drawing/2014/main" id="{3C0B4C9C-A95E-C18E-8FBA-550018E8860A}"/>
+                  </a:ext>
+                </a:extLst>
+              </p:cNvPr>
+              <p:cNvSpPr/>
+              <p:nvPr/>
+            </p:nvSpPr>
+            <p:spPr>
+              <a:xfrm>
+                <a:off x="2109787" y="1674160"/>
+                <a:ext cx="3209926" cy="942975"/>
+              </a:xfrm>
+              <a:prstGeom prst="arc">
+                <a:avLst/>
+              </a:prstGeom>
+              <a:ln>
+                <a:solidFill>
+                  <a:srgbClr val="00B050"/>
+                </a:solidFill>
+                <a:tailEnd type="triangle"/>
+              </a:ln>
+            </p:spPr>
+            <p:style>
+              <a:lnRef idx="3">
+                <a:schemeClr val="accent6"/>
+              </a:lnRef>
+              <a:fillRef idx="0">
+                <a:schemeClr val="accent6"/>
+              </a:fillRef>
+              <a:effectRef idx="2">
+                <a:schemeClr val="accent6"/>
+              </a:effectRef>
+              <a:fontRef idx="minor">
+                <a:schemeClr val="tx1"/>
+              </a:fontRef>
+            </p:style>
+            <p:txBody>
+              <a:bodyPr rtlCol="0" anchor="ctr"/>
+              <a:lstStyle/>
+              <a:p>
+                <a:pPr algn="ctr"/>
+                <a:endParaRPr kumimoji="1" lang="ja-JP" altLang="en-US"/>
+              </a:p>
+            </p:txBody>
+          </p:sp>
+          <p:sp>
+            <p:nvSpPr>
+              <p:cNvPr id="22" name="円弧 21">
+                <a:extLst>
+                  <a:ext uri="{FF2B5EF4-FFF2-40B4-BE49-F238E27FC236}">
+                    <a16:creationId xmlns:a16="http://schemas.microsoft.com/office/drawing/2014/main" id="{81C50407-C892-2624-2AE6-0744248BD80D}"/>
+                  </a:ext>
+                </a:extLst>
+              </p:cNvPr>
+              <p:cNvSpPr/>
+              <p:nvPr/>
+            </p:nvSpPr>
+            <p:spPr>
+              <a:xfrm flipH="1">
+                <a:off x="2109787" y="1674158"/>
+                <a:ext cx="3209926" cy="942975"/>
+              </a:xfrm>
+              <a:prstGeom prst="arc">
+                <a:avLst/>
+              </a:prstGeom>
+              <a:ln>
+                <a:solidFill>
+                  <a:srgbClr val="00B050"/>
+                </a:solidFill>
+                <a:tailEnd type="none"/>
+              </a:ln>
+            </p:spPr>
+            <p:style>
+              <a:lnRef idx="3">
+                <a:schemeClr val="accent6"/>
+              </a:lnRef>
+              <a:fillRef idx="0">
+                <a:schemeClr val="accent6"/>
+              </a:fillRef>
+              <a:effectRef idx="2">
+                <a:schemeClr val="accent6"/>
+              </a:effectRef>
+              <a:fontRef idx="minor">
+                <a:schemeClr val="tx1"/>
+              </a:fontRef>
+            </p:style>
+            <p:txBody>
+              <a:bodyPr rtlCol="0" anchor="ctr"/>
+              <a:lstStyle/>
+              <a:p>
+                <a:pPr algn="ctr"/>
+                <a:endParaRPr kumimoji="1" lang="ja-JP" altLang="en-US"/>
+              </a:p>
+            </p:txBody>
+          </p:sp>
+        </p:grpSp>
+        <p:sp>
+          <p:nvSpPr>
+            <p:cNvPr id="23" name="テキスト ボックス 22">
+              <a:extLst>
+                <a:ext uri="{FF2B5EF4-FFF2-40B4-BE49-F238E27FC236}">
+                  <a16:creationId xmlns:a16="http://schemas.microsoft.com/office/drawing/2014/main" id="{727A9465-EB76-4695-CA0A-E6A7556A0F6B}"/>
+                </a:ext>
+              </a:extLst>
+            </p:cNvPr>
+            <p:cNvSpPr txBox="1"/>
+            <p:nvPr/>
+          </p:nvSpPr>
+          <p:spPr>
+            <a:xfrm>
+              <a:off x="2618772" y="3878976"/>
+              <a:ext cx="1840707" cy="415498"/>
+            </a:xfrm>
+            <a:prstGeom prst="rect">
+              <a:avLst/>
+            </a:prstGeom>
+            <a:noFill/>
+          </p:spPr>
+          <p:txBody>
+            <a:bodyPr wrap="square" rtlCol="0">
+              <a:spAutoFit/>
+            </a:bodyPr>
+            <a:lstStyle/>
+            <a:p>
+              <a:pPr algn="ctr"/>
+              <a:r>
+                <a:rPr kumimoji="1" lang="ja-JP" altLang="en-US" sz="1050">
+                  <a:latin typeface="Hiragino Kaku Gothic Pro W3" panose="020B0300000000000000" pitchFamily="34" charset="-128"/>
+                  <a:ea typeface="Hiragino Kaku Gothic Pro W3" panose="020B0300000000000000" pitchFamily="34" charset="-128"/>
+                </a:rPr>
+                <a:t>②マイページ上で</a:t>
+              </a:r>
+              <a:endParaRPr kumimoji="1" lang="en-US" altLang="ja-JP" sz="1050" dirty="0">
+                <a:latin typeface="Hiragino Kaku Gothic Pro W3" panose="020B0300000000000000" pitchFamily="34" charset="-128"/>
+                <a:ea typeface="Hiragino Kaku Gothic Pro W3" panose="020B0300000000000000" pitchFamily="34" charset="-128"/>
+              </a:endParaRPr>
+            </a:p>
+            <a:p>
+              <a:pPr algn="ctr"/>
+              <a:r>
+                <a:rPr lang="ja-JP" altLang="en-US" sz="1050">
+                  <a:latin typeface="Hiragino Kaku Gothic Pro W3" panose="020B0300000000000000" pitchFamily="34" charset="-128"/>
+                  <a:ea typeface="Hiragino Kaku Gothic Pro W3" panose="020B0300000000000000" pitchFamily="34" charset="-128"/>
+                </a:rPr>
+                <a:t>申請中ユーザーが消える</a:t>
+              </a:r>
+              <a:endParaRPr kumimoji="1" lang="ja-JP" altLang="en-US" sz="1050">
+                <a:latin typeface="Hiragino Kaku Gothic Pro W3" panose="020B0300000000000000" pitchFamily="34" charset="-128"/>
+                <a:ea typeface="Hiragino Kaku Gothic Pro W3" panose="020B0300000000000000" pitchFamily="34" charset="-128"/>
+              </a:endParaRPr>
+            </a:p>
+          </p:txBody>
+        </p:sp>
+      </p:grpSp>
+    </p:spTree>
+    <p:extLst>
+      <p:ext uri="{BB962C8B-B14F-4D97-AF65-F5344CB8AC3E}">
+        <p14:creationId xmlns:p14="http://schemas.microsoft.com/office/powerpoint/2010/main" val="1805646314"/>
+      </p:ext>
+    </p:extLst>
+  </p:cSld>
+  <p:clrMapOvr>
+    <a:masterClrMapping/>
+  </p:clrMapOvr>
+</p:sld>
+</file>
+
+<file path=ppt/slides/slide9.xml><?xml version="1.0" encoding="utf-8"?>
 <p:sld xmlns:a="http://schemas.openxmlformats.org/drawingml/2006/main" xmlns:r="http://schemas.openxmlformats.org/officeDocument/2006/relationships" xmlns:p="http://schemas.openxmlformats.org/presentationml/2006/main">
   <p:cSld>
     <p:spTree>
@@ -14564,712 +16160,6 @@
 </p:sld>
 </file>
 
-<file path=ppt/slides/slide9.xml><?xml version="1.0" encoding="utf-8"?>
-<p:sld xmlns:a="http://schemas.openxmlformats.org/drawingml/2006/main" xmlns:r="http://schemas.openxmlformats.org/officeDocument/2006/relationships" xmlns:p="http://schemas.openxmlformats.org/presentationml/2006/main">
-  <p:cSld>
-    <p:spTree>
-      <p:nvGrpSpPr>
-        <p:cNvPr id="1" name=""/>
-        <p:cNvGrpSpPr/>
-        <p:nvPr/>
-      </p:nvGrpSpPr>
-      <p:grpSpPr>
-        <a:xfrm>
-          <a:off x="0" y="0"/>
-          <a:ext cx="0" cy="0"/>
-          <a:chOff x="0" y="0"/>
-          <a:chExt cx="0" cy="0"/>
-        </a:xfrm>
-      </p:grpSpPr>
-      <p:grpSp>
-        <p:nvGrpSpPr>
-          <p:cNvPr id="12" name="グループ化 11">
-            <a:extLst>
-              <a:ext uri="{FF2B5EF4-FFF2-40B4-BE49-F238E27FC236}">
-                <a16:creationId xmlns:a16="http://schemas.microsoft.com/office/drawing/2014/main" id="{8E57284D-42AB-F289-2C0B-C0DE053DEAD6}"/>
-              </a:ext>
-            </a:extLst>
-          </p:cNvPr>
-          <p:cNvGrpSpPr/>
-          <p:nvPr/>
-        </p:nvGrpSpPr>
-        <p:grpSpPr>
-          <a:xfrm>
-            <a:off x="280987" y="1160274"/>
-            <a:ext cx="10163178" cy="3678027"/>
-            <a:chOff x="280987" y="1160274"/>
-            <a:chExt cx="10163178" cy="3678027"/>
-          </a:xfrm>
-        </p:grpSpPr>
-        <p:pic>
-          <p:nvPicPr>
-            <p:cNvPr id="3" name="グラフィックス 2" descr="男性 単色塗りつぶし">
-              <a:extLst>
-                <a:ext uri="{FF2B5EF4-FFF2-40B4-BE49-F238E27FC236}">
-                  <a16:creationId xmlns:a16="http://schemas.microsoft.com/office/drawing/2014/main" id="{76F48CA8-6117-4540-19B2-9A088205FDAE}"/>
-                </a:ext>
-              </a:extLst>
-            </p:cNvPr>
-            <p:cNvPicPr>
-              <a:picLocks noChangeAspect="1"/>
-            </p:cNvPicPr>
-            <p:nvPr/>
-          </p:nvPicPr>
-          <p:blipFill>
-            <a:blip r:embed="rId3">
-              <a:extLst>
-                <a:ext uri="{96DAC541-7B7A-43D3-8B79-37D633B846F1}">
-                  <asvg:svgBlip xmlns:asvg="http://schemas.microsoft.com/office/drawing/2016/SVG/main" r:embed="rId4"/>
-                </a:ext>
-              </a:extLst>
-            </a:blip>
-            <a:stretch>
-              <a:fillRect/>
-            </a:stretch>
-          </p:blipFill>
-          <p:spPr>
-            <a:xfrm>
-              <a:off x="280987" y="2343150"/>
-              <a:ext cx="914400" cy="914400"/>
-            </a:xfrm>
-            <a:prstGeom prst="rect">
-              <a:avLst/>
-            </a:prstGeom>
-          </p:spPr>
-        </p:pic>
-        <p:pic>
-          <p:nvPicPr>
-            <p:cNvPr id="5" name="グラフィックス 4" descr="男性 枠線">
-              <a:extLst>
-                <a:ext uri="{FF2B5EF4-FFF2-40B4-BE49-F238E27FC236}">
-                  <a16:creationId xmlns:a16="http://schemas.microsoft.com/office/drawing/2014/main" id="{FE3F6413-278B-E8F0-2D3D-231C894610EC}"/>
-                </a:ext>
-              </a:extLst>
-            </p:cNvPr>
-            <p:cNvPicPr>
-              <a:picLocks noChangeAspect="1"/>
-            </p:cNvPicPr>
-            <p:nvPr/>
-          </p:nvPicPr>
-          <p:blipFill>
-            <a:blip r:embed="rId5">
-              <a:extLst>
-                <a:ext uri="{96DAC541-7B7A-43D3-8B79-37D633B846F1}">
-                  <asvg:svgBlip xmlns:asvg="http://schemas.microsoft.com/office/drawing/2016/SVG/main" r:embed="rId6"/>
-                </a:ext>
-              </a:extLst>
-            </a:blip>
-            <a:stretch>
-              <a:fillRect/>
-            </a:stretch>
-          </p:blipFill>
-          <p:spPr>
-            <a:xfrm>
-              <a:off x="9529765" y="2343150"/>
-              <a:ext cx="914400" cy="914400"/>
-            </a:xfrm>
-            <a:prstGeom prst="rect">
-              <a:avLst/>
-            </a:prstGeom>
-          </p:spPr>
-        </p:pic>
-        <p:pic>
-          <p:nvPicPr>
-            <p:cNvPr id="7" name="グラフィックス 6" descr="ブラウザー ウィンドウ 単色塗りつぶし">
-              <a:extLst>
-                <a:ext uri="{FF2B5EF4-FFF2-40B4-BE49-F238E27FC236}">
-                  <a16:creationId xmlns:a16="http://schemas.microsoft.com/office/drawing/2014/main" id="{263FFBD6-59CC-6657-9C19-4FCECEAA216A}"/>
-                </a:ext>
-              </a:extLst>
-            </p:cNvPr>
-            <p:cNvPicPr>
-              <a:picLocks noChangeAspect="1"/>
-            </p:cNvPicPr>
-            <p:nvPr/>
-          </p:nvPicPr>
-          <p:blipFill>
-            <a:blip r:embed="rId7">
-              <a:extLst>
-                <a:ext uri="{96DAC541-7B7A-43D3-8B79-37D633B846F1}">
-                  <asvg:svgBlip xmlns:asvg="http://schemas.microsoft.com/office/drawing/2016/SVG/main" r:embed="rId8"/>
-                </a:ext>
-              </a:extLst>
-            </a:blip>
-            <a:stretch>
-              <a:fillRect/>
-            </a:stretch>
-          </p:blipFill>
-          <p:spPr>
-            <a:xfrm>
-              <a:off x="1195387" y="2343150"/>
-              <a:ext cx="914400" cy="914400"/>
-            </a:xfrm>
-            <a:prstGeom prst="rect">
-              <a:avLst/>
-            </a:prstGeom>
-          </p:spPr>
-        </p:pic>
-        <p:pic>
-          <p:nvPicPr>
-            <p:cNvPr id="9" name="グラフィックス 8" descr="ブラウザー ウィンドウ 枠線">
-              <a:extLst>
-                <a:ext uri="{FF2B5EF4-FFF2-40B4-BE49-F238E27FC236}">
-                  <a16:creationId xmlns:a16="http://schemas.microsoft.com/office/drawing/2014/main" id="{0728CD1A-1249-9A53-3102-1356BF1AB92E}"/>
-                </a:ext>
-              </a:extLst>
-            </p:cNvPr>
-            <p:cNvPicPr>
-              <a:picLocks noChangeAspect="1"/>
-            </p:cNvPicPr>
-            <p:nvPr/>
-          </p:nvPicPr>
-          <p:blipFill>
-            <a:blip r:embed="rId9">
-              <a:extLst>
-                <a:ext uri="{96DAC541-7B7A-43D3-8B79-37D633B846F1}">
-                  <asvg:svgBlip xmlns:asvg="http://schemas.microsoft.com/office/drawing/2016/SVG/main" r:embed="rId10"/>
-                </a:ext>
-              </a:extLst>
-            </a:blip>
-            <a:stretch>
-              <a:fillRect/>
-            </a:stretch>
-          </p:blipFill>
-          <p:spPr>
-            <a:xfrm>
-              <a:off x="8615365" y="2356877"/>
-              <a:ext cx="914400" cy="914400"/>
-            </a:xfrm>
-            <a:prstGeom prst="rect">
-              <a:avLst/>
-            </a:prstGeom>
-          </p:spPr>
-        </p:pic>
-        <p:pic>
-          <p:nvPicPr>
-            <p:cNvPr id="11" name="グラフィックス 10" descr="データベース 単色塗りつぶし">
-              <a:extLst>
-                <a:ext uri="{FF2B5EF4-FFF2-40B4-BE49-F238E27FC236}">
-                  <a16:creationId xmlns:a16="http://schemas.microsoft.com/office/drawing/2014/main" id="{55FBCE6C-6F18-68B2-B4F8-2E3E072361C5}"/>
-                </a:ext>
-              </a:extLst>
-            </p:cNvPr>
-            <p:cNvPicPr>
-              <a:picLocks noChangeAspect="1"/>
-            </p:cNvPicPr>
-            <p:nvPr/>
-          </p:nvPicPr>
-          <p:blipFill>
-            <a:blip r:embed="rId11">
-              <a:extLst>
-                <a:ext uri="{96DAC541-7B7A-43D3-8B79-37D633B846F1}">
-                  <asvg:svgBlip xmlns:asvg="http://schemas.microsoft.com/office/drawing/2016/SVG/main" r:embed="rId12"/>
-                </a:ext>
-              </a:extLst>
-            </a:blip>
-            <a:stretch>
-              <a:fillRect/>
-            </a:stretch>
-          </p:blipFill>
-          <p:spPr>
-            <a:xfrm>
-              <a:off x="4862513" y="2343150"/>
-              <a:ext cx="914400" cy="914400"/>
-            </a:xfrm>
-            <a:prstGeom prst="rect">
-              <a:avLst/>
-            </a:prstGeom>
-          </p:spPr>
-        </p:pic>
-        <p:cxnSp>
-          <p:nvCxnSpPr>
-            <p:cNvPr id="29" name="直線矢印コネクタ 28">
-              <a:extLst>
-                <a:ext uri="{FF2B5EF4-FFF2-40B4-BE49-F238E27FC236}">
-                  <a16:creationId xmlns:a16="http://schemas.microsoft.com/office/drawing/2014/main" id="{ECA43345-EA4E-7CC7-1F16-8A5A74FCCFE2}"/>
-                </a:ext>
-              </a:extLst>
-            </p:cNvPr>
-            <p:cNvCxnSpPr>
-              <a:cxnSpLocks/>
-            </p:cNvCxnSpPr>
-            <p:nvPr/>
-          </p:nvCxnSpPr>
-          <p:spPr>
-            <a:xfrm>
-              <a:off x="5776912" y="2800350"/>
-              <a:ext cx="2752726" cy="0"/>
-            </a:xfrm>
-            <a:prstGeom prst="straightConnector1">
-              <a:avLst/>
-            </a:prstGeom>
-            <a:ln>
-              <a:headEnd type="none"/>
-              <a:tailEnd type="triangle"/>
-            </a:ln>
-          </p:spPr>
-          <p:style>
-            <a:lnRef idx="3">
-              <a:schemeClr val="dk1"/>
-            </a:lnRef>
-            <a:fillRef idx="0">
-              <a:schemeClr val="dk1"/>
-            </a:fillRef>
-            <a:effectRef idx="2">
-              <a:schemeClr val="dk1"/>
-            </a:effectRef>
-            <a:fontRef idx="minor">
-              <a:schemeClr val="tx1"/>
-            </a:fontRef>
-          </p:style>
-        </p:cxnSp>
-        <p:sp>
-          <p:nvSpPr>
-            <p:cNvPr id="30" name="テキスト ボックス 29">
-              <a:extLst>
-                <a:ext uri="{FF2B5EF4-FFF2-40B4-BE49-F238E27FC236}">
-                  <a16:creationId xmlns:a16="http://schemas.microsoft.com/office/drawing/2014/main" id="{7E093D86-CD9E-1C16-697F-9621AD15FABD}"/>
-                </a:ext>
-              </a:extLst>
-            </p:cNvPr>
-            <p:cNvSpPr txBox="1"/>
-            <p:nvPr/>
-          </p:nvSpPr>
-          <p:spPr>
-            <a:xfrm>
-              <a:off x="6232921" y="2884956"/>
-              <a:ext cx="1840707" cy="577081"/>
-            </a:xfrm>
-            <a:prstGeom prst="rect">
-              <a:avLst/>
-            </a:prstGeom>
-            <a:noFill/>
-          </p:spPr>
-          <p:txBody>
-            <a:bodyPr wrap="square" rtlCol="0">
-              <a:spAutoFit/>
-            </a:bodyPr>
-            <a:lstStyle/>
-            <a:p>
-              <a:pPr algn="ctr"/>
-              <a:r>
-                <a:rPr kumimoji="1" lang="ja-JP" altLang="en-US" sz="1050">
-                  <a:latin typeface="Hiragino Kaku Gothic Pro W3" panose="020B0300000000000000" pitchFamily="34" charset="-128"/>
-                  <a:ea typeface="Hiragino Kaku Gothic Pro W3" panose="020B0300000000000000" pitchFamily="34" charset="-128"/>
-                </a:rPr>
-                <a:t>②マイページ上で</a:t>
-              </a:r>
-              <a:endParaRPr kumimoji="1" lang="en-US" altLang="ja-JP" sz="1050" dirty="0">
-                <a:latin typeface="Hiragino Kaku Gothic Pro W3" panose="020B0300000000000000" pitchFamily="34" charset="-128"/>
-                <a:ea typeface="Hiragino Kaku Gothic Pro W3" panose="020B0300000000000000" pitchFamily="34" charset="-128"/>
-              </a:endParaRPr>
-            </a:p>
-            <a:p>
-              <a:pPr algn="ctr"/>
-              <a:r>
-                <a:rPr lang="ja-JP" altLang="en-US" sz="1050">
-                  <a:latin typeface="Hiragino Kaku Gothic Pro W3" panose="020B0300000000000000" pitchFamily="34" charset="-128"/>
-                  <a:ea typeface="Hiragino Kaku Gothic Pro W3" panose="020B0300000000000000" pitchFamily="34" charset="-128"/>
-                </a:rPr>
-                <a:t>パートナーが消える</a:t>
-              </a:r>
-              <a:endParaRPr lang="en-US" altLang="ja-JP" sz="1050" dirty="0">
-                <a:latin typeface="Hiragino Kaku Gothic Pro W3" panose="020B0300000000000000" pitchFamily="34" charset="-128"/>
-                <a:ea typeface="Hiragino Kaku Gothic Pro W3" panose="020B0300000000000000" pitchFamily="34" charset="-128"/>
-              </a:endParaRPr>
-            </a:p>
-            <a:p>
-              <a:pPr algn="ctr"/>
-              <a:r>
-                <a:rPr kumimoji="1" lang="ja-JP" altLang="en-US" sz="1050">
-                  <a:latin typeface="Hiragino Kaku Gothic Pro W3" panose="020B0300000000000000" pitchFamily="34" charset="-128"/>
-                  <a:ea typeface="Hiragino Kaku Gothic Pro W3" panose="020B0300000000000000" pitchFamily="34" charset="-128"/>
-                </a:rPr>
-                <a:t>（登録フォームを表示）</a:t>
-              </a:r>
-            </a:p>
-          </p:txBody>
-        </p:sp>
-        <p:sp>
-          <p:nvSpPr>
-            <p:cNvPr id="2" name="テキスト ボックス 1">
-              <a:extLst>
-                <a:ext uri="{FF2B5EF4-FFF2-40B4-BE49-F238E27FC236}">
-                  <a16:creationId xmlns:a16="http://schemas.microsoft.com/office/drawing/2014/main" id="{7AAEE06F-72D8-EAB3-E4FD-EE250BE26940}"/>
-                </a:ext>
-              </a:extLst>
-            </p:cNvPr>
-            <p:cNvSpPr txBox="1"/>
-            <p:nvPr/>
-          </p:nvSpPr>
-          <p:spPr>
-            <a:xfrm>
-              <a:off x="5447763" y="4468969"/>
-              <a:ext cx="184731" cy="369332"/>
-            </a:xfrm>
-            <a:prstGeom prst="rect">
-              <a:avLst/>
-            </a:prstGeom>
-            <a:noFill/>
-          </p:spPr>
-          <p:txBody>
-            <a:bodyPr wrap="none" rtlCol="0">
-              <a:spAutoFit/>
-            </a:bodyPr>
-            <a:lstStyle/>
-            <a:p>
-              <a:endParaRPr kumimoji="1" lang="ja-JP" altLang="en-US"/>
-            </a:p>
-          </p:txBody>
-        </p:sp>
-        <p:grpSp>
-          <p:nvGrpSpPr>
-            <p:cNvPr id="24" name="グループ化 23">
-              <a:extLst>
-                <a:ext uri="{FF2B5EF4-FFF2-40B4-BE49-F238E27FC236}">
-                  <a16:creationId xmlns:a16="http://schemas.microsoft.com/office/drawing/2014/main" id="{9CDA459F-ECBA-1B76-73F5-E078441C432A}"/>
-                </a:ext>
-              </a:extLst>
-            </p:cNvPr>
-            <p:cNvGrpSpPr/>
-            <p:nvPr/>
-          </p:nvGrpSpPr>
-          <p:grpSpPr>
-            <a:xfrm>
-              <a:off x="1934163" y="1839667"/>
-              <a:ext cx="3209926" cy="942977"/>
-              <a:chOff x="2109787" y="1674158"/>
-              <a:chExt cx="3209926" cy="942977"/>
-            </a:xfrm>
-          </p:grpSpPr>
-          <p:sp>
-            <p:nvSpPr>
-              <p:cNvPr id="25" name="円弧 24">
-                <a:extLst>
-                  <a:ext uri="{FF2B5EF4-FFF2-40B4-BE49-F238E27FC236}">
-                    <a16:creationId xmlns:a16="http://schemas.microsoft.com/office/drawing/2014/main" id="{E947C5D1-2398-F720-7BA1-B2A2A5353DB5}"/>
-                  </a:ext>
-                </a:extLst>
-              </p:cNvPr>
-              <p:cNvSpPr/>
-              <p:nvPr/>
-            </p:nvSpPr>
-            <p:spPr>
-              <a:xfrm>
-                <a:off x="2109787" y="1674160"/>
-                <a:ext cx="3209926" cy="942975"/>
-              </a:xfrm>
-              <a:prstGeom prst="arc">
-                <a:avLst/>
-              </a:prstGeom>
-              <a:ln>
-                <a:tailEnd type="none"/>
-              </a:ln>
-            </p:spPr>
-            <p:style>
-              <a:lnRef idx="3">
-                <a:schemeClr val="dk1"/>
-              </a:lnRef>
-              <a:fillRef idx="0">
-                <a:schemeClr val="dk1"/>
-              </a:fillRef>
-              <a:effectRef idx="2">
-                <a:schemeClr val="dk1"/>
-              </a:effectRef>
-              <a:fontRef idx="minor">
-                <a:schemeClr val="tx1"/>
-              </a:fontRef>
-            </p:style>
-            <p:txBody>
-              <a:bodyPr rtlCol="0" anchor="ctr"/>
-              <a:lstStyle/>
-              <a:p>
-                <a:pPr algn="ctr"/>
-                <a:endParaRPr kumimoji="1" lang="ja-JP" altLang="en-US"/>
-              </a:p>
-            </p:txBody>
-          </p:sp>
-          <p:sp>
-            <p:nvSpPr>
-              <p:cNvPr id="26" name="円弧 25">
-                <a:extLst>
-                  <a:ext uri="{FF2B5EF4-FFF2-40B4-BE49-F238E27FC236}">
-                    <a16:creationId xmlns:a16="http://schemas.microsoft.com/office/drawing/2014/main" id="{041F9C28-F39D-78B9-17D3-0B940088FAC8}"/>
-                  </a:ext>
-                </a:extLst>
-              </p:cNvPr>
-              <p:cNvSpPr/>
-              <p:nvPr/>
-            </p:nvSpPr>
-            <p:spPr>
-              <a:xfrm flipH="1">
-                <a:off x="2109787" y="1674158"/>
-                <a:ext cx="3209926" cy="942975"/>
-              </a:xfrm>
-              <a:prstGeom prst="arc">
-                <a:avLst/>
-              </a:prstGeom>
-              <a:ln>
-                <a:tailEnd type="triangle"/>
-              </a:ln>
-            </p:spPr>
-            <p:style>
-              <a:lnRef idx="3">
-                <a:schemeClr val="dk1"/>
-              </a:lnRef>
-              <a:fillRef idx="0">
-                <a:schemeClr val="dk1"/>
-              </a:fillRef>
-              <a:effectRef idx="2">
-                <a:schemeClr val="dk1"/>
-              </a:effectRef>
-              <a:fontRef idx="minor">
-                <a:schemeClr val="tx1"/>
-              </a:fontRef>
-            </p:style>
-            <p:txBody>
-              <a:bodyPr rtlCol="0" anchor="ctr"/>
-              <a:lstStyle/>
-              <a:p>
-                <a:pPr algn="ctr"/>
-                <a:endParaRPr kumimoji="1" lang="ja-JP" altLang="en-US"/>
-              </a:p>
-            </p:txBody>
-          </p:sp>
-        </p:grpSp>
-        <p:grpSp>
-          <p:nvGrpSpPr>
-            <p:cNvPr id="28" name="グループ化 27">
-              <a:extLst>
-                <a:ext uri="{FF2B5EF4-FFF2-40B4-BE49-F238E27FC236}">
-                  <a16:creationId xmlns:a16="http://schemas.microsoft.com/office/drawing/2014/main" id="{A8D0809A-7473-3016-6E1B-27CEC0BCAE12}"/>
-                </a:ext>
-              </a:extLst>
-            </p:cNvPr>
-            <p:cNvGrpSpPr/>
-            <p:nvPr/>
-          </p:nvGrpSpPr>
-          <p:grpSpPr>
-            <a:xfrm rot="10800000">
-              <a:off x="1934163" y="2884956"/>
-              <a:ext cx="3209926" cy="942977"/>
-              <a:chOff x="2109787" y="1628773"/>
-              <a:chExt cx="3209926" cy="942977"/>
-            </a:xfrm>
-          </p:grpSpPr>
-          <p:sp>
-            <p:nvSpPr>
-              <p:cNvPr id="31" name="円弧 30">
-                <a:extLst>
-                  <a:ext uri="{FF2B5EF4-FFF2-40B4-BE49-F238E27FC236}">
-                    <a16:creationId xmlns:a16="http://schemas.microsoft.com/office/drawing/2014/main" id="{E2C8D7D3-0842-5D94-2379-351ECCB52473}"/>
-                  </a:ext>
-                </a:extLst>
-              </p:cNvPr>
-              <p:cNvSpPr/>
-              <p:nvPr/>
-            </p:nvSpPr>
-            <p:spPr>
-              <a:xfrm>
-                <a:off x="2109787" y="1628775"/>
-                <a:ext cx="3209926" cy="942975"/>
-              </a:xfrm>
-              <a:prstGeom prst="arc">
-                <a:avLst/>
-              </a:prstGeom>
-              <a:ln/>
-            </p:spPr>
-            <p:style>
-              <a:lnRef idx="3">
-                <a:schemeClr val="dk1"/>
-              </a:lnRef>
-              <a:fillRef idx="0">
-                <a:schemeClr val="dk1"/>
-              </a:fillRef>
-              <a:effectRef idx="2">
-                <a:schemeClr val="dk1"/>
-              </a:effectRef>
-              <a:fontRef idx="minor">
-                <a:schemeClr val="tx1"/>
-              </a:fontRef>
-            </p:style>
-            <p:txBody>
-              <a:bodyPr rtlCol="0" anchor="ctr"/>
-              <a:lstStyle/>
-              <a:p>
-                <a:pPr algn="ctr"/>
-                <a:endParaRPr kumimoji="1" lang="ja-JP" altLang="en-US"/>
-              </a:p>
-            </p:txBody>
-          </p:sp>
-          <p:sp>
-            <p:nvSpPr>
-              <p:cNvPr id="32" name="円弧 31">
-                <a:extLst>
-                  <a:ext uri="{FF2B5EF4-FFF2-40B4-BE49-F238E27FC236}">
-                    <a16:creationId xmlns:a16="http://schemas.microsoft.com/office/drawing/2014/main" id="{DB9D750D-5B2D-F163-6D3D-8B933F0A7FB3}"/>
-                  </a:ext>
-                </a:extLst>
-              </p:cNvPr>
-              <p:cNvSpPr/>
-              <p:nvPr/>
-            </p:nvSpPr>
-            <p:spPr>
-              <a:xfrm flipH="1">
-                <a:off x="2109787" y="1628773"/>
-                <a:ext cx="3209926" cy="942975"/>
-              </a:xfrm>
-              <a:prstGeom prst="arc">
-                <a:avLst/>
-              </a:prstGeom>
-              <a:ln>
-                <a:tailEnd type="triangle"/>
-              </a:ln>
-            </p:spPr>
-            <p:style>
-              <a:lnRef idx="3">
-                <a:schemeClr val="dk1"/>
-              </a:lnRef>
-              <a:fillRef idx="0">
-                <a:schemeClr val="dk1"/>
-              </a:fillRef>
-              <a:effectRef idx="2">
-                <a:schemeClr val="dk1"/>
-              </a:effectRef>
-              <a:fontRef idx="minor">
-                <a:schemeClr val="tx1"/>
-              </a:fontRef>
-            </p:style>
-            <p:txBody>
-              <a:bodyPr rtlCol="0" anchor="ctr"/>
-              <a:lstStyle/>
-              <a:p>
-                <a:pPr algn="ctr"/>
-                <a:endParaRPr kumimoji="1" lang="ja-JP" altLang="en-US"/>
-              </a:p>
-            </p:txBody>
-          </p:sp>
-        </p:grpSp>
-        <p:sp>
-          <p:nvSpPr>
-            <p:cNvPr id="40" name="テキスト ボックス 39">
-              <a:extLst>
-                <a:ext uri="{FF2B5EF4-FFF2-40B4-BE49-F238E27FC236}">
-                  <a16:creationId xmlns:a16="http://schemas.microsoft.com/office/drawing/2014/main" id="{D05915A0-CEC2-5681-87CF-A0787A055504}"/>
-                </a:ext>
-              </a:extLst>
-            </p:cNvPr>
-            <p:cNvSpPr txBox="1"/>
-            <p:nvPr/>
-          </p:nvSpPr>
-          <p:spPr>
-            <a:xfrm>
-              <a:off x="2618771" y="1160274"/>
-              <a:ext cx="1840707" cy="577081"/>
-            </a:xfrm>
-            <a:prstGeom prst="rect">
-              <a:avLst/>
-            </a:prstGeom>
-            <a:noFill/>
-          </p:spPr>
-          <p:txBody>
-            <a:bodyPr wrap="square" rtlCol="0">
-              <a:spAutoFit/>
-            </a:bodyPr>
-            <a:lstStyle/>
-            <a:p>
-              <a:pPr algn="ctr"/>
-              <a:r>
-                <a:rPr kumimoji="1" lang="ja-JP" altLang="en-US" sz="1050">
-                  <a:latin typeface="Hiragino Kaku Gothic Pro W3" panose="020B0300000000000000" pitchFamily="34" charset="-128"/>
-                  <a:ea typeface="Hiragino Kaku Gothic Pro W3" panose="020B0300000000000000" pitchFamily="34" charset="-128"/>
-                </a:rPr>
-                <a:t>②マイページ上で</a:t>
-              </a:r>
-              <a:endParaRPr kumimoji="1" lang="en-US" altLang="ja-JP" sz="1050" dirty="0">
-                <a:latin typeface="Hiragino Kaku Gothic Pro W3" panose="020B0300000000000000" pitchFamily="34" charset="-128"/>
-                <a:ea typeface="Hiragino Kaku Gothic Pro W3" panose="020B0300000000000000" pitchFamily="34" charset="-128"/>
-              </a:endParaRPr>
-            </a:p>
-            <a:p>
-              <a:pPr algn="ctr"/>
-              <a:r>
-                <a:rPr lang="ja-JP" altLang="en-US" sz="1050">
-                  <a:latin typeface="Hiragino Kaku Gothic Pro W3" panose="020B0300000000000000" pitchFamily="34" charset="-128"/>
-                  <a:ea typeface="Hiragino Kaku Gothic Pro W3" panose="020B0300000000000000" pitchFamily="34" charset="-128"/>
-                </a:rPr>
-                <a:t>パートナーが消える</a:t>
-              </a:r>
-              <a:endParaRPr lang="en-US" altLang="ja-JP" sz="1050" dirty="0">
-                <a:latin typeface="Hiragino Kaku Gothic Pro W3" panose="020B0300000000000000" pitchFamily="34" charset="-128"/>
-                <a:ea typeface="Hiragino Kaku Gothic Pro W3" panose="020B0300000000000000" pitchFamily="34" charset="-128"/>
-              </a:endParaRPr>
-            </a:p>
-            <a:p>
-              <a:pPr algn="ctr"/>
-              <a:r>
-                <a:rPr kumimoji="1" lang="ja-JP" altLang="en-US" sz="1050">
-                  <a:latin typeface="Hiragino Kaku Gothic Pro W3" panose="020B0300000000000000" pitchFamily="34" charset="-128"/>
-                  <a:ea typeface="Hiragino Kaku Gothic Pro W3" panose="020B0300000000000000" pitchFamily="34" charset="-128"/>
-                </a:rPr>
-                <a:t>（登録フォームを表示）</a:t>
-              </a:r>
-            </a:p>
-          </p:txBody>
-        </p:sp>
-        <p:sp>
-          <p:nvSpPr>
-            <p:cNvPr id="41" name="テキスト ボックス 40">
-              <a:extLst>
-                <a:ext uri="{FF2B5EF4-FFF2-40B4-BE49-F238E27FC236}">
-                  <a16:creationId xmlns:a16="http://schemas.microsoft.com/office/drawing/2014/main" id="{A64A65F3-84C8-D34B-0581-C2E520D70F05}"/>
-                </a:ext>
-              </a:extLst>
-            </p:cNvPr>
-            <p:cNvSpPr txBox="1"/>
-            <p:nvPr/>
-          </p:nvSpPr>
-          <p:spPr>
-            <a:xfrm>
-              <a:off x="2873535" y="3930244"/>
-              <a:ext cx="1331178" cy="253916"/>
-            </a:xfrm>
-            <a:prstGeom prst="rect">
-              <a:avLst/>
-            </a:prstGeom>
-            <a:noFill/>
-          </p:spPr>
-          <p:txBody>
-            <a:bodyPr wrap="square" rtlCol="0">
-              <a:spAutoFit/>
-            </a:bodyPr>
-            <a:lstStyle/>
-            <a:p>
-              <a:pPr algn="ctr"/>
-              <a:r>
-                <a:rPr kumimoji="1" lang="ja-JP" altLang="en-US" sz="1050">
-                  <a:latin typeface="Hiragino Kaku Gothic Pro W3" panose="020B0300000000000000" pitchFamily="34" charset="-128"/>
-                  <a:ea typeface="Hiragino Kaku Gothic Pro W3" panose="020B0300000000000000" pitchFamily="34" charset="-128"/>
-                </a:rPr>
-                <a:t>①解除を選択</a:t>
-              </a:r>
-            </a:p>
-          </p:txBody>
-        </p:sp>
-      </p:grpSp>
-    </p:spTree>
-    <p:extLst>
-      <p:ext uri="{BB962C8B-B14F-4D97-AF65-F5344CB8AC3E}">
-        <p14:creationId xmlns:p14="http://schemas.microsoft.com/office/powerpoint/2010/main" val="1864876114"/>
-      </p:ext>
-    </p:extLst>
-  </p:cSld>
-  <p:clrMapOvr>
-    <a:masterClrMapping/>
-  </p:clrMapOvr>
-</p:sld>
-</file>
-
 <file path=ppt/theme/theme1.xml><?xml version="1.0" encoding="utf-8"?>
 <a:theme xmlns:a="http://schemas.openxmlformats.org/drawingml/2006/main" name="Office テーマ">
   <a:themeElements>

--- a/design/画面デザイン構想.pptx
+++ b/design/画面デザイン構想.pptx
@@ -5,7 +5,7 @@
     <p:sldMasterId id="2147483648" r:id="rId1"/>
   </p:sldMasterIdLst>
   <p:notesMasterIdLst>
-    <p:notesMasterId r:id="rId12"/>
+    <p:notesMasterId r:id="rId14"/>
   </p:notesMasterIdLst>
   <p:sldIdLst>
     <p:sldId id="257" r:id="rId2"/>
@@ -18,6 +18,8 @@
     <p:sldId id="265" r:id="rId9"/>
     <p:sldId id="263" r:id="rId10"/>
     <p:sldId id="264" r:id="rId11"/>
+    <p:sldId id="267" r:id="rId12"/>
+    <p:sldId id="268" r:id="rId13"/>
   </p:sldIdLst>
   <p:sldSz cx="12192000" cy="6858000"/>
   <p:notesSz cx="6858000" cy="9144000"/>
@@ -233,7 +235,7 @@
           <a:p>
             <a:fld id="{F0B2D6F8-1EBE-4342-95F8-DEA5F9C1E451}" type="datetimeFigureOut">
               <a:rPr kumimoji="1" lang="ja-JP" altLang="en-US" smtClean="0"/>
-              <a:t>2022/7/14</a:t>
+              <a:t>2022/7/18</a:t>
             </a:fld>
             <a:endParaRPr kumimoji="1" lang="ja-JP" altLang="en-US"/>
           </a:p>
@@ -1549,7 +1551,7 @@
           <a:p>
             <a:fld id="{4978F8BA-5C8D-964E-9BEE-EAEFE2CC1A01}" type="datetimeFigureOut">
               <a:rPr kumimoji="1" lang="ja-JP" altLang="en-US" smtClean="0"/>
-              <a:t>2022/7/14</a:t>
+              <a:t>2022/7/18</a:t>
             </a:fld>
             <a:endParaRPr kumimoji="1" lang="ja-JP" altLang="en-US"/>
           </a:p>
@@ -1779,7 +1781,7 @@
           <a:p>
             <a:fld id="{4978F8BA-5C8D-964E-9BEE-EAEFE2CC1A01}" type="datetimeFigureOut">
               <a:rPr kumimoji="1" lang="ja-JP" altLang="en-US" smtClean="0"/>
-              <a:t>2022/7/14</a:t>
+              <a:t>2022/7/18</a:t>
             </a:fld>
             <a:endParaRPr kumimoji="1" lang="ja-JP" altLang="en-US"/>
           </a:p>
@@ -2019,7 +2021,7 @@
           <a:p>
             <a:fld id="{4978F8BA-5C8D-964E-9BEE-EAEFE2CC1A01}" type="datetimeFigureOut">
               <a:rPr kumimoji="1" lang="ja-JP" altLang="en-US" smtClean="0"/>
-              <a:t>2022/7/14</a:t>
+              <a:t>2022/7/18</a:t>
             </a:fld>
             <a:endParaRPr kumimoji="1" lang="ja-JP" altLang="en-US"/>
           </a:p>
@@ -2249,7 +2251,7 @@
           <a:p>
             <a:fld id="{4978F8BA-5C8D-964E-9BEE-EAEFE2CC1A01}" type="datetimeFigureOut">
               <a:rPr kumimoji="1" lang="ja-JP" altLang="en-US" smtClean="0"/>
-              <a:t>2022/7/14</a:t>
+              <a:t>2022/7/18</a:t>
             </a:fld>
             <a:endParaRPr kumimoji="1" lang="ja-JP" altLang="en-US"/>
           </a:p>
@@ -2524,7 +2526,7 @@
           <a:p>
             <a:fld id="{4978F8BA-5C8D-964E-9BEE-EAEFE2CC1A01}" type="datetimeFigureOut">
               <a:rPr kumimoji="1" lang="ja-JP" altLang="en-US" smtClean="0"/>
-              <a:t>2022/7/14</a:t>
+              <a:t>2022/7/18</a:t>
             </a:fld>
             <a:endParaRPr kumimoji="1" lang="ja-JP" altLang="en-US"/>
           </a:p>
@@ -2853,7 +2855,7 @@
           <a:p>
             <a:fld id="{4978F8BA-5C8D-964E-9BEE-EAEFE2CC1A01}" type="datetimeFigureOut">
               <a:rPr kumimoji="1" lang="ja-JP" altLang="en-US" smtClean="0"/>
-              <a:t>2022/7/14</a:t>
+              <a:t>2022/7/18</a:t>
             </a:fld>
             <a:endParaRPr kumimoji="1" lang="ja-JP" altLang="en-US"/>
           </a:p>
@@ -3329,7 +3331,7 @@
           <a:p>
             <a:fld id="{4978F8BA-5C8D-964E-9BEE-EAEFE2CC1A01}" type="datetimeFigureOut">
               <a:rPr kumimoji="1" lang="ja-JP" altLang="en-US" smtClean="0"/>
-              <a:t>2022/7/14</a:t>
+              <a:t>2022/7/18</a:t>
             </a:fld>
             <a:endParaRPr kumimoji="1" lang="ja-JP" altLang="en-US"/>
           </a:p>
@@ -3470,7 +3472,7 @@
           <a:p>
             <a:fld id="{4978F8BA-5C8D-964E-9BEE-EAEFE2CC1A01}" type="datetimeFigureOut">
               <a:rPr kumimoji="1" lang="ja-JP" altLang="en-US" smtClean="0"/>
-              <a:t>2022/7/14</a:t>
+              <a:t>2022/7/18</a:t>
             </a:fld>
             <a:endParaRPr kumimoji="1" lang="ja-JP" altLang="en-US"/>
           </a:p>
@@ -3583,7 +3585,7 @@
           <a:p>
             <a:fld id="{4978F8BA-5C8D-964E-9BEE-EAEFE2CC1A01}" type="datetimeFigureOut">
               <a:rPr kumimoji="1" lang="ja-JP" altLang="en-US" smtClean="0"/>
-              <a:t>2022/7/14</a:t>
+              <a:t>2022/7/18</a:t>
             </a:fld>
             <a:endParaRPr kumimoji="1" lang="ja-JP" altLang="en-US"/>
           </a:p>
@@ -3926,7 +3928,7 @@
           <a:p>
             <a:fld id="{4978F8BA-5C8D-964E-9BEE-EAEFE2CC1A01}" type="datetimeFigureOut">
               <a:rPr kumimoji="1" lang="ja-JP" altLang="en-US" smtClean="0"/>
-              <a:t>2022/7/14</a:t>
+              <a:t>2022/7/18</a:t>
             </a:fld>
             <a:endParaRPr kumimoji="1" lang="ja-JP" altLang="en-US"/>
           </a:p>
@@ -4214,7 +4216,7 @@
           <a:p>
             <a:fld id="{4978F8BA-5C8D-964E-9BEE-EAEFE2CC1A01}" type="datetimeFigureOut">
               <a:rPr kumimoji="1" lang="ja-JP" altLang="en-US" smtClean="0"/>
-              <a:t>2022/7/14</a:t>
+              <a:t>2022/7/18</a:t>
             </a:fld>
             <a:endParaRPr kumimoji="1" lang="ja-JP" altLang="en-US"/>
           </a:p>
@@ -4487,7 +4489,7 @@
           <a:p>
             <a:fld id="{4978F8BA-5C8D-964E-9BEE-EAEFE2CC1A01}" type="datetimeFigureOut">
               <a:rPr kumimoji="1" lang="ja-JP" altLang="en-US" smtClean="0"/>
-              <a:t>2022/7/14</a:t>
+              <a:t>2022/7/18</a:t>
             </a:fld>
             <a:endParaRPr kumimoji="1" lang="ja-JP" altLang="en-US"/>
           </a:p>
@@ -6161,6 +6163,4287 @@
     <p:extLst>
       <p:ext uri="{BB962C8B-B14F-4D97-AF65-F5344CB8AC3E}">
         <p14:creationId xmlns:p14="http://schemas.microsoft.com/office/powerpoint/2010/main" val="1864876114"/>
+      </p:ext>
+    </p:extLst>
+  </p:cSld>
+  <p:clrMapOvr>
+    <a:masterClrMapping/>
+  </p:clrMapOvr>
+</p:sld>
+</file>
+
+<file path=ppt/slides/slide11.xml><?xml version="1.0" encoding="utf-8"?>
+<p:sld xmlns:a="http://schemas.openxmlformats.org/drawingml/2006/main" xmlns:r="http://schemas.openxmlformats.org/officeDocument/2006/relationships" xmlns:p="http://schemas.openxmlformats.org/presentationml/2006/main">
+  <p:cSld>
+    <p:bg>
+      <p:bgPr>
+        <a:blipFill dpi="0" rotWithShape="1">
+          <a:blip r:embed="rId2">
+            <a:lum/>
+          </a:blip>
+          <a:srcRect/>
+          <a:stretch>
+            <a:fillRect t="-5000" b="-5000"/>
+          </a:stretch>
+        </a:blipFill>
+        <a:effectLst/>
+      </p:bgPr>
+    </p:bg>
+    <p:spTree>
+      <p:nvGrpSpPr>
+        <p:cNvPr id="1" name=""/>
+        <p:cNvGrpSpPr/>
+        <p:nvPr/>
+      </p:nvGrpSpPr>
+      <p:grpSpPr>
+        <a:xfrm>
+          <a:off x="0" y="0"/>
+          <a:ext cx="0" cy="0"/>
+          <a:chOff x="0" y="0"/>
+          <a:chExt cx="0" cy="0"/>
+        </a:xfrm>
+      </p:grpSpPr>
+      <p:pic>
+        <p:nvPicPr>
+          <p:cNvPr id="17" name="グラフィックス 16" descr="ハンガーガー形のメニュー アイコン 単色塗りつぶし">
+            <a:extLst>
+              <a:ext uri="{FF2B5EF4-FFF2-40B4-BE49-F238E27FC236}">
+                <a16:creationId xmlns:a16="http://schemas.microsoft.com/office/drawing/2014/main" id="{9CDC26D9-AA1F-D5B7-2686-CEF6F396A3D2}"/>
+              </a:ext>
+            </a:extLst>
+          </p:cNvPr>
+          <p:cNvPicPr>
+            <a:picLocks noChangeAspect="1"/>
+          </p:cNvPicPr>
+          <p:nvPr/>
+        </p:nvPicPr>
+        <p:blipFill>
+          <a:blip r:embed="rId3">
+            <a:extLst>
+              <a:ext uri="{96DAC541-7B7A-43D3-8B79-37D633B846F1}">
+                <asvg:svgBlip xmlns:asvg="http://schemas.microsoft.com/office/drawing/2016/SVG/main" r:embed="rId4"/>
+              </a:ext>
+            </a:extLst>
+          </a:blip>
+          <a:stretch>
+            <a:fillRect/>
+          </a:stretch>
+        </p:blipFill>
+        <p:spPr>
+          <a:xfrm>
+            <a:off x="96439" y="1057275"/>
+            <a:ext cx="678657" cy="678657"/>
+          </a:xfrm>
+          <a:prstGeom prst="rect">
+            <a:avLst/>
+          </a:prstGeom>
+        </p:spPr>
+      </p:pic>
+      <p:sp>
+        <p:nvSpPr>
+          <p:cNvPr id="18" name="テキスト ボックス 17">
+            <a:extLst>
+              <a:ext uri="{FF2B5EF4-FFF2-40B4-BE49-F238E27FC236}">
+                <a16:creationId xmlns:a16="http://schemas.microsoft.com/office/drawing/2014/main" id="{E1DA2DB8-502E-0571-CC44-84C6901A6E9E}"/>
+              </a:ext>
+            </a:extLst>
+          </p:cNvPr>
+          <p:cNvSpPr txBox="1"/>
+          <p:nvPr/>
+        </p:nvSpPr>
+        <p:spPr>
+          <a:xfrm>
+            <a:off x="4482103" y="1123086"/>
+            <a:ext cx="3227794" cy="584775"/>
+          </a:xfrm>
+          <a:prstGeom prst="rect">
+            <a:avLst/>
+          </a:prstGeom>
+          <a:noFill/>
+          <a:ln w="57150">
+            <a:solidFill>
+              <a:srgbClr val="00B0F0"/>
+            </a:solidFill>
+          </a:ln>
+        </p:spPr>
+        <p:txBody>
+          <a:bodyPr wrap="square" rtlCol="0">
+            <a:spAutoFit/>
+          </a:bodyPr>
+          <a:lstStyle/>
+          <a:p>
+            <a:pPr algn="ctr"/>
+            <a:r>
+              <a:rPr kumimoji="1" lang="en-US" altLang="ja-JP" sz="3200" b="1" dirty="0">
+                <a:solidFill>
+                  <a:schemeClr val="accent1">
+                    <a:lumMod val="60000"/>
+                    <a:lumOff val="40000"/>
+                  </a:schemeClr>
+                </a:solidFill>
+                <a:latin typeface="Corbel" panose="020B0503020204020204" pitchFamily="34" charset="0"/>
+              </a:rPr>
+              <a:t>Future Design</a:t>
+            </a:r>
+            <a:endParaRPr kumimoji="1" lang="ja-JP" altLang="en-US" sz="3200" b="1">
+              <a:solidFill>
+                <a:schemeClr val="accent1">
+                  <a:lumMod val="60000"/>
+                  <a:lumOff val="40000"/>
+                </a:schemeClr>
+              </a:solidFill>
+              <a:latin typeface="Corbel" panose="020B0503020204020204" pitchFamily="34" charset="0"/>
+            </a:endParaRPr>
+          </a:p>
+        </p:txBody>
+      </p:sp>
+      <p:sp>
+        <p:nvSpPr>
+          <p:cNvPr id="20" name="テキスト ボックス 19">
+            <a:extLst>
+              <a:ext uri="{FF2B5EF4-FFF2-40B4-BE49-F238E27FC236}">
+                <a16:creationId xmlns:a16="http://schemas.microsoft.com/office/drawing/2014/main" id="{B3F85AA2-D23F-E8BC-A409-FE528B539040}"/>
+              </a:ext>
+            </a:extLst>
+          </p:cNvPr>
+          <p:cNvSpPr txBox="1"/>
+          <p:nvPr/>
+        </p:nvSpPr>
+        <p:spPr>
+          <a:xfrm>
+            <a:off x="4558316" y="1816685"/>
+            <a:ext cx="3071812" cy="307777"/>
+          </a:xfrm>
+          <a:prstGeom prst="rect">
+            <a:avLst/>
+          </a:prstGeom>
+          <a:noFill/>
+        </p:spPr>
+        <p:txBody>
+          <a:bodyPr wrap="square" rtlCol="0">
+            <a:spAutoFit/>
+          </a:bodyPr>
+          <a:lstStyle/>
+          <a:p>
+            <a:pPr algn="ctr"/>
+            <a:r>
+              <a:rPr kumimoji="1" lang="ja-JP" altLang="en-US" sz="1400"/>
+              <a:t>こんにちは</a:t>
+            </a:r>
+            <a:r>
+              <a:rPr kumimoji="1" lang="en-US" altLang="ja-JP" sz="1400" dirty="0"/>
+              <a:t> user </a:t>
+            </a:r>
+            <a:r>
+              <a:rPr kumimoji="1" lang="ja-JP" altLang="en-US" sz="1400"/>
+              <a:t>さん</a:t>
+            </a:r>
+          </a:p>
+        </p:txBody>
+      </p:sp>
+      <p:sp>
+        <p:nvSpPr>
+          <p:cNvPr id="21" name="テキスト ボックス 20">
+            <a:extLst>
+              <a:ext uri="{FF2B5EF4-FFF2-40B4-BE49-F238E27FC236}">
+                <a16:creationId xmlns:a16="http://schemas.microsoft.com/office/drawing/2014/main" id="{7CAD633D-BCBE-29A3-794D-D54615ECD394}"/>
+              </a:ext>
+            </a:extLst>
+          </p:cNvPr>
+          <p:cNvSpPr txBox="1"/>
+          <p:nvPr/>
+        </p:nvSpPr>
+        <p:spPr>
+          <a:xfrm>
+            <a:off x="723305" y="2233284"/>
+            <a:ext cx="2146356" cy="307777"/>
+          </a:xfrm>
+          <a:prstGeom prst="rect">
+            <a:avLst/>
+          </a:prstGeom>
+          <a:noFill/>
+        </p:spPr>
+        <p:txBody>
+          <a:bodyPr wrap="square" rtlCol="0">
+            <a:spAutoFit/>
+          </a:bodyPr>
+          <a:lstStyle/>
+          <a:p>
+            <a:r>
+              <a:rPr kumimoji="1" lang="ja-JP" altLang="en-US" sz="1400" b="1"/>
+              <a:t>貯蓄のシミュレーション</a:t>
+            </a:r>
+          </a:p>
+        </p:txBody>
+      </p:sp>
+      <p:sp>
+        <p:nvSpPr>
+          <p:cNvPr id="22" name="テキスト ボックス 21">
+            <a:extLst>
+              <a:ext uri="{FF2B5EF4-FFF2-40B4-BE49-F238E27FC236}">
+                <a16:creationId xmlns:a16="http://schemas.microsoft.com/office/drawing/2014/main" id="{32CC4113-DC26-1B6D-36DC-2EE19B14F6CA}"/>
+              </a:ext>
+            </a:extLst>
+          </p:cNvPr>
+          <p:cNvSpPr txBox="1"/>
+          <p:nvPr/>
+        </p:nvSpPr>
+        <p:spPr>
+          <a:xfrm>
+            <a:off x="8857350" y="5347955"/>
+            <a:ext cx="3295061" cy="307777"/>
+          </a:xfrm>
+          <a:prstGeom prst="rect">
+            <a:avLst/>
+          </a:prstGeom>
+          <a:noFill/>
+        </p:spPr>
+        <p:txBody>
+          <a:bodyPr wrap="square" rtlCol="0">
+            <a:spAutoFit/>
+          </a:bodyPr>
+          <a:lstStyle/>
+          <a:p>
+            <a:r>
+              <a:rPr lang="ja-JP" altLang="en-US" sz="1400">
+                <a:solidFill>
+                  <a:schemeClr val="accent5">
+                    <a:lumMod val="75000"/>
+                  </a:schemeClr>
+                </a:solidFill>
+              </a:rPr>
+              <a:t>＞</a:t>
+            </a:r>
+            <a:r>
+              <a:rPr kumimoji="1" lang="ja-JP" altLang="en-US" sz="1400">
+                <a:solidFill>
+                  <a:schemeClr val="accent5">
+                    <a:lumMod val="75000"/>
+                  </a:schemeClr>
+                </a:solidFill>
+              </a:rPr>
+              <a:t>より詳細なシミュレーション</a:t>
+            </a:r>
+          </a:p>
+        </p:txBody>
+      </p:sp>
+      <p:sp>
+        <p:nvSpPr>
+          <p:cNvPr id="23" name="正方形/長方形 22">
+            <a:extLst>
+              <a:ext uri="{FF2B5EF4-FFF2-40B4-BE49-F238E27FC236}">
+                <a16:creationId xmlns:a16="http://schemas.microsoft.com/office/drawing/2014/main" id="{3F6702FC-2440-D307-4CFD-ACFD22C0A2E7}"/>
+              </a:ext>
+            </a:extLst>
+          </p:cNvPr>
+          <p:cNvSpPr/>
+          <p:nvPr/>
+        </p:nvSpPr>
+        <p:spPr>
+          <a:xfrm>
+            <a:off x="723306" y="6035040"/>
+            <a:ext cx="10693597" cy="822960"/>
+          </a:xfrm>
+          <a:prstGeom prst="rect">
+            <a:avLst/>
+          </a:prstGeom>
+          <a:solidFill>
+            <a:schemeClr val="accent1">
+              <a:lumMod val="40000"/>
+              <a:lumOff val="60000"/>
+            </a:schemeClr>
+          </a:solidFill>
+          <a:ln>
+            <a:noFill/>
+          </a:ln>
+          <a:effectLst>
+            <a:outerShdw blurRad="50800" dist="38100" dir="2700000" algn="tl" rotWithShape="0">
+              <a:prstClr val="black">
+                <a:alpha val="40000"/>
+              </a:prstClr>
+            </a:outerShdw>
+          </a:effectLst>
+        </p:spPr>
+        <p:style>
+          <a:lnRef idx="2">
+            <a:schemeClr val="accent1">
+              <a:shade val="50000"/>
+            </a:schemeClr>
+          </a:lnRef>
+          <a:fillRef idx="1">
+            <a:schemeClr val="accent1"/>
+          </a:fillRef>
+          <a:effectRef idx="0">
+            <a:schemeClr val="accent1"/>
+          </a:effectRef>
+          <a:fontRef idx="minor">
+            <a:schemeClr val="lt1"/>
+          </a:fontRef>
+        </p:style>
+        <p:txBody>
+          <a:bodyPr rtlCol="0" anchor="ctr"/>
+          <a:lstStyle/>
+          <a:p>
+            <a:pPr algn="ctr"/>
+            <a:endParaRPr kumimoji="1" lang="ja-JP" altLang="en-US"/>
+          </a:p>
+        </p:txBody>
+      </p:sp>
+      <p:sp>
+        <p:nvSpPr>
+          <p:cNvPr id="24" name="テキスト ボックス 23">
+            <a:extLst>
+              <a:ext uri="{FF2B5EF4-FFF2-40B4-BE49-F238E27FC236}">
+                <a16:creationId xmlns:a16="http://schemas.microsoft.com/office/drawing/2014/main" id="{F0F7D29A-2B18-1CCC-AEEB-C58452242BEE}"/>
+              </a:ext>
+            </a:extLst>
+          </p:cNvPr>
+          <p:cNvSpPr txBox="1"/>
+          <p:nvPr/>
+        </p:nvSpPr>
+        <p:spPr>
+          <a:xfrm>
+            <a:off x="723304" y="6105080"/>
+            <a:ext cx="2797135" cy="461665"/>
+          </a:xfrm>
+          <a:prstGeom prst="rect">
+            <a:avLst/>
+          </a:prstGeom>
+          <a:noFill/>
+        </p:spPr>
+        <p:txBody>
+          <a:bodyPr wrap="square" rtlCol="0">
+            <a:spAutoFit/>
+          </a:bodyPr>
+          <a:lstStyle/>
+          <a:p>
+            <a:r>
+              <a:rPr kumimoji="1" lang="ja-JP" altLang="en-US" sz="2400" b="1"/>
+              <a:t>支出と給与の情報</a:t>
+            </a:r>
+          </a:p>
+        </p:txBody>
+      </p:sp>
+      <p:grpSp>
+        <p:nvGrpSpPr>
+          <p:cNvPr id="66" name="グループ化 65">
+            <a:extLst>
+              <a:ext uri="{FF2B5EF4-FFF2-40B4-BE49-F238E27FC236}">
+                <a16:creationId xmlns:a16="http://schemas.microsoft.com/office/drawing/2014/main" id="{553391EC-8BA8-FA40-EA9B-6CA04358AAD9}"/>
+              </a:ext>
+            </a:extLst>
+          </p:cNvPr>
+          <p:cNvGrpSpPr/>
+          <p:nvPr/>
+        </p:nvGrpSpPr>
+        <p:grpSpPr>
+          <a:xfrm>
+            <a:off x="775096" y="2541062"/>
+            <a:ext cx="10641807" cy="2700337"/>
+            <a:chOff x="775096" y="2541062"/>
+            <a:chExt cx="10641807" cy="2700337"/>
+          </a:xfrm>
+        </p:grpSpPr>
+        <p:sp>
+          <p:nvSpPr>
+            <p:cNvPr id="3" name="正方形/長方形 2">
+              <a:extLst>
+                <a:ext uri="{FF2B5EF4-FFF2-40B4-BE49-F238E27FC236}">
+                  <a16:creationId xmlns:a16="http://schemas.microsoft.com/office/drawing/2014/main" id="{89330158-4C1A-BA4D-1602-847FCC6C7FF6}"/>
+                </a:ext>
+              </a:extLst>
+            </p:cNvPr>
+            <p:cNvSpPr/>
+            <p:nvPr/>
+          </p:nvSpPr>
+          <p:spPr>
+            <a:xfrm>
+              <a:off x="775096" y="2541062"/>
+              <a:ext cx="10641807" cy="2700337"/>
+            </a:xfrm>
+            <a:prstGeom prst="rect">
+              <a:avLst/>
+            </a:prstGeom>
+            <a:solidFill>
+              <a:srgbClr val="A5DEFF">
+                <a:alpha val="25098"/>
+              </a:srgbClr>
+            </a:solidFill>
+            <a:ln>
+              <a:noFill/>
+            </a:ln>
+          </p:spPr>
+          <p:style>
+            <a:lnRef idx="2">
+              <a:schemeClr val="accent1">
+                <a:shade val="50000"/>
+              </a:schemeClr>
+            </a:lnRef>
+            <a:fillRef idx="1">
+              <a:schemeClr val="accent1"/>
+            </a:fillRef>
+            <a:effectRef idx="0">
+              <a:schemeClr val="accent1"/>
+            </a:effectRef>
+            <a:fontRef idx="minor">
+              <a:schemeClr val="lt1"/>
+            </a:fontRef>
+          </p:style>
+          <p:txBody>
+            <a:bodyPr rtlCol="0" anchor="ctr"/>
+            <a:lstStyle/>
+            <a:p>
+              <a:pPr algn="ctr"/>
+              <a:endParaRPr kumimoji="1" lang="ja-JP" altLang="en-US"/>
+            </a:p>
+          </p:txBody>
+        </p:sp>
+        <p:sp>
+          <p:nvSpPr>
+            <p:cNvPr id="25" name="正方形/長方形 24">
+              <a:extLst>
+                <a:ext uri="{FF2B5EF4-FFF2-40B4-BE49-F238E27FC236}">
+                  <a16:creationId xmlns:a16="http://schemas.microsoft.com/office/drawing/2014/main" id="{8D52BC22-7892-3775-D6F4-FB7599B67756}"/>
+                </a:ext>
+              </a:extLst>
+            </p:cNvPr>
+            <p:cNvSpPr/>
+            <p:nvPr/>
+          </p:nvSpPr>
+          <p:spPr>
+            <a:xfrm>
+              <a:off x="1264920" y="3261359"/>
+              <a:ext cx="259080" cy="1112520"/>
+            </a:xfrm>
+            <a:prstGeom prst="rect">
+              <a:avLst/>
+            </a:prstGeom>
+            <a:solidFill>
+              <a:schemeClr val="accent1">
+                <a:lumMod val="75000"/>
+              </a:schemeClr>
+            </a:solidFill>
+            <a:ln>
+              <a:noFill/>
+            </a:ln>
+          </p:spPr>
+          <p:style>
+            <a:lnRef idx="2">
+              <a:schemeClr val="accent1">
+                <a:shade val="50000"/>
+              </a:schemeClr>
+            </a:lnRef>
+            <a:fillRef idx="1">
+              <a:schemeClr val="accent1"/>
+            </a:fillRef>
+            <a:effectRef idx="0">
+              <a:schemeClr val="accent1"/>
+            </a:effectRef>
+            <a:fontRef idx="minor">
+              <a:schemeClr val="lt1"/>
+            </a:fontRef>
+          </p:style>
+          <p:txBody>
+            <a:bodyPr rtlCol="0" anchor="ctr"/>
+            <a:lstStyle/>
+            <a:p>
+              <a:pPr algn="ctr"/>
+              <a:endParaRPr kumimoji="1" lang="ja-JP" altLang="en-US"/>
+            </a:p>
+          </p:txBody>
+        </p:sp>
+        <p:sp>
+          <p:nvSpPr>
+            <p:cNvPr id="26" name="正方形/長方形 25">
+              <a:extLst>
+                <a:ext uri="{FF2B5EF4-FFF2-40B4-BE49-F238E27FC236}">
+                  <a16:creationId xmlns:a16="http://schemas.microsoft.com/office/drawing/2014/main" id="{419A71C6-0410-0A8C-DB37-F480B8C7B485}"/>
+                </a:ext>
+              </a:extLst>
+            </p:cNvPr>
+            <p:cNvSpPr/>
+            <p:nvPr/>
+          </p:nvSpPr>
+          <p:spPr>
+            <a:xfrm>
+              <a:off x="2407920" y="3038413"/>
+              <a:ext cx="259080" cy="1335466"/>
+            </a:xfrm>
+            <a:prstGeom prst="rect">
+              <a:avLst/>
+            </a:prstGeom>
+            <a:solidFill>
+              <a:schemeClr val="accent1">
+                <a:lumMod val="75000"/>
+              </a:schemeClr>
+            </a:solidFill>
+            <a:ln>
+              <a:noFill/>
+            </a:ln>
+          </p:spPr>
+          <p:style>
+            <a:lnRef idx="2">
+              <a:schemeClr val="accent1">
+                <a:shade val="50000"/>
+              </a:schemeClr>
+            </a:lnRef>
+            <a:fillRef idx="1">
+              <a:schemeClr val="accent1"/>
+            </a:fillRef>
+            <a:effectRef idx="0">
+              <a:schemeClr val="accent1"/>
+            </a:effectRef>
+            <a:fontRef idx="minor">
+              <a:schemeClr val="lt1"/>
+            </a:fontRef>
+          </p:style>
+          <p:txBody>
+            <a:bodyPr rtlCol="0" anchor="ctr"/>
+            <a:lstStyle/>
+            <a:p>
+              <a:pPr algn="ctr"/>
+              <a:endParaRPr kumimoji="1" lang="ja-JP" altLang="en-US"/>
+            </a:p>
+          </p:txBody>
+        </p:sp>
+        <p:sp>
+          <p:nvSpPr>
+            <p:cNvPr id="27" name="正方形/長方形 26">
+              <a:extLst>
+                <a:ext uri="{FF2B5EF4-FFF2-40B4-BE49-F238E27FC236}">
+                  <a16:creationId xmlns:a16="http://schemas.microsoft.com/office/drawing/2014/main" id="{8E1DF665-ACFC-5CB0-A587-2A831CB2D0B8}"/>
+                </a:ext>
+              </a:extLst>
+            </p:cNvPr>
+            <p:cNvSpPr/>
+            <p:nvPr/>
+          </p:nvSpPr>
+          <p:spPr>
+            <a:xfrm>
+              <a:off x="3556991" y="3038413"/>
+              <a:ext cx="259080" cy="1335466"/>
+            </a:xfrm>
+            <a:prstGeom prst="rect">
+              <a:avLst/>
+            </a:prstGeom>
+            <a:solidFill>
+              <a:schemeClr val="accent1">
+                <a:lumMod val="75000"/>
+              </a:schemeClr>
+            </a:solidFill>
+            <a:ln>
+              <a:noFill/>
+            </a:ln>
+          </p:spPr>
+          <p:style>
+            <a:lnRef idx="2">
+              <a:schemeClr val="accent1">
+                <a:shade val="50000"/>
+              </a:schemeClr>
+            </a:lnRef>
+            <a:fillRef idx="1">
+              <a:schemeClr val="accent1"/>
+            </a:fillRef>
+            <a:effectRef idx="0">
+              <a:schemeClr val="accent1"/>
+            </a:effectRef>
+            <a:fontRef idx="minor">
+              <a:schemeClr val="lt1"/>
+            </a:fontRef>
+          </p:style>
+          <p:txBody>
+            <a:bodyPr rtlCol="0" anchor="ctr"/>
+            <a:lstStyle/>
+            <a:p>
+              <a:pPr algn="ctr"/>
+              <a:endParaRPr kumimoji="1" lang="ja-JP" altLang="en-US"/>
+            </a:p>
+          </p:txBody>
+        </p:sp>
+        <p:sp>
+          <p:nvSpPr>
+            <p:cNvPr id="28" name="正方形/長方形 27">
+              <a:extLst>
+                <a:ext uri="{FF2B5EF4-FFF2-40B4-BE49-F238E27FC236}">
+                  <a16:creationId xmlns:a16="http://schemas.microsoft.com/office/drawing/2014/main" id="{CE3A3CC1-AC28-43D4-CE7F-7E1105A292B9}"/>
+                </a:ext>
+              </a:extLst>
+            </p:cNvPr>
+            <p:cNvSpPr/>
+            <p:nvPr/>
+          </p:nvSpPr>
+          <p:spPr>
+            <a:xfrm>
+              <a:off x="4703026" y="2918103"/>
+              <a:ext cx="259080" cy="1455228"/>
+            </a:xfrm>
+            <a:prstGeom prst="rect">
+              <a:avLst/>
+            </a:prstGeom>
+            <a:solidFill>
+              <a:schemeClr val="accent1">
+                <a:lumMod val="75000"/>
+              </a:schemeClr>
+            </a:solidFill>
+            <a:ln>
+              <a:noFill/>
+            </a:ln>
+          </p:spPr>
+          <p:style>
+            <a:lnRef idx="2">
+              <a:schemeClr val="accent1">
+                <a:shade val="50000"/>
+              </a:schemeClr>
+            </a:lnRef>
+            <a:fillRef idx="1">
+              <a:schemeClr val="accent1"/>
+            </a:fillRef>
+            <a:effectRef idx="0">
+              <a:schemeClr val="accent1"/>
+            </a:effectRef>
+            <a:fontRef idx="minor">
+              <a:schemeClr val="lt1"/>
+            </a:fontRef>
+          </p:style>
+          <p:txBody>
+            <a:bodyPr rtlCol="0" anchor="ctr"/>
+            <a:lstStyle/>
+            <a:p>
+              <a:pPr algn="ctr"/>
+              <a:endParaRPr kumimoji="1" lang="ja-JP" altLang="en-US"/>
+            </a:p>
+          </p:txBody>
+        </p:sp>
+        <p:sp>
+          <p:nvSpPr>
+            <p:cNvPr id="29" name="正方形/長方形 28">
+              <a:extLst>
+                <a:ext uri="{FF2B5EF4-FFF2-40B4-BE49-F238E27FC236}">
+                  <a16:creationId xmlns:a16="http://schemas.microsoft.com/office/drawing/2014/main" id="{9D546E81-25A6-52BC-89A7-D7095BC9AC21}"/>
+                </a:ext>
+              </a:extLst>
+            </p:cNvPr>
+            <p:cNvSpPr/>
+            <p:nvPr/>
+          </p:nvSpPr>
+          <p:spPr>
+            <a:xfrm>
+              <a:off x="5864240" y="2918103"/>
+              <a:ext cx="259080" cy="1455228"/>
+            </a:xfrm>
+            <a:prstGeom prst="rect">
+              <a:avLst/>
+            </a:prstGeom>
+            <a:solidFill>
+              <a:schemeClr val="accent1">
+                <a:lumMod val="75000"/>
+              </a:schemeClr>
+            </a:solidFill>
+            <a:ln>
+              <a:noFill/>
+            </a:ln>
+          </p:spPr>
+          <p:style>
+            <a:lnRef idx="2">
+              <a:schemeClr val="accent1">
+                <a:shade val="50000"/>
+              </a:schemeClr>
+            </a:lnRef>
+            <a:fillRef idx="1">
+              <a:schemeClr val="accent1"/>
+            </a:fillRef>
+            <a:effectRef idx="0">
+              <a:schemeClr val="accent1"/>
+            </a:effectRef>
+            <a:fontRef idx="minor">
+              <a:schemeClr val="lt1"/>
+            </a:fontRef>
+          </p:style>
+          <p:txBody>
+            <a:bodyPr rtlCol="0" anchor="ctr"/>
+            <a:lstStyle/>
+            <a:p>
+              <a:pPr algn="ctr"/>
+              <a:endParaRPr kumimoji="1" lang="ja-JP" altLang="en-US"/>
+            </a:p>
+          </p:txBody>
+        </p:sp>
+        <p:sp>
+          <p:nvSpPr>
+            <p:cNvPr id="30" name="正方形/長方形 29">
+              <a:extLst>
+                <a:ext uri="{FF2B5EF4-FFF2-40B4-BE49-F238E27FC236}">
+                  <a16:creationId xmlns:a16="http://schemas.microsoft.com/office/drawing/2014/main" id="{FD077957-A358-BDE7-A3CF-18E157775A6F}"/>
+                </a:ext>
+              </a:extLst>
+            </p:cNvPr>
+            <p:cNvSpPr/>
+            <p:nvPr/>
+          </p:nvSpPr>
+          <p:spPr>
+            <a:xfrm>
+              <a:off x="7004204" y="2773018"/>
+              <a:ext cx="259080" cy="1600313"/>
+            </a:xfrm>
+            <a:prstGeom prst="rect">
+              <a:avLst/>
+            </a:prstGeom>
+            <a:solidFill>
+              <a:schemeClr val="accent1">
+                <a:lumMod val="75000"/>
+              </a:schemeClr>
+            </a:solidFill>
+            <a:ln>
+              <a:noFill/>
+            </a:ln>
+          </p:spPr>
+          <p:style>
+            <a:lnRef idx="2">
+              <a:schemeClr val="accent1">
+                <a:shade val="50000"/>
+              </a:schemeClr>
+            </a:lnRef>
+            <a:fillRef idx="1">
+              <a:schemeClr val="accent1"/>
+            </a:fillRef>
+            <a:effectRef idx="0">
+              <a:schemeClr val="accent1"/>
+            </a:effectRef>
+            <a:fontRef idx="minor">
+              <a:schemeClr val="lt1"/>
+            </a:fontRef>
+          </p:style>
+          <p:txBody>
+            <a:bodyPr rtlCol="0" anchor="ctr"/>
+            <a:lstStyle/>
+            <a:p>
+              <a:pPr algn="ctr"/>
+              <a:endParaRPr kumimoji="1" lang="ja-JP" altLang="en-US"/>
+            </a:p>
+          </p:txBody>
+        </p:sp>
+        <p:sp>
+          <p:nvSpPr>
+            <p:cNvPr id="31" name="正方形/長方形 30">
+              <a:extLst>
+                <a:ext uri="{FF2B5EF4-FFF2-40B4-BE49-F238E27FC236}">
+                  <a16:creationId xmlns:a16="http://schemas.microsoft.com/office/drawing/2014/main" id="{5D97CE3E-058D-FEF9-743E-49208753CE22}"/>
+                </a:ext>
+              </a:extLst>
+            </p:cNvPr>
+            <p:cNvSpPr/>
+            <p:nvPr/>
+          </p:nvSpPr>
+          <p:spPr>
+            <a:xfrm>
+              <a:off x="8174524" y="2773018"/>
+              <a:ext cx="259080" cy="1600313"/>
+            </a:xfrm>
+            <a:prstGeom prst="rect">
+              <a:avLst/>
+            </a:prstGeom>
+            <a:solidFill>
+              <a:schemeClr val="accent1">
+                <a:lumMod val="75000"/>
+              </a:schemeClr>
+            </a:solidFill>
+            <a:ln>
+              <a:noFill/>
+            </a:ln>
+          </p:spPr>
+          <p:style>
+            <a:lnRef idx="2">
+              <a:schemeClr val="accent1">
+                <a:shade val="50000"/>
+              </a:schemeClr>
+            </a:lnRef>
+            <a:fillRef idx="1">
+              <a:schemeClr val="accent1"/>
+            </a:fillRef>
+            <a:effectRef idx="0">
+              <a:schemeClr val="accent1"/>
+            </a:effectRef>
+            <a:fontRef idx="minor">
+              <a:schemeClr val="lt1"/>
+            </a:fontRef>
+          </p:style>
+          <p:txBody>
+            <a:bodyPr rtlCol="0" anchor="ctr"/>
+            <a:lstStyle/>
+            <a:p>
+              <a:pPr algn="ctr"/>
+              <a:endParaRPr kumimoji="1" lang="ja-JP" altLang="en-US"/>
+            </a:p>
+          </p:txBody>
+        </p:sp>
+        <p:sp>
+          <p:nvSpPr>
+            <p:cNvPr id="32" name="正方形/長方形 31">
+              <a:extLst>
+                <a:ext uri="{FF2B5EF4-FFF2-40B4-BE49-F238E27FC236}">
+                  <a16:creationId xmlns:a16="http://schemas.microsoft.com/office/drawing/2014/main" id="{132DB053-CE8A-C330-B52E-4D9B27020B02}"/>
+                </a:ext>
+              </a:extLst>
+            </p:cNvPr>
+            <p:cNvSpPr/>
+            <p:nvPr/>
+          </p:nvSpPr>
+          <p:spPr>
+            <a:xfrm>
+              <a:off x="9314488" y="2773018"/>
+              <a:ext cx="259080" cy="1600313"/>
+            </a:xfrm>
+            <a:prstGeom prst="rect">
+              <a:avLst/>
+            </a:prstGeom>
+            <a:solidFill>
+              <a:schemeClr val="accent1">
+                <a:lumMod val="75000"/>
+              </a:schemeClr>
+            </a:solidFill>
+            <a:ln>
+              <a:noFill/>
+            </a:ln>
+          </p:spPr>
+          <p:style>
+            <a:lnRef idx="2">
+              <a:schemeClr val="accent1">
+                <a:shade val="50000"/>
+              </a:schemeClr>
+            </a:lnRef>
+            <a:fillRef idx="1">
+              <a:schemeClr val="accent1"/>
+            </a:fillRef>
+            <a:effectRef idx="0">
+              <a:schemeClr val="accent1"/>
+            </a:effectRef>
+            <a:fontRef idx="minor">
+              <a:schemeClr val="lt1"/>
+            </a:fontRef>
+          </p:style>
+          <p:txBody>
+            <a:bodyPr rtlCol="0" anchor="ctr"/>
+            <a:lstStyle/>
+            <a:p>
+              <a:pPr algn="ctr"/>
+              <a:endParaRPr kumimoji="1" lang="ja-JP" altLang="en-US"/>
+            </a:p>
+          </p:txBody>
+        </p:sp>
+        <p:sp>
+          <p:nvSpPr>
+            <p:cNvPr id="33" name="正方形/長方形 32">
+              <a:extLst>
+                <a:ext uri="{FF2B5EF4-FFF2-40B4-BE49-F238E27FC236}">
+                  <a16:creationId xmlns:a16="http://schemas.microsoft.com/office/drawing/2014/main" id="{80126F28-DDA7-2D36-712C-EE13AEB9226B}"/>
+                </a:ext>
+              </a:extLst>
+            </p:cNvPr>
+            <p:cNvSpPr/>
+            <p:nvPr/>
+          </p:nvSpPr>
+          <p:spPr>
+            <a:xfrm>
+              <a:off x="10469630" y="2703445"/>
+              <a:ext cx="259080" cy="1669886"/>
+            </a:xfrm>
+            <a:prstGeom prst="rect">
+              <a:avLst/>
+            </a:prstGeom>
+            <a:solidFill>
+              <a:schemeClr val="accent1">
+                <a:lumMod val="75000"/>
+              </a:schemeClr>
+            </a:solidFill>
+            <a:ln>
+              <a:noFill/>
+            </a:ln>
+          </p:spPr>
+          <p:style>
+            <a:lnRef idx="2">
+              <a:schemeClr val="accent1">
+                <a:shade val="50000"/>
+              </a:schemeClr>
+            </a:lnRef>
+            <a:fillRef idx="1">
+              <a:schemeClr val="accent1"/>
+            </a:fillRef>
+            <a:effectRef idx="0">
+              <a:schemeClr val="accent1"/>
+            </a:effectRef>
+            <a:fontRef idx="minor">
+              <a:schemeClr val="lt1"/>
+            </a:fontRef>
+          </p:style>
+          <p:txBody>
+            <a:bodyPr rtlCol="0" anchor="ctr"/>
+            <a:lstStyle/>
+            <a:p>
+              <a:pPr algn="ctr"/>
+              <a:endParaRPr kumimoji="1" lang="ja-JP" altLang="en-US"/>
+            </a:p>
+          </p:txBody>
+        </p:sp>
+        <p:sp>
+          <p:nvSpPr>
+            <p:cNvPr id="34" name="正方形/長方形 33">
+              <a:extLst>
+                <a:ext uri="{FF2B5EF4-FFF2-40B4-BE49-F238E27FC236}">
+                  <a16:creationId xmlns:a16="http://schemas.microsoft.com/office/drawing/2014/main" id="{FDECDDC6-0C73-9C51-1CEE-2298017BC65D}"/>
+                </a:ext>
+              </a:extLst>
+            </p:cNvPr>
+            <p:cNvSpPr/>
+            <p:nvPr/>
+          </p:nvSpPr>
+          <p:spPr>
+            <a:xfrm>
+              <a:off x="1609016" y="4373331"/>
+              <a:ext cx="259080" cy="456850"/>
+            </a:xfrm>
+            <a:prstGeom prst="rect">
+              <a:avLst/>
+            </a:prstGeom>
+            <a:solidFill>
+              <a:schemeClr val="accent1">
+                <a:lumMod val="40000"/>
+                <a:lumOff val="60000"/>
+              </a:schemeClr>
+            </a:solidFill>
+            <a:ln>
+              <a:noFill/>
+            </a:ln>
+          </p:spPr>
+          <p:style>
+            <a:lnRef idx="2">
+              <a:schemeClr val="accent1">
+                <a:shade val="50000"/>
+              </a:schemeClr>
+            </a:lnRef>
+            <a:fillRef idx="1">
+              <a:schemeClr val="accent1"/>
+            </a:fillRef>
+            <a:effectRef idx="0">
+              <a:schemeClr val="accent1"/>
+            </a:effectRef>
+            <a:fontRef idx="minor">
+              <a:schemeClr val="lt1"/>
+            </a:fontRef>
+          </p:style>
+          <p:txBody>
+            <a:bodyPr rtlCol="0" anchor="ctr"/>
+            <a:lstStyle/>
+            <a:p>
+              <a:pPr algn="ctr"/>
+              <a:endParaRPr kumimoji="1" lang="ja-JP" altLang="en-US"/>
+            </a:p>
+          </p:txBody>
+        </p:sp>
+        <p:sp>
+          <p:nvSpPr>
+            <p:cNvPr id="35" name="正方形/長方形 34">
+              <a:extLst>
+                <a:ext uri="{FF2B5EF4-FFF2-40B4-BE49-F238E27FC236}">
+                  <a16:creationId xmlns:a16="http://schemas.microsoft.com/office/drawing/2014/main" id="{AA158FF4-D0DB-C2D4-19F8-A20DB63F3BB0}"/>
+                </a:ext>
+              </a:extLst>
+            </p:cNvPr>
+            <p:cNvSpPr/>
+            <p:nvPr/>
+          </p:nvSpPr>
+          <p:spPr>
+            <a:xfrm>
+              <a:off x="2752016" y="4373330"/>
+              <a:ext cx="259080" cy="575187"/>
+            </a:xfrm>
+            <a:prstGeom prst="rect">
+              <a:avLst/>
+            </a:prstGeom>
+            <a:solidFill>
+              <a:schemeClr val="accent1">
+                <a:lumMod val="40000"/>
+                <a:lumOff val="60000"/>
+              </a:schemeClr>
+            </a:solidFill>
+            <a:ln>
+              <a:noFill/>
+            </a:ln>
+          </p:spPr>
+          <p:style>
+            <a:lnRef idx="2">
+              <a:schemeClr val="accent1">
+                <a:shade val="50000"/>
+              </a:schemeClr>
+            </a:lnRef>
+            <a:fillRef idx="1">
+              <a:schemeClr val="accent1"/>
+            </a:fillRef>
+            <a:effectRef idx="0">
+              <a:schemeClr val="accent1"/>
+            </a:effectRef>
+            <a:fontRef idx="minor">
+              <a:schemeClr val="lt1"/>
+            </a:fontRef>
+          </p:style>
+          <p:txBody>
+            <a:bodyPr rtlCol="0" anchor="ctr"/>
+            <a:lstStyle/>
+            <a:p>
+              <a:pPr algn="ctr"/>
+              <a:endParaRPr kumimoji="1" lang="ja-JP" altLang="en-US"/>
+            </a:p>
+          </p:txBody>
+        </p:sp>
+        <p:sp>
+          <p:nvSpPr>
+            <p:cNvPr id="36" name="正方形/長方形 35">
+              <a:extLst>
+                <a:ext uri="{FF2B5EF4-FFF2-40B4-BE49-F238E27FC236}">
+                  <a16:creationId xmlns:a16="http://schemas.microsoft.com/office/drawing/2014/main" id="{63711FF0-8141-285E-3130-57FACC902B7C}"/>
+                </a:ext>
+              </a:extLst>
+            </p:cNvPr>
+            <p:cNvSpPr/>
+            <p:nvPr/>
+          </p:nvSpPr>
+          <p:spPr>
+            <a:xfrm>
+              <a:off x="3901087" y="4373331"/>
+              <a:ext cx="259080" cy="768824"/>
+            </a:xfrm>
+            <a:prstGeom prst="rect">
+              <a:avLst/>
+            </a:prstGeom>
+            <a:solidFill>
+              <a:schemeClr val="accent1">
+                <a:lumMod val="40000"/>
+                <a:lumOff val="60000"/>
+              </a:schemeClr>
+            </a:solidFill>
+            <a:ln>
+              <a:noFill/>
+            </a:ln>
+          </p:spPr>
+          <p:style>
+            <a:lnRef idx="2">
+              <a:schemeClr val="accent1">
+                <a:shade val="50000"/>
+              </a:schemeClr>
+            </a:lnRef>
+            <a:fillRef idx="1">
+              <a:schemeClr val="accent1"/>
+            </a:fillRef>
+            <a:effectRef idx="0">
+              <a:schemeClr val="accent1"/>
+            </a:effectRef>
+            <a:fontRef idx="minor">
+              <a:schemeClr val="lt1"/>
+            </a:fontRef>
+          </p:style>
+          <p:txBody>
+            <a:bodyPr rtlCol="0" anchor="ctr"/>
+            <a:lstStyle/>
+            <a:p>
+              <a:pPr algn="ctr"/>
+              <a:endParaRPr kumimoji="1" lang="ja-JP" altLang="en-US"/>
+            </a:p>
+          </p:txBody>
+        </p:sp>
+        <p:sp>
+          <p:nvSpPr>
+            <p:cNvPr id="37" name="正方形/長方形 36">
+              <a:extLst>
+                <a:ext uri="{FF2B5EF4-FFF2-40B4-BE49-F238E27FC236}">
+                  <a16:creationId xmlns:a16="http://schemas.microsoft.com/office/drawing/2014/main" id="{63EE53B4-9966-4F82-45D5-7A578FC3F67C}"/>
+                </a:ext>
+              </a:extLst>
+            </p:cNvPr>
+            <p:cNvSpPr/>
+            <p:nvPr/>
+          </p:nvSpPr>
+          <p:spPr>
+            <a:xfrm>
+              <a:off x="5045118" y="4373331"/>
+              <a:ext cx="259080" cy="456850"/>
+            </a:xfrm>
+            <a:prstGeom prst="rect">
+              <a:avLst/>
+            </a:prstGeom>
+            <a:solidFill>
+              <a:schemeClr val="accent1">
+                <a:lumMod val="40000"/>
+                <a:lumOff val="60000"/>
+              </a:schemeClr>
+            </a:solidFill>
+            <a:ln>
+              <a:noFill/>
+            </a:ln>
+          </p:spPr>
+          <p:style>
+            <a:lnRef idx="2">
+              <a:schemeClr val="accent1">
+                <a:shade val="50000"/>
+              </a:schemeClr>
+            </a:lnRef>
+            <a:fillRef idx="1">
+              <a:schemeClr val="accent1"/>
+            </a:fillRef>
+            <a:effectRef idx="0">
+              <a:schemeClr val="accent1"/>
+            </a:effectRef>
+            <a:fontRef idx="minor">
+              <a:schemeClr val="lt1"/>
+            </a:fontRef>
+          </p:style>
+          <p:txBody>
+            <a:bodyPr rtlCol="0" anchor="ctr"/>
+            <a:lstStyle/>
+            <a:p>
+              <a:pPr algn="ctr"/>
+              <a:endParaRPr kumimoji="1" lang="ja-JP" altLang="en-US"/>
+            </a:p>
+          </p:txBody>
+        </p:sp>
+        <p:sp>
+          <p:nvSpPr>
+            <p:cNvPr id="38" name="正方形/長方形 37">
+              <a:extLst>
+                <a:ext uri="{FF2B5EF4-FFF2-40B4-BE49-F238E27FC236}">
+                  <a16:creationId xmlns:a16="http://schemas.microsoft.com/office/drawing/2014/main" id="{23BCAE20-EE1D-F4F0-9B16-EA0F0B87D699}"/>
+                </a:ext>
+              </a:extLst>
+            </p:cNvPr>
+            <p:cNvSpPr/>
+            <p:nvPr/>
+          </p:nvSpPr>
+          <p:spPr>
+            <a:xfrm>
+              <a:off x="6186471" y="4373331"/>
+              <a:ext cx="259080" cy="575186"/>
+            </a:xfrm>
+            <a:prstGeom prst="rect">
+              <a:avLst/>
+            </a:prstGeom>
+            <a:solidFill>
+              <a:schemeClr val="accent1">
+                <a:lumMod val="40000"/>
+                <a:lumOff val="60000"/>
+              </a:schemeClr>
+            </a:solidFill>
+            <a:ln>
+              <a:noFill/>
+            </a:ln>
+          </p:spPr>
+          <p:style>
+            <a:lnRef idx="2">
+              <a:schemeClr val="accent1">
+                <a:shade val="50000"/>
+              </a:schemeClr>
+            </a:lnRef>
+            <a:fillRef idx="1">
+              <a:schemeClr val="accent1"/>
+            </a:fillRef>
+            <a:effectRef idx="0">
+              <a:schemeClr val="accent1"/>
+            </a:effectRef>
+            <a:fontRef idx="minor">
+              <a:schemeClr val="lt1"/>
+            </a:fontRef>
+          </p:style>
+          <p:txBody>
+            <a:bodyPr rtlCol="0" anchor="ctr"/>
+            <a:lstStyle/>
+            <a:p>
+              <a:pPr algn="ctr"/>
+              <a:endParaRPr kumimoji="1" lang="ja-JP" altLang="en-US"/>
+            </a:p>
+          </p:txBody>
+        </p:sp>
+        <p:sp>
+          <p:nvSpPr>
+            <p:cNvPr id="39" name="正方形/長方形 38">
+              <a:extLst>
+                <a:ext uri="{FF2B5EF4-FFF2-40B4-BE49-F238E27FC236}">
+                  <a16:creationId xmlns:a16="http://schemas.microsoft.com/office/drawing/2014/main" id="{D71B4E7F-656B-7A46-BBF2-E0E5881BBFEE}"/>
+                </a:ext>
+              </a:extLst>
+            </p:cNvPr>
+            <p:cNvSpPr/>
+            <p:nvPr/>
+          </p:nvSpPr>
+          <p:spPr>
+            <a:xfrm>
+              <a:off x="7348300" y="4373331"/>
+              <a:ext cx="259080" cy="661248"/>
+            </a:xfrm>
+            <a:prstGeom prst="rect">
+              <a:avLst/>
+            </a:prstGeom>
+            <a:solidFill>
+              <a:schemeClr val="accent1">
+                <a:lumMod val="40000"/>
+                <a:lumOff val="60000"/>
+              </a:schemeClr>
+            </a:solidFill>
+            <a:ln>
+              <a:noFill/>
+            </a:ln>
+          </p:spPr>
+          <p:style>
+            <a:lnRef idx="2">
+              <a:schemeClr val="accent1">
+                <a:shade val="50000"/>
+              </a:schemeClr>
+            </a:lnRef>
+            <a:fillRef idx="1">
+              <a:schemeClr val="accent1"/>
+            </a:fillRef>
+            <a:effectRef idx="0">
+              <a:schemeClr val="accent1"/>
+            </a:effectRef>
+            <a:fontRef idx="minor">
+              <a:schemeClr val="lt1"/>
+            </a:fontRef>
+          </p:style>
+          <p:txBody>
+            <a:bodyPr rtlCol="0" anchor="ctr"/>
+            <a:lstStyle/>
+            <a:p>
+              <a:pPr algn="ctr"/>
+              <a:endParaRPr kumimoji="1" lang="ja-JP" altLang="en-US"/>
+            </a:p>
+          </p:txBody>
+        </p:sp>
+        <p:sp>
+          <p:nvSpPr>
+            <p:cNvPr id="40" name="正方形/長方形 39">
+              <a:extLst>
+                <a:ext uri="{FF2B5EF4-FFF2-40B4-BE49-F238E27FC236}">
+                  <a16:creationId xmlns:a16="http://schemas.microsoft.com/office/drawing/2014/main" id="{9D157B00-3CA5-2ADA-34AC-6326BDA62920}"/>
+                </a:ext>
+              </a:extLst>
+            </p:cNvPr>
+            <p:cNvSpPr/>
+            <p:nvPr/>
+          </p:nvSpPr>
+          <p:spPr>
+            <a:xfrm>
+              <a:off x="8510129" y="4373331"/>
+              <a:ext cx="259080" cy="456850"/>
+            </a:xfrm>
+            <a:prstGeom prst="rect">
+              <a:avLst/>
+            </a:prstGeom>
+            <a:solidFill>
+              <a:schemeClr val="accent1">
+                <a:lumMod val="40000"/>
+                <a:lumOff val="60000"/>
+              </a:schemeClr>
+            </a:solidFill>
+            <a:ln>
+              <a:noFill/>
+            </a:ln>
+          </p:spPr>
+          <p:style>
+            <a:lnRef idx="2">
+              <a:schemeClr val="accent1">
+                <a:shade val="50000"/>
+              </a:schemeClr>
+            </a:lnRef>
+            <a:fillRef idx="1">
+              <a:schemeClr val="accent1"/>
+            </a:fillRef>
+            <a:effectRef idx="0">
+              <a:schemeClr val="accent1"/>
+            </a:effectRef>
+            <a:fontRef idx="minor">
+              <a:schemeClr val="lt1"/>
+            </a:fontRef>
+          </p:style>
+          <p:txBody>
+            <a:bodyPr rtlCol="0" anchor="ctr"/>
+            <a:lstStyle/>
+            <a:p>
+              <a:pPr algn="ctr"/>
+              <a:endParaRPr kumimoji="1" lang="ja-JP" altLang="en-US"/>
+            </a:p>
+          </p:txBody>
+        </p:sp>
+        <p:sp>
+          <p:nvSpPr>
+            <p:cNvPr id="41" name="正方形/長方形 40">
+              <a:extLst>
+                <a:ext uri="{FF2B5EF4-FFF2-40B4-BE49-F238E27FC236}">
+                  <a16:creationId xmlns:a16="http://schemas.microsoft.com/office/drawing/2014/main" id="{5669F6C0-CE83-D083-428D-8026B69D0EFB}"/>
+                </a:ext>
+              </a:extLst>
+            </p:cNvPr>
+            <p:cNvSpPr/>
+            <p:nvPr/>
+          </p:nvSpPr>
+          <p:spPr>
+            <a:xfrm>
+              <a:off x="9662927" y="4373331"/>
+              <a:ext cx="259080" cy="456850"/>
+            </a:xfrm>
+            <a:prstGeom prst="rect">
+              <a:avLst/>
+            </a:prstGeom>
+            <a:solidFill>
+              <a:schemeClr val="accent1">
+                <a:lumMod val="40000"/>
+                <a:lumOff val="60000"/>
+              </a:schemeClr>
+            </a:solidFill>
+            <a:ln>
+              <a:noFill/>
+            </a:ln>
+          </p:spPr>
+          <p:style>
+            <a:lnRef idx="2">
+              <a:schemeClr val="accent1">
+                <a:shade val="50000"/>
+              </a:schemeClr>
+            </a:lnRef>
+            <a:fillRef idx="1">
+              <a:schemeClr val="accent1"/>
+            </a:fillRef>
+            <a:effectRef idx="0">
+              <a:schemeClr val="accent1"/>
+            </a:effectRef>
+            <a:fontRef idx="minor">
+              <a:schemeClr val="lt1"/>
+            </a:fontRef>
+          </p:style>
+          <p:txBody>
+            <a:bodyPr rtlCol="0" anchor="ctr"/>
+            <a:lstStyle/>
+            <a:p>
+              <a:pPr algn="ctr"/>
+              <a:endParaRPr kumimoji="1" lang="ja-JP" altLang="en-US"/>
+            </a:p>
+          </p:txBody>
+        </p:sp>
+        <p:sp>
+          <p:nvSpPr>
+            <p:cNvPr id="42" name="正方形/長方形 41">
+              <a:extLst>
+                <a:ext uri="{FF2B5EF4-FFF2-40B4-BE49-F238E27FC236}">
+                  <a16:creationId xmlns:a16="http://schemas.microsoft.com/office/drawing/2014/main" id="{06E012BB-AF28-5760-647A-BF85B8DA3E60}"/>
+                </a:ext>
+              </a:extLst>
+            </p:cNvPr>
+            <p:cNvSpPr/>
+            <p:nvPr/>
+          </p:nvSpPr>
+          <p:spPr>
+            <a:xfrm>
+              <a:off x="10805235" y="4373331"/>
+              <a:ext cx="259080" cy="456850"/>
+            </a:xfrm>
+            <a:prstGeom prst="rect">
+              <a:avLst/>
+            </a:prstGeom>
+            <a:solidFill>
+              <a:schemeClr val="accent1">
+                <a:lumMod val="40000"/>
+                <a:lumOff val="60000"/>
+              </a:schemeClr>
+            </a:solidFill>
+            <a:ln>
+              <a:noFill/>
+            </a:ln>
+          </p:spPr>
+          <p:style>
+            <a:lnRef idx="2">
+              <a:schemeClr val="accent1">
+                <a:shade val="50000"/>
+              </a:schemeClr>
+            </a:lnRef>
+            <a:fillRef idx="1">
+              <a:schemeClr val="accent1"/>
+            </a:fillRef>
+            <a:effectRef idx="0">
+              <a:schemeClr val="accent1"/>
+            </a:effectRef>
+            <a:fontRef idx="minor">
+              <a:schemeClr val="lt1"/>
+            </a:fontRef>
+          </p:style>
+          <p:txBody>
+            <a:bodyPr rtlCol="0" anchor="ctr"/>
+            <a:lstStyle/>
+            <a:p>
+              <a:pPr algn="ctr"/>
+              <a:endParaRPr kumimoji="1" lang="ja-JP" altLang="en-US"/>
+            </a:p>
+          </p:txBody>
+        </p:sp>
+        <p:cxnSp>
+          <p:nvCxnSpPr>
+            <p:cNvPr id="19" name="直線コネクタ 18">
+              <a:extLst>
+                <a:ext uri="{FF2B5EF4-FFF2-40B4-BE49-F238E27FC236}">
+                  <a16:creationId xmlns:a16="http://schemas.microsoft.com/office/drawing/2014/main" id="{87C9C7FA-03E3-70C4-F8A8-20DB187F328F}"/>
+                </a:ext>
+              </a:extLst>
+            </p:cNvPr>
+            <p:cNvCxnSpPr/>
+            <p:nvPr/>
+          </p:nvCxnSpPr>
+          <p:spPr>
+            <a:xfrm>
+              <a:off x="775096" y="4373880"/>
+              <a:ext cx="10641807" cy="0"/>
+            </a:xfrm>
+            <a:prstGeom prst="line">
+              <a:avLst/>
+            </a:prstGeom>
+          </p:spPr>
+          <p:style>
+            <a:lnRef idx="2">
+              <a:schemeClr val="accent1"/>
+            </a:lnRef>
+            <a:fillRef idx="0">
+              <a:schemeClr val="accent1"/>
+            </a:fillRef>
+            <a:effectRef idx="1">
+              <a:schemeClr val="accent1"/>
+            </a:effectRef>
+            <a:fontRef idx="minor">
+              <a:schemeClr val="tx1"/>
+            </a:fontRef>
+          </p:style>
+        </p:cxnSp>
+        <p:cxnSp>
+          <p:nvCxnSpPr>
+            <p:cNvPr id="44" name="直線コネクタ 43">
+              <a:extLst>
+                <a:ext uri="{FF2B5EF4-FFF2-40B4-BE49-F238E27FC236}">
+                  <a16:creationId xmlns:a16="http://schemas.microsoft.com/office/drawing/2014/main" id="{592C9894-2D7E-A230-3D4E-FDA6FF037F22}"/>
+                </a:ext>
+              </a:extLst>
+            </p:cNvPr>
+            <p:cNvCxnSpPr>
+              <a:cxnSpLocks/>
+            </p:cNvCxnSpPr>
+            <p:nvPr/>
+          </p:nvCxnSpPr>
+          <p:spPr>
+            <a:xfrm flipV="1">
+              <a:off x="1609016" y="3505812"/>
+              <a:ext cx="1143000" cy="206820"/>
+            </a:xfrm>
+            <a:prstGeom prst="line">
+              <a:avLst/>
+            </a:prstGeom>
+            <a:ln>
+              <a:solidFill>
+                <a:srgbClr val="00B0F0"/>
+              </a:solidFill>
+              <a:headEnd type="oval"/>
+              <a:tailEnd type="oval"/>
+            </a:ln>
+          </p:spPr>
+          <p:style>
+            <a:lnRef idx="1">
+              <a:schemeClr val="accent1"/>
+            </a:lnRef>
+            <a:fillRef idx="0">
+              <a:schemeClr val="accent1"/>
+            </a:fillRef>
+            <a:effectRef idx="0">
+              <a:schemeClr val="accent1"/>
+            </a:effectRef>
+            <a:fontRef idx="minor">
+              <a:schemeClr val="tx1"/>
+            </a:fontRef>
+          </p:style>
+        </p:cxnSp>
+        <p:cxnSp>
+          <p:nvCxnSpPr>
+            <p:cNvPr id="47" name="直線コネクタ 46">
+              <a:extLst>
+                <a:ext uri="{FF2B5EF4-FFF2-40B4-BE49-F238E27FC236}">
+                  <a16:creationId xmlns:a16="http://schemas.microsoft.com/office/drawing/2014/main" id="{B90BF5FF-3AE0-A7F7-2D1E-14B91F57A23E}"/>
+                </a:ext>
+              </a:extLst>
+            </p:cNvPr>
+            <p:cNvCxnSpPr>
+              <a:cxnSpLocks/>
+            </p:cNvCxnSpPr>
+            <p:nvPr/>
+          </p:nvCxnSpPr>
+          <p:spPr>
+            <a:xfrm>
+              <a:off x="2752016" y="3505811"/>
+              <a:ext cx="1143705" cy="151461"/>
+            </a:xfrm>
+            <a:prstGeom prst="line">
+              <a:avLst/>
+            </a:prstGeom>
+            <a:ln>
+              <a:solidFill>
+                <a:srgbClr val="00B0F0"/>
+              </a:solidFill>
+              <a:headEnd type="oval"/>
+              <a:tailEnd type="oval"/>
+            </a:ln>
+          </p:spPr>
+          <p:style>
+            <a:lnRef idx="1">
+              <a:schemeClr val="accent1"/>
+            </a:lnRef>
+            <a:fillRef idx="0">
+              <a:schemeClr val="accent1"/>
+            </a:fillRef>
+            <a:effectRef idx="0">
+              <a:schemeClr val="accent1"/>
+            </a:effectRef>
+            <a:fontRef idx="minor">
+              <a:schemeClr val="tx1"/>
+            </a:fontRef>
+          </p:style>
+        </p:cxnSp>
+        <p:cxnSp>
+          <p:nvCxnSpPr>
+            <p:cNvPr id="50" name="直線コネクタ 49">
+              <a:extLst>
+                <a:ext uri="{FF2B5EF4-FFF2-40B4-BE49-F238E27FC236}">
+                  <a16:creationId xmlns:a16="http://schemas.microsoft.com/office/drawing/2014/main" id="{E7C9F3E5-0F7B-42E3-7AA7-9965B92EBAA4}"/>
+                </a:ext>
+              </a:extLst>
+            </p:cNvPr>
+            <p:cNvCxnSpPr>
+              <a:cxnSpLocks/>
+            </p:cNvCxnSpPr>
+            <p:nvPr/>
+          </p:nvCxnSpPr>
+          <p:spPr>
+            <a:xfrm flipV="1">
+              <a:off x="3895369" y="3261359"/>
+              <a:ext cx="1149749" cy="395913"/>
+            </a:xfrm>
+            <a:prstGeom prst="line">
+              <a:avLst/>
+            </a:prstGeom>
+            <a:ln>
+              <a:solidFill>
+                <a:srgbClr val="00B0F0"/>
+              </a:solidFill>
+              <a:headEnd type="oval"/>
+              <a:tailEnd type="oval"/>
+            </a:ln>
+          </p:spPr>
+          <p:style>
+            <a:lnRef idx="1">
+              <a:schemeClr val="accent1"/>
+            </a:lnRef>
+            <a:fillRef idx="0">
+              <a:schemeClr val="accent1"/>
+            </a:fillRef>
+            <a:effectRef idx="0">
+              <a:schemeClr val="accent1"/>
+            </a:effectRef>
+            <a:fontRef idx="minor">
+              <a:schemeClr val="tx1"/>
+            </a:fontRef>
+          </p:style>
+        </p:cxnSp>
+        <p:cxnSp>
+          <p:nvCxnSpPr>
+            <p:cNvPr id="53" name="直線コネクタ 52">
+              <a:extLst>
+                <a:ext uri="{FF2B5EF4-FFF2-40B4-BE49-F238E27FC236}">
+                  <a16:creationId xmlns:a16="http://schemas.microsoft.com/office/drawing/2014/main" id="{71C0685D-00C7-3CB0-B830-252443A42B8D}"/>
+                </a:ext>
+              </a:extLst>
+            </p:cNvPr>
+            <p:cNvCxnSpPr>
+              <a:cxnSpLocks/>
+            </p:cNvCxnSpPr>
+            <p:nvPr/>
+          </p:nvCxnSpPr>
+          <p:spPr>
+            <a:xfrm>
+              <a:off x="5045118" y="3259612"/>
+              <a:ext cx="1143705" cy="151461"/>
+            </a:xfrm>
+            <a:prstGeom prst="line">
+              <a:avLst/>
+            </a:prstGeom>
+            <a:ln>
+              <a:solidFill>
+                <a:srgbClr val="00B0F0"/>
+              </a:solidFill>
+              <a:headEnd type="oval"/>
+              <a:tailEnd type="oval"/>
+            </a:ln>
+          </p:spPr>
+          <p:style>
+            <a:lnRef idx="1">
+              <a:schemeClr val="accent1"/>
+            </a:lnRef>
+            <a:fillRef idx="0">
+              <a:schemeClr val="accent1"/>
+            </a:fillRef>
+            <a:effectRef idx="0">
+              <a:schemeClr val="accent1"/>
+            </a:effectRef>
+            <a:fontRef idx="minor">
+              <a:schemeClr val="tx1"/>
+            </a:fontRef>
+          </p:style>
+        </p:cxnSp>
+        <p:cxnSp>
+          <p:nvCxnSpPr>
+            <p:cNvPr id="54" name="直線コネクタ 53">
+              <a:extLst>
+                <a:ext uri="{FF2B5EF4-FFF2-40B4-BE49-F238E27FC236}">
+                  <a16:creationId xmlns:a16="http://schemas.microsoft.com/office/drawing/2014/main" id="{33FB8746-9541-8DBC-3CD1-955F8E3211FC}"/>
+                </a:ext>
+              </a:extLst>
+            </p:cNvPr>
+            <p:cNvCxnSpPr>
+              <a:cxnSpLocks/>
+            </p:cNvCxnSpPr>
+            <p:nvPr/>
+          </p:nvCxnSpPr>
+          <p:spPr>
+            <a:xfrm flipV="1">
+              <a:off x="6186471" y="3259063"/>
+              <a:ext cx="1132629" cy="152968"/>
+            </a:xfrm>
+            <a:prstGeom prst="line">
+              <a:avLst/>
+            </a:prstGeom>
+            <a:ln>
+              <a:solidFill>
+                <a:srgbClr val="00B0F0"/>
+              </a:solidFill>
+              <a:headEnd type="oval"/>
+              <a:tailEnd type="oval"/>
+            </a:ln>
+          </p:spPr>
+          <p:style>
+            <a:lnRef idx="1">
+              <a:schemeClr val="accent1"/>
+            </a:lnRef>
+            <a:fillRef idx="0">
+              <a:schemeClr val="accent1"/>
+            </a:fillRef>
+            <a:effectRef idx="0">
+              <a:schemeClr val="accent1"/>
+            </a:effectRef>
+            <a:fontRef idx="minor">
+              <a:schemeClr val="tx1"/>
+            </a:fontRef>
+          </p:style>
+        </p:cxnSp>
+        <p:cxnSp>
+          <p:nvCxnSpPr>
+            <p:cNvPr id="56" name="直線コネクタ 55">
+              <a:extLst>
+                <a:ext uri="{FF2B5EF4-FFF2-40B4-BE49-F238E27FC236}">
+                  <a16:creationId xmlns:a16="http://schemas.microsoft.com/office/drawing/2014/main" id="{D23F190D-16DD-8498-F714-4BD7D08E9016}"/>
+                </a:ext>
+              </a:extLst>
+            </p:cNvPr>
+            <p:cNvCxnSpPr>
+              <a:cxnSpLocks/>
+            </p:cNvCxnSpPr>
+            <p:nvPr/>
+          </p:nvCxnSpPr>
+          <p:spPr>
+            <a:xfrm flipV="1">
+              <a:off x="7315075" y="3038413"/>
+              <a:ext cx="1195054" cy="220650"/>
+            </a:xfrm>
+            <a:prstGeom prst="line">
+              <a:avLst/>
+            </a:prstGeom>
+            <a:ln>
+              <a:solidFill>
+                <a:srgbClr val="00B0F0"/>
+              </a:solidFill>
+              <a:headEnd type="oval"/>
+              <a:tailEnd type="oval"/>
+            </a:ln>
+          </p:spPr>
+          <p:style>
+            <a:lnRef idx="1">
+              <a:schemeClr val="accent1"/>
+            </a:lnRef>
+            <a:fillRef idx="0">
+              <a:schemeClr val="accent1"/>
+            </a:fillRef>
+            <a:effectRef idx="0">
+              <a:schemeClr val="accent1"/>
+            </a:effectRef>
+            <a:fontRef idx="minor">
+              <a:schemeClr val="tx1"/>
+            </a:fontRef>
+          </p:style>
+        </p:cxnSp>
+        <p:cxnSp>
+          <p:nvCxnSpPr>
+            <p:cNvPr id="59" name="直線コネクタ 58">
+              <a:extLst>
+                <a:ext uri="{FF2B5EF4-FFF2-40B4-BE49-F238E27FC236}">
+                  <a16:creationId xmlns:a16="http://schemas.microsoft.com/office/drawing/2014/main" id="{57E0CE42-EA36-8C8D-467D-7301E5AA5CBF}"/>
+                </a:ext>
+              </a:extLst>
+            </p:cNvPr>
+            <p:cNvCxnSpPr>
+              <a:cxnSpLocks/>
+            </p:cNvCxnSpPr>
+            <p:nvPr/>
+          </p:nvCxnSpPr>
+          <p:spPr>
+            <a:xfrm>
+              <a:off x="8510129" y="3038413"/>
+              <a:ext cx="1152798" cy="0"/>
+            </a:xfrm>
+            <a:prstGeom prst="line">
+              <a:avLst/>
+            </a:prstGeom>
+            <a:ln>
+              <a:solidFill>
+                <a:srgbClr val="00B0F0"/>
+              </a:solidFill>
+              <a:headEnd type="oval"/>
+              <a:tailEnd type="oval"/>
+            </a:ln>
+          </p:spPr>
+          <p:style>
+            <a:lnRef idx="1">
+              <a:schemeClr val="accent1"/>
+            </a:lnRef>
+            <a:fillRef idx="0">
+              <a:schemeClr val="accent1"/>
+            </a:fillRef>
+            <a:effectRef idx="0">
+              <a:schemeClr val="accent1"/>
+            </a:effectRef>
+            <a:fontRef idx="minor">
+              <a:schemeClr val="tx1"/>
+            </a:fontRef>
+          </p:style>
+        </p:cxnSp>
+        <p:cxnSp>
+          <p:nvCxnSpPr>
+            <p:cNvPr id="61" name="直線コネクタ 60">
+              <a:extLst>
+                <a:ext uri="{FF2B5EF4-FFF2-40B4-BE49-F238E27FC236}">
+                  <a16:creationId xmlns:a16="http://schemas.microsoft.com/office/drawing/2014/main" id="{DAA65D0D-40B9-4E17-D8CD-111AD4D84F5F}"/>
+                </a:ext>
+              </a:extLst>
+            </p:cNvPr>
+            <p:cNvCxnSpPr>
+              <a:cxnSpLocks/>
+            </p:cNvCxnSpPr>
+            <p:nvPr/>
+          </p:nvCxnSpPr>
+          <p:spPr>
+            <a:xfrm flipV="1">
+              <a:off x="9662927" y="2929973"/>
+              <a:ext cx="1142308" cy="114317"/>
+            </a:xfrm>
+            <a:prstGeom prst="line">
+              <a:avLst/>
+            </a:prstGeom>
+            <a:ln>
+              <a:solidFill>
+                <a:srgbClr val="00B0F0"/>
+              </a:solidFill>
+              <a:headEnd type="oval"/>
+              <a:tailEnd type="oval"/>
+            </a:ln>
+          </p:spPr>
+          <p:style>
+            <a:lnRef idx="1">
+              <a:schemeClr val="accent1"/>
+            </a:lnRef>
+            <a:fillRef idx="0">
+              <a:schemeClr val="accent1"/>
+            </a:fillRef>
+            <a:effectRef idx="0">
+              <a:schemeClr val="accent1"/>
+            </a:effectRef>
+            <a:fontRef idx="minor">
+              <a:schemeClr val="tx1"/>
+            </a:fontRef>
+          </p:style>
+        </p:cxnSp>
+      </p:grpSp>
+    </p:spTree>
+    <p:extLst>
+      <p:ext uri="{BB962C8B-B14F-4D97-AF65-F5344CB8AC3E}">
+        <p14:creationId xmlns:p14="http://schemas.microsoft.com/office/powerpoint/2010/main" val="1380572059"/>
+      </p:ext>
+    </p:extLst>
+  </p:cSld>
+  <p:clrMapOvr>
+    <a:masterClrMapping/>
+  </p:clrMapOvr>
+</p:sld>
+</file>
+
+<file path=ppt/slides/slide12.xml><?xml version="1.0" encoding="utf-8"?>
+<p:sld xmlns:a="http://schemas.openxmlformats.org/drawingml/2006/main" xmlns:r="http://schemas.openxmlformats.org/officeDocument/2006/relationships" xmlns:p="http://schemas.openxmlformats.org/presentationml/2006/main">
+  <p:cSld>
+    <p:bg>
+      <p:bgPr>
+        <a:blipFill dpi="0" rotWithShape="1">
+          <a:blip r:embed="rId2">
+            <a:lum/>
+          </a:blip>
+          <a:srcRect/>
+          <a:stretch>
+            <a:fillRect t="-5000" b="-5000"/>
+          </a:stretch>
+        </a:blipFill>
+        <a:effectLst/>
+      </p:bgPr>
+    </p:bg>
+    <p:spTree>
+      <p:nvGrpSpPr>
+        <p:cNvPr id="1" name=""/>
+        <p:cNvGrpSpPr/>
+        <p:nvPr/>
+      </p:nvGrpSpPr>
+      <p:grpSpPr>
+        <a:xfrm>
+          <a:off x="0" y="0"/>
+          <a:ext cx="0" cy="0"/>
+          <a:chOff x="0" y="0"/>
+          <a:chExt cx="0" cy="0"/>
+        </a:xfrm>
+      </p:grpSpPr>
+      <p:sp>
+        <p:nvSpPr>
+          <p:cNvPr id="23" name="正方形/長方形 22">
+            <a:extLst>
+              <a:ext uri="{FF2B5EF4-FFF2-40B4-BE49-F238E27FC236}">
+                <a16:creationId xmlns:a16="http://schemas.microsoft.com/office/drawing/2014/main" id="{3F6702FC-2440-D307-4CFD-ACFD22C0A2E7}"/>
+              </a:ext>
+            </a:extLst>
+          </p:cNvPr>
+          <p:cNvSpPr/>
+          <p:nvPr/>
+        </p:nvSpPr>
+        <p:spPr>
+          <a:xfrm>
+            <a:off x="749201" y="1074732"/>
+            <a:ext cx="10693597" cy="5416220"/>
+          </a:xfrm>
+          <a:prstGeom prst="rect">
+            <a:avLst/>
+          </a:prstGeom>
+          <a:solidFill>
+            <a:schemeClr val="accent1">
+              <a:lumMod val="40000"/>
+              <a:lumOff val="60000"/>
+            </a:schemeClr>
+          </a:solidFill>
+          <a:ln>
+            <a:noFill/>
+          </a:ln>
+          <a:effectLst>
+            <a:outerShdw blurRad="50800" dist="38100" dir="2700000" algn="tl" rotWithShape="0">
+              <a:prstClr val="black">
+                <a:alpha val="40000"/>
+              </a:prstClr>
+            </a:outerShdw>
+          </a:effectLst>
+        </p:spPr>
+        <p:style>
+          <a:lnRef idx="2">
+            <a:schemeClr val="accent1">
+              <a:shade val="50000"/>
+            </a:schemeClr>
+          </a:lnRef>
+          <a:fillRef idx="1">
+            <a:schemeClr val="accent1"/>
+          </a:fillRef>
+          <a:effectRef idx="0">
+            <a:schemeClr val="accent1"/>
+          </a:effectRef>
+          <a:fontRef idx="minor">
+            <a:schemeClr val="lt1"/>
+          </a:fontRef>
+        </p:style>
+        <p:txBody>
+          <a:bodyPr rtlCol="0" anchor="ctr"/>
+          <a:lstStyle/>
+          <a:p>
+            <a:pPr algn="ctr"/>
+            <a:endParaRPr kumimoji="1" lang="ja-JP" altLang="en-US"/>
+          </a:p>
+        </p:txBody>
+      </p:sp>
+      <p:sp>
+        <p:nvSpPr>
+          <p:cNvPr id="24" name="テキスト ボックス 23">
+            <a:extLst>
+              <a:ext uri="{FF2B5EF4-FFF2-40B4-BE49-F238E27FC236}">
+                <a16:creationId xmlns:a16="http://schemas.microsoft.com/office/drawing/2014/main" id="{F0F7D29A-2B18-1CCC-AEEB-C58452242BEE}"/>
+              </a:ext>
+            </a:extLst>
+          </p:cNvPr>
+          <p:cNvSpPr txBox="1"/>
+          <p:nvPr/>
+        </p:nvSpPr>
+        <p:spPr>
+          <a:xfrm>
+            <a:off x="749201" y="1074733"/>
+            <a:ext cx="2797135" cy="461665"/>
+          </a:xfrm>
+          <a:prstGeom prst="rect">
+            <a:avLst/>
+          </a:prstGeom>
+          <a:noFill/>
+        </p:spPr>
+        <p:txBody>
+          <a:bodyPr wrap="square" rtlCol="0">
+            <a:spAutoFit/>
+          </a:bodyPr>
+          <a:lstStyle/>
+          <a:p>
+            <a:r>
+              <a:rPr lang="ja-JP" altLang="en-US" sz="2400" b="1"/>
+              <a:t>給与と支出</a:t>
+            </a:r>
+            <a:r>
+              <a:rPr kumimoji="1" lang="ja-JP" altLang="en-US" sz="2400" b="1"/>
+              <a:t>の情報</a:t>
+            </a:r>
+          </a:p>
+        </p:txBody>
+      </p:sp>
+      <p:graphicFrame>
+        <p:nvGraphicFramePr>
+          <p:cNvPr id="5" name="表 5">
+            <a:extLst>
+              <a:ext uri="{FF2B5EF4-FFF2-40B4-BE49-F238E27FC236}">
+                <a16:creationId xmlns:a16="http://schemas.microsoft.com/office/drawing/2014/main" id="{A55CC1A0-A25C-3538-58DE-D84183B7A27B}"/>
+              </a:ext>
+            </a:extLst>
+          </p:cNvPr>
+          <p:cNvGraphicFramePr>
+            <a:graphicFrameLocks noGrp="1"/>
+          </p:cNvGraphicFramePr>
+          <p:nvPr>
+            <p:extLst>
+              <p:ext uri="{D42A27DB-BD31-4B8C-83A1-F6EECF244321}">
+                <p14:modId xmlns:p14="http://schemas.microsoft.com/office/powerpoint/2010/main" val="3390588617"/>
+              </p:ext>
+            </p:extLst>
+          </p:nvPr>
+        </p:nvGraphicFramePr>
+        <p:xfrm>
+          <a:off x="885779" y="3471867"/>
+          <a:ext cx="5210220" cy="2311400"/>
+        </p:xfrm>
+        <a:graphic>
+          <a:graphicData uri="http://schemas.openxmlformats.org/drawingml/2006/table">
+            <a:tbl>
+              <a:tblPr bandRow="1">
+                <a:tableStyleId>{5C22544A-7EE6-4342-B048-85BDC9FD1C3A}</a:tableStyleId>
+              </a:tblPr>
+              <a:tblGrid>
+                <a:gridCol w="1042044">
+                  <a:extLst>
+                    <a:ext uri="{9D8B030D-6E8A-4147-A177-3AD203B41FA5}">
+                      <a16:colId xmlns:a16="http://schemas.microsoft.com/office/drawing/2014/main" val="2789605588"/>
+                    </a:ext>
+                  </a:extLst>
+                </a:gridCol>
+                <a:gridCol w="1042044">
+                  <a:extLst>
+                    <a:ext uri="{9D8B030D-6E8A-4147-A177-3AD203B41FA5}">
+                      <a16:colId xmlns:a16="http://schemas.microsoft.com/office/drawing/2014/main" val="456290291"/>
+                    </a:ext>
+                  </a:extLst>
+                </a:gridCol>
+                <a:gridCol w="1042044">
+                  <a:extLst>
+                    <a:ext uri="{9D8B030D-6E8A-4147-A177-3AD203B41FA5}">
+                      <a16:colId xmlns:a16="http://schemas.microsoft.com/office/drawing/2014/main" val="3078904051"/>
+                    </a:ext>
+                  </a:extLst>
+                </a:gridCol>
+                <a:gridCol w="1042044">
+                  <a:extLst>
+                    <a:ext uri="{9D8B030D-6E8A-4147-A177-3AD203B41FA5}">
+                      <a16:colId xmlns:a16="http://schemas.microsoft.com/office/drawing/2014/main" val="1080072508"/>
+                    </a:ext>
+                  </a:extLst>
+                </a:gridCol>
+                <a:gridCol w="1042044">
+                  <a:extLst>
+                    <a:ext uri="{9D8B030D-6E8A-4147-A177-3AD203B41FA5}">
+                      <a16:colId xmlns:a16="http://schemas.microsoft.com/office/drawing/2014/main" val="480438940"/>
+                    </a:ext>
+                  </a:extLst>
+                </a:gridCol>
+              </a:tblGrid>
+              <a:tr h="370840">
+                <a:tc gridSpan="5">
+                  <a:txBody>
+                    <a:bodyPr/>
+                    <a:lstStyle/>
+                    <a:p>
+                      <a:r>
+                        <a:rPr kumimoji="1" lang="ja-JP" altLang="en-US"/>
+                        <a:t> </a:t>
+                      </a:r>
+                      <a:r>
+                        <a:rPr kumimoji="1" lang="ja-JP" altLang="en-US" sz="2400" b="1">
+                          <a:solidFill>
+                            <a:schemeClr val="bg1"/>
+                          </a:solidFill>
+                        </a:rPr>
+                        <a:t>給与</a:t>
+                      </a:r>
+                    </a:p>
+                  </a:txBody>
+                  <a:tcPr>
+                    <a:solidFill>
+                      <a:schemeClr val="accent1">
+                        <a:lumMod val="75000"/>
+                      </a:schemeClr>
+                    </a:solidFill>
+                  </a:tcPr>
+                </a:tc>
+                <a:tc hMerge="1">
+                  <a:txBody>
+                    <a:bodyPr/>
+                    <a:lstStyle/>
+                    <a:p>
+                      <a:endParaRPr kumimoji="1" lang="ja-JP" altLang="en-US"/>
+                    </a:p>
+                  </a:txBody>
+                  <a:tcPr>
+                    <a:solidFill>
+                      <a:schemeClr val="accent1">
+                        <a:lumMod val="75000"/>
+                      </a:schemeClr>
+                    </a:solidFill>
+                  </a:tcPr>
+                </a:tc>
+                <a:tc hMerge="1">
+                  <a:txBody>
+                    <a:bodyPr/>
+                    <a:lstStyle/>
+                    <a:p>
+                      <a:endParaRPr kumimoji="1" lang="ja-JP" altLang="en-US"/>
+                    </a:p>
+                  </a:txBody>
+                  <a:tcPr>
+                    <a:solidFill>
+                      <a:schemeClr val="accent1">
+                        <a:lumMod val="75000"/>
+                      </a:schemeClr>
+                    </a:solidFill>
+                  </a:tcPr>
+                </a:tc>
+                <a:tc hMerge="1">
+                  <a:txBody>
+                    <a:bodyPr/>
+                    <a:lstStyle/>
+                    <a:p>
+                      <a:endParaRPr kumimoji="1" lang="ja-JP" altLang="en-US"/>
+                    </a:p>
+                  </a:txBody>
+                  <a:tcPr>
+                    <a:solidFill>
+                      <a:schemeClr val="accent1">
+                        <a:lumMod val="75000"/>
+                      </a:schemeClr>
+                    </a:solidFill>
+                  </a:tcPr>
+                </a:tc>
+                <a:tc hMerge="1">
+                  <a:txBody>
+                    <a:bodyPr/>
+                    <a:lstStyle/>
+                    <a:p>
+                      <a:endParaRPr kumimoji="1" lang="ja-JP" altLang="en-US"/>
+                    </a:p>
+                  </a:txBody>
+                  <a:tcPr>
+                    <a:solidFill>
+                      <a:schemeClr val="accent1">
+                        <a:lumMod val="75000"/>
+                      </a:schemeClr>
+                    </a:solidFill>
+                  </a:tcPr>
+                </a:tc>
+                <a:extLst>
+                  <a:ext uri="{0D108BD9-81ED-4DB2-BD59-A6C34878D82A}">
+                    <a16:rowId xmlns:a16="http://schemas.microsoft.com/office/drawing/2014/main" val="2338396050"/>
+                  </a:ext>
+                </a:extLst>
+              </a:tr>
+              <a:tr h="370840">
+                <a:tc>
+                  <a:txBody>
+                    <a:bodyPr/>
+                    <a:lstStyle/>
+                    <a:p>
+                      <a:pPr algn="ctr"/>
+                      <a:r>
+                        <a:rPr kumimoji="1" lang="ja-JP" altLang="en-US" sz="1000" b="1">
+                          <a:solidFill>
+                            <a:schemeClr val="bg1"/>
+                          </a:solidFill>
+                        </a:rPr>
+                        <a:t>項目名</a:t>
+                      </a:r>
+                    </a:p>
+                  </a:txBody>
+                  <a:tcPr anchor="ctr">
+                    <a:solidFill>
+                      <a:schemeClr val="accent1">
+                        <a:lumMod val="60000"/>
+                        <a:lumOff val="40000"/>
+                      </a:schemeClr>
+                    </a:solidFill>
+                  </a:tcPr>
+                </a:tc>
+                <a:tc>
+                  <a:txBody>
+                    <a:bodyPr/>
+                    <a:lstStyle/>
+                    <a:p>
+                      <a:pPr algn="ctr"/>
+                      <a:r>
+                        <a:rPr kumimoji="1" lang="ja-JP" altLang="en-US" sz="1000" b="1">
+                          <a:solidFill>
+                            <a:schemeClr val="bg1"/>
+                          </a:solidFill>
+                        </a:rPr>
+                        <a:t>金額（円）</a:t>
+                      </a:r>
+                    </a:p>
+                  </a:txBody>
+                  <a:tcPr anchor="ctr">
+                    <a:solidFill>
+                      <a:schemeClr val="accent1">
+                        <a:lumMod val="60000"/>
+                        <a:lumOff val="40000"/>
+                      </a:schemeClr>
+                    </a:solidFill>
+                  </a:tcPr>
+                </a:tc>
+                <a:tc>
+                  <a:txBody>
+                    <a:bodyPr/>
+                    <a:lstStyle/>
+                    <a:p>
+                      <a:pPr algn="ctr"/>
+                      <a:r>
+                        <a:rPr kumimoji="1" lang="ja-JP" altLang="en-US" sz="1000" b="1">
+                          <a:solidFill>
+                            <a:schemeClr val="bg1"/>
+                          </a:solidFill>
+                        </a:rPr>
+                        <a:t>課税 </a:t>
+                      </a:r>
+                      <a:r>
+                        <a:rPr kumimoji="1" lang="en-US" altLang="ja-JP" sz="1000" b="1" dirty="0">
+                          <a:solidFill>
+                            <a:schemeClr val="bg1"/>
+                          </a:solidFill>
+                        </a:rPr>
+                        <a:t>or </a:t>
+                      </a:r>
+                      <a:r>
+                        <a:rPr kumimoji="1" lang="ja-JP" altLang="en-US" sz="1000" b="1">
+                          <a:solidFill>
+                            <a:schemeClr val="bg1"/>
+                          </a:solidFill>
+                        </a:rPr>
+                        <a:t>非課税</a:t>
+                      </a:r>
+                    </a:p>
+                  </a:txBody>
+                  <a:tcPr anchor="ctr">
+                    <a:solidFill>
+                      <a:schemeClr val="accent1">
+                        <a:lumMod val="60000"/>
+                        <a:lumOff val="40000"/>
+                      </a:schemeClr>
+                    </a:solidFill>
+                  </a:tcPr>
+                </a:tc>
+                <a:tc>
+                  <a:txBody>
+                    <a:bodyPr/>
+                    <a:lstStyle/>
+                    <a:p>
+                      <a:pPr algn="ctr"/>
+                      <a:r>
+                        <a:rPr kumimoji="1" lang="ja-JP" altLang="en-US" sz="1000" b="1">
+                          <a:solidFill>
+                            <a:schemeClr val="bg1"/>
+                          </a:solidFill>
+                        </a:rPr>
+                        <a:t>頻度</a:t>
+                      </a:r>
+                    </a:p>
+                  </a:txBody>
+                  <a:tcPr anchor="ctr">
+                    <a:solidFill>
+                      <a:schemeClr val="accent1">
+                        <a:lumMod val="60000"/>
+                        <a:lumOff val="40000"/>
+                      </a:schemeClr>
+                    </a:solidFill>
+                  </a:tcPr>
+                </a:tc>
+                <a:tc>
+                  <a:txBody>
+                    <a:bodyPr/>
+                    <a:lstStyle/>
+                    <a:p>
+                      <a:pPr algn="ctr"/>
+                      <a:r>
+                        <a:rPr kumimoji="1" lang="ja-JP" altLang="en-US" sz="1000" b="1">
+                          <a:solidFill>
+                            <a:schemeClr val="bg1"/>
+                          </a:solidFill>
+                        </a:rPr>
+                        <a:t>削除</a:t>
+                      </a:r>
+                    </a:p>
+                  </a:txBody>
+                  <a:tcPr anchor="ctr">
+                    <a:solidFill>
+                      <a:schemeClr val="accent1">
+                        <a:lumMod val="60000"/>
+                        <a:lumOff val="40000"/>
+                      </a:schemeClr>
+                    </a:solidFill>
+                  </a:tcPr>
+                </a:tc>
+                <a:extLst>
+                  <a:ext uri="{0D108BD9-81ED-4DB2-BD59-A6C34878D82A}">
+                    <a16:rowId xmlns:a16="http://schemas.microsoft.com/office/drawing/2014/main" val="3124868555"/>
+                  </a:ext>
+                </a:extLst>
+              </a:tr>
+              <a:tr h="370840">
+                <a:tc>
+                  <a:txBody>
+                    <a:bodyPr/>
+                    <a:lstStyle/>
+                    <a:p>
+                      <a:pPr algn="ctr"/>
+                      <a:r>
+                        <a:rPr kumimoji="1" lang="ja-JP" altLang="en-US" sz="1000"/>
+                        <a:t>基本給</a:t>
+                      </a:r>
+                    </a:p>
+                  </a:txBody>
+                  <a:tcPr anchor="ctr">
+                    <a:solidFill>
+                      <a:schemeClr val="accent1">
+                        <a:lumMod val="20000"/>
+                        <a:lumOff val="80000"/>
+                      </a:schemeClr>
+                    </a:solidFill>
+                  </a:tcPr>
+                </a:tc>
+                <a:tc>
+                  <a:txBody>
+                    <a:bodyPr/>
+                    <a:lstStyle/>
+                    <a:p>
+                      <a:pPr algn="ctr"/>
+                      <a:r>
+                        <a:rPr kumimoji="1" lang="en-US" altLang="ja-JP" sz="1000" dirty="0"/>
+                        <a:t>180,000</a:t>
+                      </a:r>
+                      <a:endParaRPr kumimoji="1" lang="ja-JP" altLang="en-US" sz="1000"/>
+                    </a:p>
+                  </a:txBody>
+                  <a:tcPr anchor="ctr">
+                    <a:solidFill>
+                      <a:schemeClr val="accent1">
+                        <a:lumMod val="20000"/>
+                        <a:lumOff val="80000"/>
+                      </a:schemeClr>
+                    </a:solidFill>
+                  </a:tcPr>
+                </a:tc>
+                <a:tc>
+                  <a:txBody>
+                    <a:bodyPr/>
+                    <a:lstStyle/>
+                    <a:p>
+                      <a:pPr algn="ctr"/>
+                      <a:r>
+                        <a:rPr kumimoji="1" lang="ja-JP" altLang="en-US" sz="1000"/>
+                        <a:t>課税</a:t>
+                      </a:r>
+                    </a:p>
+                  </a:txBody>
+                  <a:tcPr anchor="ctr">
+                    <a:solidFill>
+                      <a:schemeClr val="accent1">
+                        <a:lumMod val="20000"/>
+                        <a:lumOff val="80000"/>
+                      </a:schemeClr>
+                    </a:solidFill>
+                  </a:tcPr>
+                </a:tc>
+                <a:tc>
+                  <a:txBody>
+                    <a:bodyPr/>
+                    <a:lstStyle/>
+                    <a:p>
+                      <a:pPr algn="ctr"/>
+                      <a:r>
+                        <a:rPr kumimoji="1" lang="en-US" altLang="ja-JP" sz="1000" dirty="0"/>
+                        <a:t>1</a:t>
+                      </a:r>
+                      <a:r>
+                        <a:rPr kumimoji="1" lang="ja-JP" altLang="en-US" sz="1000"/>
+                        <a:t>ヶ月</a:t>
+                      </a:r>
+                    </a:p>
+                  </a:txBody>
+                  <a:tcPr anchor="ctr">
+                    <a:solidFill>
+                      <a:schemeClr val="accent1">
+                        <a:lumMod val="20000"/>
+                        <a:lumOff val="80000"/>
+                      </a:schemeClr>
+                    </a:solidFill>
+                  </a:tcPr>
+                </a:tc>
+                <a:tc>
+                  <a:txBody>
+                    <a:bodyPr/>
+                    <a:lstStyle/>
+                    <a:p>
+                      <a:pPr algn="ctr"/>
+                      <a:r>
+                        <a:rPr kumimoji="1" lang="ja-JP" altLang="en-US" sz="1000" b="0"/>
+                        <a:t>削除</a:t>
+                      </a:r>
+                    </a:p>
+                  </a:txBody>
+                  <a:tcPr anchor="ctr">
+                    <a:solidFill>
+                      <a:schemeClr val="accent1">
+                        <a:lumMod val="20000"/>
+                        <a:lumOff val="80000"/>
+                      </a:schemeClr>
+                    </a:solidFill>
+                  </a:tcPr>
+                </a:tc>
+                <a:extLst>
+                  <a:ext uri="{0D108BD9-81ED-4DB2-BD59-A6C34878D82A}">
+                    <a16:rowId xmlns:a16="http://schemas.microsoft.com/office/drawing/2014/main" val="4101555350"/>
+                  </a:ext>
+                </a:extLst>
+              </a:tr>
+              <a:tr h="370840">
+                <a:tc>
+                  <a:txBody>
+                    <a:bodyPr/>
+                    <a:lstStyle/>
+                    <a:p>
+                      <a:pPr algn="ctr"/>
+                      <a:r>
+                        <a:rPr kumimoji="1" lang="ja-JP" altLang="en-US" sz="1000"/>
+                        <a:t>交通費</a:t>
+                      </a:r>
+                    </a:p>
+                  </a:txBody>
+                  <a:tcPr anchor="ctr">
+                    <a:solidFill>
+                      <a:schemeClr val="accent1">
+                        <a:lumMod val="20000"/>
+                        <a:lumOff val="80000"/>
+                      </a:schemeClr>
+                    </a:solidFill>
+                  </a:tcPr>
+                </a:tc>
+                <a:tc>
+                  <a:txBody>
+                    <a:bodyPr/>
+                    <a:lstStyle/>
+                    <a:p>
+                      <a:pPr algn="ctr"/>
+                      <a:r>
+                        <a:rPr kumimoji="1" lang="en-US" altLang="ja-JP" sz="1000" dirty="0"/>
+                        <a:t>20,000</a:t>
+                      </a:r>
+                      <a:endParaRPr kumimoji="1" lang="ja-JP" altLang="en-US" sz="1000"/>
+                    </a:p>
+                  </a:txBody>
+                  <a:tcPr anchor="ctr">
+                    <a:solidFill>
+                      <a:schemeClr val="accent1">
+                        <a:lumMod val="20000"/>
+                        <a:lumOff val="80000"/>
+                      </a:schemeClr>
+                    </a:solidFill>
+                  </a:tcPr>
+                </a:tc>
+                <a:tc>
+                  <a:txBody>
+                    <a:bodyPr/>
+                    <a:lstStyle/>
+                    <a:p>
+                      <a:pPr algn="ctr"/>
+                      <a:r>
+                        <a:rPr kumimoji="1" lang="ja-JP" altLang="en-US" sz="1000"/>
+                        <a:t>非課税</a:t>
+                      </a:r>
+                    </a:p>
+                  </a:txBody>
+                  <a:tcPr anchor="ctr">
+                    <a:solidFill>
+                      <a:schemeClr val="accent1">
+                        <a:lumMod val="20000"/>
+                        <a:lumOff val="80000"/>
+                      </a:schemeClr>
+                    </a:solidFill>
+                  </a:tcPr>
+                </a:tc>
+                <a:tc>
+                  <a:txBody>
+                    <a:bodyPr/>
+                    <a:lstStyle/>
+                    <a:p>
+                      <a:pPr algn="ctr"/>
+                      <a:r>
+                        <a:rPr kumimoji="1" lang="en-US" altLang="ja-JP" sz="1000" dirty="0"/>
+                        <a:t>1</a:t>
+                      </a:r>
+                      <a:r>
+                        <a:rPr kumimoji="1" lang="ja-JP" altLang="en-US" sz="1000"/>
+                        <a:t>ヶ月</a:t>
+                      </a:r>
+                    </a:p>
+                  </a:txBody>
+                  <a:tcPr anchor="ctr">
+                    <a:solidFill>
+                      <a:schemeClr val="accent1">
+                        <a:lumMod val="20000"/>
+                        <a:lumOff val="80000"/>
+                      </a:schemeClr>
+                    </a:solidFill>
+                  </a:tcPr>
+                </a:tc>
+                <a:tc>
+                  <a:txBody>
+                    <a:bodyPr/>
+                    <a:lstStyle/>
+                    <a:p>
+                      <a:pPr algn="ctr"/>
+                      <a:r>
+                        <a:rPr kumimoji="1" lang="ja-JP" altLang="en-US" sz="1000"/>
+                        <a:t>削除</a:t>
+                      </a:r>
+                    </a:p>
+                  </a:txBody>
+                  <a:tcPr anchor="ctr">
+                    <a:solidFill>
+                      <a:schemeClr val="accent1">
+                        <a:lumMod val="20000"/>
+                        <a:lumOff val="80000"/>
+                      </a:schemeClr>
+                    </a:solidFill>
+                  </a:tcPr>
+                </a:tc>
+                <a:extLst>
+                  <a:ext uri="{0D108BD9-81ED-4DB2-BD59-A6C34878D82A}">
+                    <a16:rowId xmlns:a16="http://schemas.microsoft.com/office/drawing/2014/main" val="3703083313"/>
+                  </a:ext>
+                </a:extLst>
+              </a:tr>
+              <a:tr h="370840">
+                <a:tc>
+                  <a:txBody>
+                    <a:bodyPr/>
+                    <a:lstStyle/>
+                    <a:p>
+                      <a:pPr algn="ctr"/>
+                      <a:r>
+                        <a:rPr kumimoji="1" lang="ja-JP" altLang="en-US" sz="1000"/>
+                        <a:t>報酬</a:t>
+                      </a:r>
+                    </a:p>
+                  </a:txBody>
+                  <a:tcPr anchor="ctr">
+                    <a:solidFill>
+                      <a:schemeClr val="accent1">
+                        <a:lumMod val="20000"/>
+                        <a:lumOff val="80000"/>
+                      </a:schemeClr>
+                    </a:solidFill>
+                  </a:tcPr>
+                </a:tc>
+                <a:tc>
+                  <a:txBody>
+                    <a:bodyPr/>
+                    <a:lstStyle/>
+                    <a:p>
+                      <a:pPr algn="ctr"/>
+                      <a:r>
+                        <a:rPr kumimoji="1" lang="en-US" altLang="ja-JP" sz="1000" dirty="0"/>
+                        <a:t>500,000</a:t>
+                      </a:r>
+                      <a:endParaRPr kumimoji="1" lang="ja-JP" altLang="en-US" sz="1000"/>
+                    </a:p>
+                  </a:txBody>
+                  <a:tcPr anchor="ctr">
+                    <a:solidFill>
+                      <a:schemeClr val="accent1">
+                        <a:lumMod val="20000"/>
+                        <a:lumOff val="80000"/>
+                      </a:schemeClr>
+                    </a:solidFill>
+                  </a:tcPr>
+                </a:tc>
+                <a:tc>
+                  <a:txBody>
+                    <a:bodyPr/>
+                    <a:lstStyle/>
+                    <a:p>
+                      <a:pPr algn="ctr"/>
+                      <a:r>
+                        <a:rPr kumimoji="1" lang="ja-JP" altLang="en-US" sz="1000"/>
+                        <a:t>課税</a:t>
+                      </a:r>
+                    </a:p>
+                  </a:txBody>
+                  <a:tcPr anchor="ctr">
+                    <a:solidFill>
+                      <a:schemeClr val="accent1">
+                        <a:lumMod val="20000"/>
+                        <a:lumOff val="80000"/>
+                      </a:schemeClr>
+                    </a:solidFill>
+                  </a:tcPr>
+                </a:tc>
+                <a:tc>
+                  <a:txBody>
+                    <a:bodyPr/>
+                    <a:lstStyle/>
+                    <a:p>
+                      <a:pPr algn="ctr"/>
+                      <a:r>
+                        <a:rPr kumimoji="1" lang="en-US" altLang="ja-JP" sz="1000" dirty="0"/>
+                        <a:t> 6</a:t>
+                      </a:r>
+                      <a:r>
+                        <a:rPr kumimoji="1" lang="ja-JP" altLang="en-US" sz="1000"/>
+                        <a:t>ヶ月</a:t>
+                      </a:r>
+                    </a:p>
+                  </a:txBody>
+                  <a:tcPr anchor="ctr">
+                    <a:solidFill>
+                      <a:schemeClr val="accent1">
+                        <a:lumMod val="20000"/>
+                        <a:lumOff val="80000"/>
+                      </a:schemeClr>
+                    </a:solidFill>
+                  </a:tcPr>
+                </a:tc>
+                <a:tc>
+                  <a:txBody>
+                    <a:bodyPr/>
+                    <a:lstStyle/>
+                    <a:p>
+                      <a:pPr algn="ctr"/>
+                      <a:r>
+                        <a:rPr kumimoji="1" lang="ja-JP" altLang="en-US" sz="1000"/>
+                        <a:t>削除</a:t>
+                      </a:r>
+                    </a:p>
+                  </a:txBody>
+                  <a:tcPr anchor="ctr">
+                    <a:solidFill>
+                      <a:schemeClr val="accent1">
+                        <a:lumMod val="20000"/>
+                        <a:lumOff val="80000"/>
+                      </a:schemeClr>
+                    </a:solidFill>
+                  </a:tcPr>
+                </a:tc>
+                <a:extLst>
+                  <a:ext uri="{0D108BD9-81ED-4DB2-BD59-A6C34878D82A}">
+                    <a16:rowId xmlns:a16="http://schemas.microsoft.com/office/drawing/2014/main" val="4107285827"/>
+                  </a:ext>
+                </a:extLst>
+              </a:tr>
+              <a:tr h="370840">
+                <a:tc>
+                  <a:txBody>
+                    <a:bodyPr/>
+                    <a:lstStyle/>
+                    <a:p>
+                      <a:pPr algn="ctr"/>
+                      <a:endParaRPr kumimoji="1" lang="ja-JP" altLang="en-US" sz="1000"/>
+                    </a:p>
+                  </a:txBody>
+                  <a:tcPr anchor="ctr">
+                    <a:solidFill>
+                      <a:schemeClr val="accent1">
+                        <a:lumMod val="20000"/>
+                        <a:lumOff val="80000"/>
+                      </a:schemeClr>
+                    </a:solidFill>
+                  </a:tcPr>
+                </a:tc>
+                <a:tc>
+                  <a:txBody>
+                    <a:bodyPr/>
+                    <a:lstStyle/>
+                    <a:p>
+                      <a:pPr algn="ctr"/>
+                      <a:endParaRPr kumimoji="1" lang="ja-JP" altLang="en-US" sz="1000"/>
+                    </a:p>
+                  </a:txBody>
+                  <a:tcPr anchor="ctr">
+                    <a:solidFill>
+                      <a:schemeClr val="accent1">
+                        <a:lumMod val="20000"/>
+                        <a:lumOff val="80000"/>
+                      </a:schemeClr>
+                    </a:solidFill>
+                  </a:tcPr>
+                </a:tc>
+                <a:tc>
+                  <a:txBody>
+                    <a:bodyPr/>
+                    <a:lstStyle/>
+                    <a:p>
+                      <a:pPr algn="ctr"/>
+                      <a:endParaRPr kumimoji="1" lang="ja-JP" altLang="en-US" sz="1000"/>
+                    </a:p>
+                  </a:txBody>
+                  <a:tcPr anchor="ctr">
+                    <a:solidFill>
+                      <a:schemeClr val="accent1">
+                        <a:lumMod val="20000"/>
+                        <a:lumOff val="80000"/>
+                      </a:schemeClr>
+                    </a:solidFill>
+                  </a:tcPr>
+                </a:tc>
+                <a:tc>
+                  <a:txBody>
+                    <a:bodyPr/>
+                    <a:lstStyle/>
+                    <a:p>
+                      <a:pPr algn="ctr"/>
+                      <a:endParaRPr kumimoji="1" lang="ja-JP" altLang="en-US" sz="1000"/>
+                    </a:p>
+                  </a:txBody>
+                  <a:tcPr anchor="ctr">
+                    <a:solidFill>
+                      <a:schemeClr val="accent1">
+                        <a:lumMod val="20000"/>
+                        <a:lumOff val="80000"/>
+                      </a:schemeClr>
+                    </a:solidFill>
+                  </a:tcPr>
+                </a:tc>
+                <a:tc>
+                  <a:txBody>
+                    <a:bodyPr/>
+                    <a:lstStyle/>
+                    <a:p>
+                      <a:pPr algn="ctr"/>
+                      <a:endParaRPr kumimoji="1" lang="ja-JP" altLang="en-US" sz="1000"/>
+                    </a:p>
+                  </a:txBody>
+                  <a:tcPr anchor="ctr">
+                    <a:solidFill>
+                      <a:schemeClr val="accent1">
+                        <a:lumMod val="20000"/>
+                        <a:lumOff val="80000"/>
+                      </a:schemeClr>
+                    </a:solidFill>
+                  </a:tcPr>
+                </a:tc>
+                <a:extLst>
+                  <a:ext uri="{0D108BD9-81ED-4DB2-BD59-A6C34878D82A}">
+                    <a16:rowId xmlns:a16="http://schemas.microsoft.com/office/drawing/2014/main" val="3497922477"/>
+                  </a:ext>
+                </a:extLst>
+              </a:tr>
+            </a:tbl>
+          </a:graphicData>
+        </a:graphic>
+      </p:graphicFrame>
+      <p:graphicFrame>
+        <p:nvGraphicFramePr>
+          <p:cNvPr id="6" name="表 5">
+            <a:extLst>
+              <a:ext uri="{FF2B5EF4-FFF2-40B4-BE49-F238E27FC236}">
+                <a16:creationId xmlns:a16="http://schemas.microsoft.com/office/drawing/2014/main" id="{8B845F43-E245-3CDE-347E-8E03FF2F1EE7}"/>
+              </a:ext>
+            </a:extLst>
+          </p:cNvPr>
+          <p:cNvGraphicFramePr>
+            <a:graphicFrameLocks noGrp="1"/>
+          </p:cNvGraphicFramePr>
+          <p:nvPr>
+            <p:extLst>
+              <p:ext uri="{D42A27DB-BD31-4B8C-83A1-F6EECF244321}">
+                <p14:modId xmlns:p14="http://schemas.microsoft.com/office/powerpoint/2010/main" val="2875755282"/>
+              </p:ext>
+            </p:extLst>
+          </p:nvPr>
+        </p:nvGraphicFramePr>
+        <p:xfrm>
+          <a:off x="6095999" y="3471867"/>
+          <a:ext cx="5210220" cy="2311400"/>
+        </p:xfrm>
+        <a:graphic>
+          <a:graphicData uri="http://schemas.openxmlformats.org/drawingml/2006/table">
+            <a:tbl>
+              <a:tblPr bandRow="1">
+                <a:tableStyleId>{7DF18680-E054-41AD-8BC1-D1AEF772440D}</a:tableStyleId>
+              </a:tblPr>
+              <a:tblGrid>
+                <a:gridCol w="1042044">
+                  <a:extLst>
+                    <a:ext uri="{9D8B030D-6E8A-4147-A177-3AD203B41FA5}">
+                      <a16:colId xmlns:a16="http://schemas.microsoft.com/office/drawing/2014/main" val="2789605588"/>
+                    </a:ext>
+                  </a:extLst>
+                </a:gridCol>
+                <a:gridCol w="1042044">
+                  <a:extLst>
+                    <a:ext uri="{9D8B030D-6E8A-4147-A177-3AD203B41FA5}">
+                      <a16:colId xmlns:a16="http://schemas.microsoft.com/office/drawing/2014/main" val="456290291"/>
+                    </a:ext>
+                  </a:extLst>
+                </a:gridCol>
+                <a:gridCol w="1042044">
+                  <a:extLst>
+                    <a:ext uri="{9D8B030D-6E8A-4147-A177-3AD203B41FA5}">
+                      <a16:colId xmlns:a16="http://schemas.microsoft.com/office/drawing/2014/main" val="3078904051"/>
+                    </a:ext>
+                  </a:extLst>
+                </a:gridCol>
+                <a:gridCol w="1042044">
+                  <a:extLst>
+                    <a:ext uri="{9D8B030D-6E8A-4147-A177-3AD203B41FA5}">
+                      <a16:colId xmlns:a16="http://schemas.microsoft.com/office/drawing/2014/main" val="1080072508"/>
+                    </a:ext>
+                  </a:extLst>
+                </a:gridCol>
+                <a:gridCol w="1042044">
+                  <a:extLst>
+                    <a:ext uri="{9D8B030D-6E8A-4147-A177-3AD203B41FA5}">
+                      <a16:colId xmlns:a16="http://schemas.microsoft.com/office/drawing/2014/main" val="480438940"/>
+                    </a:ext>
+                  </a:extLst>
+                </a:gridCol>
+              </a:tblGrid>
+              <a:tr h="370840">
+                <a:tc gridSpan="5">
+                  <a:txBody>
+                    <a:bodyPr/>
+                    <a:lstStyle/>
+                    <a:p>
+                      <a:r>
+                        <a:rPr kumimoji="1" lang="ja-JP" altLang="en-US" sz="2400" b="1">
+                          <a:solidFill>
+                            <a:schemeClr val="bg1"/>
+                          </a:solidFill>
+                        </a:rPr>
+                        <a:t>支出</a:t>
+                      </a:r>
+                    </a:p>
+                  </a:txBody>
+                  <a:tcPr>
+                    <a:solidFill>
+                      <a:schemeClr val="accent5">
+                        <a:lumMod val="75000"/>
+                      </a:schemeClr>
+                    </a:solidFill>
+                  </a:tcPr>
+                </a:tc>
+                <a:tc hMerge="1">
+                  <a:txBody>
+                    <a:bodyPr/>
+                    <a:lstStyle/>
+                    <a:p>
+                      <a:endParaRPr kumimoji="1" lang="ja-JP" altLang="en-US"/>
+                    </a:p>
+                  </a:txBody>
+                  <a:tcPr>
+                    <a:solidFill>
+                      <a:schemeClr val="accent5">
+                        <a:lumMod val="75000"/>
+                      </a:schemeClr>
+                    </a:solidFill>
+                  </a:tcPr>
+                </a:tc>
+                <a:tc hMerge="1">
+                  <a:txBody>
+                    <a:bodyPr/>
+                    <a:lstStyle/>
+                    <a:p>
+                      <a:endParaRPr kumimoji="1" lang="ja-JP" altLang="en-US"/>
+                    </a:p>
+                  </a:txBody>
+                  <a:tcPr>
+                    <a:solidFill>
+                      <a:schemeClr val="accent5">
+                        <a:lumMod val="75000"/>
+                      </a:schemeClr>
+                    </a:solidFill>
+                  </a:tcPr>
+                </a:tc>
+                <a:tc hMerge="1">
+                  <a:txBody>
+                    <a:bodyPr/>
+                    <a:lstStyle/>
+                    <a:p>
+                      <a:endParaRPr kumimoji="1" lang="ja-JP" altLang="en-US"/>
+                    </a:p>
+                  </a:txBody>
+                  <a:tcPr>
+                    <a:solidFill>
+                      <a:schemeClr val="accent5">
+                        <a:lumMod val="75000"/>
+                      </a:schemeClr>
+                    </a:solidFill>
+                  </a:tcPr>
+                </a:tc>
+                <a:tc hMerge="1">
+                  <a:txBody>
+                    <a:bodyPr/>
+                    <a:lstStyle/>
+                    <a:p>
+                      <a:endParaRPr kumimoji="1" lang="ja-JP" altLang="en-US"/>
+                    </a:p>
+                  </a:txBody>
+                  <a:tcPr>
+                    <a:solidFill>
+                      <a:schemeClr val="accent5">
+                        <a:lumMod val="75000"/>
+                      </a:schemeClr>
+                    </a:solidFill>
+                  </a:tcPr>
+                </a:tc>
+                <a:extLst>
+                  <a:ext uri="{0D108BD9-81ED-4DB2-BD59-A6C34878D82A}">
+                    <a16:rowId xmlns:a16="http://schemas.microsoft.com/office/drawing/2014/main" val="2338396050"/>
+                  </a:ext>
+                </a:extLst>
+              </a:tr>
+              <a:tr h="370840">
+                <a:tc>
+                  <a:txBody>
+                    <a:bodyPr/>
+                    <a:lstStyle/>
+                    <a:p>
+                      <a:pPr algn="ctr"/>
+                      <a:r>
+                        <a:rPr kumimoji="1" lang="ja-JP" altLang="en-US" sz="1000" b="1">
+                          <a:solidFill>
+                            <a:schemeClr val="bg1"/>
+                          </a:solidFill>
+                        </a:rPr>
+                        <a:t>項目名</a:t>
+                      </a:r>
+                    </a:p>
+                  </a:txBody>
+                  <a:tcPr anchor="ctr">
+                    <a:solidFill>
+                      <a:schemeClr val="accent5"/>
+                    </a:solidFill>
+                  </a:tcPr>
+                </a:tc>
+                <a:tc>
+                  <a:txBody>
+                    <a:bodyPr/>
+                    <a:lstStyle/>
+                    <a:p>
+                      <a:pPr algn="ctr"/>
+                      <a:r>
+                        <a:rPr kumimoji="1" lang="ja-JP" altLang="en-US" sz="1000" b="1">
+                          <a:solidFill>
+                            <a:schemeClr val="bg1"/>
+                          </a:solidFill>
+                        </a:rPr>
+                        <a:t>金額（円）</a:t>
+                      </a:r>
+                    </a:p>
+                  </a:txBody>
+                  <a:tcPr anchor="ctr">
+                    <a:solidFill>
+                      <a:schemeClr val="accent5"/>
+                    </a:solidFill>
+                  </a:tcPr>
+                </a:tc>
+                <a:tc>
+                  <a:txBody>
+                    <a:bodyPr/>
+                    <a:lstStyle/>
+                    <a:p>
+                      <a:pPr algn="ctr"/>
+                      <a:r>
+                        <a:rPr kumimoji="1" lang="ja-JP" altLang="en-US" sz="1000" b="1">
+                          <a:solidFill>
+                            <a:schemeClr val="bg1"/>
+                          </a:solidFill>
+                        </a:rPr>
+                        <a:t>期間</a:t>
+                      </a:r>
+                    </a:p>
+                  </a:txBody>
+                  <a:tcPr anchor="ctr">
+                    <a:solidFill>
+                      <a:schemeClr val="accent5"/>
+                    </a:solidFill>
+                  </a:tcPr>
+                </a:tc>
+                <a:tc>
+                  <a:txBody>
+                    <a:bodyPr/>
+                    <a:lstStyle/>
+                    <a:p>
+                      <a:pPr algn="ctr"/>
+                      <a:r>
+                        <a:rPr kumimoji="1" lang="ja-JP" altLang="en-US" sz="1000" b="1">
+                          <a:solidFill>
+                            <a:schemeClr val="bg1"/>
+                          </a:solidFill>
+                        </a:rPr>
+                        <a:t>頻度</a:t>
+                      </a:r>
+                    </a:p>
+                  </a:txBody>
+                  <a:tcPr anchor="ctr">
+                    <a:solidFill>
+                      <a:schemeClr val="accent5"/>
+                    </a:solidFill>
+                  </a:tcPr>
+                </a:tc>
+                <a:tc>
+                  <a:txBody>
+                    <a:bodyPr/>
+                    <a:lstStyle/>
+                    <a:p>
+                      <a:pPr algn="ctr"/>
+                      <a:r>
+                        <a:rPr kumimoji="1" lang="ja-JP" altLang="en-US" sz="1000" b="1">
+                          <a:solidFill>
+                            <a:schemeClr val="bg1"/>
+                          </a:solidFill>
+                        </a:rPr>
+                        <a:t>削除</a:t>
+                      </a:r>
+                    </a:p>
+                  </a:txBody>
+                  <a:tcPr anchor="ctr">
+                    <a:solidFill>
+                      <a:schemeClr val="accent5"/>
+                    </a:solidFill>
+                  </a:tcPr>
+                </a:tc>
+                <a:extLst>
+                  <a:ext uri="{0D108BD9-81ED-4DB2-BD59-A6C34878D82A}">
+                    <a16:rowId xmlns:a16="http://schemas.microsoft.com/office/drawing/2014/main" val="3124868555"/>
+                  </a:ext>
+                </a:extLst>
+              </a:tr>
+              <a:tr h="370840">
+                <a:tc>
+                  <a:txBody>
+                    <a:bodyPr/>
+                    <a:lstStyle/>
+                    <a:p>
+                      <a:pPr algn="ctr"/>
+                      <a:r>
+                        <a:rPr kumimoji="1" lang="ja-JP" altLang="en-US" sz="1000"/>
+                        <a:t> 食費</a:t>
+                      </a:r>
+                    </a:p>
+                  </a:txBody>
+                  <a:tcPr anchor="ctr">
+                    <a:solidFill>
+                      <a:schemeClr val="accent5">
+                        <a:lumMod val="20000"/>
+                        <a:lumOff val="80000"/>
+                      </a:schemeClr>
+                    </a:solidFill>
+                  </a:tcPr>
+                </a:tc>
+                <a:tc>
+                  <a:txBody>
+                    <a:bodyPr/>
+                    <a:lstStyle/>
+                    <a:p>
+                      <a:pPr algn="ctr"/>
+                      <a:r>
+                        <a:rPr kumimoji="1" lang="en-US" altLang="ja-JP" sz="1000" dirty="0"/>
+                        <a:t>3,500</a:t>
+                      </a:r>
+                      <a:endParaRPr kumimoji="1" lang="ja-JP" altLang="en-US" sz="1000"/>
+                    </a:p>
+                  </a:txBody>
+                  <a:tcPr anchor="ctr">
+                    <a:solidFill>
+                      <a:schemeClr val="accent5">
+                        <a:lumMod val="20000"/>
+                        <a:lumOff val="80000"/>
+                      </a:schemeClr>
+                    </a:solidFill>
+                  </a:tcPr>
+                </a:tc>
+                <a:tc>
+                  <a:txBody>
+                    <a:bodyPr/>
+                    <a:lstStyle/>
+                    <a:p>
+                      <a:pPr algn="ctr"/>
+                      <a:r>
+                        <a:rPr kumimoji="1" lang="ja-JP" altLang="en-US" sz="1000"/>
+                        <a:t>恒常的</a:t>
+                      </a:r>
+                    </a:p>
+                  </a:txBody>
+                  <a:tcPr anchor="ctr">
+                    <a:solidFill>
+                      <a:schemeClr val="accent5">
+                        <a:lumMod val="20000"/>
+                        <a:lumOff val="80000"/>
+                      </a:schemeClr>
+                    </a:solidFill>
+                  </a:tcPr>
+                </a:tc>
+                <a:tc>
+                  <a:txBody>
+                    <a:bodyPr/>
+                    <a:lstStyle/>
+                    <a:p>
+                      <a:pPr algn="ctr"/>
+                      <a:r>
+                        <a:rPr kumimoji="1" lang="en-US" altLang="ja-JP" sz="1000" dirty="0"/>
+                        <a:t>1</a:t>
+                      </a:r>
+                      <a:r>
+                        <a:rPr kumimoji="1" lang="ja-JP" altLang="en-US" sz="1000"/>
+                        <a:t>週間</a:t>
+                      </a:r>
+                    </a:p>
+                  </a:txBody>
+                  <a:tcPr anchor="ctr">
+                    <a:solidFill>
+                      <a:schemeClr val="accent5">
+                        <a:lumMod val="20000"/>
+                        <a:lumOff val="80000"/>
+                      </a:schemeClr>
+                    </a:solidFill>
+                  </a:tcPr>
+                </a:tc>
+                <a:tc>
+                  <a:txBody>
+                    <a:bodyPr/>
+                    <a:lstStyle/>
+                    <a:p>
+                      <a:pPr algn="ctr"/>
+                      <a:r>
+                        <a:rPr kumimoji="1" lang="ja-JP" altLang="en-US" sz="1000"/>
+                        <a:t>削除</a:t>
+                      </a:r>
+                    </a:p>
+                  </a:txBody>
+                  <a:tcPr anchor="ctr">
+                    <a:solidFill>
+                      <a:schemeClr val="accent5">
+                        <a:lumMod val="20000"/>
+                        <a:lumOff val="80000"/>
+                      </a:schemeClr>
+                    </a:solidFill>
+                  </a:tcPr>
+                </a:tc>
+                <a:extLst>
+                  <a:ext uri="{0D108BD9-81ED-4DB2-BD59-A6C34878D82A}">
+                    <a16:rowId xmlns:a16="http://schemas.microsoft.com/office/drawing/2014/main" val="4101555350"/>
+                  </a:ext>
+                </a:extLst>
+              </a:tr>
+              <a:tr h="370840">
+                <a:tc>
+                  <a:txBody>
+                    <a:bodyPr/>
+                    <a:lstStyle/>
+                    <a:p>
+                      <a:pPr algn="ctr"/>
+                      <a:r>
+                        <a:rPr kumimoji="1" lang="ja-JP" altLang="en-US" sz="1000"/>
+                        <a:t>交通費</a:t>
+                      </a:r>
+                    </a:p>
+                  </a:txBody>
+                  <a:tcPr anchor="ctr">
+                    <a:solidFill>
+                      <a:schemeClr val="accent5">
+                        <a:lumMod val="20000"/>
+                        <a:lumOff val="80000"/>
+                      </a:schemeClr>
+                    </a:solidFill>
+                  </a:tcPr>
+                </a:tc>
+                <a:tc>
+                  <a:txBody>
+                    <a:bodyPr/>
+                    <a:lstStyle/>
+                    <a:p>
+                      <a:pPr algn="ctr"/>
+                      <a:r>
+                        <a:rPr kumimoji="1" lang="en-US" altLang="ja-JP" sz="1000" dirty="0"/>
+                        <a:t>2,0000</a:t>
+                      </a:r>
+                      <a:endParaRPr kumimoji="1" lang="ja-JP" altLang="en-US" sz="1000"/>
+                    </a:p>
+                  </a:txBody>
+                  <a:tcPr anchor="ctr">
+                    <a:solidFill>
+                      <a:schemeClr val="accent5">
+                        <a:lumMod val="20000"/>
+                        <a:lumOff val="80000"/>
+                      </a:schemeClr>
+                    </a:solidFill>
+                  </a:tcPr>
+                </a:tc>
+                <a:tc>
+                  <a:txBody>
+                    <a:bodyPr/>
+                    <a:lstStyle/>
+                    <a:p>
+                      <a:pPr algn="ctr"/>
+                      <a:r>
+                        <a:rPr kumimoji="1" lang="ja-JP" altLang="en-US" sz="1000"/>
+                        <a:t>恒常的</a:t>
+                      </a:r>
+                    </a:p>
+                  </a:txBody>
+                  <a:tcPr anchor="ctr">
+                    <a:solidFill>
+                      <a:schemeClr val="accent5">
+                        <a:lumMod val="20000"/>
+                        <a:lumOff val="80000"/>
+                      </a:schemeClr>
+                    </a:solidFill>
+                  </a:tcPr>
+                </a:tc>
+                <a:tc>
+                  <a:txBody>
+                    <a:bodyPr/>
+                    <a:lstStyle/>
+                    <a:p>
+                      <a:pPr algn="ctr"/>
+                      <a:r>
+                        <a:rPr kumimoji="1" lang="en-US" altLang="ja-JP" sz="1000" dirty="0"/>
+                        <a:t>1</a:t>
+                      </a:r>
+                      <a:r>
+                        <a:rPr kumimoji="1" lang="ja-JP" altLang="en-US" sz="1000"/>
+                        <a:t>ヶ月</a:t>
+                      </a:r>
+                    </a:p>
+                  </a:txBody>
+                  <a:tcPr anchor="ctr">
+                    <a:solidFill>
+                      <a:schemeClr val="accent5">
+                        <a:lumMod val="20000"/>
+                        <a:lumOff val="80000"/>
+                      </a:schemeClr>
+                    </a:solidFill>
+                  </a:tcPr>
+                </a:tc>
+                <a:tc>
+                  <a:txBody>
+                    <a:bodyPr/>
+                    <a:lstStyle/>
+                    <a:p>
+                      <a:pPr algn="ctr"/>
+                      <a:r>
+                        <a:rPr kumimoji="1" lang="ja-JP" altLang="en-US" sz="1000"/>
+                        <a:t>削除</a:t>
+                      </a:r>
+                    </a:p>
+                  </a:txBody>
+                  <a:tcPr anchor="ctr">
+                    <a:solidFill>
+                      <a:schemeClr val="accent5">
+                        <a:lumMod val="20000"/>
+                        <a:lumOff val="80000"/>
+                      </a:schemeClr>
+                    </a:solidFill>
+                  </a:tcPr>
+                </a:tc>
+                <a:extLst>
+                  <a:ext uri="{0D108BD9-81ED-4DB2-BD59-A6C34878D82A}">
+                    <a16:rowId xmlns:a16="http://schemas.microsoft.com/office/drawing/2014/main" val="3703083313"/>
+                  </a:ext>
+                </a:extLst>
+              </a:tr>
+              <a:tr h="370840">
+                <a:tc>
+                  <a:txBody>
+                    <a:bodyPr/>
+                    <a:lstStyle/>
+                    <a:p>
+                      <a:pPr algn="ctr"/>
+                      <a:r>
+                        <a:rPr kumimoji="1" lang="ja-JP" altLang="en-US" sz="1000"/>
+                        <a:t>奨学金返済</a:t>
+                      </a:r>
+                    </a:p>
+                  </a:txBody>
+                  <a:tcPr anchor="ctr">
+                    <a:solidFill>
+                      <a:schemeClr val="accent5">
+                        <a:lumMod val="20000"/>
+                        <a:lumOff val="80000"/>
+                      </a:schemeClr>
+                    </a:solidFill>
+                  </a:tcPr>
+                </a:tc>
+                <a:tc>
+                  <a:txBody>
+                    <a:bodyPr/>
+                    <a:lstStyle/>
+                    <a:p>
+                      <a:pPr algn="ctr"/>
+                      <a:r>
+                        <a:rPr kumimoji="1" lang="en-US" altLang="ja-JP" sz="1000" dirty="0"/>
+                        <a:t>50,000</a:t>
+                      </a:r>
+                      <a:endParaRPr kumimoji="1" lang="ja-JP" altLang="en-US" sz="1000"/>
+                    </a:p>
+                  </a:txBody>
+                  <a:tcPr anchor="ctr">
+                    <a:solidFill>
+                      <a:schemeClr val="accent5">
+                        <a:lumMod val="20000"/>
+                        <a:lumOff val="80000"/>
+                      </a:schemeClr>
+                    </a:solidFill>
+                  </a:tcPr>
+                </a:tc>
+                <a:tc>
+                  <a:txBody>
+                    <a:bodyPr/>
+                    <a:lstStyle/>
+                    <a:p>
+                      <a:pPr algn="ctr"/>
+                      <a:r>
+                        <a:rPr kumimoji="1" lang="en-US" altLang="ja-JP" sz="800" dirty="0"/>
+                        <a:t>2024/04/01</a:t>
+                      </a:r>
+                    </a:p>
+                    <a:p>
+                      <a:pPr algn="ctr"/>
+                      <a:r>
+                        <a:rPr kumimoji="1" lang="en-US" altLang="ja-JP" sz="800" dirty="0"/>
+                        <a:t>~2026/03/31</a:t>
+                      </a:r>
+                      <a:endParaRPr kumimoji="1" lang="ja-JP" altLang="en-US" sz="800"/>
+                    </a:p>
+                  </a:txBody>
+                  <a:tcPr anchor="ctr">
+                    <a:solidFill>
+                      <a:schemeClr val="accent5">
+                        <a:lumMod val="20000"/>
+                        <a:lumOff val="80000"/>
+                      </a:schemeClr>
+                    </a:solidFill>
+                  </a:tcPr>
+                </a:tc>
+                <a:tc>
+                  <a:txBody>
+                    <a:bodyPr/>
+                    <a:lstStyle/>
+                    <a:p>
+                      <a:pPr algn="ctr"/>
+                      <a:r>
+                        <a:rPr kumimoji="1" lang="en-US" altLang="ja-JP" sz="1000" dirty="0"/>
+                        <a:t>1</a:t>
+                      </a:r>
+                      <a:r>
+                        <a:rPr kumimoji="1" lang="ja-JP" altLang="en-US" sz="1000"/>
+                        <a:t>ヶ月</a:t>
+                      </a:r>
+                    </a:p>
+                  </a:txBody>
+                  <a:tcPr anchor="ctr">
+                    <a:solidFill>
+                      <a:schemeClr val="accent5">
+                        <a:lumMod val="20000"/>
+                        <a:lumOff val="80000"/>
+                      </a:schemeClr>
+                    </a:solidFill>
+                  </a:tcPr>
+                </a:tc>
+                <a:tc>
+                  <a:txBody>
+                    <a:bodyPr/>
+                    <a:lstStyle/>
+                    <a:p>
+                      <a:pPr algn="ctr"/>
+                      <a:r>
+                        <a:rPr kumimoji="1" lang="ja-JP" altLang="en-US" sz="1000"/>
+                        <a:t>削除</a:t>
+                      </a:r>
+                    </a:p>
+                  </a:txBody>
+                  <a:tcPr anchor="ctr">
+                    <a:solidFill>
+                      <a:schemeClr val="accent5">
+                        <a:lumMod val="20000"/>
+                        <a:lumOff val="80000"/>
+                      </a:schemeClr>
+                    </a:solidFill>
+                  </a:tcPr>
+                </a:tc>
+                <a:extLst>
+                  <a:ext uri="{0D108BD9-81ED-4DB2-BD59-A6C34878D82A}">
+                    <a16:rowId xmlns:a16="http://schemas.microsoft.com/office/drawing/2014/main" val="4107285827"/>
+                  </a:ext>
+                </a:extLst>
+              </a:tr>
+              <a:tr h="370840">
+                <a:tc>
+                  <a:txBody>
+                    <a:bodyPr/>
+                    <a:lstStyle/>
+                    <a:p>
+                      <a:pPr algn="ctr"/>
+                      <a:r>
+                        <a:rPr kumimoji="1" lang="ja-JP" altLang="en-US" sz="1000"/>
+                        <a:t>住宅費</a:t>
+                      </a:r>
+                    </a:p>
+                  </a:txBody>
+                  <a:tcPr anchor="ctr">
+                    <a:solidFill>
+                      <a:schemeClr val="accent5">
+                        <a:lumMod val="20000"/>
+                        <a:lumOff val="80000"/>
+                      </a:schemeClr>
+                    </a:solidFill>
+                  </a:tcPr>
+                </a:tc>
+                <a:tc>
+                  <a:txBody>
+                    <a:bodyPr/>
+                    <a:lstStyle/>
+                    <a:p>
+                      <a:pPr algn="ctr"/>
+                      <a:r>
+                        <a:rPr kumimoji="1" lang="en-US" altLang="ja-JP" sz="1000" dirty="0"/>
+                        <a:t>70,000</a:t>
+                      </a:r>
+                      <a:endParaRPr kumimoji="1" lang="ja-JP" altLang="en-US" sz="1000"/>
+                    </a:p>
+                  </a:txBody>
+                  <a:tcPr anchor="ctr">
+                    <a:solidFill>
+                      <a:schemeClr val="accent5">
+                        <a:lumMod val="20000"/>
+                        <a:lumOff val="80000"/>
+                      </a:schemeClr>
+                    </a:solidFill>
+                  </a:tcPr>
+                </a:tc>
+                <a:tc>
+                  <a:txBody>
+                    <a:bodyPr/>
+                    <a:lstStyle/>
+                    <a:p>
+                      <a:pPr algn="ctr"/>
+                      <a:r>
+                        <a:rPr kumimoji="1" lang="ja-JP" altLang="en-US" sz="1000"/>
+                        <a:t>恒常的</a:t>
+                      </a:r>
+                    </a:p>
+                  </a:txBody>
+                  <a:tcPr anchor="ctr">
+                    <a:solidFill>
+                      <a:schemeClr val="accent5">
+                        <a:lumMod val="20000"/>
+                        <a:lumOff val="80000"/>
+                      </a:schemeClr>
+                    </a:solidFill>
+                  </a:tcPr>
+                </a:tc>
+                <a:tc>
+                  <a:txBody>
+                    <a:bodyPr/>
+                    <a:lstStyle/>
+                    <a:p>
+                      <a:pPr algn="ctr"/>
+                      <a:r>
+                        <a:rPr kumimoji="1" lang="en-US" altLang="ja-JP" sz="1000" dirty="0"/>
+                        <a:t>1</a:t>
+                      </a:r>
+                      <a:r>
+                        <a:rPr kumimoji="1" lang="ja-JP" altLang="en-US" sz="1000"/>
+                        <a:t>ヶ月</a:t>
+                      </a:r>
+                    </a:p>
+                  </a:txBody>
+                  <a:tcPr anchor="ctr">
+                    <a:solidFill>
+                      <a:schemeClr val="accent5">
+                        <a:lumMod val="20000"/>
+                        <a:lumOff val="80000"/>
+                      </a:schemeClr>
+                    </a:solidFill>
+                  </a:tcPr>
+                </a:tc>
+                <a:tc>
+                  <a:txBody>
+                    <a:bodyPr/>
+                    <a:lstStyle/>
+                    <a:p>
+                      <a:pPr algn="ctr"/>
+                      <a:r>
+                        <a:rPr kumimoji="1" lang="ja-JP" altLang="en-US" sz="1000"/>
+                        <a:t>削除</a:t>
+                      </a:r>
+                    </a:p>
+                  </a:txBody>
+                  <a:tcPr anchor="ctr">
+                    <a:solidFill>
+                      <a:schemeClr val="accent5">
+                        <a:lumMod val="20000"/>
+                        <a:lumOff val="80000"/>
+                      </a:schemeClr>
+                    </a:solidFill>
+                  </a:tcPr>
+                </a:tc>
+                <a:extLst>
+                  <a:ext uri="{0D108BD9-81ED-4DB2-BD59-A6C34878D82A}">
+                    <a16:rowId xmlns:a16="http://schemas.microsoft.com/office/drawing/2014/main" val="3497922477"/>
+                  </a:ext>
+                </a:extLst>
+              </a:tr>
+            </a:tbl>
+          </a:graphicData>
+        </a:graphic>
+      </p:graphicFrame>
+      <p:sp>
+        <p:nvSpPr>
+          <p:cNvPr id="7" name="テキスト ボックス 6">
+            <a:extLst>
+              <a:ext uri="{FF2B5EF4-FFF2-40B4-BE49-F238E27FC236}">
+                <a16:creationId xmlns:a16="http://schemas.microsoft.com/office/drawing/2014/main" id="{EC5BF88A-E3BC-B47F-35C3-28435341FA41}"/>
+              </a:ext>
+            </a:extLst>
+          </p:cNvPr>
+          <p:cNvSpPr txBox="1"/>
+          <p:nvPr/>
+        </p:nvSpPr>
+        <p:spPr>
+          <a:xfrm>
+            <a:off x="749200" y="1536398"/>
+            <a:ext cx="2797135" cy="369332"/>
+          </a:xfrm>
+          <a:prstGeom prst="rect">
+            <a:avLst/>
+          </a:prstGeom>
+          <a:noFill/>
+        </p:spPr>
+        <p:txBody>
+          <a:bodyPr wrap="square" rtlCol="0">
+            <a:spAutoFit/>
+          </a:bodyPr>
+          <a:lstStyle/>
+          <a:p>
+            <a:r>
+              <a:rPr lang="ja-JP" altLang="en-US" b="1"/>
+              <a:t>給与の入力フォーム</a:t>
+            </a:r>
+            <a:endParaRPr kumimoji="1" lang="ja-JP" altLang="en-US" b="1"/>
+          </a:p>
+        </p:txBody>
+      </p:sp>
+      <p:sp>
+        <p:nvSpPr>
+          <p:cNvPr id="8" name="テキスト ボックス 7">
+            <a:extLst>
+              <a:ext uri="{FF2B5EF4-FFF2-40B4-BE49-F238E27FC236}">
+                <a16:creationId xmlns:a16="http://schemas.microsoft.com/office/drawing/2014/main" id="{EF2A8382-D2C4-CC59-C5AE-3B67B901FD0C}"/>
+              </a:ext>
+            </a:extLst>
+          </p:cNvPr>
+          <p:cNvSpPr txBox="1"/>
+          <p:nvPr/>
+        </p:nvSpPr>
+        <p:spPr>
+          <a:xfrm>
+            <a:off x="6095999" y="1536398"/>
+            <a:ext cx="2797135" cy="369332"/>
+          </a:xfrm>
+          <a:prstGeom prst="rect">
+            <a:avLst/>
+          </a:prstGeom>
+          <a:noFill/>
+        </p:spPr>
+        <p:txBody>
+          <a:bodyPr wrap="square" rtlCol="0">
+            <a:spAutoFit/>
+          </a:bodyPr>
+          <a:lstStyle/>
+          <a:p>
+            <a:r>
+              <a:rPr lang="ja-JP" altLang="en-US" b="1"/>
+              <a:t>支出の入力フォーム</a:t>
+            </a:r>
+            <a:endParaRPr kumimoji="1" lang="ja-JP" altLang="en-US" b="1"/>
+          </a:p>
+        </p:txBody>
+      </p:sp>
+      <p:sp>
+        <p:nvSpPr>
+          <p:cNvPr id="9" name="テキスト ボックス 8">
+            <a:extLst>
+              <a:ext uri="{FF2B5EF4-FFF2-40B4-BE49-F238E27FC236}">
+                <a16:creationId xmlns:a16="http://schemas.microsoft.com/office/drawing/2014/main" id="{A2218B3E-9162-A7CF-14EC-ADCAC19CA28D}"/>
+              </a:ext>
+            </a:extLst>
+          </p:cNvPr>
+          <p:cNvSpPr txBox="1"/>
+          <p:nvPr/>
+        </p:nvSpPr>
+        <p:spPr>
+          <a:xfrm>
+            <a:off x="749201" y="1905730"/>
+            <a:ext cx="1578364" cy="1354794"/>
+          </a:xfrm>
+          <a:prstGeom prst="rect">
+            <a:avLst/>
+          </a:prstGeom>
+          <a:noFill/>
+        </p:spPr>
+        <p:txBody>
+          <a:bodyPr wrap="square" rtlCol="0">
+            <a:spAutoFit/>
+          </a:bodyPr>
+          <a:lstStyle/>
+          <a:p>
+            <a:pPr>
+              <a:lnSpc>
+                <a:spcPct val="150000"/>
+              </a:lnSpc>
+            </a:pPr>
+            <a:r>
+              <a:rPr kumimoji="1" lang="ja-JP" altLang="en-US" sz="1400"/>
+              <a:t>項目名</a:t>
+            </a:r>
+            <a:r>
+              <a:rPr lang="ja-JP" altLang="en-US" sz="1400"/>
+              <a:t>　</a:t>
+            </a:r>
+            <a:r>
+              <a:rPr lang="en-US" altLang="ja-JP" sz="1400" dirty="0"/>
+              <a:t>  </a:t>
+            </a:r>
+            <a:r>
+              <a:rPr kumimoji="1" lang="ja-JP" altLang="en-US" sz="1400"/>
+              <a:t>：</a:t>
+            </a:r>
+            <a:endParaRPr kumimoji="1" lang="en-US" altLang="ja-JP" sz="1400" dirty="0"/>
+          </a:p>
+          <a:p>
+            <a:pPr>
+              <a:lnSpc>
+                <a:spcPct val="150000"/>
+              </a:lnSpc>
+            </a:pPr>
+            <a:r>
+              <a:rPr lang="ja-JP" altLang="en-US" sz="1400"/>
+              <a:t>金　額　</a:t>
+            </a:r>
+            <a:r>
+              <a:rPr lang="en-US" altLang="ja-JP" sz="1400" dirty="0"/>
+              <a:t>  </a:t>
+            </a:r>
+            <a:r>
+              <a:rPr lang="ja-JP" altLang="en-US" sz="1400"/>
+              <a:t>：</a:t>
+            </a:r>
+            <a:endParaRPr lang="en-US" altLang="ja-JP" sz="1400" dirty="0"/>
+          </a:p>
+          <a:p>
+            <a:pPr>
+              <a:lnSpc>
+                <a:spcPct val="150000"/>
+              </a:lnSpc>
+            </a:pPr>
+            <a:r>
+              <a:rPr kumimoji="1" lang="ja-JP" altLang="en-US" sz="1400"/>
+              <a:t>課税 </a:t>
+            </a:r>
+            <a:r>
+              <a:rPr kumimoji="1" lang="en-US" altLang="ja-JP" sz="1400" dirty="0"/>
+              <a:t>or </a:t>
+            </a:r>
+            <a:r>
+              <a:rPr kumimoji="1" lang="ja-JP" altLang="en-US" sz="1400"/>
+              <a:t>非課税：</a:t>
+            </a:r>
+            <a:endParaRPr kumimoji="1" lang="en-US" altLang="ja-JP" sz="1400" dirty="0"/>
+          </a:p>
+          <a:p>
+            <a:pPr>
+              <a:lnSpc>
+                <a:spcPct val="150000"/>
+              </a:lnSpc>
+            </a:pPr>
+            <a:r>
+              <a:rPr lang="ja-JP" altLang="en-US" sz="1400"/>
+              <a:t>頻度：</a:t>
+            </a:r>
+            <a:endParaRPr lang="en-US" altLang="ja-JP" sz="1400" dirty="0"/>
+          </a:p>
+        </p:txBody>
+      </p:sp>
+      <p:sp>
+        <p:nvSpPr>
+          <p:cNvPr id="10" name="角丸四角形 9">
+            <a:extLst>
+              <a:ext uri="{FF2B5EF4-FFF2-40B4-BE49-F238E27FC236}">
+                <a16:creationId xmlns:a16="http://schemas.microsoft.com/office/drawing/2014/main" id="{4D2CC8E5-5C94-E0AC-2BC4-C8F62CD21A97}"/>
+              </a:ext>
+            </a:extLst>
+          </p:cNvPr>
+          <p:cNvSpPr/>
+          <p:nvPr/>
+        </p:nvSpPr>
+        <p:spPr>
+          <a:xfrm>
+            <a:off x="1828772" y="1956165"/>
+            <a:ext cx="1662117" cy="318897"/>
+          </a:xfrm>
+          <a:prstGeom prst="roundRect">
+            <a:avLst/>
+          </a:prstGeom>
+          <a:solidFill>
+            <a:schemeClr val="bg1"/>
+          </a:solidFill>
+          <a:ln>
+            <a:solidFill>
+              <a:schemeClr val="tx1"/>
+            </a:solidFill>
+          </a:ln>
+        </p:spPr>
+        <p:style>
+          <a:lnRef idx="2">
+            <a:schemeClr val="accent1">
+              <a:shade val="50000"/>
+            </a:schemeClr>
+          </a:lnRef>
+          <a:fillRef idx="1">
+            <a:schemeClr val="accent1"/>
+          </a:fillRef>
+          <a:effectRef idx="0">
+            <a:schemeClr val="accent1"/>
+          </a:effectRef>
+          <a:fontRef idx="minor">
+            <a:schemeClr val="lt1"/>
+          </a:fontRef>
+        </p:style>
+        <p:txBody>
+          <a:bodyPr rtlCol="0" anchor="ctr"/>
+          <a:lstStyle/>
+          <a:p>
+            <a:pPr algn="ctr"/>
+            <a:endParaRPr kumimoji="1" lang="ja-JP" altLang="en-US"/>
+          </a:p>
+        </p:txBody>
+      </p:sp>
+      <p:sp>
+        <p:nvSpPr>
+          <p:cNvPr id="11" name="角丸四角形 10">
+            <a:extLst>
+              <a:ext uri="{FF2B5EF4-FFF2-40B4-BE49-F238E27FC236}">
+                <a16:creationId xmlns:a16="http://schemas.microsoft.com/office/drawing/2014/main" id="{E2B9C294-C0D2-3EC2-13B2-B162A2143096}"/>
+              </a:ext>
+            </a:extLst>
+          </p:cNvPr>
+          <p:cNvSpPr/>
+          <p:nvPr/>
+        </p:nvSpPr>
+        <p:spPr>
+          <a:xfrm>
+            <a:off x="1828772" y="2310007"/>
+            <a:ext cx="1662117" cy="318897"/>
+          </a:xfrm>
+          <a:prstGeom prst="roundRect">
+            <a:avLst/>
+          </a:prstGeom>
+          <a:solidFill>
+            <a:schemeClr val="bg1"/>
+          </a:solidFill>
+          <a:ln>
+            <a:solidFill>
+              <a:schemeClr val="tx1"/>
+            </a:solidFill>
+          </a:ln>
+        </p:spPr>
+        <p:style>
+          <a:lnRef idx="2">
+            <a:schemeClr val="accent1">
+              <a:shade val="50000"/>
+            </a:schemeClr>
+          </a:lnRef>
+          <a:fillRef idx="1">
+            <a:schemeClr val="accent1"/>
+          </a:fillRef>
+          <a:effectRef idx="0">
+            <a:schemeClr val="accent1"/>
+          </a:effectRef>
+          <a:fontRef idx="minor">
+            <a:schemeClr val="lt1"/>
+          </a:fontRef>
+        </p:style>
+        <p:txBody>
+          <a:bodyPr rtlCol="0" anchor="ctr"/>
+          <a:lstStyle/>
+          <a:p>
+            <a:pPr algn="ctr"/>
+            <a:endParaRPr kumimoji="1" lang="ja-JP" altLang="en-US"/>
+          </a:p>
+        </p:txBody>
+      </p:sp>
+      <p:sp>
+        <p:nvSpPr>
+          <p:cNvPr id="12" name="角丸四角形 11">
+            <a:extLst>
+              <a:ext uri="{FF2B5EF4-FFF2-40B4-BE49-F238E27FC236}">
+                <a16:creationId xmlns:a16="http://schemas.microsoft.com/office/drawing/2014/main" id="{151D132B-29D9-EDCD-3022-6DCD8735B4FA}"/>
+              </a:ext>
+            </a:extLst>
+          </p:cNvPr>
+          <p:cNvSpPr/>
+          <p:nvPr/>
+        </p:nvSpPr>
+        <p:spPr>
+          <a:xfrm>
+            <a:off x="1316709" y="2941627"/>
+            <a:ext cx="512064" cy="318897"/>
+          </a:xfrm>
+          <a:prstGeom prst="roundRect">
+            <a:avLst/>
+          </a:prstGeom>
+          <a:solidFill>
+            <a:schemeClr val="bg1"/>
+          </a:solidFill>
+          <a:ln>
+            <a:solidFill>
+              <a:schemeClr val="tx1"/>
+            </a:solidFill>
+          </a:ln>
+        </p:spPr>
+        <p:style>
+          <a:lnRef idx="2">
+            <a:schemeClr val="accent1">
+              <a:shade val="50000"/>
+            </a:schemeClr>
+          </a:lnRef>
+          <a:fillRef idx="1">
+            <a:schemeClr val="accent1"/>
+          </a:fillRef>
+          <a:effectRef idx="0">
+            <a:schemeClr val="accent1"/>
+          </a:effectRef>
+          <a:fontRef idx="minor">
+            <a:schemeClr val="lt1"/>
+          </a:fontRef>
+        </p:style>
+        <p:txBody>
+          <a:bodyPr rtlCol="0" anchor="ctr"/>
+          <a:lstStyle/>
+          <a:p>
+            <a:pPr algn="ctr"/>
+            <a:endParaRPr kumimoji="1" lang="ja-JP" altLang="en-US"/>
+          </a:p>
+        </p:txBody>
+      </p:sp>
+      <p:sp>
+        <p:nvSpPr>
+          <p:cNvPr id="14" name="正方形/長方形 13">
+            <a:extLst>
+              <a:ext uri="{FF2B5EF4-FFF2-40B4-BE49-F238E27FC236}">
+                <a16:creationId xmlns:a16="http://schemas.microsoft.com/office/drawing/2014/main" id="{14649622-0966-15A1-5A87-1EF0ADD65A44}"/>
+              </a:ext>
+            </a:extLst>
+          </p:cNvPr>
+          <p:cNvSpPr/>
+          <p:nvPr/>
+        </p:nvSpPr>
+        <p:spPr>
+          <a:xfrm>
+            <a:off x="1929160" y="2941627"/>
+            <a:ext cx="672995" cy="318897"/>
+          </a:xfrm>
+          <a:prstGeom prst="rect">
+            <a:avLst/>
+          </a:prstGeom>
+          <a:solidFill>
+            <a:schemeClr val="bg1"/>
+          </a:solidFill>
+          <a:ln>
+            <a:solidFill>
+              <a:schemeClr val="tx1"/>
+            </a:solidFill>
+          </a:ln>
+        </p:spPr>
+        <p:style>
+          <a:lnRef idx="2">
+            <a:schemeClr val="accent1">
+              <a:shade val="50000"/>
+            </a:schemeClr>
+          </a:lnRef>
+          <a:fillRef idx="1">
+            <a:schemeClr val="accent1"/>
+          </a:fillRef>
+          <a:effectRef idx="0">
+            <a:schemeClr val="accent1"/>
+          </a:effectRef>
+          <a:fontRef idx="minor">
+            <a:schemeClr val="lt1"/>
+          </a:fontRef>
+        </p:style>
+        <p:txBody>
+          <a:bodyPr rtlCol="0" anchor="ctr"/>
+          <a:lstStyle/>
+          <a:p>
+            <a:pPr algn="ctr"/>
+            <a:r>
+              <a:rPr lang="ja-JP" altLang="en-US">
+                <a:solidFill>
+                  <a:schemeClr val="tx1"/>
+                </a:solidFill>
+              </a:rPr>
+              <a:t>日▼　</a:t>
+            </a:r>
+            <a:endParaRPr kumimoji="1" lang="ja-JP" altLang="en-US">
+              <a:solidFill>
+                <a:schemeClr val="tx1"/>
+              </a:solidFill>
+            </a:endParaRPr>
+          </a:p>
+        </p:txBody>
+      </p:sp>
+      <p:sp>
+        <p:nvSpPr>
+          <p:cNvPr id="15" name="テキスト ボックス 14">
+            <a:extLst>
+              <a:ext uri="{FF2B5EF4-FFF2-40B4-BE49-F238E27FC236}">
+                <a16:creationId xmlns:a16="http://schemas.microsoft.com/office/drawing/2014/main" id="{AFDB3012-76BA-97BD-3644-D692EAA1AA12}"/>
+              </a:ext>
+            </a:extLst>
+          </p:cNvPr>
+          <p:cNvSpPr txBox="1"/>
+          <p:nvPr/>
+        </p:nvSpPr>
+        <p:spPr>
+          <a:xfrm>
+            <a:off x="2602155" y="2870388"/>
+            <a:ext cx="1578364" cy="385298"/>
+          </a:xfrm>
+          <a:prstGeom prst="rect">
+            <a:avLst/>
+          </a:prstGeom>
+          <a:noFill/>
+        </p:spPr>
+        <p:txBody>
+          <a:bodyPr wrap="square" rtlCol="0">
+            <a:spAutoFit/>
+          </a:bodyPr>
+          <a:lstStyle/>
+          <a:p>
+            <a:pPr>
+              <a:lnSpc>
+                <a:spcPct val="150000"/>
+              </a:lnSpc>
+            </a:pPr>
+            <a:r>
+              <a:rPr lang="ja-JP" altLang="en-US" sz="1400"/>
+              <a:t>に一度発生</a:t>
+            </a:r>
+            <a:endParaRPr kumimoji="1" lang="en-US" altLang="ja-JP" sz="1400" dirty="0"/>
+          </a:p>
+        </p:txBody>
+      </p:sp>
+      <p:sp>
+        <p:nvSpPr>
+          <p:cNvPr id="16" name="テキスト ボックス 15">
+            <a:extLst>
+              <a:ext uri="{FF2B5EF4-FFF2-40B4-BE49-F238E27FC236}">
+                <a16:creationId xmlns:a16="http://schemas.microsoft.com/office/drawing/2014/main" id="{611EDFD8-ADAD-1E97-0636-5FF8336F6A65}"/>
+              </a:ext>
+            </a:extLst>
+          </p:cNvPr>
+          <p:cNvSpPr txBox="1"/>
+          <p:nvPr/>
+        </p:nvSpPr>
+        <p:spPr>
+          <a:xfrm>
+            <a:off x="6096556" y="1907189"/>
+            <a:ext cx="979184" cy="1354794"/>
+          </a:xfrm>
+          <a:prstGeom prst="rect">
+            <a:avLst/>
+          </a:prstGeom>
+          <a:noFill/>
+        </p:spPr>
+        <p:txBody>
+          <a:bodyPr wrap="square" rtlCol="0">
+            <a:spAutoFit/>
+          </a:bodyPr>
+          <a:lstStyle/>
+          <a:p>
+            <a:pPr>
+              <a:lnSpc>
+                <a:spcPct val="150000"/>
+              </a:lnSpc>
+            </a:pPr>
+            <a:r>
+              <a:rPr kumimoji="1" lang="ja-JP" altLang="en-US" sz="1400"/>
+              <a:t>項目名：</a:t>
+            </a:r>
+            <a:endParaRPr kumimoji="1" lang="en-US" altLang="ja-JP" sz="1400" dirty="0"/>
+          </a:p>
+          <a:p>
+            <a:pPr>
+              <a:lnSpc>
+                <a:spcPct val="150000"/>
+              </a:lnSpc>
+            </a:pPr>
+            <a:r>
+              <a:rPr lang="ja-JP" altLang="en-US" sz="1400"/>
+              <a:t>金　額：</a:t>
+            </a:r>
+            <a:endParaRPr lang="en-US" altLang="ja-JP" sz="1400" dirty="0"/>
+          </a:p>
+          <a:p>
+            <a:pPr>
+              <a:lnSpc>
+                <a:spcPct val="150000"/>
+              </a:lnSpc>
+            </a:pPr>
+            <a:r>
+              <a:rPr lang="ja-JP" altLang="en-US" sz="1400"/>
+              <a:t>期　間</a:t>
+            </a:r>
+            <a:r>
+              <a:rPr kumimoji="1" lang="ja-JP" altLang="en-US" sz="1400"/>
+              <a:t>：</a:t>
+            </a:r>
+            <a:endParaRPr kumimoji="1" lang="en-US" altLang="ja-JP" sz="1400" dirty="0"/>
+          </a:p>
+          <a:p>
+            <a:pPr>
+              <a:lnSpc>
+                <a:spcPct val="150000"/>
+              </a:lnSpc>
+            </a:pPr>
+            <a:r>
+              <a:rPr lang="ja-JP" altLang="en-US" sz="1400"/>
+              <a:t>頻　度：</a:t>
+            </a:r>
+            <a:endParaRPr lang="en-US" altLang="ja-JP" sz="1400" dirty="0"/>
+          </a:p>
+        </p:txBody>
+      </p:sp>
+      <p:sp>
+        <p:nvSpPr>
+          <p:cNvPr id="43" name="角丸四角形 42">
+            <a:extLst>
+              <a:ext uri="{FF2B5EF4-FFF2-40B4-BE49-F238E27FC236}">
+                <a16:creationId xmlns:a16="http://schemas.microsoft.com/office/drawing/2014/main" id="{D8F44208-51D6-B4DB-7046-064B7040E64A}"/>
+              </a:ext>
+            </a:extLst>
+          </p:cNvPr>
+          <p:cNvSpPr/>
+          <p:nvPr/>
+        </p:nvSpPr>
+        <p:spPr>
+          <a:xfrm>
+            <a:off x="6894390" y="1991110"/>
+            <a:ext cx="1662117" cy="318897"/>
+          </a:xfrm>
+          <a:prstGeom prst="roundRect">
+            <a:avLst/>
+          </a:prstGeom>
+          <a:solidFill>
+            <a:schemeClr val="bg1"/>
+          </a:solidFill>
+          <a:ln>
+            <a:solidFill>
+              <a:schemeClr val="tx1"/>
+            </a:solidFill>
+          </a:ln>
+        </p:spPr>
+        <p:style>
+          <a:lnRef idx="2">
+            <a:schemeClr val="accent1">
+              <a:shade val="50000"/>
+            </a:schemeClr>
+          </a:lnRef>
+          <a:fillRef idx="1">
+            <a:schemeClr val="accent1"/>
+          </a:fillRef>
+          <a:effectRef idx="0">
+            <a:schemeClr val="accent1"/>
+          </a:effectRef>
+          <a:fontRef idx="minor">
+            <a:schemeClr val="lt1"/>
+          </a:fontRef>
+        </p:style>
+        <p:txBody>
+          <a:bodyPr rtlCol="0" anchor="ctr"/>
+          <a:lstStyle/>
+          <a:p>
+            <a:pPr algn="ctr"/>
+            <a:endParaRPr kumimoji="1" lang="ja-JP" altLang="en-US"/>
+          </a:p>
+        </p:txBody>
+      </p:sp>
+      <p:sp>
+        <p:nvSpPr>
+          <p:cNvPr id="45" name="角丸四角形 44">
+            <a:extLst>
+              <a:ext uri="{FF2B5EF4-FFF2-40B4-BE49-F238E27FC236}">
+                <a16:creationId xmlns:a16="http://schemas.microsoft.com/office/drawing/2014/main" id="{47144227-5FA5-5589-7244-2ED0309258E6}"/>
+              </a:ext>
+            </a:extLst>
+          </p:cNvPr>
+          <p:cNvSpPr/>
+          <p:nvPr/>
+        </p:nvSpPr>
+        <p:spPr>
+          <a:xfrm>
+            <a:off x="6894390" y="2327211"/>
+            <a:ext cx="1662117" cy="318897"/>
+          </a:xfrm>
+          <a:prstGeom prst="roundRect">
+            <a:avLst/>
+          </a:prstGeom>
+          <a:solidFill>
+            <a:schemeClr val="bg1"/>
+          </a:solidFill>
+          <a:ln>
+            <a:solidFill>
+              <a:schemeClr val="tx1"/>
+            </a:solidFill>
+          </a:ln>
+        </p:spPr>
+        <p:style>
+          <a:lnRef idx="2">
+            <a:schemeClr val="accent1">
+              <a:shade val="50000"/>
+            </a:schemeClr>
+          </a:lnRef>
+          <a:fillRef idx="1">
+            <a:schemeClr val="accent1"/>
+          </a:fillRef>
+          <a:effectRef idx="0">
+            <a:schemeClr val="accent1"/>
+          </a:effectRef>
+          <a:fontRef idx="minor">
+            <a:schemeClr val="lt1"/>
+          </a:fontRef>
+        </p:style>
+        <p:txBody>
+          <a:bodyPr rtlCol="0" anchor="ctr"/>
+          <a:lstStyle/>
+          <a:p>
+            <a:pPr algn="ctr"/>
+            <a:endParaRPr kumimoji="1" lang="ja-JP" altLang="en-US"/>
+          </a:p>
+        </p:txBody>
+      </p:sp>
+      <p:sp>
+        <p:nvSpPr>
+          <p:cNvPr id="46" name="角丸四角形 45">
+            <a:extLst>
+              <a:ext uri="{FF2B5EF4-FFF2-40B4-BE49-F238E27FC236}">
+                <a16:creationId xmlns:a16="http://schemas.microsoft.com/office/drawing/2014/main" id="{157A09BC-18F6-3BA8-44C7-73CBF1A66B00}"/>
+              </a:ext>
+            </a:extLst>
+          </p:cNvPr>
+          <p:cNvSpPr/>
+          <p:nvPr/>
+        </p:nvSpPr>
+        <p:spPr>
+          <a:xfrm>
+            <a:off x="6900174" y="2941626"/>
+            <a:ext cx="512064" cy="318897"/>
+          </a:xfrm>
+          <a:prstGeom prst="roundRect">
+            <a:avLst/>
+          </a:prstGeom>
+          <a:solidFill>
+            <a:schemeClr val="bg1"/>
+          </a:solidFill>
+          <a:ln>
+            <a:solidFill>
+              <a:schemeClr val="tx1"/>
+            </a:solidFill>
+          </a:ln>
+        </p:spPr>
+        <p:style>
+          <a:lnRef idx="2">
+            <a:schemeClr val="accent1">
+              <a:shade val="50000"/>
+            </a:schemeClr>
+          </a:lnRef>
+          <a:fillRef idx="1">
+            <a:schemeClr val="accent1"/>
+          </a:fillRef>
+          <a:effectRef idx="0">
+            <a:schemeClr val="accent1"/>
+          </a:effectRef>
+          <a:fontRef idx="minor">
+            <a:schemeClr val="lt1"/>
+          </a:fontRef>
+        </p:style>
+        <p:txBody>
+          <a:bodyPr rtlCol="0" anchor="ctr"/>
+          <a:lstStyle/>
+          <a:p>
+            <a:pPr algn="ctr"/>
+            <a:endParaRPr kumimoji="1" lang="ja-JP" altLang="en-US"/>
+          </a:p>
+        </p:txBody>
+      </p:sp>
+      <p:sp>
+        <p:nvSpPr>
+          <p:cNvPr id="48" name="正方形/長方形 47">
+            <a:extLst>
+              <a:ext uri="{FF2B5EF4-FFF2-40B4-BE49-F238E27FC236}">
+                <a16:creationId xmlns:a16="http://schemas.microsoft.com/office/drawing/2014/main" id="{1E9A5604-640C-E83D-A61D-E0A156CF56AE}"/>
+              </a:ext>
+            </a:extLst>
+          </p:cNvPr>
+          <p:cNvSpPr/>
+          <p:nvPr/>
+        </p:nvSpPr>
+        <p:spPr>
+          <a:xfrm>
+            <a:off x="7479690" y="2941626"/>
+            <a:ext cx="672995" cy="318897"/>
+          </a:xfrm>
+          <a:prstGeom prst="rect">
+            <a:avLst/>
+          </a:prstGeom>
+          <a:solidFill>
+            <a:schemeClr val="bg1"/>
+          </a:solidFill>
+          <a:ln>
+            <a:solidFill>
+              <a:schemeClr val="tx1"/>
+            </a:solidFill>
+          </a:ln>
+        </p:spPr>
+        <p:style>
+          <a:lnRef idx="2">
+            <a:schemeClr val="accent1">
+              <a:shade val="50000"/>
+            </a:schemeClr>
+          </a:lnRef>
+          <a:fillRef idx="1">
+            <a:schemeClr val="accent1"/>
+          </a:fillRef>
+          <a:effectRef idx="0">
+            <a:schemeClr val="accent1"/>
+          </a:effectRef>
+          <a:fontRef idx="minor">
+            <a:schemeClr val="lt1"/>
+          </a:fontRef>
+        </p:style>
+        <p:txBody>
+          <a:bodyPr rtlCol="0" anchor="ctr"/>
+          <a:lstStyle/>
+          <a:p>
+            <a:pPr algn="ctr"/>
+            <a:r>
+              <a:rPr lang="ja-JP" altLang="en-US">
+                <a:solidFill>
+                  <a:schemeClr val="tx1"/>
+                </a:solidFill>
+              </a:rPr>
+              <a:t>日▼　</a:t>
+            </a:r>
+            <a:endParaRPr kumimoji="1" lang="ja-JP" altLang="en-US">
+              <a:solidFill>
+                <a:schemeClr val="tx1"/>
+              </a:solidFill>
+            </a:endParaRPr>
+          </a:p>
+        </p:txBody>
+      </p:sp>
+      <p:sp>
+        <p:nvSpPr>
+          <p:cNvPr id="49" name="テキスト ボックス 48">
+            <a:extLst>
+              <a:ext uri="{FF2B5EF4-FFF2-40B4-BE49-F238E27FC236}">
+                <a16:creationId xmlns:a16="http://schemas.microsoft.com/office/drawing/2014/main" id="{223FB4E8-AB28-ED84-8B8A-63EC0873B41B}"/>
+              </a:ext>
+            </a:extLst>
+          </p:cNvPr>
+          <p:cNvSpPr txBox="1"/>
+          <p:nvPr/>
+        </p:nvSpPr>
+        <p:spPr>
+          <a:xfrm>
+            <a:off x="8162248" y="2870388"/>
+            <a:ext cx="1250246" cy="385298"/>
+          </a:xfrm>
+          <a:prstGeom prst="rect">
+            <a:avLst/>
+          </a:prstGeom>
+          <a:noFill/>
+        </p:spPr>
+        <p:txBody>
+          <a:bodyPr wrap="square" rtlCol="0">
+            <a:spAutoFit/>
+          </a:bodyPr>
+          <a:lstStyle/>
+          <a:p>
+            <a:pPr>
+              <a:lnSpc>
+                <a:spcPct val="150000"/>
+              </a:lnSpc>
+            </a:pPr>
+            <a:r>
+              <a:rPr lang="ja-JP" altLang="en-US" sz="1400"/>
+              <a:t>に一度発生</a:t>
+            </a:r>
+            <a:endParaRPr kumimoji="1" lang="en-US" altLang="ja-JP" sz="1400" dirty="0"/>
+          </a:p>
+        </p:txBody>
+      </p:sp>
+    </p:spTree>
+    <p:extLst>
+      <p:ext uri="{BB962C8B-B14F-4D97-AF65-F5344CB8AC3E}">
+        <p14:creationId xmlns:p14="http://schemas.microsoft.com/office/powerpoint/2010/main" val="3475451340"/>
       </p:ext>
     </p:extLst>
   </p:cSld>

--- a/design/画面デザイン構想.pptx
+++ b/design/画面デザイン構想.pptx
@@ -235,7 +235,7 @@
           <a:p>
             <a:fld id="{F0B2D6F8-1EBE-4342-95F8-DEA5F9C1E451}" type="datetimeFigureOut">
               <a:rPr kumimoji="1" lang="ja-JP" altLang="en-US" smtClean="0"/>
-              <a:t>2022/7/18</a:t>
+              <a:t>2022/7/20</a:t>
             </a:fld>
             <a:endParaRPr kumimoji="1" lang="ja-JP" altLang="en-US"/>
           </a:p>
@@ -1551,7 +1551,7 @@
           <a:p>
             <a:fld id="{4978F8BA-5C8D-964E-9BEE-EAEFE2CC1A01}" type="datetimeFigureOut">
               <a:rPr kumimoji="1" lang="ja-JP" altLang="en-US" smtClean="0"/>
-              <a:t>2022/7/18</a:t>
+              <a:t>2022/7/20</a:t>
             </a:fld>
             <a:endParaRPr kumimoji="1" lang="ja-JP" altLang="en-US"/>
           </a:p>
@@ -1781,7 +1781,7 @@
           <a:p>
             <a:fld id="{4978F8BA-5C8D-964E-9BEE-EAEFE2CC1A01}" type="datetimeFigureOut">
               <a:rPr kumimoji="1" lang="ja-JP" altLang="en-US" smtClean="0"/>
-              <a:t>2022/7/18</a:t>
+              <a:t>2022/7/20</a:t>
             </a:fld>
             <a:endParaRPr kumimoji="1" lang="ja-JP" altLang="en-US"/>
           </a:p>
@@ -2021,7 +2021,7 @@
           <a:p>
             <a:fld id="{4978F8BA-5C8D-964E-9BEE-EAEFE2CC1A01}" type="datetimeFigureOut">
               <a:rPr kumimoji="1" lang="ja-JP" altLang="en-US" smtClean="0"/>
-              <a:t>2022/7/18</a:t>
+              <a:t>2022/7/20</a:t>
             </a:fld>
             <a:endParaRPr kumimoji="1" lang="ja-JP" altLang="en-US"/>
           </a:p>
@@ -2251,7 +2251,7 @@
           <a:p>
             <a:fld id="{4978F8BA-5C8D-964E-9BEE-EAEFE2CC1A01}" type="datetimeFigureOut">
               <a:rPr kumimoji="1" lang="ja-JP" altLang="en-US" smtClean="0"/>
-              <a:t>2022/7/18</a:t>
+              <a:t>2022/7/20</a:t>
             </a:fld>
             <a:endParaRPr kumimoji="1" lang="ja-JP" altLang="en-US"/>
           </a:p>
@@ -2526,7 +2526,7 @@
           <a:p>
             <a:fld id="{4978F8BA-5C8D-964E-9BEE-EAEFE2CC1A01}" type="datetimeFigureOut">
               <a:rPr kumimoji="1" lang="ja-JP" altLang="en-US" smtClean="0"/>
-              <a:t>2022/7/18</a:t>
+              <a:t>2022/7/20</a:t>
             </a:fld>
             <a:endParaRPr kumimoji="1" lang="ja-JP" altLang="en-US"/>
           </a:p>
@@ -2855,7 +2855,7 @@
           <a:p>
             <a:fld id="{4978F8BA-5C8D-964E-9BEE-EAEFE2CC1A01}" type="datetimeFigureOut">
               <a:rPr kumimoji="1" lang="ja-JP" altLang="en-US" smtClean="0"/>
-              <a:t>2022/7/18</a:t>
+              <a:t>2022/7/20</a:t>
             </a:fld>
             <a:endParaRPr kumimoji="1" lang="ja-JP" altLang="en-US"/>
           </a:p>
@@ -3331,7 +3331,7 @@
           <a:p>
             <a:fld id="{4978F8BA-5C8D-964E-9BEE-EAEFE2CC1A01}" type="datetimeFigureOut">
               <a:rPr kumimoji="1" lang="ja-JP" altLang="en-US" smtClean="0"/>
-              <a:t>2022/7/18</a:t>
+              <a:t>2022/7/20</a:t>
             </a:fld>
             <a:endParaRPr kumimoji="1" lang="ja-JP" altLang="en-US"/>
           </a:p>
@@ -3472,7 +3472,7 @@
           <a:p>
             <a:fld id="{4978F8BA-5C8D-964E-9BEE-EAEFE2CC1A01}" type="datetimeFigureOut">
               <a:rPr kumimoji="1" lang="ja-JP" altLang="en-US" smtClean="0"/>
-              <a:t>2022/7/18</a:t>
+              <a:t>2022/7/20</a:t>
             </a:fld>
             <a:endParaRPr kumimoji="1" lang="ja-JP" altLang="en-US"/>
           </a:p>
@@ -3585,7 +3585,7 @@
           <a:p>
             <a:fld id="{4978F8BA-5C8D-964E-9BEE-EAEFE2CC1A01}" type="datetimeFigureOut">
               <a:rPr kumimoji="1" lang="ja-JP" altLang="en-US" smtClean="0"/>
-              <a:t>2022/7/18</a:t>
+              <a:t>2022/7/20</a:t>
             </a:fld>
             <a:endParaRPr kumimoji="1" lang="ja-JP" altLang="en-US"/>
           </a:p>
@@ -3928,7 +3928,7 @@
           <a:p>
             <a:fld id="{4978F8BA-5C8D-964E-9BEE-EAEFE2CC1A01}" type="datetimeFigureOut">
               <a:rPr kumimoji="1" lang="ja-JP" altLang="en-US" smtClean="0"/>
-              <a:t>2022/7/18</a:t>
+              <a:t>2022/7/20</a:t>
             </a:fld>
             <a:endParaRPr kumimoji="1" lang="ja-JP" altLang="en-US"/>
           </a:p>
@@ -4216,7 +4216,7 @@
           <a:p>
             <a:fld id="{4978F8BA-5C8D-964E-9BEE-EAEFE2CC1A01}" type="datetimeFigureOut">
               <a:rPr kumimoji="1" lang="ja-JP" altLang="en-US" smtClean="0"/>
-              <a:t>2022/7/18</a:t>
+              <a:t>2022/7/20</a:t>
             </a:fld>
             <a:endParaRPr kumimoji="1" lang="ja-JP" altLang="en-US"/>
           </a:p>
@@ -4489,7 +4489,7 @@
           <a:p>
             <a:fld id="{4978F8BA-5C8D-964E-9BEE-EAEFE2CC1A01}" type="datetimeFigureOut">
               <a:rPr kumimoji="1" lang="ja-JP" altLang="en-US" smtClean="0"/>
-              <a:t>2022/7/18</a:t>
+              <a:t>2022/7/20</a:t>
             </a:fld>
             <a:endParaRPr kumimoji="1" lang="ja-JP" altLang="en-US"/>
           </a:p>
@@ -8136,7 +8136,7 @@
           <p:nvPr>
             <p:extLst>
               <p:ext uri="{D42A27DB-BD31-4B8C-83A1-F6EECF244321}">
-                <p14:modId xmlns:p14="http://schemas.microsoft.com/office/powerpoint/2010/main" val="3390588617"/>
+                <p14:modId xmlns:p14="http://schemas.microsoft.com/office/powerpoint/2010/main" val="4098578966"/>
               </p:ext>
             </p:extLst>
           </p:nvPr>
@@ -8210,9 +8210,7 @@
                   </a:txBody>
                   <a:tcPr>
                     <a:solidFill>
-                      <a:schemeClr val="accent1">
-                        <a:lumMod val="75000"/>
-                      </a:schemeClr>
+                      <a:srgbClr val="2F5597"/>
                     </a:solidFill>
                   </a:tcPr>
                 </a:tc>
